--- a/Slides/04_Sql_TrainingPlan.pptx
+++ b/Slides/04_Sql_TrainingPlan.pptx
@@ -5,7 +5,7 @@
     <p:sldMasterId id="2147483672" r:id="rId1"/>
   </p:sldMasterIdLst>
   <p:notesMasterIdLst>
-    <p:notesMasterId r:id="rId42"/>
+    <p:notesMasterId r:id="rId43"/>
   </p:notesMasterIdLst>
   <p:sldIdLst>
     <p:sldId id="256" r:id="rId2"/>
@@ -39,15 +39,16 @@
     <p:sldId id="313" r:id="rId30"/>
     <p:sldId id="314" r:id="rId31"/>
     <p:sldId id="315" r:id="rId32"/>
-    <p:sldId id="322" r:id="rId33"/>
-    <p:sldId id="323" r:id="rId34"/>
-    <p:sldId id="338" r:id="rId35"/>
-    <p:sldId id="317" r:id="rId36"/>
-    <p:sldId id="329" r:id="rId37"/>
-    <p:sldId id="336" r:id="rId38"/>
-    <p:sldId id="324" r:id="rId39"/>
-    <p:sldId id="330" r:id="rId40"/>
-    <p:sldId id="337" r:id="rId41"/>
+    <p:sldId id="339" r:id="rId33"/>
+    <p:sldId id="322" r:id="rId34"/>
+    <p:sldId id="323" r:id="rId35"/>
+    <p:sldId id="338" r:id="rId36"/>
+    <p:sldId id="317" r:id="rId37"/>
+    <p:sldId id="329" r:id="rId38"/>
+    <p:sldId id="336" r:id="rId39"/>
+    <p:sldId id="324" r:id="rId40"/>
+    <p:sldId id="330" r:id="rId41"/>
+    <p:sldId id="337" r:id="rId42"/>
   </p:sldIdLst>
   <p:sldSz cx="12192000" cy="6858000"/>
   <p:notesSz cx="6858000" cy="9144000"/>
@@ -236,7 +237,7 @@
           <a:p>
             <a:fld id="{A06BE876-B150-4492-9C7C-FA6D5FB22A29}" type="datetimeFigureOut">
               <a:rPr lang="en-US" smtClean="0"/>
-              <a:t>2/17/2018</a:t>
+              <a:t>5/10/2018</a:t>
             </a:fld>
             <a:endParaRPr lang="en-US"/>
           </a:p>
@@ -300,38 +301,37 @@
           <a:p>
             <a:pPr lvl="0"/>
             <a:r>
-              <a:rPr lang="en-US" smtClean="0"/>
+              <a:rPr lang="en-US"/>
               <a:t>Click to edit Master text styles</a:t>
             </a:r>
           </a:p>
           <a:p>
             <a:pPr lvl="1"/>
             <a:r>
-              <a:rPr lang="en-US" smtClean="0"/>
+              <a:rPr lang="en-US"/>
               <a:t>Second level</a:t>
             </a:r>
           </a:p>
           <a:p>
             <a:pPr lvl="2"/>
             <a:r>
-              <a:rPr lang="en-US" smtClean="0"/>
+              <a:rPr lang="en-US"/>
               <a:t>Third level</a:t>
             </a:r>
           </a:p>
           <a:p>
             <a:pPr lvl="3"/>
             <a:r>
-              <a:rPr lang="en-US" smtClean="0"/>
+              <a:rPr lang="en-US"/>
               <a:t>Fourth level</a:t>
             </a:r>
           </a:p>
           <a:p>
             <a:pPr lvl="4"/>
             <a:r>
-              <a:rPr lang="en-US" smtClean="0"/>
+              <a:rPr lang="en-US"/>
               <a:t>Fifth level</a:t>
             </a:r>
-            <a:endParaRPr lang="en-US"/>
           </a:p>
         </p:txBody>
       </p:sp>
@@ -553,18 +553,18 @@
               <a:buChar char="•"/>
             </a:pPr>
             <a:r>
-              <a:rPr lang="en-US" dirty="0" err="1" smtClean="0"/>
+              <a:rPr lang="en-US" dirty="0" err="1"/>
               <a:t>MySql</a:t>
             </a:r>
             <a:r>
-              <a:rPr lang="en-US" dirty="0" smtClean="0"/>
+              <a:rPr lang="en-US" dirty="0"/>
               <a:t> has an open</a:t>
             </a:r>
             <a:r>
-              <a:rPr lang="en-US" baseline="0" dirty="0" smtClean="0"/>
+              <a:rPr lang="en-US" baseline="0" dirty="0"/>
               <a:t> source and a proprietary enterprise version.  It is owned by Oracle.</a:t>
             </a:r>
-            <a:endParaRPr lang="en-US" dirty="0" smtClean="0"/>
+            <a:endParaRPr lang="en-US" dirty="0"/>
           </a:p>
           <a:p>
             <a:pPr marL="171450" indent="-171450">
@@ -572,19 +572,19 @@
               <a:buChar char="•"/>
             </a:pPr>
             <a:r>
-              <a:rPr lang="en-US" dirty="0" smtClean="0"/>
+              <a:rPr lang="en-US" dirty="0"/>
               <a:t>It has competitors in this realm</a:t>
             </a:r>
             <a:r>
-              <a:rPr lang="en-US" baseline="0" dirty="0" smtClean="0"/>
+              <a:rPr lang="en-US" baseline="0" dirty="0"/>
               <a:t> such as Oracle and </a:t>
             </a:r>
             <a:r>
-              <a:rPr lang="en-US" baseline="0" dirty="0" err="1" smtClean="0"/>
+              <a:rPr lang="en-US" baseline="0" dirty="0" err="1"/>
               <a:t>Sql</a:t>
             </a:r>
             <a:r>
-              <a:rPr lang="en-US" baseline="0" dirty="0" smtClean="0"/>
+              <a:rPr lang="en-US" baseline="0" dirty="0"/>
               <a:t> Server</a:t>
             </a:r>
           </a:p>
@@ -594,7 +594,7 @@
               <a:buChar char="•"/>
             </a:pPr>
             <a:r>
-              <a:rPr lang="en-US" baseline="0" dirty="0" smtClean="0"/>
+              <a:rPr lang="en-US" baseline="0" dirty="0"/>
               <a:t>The first thing that you normally do is to create the database.</a:t>
             </a:r>
           </a:p>
@@ -604,7 +604,7 @@
               <a:buChar char="•"/>
             </a:pPr>
             <a:r>
-              <a:rPr lang="en-US" baseline="0" dirty="0" smtClean="0"/>
+              <a:rPr lang="en-US" baseline="0" dirty="0"/>
               <a:t>There can be multiple databases on a server.</a:t>
             </a:r>
           </a:p>
@@ -614,7 +614,7 @@
               <a:buChar char="•"/>
             </a:pPr>
             <a:r>
-              <a:rPr lang="en-US" baseline="0" dirty="0" smtClean="0"/>
+              <a:rPr lang="en-US" baseline="0" dirty="0"/>
               <a:t>The server will have security and settings around it and the database itself will as well.</a:t>
             </a:r>
           </a:p>
@@ -624,17 +624,17 @@
               <a:buChar char="•"/>
             </a:pPr>
             <a:r>
-              <a:rPr lang="en-US" baseline="0" dirty="0" smtClean="0"/>
+              <a:rPr lang="en-US" baseline="0" dirty="0"/>
               <a:t>Tables are created to store data in the database.</a:t>
             </a:r>
-            <a:endParaRPr lang="en-US" dirty="0" smtClean="0"/>
+            <a:endParaRPr lang="en-US" dirty="0"/>
           </a:p>
           <a:p>
             <a:pPr marL="171450" indent="-171450">
               <a:buFont typeface="Arial" panose="020B0604020202020204" pitchFamily="34" charset="0"/>
               <a:buChar char="•"/>
             </a:pPr>
-            <a:endParaRPr lang="en-US" baseline="0" dirty="0" smtClean="0"/>
+            <a:endParaRPr lang="en-US" baseline="0" dirty="0"/>
           </a:p>
         </p:txBody>
       </p:sp>
@@ -723,7 +723,7 @@
               <a:buChar char="•"/>
             </a:pPr>
             <a:r>
-              <a:rPr lang="en-US" sz="1200" kern="1200" dirty="0" smtClean="0">
+              <a:rPr lang="en-US" sz="1200" kern="1200" dirty="0">
                 <a:solidFill>
                   <a:schemeClr val="tx1"/>
                 </a:solidFill>
@@ -735,7 +735,7 @@
               <a:t>Write on the board an insert statement for a table named employee with columns </a:t>
             </a:r>
             <a:r>
-              <a:rPr lang="en-US" sz="1200" kern="1200" dirty="0" err="1" smtClean="0">
+              <a:rPr lang="en-US" sz="1200" kern="1200" dirty="0" err="1">
                 <a:solidFill>
                   <a:schemeClr val="tx1"/>
                 </a:solidFill>
@@ -747,7 +747,7 @@
               <a:t>EmployeeID</a:t>
             </a:r>
             <a:r>
-              <a:rPr lang="en-US" sz="1200" kern="1200" dirty="0" smtClean="0">
+              <a:rPr lang="en-US" sz="1200" kern="1200" dirty="0">
                 <a:solidFill>
                   <a:schemeClr val="tx1"/>
                 </a:solidFill>
@@ -759,7 +759,7 @@
               <a:t>, </a:t>
             </a:r>
             <a:r>
-              <a:rPr lang="en-US" sz="1200" kern="1200" dirty="0" err="1" smtClean="0">
+              <a:rPr lang="en-US" sz="1200" kern="1200" dirty="0" err="1">
                 <a:solidFill>
                   <a:schemeClr val="tx1"/>
                 </a:solidFill>
@@ -771,7 +771,7 @@
               <a:t>FirstName</a:t>
             </a:r>
             <a:r>
-              <a:rPr lang="en-US" sz="1200" kern="1200" dirty="0" smtClean="0">
+              <a:rPr lang="en-US" sz="1200" kern="1200" dirty="0">
                 <a:solidFill>
                   <a:schemeClr val="tx1"/>
                 </a:solidFill>
@@ -783,7 +783,7 @@
               <a:t>, and </a:t>
             </a:r>
             <a:r>
-              <a:rPr lang="en-US" sz="1200" kern="1200" dirty="0" err="1" smtClean="0">
+              <a:rPr lang="en-US" sz="1200" kern="1200" dirty="0" err="1">
                 <a:solidFill>
                   <a:schemeClr val="tx1"/>
                 </a:solidFill>
@@ -795,7 +795,7 @@
               <a:t>LastName</a:t>
             </a:r>
             <a:r>
-              <a:rPr lang="en-US" sz="1200" kern="1200" dirty="0" smtClean="0">
+              <a:rPr lang="en-US" sz="1200" kern="1200" dirty="0">
                 <a:solidFill>
                   <a:schemeClr val="tx1"/>
                 </a:solidFill>
@@ -807,7 +807,7 @@
               <a:t>.  </a:t>
             </a:r>
             <a:r>
-              <a:rPr lang="en-US" sz="1200" kern="1200" dirty="0" err="1" smtClean="0">
+              <a:rPr lang="en-US" sz="1200" kern="1200" dirty="0" err="1">
                 <a:solidFill>
                   <a:schemeClr val="tx1"/>
                 </a:solidFill>
@@ -819,7 +819,7 @@
               <a:t>EmployeeID</a:t>
             </a:r>
             <a:r>
-              <a:rPr lang="en-US" sz="1200" kern="1200" dirty="0" smtClean="0">
+              <a:rPr lang="en-US" sz="1200" kern="1200" dirty="0">
                 <a:solidFill>
                   <a:schemeClr val="tx1"/>
                 </a:solidFill>
@@ -837,7 +837,7 @@
               <a:buChar char="•"/>
             </a:pPr>
             <a:r>
-              <a:rPr lang="en-US" sz="1200" kern="1200" dirty="0" smtClean="0">
+              <a:rPr lang="en-US" sz="1200" kern="1200" dirty="0">
                 <a:solidFill>
                   <a:schemeClr val="tx1"/>
                 </a:solidFill>
@@ -849,7 +849,7 @@
               <a:t>Write on the board an insert statement for a table named employee with columns </a:t>
             </a:r>
             <a:r>
-              <a:rPr lang="en-US" sz="1200" kern="1200" dirty="0" err="1" smtClean="0">
+              <a:rPr lang="en-US" sz="1200" kern="1200" dirty="0" err="1">
                 <a:solidFill>
                   <a:schemeClr val="tx1"/>
                 </a:solidFill>
@@ -861,7 +861,7 @@
               <a:t>EmployeeID</a:t>
             </a:r>
             <a:r>
-              <a:rPr lang="en-US" sz="1200" kern="1200" dirty="0" smtClean="0">
+              <a:rPr lang="en-US" sz="1200" kern="1200" dirty="0">
                 <a:solidFill>
                   <a:schemeClr val="tx1"/>
                 </a:solidFill>
@@ -873,7 +873,7 @@
               <a:t>, </a:t>
             </a:r>
             <a:r>
-              <a:rPr lang="en-US" sz="1200" kern="1200" dirty="0" err="1" smtClean="0">
+              <a:rPr lang="en-US" sz="1200" kern="1200" dirty="0" err="1">
                 <a:solidFill>
                   <a:schemeClr val="tx1"/>
                 </a:solidFill>
@@ -885,7 +885,7 @@
               <a:t>FirstName</a:t>
             </a:r>
             <a:r>
-              <a:rPr lang="en-US" sz="1200" kern="1200" dirty="0" smtClean="0">
+              <a:rPr lang="en-US" sz="1200" kern="1200" dirty="0">
                 <a:solidFill>
                   <a:schemeClr val="tx1"/>
                 </a:solidFill>
@@ -897,7 +897,7 @@
               <a:t>, and </a:t>
             </a:r>
             <a:r>
-              <a:rPr lang="en-US" sz="1200" kern="1200" dirty="0" err="1" smtClean="0">
+              <a:rPr lang="en-US" sz="1200" kern="1200" dirty="0" err="1">
                 <a:solidFill>
                   <a:schemeClr val="tx1"/>
                 </a:solidFill>
@@ -909,7 +909,7 @@
               <a:t>LastName</a:t>
             </a:r>
             <a:r>
-              <a:rPr lang="en-US" sz="1200" kern="1200" dirty="0" smtClean="0">
+              <a:rPr lang="en-US" sz="1200" kern="1200" dirty="0">
                 <a:solidFill>
                   <a:schemeClr val="tx1"/>
                 </a:solidFill>
@@ -921,7 +921,7 @@
               <a:t>.  </a:t>
             </a:r>
             <a:r>
-              <a:rPr lang="en-US" sz="1200" kern="1200" dirty="0" err="1" smtClean="0">
+              <a:rPr lang="en-US" sz="1200" kern="1200" dirty="0" err="1">
                 <a:solidFill>
                   <a:schemeClr val="tx1"/>
                 </a:solidFill>
@@ -933,7 +933,7 @@
               <a:t>EmployeeID</a:t>
             </a:r>
             <a:r>
-              <a:rPr lang="en-US" sz="1200" kern="1200" dirty="0" smtClean="0">
+              <a:rPr lang="en-US" sz="1200" kern="1200" dirty="0">
                 <a:solidFill>
                   <a:schemeClr val="tx1"/>
                 </a:solidFill>
@@ -951,7 +951,7 @@
               <a:buChar char="•"/>
             </a:pPr>
             <a:r>
-              <a:rPr lang="en-US" sz="1200" kern="1200" dirty="0" smtClean="0">
+              <a:rPr lang="en-US" sz="1200" kern="1200" dirty="0">
                 <a:solidFill>
                   <a:schemeClr val="tx1"/>
                 </a:solidFill>
@@ -963,7 +963,7 @@
               <a:t>Write on the board an update statement that updates </a:t>
             </a:r>
             <a:r>
-              <a:rPr lang="en-US" sz="1200" kern="1200" dirty="0" err="1" smtClean="0">
+              <a:rPr lang="en-US" sz="1200" kern="1200" dirty="0" err="1">
                 <a:solidFill>
                   <a:schemeClr val="tx1"/>
                 </a:solidFill>
@@ -975,7 +975,7 @@
               <a:t>FirstName</a:t>
             </a:r>
             <a:r>
-              <a:rPr lang="en-US" sz="1200" kern="1200" dirty="0" smtClean="0">
+              <a:rPr lang="en-US" sz="1200" kern="1200" dirty="0">
                 <a:solidFill>
                   <a:schemeClr val="tx1"/>
                 </a:solidFill>
@@ -987,7 +987,7 @@
               <a:t> equal to Tim and </a:t>
             </a:r>
             <a:r>
-              <a:rPr lang="en-US" sz="1200" kern="1200" dirty="0" err="1" smtClean="0">
+              <a:rPr lang="en-US" sz="1200" kern="1200" dirty="0" err="1">
                 <a:solidFill>
                   <a:schemeClr val="tx1"/>
                 </a:solidFill>
@@ -999,7 +999,7 @@
               <a:t>LastName</a:t>
             </a:r>
             <a:r>
-              <a:rPr lang="en-US" sz="1200" kern="1200" dirty="0" smtClean="0">
+              <a:rPr lang="en-US" sz="1200" kern="1200" dirty="0">
                 <a:solidFill>
                   <a:schemeClr val="tx1"/>
                 </a:solidFill>
@@ -1011,7 +1011,7 @@
               <a:t> equal to Grant columns of a table named employee where the </a:t>
             </a:r>
             <a:r>
-              <a:rPr lang="en-US" sz="1200" kern="1200" dirty="0" err="1" smtClean="0">
+              <a:rPr lang="en-US" sz="1200" kern="1200" dirty="0" err="1">
                 <a:solidFill>
                   <a:schemeClr val="tx1"/>
                 </a:solidFill>
@@ -1023,7 +1023,7 @@
               <a:t>FirstName</a:t>
             </a:r>
             <a:r>
-              <a:rPr lang="en-US" sz="1200" kern="1200" dirty="0" smtClean="0">
+              <a:rPr lang="en-US" sz="1200" kern="1200" dirty="0">
                 <a:solidFill>
                   <a:schemeClr val="tx1"/>
                 </a:solidFill>
@@ -1035,7 +1035,7 @@
               <a:t> equals Joe and </a:t>
             </a:r>
             <a:r>
-              <a:rPr lang="en-US" sz="1200" kern="1200" dirty="0" err="1" smtClean="0">
+              <a:rPr lang="en-US" sz="1200" kern="1200" dirty="0" err="1">
                 <a:solidFill>
                   <a:schemeClr val="tx1"/>
                 </a:solidFill>
@@ -1047,7 +1047,7 @@
               <a:t>LastName</a:t>
             </a:r>
             <a:r>
-              <a:rPr lang="en-US" sz="1200" kern="1200" dirty="0" smtClean="0">
+              <a:rPr lang="en-US" sz="1200" kern="1200" dirty="0">
                 <a:solidFill>
                   <a:schemeClr val="tx1"/>
                 </a:solidFill>
@@ -1065,7 +1065,7 @@
               <a:buChar char="•"/>
             </a:pPr>
             <a:r>
-              <a:rPr lang="en-US" sz="1200" kern="1200" dirty="0" smtClean="0">
+              <a:rPr lang="en-US" sz="1200" kern="1200" dirty="0">
                 <a:solidFill>
                   <a:schemeClr val="tx1"/>
                 </a:solidFill>
@@ -1077,7 +1077,7 @@
               <a:t>Write on the board a delete statement that deletes records of a table named employee where the </a:t>
             </a:r>
             <a:r>
-              <a:rPr lang="en-US" sz="1200" kern="1200" dirty="0" err="1" smtClean="0">
+              <a:rPr lang="en-US" sz="1200" kern="1200" dirty="0" err="1">
                 <a:solidFill>
                   <a:schemeClr val="tx1"/>
                 </a:solidFill>
@@ -1089,7 +1089,7 @@
               <a:t>EmployeeID</a:t>
             </a:r>
             <a:r>
-              <a:rPr lang="en-US" sz="1200" kern="1200" dirty="0" smtClean="0">
+              <a:rPr lang="en-US" sz="1200" kern="1200" dirty="0">
                 <a:solidFill>
                   <a:schemeClr val="tx1"/>
                 </a:solidFill>
@@ -1195,15 +1195,15 @@
               <a:buChar char="•"/>
             </a:pPr>
             <a:r>
-              <a:rPr lang="en-US" baseline="0" dirty="0" smtClean="0"/>
+              <a:rPr lang="en-US" baseline="0" dirty="0"/>
               <a:t>These are data types for </a:t>
             </a:r>
             <a:r>
-              <a:rPr lang="en-US" baseline="0" dirty="0" err="1" smtClean="0"/>
+              <a:rPr lang="en-US" baseline="0" dirty="0" err="1"/>
               <a:t>MySql</a:t>
             </a:r>
             <a:r>
-              <a:rPr lang="en-US" baseline="0" dirty="0" smtClean="0"/>
+              <a:rPr lang="en-US" baseline="0" dirty="0"/>
               <a:t>.  These are associated with each column and are specified for variables.</a:t>
             </a:r>
           </a:p>
@@ -1213,27 +1213,27 @@
               <a:buChar char="•"/>
             </a:pPr>
             <a:r>
-              <a:rPr lang="en-US" baseline="0" dirty="0" err="1" smtClean="0"/>
+              <a:rPr lang="en-US" baseline="0" dirty="0" err="1"/>
               <a:t>bigint</a:t>
             </a:r>
             <a:r>
-              <a:rPr lang="en-US" baseline="0" dirty="0" smtClean="0"/>
+              <a:rPr lang="en-US" baseline="0" dirty="0"/>
               <a:t>, </a:t>
             </a:r>
             <a:r>
-              <a:rPr lang="en-US" baseline="0" dirty="0" err="1" smtClean="0"/>
+              <a:rPr lang="en-US" baseline="0" dirty="0" err="1"/>
               <a:t>smallint</a:t>
             </a:r>
             <a:r>
-              <a:rPr lang="en-US" baseline="0" dirty="0" smtClean="0"/>
+              <a:rPr lang="en-US" baseline="0" dirty="0"/>
               <a:t>, </a:t>
             </a:r>
             <a:r>
-              <a:rPr lang="en-US" baseline="0" dirty="0" err="1" smtClean="0"/>
+              <a:rPr lang="en-US" baseline="0" dirty="0" err="1"/>
               <a:t>tinyint</a:t>
             </a:r>
             <a:r>
-              <a:rPr lang="en-US" baseline="0" dirty="0" smtClean="0"/>
+              <a:rPr lang="en-US" baseline="0" dirty="0"/>
               <a:t> are different sizes of integers meaning whole numbers.</a:t>
             </a:r>
           </a:p>
@@ -1243,7 +1243,7 @@
               <a:buChar char="•"/>
             </a:pPr>
             <a:r>
-              <a:rPr lang="en-US" baseline="0" dirty="0" smtClean="0"/>
+              <a:rPr lang="en-US" baseline="0" dirty="0"/>
               <a:t>bit is a Boolean represented by 1 meaning true and 0 meaning false</a:t>
             </a:r>
           </a:p>
@@ -1253,7 +1253,7 @@
               <a:buChar char="•"/>
             </a:pPr>
             <a:r>
-              <a:rPr lang="en-US" baseline="0" dirty="0" smtClean="0"/>
+              <a:rPr lang="en-US" baseline="0" dirty="0"/>
               <a:t>numeric and decimal are synonyms both are given a fixed precision and scale</a:t>
             </a:r>
           </a:p>
@@ -1263,15 +1263,15 @@
               <a:buChar char="•"/>
             </a:pPr>
             <a:r>
-              <a:rPr lang="en-US" baseline="0" dirty="0" smtClean="0"/>
+              <a:rPr lang="en-US" baseline="0" dirty="0"/>
               <a:t>Then there are different date and time fields.  date stores the date only.  </a:t>
             </a:r>
             <a:r>
-              <a:rPr lang="en-US" baseline="0" dirty="0" err="1" smtClean="0"/>
+              <a:rPr lang="en-US" baseline="0" dirty="0" err="1"/>
               <a:t>Datetime</a:t>
             </a:r>
             <a:r>
-              <a:rPr lang="en-US" baseline="0" dirty="0" smtClean="0"/>
+              <a:rPr lang="en-US" baseline="0" dirty="0"/>
               <a:t> stores both the date and time</a:t>
             </a:r>
           </a:p>
@@ -1281,7 +1281,7 @@
               <a:buChar char="•"/>
             </a:pPr>
             <a:r>
-              <a:rPr lang="en-US" baseline="0" dirty="0" smtClean="0"/>
+              <a:rPr lang="en-US" baseline="0" dirty="0"/>
               <a:t>There are a few options for storing text.  char is for text with a known number of characters.  varchar is for variable amount of text with a limit set.  text is deprecated so don’t use this.</a:t>
             </a:r>
           </a:p>
@@ -1372,7 +1372,7 @@
               <a:buChar char="•"/>
             </a:pPr>
             <a:r>
-              <a:rPr lang="en-US" baseline="0" dirty="0" smtClean="0"/>
+              <a:rPr lang="en-US" baseline="0" dirty="0"/>
               <a:t>This is the basic syntax for creating tables.</a:t>
             </a:r>
           </a:p>
@@ -1382,7 +1382,7 @@
               <a:buChar char="•"/>
             </a:pPr>
             <a:r>
-              <a:rPr lang="en-US" baseline="0" dirty="0" smtClean="0"/>
+              <a:rPr lang="en-US" baseline="0" dirty="0"/>
               <a:t>We are currently ignoring details such as primary and foreign keys.</a:t>
             </a:r>
           </a:p>
@@ -1392,7 +1392,7 @@
               <a:buChar char="•"/>
             </a:pPr>
             <a:r>
-              <a:rPr lang="en-US" baseline="0" dirty="0" smtClean="0"/>
+              <a:rPr lang="en-US" baseline="0" dirty="0"/>
               <a:t>Use the Create table syntax and specify columns separated by commas surrounded by curly braces.</a:t>
             </a:r>
           </a:p>
@@ -1483,11 +1483,11 @@
               <a:buChar char="•"/>
             </a:pPr>
             <a:r>
-              <a:rPr lang="en-US" dirty="0" smtClean="0"/>
+              <a:rPr lang="en-US" dirty="0"/>
               <a:t>Let’s go through our</a:t>
             </a:r>
             <a:r>
-              <a:rPr lang="en-US" baseline="0" dirty="0" smtClean="0"/>
+              <a:rPr lang="en-US" baseline="0" dirty="0"/>
               <a:t> assessment application and create some tables</a:t>
             </a:r>
           </a:p>
@@ -1496,7 +1496,7 @@
               <a:buFont typeface="Arial" panose="020B0604020202020204" pitchFamily="34" charset="0"/>
               <a:buChar char="•"/>
             </a:pPr>
-            <a:endParaRPr lang="en-US" baseline="0" dirty="0" smtClean="0"/>
+            <a:endParaRPr lang="en-US" baseline="0" dirty="0"/>
           </a:p>
           <a:p>
             <a:pPr marL="0" indent="0">
@@ -1504,7 +1504,7 @@
               <a:buNone/>
             </a:pPr>
             <a:r>
-              <a:rPr lang="en-US" dirty="0" smtClean="0"/>
+              <a:rPr lang="en-US" dirty="0"/>
               <a:t>https://www.w3schools.com/sql/trysql.asp?filename=trysql_create_table</a:t>
             </a:r>
           </a:p>
@@ -1513,7 +1513,7 @@
               <a:buFont typeface="Arial" panose="020B0604020202020204" pitchFamily="34" charset="0"/>
               <a:buNone/>
             </a:pPr>
-            <a:endParaRPr lang="en-US" dirty="0" smtClean="0"/>
+            <a:endParaRPr lang="en-US" dirty="0"/>
           </a:p>
           <a:p>
             <a:pPr marL="0" indent="0">
@@ -1521,7 +1521,7 @@
               <a:buNone/>
             </a:pPr>
             <a:r>
-              <a:rPr lang="en-US" dirty="0" smtClean="0"/>
+              <a:rPr lang="en-US" dirty="0"/>
               <a:t>CREATE TABLE People</a:t>
             </a:r>
           </a:p>
@@ -1531,7 +1531,7 @@
               <a:buNone/>
             </a:pPr>
             <a:r>
-              <a:rPr lang="en-US" dirty="0" smtClean="0"/>
+              <a:rPr lang="en-US" dirty="0"/>
               <a:t>(</a:t>
             </a:r>
           </a:p>
@@ -1541,19 +1541,19 @@
               <a:buNone/>
             </a:pPr>
             <a:r>
-              <a:rPr lang="en-US" dirty="0" err="1" smtClean="0"/>
+              <a:rPr lang="en-US" dirty="0" err="1"/>
               <a:t>PersonID</a:t>
             </a:r>
             <a:r>
-              <a:rPr lang="en-US" dirty="0" smtClean="0"/>
+              <a:rPr lang="en-US" dirty="0"/>
               <a:t> </a:t>
             </a:r>
             <a:r>
-              <a:rPr lang="en-US" dirty="0" err="1" smtClean="0"/>
+              <a:rPr lang="en-US" dirty="0" err="1"/>
               <a:t>int</a:t>
             </a:r>
             <a:r>
-              <a:rPr lang="en-US" dirty="0" smtClean="0"/>
+              <a:rPr lang="en-US" dirty="0"/>
               <a:t>,</a:t>
             </a:r>
           </a:p>
@@ -1563,11 +1563,11 @@
               <a:buNone/>
             </a:pPr>
             <a:r>
-              <a:rPr lang="en-US" dirty="0" err="1" smtClean="0"/>
+              <a:rPr lang="en-US" dirty="0" err="1"/>
               <a:t>LastName</a:t>
             </a:r>
             <a:r>
-              <a:rPr lang="en-US" dirty="0" smtClean="0"/>
+              <a:rPr lang="en-US" dirty="0"/>
               <a:t> varchar(255),</a:t>
             </a:r>
           </a:p>
@@ -1577,11 +1577,11 @@
               <a:buNone/>
             </a:pPr>
             <a:r>
-              <a:rPr lang="en-US" dirty="0" err="1" smtClean="0"/>
+              <a:rPr lang="en-US" dirty="0" err="1"/>
               <a:t>FirstName</a:t>
             </a:r>
             <a:r>
-              <a:rPr lang="en-US" dirty="0" smtClean="0"/>
+              <a:rPr lang="en-US" dirty="0"/>
               <a:t> varchar(255),</a:t>
             </a:r>
           </a:p>
@@ -1591,7 +1591,7 @@
               <a:buNone/>
             </a:pPr>
             <a:r>
-              <a:rPr lang="en-US" dirty="0" smtClean="0"/>
+              <a:rPr lang="en-US" dirty="0"/>
               <a:t>Address varchar(255),</a:t>
             </a:r>
           </a:p>
@@ -1601,7 +1601,7 @@
               <a:buNone/>
             </a:pPr>
             <a:r>
-              <a:rPr lang="en-US" dirty="0" smtClean="0"/>
+              <a:rPr lang="en-US" dirty="0"/>
               <a:t>City varchar(255)</a:t>
             </a:r>
           </a:p>
@@ -1611,10 +1611,9 @@
               <a:buNone/>
             </a:pPr>
             <a:r>
-              <a:rPr lang="en-US" dirty="0" smtClean="0"/>
+              <a:rPr lang="en-US" dirty="0"/>
               <a:t>);</a:t>
             </a:r>
-            <a:endParaRPr lang="en-US" dirty="0"/>
           </a:p>
         </p:txBody>
       </p:sp>
@@ -1703,7 +1702,7 @@
               <a:buChar char="•"/>
             </a:pPr>
             <a:r>
-              <a:rPr lang="en-US" sz="1200" kern="1200" dirty="0" smtClean="0">
+              <a:rPr lang="en-US" sz="1200" kern="1200" dirty="0">
                 <a:solidFill>
                   <a:schemeClr val="tx1"/>
                 </a:solidFill>
@@ -1715,7 +1714,7 @@
               <a:t>Name a </a:t>
             </a:r>
             <a:r>
-              <a:rPr lang="en-US" sz="1200" kern="1200" dirty="0" err="1" smtClean="0">
+              <a:rPr lang="en-US" sz="1200" kern="1200" dirty="0" err="1">
                 <a:solidFill>
                   <a:schemeClr val="tx1"/>
                 </a:solidFill>
@@ -1727,7 +1726,7 @@
               <a:t>MySql</a:t>
             </a:r>
             <a:r>
-              <a:rPr lang="en-US" sz="1200" kern="1200" dirty="0" smtClean="0">
+              <a:rPr lang="en-US" sz="1200" kern="1200" dirty="0">
                 <a:solidFill>
                   <a:schemeClr val="tx1"/>
                 </a:solidFill>
@@ -1745,7 +1744,7 @@
               <a:buChar char="•"/>
             </a:pPr>
             <a:r>
-              <a:rPr lang="en-US" sz="1200" kern="1200" dirty="0" smtClean="0">
+              <a:rPr lang="en-US" sz="1200" kern="1200" dirty="0">
                 <a:solidFill>
                   <a:schemeClr val="tx1"/>
                 </a:solidFill>
@@ -1757,7 +1756,7 @@
               <a:t>Name a </a:t>
             </a:r>
             <a:r>
-              <a:rPr lang="en-US" sz="1200" kern="1200" dirty="0" err="1" smtClean="0">
+              <a:rPr lang="en-US" sz="1200" kern="1200" dirty="0" err="1">
                 <a:solidFill>
                   <a:schemeClr val="tx1"/>
                 </a:solidFill>
@@ -1769,7 +1768,7 @@
               <a:t>MySql</a:t>
             </a:r>
             <a:r>
-              <a:rPr lang="en-US" sz="1200" kern="1200" dirty="0" smtClean="0">
+              <a:rPr lang="en-US" sz="1200" kern="1200" dirty="0">
                 <a:solidFill>
                   <a:schemeClr val="tx1"/>
                 </a:solidFill>
@@ -1787,7 +1786,7 @@
               <a:buChar char="•"/>
             </a:pPr>
             <a:r>
-              <a:rPr lang="en-US" sz="1200" kern="1200" dirty="0" smtClean="0">
+              <a:rPr lang="en-US" sz="1200" kern="1200" dirty="0">
                 <a:solidFill>
                   <a:schemeClr val="tx1"/>
                 </a:solidFill>
@@ -1799,7 +1798,7 @@
               <a:t>Name a </a:t>
             </a:r>
             <a:r>
-              <a:rPr lang="en-US" sz="1200" kern="1200" dirty="0" err="1" smtClean="0">
+              <a:rPr lang="en-US" sz="1200" kern="1200" dirty="0" err="1">
                 <a:solidFill>
                   <a:schemeClr val="tx1"/>
                 </a:solidFill>
@@ -1811,7 +1810,7 @@
               <a:t>MySql</a:t>
             </a:r>
             <a:r>
-              <a:rPr lang="en-US" sz="1200" kern="1200" dirty="0" smtClean="0">
+              <a:rPr lang="en-US" sz="1200" kern="1200" dirty="0">
                 <a:solidFill>
                   <a:schemeClr val="tx1"/>
                 </a:solidFill>
@@ -1829,7 +1828,7 @@
               <a:buChar char="•"/>
             </a:pPr>
             <a:r>
-              <a:rPr lang="en-US" sz="1200" kern="1200" dirty="0" smtClean="0">
+              <a:rPr lang="en-US" sz="1200" kern="1200" dirty="0">
                 <a:solidFill>
                   <a:schemeClr val="tx1"/>
                 </a:solidFill>
@@ -1841,7 +1840,7 @@
               <a:t>Write on the board a create statement that creates a table named Employee with an </a:t>
             </a:r>
             <a:r>
-              <a:rPr lang="en-US" sz="1200" kern="1200" dirty="0" err="1" smtClean="0">
+              <a:rPr lang="en-US" sz="1200" kern="1200" dirty="0" err="1">
                 <a:solidFill>
                   <a:schemeClr val="tx1"/>
                 </a:solidFill>
@@ -1853,7 +1852,7 @@
               <a:t>EmployeeID</a:t>
             </a:r>
             <a:r>
-              <a:rPr lang="en-US" sz="1200" kern="1200" dirty="0" smtClean="0">
+              <a:rPr lang="en-US" sz="1200" kern="1200" dirty="0">
                 <a:solidFill>
                   <a:schemeClr val="tx1"/>
                 </a:solidFill>
@@ -1865,7 +1864,7 @@
               <a:t>, </a:t>
             </a:r>
             <a:r>
-              <a:rPr lang="en-US" sz="1200" kern="1200" dirty="0" err="1" smtClean="0">
+              <a:rPr lang="en-US" sz="1200" kern="1200" dirty="0" err="1">
                 <a:solidFill>
                   <a:schemeClr val="tx1"/>
                 </a:solidFill>
@@ -1877,7 +1876,7 @@
               <a:t>FirstName</a:t>
             </a:r>
             <a:r>
-              <a:rPr lang="en-US" sz="1200" kern="1200" dirty="0" smtClean="0">
+              <a:rPr lang="en-US" sz="1200" kern="1200" dirty="0">
                 <a:solidFill>
                   <a:schemeClr val="tx1"/>
                 </a:solidFill>
@@ -1889,7 +1888,7 @@
               <a:t>, and </a:t>
             </a:r>
             <a:r>
-              <a:rPr lang="en-US" sz="1200" kern="1200" dirty="0" err="1" smtClean="0">
+              <a:rPr lang="en-US" sz="1200" kern="1200" dirty="0" err="1">
                 <a:solidFill>
                   <a:schemeClr val="tx1"/>
                 </a:solidFill>
@@ -1901,7 +1900,7 @@
               <a:t>LastName</a:t>
             </a:r>
             <a:r>
-              <a:rPr lang="en-US" sz="1200" kern="1200" dirty="0" smtClean="0">
+              <a:rPr lang="en-US" sz="1200" kern="1200" dirty="0">
                 <a:solidFill>
                   <a:schemeClr val="tx1"/>
                 </a:solidFill>
@@ -1913,7 +1912,7 @@
               <a:t> column with an auto incrementing primary key for the </a:t>
             </a:r>
             <a:r>
-              <a:rPr lang="en-US" sz="1200" kern="1200" dirty="0" err="1" smtClean="0">
+              <a:rPr lang="en-US" sz="1200" kern="1200" dirty="0" err="1">
                 <a:solidFill>
                   <a:schemeClr val="tx1"/>
                 </a:solidFill>
@@ -1925,7 +1924,7 @@
               <a:t>EmployeeID</a:t>
             </a:r>
             <a:r>
-              <a:rPr lang="en-US" sz="1200" kern="1200" dirty="0" smtClean="0">
+              <a:rPr lang="en-US" sz="1200" kern="1200" dirty="0">
                 <a:solidFill>
                   <a:schemeClr val="tx1"/>
                 </a:solidFill>
@@ -2383,7 +2382,7 @@
               <a:buChar char="•"/>
             </a:pPr>
             <a:r>
-              <a:rPr lang="en-US" baseline="0" dirty="0" smtClean="0"/>
+              <a:rPr lang="en-US" baseline="0" dirty="0"/>
               <a:t>There are several ANSI join types.  These include cross join, inner join, left outer join, right outer join, and full outer join.</a:t>
             </a:r>
           </a:p>
@@ -2393,7 +2392,7 @@
               <a:buChar char="•"/>
             </a:pPr>
             <a:r>
-              <a:rPr lang="en-US" baseline="0" dirty="0" smtClean="0"/>
+              <a:rPr lang="en-US" baseline="0" dirty="0"/>
               <a:t>Each of these join types produce different results when you join tables together.</a:t>
             </a:r>
           </a:p>
@@ -2403,7 +2402,7 @@
               <a:buChar char="•"/>
             </a:pPr>
             <a:r>
-              <a:rPr lang="en-US" baseline="0" dirty="0" smtClean="0"/>
+              <a:rPr lang="en-US" baseline="0" dirty="0"/>
               <a:t>We will go through only Inner, Left Outer, and Right Outer Joins</a:t>
             </a:r>
           </a:p>
@@ -2494,15 +2493,15 @@
               <a:buChar char="•"/>
             </a:pPr>
             <a:r>
-              <a:rPr lang="en-US" dirty="0" smtClean="0"/>
+              <a:rPr lang="en-US" dirty="0"/>
               <a:t>Let’s take a tour of </a:t>
             </a:r>
             <a:r>
-              <a:rPr lang="en-US" dirty="0" err="1" smtClean="0"/>
+              <a:rPr lang="en-US" dirty="0" err="1"/>
               <a:t>MySql</a:t>
             </a:r>
             <a:r>
-              <a:rPr lang="en-US" baseline="0" dirty="0" smtClean="0"/>
+              <a:rPr lang="en-US" baseline="0" dirty="0"/>
               <a:t> Workbench</a:t>
             </a:r>
           </a:p>
@@ -2512,15 +2511,15 @@
               <a:buChar char="•"/>
             </a:pPr>
             <a:r>
-              <a:rPr lang="en-US" baseline="0" dirty="0" smtClean="0"/>
+              <a:rPr lang="en-US" baseline="0" dirty="0"/>
               <a:t>Create a database using the </a:t>
             </a:r>
             <a:r>
-              <a:rPr lang="en-US" baseline="0" dirty="0" err="1" smtClean="0"/>
+              <a:rPr lang="en-US" baseline="0" dirty="0" err="1"/>
               <a:t>MySql</a:t>
             </a:r>
             <a:r>
-              <a:rPr lang="en-US" baseline="0" dirty="0" smtClean="0"/>
+              <a:rPr lang="en-US" baseline="0" dirty="0"/>
               <a:t> client.</a:t>
             </a:r>
           </a:p>
@@ -2530,7 +2529,7 @@
               <a:buChar char="•"/>
             </a:pPr>
             <a:r>
-              <a:rPr lang="en-US" baseline="0" dirty="0" smtClean="0"/>
+              <a:rPr lang="en-US" baseline="0" dirty="0"/>
               <a:t>Connect to the database.</a:t>
             </a:r>
           </a:p>
@@ -2540,7 +2539,7 @@
               <a:buChar char="•"/>
             </a:pPr>
             <a:r>
-              <a:rPr lang="en-US" baseline="0" dirty="0" smtClean="0"/>
+              <a:rPr lang="en-US" baseline="0" dirty="0"/>
               <a:t>Create a query window using the File menu selecting the New Query Tab option.</a:t>
             </a:r>
           </a:p>
@@ -2550,7 +2549,7 @@
               <a:buChar char="•"/>
             </a:pPr>
             <a:r>
-              <a:rPr lang="en-US" baseline="0" dirty="0" smtClean="0"/>
+              <a:rPr lang="en-US" baseline="0" dirty="0"/>
               <a:t>Save the Script using the File menu selecting the Save Script As option.</a:t>
             </a:r>
           </a:p>
@@ -2560,7 +2559,7 @@
               <a:buChar char="•"/>
             </a:pPr>
             <a:r>
-              <a:rPr lang="en-US" baseline="0" dirty="0" smtClean="0"/>
+              <a:rPr lang="en-US" baseline="0" dirty="0"/>
               <a:t>Open the Script using the File menu, select the Open SQL Script option.</a:t>
             </a:r>
           </a:p>
@@ -2570,7 +2569,7 @@
               <a:buChar char="•"/>
             </a:pPr>
             <a:r>
-              <a:rPr lang="en-US" baseline="0" dirty="0" smtClean="0"/>
+              <a:rPr lang="en-US" baseline="0" dirty="0"/>
               <a:t>Create a table using the create table script.</a:t>
             </a:r>
           </a:p>
@@ -2580,7 +2579,7 @@
               <a:buChar char="•"/>
             </a:pPr>
             <a:r>
-              <a:rPr lang="en-US" baseline="0" dirty="0" smtClean="0"/>
+              <a:rPr lang="en-US" baseline="0" dirty="0"/>
               <a:t>View tables within the Navigator.</a:t>
             </a:r>
           </a:p>
@@ -2590,15 +2589,15 @@
               <a:buChar char="•"/>
             </a:pPr>
             <a:r>
-              <a:rPr lang="en-US" baseline="0" dirty="0" smtClean="0"/>
+              <a:rPr lang="en-US" baseline="0" dirty="0"/>
               <a:t>Right click a table and select Send to </a:t>
             </a:r>
             <a:r>
-              <a:rPr lang="en-US" baseline="0" dirty="0" err="1" smtClean="0"/>
+              <a:rPr lang="en-US" baseline="0" dirty="0" err="1"/>
               <a:t>Sql</a:t>
             </a:r>
             <a:r>
-              <a:rPr lang="en-US" baseline="0" dirty="0" smtClean="0"/>
+              <a:rPr lang="en-US" baseline="0" dirty="0"/>
               <a:t> Editor and then Create Statement.</a:t>
             </a:r>
           </a:p>
@@ -2608,7 +2607,7 @@
               <a:buChar char="•"/>
             </a:pPr>
             <a:r>
-              <a:rPr lang="en-US" baseline="0" dirty="0" smtClean="0"/>
+              <a:rPr lang="en-US" baseline="0" dirty="0"/>
               <a:t>The create statement for the table will be available.</a:t>
             </a:r>
           </a:p>
@@ -2699,7 +2698,7 @@
               <a:buChar char="•"/>
             </a:pPr>
             <a:r>
-              <a:rPr lang="en-US" baseline="0" dirty="0" smtClean="0"/>
+              <a:rPr lang="en-US" baseline="0" dirty="0"/>
               <a:t>The inner join is maybe the most common join you will use in a relational database.</a:t>
             </a:r>
           </a:p>
@@ -2709,7 +2708,7 @@
               <a:buChar char="•"/>
             </a:pPr>
             <a:r>
-              <a:rPr lang="en-US" baseline="0" dirty="0" smtClean="0"/>
+              <a:rPr lang="en-US" baseline="0" dirty="0"/>
               <a:t>Similar to the cross join, it matches each row from the first table to every table in the second, but only based upon the condition specified.</a:t>
             </a:r>
           </a:p>
@@ -2719,7 +2718,7 @@
               <a:buChar char="•"/>
             </a:pPr>
             <a:r>
-              <a:rPr lang="en-US" baseline="0" dirty="0" smtClean="0"/>
+              <a:rPr lang="en-US" baseline="0" dirty="0"/>
               <a:t>So, in the example you see we have added the on condition.</a:t>
             </a:r>
           </a:p>
@@ -2729,23 +2728,23 @@
               <a:buChar char="•"/>
             </a:pPr>
             <a:r>
-              <a:rPr lang="en-US" baseline="0" dirty="0" smtClean="0"/>
+              <a:rPr lang="en-US" baseline="0" dirty="0"/>
               <a:t>In this instance we are joining on the </a:t>
             </a:r>
             <a:r>
-              <a:rPr lang="en-US" baseline="0" dirty="0" err="1" smtClean="0"/>
+              <a:rPr lang="en-US" baseline="0" dirty="0" err="1"/>
               <a:t>TeacherId</a:t>
             </a:r>
             <a:r>
-              <a:rPr lang="en-US" baseline="0" dirty="0" smtClean="0"/>
+              <a:rPr lang="en-US" baseline="0" dirty="0"/>
               <a:t> of the first table to the </a:t>
             </a:r>
             <a:r>
-              <a:rPr lang="en-US" baseline="0" dirty="0" err="1" smtClean="0"/>
+              <a:rPr lang="en-US" baseline="0" dirty="0" err="1"/>
               <a:t>TeacherId</a:t>
             </a:r>
             <a:r>
-              <a:rPr lang="en-US" baseline="0" dirty="0" smtClean="0"/>
+              <a:rPr lang="en-US" baseline="0" dirty="0"/>
               <a:t> of the second table.</a:t>
             </a:r>
           </a:p>
@@ -2755,15 +2754,15 @@
               <a:buChar char="•"/>
             </a:pPr>
             <a:r>
-              <a:rPr lang="en-US" baseline="0" dirty="0" smtClean="0"/>
+              <a:rPr lang="en-US" baseline="0" dirty="0"/>
               <a:t>So, the results will only return when the </a:t>
             </a:r>
             <a:r>
-              <a:rPr lang="en-US" baseline="0" dirty="0" err="1" smtClean="0"/>
+              <a:rPr lang="en-US" baseline="0" dirty="0" err="1"/>
               <a:t>TeacherId</a:t>
             </a:r>
             <a:r>
-              <a:rPr lang="en-US" baseline="0" dirty="0" smtClean="0"/>
+              <a:rPr lang="en-US" baseline="0" dirty="0"/>
               <a:t> in the first table is in the second table and they match.</a:t>
             </a:r>
           </a:p>
@@ -2854,7 +2853,7 @@
               <a:buChar char="•"/>
             </a:pPr>
             <a:r>
-              <a:rPr lang="en-US" baseline="0" dirty="0" smtClean="0"/>
+              <a:rPr lang="en-US" baseline="0" dirty="0"/>
               <a:t>The outer joins are all related to each other.  We are going to start with the Left Outer Join.</a:t>
             </a:r>
           </a:p>
@@ -2864,7 +2863,7 @@
               <a:buChar char="•"/>
             </a:pPr>
             <a:r>
-              <a:rPr lang="en-US" baseline="0" dirty="0" smtClean="0"/>
+              <a:rPr lang="en-US" baseline="0" dirty="0"/>
               <a:t>With left outer join, every record from the first table is returned no matter what.  </a:t>
             </a:r>
           </a:p>
@@ -2874,7 +2873,7 @@
               <a:buChar char="•"/>
             </a:pPr>
             <a:r>
-              <a:rPr lang="en-US" baseline="0" dirty="0" smtClean="0"/>
+              <a:rPr lang="en-US" baseline="0" dirty="0"/>
               <a:t>Results will be returned from the second table if there is a match based upon the condition.</a:t>
             </a:r>
           </a:p>
@@ -2884,7 +2883,7 @@
               <a:buChar char="•"/>
             </a:pPr>
             <a:r>
-              <a:rPr lang="en-US" baseline="0" dirty="0" smtClean="0"/>
+              <a:rPr lang="en-US" baseline="0" dirty="0"/>
               <a:t>If there are multiple results in the second table that match, then a row will be returned for each.</a:t>
             </a:r>
           </a:p>
@@ -2894,7 +2893,7 @@
               <a:buChar char="•"/>
             </a:pPr>
             <a:r>
-              <a:rPr lang="en-US" baseline="0" dirty="0" smtClean="0"/>
+              <a:rPr lang="en-US" baseline="0" dirty="0"/>
               <a:t>If there is not a match in the second table then nulls will be returned for each column reference to the second table.</a:t>
             </a:r>
           </a:p>
@@ -2904,7 +2903,7 @@
               <a:buChar char="•"/>
             </a:pPr>
             <a:r>
-              <a:rPr lang="en-US" baseline="0" dirty="0" smtClean="0"/>
+              <a:rPr lang="en-US" baseline="0" dirty="0"/>
               <a:t>The syntax is very similar to the inner join, just replace inner with left outer.</a:t>
             </a:r>
           </a:p>
@@ -2995,7 +2994,7 @@
               <a:buChar char="•"/>
             </a:pPr>
             <a:r>
-              <a:rPr lang="en-US" baseline="0" dirty="0" smtClean="0"/>
+              <a:rPr lang="en-US" baseline="0" dirty="0"/>
               <a:t>The Right Outer Join is the opposite of the Left Outer Join.</a:t>
             </a:r>
           </a:p>
@@ -3005,7 +3004,7 @@
               <a:buChar char="•"/>
             </a:pPr>
             <a:r>
-              <a:rPr lang="en-US" baseline="0" dirty="0" smtClean="0"/>
+              <a:rPr lang="en-US" baseline="0" dirty="0"/>
               <a:t>With right outer join, every record from the second table is returned no matter what.  </a:t>
             </a:r>
           </a:p>
@@ -3015,7 +3014,7 @@
               <a:buChar char="•"/>
             </a:pPr>
             <a:r>
-              <a:rPr lang="en-US" baseline="0" dirty="0" smtClean="0"/>
+              <a:rPr lang="en-US" baseline="0" dirty="0"/>
               <a:t>Results will be returned from the first table if there is a match based upon the condition.</a:t>
             </a:r>
           </a:p>
@@ -3025,7 +3024,7 @@
               <a:buChar char="•"/>
             </a:pPr>
             <a:r>
-              <a:rPr lang="en-US" baseline="0" dirty="0" smtClean="0"/>
+              <a:rPr lang="en-US" baseline="0" dirty="0"/>
               <a:t>If there are multiple results in the first table that match, then a row will be returned for each.</a:t>
             </a:r>
           </a:p>
@@ -3035,7 +3034,7 @@
               <a:buChar char="•"/>
             </a:pPr>
             <a:r>
-              <a:rPr lang="en-US" baseline="0" dirty="0" smtClean="0"/>
+              <a:rPr lang="en-US" baseline="0" dirty="0"/>
               <a:t>If there is not a match in the first table then nulls will be returned for each column reference to the first table.</a:t>
             </a:r>
           </a:p>
@@ -3045,7 +3044,7 @@
               <a:buChar char="•"/>
             </a:pPr>
             <a:r>
-              <a:rPr lang="en-US" baseline="0" dirty="0" smtClean="0"/>
+              <a:rPr lang="en-US" baseline="0" dirty="0"/>
               <a:t>The syntax is very similar to the left outer join, just replace left with right.</a:t>
             </a:r>
           </a:p>
@@ -3136,7 +3135,7 @@
               <a:buChar char="•"/>
             </a:pPr>
             <a:r>
-              <a:rPr lang="en-US" baseline="0" dirty="0" smtClean="0"/>
+              <a:rPr lang="en-US" baseline="0" dirty="0"/>
               <a:t>You may have noticed that we were not using the full name of the table to identify where columns where coming from</a:t>
             </a:r>
           </a:p>
@@ -3146,7 +3145,7 @@
               <a:buChar char="•"/>
             </a:pPr>
             <a:r>
-              <a:rPr lang="en-US" baseline="0" dirty="0" smtClean="0"/>
+              <a:rPr lang="en-US" baseline="0" dirty="0"/>
               <a:t>This is because we have placed an alias right after the table.</a:t>
             </a:r>
           </a:p>
@@ -3156,7 +3155,7 @@
               <a:buChar char="•"/>
             </a:pPr>
             <a:r>
-              <a:rPr lang="en-US" baseline="0" dirty="0" smtClean="0"/>
+              <a:rPr lang="en-US" baseline="0" dirty="0"/>
               <a:t>This alias can then be used to reference that table</a:t>
             </a:r>
           </a:p>
@@ -3166,7 +3165,7 @@
               <a:buChar char="•"/>
             </a:pPr>
             <a:r>
-              <a:rPr lang="en-US" baseline="0" dirty="0" smtClean="0"/>
+              <a:rPr lang="en-US" baseline="0" dirty="0"/>
               <a:t>If we were not using an alias you could write out the full name of the table, but this would take more time.</a:t>
             </a:r>
           </a:p>
@@ -3257,7 +3256,7 @@
               <a:buChar char="•"/>
             </a:pPr>
             <a:r>
-              <a:rPr lang="en-US" baseline="0" dirty="0" smtClean="0"/>
+              <a:rPr lang="en-US" baseline="0" dirty="0"/>
               <a:t>Column alias’ allow you to give a more descriptive name of a result</a:t>
             </a:r>
           </a:p>
@@ -3267,7 +3266,7 @@
               <a:buChar char="•"/>
             </a:pPr>
             <a:r>
-              <a:rPr lang="en-US" baseline="0" dirty="0" smtClean="0"/>
+              <a:rPr lang="en-US" baseline="0" dirty="0"/>
               <a:t>Use the AS syntax followed by the alias that you want to provide</a:t>
             </a:r>
           </a:p>
@@ -3277,23 +3276,23 @@
               <a:buChar char="•"/>
             </a:pPr>
             <a:r>
-              <a:rPr lang="en-US" baseline="0" dirty="0" smtClean="0"/>
+              <a:rPr lang="en-US" baseline="0" dirty="0"/>
               <a:t>In this example we are specifying the </a:t>
             </a:r>
             <a:r>
-              <a:rPr lang="en-US" baseline="0" dirty="0" err="1" smtClean="0"/>
+              <a:rPr lang="en-US" baseline="0" dirty="0" err="1"/>
               <a:t>t.FirstName</a:t>
             </a:r>
             <a:r>
-              <a:rPr lang="en-US" baseline="0" dirty="0" smtClean="0"/>
+              <a:rPr lang="en-US" baseline="0" dirty="0"/>
               <a:t> as </a:t>
             </a:r>
             <a:r>
-              <a:rPr lang="en-US" baseline="0" dirty="0" err="1" smtClean="0"/>
+              <a:rPr lang="en-US" baseline="0" dirty="0" err="1"/>
               <a:t>TeacherFirstName</a:t>
             </a:r>
             <a:r>
-              <a:rPr lang="en-US" baseline="0" dirty="0" smtClean="0"/>
+              <a:rPr lang="en-US" baseline="0" dirty="0"/>
               <a:t> for clarification.</a:t>
             </a:r>
           </a:p>
@@ -3303,7 +3302,7 @@
               <a:buChar char="•"/>
             </a:pPr>
             <a:r>
-              <a:rPr lang="en-US" baseline="0" dirty="0" smtClean="0"/>
+              <a:rPr lang="en-US" baseline="0" dirty="0"/>
               <a:t>There could be tables with the same column names and alias’ allow us to return both in the same result and name them something different.</a:t>
             </a:r>
           </a:p>
@@ -3394,11 +3393,11 @@
               <a:buChar char="•"/>
             </a:pPr>
             <a:r>
-              <a:rPr lang="en-US" smtClean="0"/>
+              <a:rPr lang="en-US"/>
               <a:t>So far we have worked with sql that manipulated only a single table</a:t>
             </a:r>
             <a:r>
-              <a:rPr lang="en-US" baseline="0" smtClean="0"/>
+              <a:rPr lang="en-US" baseline="0"/>
               <a:t> at a time.</a:t>
             </a:r>
           </a:p>
@@ -3408,7 +3407,7 @@
               <a:buChar char="•"/>
             </a:pPr>
             <a:r>
-              <a:rPr lang="en-US" baseline="0" smtClean="0"/>
+              <a:rPr lang="en-US" baseline="0"/>
               <a:t>There are many cases with relational databases where we need to use or join multiple tables together at once.</a:t>
             </a:r>
             <a:endParaRPr lang="en-US"/>
@@ -3500,7 +3499,7 @@
               <a:buChar char="•"/>
             </a:pPr>
             <a:r>
-              <a:rPr lang="en-US" sz="1200" kern="1200" dirty="0" smtClean="0">
+              <a:rPr lang="en-US" sz="1200" kern="1200" dirty="0">
                 <a:solidFill>
                   <a:schemeClr val="tx1"/>
                 </a:solidFill>
@@ -3518,7 +3517,7 @@
               <a:buChar char="•"/>
             </a:pPr>
             <a:r>
-              <a:rPr lang="en-US" sz="1200" kern="1200" dirty="0" smtClean="0">
+              <a:rPr lang="en-US" sz="1200" kern="1200" dirty="0">
                 <a:solidFill>
                   <a:schemeClr val="tx1"/>
                 </a:solidFill>
@@ -3530,7 +3529,7 @@
               <a:t>Write on the board a select statement with an inner join between an Employee table and a Team table.  Both tables include a </a:t>
             </a:r>
             <a:r>
-              <a:rPr lang="en-US" sz="1200" kern="1200" dirty="0" err="1" smtClean="0">
+              <a:rPr lang="en-US" sz="1200" kern="1200" dirty="0" err="1">
                 <a:solidFill>
                   <a:schemeClr val="tx1"/>
                 </a:solidFill>
@@ -3542,7 +3541,7 @@
               <a:t>TeamID</a:t>
             </a:r>
             <a:r>
-              <a:rPr lang="en-US" sz="1200" kern="1200" dirty="0" smtClean="0">
+              <a:rPr lang="en-US" sz="1200" kern="1200" dirty="0">
                 <a:solidFill>
                   <a:schemeClr val="tx1"/>
                 </a:solidFill>
@@ -3560,7 +3559,7 @@
               <a:buChar char="•"/>
             </a:pPr>
             <a:r>
-              <a:rPr lang="en-US" sz="1200" kern="1200" dirty="0" smtClean="0">
+              <a:rPr lang="en-US" sz="1200" kern="1200" dirty="0">
                 <a:solidFill>
                   <a:schemeClr val="tx1"/>
                 </a:solidFill>
@@ -3572,7 +3571,7 @@
               <a:t>Write on the board a select statement with a left outer join between an Employee table and a Team table.  Both tables include a </a:t>
             </a:r>
             <a:r>
-              <a:rPr lang="en-US" sz="1200" kern="1200" dirty="0" err="1" smtClean="0">
+              <a:rPr lang="en-US" sz="1200" kern="1200" dirty="0" err="1">
                 <a:solidFill>
                   <a:schemeClr val="tx1"/>
                 </a:solidFill>
@@ -3584,7 +3583,7 @@
               <a:t>TeamID</a:t>
             </a:r>
             <a:r>
-              <a:rPr lang="en-US" sz="1200" kern="1200" dirty="0" smtClean="0">
+              <a:rPr lang="en-US" sz="1200" kern="1200" dirty="0">
                 <a:solidFill>
                   <a:schemeClr val="tx1"/>
                 </a:solidFill>
@@ -3602,7 +3601,7 @@
               <a:buChar char="•"/>
             </a:pPr>
             <a:r>
-              <a:rPr lang="en-US" sz="1200" kern="1200" dirty="0" smtClean="0">
+              <a:rPr lang="en-US" sz="1200" kern="1200" dirty="0">
                 <a:solidFill>
                   <a:schemeClr val="tx1"/>
                 </a:solidFill>
@@ -3614,7 +3613,7 @@
               <a:t>Write on the board a select statement with a right outer join between an Employee table and a Team table.  Both tables include a </a:t>
             </a:r>
             <a:r>
-              <a:rPr lang="en-US" sz="1200" kern="1200" dirty="0" err="1" smtClean="0">
+              <a:rPr lang="en-US" sz="1200" kern="1200" dirty="0" err="1">
                 <a:solidFill>
                   <a:schemeClr val="tx1"/>
                 </a:solidFill>
@@ -3626,7 +3625,7 @@
               <a:t>TeamID</a:t>
             </a:r>
             <a:r>
-              <a:rPr lang="en-US" sz="1200" kern="1200" dirty="0" smtClean="0">
+              <a:rPr lang="en-US" sz="1200" kern="1200" dirty="0">
                 <a:solidFill>
                   <a:schemeClr val="tx1"/>
                 </a:solidFill>
@@ -3820,7 +3819,7 @@
               <a:buChar char="•"/>
             </a:pPr>
             <a:r>
-              <a:rPr lang="en-US" baseline="0" dirty="0" smtClean="0"/>
+              <a:rPr lang="en-US" baseline="0" dirty="0"/>
               <a:t>ORM stands for object relational mapper.</a:t>
             </a:r>
           </a:p>
@@ -3830,7 +3829,7 @@
               <a:buChar char="•"/>
             </a:pPr>
             <a:r>
-              <a:rPr lang="en-US" baseline="0" dirty="0" smtClean="0"/>
+              <a:rPr lang="en-US" baseline="0" dirty="0"/>
               <a:t>There is often a mismatch between the relational database model that we create and the object model that we want to work with in code.</a:t>
             </a:r>
           </a:p>
@@ -3840,7 +3839,7 @@
               <a:buChar char="•"/>
             </a:pPr>
             <a:r>
-              <a:rPr lang="en-US" baseline="0" dirty="0" smtClean="0"/>
+              <a:rPr lang="en-US" baseline="0" dirty="0"/>
               <a:t>Because of this there is some work for us to translate the data coming back from tables into objects.</a:t>
             </a:r>
           </a:p>
@@ -3850,7 +3849,7 @@
               <a:buChar char="•"/>
             </a:pPr>
             <a:r>
-              <a:rPr lang="en-US" baseline="0" dirty="0" smtClean="0"/>
+              <a:rPr lang="en-US" baseline="0" dirty="0"/>
               <a:t>There are a number of design patterns thought up to deal with this scenario.</a:t>
             </a:r>
           </a:p>
@@ -3860,7 +3859,7 @@
               <a:buChar char="•"/>
             </a:pPr>
             <a:r>
-              <a:rPr lang="en-US" baseline="0" dirty="0" smtClean="0"/>
+              <a:rPr lang="en-US" baseline="0" dirty="0"/>
               <a:t>An ORM usually implements some of those design patterns to take care of most of the heavy lifting of the mapping.</a:t>
             </a:r>
           </a:p>
@@ -3870,7 +3869,7 @@
               <a:buChar char="•"/>
             </a:pPr>
             <a:r>
-              <a:rPr lang="en-US" baseline="0" dirty="0" smtClean="0"/>
+              <a:rPr lang="en-US" baseline="0" dirty="0"/>
               <a:t>They also often provide a way to query and persist the data.</a:t>
             </a:r>
           </a:p>
@@ -3961,11 +3960,11 @@
               <a:buChar char="•"/>
             </a:pPr>
             <a:r>
-              <a:rPr lang="en-US" baseline="0" dirty="0" err="1" smtClean="0"/>
+              <a:rPr lang="en-US" baseline="0" dirty="0" err="1"/>
               <a:t>Microsofts</a:t>
             </a:r>
             <a:r>
-              <a:rPr lang="en-US" baseline="0" dirty="0" smtClean="0"/>
+              <a:rPr lang="en-US" baseline="0" dirty="0"/>
               <a:t> recommended ORM implementation is Entity Framework.</a:t>
             </a:r>
           </a:p>
@@ -3975,15 +3974,15 @@
               <a:buChar char="•"/>
             </a:pPr>
             <a:r>
-              <a:rPr lang="en-US" baseline="0" dirty="0" smtClean="0"/>
+              <a:rPr lang="en-US" baseline="0" dirty="0"/>
               <a:t>It uses </a:t>
             </a:r>
             <a:r>
-              <a:rPr lang="en-US" baseline="0" dirty="0" err="1" smtClean="0"/>
+              <a:rPr lang="en-US" baseline="0" dirty="0" err="1"/>
               <a:t>Linq</a:t>
             </a:r>
             <a:r>
-              <a:rPr lang="en-US" baseline="0" dirty="0" smtClean="0"/>
+              <a:rPr lang="en-US" baseline="0" dirty="0"/>
               <a:t> syntax for querying the data.</a:t>
             </a:r>
           </a:p>
@@ -3993,7 +3992,7 @@
               <a:buChar char="•"/>
             </a:pPr>
             <a:r>
-              <a:rPr lang="en-US" baseline="0" dirty="0" smtClean="0"/>
+              <a:rPr lang="en-US" baseline="0" dirty="0"/>
               <a:t>There is a way to use Entity Framework by writing code first and another way for setting up the data model first.</a:t>
             </a:r>
           </a:p>
@@ -4003,7 +4002,7 @@
               <a:buChar char="•"/>
             </a:pPr>
             <a:r>
-              <a:rPr lang="en-US" baseline="0" dirty="0" smtClean="0"/>
+              <a:rPr lang="en-US" baseline="0" dirty="0"/>
               <a:t>We are going to focus on creating the data model first.</a:t>
             </a:r>
           </a:p>
@@ -4094,7 +4093,7 @@
               <a:buChar char="•"/>
             </a:pPr>
             <a:r>
-              <a:rPr lang="en-US" baseline="0" dirty="0" smtClean="0"/>
+              <a:rPr lang="en-US" baseline="0" dirty="0"/>
               <a:t>These are the components of a select statement</a:t>
             </a:r>
           </a:p>
@@ -4104,7 +4103,7 @@
               <a:buChar char="•"/>
             </a:pPr>
             <a:r>
-              <a:rPr lang="en-US" baseline="0" dirty="0" smtClean="0"/>
+              <a:rPr lang="en-US" baseline="0" dirty="0"/>
               <a:t>The statement starts with the word SELECT then you list the columns you would like to select</a:t>
             </a:r>
           </a:p>
@@ -4114,7 +4113,7 @@
               <a:buChar char="•"/>
             </a:pPr>
             <a:r>
-              <a:rPr lang="en-US" baseline="0" dirty="0" smtClean="0"/>
+              <a:rPr lang="en-US" baseline="0" dirty="0"/>
               <a:t>Then you list the word FROM and the name of the table that you want to select from</a:t>
             </a:r>
           </a:p>
@@ -4124,7 +4123,7 @@
               <a:buChar char="•"/>
             </a:pPr>
             <a:r>
-              <a:rPr lang="en-US" baseline="0" dirty="0" smtClean="0"/>
+              <a:rPr lang="en-US" baseline="0" dirty="0"/>
               <a:t>Then you list the word WHERE and list all of the condition predicates that you want</a:t>
             </a:r>
           </a:p>
@@ -4134,7 +4133,7 @@
               <a:buChar char="•"/>
             </a:pPr>
             <a:r>
-              <a:rPr lang="en-US" baseline="0" dirty="0" smtClean="0"/>
+              <a:rPr lang="en-US" baseline="0" dirty="0"/>
               <a:t>Group By can be used if you want to do an aggregate query</a:t>
             </a:r>
           </a:p>
@@ -4144,7 +4143,7 @@
               <a:buChar char="•"/>
             </a:pPr>
             <a:r>
-              <a:rPr lang="en-US" baseline="0" dirty="0" smtClean="0"/>
+              <a:rPr lang="en-US" baseline="0" dirty="0"/>
               <a:t>Having are condition predicates for the aggregate</a:t>
             </a:r>
           </a:p>
@@ -4154,7 +4153,7 @@
               <a:buChar char="•"/>
             </a:pPr>
             <a:r>
-              <a:rPr lang="en-US" baseline="0" dirty="0" smtClean="0"/>
+              <a:rPr lang="en-US" baseline="0" dirty="0"/>
               <a:t>Finally you can list the word Order By followed by columns that you want to order by</a:t>
             </a:r>
           </a:p>
@@ -4245,7 +4244,7 @@
               <a:buChar char="•"/>
             </a:pPr>
             <a:r>
-              <a:rPr lang="en-US" baseline="0" dirty="0" smtClean="0"/>
+              <a:rPr lang="en-US" baseline="0" dirty="0"/>
               <a:t>Dapper is considered a Micro ORM</a:t>
             </a:r>
           </a:p>
@@ -4255,7 +4254,7 @@
               <a:buChar char="•"/>
             </a:pPr>
             <a:r>
-              <a:rPr lang="en-US" baseline="0" dirty="0" smtClean="0"/>
+              <a:rPr lang="en-US" baseline="0" dirty="0"/>
               <a:t>All it does is map data to an object of a class.</a:t>
             </a:r>
           </a:p>
@@ -4265,7 +4264,7 @@
               <a:buChar char="•"/>
             </a:pPr>
             <a:r>
-              <a:rPr lang="en-US" baseline="0" dirty="0" smtClean="0"/>
+              <a:rPr lang="en-US" baseline="0" dirty="0"/>
               <a:t>It’s much faster than entity framework because it’s such a thin layer</a:t>
             </a:r>
           </a:p>
@@ -4275,7 +4274,7 @@
               <a:buChar char="•"/>
             </a:pPr>
             <a:r>
-              <a:rPr lang="en-US" baseline="0" dirty="0" smtClean="0"/>
+              <a:rPr lang="en-US" baseline="0" dirty="0"/>
               <a:t>We are using it for a few reasons:</a:t>
             </a:r>
           </a:p>
@@ -4285,7 +4284,7 @@
               <a:buChar char="•"/>
             </a:pPr>
             <a:r>
-              <a:rPr lang="en-US" baseline="0" dirty="0" smtClean="0"/>
+              <a:rPr lang="en-US" baseline="0" dirty="0"/>
               <a:t>I don’t want to completely abstract away the database.</a:t>
             </a:r>
           </a:p>
@@ -4295,15 +4294,15 @@
               <a:buChar char="•"/>
             </a:pPr>
             <a:r>
-              <a:rPr lang="en-US" baseline="0" dirty="0" smtClean="0"/>
+              <a:rPr lang="en-US" baseline="0" dirty="0"/>
               <a:t>I want you to be able to practice queries to the database with </a:t>
             </a:r>
             <a:r>
-              <a:rPr lang="en-US" baseline="0" dirty="0" err="1" smtClean="0"/>
+              <a:rPr lang="en-US" baseline="0" dirty="0" err="1"/>
               <a:t>sql</a:t>
             </a:r>
             <a:r>
-              <a:rPr lang="en-US" baseline="0" dirty="0" smtClean="0"/>
+              <a:rPr lang="en-US" baseline="0" dirty="0"/>
               <a:t>.</a:t>
             </a:r>
           </a:p>
@@ -4313,7 +4312,7 @@
               <a:buChar char="•"/>
             </a:pPr>
             <a:r>
-              <a:rPr lang="en-US" baseline="0" dirty="0" smtClean="0"/>
+              <a:rPr lang="en-US" baseline="0" dirty="0"/>
               <a:t>I want you to be able to see the actual interaction between the database and the application.</a:t>
             </a:r>
           </a:p>
@@ -4404,8 +4403,62 @@
               <a:buChar char="•"/>
             </a:pPr>
             <a:r>
-              <a:rPr lang="en-US" baseline="0" dirty="0" smtClean="0"/>
-              <a:t>We can setup a base repository for other repositories to use the same connection.</a:t>
+              <a:rPr lang="en-US" baseline="0" dirty="0"/>
+              <a:t>Instead of hard coding the connection string into a code file you can use a settings file.</a:t>
+            </a:r>
+          </a:p>
+          <a:p>
+            <a:pPr marL="171450" indent="-171450">
+              <a:buFont typeface="Arial" panose="020B0604020202020204" pitchFamily="34" charset="0"/>
+              <a:buChar char="•"/>
+            </a:pPr>
+            <a:r>
+              <a:rPr lang="en-US" baseline="0" dirty="0"/>
+              <a:t>The settings file allows for a key value pair of configuration settings to be used in the application.</a:t>
+            </a:r>
+          </a:p>
+          <a:p>
+            <a:pPr marL="171450" indent="-171450">
+              <a:buFont typeface="Arial" panose="020B0604020202020204" pitchFamily="34" charset="0"/>
+              <a:buChar char="•"/>
+            </a:pPr>
+            <a:r>
+              <a:rPr lang="en-US" baseline="0" dirty="0"/>
+              <a:t>You can create an </a:t>
+            </a:r>
+            <a:r>
+              <a:rPr lang="en-US" baseline="0" dirty="0" err="1"/>
+              <a:t>appSettings.json</a:t>
+            </a:r>
+            <a:r>
+              <a:rPr lang="en-US" baseline="0" dirty="0"/>
+              <a:t> file to be used to hold the key value pairs.</a:t>
+            </a:r>
+          </a:p>
+          <a:p>
+            <a:pPr marL="171450" indent="-171450">
+              <a:buFont typeface="Arial" panose="020B0604020202020204" pitchFamily="34" charset="0"/>
+              <a:buChar char="•"/>
+            </a:pPr>
+            <a:r>
+              <a:rPr lang="en-US" baseline="0" dirty="0"/>
+              <a:t>The configuration can be read in using the </a:t>
+            </a:r>
+            <a:r>
+              <a:rPr lang="en-US" baseline="0" dirty="0" err="1"/>
+              <a:t>Nuget</a:t>
+            </a:r>
+            <a:r>
+              <a:rPr lang="en-US" baseline="0" dirty="0"/>
+              <a:t> package: </a:t>
+            </a:r>
+            <a:r>
+              <a:rPr lang="en-US" baseline="0" dirty="0" err="1"/>
+              <a:t>Microsoft.Extensions.Configuration.Json</a:t>
+            </a:r>
+            <a:r>
+              <a:rPr lang="en-US" baseline="0" dirty="0"/>
+              <a:t>.</a:t>
             </a:r>
           </a:p>
         </p:txBody>
@@ -4436,7 +4489,7 @@
     </p:spTree>
     <p:extLst>
       <p:ext uri="{BB962C8B-B14F-4D97-AF65-F5344CB8AC3E}">
-        <p14:creationId xmlns:p14="http://schemas.microsoft.com/office/powerpoint/2010/main" val="432937500"/>
+        <p14:creationId xmlns:p14="http://schemas.microsoft.com/office/powerpoint/2010/main" val="3979744076"/>
       </p:ext>
     </p:extLst>
   </p:cSld>
@@ -4495,8 +4548,8 @@
               <a:buChar char="•"/>
             </a:pPr>
             <a:r>
-              <a:rPr lang="en-US" baseline="0" dirty="0" smtClean="0"/>
-              <a:t>We can setup methods in the repository to retrieve data using Dapper.</a:t>
+              <a:rPr lang="en-US" baseline="0" dirty="0"/>
+              <a:t>We can setup a base repository for other repositories to use the same connection code.</a:t>
             </a:r>
           </a:p>
         </p:txBody>
@@ -4527,7 +4580,7 @@
     </p:spTree>
     <p:extLst>
       <p:ext uri="{BB962C8B-B14F-4D97-AF65-F5344CB8AC3E}">
-        <p14:creationId xmlns:p14="http://schemas.microsoft.com/office/powerpoint/2010/main" val="791132975"/>
+        <p14:creationId xmlns:p14="http://schemas.microsoft.com/office/powerpoint/2010/main" val="432937500"/>
       </p:ext>
     </p:extLst>
   </p:cSld>
@@ -4586,164 +4639,9 @@
               <a:buChar char="•"/>
             </a:pPr>
             <a:r>
-              <a:rPr lang="en-US" dirty="0" smtClean="0"/>
-              <a:t>In order to make projects for our main components we will need to use CLI commands.</a:t>
-            </a:r>
-          </a:p>
-          <a:p>
-            <a:pPr marL="171450" indent="-171450">
-              <a:buFont typeface="Arial" panose="020B0604020202020204" pitchFamily="34" charset="0"/>
-              <a:buChar char="•"/>
-            </a:pPr>
-            <a:r>
-              <a:rPr lang="en-US" dirty="0" err="1" smtClean="0"/>
-              <a:t>mkdir</a:t>
-            </a:r>
-            <a:r>
-              <a:rPr lang="en-US" baseline="0" dirty="0" smtClean="0"/>
-              <a:t> creates a new directory on your computer.</a:t>
-            </a:r>
-          </a:p>
-          <a:p>
-            <a:pPr marL="171450" indent="-171450">
-              <a:buFont typeface="Arial" panose="020B0604020202020204" pitchFamily="34" charset="0"/>
-              <a:buChar char="•"/>
-            </a:pPr>
-            <a:r>
-              <a:rPr lang="en-US" baseline="0" dirty="0" smtClean="0"/>
-              <a:t>cd changes the directory that you are currently in.</a:t>
-            </a:r>
-          </a:p>
-          <a:p>
-            <a:pPr marL="171450" indent="-171450">
-              <a:buFont typeface="Arial" panose="020B0604020202020204" pitchFamily="34" charset="0"/>
-              <a:buChar char="•"/>
-            </a:pPr>
-            <a:r>
-              <a:rPr lang="en-US" baseline="0" dirty="0" err="1" smtClean="0"/>
-              <a:t>dotnet</a:t>
-            </a:r>
-            <a:r>
-              <a:rPr lang="en-US" baseline="0" dirty="0" smtClean="0"/>
-              <a:t> new </a:t>
-            </a:r>
-            <a:r>
-              <a:rPr lang="en-US" baseline="0" dirty="0" err="1" smtClean="0"/>
-              <a:t>classlib</a:t>
-            </a:r>
-            <a:r>
-              <a:rPr lang="en-US" baseline="0" dirty="0" smtClean="0"/>
-              <a:t> – creates a new class library project.  This is what we use to create a new </a:t>
-            </a:r>
-            <a:r>
-              <a:rPr lang="en-US" baseline="0" dirty="0" err="1" smtClean="0"/>
-              <a:t>.Net</a:t>
-            </a:r>
-            <a:r>
-              <a:rPr lang="en-US" baseline="0" dirty="0" smtClean="0"/>
-              <a:t> project that is code only.</a:t>
-            </a:r>
-          </a:p>
-          <a:p>
-            <a:pPr marL="171450" indent="-171450">
-              <a:buFont typeface="Arial" panose="020B0604020202020204" pitchFamily="34" charset="0"/>
-              <a:buChar char="•"/>
-            </a:pPr>
-            <a:r>
-              <a:rPr lang="en-US" baseline="0" dirty="0" err="1" smtClean="0"/>
-              <a:t>dotnet</a:t>
-            </a:r>
-            <a:r>
-              <a:rPr lang="en-US" baseline="0" dirty="0" smtClean="0"/>
-              <a:t> new </a:t>
-            </a:r>
-            <a:r>
-              <a:rPr lang="en-US" baseline="0" dirty="0" err="1" smtClean="0"/>
-              <a:t>webapi</a:t>
-            </a:r>
-            <a:r>
-              <a:rPr lang="en-US" baseline="0" dirty="0" smtClean="0"/>
-              <a:t> – creates a new web </a:t>
-            </a:r>
-            <a:r>
-              <a:rPr lang="en-US" baseline="0" dirty="0" err="1" smtClean="0"/>
-              <a:t>api</a:t>
-            </a:r>
-            <a:r>
-              <a:rPr lang="en-US" baseline="0" dirty="0" smtClean="0"/>
-              <a:t> project.  This is what we use to create a new </a:t>
-            </a:r>
-            <a:r>
-              <a:rPr lang="en-US" baseline="0" dirty="0" err="1" smtClean="0"/>
-              <a:t>.Net</a:t>
-            </a:r>
-            <a:r>
-              <a:rPr lang="en-US" baseline="0" dirty="0" smtClean="0"/>
-              <a:t> project that will contain our web </a:t>
-            </a:r>
-            <a:r>
-              <a:rPr lang="en-US" baseline="0" dirty="0" err="1" smtClean="0"/>
-              <a:t>api</a:t>
-            </a:r>
-            <a:r>
-              <a:rPr lang="en-US" baseline="0" dirty="0" smtClean="0"/>
-              <a:t>.</a:t>
-            </a:r>
-          </a:p>
-          <a:p>
-            <a:pPr marL="171450" indent="-171450">
-              <a:buFont typeface="Arial" panose="020B0604020202020204" pitchFamily="34" charset="0"/>
-              <a:buChar char="•"/>
-            </a:pPr>
-            <a:r>
-              <a:rPr lang="en-US" baseline="0" dirty="0" err="1" smtClean="0"/>
-              <a:t>dotnet</a:t>
-            </a:r>
-            <a:r>
-              <a:rPr lang="en-US" baseline="0" dirty="0" smtClean="0"/>
-              <a:t> add reference – allows us to reference code from another project.  One project does not know about the other until a reference is added.</a:t>
-            </a:r>
-          </a:p>
-          <a:p>
-            <a:pPr marL="171450" indent="-171450">
-              <a:buFont typeface="Arial" panose="020B0604020202020204" pitchFamily="34" charset="0"/>
-              <a:buChar char="•"/>
-            </a:pPr>
-            <a:r>
-              <a:rPr lang="en-US" baseline="0" dirty="0" err="1" smtClean="0"/>
-              <a:t>dotnet</a:t>
-            </a:r>
-            <a:r>
-              <a:rPr lang="en-US" baseline="0" dirty="0" smtClean="0"/>
-              <a:t> add package – allows us to add a package to our code.  A package is created by someone and can be downloaded over the internet for use in your project.</a:t>
-            </a:r>
-          </a:p>
-          <a:p>
-            <a:pPr marL="171450" indent="-171450">
-              <a:buFont typeface="Arial" panose="020B0604020202020204" pitchFamily="34" charset="0"/>
-              <a:buChar char="•"/>
-            </a:pPr>
-            <a:r>
-              <a:rPr lang="en-US" baseline="0" dirty="0" smtClean="0"/>
-              <a:t>We will be using two packages from the </a:t>
-            </a:r>
-            <a:r>
-              <a:rPr lang="en-US" baseline="0" dirty="0" err="1" smtClean="0"/>
-              <a:t>Nuget</a:t>
-            </a:r>
-            <a:r>
-              <a:rPr lang="en-US" baseline="0" dirty="0" smtClean="0"/>
-              <a:t> package manager which are Dapper and </a:t>
-            </a:r>
-            <a:r>
-              <a:rPr lang="en-US" baseline="0" dirty="0" err="1" smtClean="0"/>
-              <a:t>MySql.Data</a:t>
-            </a:r>
-            <a:r>
-              <a:rPr lang="en-US" baseline="0" dirty="0" smtClean="0"/>
-              <a:t>.</a:t>
-            </a:r>
-            <a:endParaRPr lang="en-US" dirty="0"/>
+              <a:rPr lang="en-US" baseline="0" dirty="0"/>
+              <a:t>We can setup methods in the repository to retrieve data using Dapper.</a:t>
+            </a:r>
           </a:p>
         </p:txBody>
       </p:sp>
@@ -4762,7 +4660,7 @@
           <a:bodyPr/>
           <a:lstStyle/>
           <a:p>
-            <a:fld id="{8BFE51C4-C5AF-4BE3-9C14-3D5DA10766E2}" type="slidenum">
+            <a:fld id="{90562276-63C7-43F9-8E9E-CFA137F6F839}" type="slidenum">
               <a:rPr lang="en-US" smtClean="0"/>
               <a:t>34</a:t>
             </a:fld>
@@ -4773,7 +4671,7 @@
     </p:spTree>
     <p:extLst>
       <p:ext uri="{BB962C8B-B14F-4D97-AF65-F5344CB8AC3E}">
-        <p14:creationId xmlns:p14="http://schemas.microsoft.com/office/powerpoint/2010/main" val="2106147533"/>
+        <p14:creationId xmlns:p14="http://schemas.microsoft.com/office/powerpoint/2010/main" val="791132975"/>
       </p:ext>
     </p:extLst>
   </p:cSld>
@@ -4831,6 +4729,164 @@
               <a:buFont typeface="Arial" panose="020B0604020202020204" pitchFamily="34" charset="0"/>
               <a:buChar char="•"/>
             </a:pPr>
+            <a:r>
+              <a:rPr lang="en-US" dirty="0"/>
+              <a:t>In order to make projects for our main components we will need to use CLI commands.</a:t>
+            </a:r>
+          </a:p>
+          <a:p>
+            <a:pPr marL="171450" indent="-171450">
+              <a:buFont typeface="Arial" panose="020B0604020202020204" pitchFamily="34" charset="0"/>
+              <a:buChar char="•"/>
+            </a:pPr>
+            <a:r>
+              <a:rPr lang="en-US" dirty="0" err="1"/>
+              <a:t>mkdir</a:t>
+            </a:r>
+            <a:r>
+              <a:rPr lang="en-US" baseline="0" dirty="0"/>
+              <a:t> creates a new directory on your computer.</a:t>
+            </a:r>
+          </a:p>
+          <a:p>
+            <a:pPr marL="171450" indent="-171450">
+              <a:buFont typeface="Arial" panose="020B0604020202020204" pitchFamily="34" charset="0"/>
+              <a:buChar char="•"/>
+            </a:pPr>
+            <a:r>
+              <a:rPr lang="en-US" baseline="0" dirty="0"/>
+              <a:t>cd changes the directory that you are currently in.</a:t>
+            </a:r>
+          </a:p>
+          <a:p>
+            <a:pPr marL="171450" indent="-171450">
+              <a:buFont typeface="Arial" panose="020B0604020202020204" pitchFamily="34" charset="0"/>
+              <a:buChar char="•"/>
+            </a:pPr>
+            <a:r>
+              <a:rPr lang="en-US" baseline="0" dirty="0" err="1"/>
+              <a:t>dotnet</a:t>
+            </a:r>
+            <a:r>
+              <a:rPr lang="en-US" baseline="0" dirty="0"/>
+              <a:t> new </a:t>
+            </a:r>
+            <a:r>
+              <a:rPr lang="en-US" baseline="0" dirty="0" err="1"/>
+              <a:t>classlib</a:t>
+            </a:r>
+            <a:r>
+              <a:rPr lang="en-US" baseline="0" dirty="0"/>
+              <a:t> – creates a new class library project.  This is what we use to create a new </a:t>
+            </a:r>
+            <a:r>
+              <a:rPr lang="en-US" baseline="0" dirty="0" err="1"/>
+              <a:t>.Net</a:t>
+            </a:r>
+            <a:r>
+              <a:rPr lang="en-US" baseline="0" dirty="0"/>
+              <a:t> project that is code only.</a:t>
+            </a:r>
+          </a:p>
+          <a:p>
+            <a:pPr marL="171450" indent="-171450">
+              <a:buFont typeface="Arial" panose="020B0604020202020204" pitchFamily="34" charset="0"/>
+              <a:buChar char="•"/>
+            </a:pPr>
+            <a:r>
+              <a:rPr lang="en-US" baseline="0" dirty="0" err="1"/>
+              <a:t>dotnet</a:t>
+            </a:r>
+            <a:r>
+              <a:rPr lang="en-US" baseline="0" dirty="0"/>
+              <a:t> new </a:t>
+            </a:r>
+            <a:r>
+              <a:rPr lang="en-US" baseline="0" dirty="0" err="1"/>
+              <a:t>webapi</a:t>
+            </a:r>
+            <a:r>
+              <a:rPr lang="en-US" baseline="0" dirty="0"/>
+              <a:t> – creates a new web </a:t>
+            </a:r>
+            <a:r>
+              <a:rPr lang="en-US" baseline="0" dirty="0" err="1"/>
+              <a:t>api</a:t>
+            </a:r>
+            <a:r>
+              <a:rPr lang="en-US" baseline="0" dirty="0"/>
+              <a:t> project.  This is what we use to create a new </a:t>
+            </a:r>
+            <a:r>
+              <a:rPr lang="en-US" baseline="0" dirty="0" err="1"/>
+              <a:t>.Net</a:t>
+            </a:r>
+            <a:r>
+              <a:rPr lang="en-US" baseline="0" dirty="0"/>
+              <a:t> project that will contain our web </a:t>
+            </a:r>
+            <a:r>
+              <a:rPr lang="en-US" baseline="0" dirty="0" err="1"/>
+              <a:t>api</a:t>
+            </a:r>
+            <a:r>
+              <a:rPr lang="en-US" baseline="0" dirty="0"/>
+              <a:t>.</a:t>
+            </a:r>
+          </a:p>
+          <a:p>
+            <a:pPr marL="171450" indent="-171450">
+              <a:buFont typeface="Arial" panose="020B0604020202020204" pitchFamily="34" charset="0"/>
+              <a:buChar char="•"/>
+            </a:pPr>
+            <a:r>
+              <a:rPr lang="en-US" baseline="0" dirty="0" err="1"/>
+              <a:t>dotnet</a:t>
+            </a:r>
+            <a:r>
+              <a:rPr lang="en-US" baseline="0" dirty="0"/>
+              <a:t> add reference – allows us to reference code from another project.  One project does not know about the other until a reference is added.</a:t>
+            </a:r>
+          </a:p>
+          <a:p>
+            <a:pPr marL="171450" indent="-171450">
+              <a:buFont typeface="Arial" panose="020B0604020202020204" pitchFamily="34" charset="0"/>
+              <a:buChar char="•"/>
+            </a:pPr>
+            <a:r>
+              <a:rPr lang="en-US" baseline="0" dirty="0" err="1"/>
+              <a:t>dotnet</a:t>
+            </a:r>
+            <a:r>
+              <a:rPr lang="en-US" baseline="0" dirty="0"/>
+              <a:t> add package – allows us to add a package to our code.  A package is created by someone and can be downloaded over the internet for use in your project.</a:t>
+            </a:r>
+          </a:p>
+          <a:p>
+            <a:pPr marL="171450" indent="-171450">
+              <a:buFont typeface="Arial" panose="020B0604020202020204" pitchFamily="34" charset="0"/>
+              <a:buChar char="•"/>
+            </a:pPr>
+            <a:r>
+              <a:rPr lang="en-US" baseline="0" dirty="0"/>
+              <a:t>We will be using two packages from the </a:t>
+            </a:r>
+            <a:r>
+              <a:rPr lang="en-US" baseline="0" dirty="0" err="1"/>
+              <a:t>Nuget</a:t>
+            </a:r>
+            <a:r>
+              <a:rPr lang="en-US" baseline="0" dirty="0"/>
+              <a:t> package manager which are Dapper and </a:t>
+            </a:r>
+            <a:r>
+              <a:rPr lang="en-US" baseline="0" dirty="0" err="1"/>
+              <a:t>MySql.Data</a:t>
+            </a:r>
+            <a:r>
+              <a:rPr lang="en-US" baseline="0" dirty="0"/>
+              <a:t>.</a:t>
+            </a:r>
             <a:endParaRPr lang="en-US" dirty="0"/>
           </a:p>
         </p:txBody>
@@ -4850,7 +4906,7 @@
           <a:bodyPr/>
           <a:lstStyle/>
           <a:p>
-            <a:fld id="{347B1FF5-FCE8-499D-B296-D7493115F512}" type="slidenum">
+            <a:fld id="{8BFE51C4-C5AF-4BE3-9C14-3D5DA10766E2}" type="slidenum">
               <a:rPr lang="en-US" smtClean="0"/>
               <a:t>35</a:t>
             </a:fld>
@@ -4861,7 +4917,7 @@
     </p:spTree>
     <p:extLst>
       <p:ext uri="{BB962C8B-B14F-4D97-AF65-F5344CB8AC3E}">
-        <p14:creationId xmlns:p14="http://schemas.microsoft.com/office/powerpoint/2010/main" val="135074158"/>
+        <p14:creationId xmlns:p14="http://schemas.microsoft.com/office/powerpoint/2010/main" val="2106147533"/>
       </p:ext>
     </p:extLst>
   </p:cSld>
@@ -4915,64 +4971,10 @@
           <a:bodyPr/>
           <a:lstStyle/>
           <a:p>
-            <a:pPr marL="171450" lvl="0" indent="-171450">
+            <a:pPr marL="171450" indent="-171450">
               <a:buFont typeface="Arial" panose="020B0604020202020204" pitchFamily="34" charset="0"/>
               <a:buChar char="•"/>
             </a:pPr>
-            <a:r>
-              <a:rPr lang="en-US" sz="1200" kern="1200" dirty="0" smtClean="0">
-                <a:solidFill>
-                  <a:schemeClr val="tx1"/>
-                </a:solidFill>
-                <a:effectLst/>
-                <a:latin typeface="+mn-lt"/>
-                <a:ea typeface="+mn-ea"/>
-                <a:cs typeface="+mn-cs"/>
-              </a:rPr>
-              <a:t>What is the pattern used to map relational database tables to classes?</a:t>
-            </a:r>
-          </a:p>
-          <a:p>
-            <a:pPr marL="171450" lvl="0" indent="-171450">
-              <a:buFont typeface="Arial" panose="020B0604020202020204" pitchFamily="34" charset="0"/>
-              <a:buChar char="•"/>
-            </a:pPr>
-            <a:r>
-              <a:rPr lang="en-US" sz="1200" kern="1200" dirty="0" smtClean="0">
-                <a:solidFill>
-                  <a:schemeClr val="tx1"/>
-                </a:solidFill>
-                <a:effectLst/>
-                <a:latin typeface="+mn-lt"/>
-                <a:ea typeface="+mn-ea"/>
-                <a:cs typeface="+mn-cs"/>
-              </a:rPr>
-              <a:t>What does ORM stand for?</a:t>
-            </a:r>
-          </a:p>
-          <a:p>
-            <a:pPr marL="171450" lvl="0" indent="-171450">
-              <a:buFont typeface="Arial" panose="020B0604020202020204" pitchFamily="34" charset="0"/>
-              <a:buChar char="•"/>
-            </a:pPr>
-            <a:r>
-              <a:rPr lang="en-US" sz="1200" kern="1200" dirty="0" smtClean="0">
-                <a:solidFill>
-                  <a:schemeClr val="tx1"/>
-                </a:solidFill>
-                <a:effectLst/>
-                <a:latin typeface="+mn-lt"/>
-                <a:ea typeface="+mn-ea"/>
-                <a:cs typeface="+mn-cs"/>
-              </a:rPr>
-              <a:t>Name two ORM options.</a:t>
-            </a:r>
-          </a:p>
-          <a:p>
-            <a:pPr marL="457200" lvl="1" indent="0">
-              <a:buFont typeface="Arial" panose="020B0604020202020204" pitchFamily="34" charset="0"/>
-              <a:buNone/>
-            </a:pPr>
             <a:endParaRPr lang="en-US" dirty="0"/>
           </a:p>
         </p:txBody>
@@ -4992,7 +4994,7 @@
           <a:bodyPr/>
           <a:lstStyle/>
           <a:p>
-            <a:fld id="{226FA58D-4B12-4E7B-A2FA-693CE3EACDFD}" type="slidenum">
+            <a:fld id="{347B1FF5-FCE8-499D-B296-D7493115F512}" type="slidenum">
               <a:rPr lang="en-US" smtClean="0"/>
               <a:t>36</a:t>
             </a:fld>
@@ -5003,7 +5005,7 @@
     </p:spTree>
     <p:extLst>
       <p:ext uri="{BB962C8B-B14F-4D97-AF65-F5344CB8AC3E}">
-        <p14:creationId xmlns:p14="http://schemas.microsoft.com/office/powerpoint/2010/main" val="537020023"/>
+        <p14:creationId xmlns:p14="http://schemas.microsoft.com/office/powerpoint/2010/main" val="135074158"/>
       </p:ext>
     </p:extLst>
   </p:cSld>
@@ -5057,9 +5059,63 @@
           <a:bodyPr/>
           <a:lstStyle/>
           <a:p>
-            <a:pPr marL="171450" indent="-171450">
+            <a:pPr marL="171450" lvl="0" indent="-171450">
               <a:buFont typeface="Arial" panose="020B0604020202020204" pitchFamily="34" charset="0"/>
               <a:buChar char="•"/>
+            </a:pPr>
+            <a:r>
+              <a:rPr lang="en-US" sz="1200" kern="1200" dirty="0">
+                <a:solidFill>
+                  <a:schemeClr val="tx1"/>
+                </a:solidFill>
+                <a:effectLst/>
+                <a:latin typeface="+mn-lt"/>
+                <a:ea typeface="+mn-ea"/>
+                <a:cs typeface="+mn-cs"/>
+              </a:rPr>
+              <a:t>What is the pattern used to map relational database tables to classes?</a:t>
+            </a:r>
+          </a:p>
+          <a:p>
+            <a:pPr marL="171450" lvl="0" indent="-171450">
+              <a:buFont typeface="Arial" panose="020B0604020202020204" pitchFamily="34" charset="0"/>
+              <a:buChar char="•"/>
+            </a:pPr>
+            <a:r>
+              <a:rPr lang="en-US" sz="1200" kern="1200" dirty="0">
+                <a:solidFill>
+                  <a:schemeClr val="tx1"/>
+                </a:solidFill>
+                <a:effectLst/>
+                <a:latin typeface="+mn-lt"/>
+                <a:ea typeface="+mn-ea"/>
+                <a:cs typeface="+mn-cs"/>
+              </a:rPr>
+              <a:t>What does ORM stand for?</a:t>
+            </a:r>
+          </a:p>
+          <a:p>
+            <a:pPr marL="171450" lvl="0" indent="-171450">
+              <a:buFont typeface="Arial" panose="020B0604020202020204" pitchFamily="34" charset="0"/>
+              <a:buChar char="•"/>
+            </a:pPr>
+            <a:r>
+              <a:rPr lang="en-US" sz="1200" kern="1200" dirty="0">
+                <a:solidFill>
+                  <a:schemeClr val="tx1"/>
+                </a:solidFill>
+                <a:effectLst/>
+                <a:latin typeface="+mn-lt"/>
+                <a:ea typeface="+mn-ea"/>
+                <a:cs typeface="+mn-cs"/>
+              </a:rPr>
+              <a:t>Name two ORM options.</a:t>
+            </a:r>
+          </a:p>
+          <a:p>
+            <a:pPr marL="457200" lvl="1" indent="0">
+              <a:buFont typeface="Arial" panose="020B0604020202020204" pitchFamily="34" charset="0"/>
+              <a:buNone/>
             </a:pPr>
             <a:endParaRPr lang="en-US" dirty="0"/>
           </a:p>
@@ -5091,7 +5147,7 @@
     </p:spTree>
     <p:extLst>
       <p:ext uri="{BB962C8B-B14F-4D97-AF65-F5344CB8AC3E}">
-        <p14:creationId xmlns:p14="http://schemas.microsoft.com/office/powerpoint/2010/main" val="1145430475"/>
+        <p14:creationId xmlns:p14="http://schemas.microsoft.com/office/powerpoint/2010/main" val="537020023"/>
       </p:ext>
     </p:extLst>
   </p:cSld>
@@ -5145,903 +5201,9 @@
           <a:bodyPr/>
           <a:lstStyle/>
           <a:p>
-            <a:pPr marL="171450" lvl="0" indent="-171450">
+            <a:pPr marL="171450" indent="-171450">
               <a:buFont typeface="Arial" panose="020B0604020202020204" pitchFamily="34" charset="0"/>
               <a:buChar char="•"/>
-            </a:pPr>
-            <a:r>
-              <a:rPr lang="en-US" sz="1200" kern="1200" dirty="0" smtClean="0">
-                <a:solidFill>
-                  <a:schemeClr val="tx1"/>
-                </a:solidFill>
-                <a:effectLst/>
-                <a:latin typeface="+mn-lt"/>
-                <a:ea typeface="+mn-ea"/>
-                <a:cs typeface="+mn-cs"/>
-              </a:rPr>
-              <a:t>Write on the board a select statement that selects </a:t>
-            </a:r>
-            <a:r>
-              <a:rPr lang="en-US" sz="1200" kern="1200" dirty="0" err="1" smtClean="0">
-                <a:solidFill>
-                  <a:schemeClr val="tx1"/>
-                </a:solidFill>
-                <a:effectLst/>
-                <a:latin typeface="+mn-lt"/>
-                <a:ea typeface="+mn-ea"/>
-                <a:cs typeface="+mn-cs"/>
-              </a:rPr>
-              <a:t>FirstName</a:t>
-            </a:r>
-            <a:r>
-              <a:rPr lang="en-US" sz="1200" kern="1200" dirty="0" smtClean="0">
-                <a:solidFill>
-                  <a:schemeClr val="tx1"/>
-                </a:solidFill>
-                <a:effectLst/>
-                <a:latin typeface="+mn-lt"/>
-                <a:ea typeface="+mn-ea"/>
-                <a:cs typeface="+mn-cs"/>
-              </a:rPr>
-              <a:t> and </a:t>
-            </a:r>
-            <a:r>
-              <a:rPr lang="en-US" sz="1200" kern="1200" dirty="0" err="1" smtClean="0">
-                <a:solidFill>
-                  <a:schemeClr val="tx1"/>
-                </a:solidFill>
-                <a:effectLst/>
-                <a:latin typeface="+mn-lt"/>
-                <a:ea typeface="+mn-ea"/>
-                <a:cs typeface="+mn-cs"/>
-              </a:rPr>
-              <a:t>LastName</a:t>
-            </a:r>
-            <a:r>
-              <a:rPr lang="en-US" sz="1200" kern="1200" dirty="0" smtClean="0">
-                <a:solidFill>
-                  <a:schemeClr val="tx1"/>
-                </a:solidFill>
-                <a:effectLst/>
-                <a:latin typeface="+mn-lt"/>
-                <a:ea typeface="+mn-ea"/>
-                <a:cs typeface="+mn-cs"/>
-              </a:rPr>
-              <a:t> columns of a table named employee.</a:t>
-            </a:r>
-          </a:p>
-          <a:p>
-            <a:pPr marL="171450" lvl="0" indent="-171450">
-              <a:buFont typeface="Arial" panose="020B0604020202020204" pitchFamily="34" charset="0"/>
-              <a:buChar char="•"/>
-            </a:pPr>
-            <a:r>
-              <a:rPr lang="en-US" sz="1200" kern="1200" dirty="0" smtClean="0">
-                <a:solidFill>
-                  <a:schemeClr val="tx1"/>
-                </a:solidFill>
-                <a:effectLst/>
-                <a:latin typeface="+mn-lt"/>
-                <a:ea typeface="+mn-ea"/>
-                <a:cs typeface="+mn-cs"/>
-              </a:rPr>
-              <a:t>Write on the board a select statement that select </a:t>
-            </a:r>
-            <a:r>
-              <a:rPr lang="en-US" sz="1200" kern="1200" dirty="0" err="1" smtClean="0">
-                <a:solidFill>
-                  <a:schemeClr val="tx1"/>
-                </a:solidFill>
-                <a:effectLst/>
-                <a:latin typeface="+mn-lt"/>
-                <a:ea typeface="+mn-ea"/>
-                <a:cs typeface="+mn-cs"/>
-              </a:rPr>
-              <a:t>FirstName</a:t>
-            </a:r>
-            <a:r>
-              <a:rPr lang="en-US" sz="1200" kern="1200" dirty="0" smtClean="0">
-                <a:solidFill>
-                  <a:schemeClr val="tx1"/>
-                </a:solidFill>
-                <a:effectLst/>
-                <a:latin typeface="+mn-lt"/>
-                <a:ea typeface="+mn-ea"/>
-                <a:cs typeface="+mn-cs"/>
-              </a:rPr>
-              <a:t> and </a:t>
-            </a:r>
-            <a:r>
-              <a:rPr lang="en-US" sz="1200" kern="1200" dirty="0" err="1" smtClean="0">
-                <a:solidFill>
-                  <a:schemeClr val="tx1"/>
-                </a:solidFill>
-                <a:effectLst/>
-                <a:latin typeface="+mn-lt"/>
-                <a:ea typeface="+mn-ea"/>
-                <a:cs typeface="+mn-cs"/>
-              </a:rPr>
-              <a:t>LastName</a:t>
-            </a:r>
-            <a:r>
-              <a:rPr lang="en-US" sz="1200" kern="1200" dirty="0" smtClean="0">
-                <a:solidFill>
-                  <a:schemeClr val="tx1"/>
-                </a:solidFill>
-                <a:effectLst/>
-                <a:latin typeface="+mn-lt"/>
-                <a:ea typeface="+mn-ea"/>
-                <a:cs typeface="+mn-cs"/>
-              </a:rPr>
-              <a:t> columns of a table named employee where the </a:t>
-            </a:r>
-            <a:r>
-              <a:rPr lang="en-US" sz="1200" kern="1200" dirty="0" err="1" smtClean="0">
-                <a:solidFill>
-                  <a:schemeClr val="tx1"/>
-                </a:solidFill>
-                <a:effectLst/>
-                <a:latin typeface="+mn-lt"/>
-                <a:ea typeface="+mn-ea"/>
-                <a:cs typeface="+mn-cs"/>
-              </a:rPr>
-              <a:t>EmployeeID</a:t>
-            </a:r>
-            <a:r>
-              <a:rPr lang="en-US" sz="1200" kern="1200" dirty="0" smtClean="0">
-                <a:solidFill>
-                  <a:schemeClr val="tx1"/>
-                </a:solidFill>
-                <a:effectLst/>
-                <a:latin typeface="+mn-lt"/>
-                <a:ea typeface="+mn-ea"/>
-                <a:cs typeface="+mn-cs"/>
-              </a:rPr>
-              <a:t> equals 5.</a:t>
-            </a:r>
-          </a:p>
-          <a:p>
-            <a:pPr marL="171450" lvl="0" indent="-171450">
-              <a:buFont typeface="Arial" panose="020B0604020202020204" pitchFamily="34" charset="0"/>
-              <a:buChar char="•"/>
-            </a:pPr>
-            <a:r>
-              <a:rPr lang="en-US" sz="1200" kern="1200" dirty="0" smtClean="0">
-                <a:solidFill>
-                  <a:schemeClr val="tx1"/>
-                </a:solidFill>
-                <a:effectLst/>
-                <a:latin typeface="+mn-lt"/>
-                <a:ea typeface="+mn-ea"/>
-                <a:cs typeface="+mn-cs"/>
-              </a:rPr>
-              <a:t>Write on the board a select statement that select </a:t>
-            </a:r>
-            <a:r>
-              <a:rPr lang="en-US" sz="1200" kern="1200" dirty="0" err="1" smtClean="0">
-                <a:solidFill>
-                  <a:schemeClr val="tx1"/>
-                </a:solidFill>
-                <a:effectLst/>
-                <a:latin typeface="+mn-lt"/>
-                <a:ea typeface="+mn-ea"/>
-                <a:cs typeface="+mn-cs"/>
-              </a:rPr>
-              <a:t>FirstName</a:t>
-            </a:r>
-            <a:r>
-              <a:rPr lang="en-US" sz="1200" kern="1200" dirty="0" smtClean="0">
-                <a:solidFill>
-                  <a:schemeClr val="tx1"/>
-                </a:solidFill>
-                <a:effectLst/>
-                <a:latin typeface="+mn-lt"/>
-                <a:ea typeface="+mn-ea"/>
-                <a:cs typeface="+mn-cs"/>
-              </a:rPr>
-              <a:t> and </a:t>
-            </a:r>
-            <a:r>
-              <a:rPr lang="en-US" sz="1200" kern="1200" dirty="0" err="1" smtClean="0">
-                <a:solidFill>
-                  <a:schemeClr val="tx1"/>
-                </a:solidFill>
-                <a:effectLst/>
-                <a:latin typeface="+mn-lt"/>
-                <a:ea typeface="+mn-ea"/>
-                <a:cs typeface="+mn-cs"/>
-              </a:rPr>
-              <a:t>LastName</a:t>
-            </a:r>
-            <a:r>
-              <a:rPr lang="en-US" sz="1200" kern="1200" dirty="0" smtClean="0">
-                <a:solidFill>
-                  <a:schemeClr val="tx1"/>
-                </a:solidFill>
-                <a:effectLst/>
-                <a:latin typeface="+mn-lt"/>
-                <a:ea typeface="+mn-ea"/>
-                <a:cs typeface="+mn-cs"/>
-              </a:rPr>
-              <a:t> columns of a table named employee where the </a:t>
-            </a:r>
-            <a:r>
-              <a:rPr lang="en-US" sz="1200" kern="1200" dirty="0" err="1" smtClean="0">
-                <a:solidFill>
-                  <a:schemeClr val="tx1"/>
-                </a:solidFill>
-                <a:effectLst/>
-                <a:latin typeface="+mn-lt"/>
-                <a:ea typeface="+mn-ea"/>
-                <a:cs typeface="+mn-cs"/>
-              </a:rPr>
-              <a:t>FirstName</a:t>
-            </a:r>
-            <a:r>
-              <a:rPr lang="en-US" sz="1200" kern="1200" dirty="0" smtClean="0">
-                <a:solidFill>
-                  <a:schemeClr val="tx1"/>
-                </a:solidFill>
-                <a:effectLst/>
-                <a:latin typeface="+mn-lt"/>
-                <a:ea typeface="+mn-ea"/>
-                <a:cs typeface="+mn-cs"/>
-              </a:rPr>
-              <a:t> equals Joe and </a:t>
-            </a:r>
-            <a:r>
-              <a:rPr lang="en-US" sz="1200" kern="1200" dirty="0" err="1" smtClean="0">
-                <a:solidFill>
-                  <a:schemeClr val="tx1"/>
-                </a:solidFill>
-                <a:effectLst/>
-                <a:latin typeface="+mn-lt"/>
-                <a:ea typeface="+mn-ea"/>
-                <a:cs typeface="+mn-cs"/>
-              </a:rPr>
-              <a:t>LastName</a:t>
-            </a:r>
-            <a:r>
-              <a:rPr lang="en-US" sz="1200" kern="1200" dirty="0" smtClean="0">
-                <a:solidFill>
-                  <a:schemeClr val="tx1"/>
-                </a:solidFill>
-                <a:effectLst/>
-                <a:latin typeface="+mn-lt"/>
-                <a:ea typeface="+mn-ea"/>
-                <a:cs typeface="+mn-cs"/>
-              </a:rPr>
-              <a:t> equals Smith.</a:t>
-            </a:r>
-          </a:p>
-          <a:p>
-            <a:pPr marL="171450" lvl="0" indent="-171450">
-              <a:buFont typeface="Arial" panose="020B0604020202020204" pitchFamily="34" charset="0"/>
-              <a:buChar char="•"/>
-            </a:pPr>
-            <a:r>
-              <a:rPr lang="en-US" sz="1200" kern="1200" dirty="0" smtClean="0">
-                <a:solidFill>
-                  <a:schemeClr val="tx1"/>
-                </a:solidFill>
-                <a:effectLst/>
-                <a:latin typeface="+mn-lt"/>
-                <a:ea typeface="+mn-ea"/>
-                <a:cs typeface="+mn-cs"/>
-              </a:rPr>
-              <a:t>Write on the board an insert statement for a table named employee with columns </a:t>
-            </a:r>
-            <a:r>
-              <a:rPr lang="en-US" sz="1200" kern="1200" dirty="0" err="1" smtClean="0">
-                <a:solidFill>
-                  <a:schemeClr val="tx1"/>
-                </a:solidFill>
-                <a:effectLst/>
-                <a:latin typeface="+mn-lt"/>
-                <a:ea typeface="+mn-ea"/>
-                <a:cs typeface="+mn-cs"/>
-              </a:rPr>
-              <a:t>EmployeeID</a:t>
-            </a:r>
-            <a:r>
-              <a:rPr lang="en-US" sz="1200" kern="1200" dirty="0" smtClean="0">
-                <a:solidFill>
-                  <a:schemeClr val="tx1"/>
-                </a:solidFill>
-                <a:effectLst/>
-                <a:latin typeface="+mn-lt"/>
-                <a:ea typeface="+mn-ea"/>
-                <a:cs typeface="+mn-cs"/>
-              </a:rPr>
-              <a:t>, </a:t>
-            </a:r>
-            <a:r>
-              <a:rPr lang="en-US" sz="1200" kern="1200" dirty="0" err="1" smtClean="0">
-                <a:solidFill>
-                  <a:schemeClr val="tx1"/>
-                </a:solidFill>
-                <a:effectLst/>
-                <a:latin typeface="+mn-lt"/>
-                <a:ea typeface="+mn-ea"/>
-                <a:cs typeface="+mn-cs"/>
-              </a:rPr>
-              <a:t>FirstName</a:t>
-            </a:r>
-            <a:r>
-              <a:rPr lang="en-US" sz="1200" kern="1200" dirty="0" smtClean="0">
-                <a:solidFill>
-                  <a:schemeClr val="tx1"/>
-                </a:solidFill>
-                <a:effectLst/>
-                <a:latin typeface="+mn-lt"/>
-                <a:ea typeface="+mn-ea"/>
-                <a:cs typeface="+mn-cs"/>
-              </a:rPr>
-              <a:t>, and </a:t>
-            </a:r>
-            <a:r>
-              <a:rPr lang="en-US" sz="1200" kern="1200" dirty="0" err="1" smtClean="0">
-                <a:solidFill>
-                  <a:schemeClr val="tx1"/>
-                </a:solidFill>
-                <a:effectLst/>
-                <a:latin typeface="+mn-lt"/>
-                <a:ea typeface="+mn-ea"/>
-                <a:cs typeface="+mn-cs"/>
-              </a:rPr>
-              <a:t>LastName</a:t>
-            </a:r>
-            <a:r>
-              <a:rPr lang="en-US" sz="1200" kern="1200" dirty="0" smtClean="0">
-                <a:solidFill>
-                  <a:schemeClr val="tx1"/>
-                </a:solidFill>
-                <a:effectLst/>
-                <a:latin typeface="+mn-lt"/>
-                <a:ea typeface="+mn-ea"/>
-                <a:cs typeface="+mn-cs"/>
-              </a:rPr>
-              <a:t>.  </a:t>
-            </a:r>
-            <a:r>
-              <a:rPr lang="en-US" sz="1200" kern="1200" dirty="0" err="1" smtClean="0">
-                <a:solidFill>
-                  <a:schemeClr val="tx1"/>
-                </a:solidFill>
-                <a:effectLst/>
-                <a:latin typeface="+mn-lt"/>
-                <a:ea typeface="+mn-ea"/>
-                <a:cs typeface="+mn-cs"/>
-              </a:rPr>
-              <a:t>EmployeeID</a:t>
-            </a:r>
-            <a:r>
-              <a:rPr lang="en-US" sz="1200" kern="1200" dirty="0" smtClean="0">
-                <a:solidFill>
-                  <a:schemeClr val="tx1"/>
-                </a:solidFill>
-                <a:effectLst/>
-                <a:latin typeface="+mn-lt"/>
-                <a:ea typeface="+mn-ea"/>
-                <a:cs typeface="+mn-cs"/>
-              </a:rPr>
-              <a:t> is auto incrementing.</a:t>
-            </a:r>
-          </a:p>
-          <a:p>
-            <a:pPr marL="171450" lvl="0" indent="-171450">
-              <a:buFont typeface="Arial" panose="020B0604020202020204" pitchFamily="34" charset="0"/>
-              <a:buChar char="•"/>
-            </a:pPr>
-            <a:r>
-              <a:rPr lang="en-US" sz="1200" kern="1200" dirty="0" smtClean="0">
-                <a:solidFill>
-                  <a:schemeClr val="tx1"/>
-                </a:solidFill>
-                <a:effectLst/>
-                <a:latin typeface="+mn-lt"/>
-                <a:ea typeface="+mn-ea"/>
-                <a:cs typeface="+mn-cs"/>
-              </a:rPr>
-              <a:t>Write on the board an insert statement for a table named employee with columns </a:t>
-            </a:r>
-            <a:r>
-              <a:rPr lang="en-US" sz="1200" kern="1200" dirty="0" err="1" smtClean="0">
-                <a:solidFill>
-                  <a:schemeClr val="tx1"/>
-                </a:solidFill>
-                <a:effectLst/>
-                <a:latin typeface="+mn-lt"/>
-                <a:ea typeface="+mn-ea"/>
-                <a:cs typeface="+mn-cs"/>
-              </a:rPr>
-              <a:t>EmployeeID</a:t>
-            </a:r>
-            <a:r>
-              <a:rPr lang="en-US" sz="1200" kern="1200" dirty="0" smtClean="0">
-                <a:solidFill>
-                  <a:schemeClr val="tx1"/>
-                </a:solidFill>
-                <a:effectLst/>
-                <a:latin typeface="+mn-lt"/>
-                <a:ea typeface="+mn-ea"/>
-                <a:cs typeface="+mn-cs"/>
-              </a:rPr>
-              <a:t>, </a:t>
-            </a:r>
-            <a:r>
-              <a:rPr lang="en-US" sz="1200" kern="1200" dirty="0" err="1" smtClean="0">
-                <a:solidFill>
-                  <a:schemeClr val="tx1"/>
-                </a:solidFill>
-                <a:effectLst/>
-                <a:latin typeface="+mn-lt"/>
-                <a:ea typeface="+mn-ea"/>
-                <a:cs typeface="+mn-cs"/>
-              </a:rPr>
-              <a:t>FirstName</a:t>
-            </a:r>
-            <a:r>
-              <a:rPr lang="en-US" sz="1200" kern="1200" dirty="0" smtClean="0">
-                <a:solidFill>
-                  <a:schemeClr val="tx1"/>
-                </a:solidFill>
-                <a:effectLst/>
-                <a:latin typeface="+mn-lt"/>
-                <a:ea typeface="+mn-ea"/>
-                <a:cs typeface="+mn-cs"/>
-              </a:rPr>
-              <a:t>, and </a:t>
-            </a:r>
-            <a:r>
-              <a:rPr lang="en-US" sz="1200" kern="1200" dirty="0" err="1" smtClean="0">
-                <a:solidFill>
-                  <a:schemeClr val="tx1"/>
-                </a:solidFill>
-                <a:effectLst/>
-                <a:latin typeface="+mn-lt"/>
-                <a:ea typeface="+mn-ea"/>
-                <a:cs typeface="+mn-cs"/>
-              </a:rPr>
-              <a:t>LastName</a:t>
-            </a:r>
-            <a:r>
-              <a:rPr lang="en-US" sz="1200" kern="1200" dirty="0" smtClean="0">
-                <a:solidFill>
-                  <a:schemeClr val="tx1"/>
-                </a:solidFill>
-                <a:effectLst/>
-                <a:latin typeface="+mn-lt"/>
-                <a:ea typeface="+mn-ea"/>
-                <a:cs typeface="+mn-cs"/>
-              </a:rPr>
-              <a:t>.  </a:t>
-            </a:r>
-            <a:r>
-              <a:rPr lang="en-US" sz="1200" kern="1200" dirty="0" err="1" smtClean="0">
-                <a:solidFill>
-                  <a:schemeClr val="tx1"/>
-                </a:solidFill>
-                <a:effectLst/>
-                <a:latin typeface="+mn-lt"/>
-                <a:ea typeface="+mn-ea"/>
-                <a:cs typeface="+mn-cs"/>
-              </a:rPr>
-              <a:t>EmployeeID</a:t>
-            </a:r>
-            <a:r>
-              <a:rPr lang="en-US" sz="1200" kern="1200" dirty="0" smtClean="0">
-                <a:solidFill>
-                  <a:schemeClr val="tx1"/>
-                </a:solidFill>
-                <a:effectLst/>
-                <a:latin typeface="+mn-lt"/>
-                <a:ea typeface="+mn-ea"/>
-                <a:cs typeface="+mn-cs"/>
-              </a:rPr>
-              <a:t> is auto incrementing.  Insert multiple records.</a:t>
-            </a:r>
-          </a:p>
-          <a:p>
-            <a:pPr marL="171450" lvl="0" indent="-171450">
-              <a:buFont typeface="Arial" panose="020B0604020202020204" pitchFamily="34" charset="0"/>
-              <a:buChar char="•"/>
-            </a:pPr>
-            <a:r>
-              <a:rPr lang="en-US" sz="1200" kern="1200" dirty="0" smtClean="0">
-                <a:solidFill>
-                  <a:schemeClr val="tx1"/>
-                </a:solidFill>
-                <a:effectLst/>
-                <a:latin typeface="+mn-lt"/>
-                <a:ea typeface="+mn-ea"/>
-                <a:cs typeface="+mn-cs"/>
-              </a:rPr>
-              <a:t>Write on the board an update statement that updates </a:t>
-            </a:r>
-            <a:r>
-              <a:rPr lang="en-US" sz="1200" kern="1200" dirty="0" err="1" smtClean="0">
-                <a:solidFill>
-                  <a:schemeClr val="tx1"/>
-                </a:solidFill>
-                <a:effectLst/>
-                <a:latin typeface="+mn-lt"/>
-                <a:ea typeface="+mn-ea"/>
-                <a:cs typeface="+mn-cs"/>
-              </a:rPr>
-              <a:t>FirstName</a:t>
-            </a:r>
-            <a:r>
-              <a:rPr lang="en-US" sz="1200" kern="1200" dirty="0" smtClean="0">
-                <a:solidFill>
-                  <a:schemeClr val="tx1"/>
-                </a:solidFill>
-                <a:effectLst/>
-                <a:latin typeface="+mn-lt"/>
-                <a:ea typeface="+mn-ea"/>
-                <a:cs typeface="+mn-cs"/>
-              </a:rPr>
-              <a:t> equal to Tim and </a:t>
-            </a:r>
-            <a:r>
-              <a:rPr lang="en-US" sz="1200" kern="1200" dirty="0" err="1" smtClean="0">
-                <a:solidFill>
-                  <a:schemeClr val="tx1"/>
-                </a:solidFill>
-                <a:effectLst/>
-                <a:latin typeface="+mn-lt"/>
-                <a:ea typeface="+mn-ea"/>
-                <a:cs typeface="+mn-cs"/>
-              </a:rPr>
-              <a:t>LastName</a:t>
-            </a:r>
-            <a:r>
-              <a:rPr lang="en-US" sz="1200" kern="1200" dirty="0" smtClean="0">
-                <a:solidFill>
-                  <a:schemeClr val="tx1"/>
-                </a:solidFill>
-                <a:effectLst/>
-                <a:latin typeface="+mn-lt"/>
-                <a:ea typeface="+mn-ea"/>
-                <a:cs typeface="+mn-cs"/>
-              </a:rPr>
-              <a:t> equal to Grant columns of a table named employee where the </a:t>
-            </a:r>
-            <a:r>
-              <a:rPr lang="en-US" sz="1200" kern="1200" dirty="0" err="1" smtClean="0">
-                <a:solidFill>
-                  <a:schemeClr val="tx1"/>
-                </a:solidFill>
-                <a:effectLst/>
-                <a:latin typeface="+mn-lt"/>
-                <a:ea typeface="+mn-ea"/>
-                <a:cs typeface="+mn-cs"/>
-              </a:rPr>
-              <a:t>FirstName</a:t>
-            </a:r>
-            <a:r>
-              <a:rPr lang="en-US" sz="1200" kern="1200" dirty="0" smtClean="0">
-                <a:solidFill>
-                  <a:schemeClr val="tx1"/>
-                </a:solidFill>
-                <a:effectLst/>
-                <a:latin typeface="+mn-lt"/>
-                <a:ea typeface="+mn-ea"/>
-                <a:cs typeface="+mn-cs"/>
-              </a:rPr>
-              <a:t> equals Joe and </a:t>
-            </a:r>
-            <a:r>
-              <a:rPr lang="en-US" sz="1200" kern="1200" dirty="0" err="1" smtClean="0">
-                <a:solidFill>
-                  <a:schemeClr val="tx1"/>
-                </a:solidFill>
-                <a:effectLst/>
-                <a:latin typeface="+mn-lt"/>
-                <a:ea typeface="+mn-ea"/>
-                <a:cs typeface="+mn-cs"/>
-              </a:rPr>
-              <a:t>LastName</a:t>
-            </a:r>
-            <a:r>
-              <a:rPr lang="en-US" sz="1200" kern="1200" dirty="0" smtClean="0">
-                <a:solidFill>
-                  <a:schemeClr val="tx1"/>
-                </a:solidFill>
-                <a:effectLst/>
-                <a:latin typeface="+mn-lt"/>
-                <a:ea typeface="+mn-ea"/>
-                <a:cs typeface="+mn-cs"/>
-              </a:rPr>
-              <a:t> equals Smith.</a:t>
-            </a:r>
-          </a:p>
-          <a:p>
-            <a:pPr marL="171450" lvl="0" indent="-171450">
-              <a:buFont typeface="Arial" panose="020B0604020202020204" pitchFamily="34" charset="0"/>
-              <a:buChar char="•"/>
-            </a:pPr>
-            <a:r>
-              <a:rPr lang="en-US" sz="1200" kern="1200" dirty="0" smtClean="0">
-                <a:solidFill>
-                  <a:schemeClr val="tx1"/>
-                </a:solidFill>
-                <a:effectLst/>
-                <a:latin typeface="+mn-lt"/>
-                <a:ea typeface="+mn-ea"/>
-                <a:cs typeface="+mn-cs"/>
-              </a:rPr>
-              <a:t>Write on the board a delete statement that deletes records of a table named employee where the </a:t>
-            </a:r>
-            <a:r>
-              <a:rPr lang="en-US" sz="1200" kern="1200" dirty="0" err="1" smtClean="0">
-                <a:solidFill>
-                  <a:schemeClr val="tx1"/>
-                </a:solidFill>
-                <a:effectLst/>
-                <a:latin typeface="+mn-lt"/>
-                <a:ea typeface="+mn-ea"/>
-                <a:cs typeface="+mn-cs"/>
-              </a:rPr>
-              <a:t>EmployeeID</a:t>
-            </a:r>
-            <a:r>
-              <a:rPr lang="en-US" sz="1200" kern="1200" dirty="0" smtClean="0">
-                <a:solidFill>
-                  <a:schemeClr val="tx1"/>
-                </a:solidFill>
-                <a:effectLst/>
-                <a:latin typeface="+mn-lt"/>
-                <a:ea typeface="+mn-ea"/>
-                <a:cs typeface="+mn-cs"/>
-              </a:rPr>
-              <a:t> equals 5.</a:t>
-            </a:r>
-          </a:p>
-          <a:p>
-            <a:pPr marL="171450" lvl="0" indent="-171450">
-              <a:buFont typeface="Arial" panose="020B0604020202020204" pitchFamily="34" charset="0"/>
-              <a:buChar char="•"/>
-            </a:pPr>
-            <a:r>
-              <a:rPr lang="en-US" sz="1200" kern="1200" dirty="0" smtClean="0">
-                <a:solidFill>
-                  <a:schemeClr val="tx1"/>
-                </a:solidFill>
-                <a:effectLst/>
-                <a:latin typeface="+mn-lt"/>
-                <a:ea typeface="+mn-ea"/>
-                <a:cs typeface="+mn-cs"/>
-              </a:rPr>
-              <a:t>Write on the board a create statement that creates a table named Employee with an </a:t>
-            </a:r>
-            <a:r>
-              <a:rPr lang="en-US" sz="1200" kern="1200" dirty="0" err="1" smtClean="0">
-                <a:solidFill>
-                  <a:schemeClr val="tx1"/>
-                </a:solidFill>
-                <a:effectLst/>
-                <a:latin typeface="+mn-lt"/>
-                <a:ea typeface="+mn-ea"/>
-                <a:cs typeface="+mn-cs"/>
-              </a:rPr>
-              <a:t>EmployeeID</a:t>
-            </a:r>
-            <a:r>
-              <a:rPr lang="en-US" sz="1200" kern="1200" dirty="0" smtClean="0">
-                <a:solidFill>
-                  <a:schemeClr val="tx1"/>
-                </a:solidFill>
-                <a:effectLst/>
-                <a:latin typeface="+mn-lt"/>
-                <a:ea typeface="+mn-ea"/>
-                <a:cs typeface="+mn-cs"/>
-              </a:rPr>
-              <a:t>, </a:t>
-            </a:r>
-            <a:r>
-              <a:rPr lang="en-US" sz="1200" kern="1200" dirty="0" err="1" smtClean="0">
-                <a:solidFill>
-                  <a:schemeClr val="tx1"/>
-                </a:solidFill>
-                <a:effectLst/>
-                <a:latin typeface="+mn-lt"/>
-                <a:ea typeface="+mn-ea"/>
-                <a:cs typeface="+mn-cs"/>
-              </a:rPr>
-              <a:t>FirstName</a:t>
-            </a:r>
-            <a:r>
-              <a:rPr lang="en-US" sz="1200" kern="1200" dirty="0" smtClean="0">
-                <a:solidFill>
-                  <a:schemeClr val="tx1"/>
-                </a:solidFill>
-                <a:effectLst/>
-                <a:latin typeface="+mn-lt"/>
-                <a:ea typeface="+mn-ea"/>
-                <a:cs typeface="+mn-cs"/>
-              </a:rPr>
-              <a:t>, and </a:t>
-            </a:r>
-            <a:r>
-              <a:rPr lang="en-US" sz="1200" kern="1200" dirty="0" err="1" smtClean="0">
-                <a:solidFill>
-                  <a:schemeClr val="tx1"/>
-                </a:solidFill>
-                <a:effectLst/>
-                <a:latin typeface="+mn-lt"/>
-                <a:ea typeface="+mn-ea"/>
-                <a:cs typeface="+mn-cs"/>
-              </a:rPr>
-              <a:t>LastName</a:t>
-            </a:r>
-            <a:r>
-              <a:rPr lang="en-US" sz="1200" kern="1200" dirty="0" smtClean="0">
-                <a:solidFill>
-                  <a:schemeClr val="tx1"/>
-                </a:solidFill>
-                <a:effectLst/>
-                <a:latin typeface="+mn-lt"/>
-                <a:ea typeface="+mn-ea"/>
-                <a:cs typeface="+mn-cs"/>
-              </a:rPr>
-              <a:t> column with an auto incrementing primary key for the </a:t>
-            </a:r>
-            <a:r>
-              <a:rPr lang="en-US" sz="1200" kern="1200" dirty="0" err="1" smtClean="0">
-                <a:solidFill>
-                  <a:schemeClr val="tx1"/>
-                </a:solidFill>
-                <a:effectLst/>
-                <a:latin typeface="+mn-lt"/>
-                <a:ea typeface="+mn-ea"/>
-                <a:cs typeface="+mn-cs"/>
-              </a:rPr>
-              <a:t>EmployeeID</a:t>
-            </a:r>
-            <a:r>
-              <a:rPr lang="en-US" sz="1200" kern="1200" dirty="0" smtClean="0">
-                <a:solidFill>
-                  <a:schemeClr val="tx1"/>
-                </a:solidFill>
-                <a:effectLst/>
-                <a:latin typeface="+mn-lt"/>
-                <a:ea typeface="+mn-ea"/>
-                <a:cs typeface="+mn-cs"/>
-              </a:rPr>
-              <a:t>.</a:t>
-            </a:r>
-          </a:p>
-          <a:p>
-            <a:pPr marL="171450" lvl="0" indent="-171450">
-              <a:buFont typeface="Arial" panose="020B0604020202020204" pitchFamily="34" charset="0"/>
-              <a:buChar char="•"/>
-            </a:pPr>
-            <a:r>
-              <a:rPr lang="en-US" sz="1200" kern="1200" dirty="0" smtClean="0">
-                <a:solidFill>
-                  <a:schemeClr val="tx1"/>
-                </a:solidFill>
-                <a:effectLst/>
-                <a:latin typeface="+mn-lt"/>
-                <a:ea typeface="+mn-ea"/>
-                <a:cs typeface="+mn-cs"/>
-              </a:rPr>
-              <a:t>Write on the board a select statement with an inner join between an Employee table and a Team table.  Both tables include a </a:t>
-            </a:r>
-            <a:r>
-              <a:rPr lang="en-US" sz="1200" kern="1200" dirty="0" err="1" smtClean="0">
-                <a:solidFill>
-                  <a:schemeClr val="tx1"/>
-                </a:solidFill>
-                <a:effectLst/>
-                <a:latin typeface="+mn-lt"/>
-                <a:ea typeface="+mn-ea"/>
-                <a:cs typeface="+mn-cs"/>
-              </a:rPr>
-              <a:t>TeamID</a:t>
-            </a:r>
-            <a:r>
-              <a:rPr lang="en-US" sz="1200" kern="1200" dirty="0" smtClean="0">
-                <a:solidFill>
-                  <a:schemeClr val="tx1"/>
-                </a:solidFill>
-                <a:effectLst/>
-                <a:latin typeface="+mn-lt"/>
-                <a:ea typeface="+mn-ea"/>
-                <a:cs typeface="+mn-cs"/>
-              </a:rPr>
-              <a:t> column.</a:t>
-            </a:r>
-          </a:p>
-          <a:p>
-            <a:pPr marL="171450" lvl="0" indent="-171450">
-              <a:buFont typeface="Arial" panose="020B0604020202020204" pitchFamily="34" charset="0"/>
-              <a:buChar char="•"/>
-            </a:pPr>
-            <a:r>
-              <a:rPr lang="en-US" sz="1200" kern="1200" dirty="0" smtClean="0">
-                <a:solidFill>
-                  <a:schemeClr val="tx1"/>
-                </a:solidFill>
-                <a:effectLst/>
-                <a:latin typeface="+mn-lt"/>
-                <a:ea typeface="+mn-ea"/>
-                <a:cs typeface="+mn-cs"/>
-              </a:rPr>
-              <a:t>Write on the board a select statement with a left outer join between an Employee table and a Team table.  Both tables include a </a:t>
-            </a:r>
-            <a:r>
-              <a:rPr lang="en-US" sz="1200" kern="1200" dirty="0" err="1" smtClean="0">
-                <a:solidFill>
-                  <a:schemeClr val="tx1"/>
-                </a:solidFill>
-                <a:effectLst/>
-                <a:latin typeface="+mn-lt"/>
-                <a:ea typeface="+mn-ea"/>
-                <a:cs typeface="+mn-cs"/>
-              </a:rPr>
-              <a:t>TeamID</a:t>
-            </a:r>
-            <a:r>
-              <a:rPr lang="en-US" sz="1200" kern="1200" dirty="0" smtClean="0">
-                <a:solidFill>
-                  <a:schemeClr val="tx1"/>
-                </a:solidFill>
-                <a:effectLst/>
-                <a:latin typeface="+mn-lt"/>
-                <a:ea typeface="+mn-ea"/>
-                <a:cs typeface="+mn-cs"/>
-              </a:rPr>
-              <a:t> column.</a:t>
-            </a:r>
-          </a:p>
-          <a:p>
-            <a:pPr marL="171450" lvl="0" indent="-171450">
-              <a:buFont typeface="Arial" panose="020B0604020202020204" pitchFamily="34" charset="0"/>
-              <a:buChar char="•"/>
-            </a:pPr>
-            <a:r>
-              <a:rPr lang="en-US" sz="1200" kern="1200" dirty="0" smtClean="0">
-                <a:solidFill>
-                  <a:schemeClr val="tx1"/>
-                </a:solidFill>
-                <a:effectLst/>
-                <a:latin typeface="+mn-lt"/>
-                <a:ea typeface="+mn-ea"/>
-                <a:cs typeface="+mn-cs"/>
-              </a:rPr>
-              <a:t>Write on the board a select statement with a right outer join between an Employee table and a Team table.  Both tables include a </a:t>
-            </a:r>
-            <a:r>
-              <a:rPr lang="en-US" sz="1200" kern="1200" dirty="0" err="1" smtClean="0">
-                <a:solidFill>
-                  <a:schemeClr val="tx1"/>
-                </a:solidFill>
-                <a:effectLst/>
-                <a:latin typeface="+mn-lt"/>
-                <a:ea typeface="+mn-ea"/>
-                <a:cs typeface="+mn-cs"/>
-              </a:rPr>
-              <a:t>TeamID</a:t>
-            </a:r>
-            <a:r>
-              <a:rPr lang="en-US" sz="1200" kern="1200" dirty="0" smtClean="0">
-                <a:solidFill>
-                  <a:schemeClr val="tx1"/>
-                </a:solidFill>
-                <a:effectLst/>
-                <a:latin typeface="+mn-lt"/>
-                <a:ea typeface="+mn-ea"/>
-                <a:cs typeface="+mn-cs"/>
-              </a:rPr>
-              <a:t> column.</a:t>
-            </a:r>
-          </a:p>
-          <a:p>
-            <a:pPr marL="457200" lvl="1" indent="0">
-              <a:buFont typeface="Arial" panose="020B0604020202020204" pitchFamily="34" charset="0"/>
-              <a:buNone/>
             </a:pPr>
             <a:endParaRPr lang="en-US" dirty="0"/>
           </a:p>
@@ -6073,7 +5235,7 @@
     </p:spTree>
     <p:extLst>
       <p:ext uri="{BB962C8B-B14F-4D97-AF65-F5344CB8AC3E}">
-        <p14:creationId xmlns:p14="http://schemas.microsoft.com/office/powerpoint/2010/main" val="4215681617"/>
+        <p14:creationId xmlns:p14="http://schemas.microsoft.com/office/powerpoint/2010/main" val="1145430475"/>
       </p:ext>
     </p:extLst>
   </p:cSld>
@@ -6127,9 +5289,903 @@
           <a:bodyPr/>
           <a:lstStyle/>
           <a:p>
-            <a:pPr marL="171450" indent="-171450">
+            <a:pPr marL="171450" lvl="0" indent="-171450">
               <a:buFont typeface="Arial" panose="020B0604020202020204" pitchFamily="34" charset="0"/>
               <a:buChar char="•"/>
+            </a:pPr>
+            <a:r>
+              <a:rPr lang="en-US" sz="1200" kern="1200" dirty="0">
+                <a:solidFill>
+                  <a:schemeClr val="tx1"/>
+                </a:solidFill>
+                <a:effectLst/>
+                <a:latin typeface="+mn-lt"/>
+                <a:ea typeface="+mn-ea"/>
+                <a:cs typeface="+mn-cs"/>
+              </a:rPr>
+              <a:t>Write on the board a select statement that selects </a:t>
+            </a:r>
+            <a:r>
+              <a:rPr lang="en-US" sz="1200" kern="1200" dirty="0" err="1">
+                <a:solidFill>
+                  <a:schemeClr val="tx1"/>
+                </a:solidFill>
+                <a:effectLst/>
+                <a:latin typeface="+mn-lt"/>
+                <a:ea typeface="+mn-ea"/>
+                <a:cs typeface="+mn-cs"/>
+              </a:rPr>
+              <a:t>FirstName</a:t>
+            </a:r>
+            <a:r>
+              <a:rPr lang="en-US" sz="1200" kern="1200" dirty="0">
+                <a:solidFill>
+                  <a:schemeClr val="tx1"/>
+                </a:solidFill>
+                <a:effectLst/>
+                <a:latin typeface="+mn-lt"/>
+                <a:ea typeface="+mn-ea"/>
+                <a:cs typeface="+mn-cs"/>
+              </a:rPr>
+              <a:t> and </a:t>
+            </a:r>
+            <a:r>
+              <a:rPr lang="en-US" sz="1200" kern="1200" dirty="0" err="1">
+                <a:solidFill>
+                  <a:schemeClr val="tx1"/>
+                </a:solidFill>
+                <a:effectLst/>
+                <a:latin typeface="+mn-lt"/>
+                <a:ea typeface="+mn-ea"/>
+                <a:cs typeface="+mn-cs"/>
+              </a:rPr>
+              <a:t>LastName</a:t>
+            </a:r>
+            <a:r>
+              <a:rPr lang="en-US" sz="1200" kern="1200" dirty="0">
+                <a:solidFill>
+                  <a:schemeClr val="tx1"/>
+                </a:solidFill>
+                <a:effectLst/>
+                <a:latin typeface="+mn-lt"/>
+                <a:ea typeface="+mn-ea"/>
+                <a:cs typeface="+mn-cs"/>
+              </a:rPr>
+              <a:t> columns of a table named employee.</a:t>
+            </a:r>
+          </a:p>
+          <a:p>
+            <a:pPr marL="171450" lvl="0" indent="-171450">
+              <a:buFont typeface="Arial" panose="020B0604020202020204" pitchFamily="34" charset="0"/>
+              <a:buChar char="•"/>
+            </a:pPr>
+            <a:r>
+              <a:rPr lang="en-US" sz="1200" kern="1200" dirty="0">
+                <a:solidFill>
+                  <a:schemeClr val="tx1"/>
+                </a:solidFill>
+                <a:effectLst/>
+                <a:latin typeface="+mn-lt"/>
+                <a:ea typeface="+mn-ea"/>
+                <a:cs typeface="+mn-cs"/>
+              </a:rPr>
+              <a:t>Write on the board a select statement that select </a:t>
+            </a:r>
+            <a:r>
+              <a:rPr lang="en-US" sz="1200" kern="1200" dirty="0" err="1">
+                <a:solidFill>
+                  <a:schemeClr val="tx1"/>
+                </a:solidFill>
+                <a:effectLst/>
+                <a:latin typeface="+mn-lt"/>
+                <a:ea typeface="+mn-ea"/>
+                <a:cs typeface="+mn-cs"/>
+              </a:rPr>
+              <a:t>FirstName</a:t>
+            </a:r>
+            <a:r>
+              <a:rPr lang="en-US" sz="1200" kern="1200" dirty="0">
+                <a:solidFill>
+                  <a:schemeClr val="tx1"/>
+                </a:solidFill>
+                <a:effectLst/>
+                <a:latin typeface="+mn-lt"/>
+                <a:ea typeface="+mn-ea"/>
+                <a:cs typeface="+mn-cs"/>
+              </a:rPr>
+              <a:t> and </a:t>
+            </a:r>
+            <a:r>
+              <a:rPr lang="en-US" sz="1200" kern="1200" dirty="0" err="1">
+                <a:solidFill>
+                  <a:schemeClr val="tx1"/>
+                </a:solidFill>
+                <a:effectLst/>
+                <a:latin typeface="+mn-lt"/>
+                <a:ea typeface="+mn-ea"/>
+                <a:cs typeface="+mn-cs"/>
+              </a:rPr>
+              <a:t>LastName</a:t>
+            </a:r>
+            <a:r>
+              <a:rPr lang="en-US" sz="1200" kern="1200" dirty="0">
+                <a:solidFill>
+                  <a:schemeClr val="tx1"/>
+                </a:solidFill>
+                <a:effectLst/>
+                <a:latin typeface="+mn-lt"/>
+                <a:ea typeface="+mn-ea"/>
+                <a:cs typeface="+mn-cs"/>
+              </a:rPr>
+              <a:t> columns of a table named employee where the </a:t>
+            </a:r>
+            <a:r>
+              <a:rPr lang="en-US" sz="1200" kern="1200" dirty="0" err="1">
+                <a:solidFill>
+                  <a:schemeClr val="tx1"/>
+                </a:solidFill>
+                <a:effectLst/>
+                <a:latin typeface="+mn-lt"/>
+                <a:ea typeface="+mn-ea"/>
+                <a:cs typeface="+mn-cs"/>
+              </a:rPr>
+              <a:t>EmployeeID</a:t>
+            </a:r>
+            <a:r>
+              <a:rPr lang="en-US" sz="1200" kern="1200" dirty="0">
+                <a:solidFill>
+                  <a:schemeClr val="tx1"/>
+                </a:solidFill>
+                <a:effectLst/>
+                <a:latin typeface="+mn-lt"/>
+                <a:ea typeface="+mn-ea"/>
+                <a:cs typeface="+mn-cs"/>
+              </a:rPr>
+              <a:t> equals 5.</a:t>
+            </a:r>
+          </a:p>
+          <a:p>
+            <a:pPr marL="171450" lvl="0" indent="-171450">
+              <a:buFont typeface="Arial" panose="020B0604020202020204" pitchFamily="34" charset="0"/>
+              <a:buChar char="•"/>
+            </a:pPr>
+            <a:r>
+              <a:rPr lang="en-US" sz="1200" kern="1200" dirty="0">
+                <a:solidFill>
+                  <a:schemeClr val="tx1"/>
+                </a:solidFill>
+                <a:effectLst/>
+                <a:latin typeface="+mn-lt"/>
+                <a:ea typeface="+mn-ea"/>
+                <a:cs typeface="+mn-cs"/>
+              </a:rPr>
+              <a:t>Write on the board a select statement that select </a:t>
+            </a:r>
+            <a:r>
+              <a:rPr lang="en-US" sz="1200" kern="1200" dirty="0" err="1">
+                <a:solidFill>
+                  <a:schemeClr val="tx1"/>
+                </a:solidFill>
+                <a:effectLst/>
+                <a:latin typeface="+mn-lt"/>
+                <a:ea typeface="+mn-ea"/>
+                <a:cs typeface="+mn-cs"/>
+              </a:rPr>
+              <a:t>FirstName</a:t>
+            </a:r>
+            <a:r>
+              <a:rPr lang="en-US" sz="1200" kern="1200" dirty="0">
+                <a:solidFill>
+                  <a:schemeClr val="tx1"/>
+                </a:solidFill>
+                <a:effectLst/>
+                <a:latin typeface="+mn-lt"/>
+                <a:ea typeface="+mn-ea"/>
+                <a:cs typeface="+mn-cs"/>
+              </a:rPr>
+              <a:t> and </a:t>
+            </a:r>
+            <a:r>
+              <a:rPr lang="en-US" sz="1200" kern="1200" dirty="0" err="1">
+                <a:solidFill>
+                  <a:schemeClr val="tx1"/>
+                </a:solidFill>
+                <a:effectLst/>
+                <a:latin typeface="+mn-lt"/>
+                <a:ea typeface="+mn-ea"/>
+                <a:cs typeface="+mn-cs"/>
+              </a:rPr>
+              <a:t>LastName</a:t>
+            </a:r>
+            <a:r>
+              <a:rPr lang="en-US" sz="1200" kern="1200" dirty="0">
+                <a:solidFill>
+                  <a:schemeClr val="tx1"/>
+                </a:solidFill>
+                <a:effectLst/>
+                <a:latin typeface="+mn-lt"/>
+                <a:ea typeface="+mn-ea"/>
+                <a:cs typeface="+mn-cs"/>
+              </a:rPr>
+              <a:t> columns of a table named employee where the </a:t>
+            </a:r>
+            <a:r>
+              <a:rPr lang="en-US" sz="1200" kern="1200" dirty="0" err="1">
+                <a:solidFill>
+                  <a:schemeClr val="tx1"/>
+                </a:solidFill>
+                <a:effectLst/>
+                <a:latin typeface="+mn-lt"/>
+                <a:ea typeface="+mn-ea"/>
+                <a:cs typeface="+mn-cs"/>
+              </a:rPr>
+              <a:t>FirstName</a:t>
+            </a:r>
+            <a:r>
+              <a:rPr lang="en-US" sz="1200" kern="1200" dirty="0">
+                <a:solidFill>
+                  <a:schemeClr val="tx1"/>
+                </a:solidFill>
+                <a:effectLst/>
+                <a:latin typeface="+mn-lt"/>
+                <a:ea typeface="+mn-ea"/>
+                <a:cs typeface="+mn-cs"/>
+              </a:rPr>
+              <a:t> equals Joe and </a:t>
+            </a:r>
+            <a:r>
+              <a:rPr lang="en-US" sz="1200" kern="1200" dirty="0" err="1">
+                <a:solidFill>
+                  <a:schemeClr val="tx1"/>
+                </a:solidFill>
+                <a:effectLst/>
+                <a:latin typeface="+mn-lt"/>
+                <a:ea typeface="+mn-ea"/>
+                <a:cs typeface="+mn-cs"/>
+              </a:rPr>
+              <a:t>LastName</a:t>
+            </a:r>
+            <a:r>
+              <a:rPr lang="en-US" sz="1200" kern="1200" dirty="0">
+                <a:solidFill>
+                  <a:schemeClr val="tx1"/>
+                </a:solidFill>
+                <a:effectLst/>
+                <a:latin typeface="+mn-lt"/>
+                <a:ea typeface="+mn-ea"/>
+                <a:cs typeface="+mn-cs"/>
+              </a:rPr>
+              <a:t> equals Smith.</a:t>
+            </a:r>
+          </a:p>
+          <a:p>
+            <a:pPr marL="171450" lvl="0" indent="-171450">
+              <a:buFont typeface="Arial" panose="020B0604020202020204" pitchFamily="34" charset="0"/>
+              <a:buChar char="•"/>
+            </a:pPr>
+            <a:r>
+              <a:rPr lang="en-US" sz="1200" kern="1200" dirty="0">
+                <a:solidFill>
+                  <a:schemeClr val="tx1"/>
+                </a:solidFill>
+                <a:effectLst/>
+                <a:latin typeface="+mn-lt"/>
+                <a:ea typeface="+mn-ea"/>
+                <a:cs typeface="+mn-cs"/>
+              </a:rPr>
+              <a:t>Write on the board an insert statement for a table named employee with columns </a:t>
+            </a:r>
+            <a:r>
+              <a:rPr lang="en-US" sz="1200" kern="1200" dirty="0" err="1">
+                <a:solidFill>
+                  <a:schemeClr val="tx1"/>
+                </a:solidFill>
+                <a:effectLst/>
+                <a:latin typeface="+mn-lt"/>
+                <a:ea typeface="+mn-ea"/>
+                <a:cs typeface="+mn-cs"/>
+              </a:rPr>
+              <a:t>EmployeeID</a:t>
+            </a:r>
+            <a:r>
+              <a:rPr lang="en-US" sz="1200" kern="1200" dirty="0">
+                <a:solidFill>
+                  <a:schemeClr val="tx1"/>
+                </a:solidFill>
+                <a:effectLst/>
+                <a:latin typeface="+mn-lt"/>
+                <a:ea typeface="+mn-ea"/>
+                <a:cs typeface="+mn-cs"/>
+              </a:rPr>
+              <a:t>, </a:t>
+            </a:r>
+            <a:r>
+              <a:rPr lang="en-US" sz="1200" kern="1200" dirty="0" err="1">
+                <a:solidFill>
+                  <a:schemeClr val="tx1"/>
+                </a:solidFill>
+                <a:effectLst/>
+                <a:latin typeface="+mn-lt"/>
+                <a:ea typeface="+mn-ea"/>
+                <a:cs typeface="+mn-cs"/>
+              </a:rPr>
+              <a:t>FirstName</a:t>
+            </a:r>
+            <a:r>
+              <a:rPr lang="en-US" sz="1200" kern="1200" dirty="0">
+                <a:solidFill>
+                  <a:schemeClr val="tx1"/>
+                </a:solidFill>
+                <a:effectLst/>
+                <a:latin typeface="+mn-lt"/>
+                <a:ea typeface="+mn-ea"/>
+                <a:cs typeface="+mn-cs"/>
+              </a:rPr>
+              <a:t>, and </a:t>
+            </a:r>
+            <a:r>
+              <a:rPr lang="en-US" sz="1200" kern="1200" dirty="0" err="1">
+                <a:solidFill>
+                  <a:schemeClr val="tx1"/>
+                </a:solidFill>
+                <a:effectLst/>
+                <a:latin typeface="+mn-lt"/>
+                <a:ea typeface="+mn-ea"/>
+                <a:cs typeface="+mn-cs"/>
+              </a:rPr>
+              <a:t>LastName</a:t>
+            </a:r>
+            <a:r>
+              <a:rPr lang="en-US" sz="1200" kern="1200" dirty="0">
+                <a:solidFill>
+                  <a:schemeClr val="tx1"/>
+                </a:solidFill>
+                <a:effectLst/>
+                <a:latin typeface="+mn-lt"/>
+                <a:ea typeface="+mn-ea"/>
+                <a:cs typeface="+mn-cs"/>
+              </a:rPr>
+              <a:t>.  </a:t>
+            </a:r>
+            <a:r>
+              <a:rPr lang="en-US" sz="1200" kern="1200" dirty="0" err="1">
+                <a:solidFill>
+                  <a:schemeClr val="tx1"/>
+                </a:solidFill>
+                <a:effectLst/>
+                <a:latin typeface="+mn-lt"/>
+                <a:ea typeface="+mn-ea"/>
+                <a:cs typeface="+mn-cs"/>
+              </a:rPr>
+              <a:t>EmployeeID</a:t>
+            </a:r>
+            <a:r>
+              <a:rPr lang="en-US" sz="1200" kern="1200" dirty="0">
+                <a:solidFill>
+                  <a:schemeClr val="tx1"/>
+                </a:solidFill>
+                <a:effectLst/>
+                <a:latin typeface="+mn-lt"/>
+                <a:ea typeface="+mn-ea"/>
+                <a:cs typeface="+mn-cs"/>
+              </a:rPr>
+              <a:t> is auto incrementing.</a:t>
+            </a:r>
+          </a:p>
+          <a:p>
+            <a:pPr marL="171450" lvl="0" indent="-171450">
+              <a:buFont typeface="Arial" panose="020B0604020202020204" pitchFamily="34" charset="0"/>
+              <a:buChar char="•"/>
+            </a:pPr>
+            <a:r>
+              <a:rPr lang="en-US" sz="1200" kern="1200" dirty="0">
+                <a:solidFill>
+                  <a:schemeClr val="tx1"/>
+                </a:solidFill>
+                <a:effectLst/>
+                <a:latin typeface="+mn-lt"/>
+                <a:ea typeface="+mn-ea"/>
+                <a:cs typeface="+mn-cs"/>
+              </a:rPr>
+              <a:t>Write on the board an insert statement for a table named employee with columns </a:t>
+            </a:r>
+            <a:r>
+              <a:rPr lang="en-US" sz="1200" kern="1200" dirty="0" err="1">
+                <a:solidFill>
+                  <a:schemeClr val="tx1"/>
+                </a:solidFill>
+                <a:effectLst/>
+                <a:latin typeface="+mn-lt"/>
+                <a:ea typeface="+mn-ea"/>
+                <a:cs typeface="+mn-cs"/>
+              </a:rPr>
+              <a:t>EmployeeID</a:t>
+            </a:r>
+            <a:r>
+              <a:rPr lang="en-US" sz="1200" kern="1200" dirty="0">
+                <a:solidFill>
+                  <a:schemeClr val="tx1"/>
+                </a:solidFill>
+                <a:effectLst/>
+                <a:latin typeface="+mn-lt"/>
+                <a:ea typeface="+mn-ea"/>
+                <a:cs typeface="+mn-cs"/>
+              </a:rPr>
+              <a:t>, </a:t>
+            </a:r>
+            <a:r>
+              <a:rPr lang="en-US" sz="1200" kern="1200" dirty="0" err="1">
+                <a:solidFill>
+                  <a:schemeClr val="tx1"/>
+                </a:solidFill>
+                <a:effectLst/>
+                <a:latin typeface="+mn-lt"/>
+                <a:ea typeface="+mn-ea"/>
+                <a:cs typeface="+mn-cs"/>
+              </a:rPr>
+              <a:t>FirstName</a:t>
+            </a:r>
+            <a:r>
+              <a:rPr lang="en-US" sz="1200" kern="1200" dirty="0">
+                <a:solidFill>
+                  <a:schemeClr val="tx1"/>
+                </a:solidFill>
+                <a:effectLst/>
+                <a:latin typeface="+mn-lt"/>
+                <a:ea typeface="+mn-ea"/>
+                <a:cs typeface="+mn-cs"/>
+              </a:rPr>
+              <a:t>, and </a:t>
+            </a:r>
+            <a:r>
+              <a:rPr lang="en-US" sz="1200" kern="1200" dirty="0" err="1">
+                <a:solidFill>
+                  <a:schemeClr val="tx1"/>
+                </a:solidFill>
+                <a:effectLst/>
+                <a:latin typeface="+mn-lt"/>
+                <a:ea typeface="+mn-ea"/>
+                <a:cs typeface="+mn-cs"/>
+              </a:rPr>
+              <a:t>LastName</a:t>
+            </a:r>
+            <a:r>
+              <a:rPr lang="en-US" sz="1200" kern="1200" dirty="0">
+                <a:solidFill>
+                  <a:schemeClr val="tx1"/>
+                </a:solidFill>
+                <a:effectLst/>
+                <a:latin typeface="+mn-lt"/>
+                <a:ea typeface="+mn-ea"/>
+                <a:cs typeface="+mn-cs"/>
+              </a:rPr>
+              <a:t>.  </a:t>
+            </a:r>
+            <a:r>
+              <a:rPr lang="en-US" sz="1200" kern="1200" dirty="0" err="1">
+                <a:solidFill>
+                  <a:schemeClr val="tx1"/>
+                </a:solidFill>
+                <a:effectLst/>
+                <a:latin typeface="+mn-lt"/>
+                <a:ea typeface="+mn-ea"/>
+                <a:cs typeface="+mn-cs"/>
+              </a:rPr>
+              <a:t>EmployeeID</a:t>
+            </a:r>
+            <a:r>
+              <a:rPr lang="en-US" sz="1200" kern="1200" dirty="0">
+                <a:solidFill>
+                  <a:schemeClr val="tx1"/>
+                </a:solidFill>
+                <a:effectLst/>
+                <a:latin typeface="+mn-lt"/>
+                <a:ea typeface="+mn-ea"/>
+                <a:cs typeface="+mn-cs"/>
+              </a:rPr>
+              <a:t> is auto incrementing.  Insert multiple records.</a:t>
+            </a:r>
+          </a:p>
+          <a:p>
+            <a:pPr marL="171450" lvl="0" indent="-171450">
+              <a:buFont typeface="Arial" panose="020B0604020202020204" pitchFamily="34" charset="0"/>
+              <a:buChar char="•"/>
+            </a:pPr>
+            <a:r>
+              <a:rPr lang="en-US" sz="1200" kern="1200" dirty="0">
+                <a:solidFill>
+                  <a:schemeClr val="tx1"/>
+                </a:solidFill>
+                <a:effectLst/>
+                <a:latin typeface="+mn-lt"/>
+                <a:ea typeface="+mn-ea"/>
+                <a:cs typeface="+mn-cs"/>
+              </a:rPr>
+              <a:t>Write on the board an update statement that updates </a:t>
+            </a:r>
+            <a:r>
+              <a:rPr lang="en-US" sz="1200" kern="1200" dirty="0" err="1">
+                <a:solidFill>
+                  <a:schemeClr val="tx1"/>
+                </a:solidFill>
+                <a:effectLst/>
+                <a:latin typeface="+mn-lt"/>
+                <a:ea typeface="+mn-ea"/>
+                <a:cs typeface="+mn-cs"/>
+              </a:rPr>
+              <a:t>FirstName</a:t>
+            </a:r>
+            <a:r>
+              <a:rPr lang="en-US" sz="1200" kern="1200" dirty="0">
+                <a:solidFill>
+                  <a:schemeClr val="tx1"/>
+                </a:solidFill>
+                <a:effectLst/>
+                <a:latin typeface="+mn-lt"/>
+                <a:ea typeface="+mn-ea"/>
+                <a:cs typeface="+mn-cs"/>
+              </a:rPr>
+              <a:t> equal to Tim and </a:t>
+            </a:r>
+            <a:r>
+              <a:rPr lang="en-US" sz="1200" kern="1200" dirty="0" err="1">
+                <a:solidFill>
+                  <a:schemeClr val="tx1"/>
+                </a:solidFill>
+                <a:effectLst/>
+                <a:latin typeface="+mn-lt"/>
+                <a:ea typeface="+mn-ea"/>
+                <a:cs typeface="+mn-cs"/>
+              </a:rPr>
+              <a:t>LastName</a:t>
+            </a:r>
+            <a:r>
+              <a:rPr lang="en-US" sz="1200" kern="1200" dirty="0">
+                <a:solidFill>
+                  <a:schemeClr val="tx1"/>
+                </a:solidFill>
+                <a:effectLst/>
+                <a:latin typeface="+mn-lt"/>
+                <a:ea typeface="+mn-ea"/>
+                <a:cs typeface="+mn-cs"/>
+              </a:rPr>
+              <a:t> equal to Grant columns of a table named employee where the </a:t>
+            </a:r>
+            <a:r>
+              <a:rPr lang="en-US" sz="1200" kern="1200" dirty="0" err="1">
+                <a:solidFill>
+                  <a:schemeClr val="tx1"/>
+                </a:solidFill>
+                <a:effectLst/>
+                <a:latin typeface="+mn-lt"/>
+                <a:ea typeface="+mn-ea"/>
+                <a:cs typeface="+mn-cs"/>
+              </a:rPr>
+              <a:t>FirstName</a:t>
+            </a:r>
+            <a:r>
+              <a:rPr lang="en-US" sz="1200" kern="1200" dirty="0">
+                <a:solidFill>
+                  <a:schemeClr val="tx1"/>
+                </a:solidFill>
+                <a:effectLst/>
+                <a:latin typeface="+mn-lt"/>
+                <a:ea typeface="+mn-ea"/>
+                <a:cs typeface="+mn-cs"/>
+              </a:rPr>
+              <a:t> equals Joe and </a:t>
+            </a:r>
+            <a:r>
+              <a:rPr lang="en-US" sz="1200" kern="1200" dirty="0" err="1">
+                <a:solidFill>
+                  <a:schemeClr val="tx1"/>
+                </a:solidFill>
+                <a:effectLst/>
+                <a:latin typeface="+mn-lt"/>
+                <a:ea typeface="+mn-ea"/>
+                <a:cs typeface="+mn-cs"/>
+              </a:rPr>
+              <a:t>LastName</a:t>
+            </a:r>
+            <a:r>
+              <a:rPr lang="en-US" sz="1200" kern="1200" dirty="0">
+                <a:solidFill>
+                  <a:schemeClr val="tx1"/>
+                </a:solidFill>
+                <a:effectLst/>
+                <a:latin typeface="+mn-lt"/>
+                <a:ea typeface="+mn-ea"/>
+                <a:cs typeface="+mn-cs"/>
+              </a:rPr>
+              <a:t> equals Smith.</a:t>
+            </a:r>
+          </a:p>
+          <a:p>
+            <a:pPr marL="171450" lvl="0" indent="-171450">
+              <a:buFont typeface="Arial" panose="020B0604020202020204" pitchFamily="34" charset="0"/>
+              <a:buChar char="•"/>
+            </a:pPr>
+            <a:r>
+              <a:rPr lang="en-US" sz="1200" kern="1200" dirty="0">
+                <a:solidFill>
+                  <a:schemeClr val="tx1"/>
+                </a:solidFill>
+                <a:effectLst/>
+                <a:latin typeface="+mn-lt"/>
+                <a:ea typeface="+mn-ea"/>
+                <a:cs typeface="+mn-cs"/>
+              </a:rPr>
+              <a:t>Write on the board a delete statement that deletes records of a table named employee where the </a:t>
+            </a:r>
+            <a:r>
+              <a:rPr lang="en-US" sz="1200" kern="1200" dirty="0" err="1">
+                <a:solidFill>
+                  <a:schemeClr val="tx1"/>
+                </a:solidFill>
+                <a:effectLst/>
+                <a:latin typeface="+mn-lt"/>
+                <a:ea typeface="+mn-ea"/>
+                <a:cs typeface="+mn-cs"/>
+              </a:rPr>
+              <a:t>EmployeeID</a:t>
+            </a:r>
+            <a:r>
+              <a:rPr lang="en-US" sz="1200" kern="1200" dirty="0">
+                <a:solidFill>
+                  <a:schemeClr val="tx1"/>
+                </a:solidFill>
+                <a:effectLst/>
+                <a:latin typeface="+mn-lt"/>
+                <a:ea typeface="+mn-ea"/>
+                <a:cs typeface="+mn-cs"/>
+              </a:rPr>
+              <a:t> equals 5.</a:t>
+            </a:r>
+          </a:p>
+          <a:p>
+            <a:pPr marL="171450" lvl="0" indent="-171450">
+              <a:buFont typeface="Arial" panose="020B0604020202020204" pitchFamily="34" charset="0"/>
+              <a:buChar char="•"/>
+            </a:pPr>
+            <a:r>
+              <a:rPr lang="en-US" sz="1200" kern="1200" dirty="0">
+                <a:solidFill>
+                  <a:schemeClr val="tx1"/>
+                </a:solidFill>
+                <a:effectLst/>
+                <a:latin typeface="+mn-lt"/>
+                <a:ea typeface="+mn-ea"/>
+                <a:cs typeface="+mn-cs"/>
+              </a:rPr>
+              <a:t>Write on the board a create statement that creates a table named Employee with an </a:t>
+            </a:r>
+            <a:r>
+              <a:rPr lang="en-US" sz="1200" kern="1200" dirty="0" err="1">
+                <a:solidFill>
+                  <a:schemeClr val="tx1"/>
+                </a:solidFill>
+                <a:effectLst/>
+                <a:latin typeface="+mn-lt"/>
+                <a:ea typeface="+mn-ea"/>
+                <a:cs typeface="+mn-cs"/>
+              </a:rPr>
+              <a:t>EmployeeID</a:t>
+            </a:r>
+            <a:r>
+              <a:rPr lang="en-US" sz="1200" kern="1200" dirty="0">
+                <a:solidFill>
+                  <a:schemeClr val="tx1"/>
+                </a:solidFill>
+                <a:effectLst/>
+                <a:latin typeface="+mn-lt"/>
+                <a:ea typeface="+mn-ea"/>
+                <a:cs typeface="+mn-cs"/>
+              </a:rPr>
+              <a:t>, </a:t>
+            </a:r>
+            <a:r>
+              <a:rPr lang="en-US" sz="1200" kern="1200" dirty="0" err="1">
+                <a:solidFill>
+                  <a:schemeClr val="tx1"/>
+                </a:solidFill>
+                <a:effectLst/>
+                <a:latin typeface="+mn-lt"/>
+                <a:ea typeface="+mn-ea"/>
+                <a:cs typeface="+mn-cs"/>
+              </a:rPr>
+              <a:t>FirstName</a:t>
+            </a:r>
+            <a:r>
+              <a:rPr lang="en-US" sz="1200" kern="1200" dirty="0">
+                <a:solidFill>
+                  <a:schemeClr val="tx1"/>
+                </a:solidFill>
+                <a:effectLst/>
+                <a:latin typeface="+mn-lt"/>
+                <a:ea typeface="+mn-ea"/>
+                <a:cs typeface="+mn-cs"/>
+              </a:rPr>
+              <a:t>, and </a:t>
+            </a:r>
+            <a:r>
+              <a:rPr lang="en-US" sz="1200" kern="1200" dirty="0" err="1">
+                <a:solidFill>
+                  <a:schemeClr val="tx1"/>
+                </a:solidFill>
+                <a:effectLst/>
+                <a:latin typeface="+mn-lt"/>
+                <a:ea typeface="+mn-ea"/>
+                <a:cs typeface="+mn-cs"/>
+              </a:rPr>
+              <a:t>LastName</a:t>
+            </a:r>
+            <a:r>
+              <a:rPr lang="en-US" sz="1200" kern="1200" dirty="0">
+                <a:solidFill>
+                  <a:schemeClr val="tx1"/>
+                </a:solidFill>
+                <a:effectLst/>
+                <a:latin typeface="+mn-lt"/>
+                <a:ea typeface="+mn-ea"/>
+                <a:cs typeface="+mn-cs"/>
+              </a:rPr>
+              <a:t> column with an auto incrementing primary key for the </a:t>
+            </a:r>
+            <a:r>
+              <a:rPr lang="en-US" sz="1200" kern="1200" dirty="0" err="1">
+                <a:solidFill>
+                  <a:schemeClr val="tx1"/>
+                </a:solidFill>
+                <a:effectLst/>
+                <a:latin typeface="+mn-lt"/>
+                <a:ea typeface="+mn-ea"/>
+                <a:cs typeface="+mn-cs"/>
+              </a:rPr>
+              <a:t>EmployeeID</a:t>
+            </a:r>
+            <a:r>
+              <a:rPr lang="en-US" sz="1200" kern="1200" dirty="0">
+                <a:solidFill>
+                  <a:schemeClr val="tx1"/>
+                </a:solidFill>
+                <a:effectLst/>
+                <a:latin typeface="+mn-lt"/>
+                <a:ea typeface="+mn-ea"/>
+                <a:cs typeface="+mn-cs"/>
+              </a:rPr>
+              <a:t>.</a:t>
+            </a:r>
+          </a:p>
+          <a:p>
+            <a:pPr marL="171450" lvl="0" indent="-171450">
+              <a:buFont typeface="Arial" panose="020B0604020202020204" pitchFamily="34" charset="0"/>
+              <a:buChar char="•"/>
+            </a:pPr>
+            <a:r>
+              <a:rPr lang="en-US" sz="1200" kern="1200" dirty="0">
+                <a:solidFill>
+                  <a:schemeClr val="tx1"/>
+                </a:solidFill>
+                <a:effectLst/>
+                <a:latin typeface="+mn-lt"/>
+                <a:ea typeface="+mn-ea"/>
+                <a:cs typeface="+mn-cs"/>
+              </a:rPr>
+              <a:t>Write on the board a select statement with an inner join between an Employee table and a Team table.  Both tables include a </a:t>
+            </a:r>
+            <a:r>
+              <a:rPr lang="en-US" sz="1200" kern="1200" dirty="0" err="1">
+                <a:solidFill>
+                  <a:schemeClr val="tx1"/>
+                </a:solidFill>
+                <a:effectLst/>
+                <a:latin typeface="+mn-lt"/>
+                <a:ea typeface="+mn-ea"/>
+                <a:cs typeface="+mn-cs"/>
+              </a:rPr>
+              <a:t>TeamID</a:t>
+            </a:r>
+            <a:r>
+              <a:rPr lang="en-US" sz="1200" kern="1200" dirty="0">
+                <a:solidFill>
+                  <a:schemeClr val="tx1"/>
+                </a:solidFill>
+                <a:effectLst/>
+                <a:latin typeface="+mn-lt"/>
+                <a:ea typeface="+mn-ea"/>
+                <a:cs typeface="+mn-cs"/>
+              </a:rPr>
+              <a:t> column.</a:t>
+            </a:r>
+          </a:p>
+          <a:p>
+            <a:pPr marL="171450" lvl="0" indent="-171450">
+              <a:buFont typeface="Arial" panose="020B0604020202020204" pitchFamily="34" charset="0"/>
+              <a:buChar char="•"/>
+            </a:pPr>
+            <a:r>
+              <a:rPr lang="en-US" sz="1200" kern="1200" dirty="0">
+                <a:solidFill>
+                  <a:schemeClr val="tx1"/>
+                </a:solidFill>
+                <a:effectLst/>
+                <a:latin typeface="+mn-lt"/>
+                <a:ea typeface="+mn-ea"/>
+                <a:cs typeface="+mn-cs"/>
+              </a:rPr>
+              <a:t>Write on the board a select statement with a left outer join between an Employee table and a Team table.  Both tables include a </a:t>
+            </a:r>
+            <a:r>
+              <a:rPr lang="en-US" sz="1200" kern="1200" dirty="0" err="1">
+                <a:solidFill>
+                  <a:schemeClr val="tx1"/>
+                </a:solidFill>
+                <a:effectLst/>
+                <a:latin typeface="+mn-lt"/>
+                <a:ea typeface="+mn-ea"/>
+                <a:cs typeface="+mn-cs"/>
+              </a:rPr>
+              <a:t>TeamID</a:t>
+            </a:r>
+            <a:r>
+              <a:rPr lang="en-US" sz="1200" kern="1200" dirty="0">
+                <a:solidFill>
+                  <a:schemeClr val="tx1"/>
+                </a:solidFill>
+                <a:effectLst/>
+                <a:latin typeface="+mn-lt"/>
+                <a:ea typeface="+mn-ea"/>
+                <a:cs typeface="+mn-cs"/>
+              </a:rPr>
+              <a:t> column.</a:t>
+            </a:r>
+          </a:p>
+          <a:p>
+            <a:pPr marL="171450" lvl="0" indent="-171450">
+              <a:buFont typeface="Arial" panose="020B0604020202020204" pitchFamily="34" charset="0"/>
+              <a:buChar char="•"/>
+            </a:pPr>
+            <a:r>
+              <a:rPr lang="en-US" sz="1200" kern="1200" dirty="0">
+                <a:solidFill>
+                  <a:schemeClr val="tx1"/>
+                </a:solidFill>
+                <a:effectLst/>
+                <a:latin typeface="+mn-lt"/>
+                <a:ea typeface="+mn-ea"/>
+                <a:cs typeface="+mn-cs"/>
+              </a:rPr>
+              <a:t>Write on the board a select statement with a right outer join between an Employee table and a Team table.  Both tables include a </a:t>
+            </a:r>
+            <a:r>
+              <a:rPr lang="en-US" sz="1200" kern="1200" dirty="0" err="1">
+                <a:solidFill>
+                  <a:schemeClr val="tx1"/>
+                </a:solidFill>
+                <a:effectLst/>
+                <a:latin typeface="+mn-lt"/>
+                <a:ea typeface="+mn-ea"/>
+                <a:cs typeface="+mn-cs"/>
+              </a:rPr>
+              <a:t>TeamID</a:t>
+            </a:r>
+            <a:r>
+              <a:rPr lang="en-US" sz="1200" kern="1200" dirty="0">
+                <a:solidFill>
+                  <a:schemeClr val="tx1"/>
+                </a:solidFill>
+                <a:effectLst/>
+                <a:latin typeface="+mn-lt"/>
+                <a:ea typeface="+mn-ea"/>
+                <a:cs typeface="+mn-cs"/>
+              </a:rPr>
+              <a:t> column.</a:t>
+            </a:r>
+          </a:p>
+          <a:p>
+            <a:pPr marL="457200" lvl="1" indent="0">
+              <a:buFont typeface="Arial" panose="020B0604020202020204" pitchFamily="34" charset="0"/>
+              <a:buNone/>
             </a:pPr>
             <a:endParaRPr lang="en-US" dirty="0"/>
           </a:p>
@@ -6161,7 +6217,7 @@
     </p:spTree>
     <p:extLst>
       <p:ext uri="{BB962C8B-B14F-4D97-AF65-F5344CB8AC3E}">
-        <p14:creationId xmlns:p14="http://schemas.microsoft.com/office/powerpoint/2010/main" val="1594265075"/>
+        <p14:creationId xmlns:p14="http://schemas.microsoft.com/office/powerpoint/2010/main" val="4215681617"/>
       </p:ext>
     </p:extLst>
   </p:cSld>
@@ -6249,7 +6305,7 @@
     </p:spTree>
     <p:extLst>
       <p:ext uri="{BB962C8B-B14F-4D97-AF65-F5344CB8AC3E}">
-        <p14:creationId xmlns:p14="http://schemas.microsoft.com/office/powerpoint/2010/main" val="860951052"/>
+        <p14:creationId xmlns:p14="http://schemas.microsoft.com/office/powerpoint/2010/main" val="1594265075"/>
       </p:ext>
     </p:extLst>
   </p:cSld>
@@ -6347,6 +6403,94 @@
 </p:notes>
 </file>
 
+<file path=ppt/notesSlides/notesSlide40.xml><?xml version="1.0" encoding="utf-8"?>
+<p:notes xmlns:a="http://schemas.openxmlformats.org/drawingml/2006/main" xmlns:r="http://schemas.openxmlformats.org/officeDocument/2006/relationships" xmlns:p="http://schemas.openxmlformats.org/presentationml/2006/main">
+  <p:cSld>
+    <p:spTree>
+      <p:nvGrpSpPr>
+        <p:cNvPr id="1" name=""/>
+        <p:cNvGrpSpPr/>
+        <p:nvPr/>
+      </p:nvGrpSpPr>
+      <p:grpSpPr>
+        <a:xfrm>
+          <a:off x="0" y="0"/>
+          <a:ext cx="0" cy="0"/>
+          <a:chOff x="0" y="0"/>
+          <a:chExt cx="0" cy="0"/>
+        </a:xfrm>
+      </p:grpSpPr>
+      <p:sp>
+        <p:nvSpPr>
+          <p:cNvPr id="2" name="Slide Image Placeholder 1"/>
+          <p:cNvSpPr>
+            <a:spLocks noGrp="1" noRot="1" noChangeAspect="1"/>
+          </p:cNvSpPr>
+          <p:nvPr>
+            <p:ph type="sldImg"/>
+          </p:nvPr>
+        </p:nvSpPr>
+        <p:spPr/>
+      </p:sp>
+      <p:sp>
+        <p:nvSpPr>
+          <p:cNvPr id="3" name="Notes Placeholder 2"/>
+          <p:cNvSpPr>
+            <a:spLocks noGrp="1"/>
+          </p:cNvSpPr>
+          <p:nvPr>
+            <p:ph type="body" idx="1"/>
+          </p:nvPr>
+        </p:nvSpPr>
+        <p:spPr/>
+        <p:txBody>
+          <a:bodyPr/>
+          <a:lstStyle/>
+          <a:p>
+            <a:pPr marL="171450" indent="-171450">
+              <a:buFont typeface="Arial" panose="020B0604020202020204" pitchFamily="34" charset="0"/>
+              <a:buChar char="•"/>
+            </a:pPr>
+            <a:endParaRPr lang="en-US" dirty="0"/>
+          </a:p>
+        </p:txBody>
+      </p:sp>
+      <p:sp>
+        <p:nvSpPr>
+          <p:cNvPr id="4" name="Slide Number Placeholder 3"/>
+          <p:cNvSpPr>
+            <a:spLocks noGrp="1"/>
+          </p:cNvSpPr>
+          <p:nvPr>
+            <p:ph type="sldNum" sz="quarter" idx="10"/>
+          </p:nvPr>
+        </p:nvSpPr>
+        <p:spPr/>
+        <p:txBody>
+          <a:bodyPr/>
+          <a:lstStyle/>
+          <a:p>
+            <a:fld id="{226FA58D-4B12-4E7B-A2FA-693CE3EACDFD}" type="slidenum">
+              <a:rPr lang="en-US" smtClean="0"/>
+              <a:t>41</a:t>
+            </a:fld>
+            <a:endParaRPr lang="en-US"/>
+          </a:p>
+        </p:txBody>
+      </p:sp>
+    </p:spTree>
+    <p:extLst>
+      <p:ext uri="{BB962C8B-B14F-4D97-AF65-F5344CB8AC3E}">
+        <p14:creationId xmlns:p14="http://schemas.microsoft.com/office/powerpoint/2010/main" val="860951052"/>
+      </p:ext>
+    </p:extLst>
+  </p:cSld>
+  <p:clrMapOvr>
+    <a:masterClrMapping/>
+  </p:clrMapOvr>
+</p:notes>
+</file>
+
 <file path=ppt/notesSlides/notesSlide5.xml><?xml version="1.0" encoding="utf-8"?>
 <p:notes xmlns:a="http://schemas.openxmlformats.org/drawingml/2006/main" xmlns:r="http://schemas.openxmlformats.org/officeDocument/2006/relationships" xmlns:p="http://schemas.openxmlformats.org/presentationml/2006/main">
   <p:cSld>
@@ -6396,7 +6540,7 @@
               <a:buChar char="•"/>
             </a:pPr>
             <a:r>
-              <a:rPr lang="en-US" sz="1200" kern="1200" dirty="0" smtClean="0">
+              <a:rPr lang="en-US" sz="1200" kern="1200" dirty="0">
                 <a:solidFill>
                   <a:schemeClr val="tx1"/>
                 </a:solidFill>
@@ -6408,7 +6552,7 @@
               <a:t>Write on the board a select statement that selects </a:t>
             </a:r>
             <a:r>
-              <a:rPr lang="en-US" sz="1200" kern="1200" dirty="0" err="1" smtClean="0">
+              <a:rPr lang="en-US" sz="1200" kern="1200" dirty="0" err="1">
                 <a:solidFill>
                   <a:schemeClr val="tx1"/>
                 </a:solidFill>
@@ -6420,7 +6564,7 @@
               <a:t>FirstName</a:t>
             </a:r>
             <a:r>
-              <a:rPr lang="en-US" sz="1200" kern="1200" dirty="0" smtClean="0">
+              <a:rPr lang="en-US" sz="1200" kern="1200" dirty="0">
                 <a:solidFill>
                   <a:schemeClr val="tx1"/>
                 </a:solidFill>
@@ -6432,7 +6576,7 @@
               <a:t> and </a:t>
             </a:r>
             <a:r>
-              <a:rPr lang="en-US" sz="1200" kern="1200" dirty="0" err="1" smtClean="0">
+              <a:rPr lang="en-US" sz="1200" kern="1200" dirty="0" err="1">
                 <a:solidFill>
                   <a:schemeClr val="tx1"/>
                 </a:solidFill>
@@ -6444,7 +6588,7 @@
               <a:t>LastName</a:t>
             </a:r>
             <a:r>
-              <a:rPr lang="en-US" sz="1200" kern="1200" dirty="0" smtClean="0">
+              <a:rPr lang="en-US" sz="1200" kern="1200" dirty="0">
                 <a:solidFill>
                   <a:schemeClr val="tx1"/>
                 </a:solidFill>
@@ -6462,7 +6606,7 @@
               <a:buChar char="•"/>
             </a:pPr>
             <a:r>
-              <a:rPr lang="en-US" sz="1200" kern="1200" dirty="0" smtClean="0">
+              <a:rPr lang="en-US" sz="1200" kern="1200" dirty="0">
                 <a:solidFill>
                   <a:schemeClr val="tx1"/>
                 </a:solidFill>
@@ -6474,7 +6618,7 @@
               <a:t>Write on the board a select statement that select </a:t>
             </a:r>
             <a:r>
-              <a:rPr lang="en-US" sz="1200" kern="1200" dirty="0" err="1" smtClean="0">
+              <a:rPr lang="en-US" sz="1200" kern="1200" dirty="0" err="1">
                 <a:solidFill>
                   <a:schemeClr val="tx1"/>
                 </a:solidFill>
@@ -6486,7 +6630,7 @@
               <a:t>FirstName</a:t>
             </a:r>
             <a:r>
-              <a:rPr lang="en-US" sz="1200" kern="1200" dirty="0" smtClean="0">
+              <a:rPr lang="en-US" sz="1200" kern="1200" dirty="0">
                 <a:solidFill>
                   <a:schemeClr val="tx1"/>
                 </a:solidFill>
@@ -6498,7 +6642,7 @@
               <a:t> and </a:t>
             </a:r>
             <a:r>
-              <a:rPr lang="en-US" sz="1200" kern="1200" dirty="0" err="1" smtClean="0">
+              <a:rPr lang="en-US" sz="1200" kern="1200" dirty="0" err="1">
                 <a:solidFill>
                   <a:schemeClr val="tx1"/>
                 </a:solidFill>
@@ -6510,7 +6654,7 @@
               <a:t>LastName</a:t>
             </a:r>
             <a:r>
-              <a:rPr lang="en-US" sz="1200" kern="1200" dirty="0" smtClean="0">
+              <a:rPr lang="en-US" sz="1200" kern="1200" dirty="0">
                 <a:solidFill>
                   <a:schemeClr val="tx1"/>
                 </a:solidFill>
@@ -6522,7 +6666,7 @@
               <a:t> columns of a table named employee where the </a:t>
             </a:r>
             <a:r>
-              <a:rPr lang="en-US" sz="1200" kern="1200" dirty="0" err="1" smtClean="0">
+              <a:rPr lang="en-US" sz="1200" kern="1200" dirty="0" err="1">
                 <a:solidFill>
                   <a:schemeClr val="tx1"/>
                 </a:solidFill>
@@ -6534,7 +6678,7 @@
               <a:t>EmployeeID</a:t>
             </a:r>
             <a:r>
-              <a:rPr lang="en-US" sz="1200" kern="1200" dirty="0" smtClean="0">
+              <a:rPr lang="en-US" sz="1200" kern="1200" dirty="0">
                 <a:solidFill>
                   <a:schemeClr val="tx1"/>
                 </a:solidFill>
@@ -6552,7 +6696,7 @@
               <a:buChar char="•"/>
             </a:pPr>
             <a:r>
-              <a:rPr lang="en-US" sz="1200" kern="1200" dirty="0" smtClean="0">
+              <a:rPr lang="en-US" sz="1200" kern="1200" dirty="0">
                 <a:solidFill>
                   <a:schemeClr val="tx1"/>
                 </a:solidFill>
@@ -6564,7 +6708,7 @@
               <a:t>Write on the board a select statement that select </a:t>
             </a:r>
             <a:r>
-              <a:rPr lang="en-US" sz="1200" kern="1200" dirty="0" err="1" smtClean="0">
+              <a:rPr lang="en-US" sz="1200" kern="1200" dirty="0" err="1">
                 <a:solidFill>
                   <a:schemeClr val="tx1"/>
                 </a:solidFill>
@@ -6576,7 +6720,7 @@
               <a:t>FirstName</a:t>
             </a:r>
             <a:r>
-              <a:rPr lang="en-US" sz="1200" kern="1200" dirty="0" smtClean="0">
+              <a:rPr lang="en-US" sz="1200" kern="1200" dirty="0">
                 <a:solidFill>
                   <a:schemeClr val="tx1"/>
                 </a:solidFill>
@@ -6588,7 +6732,7 @@
               <a:t> and </a:t>
             </a:r>
             <a:r>
-              <a:rPr lang="en-US" sz="1200" kern="1200" dirty="0" err="1" smtClean="0">
+              <a:rPr lang="en-US" sz="1200" kern="1200" dirty="0" err="1">
                 <a:solidFill>
                   <a:schemeClr val="tx1"/>
                 </a:solidFill>
@@ -6600,7 +6744,7 @@
               <a:t>LastName</a:t>
             </a:r>
             <a:r>
-              <a:rPr lang="en-US" sz="1200" kern="1200" dirty="0" smtClean="0">
+              <a:rPr lang="en-US" sz="1200" kern="1200" dirty="0">
                 <a:solidFill>
                   <a:schemeClr val="tx1"/>
                 </a:solidFill>
@@ -6612,7 +6756,7 @@
               <a:t> columns of a table named employee where the </a:t>
             </a:r>
             <a:r>
-              <a:rPr lang="en-US" sz="1200" kern="1200" dirty="0" err="1" smtClean="0">
+              <a:rPr lang="en-US" sz="1200" kern="1200" dirty="0" err="1">
                 <a:solidFill>
                   <a:schemeClr val="tx1"/>
                 </a:solidFill>
@@ -6624,7 +6768,7 @@
               <a:t>FirstName</a:t>
             </a:r>
             <a:r>
-              <a:rPr lang="en-US" sz="1200" kern="1200" dirty="0" smtClean="0">
+              <a:rPr lang="en-US" sz="1200" kern="1200" dirty="0">
                 <a:solidFill>
                   <a:schemeClr val="tx1"/>
                 </a:solidFill>
@@ -6636,7 +6780,7 @@
               <a:t> equals Joe and </a:t>
             </a:r>
             <a:r>
-              <a:rPr lang="en-US" sz="1200" kern="1200" dirty="0" err="1" smtClean="0">
+              <a:rPr lang="en-US" sz="1200" kern="1200" dirty="0" err="1">
                 <a:solidFill>
                   <a:schemeClr val="tx1"/>
                 </a:solidFill>
@@ -6648,7 +6792,7 @@
               <a:t>LastName</a:t>
             </a:r>
             <a:r>
-              <a:rPr lang="en-US" sz="1200" kern="1200" dirty="0" smtClean="0">
+              <a:rPr lang="en-US" sz="1200" kern="1200" dirty="0">
                 <a:solidFill>
                   <a:schemeClr val="tx1"/>
                 </a:solidFill>
@@ -6754,7 +6898,7 @@
               <a:buChar char="•"/>
             </a:pPr>
             <a:r>
-              <a:rPr lang="en-US" baseline="0" dirty="0" smtClean="0"/>
+              <a:rPr lang="en-US" baseline="0" dirty="0"/>
               <a:t>These are the components of an insert statement</a:t>
             </a:r>
           </a:p>
@@ -6764,7 +6908,7 @@
               <a:buChar char="•"/>
             </a:pPr>
             <a:r>
-              <a:rPr lang="en-US" baseline="0" dirty="0" smtClean="0"/>
+              <a:rPr lang="en-US" baseline="0" dirty="0"/>
               <a:t>The statement starts with the words INSERT INTO then you list the table name followed by columns in parentheses</a:t>
             </a:r>
           </a:p>
@@ -6774,7 +6918,7 @@
               <a:buChar char="•"/>
             </a:pPr>
             <a:r>
-              <a:rPr lang="en-US" baseline="0" dirty="0" smtClean="0"/>
+              <a:rPr lang="en-US" baseline="0" dirty="0"/>
               <a:t>Then you list the word VALUES followed by values in parentheses</a:t>
             </a:r>
           </a:p>
@@ -6865,7 +7009,7 @@
               <a:buChar char="•"/>
             </a:pPr>
             <a:r>
-              <a:rPr lang="en-US" baseline="0" dirty="0" smtClean="0"/>
+              <a:rPr lang="en-US" baseline="0" dirty="0"/>
               <a:t>These are the components of an update statement</a:t>
             </a:r>
           </a:p>
@@ -6875,7 +7019,7 @@
               <a:buChar char="•"/>
             </a:pPr>
             <a:r>
-              <a:rPr lang="en-US" baseline="0" dirty="0" smtClean="0"/>
+              <a:rPr lang="en-US" baseline="0" dirty="0"/>
               <a:t>The statement starts with the word UPDATE then you list the table name</a:t>
             </a:r>
           </a:p>
@@ -6885,7 +7029,7 @@
               <a:buChar char="•"/>
             </a:pPr>
             <a:r>
-              <a:rPr lang="en-US" baseline="0" dirty="0" smtClean="0"/>
+              <a:rPr lang="en-US" baseline="0" dirty="0"/>
               <a:t>Then you list the word SET and set the column name = to what you want to update</a:t>
             </a:r>
           </a:p>
@@ -6895,7 +7039,7 @@
               <a:buChar char="•"/>
             </a:pPr>
             <a:r>
-              <a:rPr lang="en-US" baseline="0" dirty="0" smtClean="0"/>
+              <a:rPr lang="en-US" baseline="0" dirty="0"/>
               <a:t>Then you list the word WHERE and list all of the condition predicates that you want</a:t>
             </a:r>
           </a:p>
@@ -6986,7 +7130,7 @@
               <a:buChar char="•"/>
             </a:pPr>
             <a:r>
-              <a:rPr lang="en-US" baseline="0" dirty="0" smtClean="0"/>
+              <a:rPr lang="en-US" baseline="0" dirty="0"/>
               <a:t>These are the components of a delete statement</a:t>
             </a:r>
           </a:p>
@@ -6996,7 +7140,7 @@
               <a:buChar char="•"/>
             </a:pPr>
             <a:r>
-              <a:rPr lang="en-US" baseline="0" dirty="0" smtClean="0"/>
+              <a:rPr lang="en-US" baseline="0" dirty="0"/>
               <a:t>The statement starts with the words DELETE FROM then you list the table name</a:t>
             </a:r>
           </a:p>
@@ -7006,7 +7150,7 @@
               <a:buChar char="•"/>
             </a:pPr>
             <a:r>
-              <a:rPr lang="en-US" baseline="0" dirty="0" smtClean="0"/>
+              <a:rPr lang="en-US" baseline="0" dirty="0"/>
               <a:t>Then you list the word WHERE and list all of the condition predicates that you want</a:t>
             </a:r>
           </a:p>
@@ -7178,7 +7322,7 @@
           </a:lstStyle>
           <a:p>
             <a:r>
-              <a:rPr lang="en-US" smtClean="0"/>
+              <a:rPr lang="en-US"/>
               <a:t>Click to edit Master title style</a:t>
             </a:r>
             <a:endParaRPr lang="en-US" dirty="0"/>
@@ -7298,7 +7442,7 @@
           </a:lstStyle>
           <a:p>
             <a:r>
-              <a:rPr lang="en-US" smtClean="0"/>
+              <a:rPr lang="en-US"/>
               <a:t>Click to edit Master subtitle style</a:t>
             </a:r>
             <a:endParaRPr lang="en-US" dirty="0"/>
@@ -7322,7 +7466,7 @@
           <a:p>
             <a:fld id="{96FB5D56-0812-4ED5-8B52-3D0DCBF578CB}" type="datetimeFigureOut">
               <a:rPr lang="en-US" smtClean="0"/>
-              <a:t>2/17/2018</a:t>
+              <a:t>5/10/2018</a:t>
             </a:fld>
             <a:endParaRPr lang="en-US"/>
           </a:p>
@@ -7427,7 +7571,7 @@
           </a:lstStyle>
           <a:p>
             <a:r>
-              <a:rPr lang="en-US" smtClean="0"/>
+              <a:rPr lang="en-US"/>
               <a:t>Click to edit Master title style</a:t>
             </a:r>
             <a:endParaRPr lang="en-US" dirty="0"/>
@@ -7506,7 +7650,7 @@
           </a:lstStyle>
           <a:p>
             <a:r>
-              <a:rPr lang="en-US" smtClean="0"/>
+              <a:rPr lang="en-US"/>
               <a:t>Click icon to add picture</a:t>
             </a:r>
             <a:endParaRPr lang="en-US" dirty="0"/>
@@ -7574,7 +7718,7 @@
           <a:p>
             <a:pPr lvl="0"/>
             <a:r>
-              <a:rPr lang="en-US" smtClean="0"/>
+              <a:rPr lang="en-US"/>
               <a:t>Click to edit Master text styles</a:t>
             </a:r>
           </a:p>
@@ -7597,7 +7741,7 @@
           <a:p>
             <a:fld id="{96FB5D56-0812-4ED5-8B52-3D0DCBF578CB}" type="datetimeFigureOut">
               <a:rPr lang="en-US" smtClean="0"/>
-              <a:t>2/17/2018</a:t>
+              <a:t>5/10/2018</a:t>
             </a:fld>
             <a:endParaRPr lang="en-US"/>
           </a:p>
@@ -7700,7 +7844,7 @@
           </a:lstStyle>
           <a:p>
             <a:r>
-              <a:rPr lang="en-US" smtClean="0"/>
+              <a:rPr lang="en-US"/>
               <a:t>Click to edit Master title style</a:t>
             </a:r>
             <a:endParaRPr lang="en-US" dirty="0"/>
@@ -7768,7 +7912,7 @@
           <a:p>
             <a:pPr lvl="0"/>
             <a:r>
-              <a:rPr lang="en-US" smtClean="0"/>
+              <a:rPr lang="en-US"/>
               <a:t>Click to edit Master text styles</a:t>
             </a:r>
           </a:p>
@@ -7791,7 +7935,7 @@
           <a:p>
             <a:fld id="{96FB5D56-0812-4ED5-8B52-3D0DCBF578CB}" type="datetimeFigureOut">
               <a:rPr lang="en-US" smtClean="0"/>
-              <a:t>2/17/2018</a:t>
+              <a:t>5/10/2018</a:t>
             </a:fld>
             <a:endParaRPr lang="en-US"/>
           </a:p>
@@ -7894,7 +8038,7 @@
           </a:lstStyle>
           <a:p>
             <a:r>
-              <a:rPr lang="en-US" smtClean="0"/>
+              <a:rPr lang="en-US"/>
               <a:t>Click to edit Master title style</a:t>
             </a:r>
             <a:endParaRPr lang="en-US" dirty="0"/>
@@ -7974,7 +8118,7 @@
               <a:buNone/>
             </a:pPr>
             <a:r>
-              <a:rPr lang="en-US" smtClean="0"/>
+              <a:rPr lang="en-US"/>
               <a:t>Click to edit Master text styles</a:t>
             </a:r>
           </a:p>
@@ -8041,7 +8185,7 @@
           <a:p>
             <a:pPr lvl="0"/>
             <a:r>
-              <a:rPr lang="en-US" smtClean="0"/>
+              <a:rPr lang="en-US"/>
               <a:t>Click to edit Master text styles</a:t>
             </a:r>
           </a:p>
@@ -8064,7 +8208,7 @@
           <a:p>
             <a:fld id="{96FB5D56-0812-4ED5-8B52-3D0DCBF578CB}" type="datetimeFigureOut">
               <a:rPr lang="en-US" smtClean="0"/>
-              <a:t>2/17/2018</a:t>
+              <a:t>5/10/2018</a:t>
             </a:fld>
             <a:endParaRPr lang="en-US"/>
           </a:p>
@@ -8261,7 +8405,7 @@
           </a:lstStyle>
           <a:p>
             <a:r>
-              <a:rPr lang="en-US" smtClean="0"/>
+              <a:rPr lang="en-US"/>
               <a:t>Click to edit Master title style</a:t>
             </a:r>
             <a:endParaRPr lang="en-US" dirty="0"/>
@@ -8382,7 +8526,7 @@
           <a:p>
             <a:pPr lvl="0"/>
             <a:r>
-              <a:rPr lang="en-US" smtClean="0"/>
+              <a:rPr lang="en-US"/>
               <a:t>Click to edit Master text styles</a:t>
             </a:r>
           </a:p>
@@ -8405,7 +8549,7 @@
           <a:p>
             <a:fld id="{96FB5D56-0812-4ED5-8B52-3D0DCBF578CB}" type="datetimeFigureOut">
               <a:rPr lang="en-US" smtClean="0"/>
-              <a:t>2/17/2018</a:t>
+              <a:t>5/10/2018</a:t>
             </a:fld>
             <a:endParaRPr lang="en-US"/>
           </a:p>
@@ -8503,7 +8647,7 @@
           </a:lstStyle>
           <a:p>
             <a:r>
-              <a:rPr lang="en-US" smtClean="0"/>
+              <a:rPr lang="en-US"/>
               <a:t>Click to edit Master title style</a:t>
             </a:r>
             <a:endParaRPr lang="en-US" dirty="0"/>
@@ -8578,7 +8722,7 @@
           <a:p>
             <a:pPr lvl="0"/>
             <a:r>
-              <a:rPr lang="en-US" smtClean="0"/>
+              <a:rPr lang="en-US"/>
               <a:t>Click to edit Master text styles</a:t>
             </a:r>
           </a:p>
@@ -8645,7 +8789,7 @@
           <a:p>
             <a:pPr lvl="0"/>
             <a:r>
-              <a:rPr lang="en-US" smtClean="0"/>
+              <a:rPr lang="en-US"/>
               <a:t>Click to edit Master text styles</a:t>
             </a:r>
           </a:p>
@@ -8719,7 +8863,7 @@
           <a:p>
             <a:pPr lvl="0"/>
             <a:r>
-              <a:rPr lang="en-US" smtClean="0"/>
+              <a:rPr lang="en-US"/>
               <a:t>Click to edit Master text styles</a:t>
             </a:r>
           </a:p>
@@ -8786,7 +8930,7 @@
           <a:p>
             <a:pPr lvl="0"/>
             <a:r>
-              <a:rPr lang="en-US" smtClean="0"/>
+              <a:rPr lang="en-US"/>
               <a:t>Click to edit Master text styles</a:t>
             </a:r>
           </a:p>
@@ -8860,7 +9004,7 @@
           <a:p>
             <a:pPr lvl="0"/>
             <a:r>
-              <a:rPr lang="en-US" smtClean="0"/>
+              <a:rPr lang="en-US"/>
               <a:t>Click to edit Master text styles</a:t>
             </a:r>
           </a:p>
@@ -8927,7 +9071,7 @@
           <a:p>
             <a:pPr lvl="0"/>
             <a:r>
-              <a:rPr lang="en-US" smtClean="0"/>
+              <a:rPr lang="en-US"/>
               <a:t>Click to edit Master text styles</a:t>
             </a:r>
           </a:p>
@@ -9028,7 +9172,7 @@
           <a:p>
             <a:fld id="{96FB5D56-0812-4ED5-8B52-3D0DCBF578CB}" type="datetimeFigureOut">
               <a:rPr lang="en-US" smtClean="0"/>
-              <a:t>2/17/2018</a:t>
+              <a:t>5/10/2018</a:t>
             </a:fld>
             <a:endParaRPr lang="en-US"/>
           </a:p>
@@ -9126,7 +9270,7 @@
           </a:lstStyle>
           <a:p>
             <a:r>
-              <a:rPr lang="en-US" smtClean="0"/>
+              <a:rPr lang="en-US"/>
               <a:t>Click to edit Master title style</a:t>
             </a:r>
             <a:endParaRPr lang="en-US" dirty="0"/>
@@ -9201,7 +9345,7 @@
           <a:p>
             <a:pPr lvl="0"/>
             <a:r>
-              <a:rPr lang="en-US" smtClean="0"/>
+              <a:rPr lang="en-US"/>
               <a:t>Click to edit Master text styles</a:t>
             </a:r>
           </a:p>
@@ -9279,7 +9423,7 @@
           </a:lstStyle>
           <a:p>
             <a:r>
-              <a:rPr lang="en-US" smtClean="0"/>
+              <a:rPr lang="en-US"/>
               <a:t>Click icon to add picture</a:t>
             </a:r>
             <a:endParaRPr lang="en-US" dirty="0"/>
@@ -9347,7 +9491,7 @@
           <a:p>
             <a:pPr lvl="0"/>
             <a:r>
-              <a:rPr lang="en-US" smtClean="0"/>
+              <a:rPr lang="en-US"/>
               <a:t>Click to edit Master text styles</a:t>
             </a:r>
           </a:p>
@@ -9421,7 +9565,7 @@
           <a:p>
             <a:pPr lvl="0"/>
             <a:r>
-              <a:rPr lang="en-US" smtClean="0"/>
+              <a:rPr lang="en-US"/>
               <a:t>Click to edit Master text styles</a:t>
             </a:r>
           </a:p>
@@ -9499,7 +9643,7 @@
           </a:lstStyle>
           <a:p>
             <a:r>
-              <a:rPr lang="en-US" smtClean="0"/>
+              <a:rPr lang="en-US"/>
               <a:t>Click icon to add picture</a:t>
             </a:r>
             <a:endParaRPr lang="en-US" dirty="0"/>
@@ -9567,7 +9711,7 @@
           <a:p>
             <a:pPr lvl="0"/>
             <a:r>
-              <a:rPr lang="en-US" smtClean="0"/>
+              <a:rPr lang="en-US"/>
               <a:t>Click to edit Master text styles</a:t>
             </a:r>
           </a:p>
@@ -9641,7 +9785,7 @@
           <a:p>
             <a:pPr lvl="0"/>
             <a:r>
-              <a:rPr lang="en-US" smtClean="0"/>
+              <a:rPr lang="en-US"/>
               <a:t>Click to edit Master text styles</a:t>
             </a:r>
           </a:p>
@@ -9719,7 +9863,7 @@
           </a:lstStyle>
           <a:p>
             <a:r>
-              <a:rPr lang="en-US" smtClean="0"/>
+              <a:rPr lang="en-US"/>
               <a:t>Click icon to add picture</a:t>
             </a:r>
             <a:endParaRPr lang="en-US" dirty="0"/>
@@ -9787,7 +9931,7 @@
           <a:p>
             <a:pPr lvl="0"/>
             <a:r>
-              <a:rPr lang="en-US" smtClean="0"/>
+              <a:rPr lang="en-US"/>
               <a:t>Click to edit Master text styles</a:t>
             </a:r>
           </a:p>
@@ -9888,7 +10032,7 @@
           <a:p>
             <a:fld id="{96FB5D56-0812-4ED5-8B52-3D0DCBF578CB}" type="datetimeFigureOut">
               <a:rPr lang="en-US" smtClean="0"/>
-              <a:t>2/17/2018</a:t>
+              <a:t>5/10/2018</a:t>
             </a:fld>
             <a:endParaRPr lang="en-US"/>
           </a:p>
@@ -9982,7 +10126,7 @@
           <a:lstStyle/>
           <a:p>
             <a:r>
-              <a:rPr lang="en-US" smtClean="0"/>
+              <a:rPr lang="en-US"/>
               <a:t>Click to edit Master title style</a:t>
             </a:r>
             <a:endParaRPr lang="en-US" dirty="0"/>
@@ -10006,35 +10150,35 @@
           <a:p>
             <a:pPr lvl="0"/>
             <a:r>
-              <a:rPr lang="en-US" smtClean="0"/>
+              <a:rPr lang="en-US"/>
               <a:t>Click to edit Master text styles</a:t>
             </a:r>
           </a:p>
           <a:p>
             <a:pPr lvl="1"/>
             <a:r>
-              <a:rPr lang="en-US" smtClean="0"/>
+              <a:rPr lang="en-US"/>
               <a:t>Second level</a:t>
             </a:r>
           </a:p>
           <a:p>
             <a:pPr lvl="2"/>
             <a:r>
-              <a:rPr lang="en-US" smtClean="0"/>
+              <a:rPr lang="en-US"/>
               <a:t>Third level</a:t>
             </a:r>
           </a:p>
           <a:p>
             <a:pPr lvl="3"/>
             <a:r>
-              <a:rPr lang="en-US" smtClean="0"/>
+              <a:rPr lang="en-US"/>
               <a:t>Fourth level</a:t>
             </a:r>
           </a:p>
           <a:p>
             <a:pPr lvl="4"/>
             <a:r>
-              <a:rPr lang="en-US" smtClean="0"/>
+              <a:rPr lang="en-US"/>
               <a:t>Fifth level</a:t>
             </a:r>
             <a:endParaRPr lang="en-US" dirty="0"/>
@@ -10058,7 +10202,7 @@
           <a:p>
             <a:fld id="{96FB5D56-0812-4ED5-8B52-3D0DCBF578CB}" type="datetimeFigureOut">
               <a:rPr lang="en-US" smtClean="0"/>
-              <a:t>2/17/2018</a:t>
+              <a:t>5/10/2018</a:t>
             </a:fld>
             <a:endParaRPr lang="en-US"/>
           </a:p>
@@ -10157,7 +10301,7 @@
           <a:lstStyle/>
           <a:p>
             <a:r>
-              <a:rPr lang="en-US" smtClean="0"/>
+              <a:rPr lang="en-US"/>
               <a:t>Click to edit Master title style</a:t>
             </a:r>
             <a:endParaRPr lang="en-US" dirty="0"/>
@@ -10186,35 +10330,35 @@
           <a:p>
             <a:pPr lvl="0"/>
             <a:r>
-              <a:rPr lang="en-US" smtClean="0"/>
+              <a:rPr lang="en-US"/>
               <a:t>Click to edit Master text styles</a:t>
             </a:r>
           </a:p>
           <a:p>
             <a:pPr lvl="1"/>
             <a:r>
-              <a:rPr lang="en-US" smtClean="0"/>
+              <a:rPr lang="en-US"/>
               <a:t>Second level</a:t>
             </a:r>
           </a:p>
           <a:p>
             <a:pPr lvl="2"/>
             <a:r>
-              <a:rPr lang="en-US" smtClean="0"/>
+              <a:rPr lang="en-US"/>
               <a:t>Third level</a:t>
             </a:r>
           </a:p>
           <a:p>
             <a:pPr lvl="3"/>
             <a:r>
-              <a:rPr lang="en-US" smtClean="0"/>
+              <a:rPr lang="en-US"/>
               <a:t>Fourth level</a:t>
             </a:r>
           </a:p>
           <a:p>
             <a:pPr lvl="4"/>
             <a:r>
-              <a:rPr lang="en-US" smtClean="0"/>
+              <a:rPr lang="en-US"/>
               <a:t>Fifth level</a:t>
             </a:r>
             <a:endParaRPr lang="en-US" dirty="0"/>
@@ -10238,7 +10382,7 @@
           <a:p>
             <a:fld id="{96FB5D56-0812-4ED5-8B52-3D0DCBF578CB}" type="datetimeFigureOut">
               <a:rPr lang="en-US" smtClean="0"/>
-              <a:t>2/17/2018</a:t>
+              <a:t>5/10/2018</a:t>
             </a:fld>
             <a:endParaRPr lang="en-US"/>
           </a:p>
@@ -10332,7 +10476,7 @@
           <a:lstStyle/>
           <a:p>
             <a:r>
-              <a:rPr lang="en-US" smtClean="0"/>
+              <a:rPr lang="en-US"/>
               <a:t>Click to edit Master title style</a:t>
             </a:r>
             <a:endParaRPr lang="en-US" dirty="0"/>
@@ -10356,35 +10500,35 @@
           <a:p>
             <a:pPr lvl="0"/>
             <a:r>
-              <a:rPr lang="en-US" smtClean="0"/>
+              <a:rPr lang="en-US"/>
               <a:t>Click to edit Master text styles</a:t>
             </a:r>
           </a:p>
           <a:p>
             <a:pPr lvl="1"/>
             <a:r>
-              <a:rPr lang="en-US" smtClean="0"/>
+              <a:rPr lang="en-US"/>
               <a:t>Second level</a:t>
             </a:r>
           </a:p>
           <a:p>
             <a:pPr lvl="2"/>
             <a:r>
-              <a:rPr lang="en-US" smtClean="0"/>
+              <a:rPr lang="en-US"/>
               <a:t>Third level</a:t>
             </a:r>
           </a:p>
           <a:p>
             <a:pPr lvl="3"/>
             <a:r>
-              <a:rPr lang="en-US" smtClean="0"/>
+              <a:rPr lang="en-US"/>
               <a:t>Fourth level</a:t>
             </a:r>
           </a:p>
           <a:p>
             <a:pPr lvl="4"/>
             <a:r>
-              <a:rPr lang="en-US" smtClean="0"/>
+              <a:rPr lang="en-US"/>
               <a:t>Fifth level</a:t>
             </a:r>
             <a:endParaRPr lang="en-US" dirty="0"/>
@@ -10408,7 +10552,7 @@
           <a:p>
             <a:fld id="{96FB5D56-0812-4ED5-8B52-3D0DCBF578CB}" type="datetimeFigureOut">
               <a:rPr lang="en-US" smtClean="0"/>
-              <a:t>2/17/2018</a:t>
+              <a:t>5/10/2018</a:t>
             </a:fld>
             <a:endParaRPr lang="en-US"/>
           </a:p>
@@ -10511,7 +10655,7 @@
           </a:lstStyle>
           <a:p>
             <a:r>
-              <a:rPr lang="en-US" smtClean="0"/>
+              <a:rPr lang="en-US"/>
               <a:t>Click to edit Master title style</a:t>
             </a:r>
             <a:endParaRPr lang="en-US" dirty="0"/>
@@ -10632,7 +10776,7 @@
           <a:p>
             <a:pPr lvl="0"/>
             <a:r>
-              <a:rPr lang="en-US" smtClean="0"/>
+              <a:rPr lang="en-US"/>
               <a:t>Click to edit Master text styles</a:t>
             </a:r>
           </a:p>
@@ -10655,7 +10799,7 @@
           <a:p>
             <a:fld id="{96FB5D56-0812-4ED5-8B52-3D0DCBF578CB}" type="datetimeFigureOut">
               <a:rPr lang="en-US" smtClean="0"/>
-              <a:t>2/17/2018</a:t>
+              <a:t>5/10/2018</a:t>
             </a:fld>
             <a:endParaRPr lang="en-US"/>
           </a:p>
@@ -10749,7 +10893,7 @@
           <a:lstStyle/>
           <a:p>
             <a:r>
-              <a:rPr lang="en-US" smtClean="0"/>
+              <a:rPr lang="en-US"/>
               <a:t>Click to edit Master title style</a:t>
             </a:r>
             <a:endParaRPr lang="en-US" dirty="0"/>
@@ -10808,35 +10952,35 @@
           <a:p>
             <a:pPr lvl="0"/>
             <a:r>
-              <a:rPr lang="en-US" smtClean="0"/>
+              <a:rPr lang="en-US"/>
               <a:t>Click to edit Master text styles</a:t>
             </a:r>
           </a:p>
           <a:p>
             <a:pPr lvl="1"/>
             <a:r>
-              <a:rPr lang="en-US" smtClean="0"/>
+              <a:rPr lang="en-US"/>
               <a:t>Second level</a:t>
             </a:r>
           </a:p>
           <a:p>
             <a:pPr lvl="2"/>
             <a:r>
-              <a:rPr lang="en-US" smtClean="0"/>
+              <a:rPr lang="en-US"/>
               <a:t>Third level</a:t>
             </a:r>
           </a:p>
           <a:p>
             <a:pPr lvl="3"/>
             <a:r>
-              <a:rPr lang="en-US" smtClean="0"/>
+              <a:rPr lang="en-US"/>
               <a:t>Fourth level</a:t>
             </a:r>
           </a:p>
           <a:p>
             <a:pPr lvl="4"/>
             <a:r>
-              <a:rPr lang="en-US" smtClean="0"/>
+              <a:rPr lang="en-US"/>
               <a:t>Fifth level</a:t>
             </a:r>
             <a:endParaRPr lang="en-US" dirty="0"/>
@@ -10895,35 +11039,35 @@
           <a:p>
             <a:pPr lvl="0"/>
             <a:r>
-              <a:rPr lang="en-US" smtClean="0"/>
+              <a:rPr lang="en-US"/>
               <a:t>Click to edit Master text styles</a:t>
             </a:r>
           </a:p>
           <a:p>
             <a:pPr lvl="1"/>
             <a:r>
-              <a:rPr lang="en-US" smtClean="0"/>
+              <a:rPr lang="en-US"/>
               <a:t>Second level</a:t>
             </a:r>
           </a:p>
           <a:p>
             <a:pPr lvl="2"/>
             <a:r>
-              <a:rPr lang="en-US" smtClean="0"/>
+              <a:rPr lang="en-US"/>
               <a:t>Third level</a:t>
             </a:r>
           </a:p>
           <a:p>
             <a:pPr lvl="3"/>
             <a:r>
-              <a:rPr lang="en-US" smtClean="0"/>
+              <a:rPr lang="en-US"/>
               <a:t>Fourth level</a:t>
             </a:r>
           </a:p>
           <a:p>
             <a:pPr lvl="4"/>
             <a:r>
-              <a:rPr lang="en-US" smtClean="0"/>
+              <a:rPr lang="en-US"/>
               <a:t>Fifth level</a:t>
             </a:r>
             <a:endParaRPr lang="en-US" dirty="0"/>
@@ -10947,7 +11091,7 @@
           <a:p>
             <a:fld id="{96FB5D56-0812-4ED5-8B52-3D0DCBF578CB}" type="datetimeFigureOut">
               <a:rPr lang="en-US" smtClean="0"/>
-              <a:t>2/17/2018</a:t>
+              <a:t>5/10/2018</a:t>
             </a:fld>
             <a:endParaRPr lang="en-US"/>
           </a:p>
@@ -11045,7 +11189,7 @@
           </a:lstStyle>
           <a:p>
             <a:r>
-              <a:rPr lang="en-US" smtClean="0"/>
+              <a:rPr lang="en-US"/>
               <a:t>Click to edit Master title style</a:t>
             </a:r>
             <a:endParaRPr lang="en-US" dirty="0"/>
@@ -11120,7 +11264,7 @@
           <a:p>
             <a:pPr lvl="0"/>
             <a:r>
-              <a:rPr lang="en-US" smtClean="0"/>
+              <a:rPr lang="en-US"/>
               <a:t>Click to edit Master text styles</a:t>
             </a:r>
           </a:p>
@@ -11178,35 +11322,35 @@
           <a:p>
             <a:pPr lvl="0"/>
             <a:r>
-              <a:rPr lang="en-US" smtClean="0"/>
+              <a:rPr lang="en-US"/>
               <a:t>Click to edit Master text styles</a:t>
             </a:r>
           </a:p>
           <a:p>
             <a:pPr lvl="1"/>
             <a:r>
-              <a:rPr lang="en-US" smtClean="0"/>
+              <a:rPr lang="en-US"/>
               <a:t>Second level</a:t>
             </a:r>
           </a:p>
           <a:p>
             <a:pPr lvl="2"/>
             <a:r>
-              <a:rPr lang="en-US" smtClean="0"/>
+              <a:rPr lang="en-US"/>
               <a:t>Third level</a:t>
             </a:r>
           </a:p>
           <a:p>
             <a:pPr lvl="3"/>
             <a:r>
-              <a:rPr lang="en-US" smtClean="0"/>
+              <a:rPr lang="en-US"/>
               <a:t>Fourth level</a:t>
             </a:r>
           </a:p>
           <a:p>
             <a:pPr lvl="4"/>
             <a:r>
-              <a:rPr lang="en-US" smtClean="0"/>
+              <a:rPr lang="en-US"/>
               <a:t>Fifth level</a:t>
             </a:r>
             <a:endParaRPr lang="en-US" dirty="0"/>
@@ -11281,7 +11425,7 @@
           <a:p>
             <a:pPr lvl="0"/>
             <a:r>
-              <a:rPr lang="en-US" smtClean="0"/>
+              <a:rPr lang="en-US"/>
               <a:t>Click to edit Master text styles</a:t>
             </a:r>
           </a:p>
@@ -11339,35 +11483,35 @@
           <a:p>
             <a:pPr lvl="0"/>
             <a:r>
-              <a:rPr lang="en-US" smtClean="0"/>
+              <a:rPr lang="en-US"/>
               <a:t>Click to edit Master text styles</a:t>
             </a:r>
           </a:p>
           <a:p>
             <a:pPr lvl="1"/>
             <a:r>
-              <a:rPr lang="en-US" smtClean="0"/>
+              <a:rPr lang="en-US"/>
               <a:t>Second level</a:t>
             </a:r>
           </a:p>
           <a:p>
             <a:pPr lvl="2"/>
             <a:r>
-              <a:rPr lang="en-US" smtClean="0"/>
+              <a:rPr lang="en-US"/>
               <a:t>Third level</a:t>
             </a:r>
           </a:p>
           <a:p>
             <a:pPr lvl="3"/>
             <a:r>
-              <a:rPr lang="en-US" smtClean="0"/>
+              <a:rPr lang="en-US"/>
               <a:t>Fourth level</a:t>
             </a:r>
           </a:p>
           <a:p>
             <a:pPr lvl="4"/>
             <a:r>
-              <a:rPr lang="en-US" smtClean="0"/>
+              <a:rPr lang="en-US"/>
               <a:t>Fifth level</a:t>
             </a:r>
             <a:endParaRPr lang="en-US" dirty="0"/>
@@ -11391,7 +11535,7 @@
           <a:p>
             <a:fld id="{96FB5D56-0812-4ED5-8B52-3D0DCBF578CB}" type="datetimeFigureOut">
               <a:rPr lang="en-US" smtClean="0"/>
-              <a:t>2/17/2018</a:t>
+              <a:t>5/10/2018</a:t>
             </a:fld>
             <a:endParaRPr lang="en-US"/>
           </a:p>
@@ -11485,7 +11629,7 @@
           <a:lstStyle/>
           <a:p>
             <a:r>
-              <a:rPr lang="en-US" smtClean="0"/>
+              <a:rPr lang="en-US"/>
               <a:t>Click to edit Master title style</a:t>
             </a:r>
             <a:endParaRPr lang="en-US" dirty="0"/>
@@ -11509,7 +11653,7 @@
           <a:p>
             <a:fld id="{96FB5D56-0812-4ED5-8B52-3D0DCBF578CB}" type="datetimeFigureOut">
               <a:rPr lang="en-US" smtClean="0"/>
-              <a:t>2/17/2018</a:t>
+              <a:t>5/10/2018</a:t>
             </a:fld>
             <a:endParaRPr lang="en-US"/>
           </a:p>
@@ -11604,7 +11748,7 @@
           <a:p>
             <a:fld id="{96FB5D56-0812-4ED5-8B52-3D0DCBF578CB}" type="datetimeFigureOut">
               <a:rPr lang="en-US" smtClean="0"/>
-              <a:t>2/17/2018</a:t>
+              <a:t>5/10/2018</a:t>
             </a:fld>
             <a:endParaRPr lang="en-US"/>
           </a:p>
@@ -11707,7 +11851,7 @@
           </a:lstStyle>
           <a:p>
             <a:r>
-              <a:rPr lang="en-US" smtClean="0"/>
+              <a:rPr lang="en-US"/>
               <a:t>Click to edit Master title style</a:t>
             </a:r>
             <a:endParaRPr lang="en-US" dirty="0"/>
@@ -11766,35 +11910,35 @@
           <a:p>
             <a:pPr lvl="0"/>
             <a:r>
-              <a:rPr lang="en-US" smtClean="0"/>
+              <a:rPr lang="en-US"/>
               <a:t>Click to edit Master text styles</a:t>
             </a:r>
           </a:p>
           <a:p>
             <a:pPr lvl="1"/>
             <a:r>
-              <a:rPr lang="en-US" smtClean="0"/>
+              <a:rPr lang="en-US"/>
               <a:t>Second level</a:t>
             </a:r>
           </a:p>
           <a:p>
             <a:pPr lvl="2"/>
             <a:r>
-              <a:rPr lang="en-US" smtClean="0"/>
+              <a:rPr lang="en-US"/>
               <a:t>Third level</a:t>
             </a:r>
           </a:p>
           <a:p>
             <a:pPr lvl="3"/>
             <a:r>
-              <a:rPr lang="en-US" smtClean="0"/>
+              <a:rPr lang="en-US"/>
               <a:t>Fourth level</a:t>
             </a:r>
           </a:p>
           <a:p>
             <a:pPr lvl="4"/>
             <a:r>
-              <a:rPr lang="en-US" smtClean="0"/>
+              <a:rPr lang="en-US"/>
               <a:t>Fifth level</a:t>
             </a:r>
             <a:endParaRPr lang="en-US" dirty="0"/>
@@ -11860,7 +12004,7 @@
           <a:p>
             <a:pPr lvl="0"/>
             <a:r>
-              <a:rPr lang="en-US" smtClean="0"/>
+              <a:rPr lang="en-US"/>
               <a:t>Click to edit Master text styles</a:t>
             </a:r>
           </a:p>
@@ -11883,7 +12027,7 @@
           <a:p>
             <a:fld id="{96FB5D56-0812-4ED5-8B52-3D0DCBF578CB}" type="datetimeFigureOut">
               <a:rPr lang="en-US" smtClean="0"/>
-              <a:t>2/17/2018</a:t>
+              <a:t>5/10/2018</a:t>
             </a:fld>
             <a:endParaRPr lang="en-US"/>
           </a:p>
@@ -11988,7 +12132,7 @@
           </a:lstStyle>
           <a:p>
             <a:r>
-              <a:rPr lang="en-US" smtClean="0"/>
+              <a:rPr lang="en-US"/>
               <a:t>Click to edit Master title style</a:t>
             </a:r>
             <a:endParaRPr lang="en-US" dirty="0"/>
@@ -12067,7 +12211,7 @@
           </a:lstStyle>
           <a:p>
             <a:r>
-              <a:rPr lang="en-US" smtClean="0"/>
+              <a:rPr lang="en-US"/>
               <a:t>Click icon to add picture</a:t>
             </a:r>
             <a:endParaRPr lang="en-US" dirty="0"/>
@@ -12135,7 +12279,7 @@
           <a:p>
             <a:pPr lvl="0"/>
             <a:r>
-              <a:rPr lang="en-US" smtClean="0"/>
+              <a:rPr lang="en-US"/>
               <a:t>Click to edit Master text styles</a:t>
             </a:r>
           </a:p>
@@ -12158,7 +12302,7 @@
           <a:p>
             <a:fld id="{96FB5D56-0812-4ED5-8B52-3D0DCBF578CB}" type="datetimeFigureOut">
               <a:rPr lang="en-US" smtClean="0"/>
-              <a:t>2/17/2018</a:t>
+              <a:t>5/10/2018</a:t>
             </a:fld>
             <a:endParaRPr lang="en-US"/>
           </a:p>
@@ -12482,7 +12626,7 @@
           <a:lstStyle/>
           <a:p>
             <a:r>
-              <a:rPr lang="en-US" smtClean="0"/>
+              <a:rPr lang="en-US"/>
               <a:t>Click to edit Master title style</a:t>
             </a:r>
             <a:endParaRPr lang="en-US" dirty="0"/>
@@ -12516,35 +12660,35 @@
           <a:p>
             <a:pPr lvl="0"/>
             <a:r>
-              <a:rPr lang="en-US" smtClean="0"/>
+              <a:rPr lang="en-US"/>
               <a:t>Click to edit Master text styles</a:t>
             </a:r>
           </a:p>
           <a:p>
             <a:pPr lvl="1"/>
             <a:r>
-              <a:rPr lang="en-US" smtClean="0"/>
+              <a:rPr lang="en-US"/>
               <a:t>Second level</a:t>
             </a:r>
           </a:p>
           <a:p>
             <a:pPr lvl="2"/>
             <a:r>
-              <a:rPr lang="en-US" smtClean="0"/>
+              <a:rPr lang="en-US"/>
               <a:t>Third level</a:t>
             </a:r>
           </a:p>
           <a:p>
             <a:pPr lvl="3"/>
             <a:r>
-              <a:rPr lang="en-US" smtClean="0"/>
+              <a:rPr lang="en-US"/>
               <a:t>Fourth level</a:t>
             </a:r>
           </a:p>
           <a:p>
             <a:pPr lvl="4"/>
             <a:r>
-              <a:rPr lang="en-US" smtClean="0"/>
+              <a:rPr lang="en-US"/>
               <a:t>Fifth level</a:t>
             </a:r>
             <a:endParaRPr lang="en-US" dirty="0"/>
@@ -12587,7 +12731,7 @@
           <a:p>
             <a:fld id="{96FB5D56-0812-4ED5-8B52-3D0DCBF578CB}" type="datetimeFigureOut">
               <a:rPr lang="en-US" smtClean="0"/>
-              <a:t>2/17/2018</a:t>
+              <a:t>5/10/2018</a:t>
             </a:fld>
             <a:endParaRPr lang="en-US"/>
           </a:p>
@@ -13131,14 +13275,13 @@
           <a:lstStyle/>
           <a:p>
             <a:r>
-              <a:rPr lang="en-US" dirty="0" err="1" smtClean="0"/>
+              <a:rPr lang="en-US" dirty="0" err="1"/>
               <a:t>Logols</a:t>
             </a:r>
             <a:r>
-              <a:rPr lang="en-US" dirty="0" smtClean="0"/>
+              <a:rPr lang="en-US" dirty="0"/>
               <a:t> Learning</a:t>
             </a:r>
-            <a:endParaRPr lang="en-US" dirty="0"/>
           </a:p>
         </p:txBody>
       </p:sp>
@@ -13164,11 +13307,11 @@
           </a:p>
           <a:p>
             <a:r>
-              <a:rPr lang="en-US" dirty="0" smtClean="0"/>
+              <a:rPr lang="en-US" dirty="0"/>
               <a:t>Training:  </a:t>
             </a:r>
             <a:r>
-              <a:rPr lang="en-US" dirty="0" err="1" smtClean="0"/>
+              <a:rPr lang="en-US" dirty="0" err="1"/>
               <a:t>sql</a:t>
             </a:r>
             <a:endParaRPr lang="en-US" dirty="0"/>
@@ -13185,13 +13328,6 @@
   <p:clrMapOvr>
     <a:masterClrMapping/>
   </p:clrMapOvr>
-  <p:timing>
-    <p:tnLst>
-      <p:par>
-        <p:cTn id="1" dur="indefinite" restart="never" nodeType="tmRoot"/>
-      </p:par>
-    </p:tnLst>
-  </p:timing>
 </p:sld>
 </file>
 
@@ -13296,13 +13432,6 @@
   <p:clrMapOvr>
     <a:masterClrMapping/>
   </p:clrMapOvr>
-  <p:timing>
-    <p:tnLst>
-      <p:par>
-        <p:cTn id="1" dur="indefinite" restart="never" nodeType="tmRoot"/>
-      </p:par>
-    </p:tnLst>
-  </p:timing>
 </p:sld>
 </file>
 
@@ -13339,10 +13468,9 @@
           <a:lstStyle/>
           <a:p>
             <a:r>
-              <a:rPr lang="en-US" dirty="0" smtClean="0"/>
+              <a:rPr lang="en-US" dirty="0"/>
               <a:t>ASSESSMENT</a:t>
             </a:r>
-            <a:endParaRPr lang="en-US" dirty="0"/>
           </a:p>
         </p:txBody>
       </p:sp>
@@ -13408,13 +13536,6 @@
   <p:clrMapOvr>
     <a:masterClrMapping/>
   </p:clrMapOvr>
-  <p:timing>
-    <p:tnLst>
-      <p:par>
-        <p:cTn id="1" dur="indefinite" restart="never" nodeType="tmRoot"/>
-      </p:par>
-    </p:tnLst>
-  </p:timing>
 </p:sld>
 </file>
 
@@ -13451,14 +13572,13 @@
           <a:lstStyle/>
           <a:p>
             <a:r>
-              <a:rPr lang="en-US" dirty="0" err="1" smtClean="0"/>
+              <a:rPr lang="en-US" dirty="0" err="1"/>
               <a:t>MySql</a:t>
             </a:r>
             <a:r>
-              <a:rPr lang="en-US" dirty="0" smtClean="0"/>
+              <a:rPr lang="en-US" dirty="0"/>
               <a:t> Data Types</a:t>
             </a:r>
-            <a:endParaRPr lang="en-US" dirty="0"/>
           </a:p>
         </p:txBody>
       </p:sp>
@@ -13480,7 +13600,7 @@
           <a:lstStyle/>
           <a:p>
             <a:r>
-              <a:rPr lang="en-US" sz="2800" dirty="0" err="1" smtClean="0"/>
+              <a:rPr lang="en-US" sz="2800" dirty="0" err="1"/>
               <a:t>int</a:t>
             </a:r>
             <a:r>
@@ -13496,45 +13616,45 @@
               <a:t>, </a:t>
             </a:r>
             <a:r>
-              <a:rPr lang="en-US" sz="2800" dirty="0" err="1" smtClean="0"/>
+              <a:rPr lang="en-US" sz="2800" dirty="0" err="1"/>
               <a:t>tinyint</a:t>
             </a:r>
             <a:r>
-              <a:rPr lang="en-US" sz="2800" dirty="0" smtClean="0"/>
+              <a:rPr lang="en-US" sz="2800" dirty="0"/>
               <a:t>, </a:t>
             </a:r>
             <a:r>
-              <a:rPr lang="en-US" sz="2800" dirty="0" err="1" smtClean="0"/>
+              <a:rPr lang="en-US" sz="2800" dirty="0" err="1"/>
               <a:t>bigint</a:t>
             </a:r>
             <a:endParaRPr lang="en-US" sz="2800" dirty="0"/>
           </a:p>
           <a:p>
             <a:r>
-              <a:rPr lang="en-US" sz="2800" dirty="0" smtClean="0"/>
+              <a:rPr lang="en-US" sz="2800" dirty="0"/>
               <a:t>bit</a:t>
             </a:r>
           </a:p>
           <a:p>
             <a:r>
-              <a:rPr lang="en-US" sz="2800" dirty="0" smtClean="0"/>
+              <a:rPr lang="en-US" sz="2800" dirty="0"/>
               <a:t>numeric, decimal</a:t>
             </a:r>
           </a:p>
           <a:p>
             <a:r>
-              <a:rPr lang="en-US" sz="2800" dirty="0" smtClean="0"/>
+              <a:rPr lang="en-US" sz="2800" dirty="0"/>
               <a:t>date, </a:t>
             </a:r>
             <a:r>
-              <a:rPr lang="en-US" sz="2800" dirty="0" err="1" smtClean="0"/>
+              <a:rPr lang="en-US" sz="2800" dirty="0" err="1"/>
               <a:t>datetime</a:t>
             </a:r>
-            <a:endParaRPr lang="en-US" sz="2800" dirty="0" smtClean="0"/>
-          </a:p>
-          <a:p>
-            <a:r>
-              <a:rPr lang="en-US" sz="2800" dirty="0" smtClean="0"/>
+            <a:endParaRPr lang="en-US" sz="2800" dirty="0"/>
+          </a:p>
+          <a:p>
+            <a:r>
+              <a:rPr lang="en-US" sz="2800" dirty="0"/>
               <a:t>char, text, varchar</a:t>
             </a:r>
           </a:p>
@@ -13550,13 +13670,6 @@
   <p:clrMapOvr>
     <a:masterClrMapping/>
   </p:clrMapOvr>
-  <p:timing>
-    <p:tnLst>
-      <p:par>
-        <p:cTn id="1" dur="indefinite" restart="never" nodeType="tmRoot"/>
-      </p:par>
-    </p:tnLst>
-  </p:timing>
 </p:sld>
 </file>
 
@@ -13593,10 +13706,9 @@
           <a:lstStyle/>
           <a:p>
             <a:r>
-              <a:rPr lang="en-US" dirty="0" smtClean="0"/>
+              <a:rPr lang="en-US" dirty="0"/>
               <a:t>Create Table</a:t>
             </a:r>
-            <a:endParaRPr lang="en-US" dirty="0"/>
           </a:p>
         </p:txBody>
       </p:sp>
@@ -13618,14 +13730,14 @@
           <a:lstStyle/>
           <a:p>
             <a:r>
-              <a:rPr lang="en-US" sz="2800" dirty="0" smtClean="0"/>
+              <a:rPr lang="en-US" sz="2800" dirty="0"/>
               <a:t>Components</a:t>
             </a:r>
           </a:p>
           <a:p>
             <a:pPr lvl="1"/>
             <a:r>
-              <a:rPr lang="en-US" sz="2600" dirty="0" smtClean="0"/>
+              <a:rPr lang="en-US" sz="2600" dirty="0"/>
               <a:t>CREATE TABLE</a:t>
             </a:r>
           </a:p>
@@ -13635,33 +13747,32 @@
               <a:rPr lang="en-US" sz="2600" dirty="0"/>
               <a:t>(</a:t>
             </a:r>
-            <a:endParaRPr lang="en-US" sz="2600" dirty="0" smtClean="0"/>
           </a:p>
           <a:p>
             <a:pPr lvl="2"/>
             <a:r>
-              <a:rPr lang="en-US" sz="2400" dirty="0" smtClean="0"/>
+              <a:rPr lang="en-US" sz="2400" dirty="0"/>
               <a:t>Column1 data type,</a:t>
             </a:r>
           </a:p>
           <a:p>
             <a:pPr lvl="2"/>
             <a:r>
-              <a:rPr lang="en-US" sz="2400" dirty="0" smtClean="0"/>
+              <a:rPr lang="en-US" sz="2400" dirty="0"/>
               <a:t>Column2 data type</a:t>
             </a:r>
           </a:p>
           <a:p>
             <a:pPr lvl="1"/>
             <a:r>
-              <a:rPr lang="en-US" sz="2600" dirty="0" smtClean="0"/>
+              <a:rPr lang="en-US" sz="2600" dirty="0"/>
               <a:t>)</a:t>
             </a:r>
             <a:r>
-              <a:rPr lang="en-US" sz="2600" smtClean="0"/>
+              <a:rPr lang="en-US" sz="2600"/>
               <a:t>;</a:t>
             </a:r>
-            <a:endParaRPr lang="en-US" sz="2600" dirty="0" smtClean="0"/>
+            <a:endParaRPr lang="en-US" sz="2600" dirty="0"/>
           </a:p>
         </p:txBody>
       </p:sp>
@@ -13797,13 +13908,6 @@
   <p:clrMapOvr>
     <a:masterClrMapping/>
   </p:clrMapOvr>
-  <p:timing>
-    <p:tnLst>
-      <p:par>
-        <p:cTn id="1" dur="indefinite" restart="never" nodeType="tmRoot"/>
-      </p:par>
-    </p:tnLst>
-  </p:timing>
 </p:sld>
 </file>
 
@@ -13862,10 +13966,9 @@
           <a:lstStyle/>
           <a:p>
             <a:r>
-              <a:rPr lang="en-US" dirty="0" smtClean="0"/>
+              <a:rPr lang="en-US" dirty="0"/>
               <a:t>Database and Tables</a:t>
             </a:r>
-            <a:endParaRPr lang="en-US" dirty="0"/>
           </a:p>
         </p:txBody>
       </p:sp>
@@ -13909,13 +14012,6 @@
   <p:clrMapOvr>
     <a:masterClrMapping/>
   </p:clrMapOvr>
-  <p:timing>
-    <p:tnLst>
-      <p:par>
-        <p:cTn id="1" dur="indefinite" restart="never" nodeType="tmRoot"/>
-      </p:par>
-    </p:tnLst>
-  </p:timing>
 </p:sld>
 </file>
 
@@ -13952,10 +14048,9 @@
           <a:lstStyle/>
           <a:p>
             <a:r>
-              <a:rPr lang="en-US" dirty="0" smtClean="0"/>
+              <a:rPr lang="en-US" dirty="0"/>
               <a:t>ASSESSMENT</a:t>
             </a:r>
-            <a:endParaRPr lang="en-US" dirty="0"/>
           </a:p>
         </p:txBody>
       </p:sp>
@@ -13975,10 +14070,9 @@
           <a:lstStyle/>
           <a:p>
             <a:r>
-              <a:rPr lang="en-US" dirty="0" smtClean="0"/>
+              <a:rPr lang="en-US" dirty="0"/>
               <a:t>Create Tables</a:t>
             </a:r>
-            <a:endParaRPr lang="en-US" dirty="0"/>
           </a:p>
         </p:txBody>
       </p:sp>
@@ -14022,13 +14116,6 @@
   <p:clrMapOvr>
     <a:masterClrMapping/>
   </p:clrMapOvr>
-  <p:timing>
-    <p:tnLst>
-      <p:par>
-        <p:cTn id="1" dur="indefinite" restart="never" nodeType="tmRoot"/>
-      </p:par>
-    </p:tnLst>
-  </p:timing>
 </p:sld>
 </file>
 
@@ -14065,10 +14152,9 @@
           <a:lstStyle/>
           <a:p>
             <a:r>
-              <a:rPr lang="en-US" dirty="0" smtClean="0"/>
+              <a:rPr lang="en-US" dirty="0"/>
               <a:t>Assignment</a:t>
             </a:r>
-            <a:endParaRPr lang="en-US" dirty="0"/>
           </a:p>
         </p:txBody>
       </p:sp>
@@ -14095,69 +14181,69 @@
           <a:lstStyle/>
           <a:p>
             <a:r>
-              <a:rPr lang="en-US" sz="3600" dirty="0" smtClean="0"/>
+              <a:rPr lang="en-US" sz="3600" dirty="0"/>
               <a:t>Create a table named Person with the following columns: </a:t>
             </a:r>
             <a:r>
-              <a:rPr lang="en-US" sz="3600" dirty="0" err="1" smtClean="0"/>
+              <a:rPr lang="en-US" sz="3600" dirty="0" err="1"/>
               <a:t>PersonId</a:t>
             </a:r>
             <a:r>
-              <a:rPr lang="en-US" sz="3600" dirty="0" smtClean="0"/>
+              <a:rPr lang="en-US" sz="3600" dirty="0"/>
               <a:t>, </a:t>
             </a:r>
             <a:r>
-              <a:rPr lang="en-US" sz="3600" dirty="0" err="1" smtClean="0"/>
+              <a:rPr lang="en-US" sz="3600" dirty="0" err="1"/>
               <a:t>FirstName</a:t>
             </a:r>
             <a:r>
-              <a:rPr lang="en-US" sz="3600" dirty="0" smtClean="0"/>
+              <a:rPr lang="en-US" sz="3600" dirty="0"/>
               <a:t>, </a:t>
             </a:r>
             <a:r>
-              <a:rPr lang="en-US" sz="3600" dirty="0" err="1" smtClean="0"/>
+              <a:rPr lang="en-US" sz="3600" dirty="0" err="1"/>
               <a:t>LastName</a:t>
             </a:r>
             <a:r>
-              <a:rPr lang="en-US" sz="3600" dirty="0" smtClean="0"/>
+              <a:rPr lang="en-US" sz="3600" dirty="0"/>
               <a:t>, and </a:t>
             </a:r>
             <a:r>
-              <a:rPr lang="en-US" sz="3600" dirty="0" err="1" smtClean="0"/>
+              <a:rPr lang="en-US" sz="3600" dirty="0" err="1"/>
               <a:t>PersonStatusId</a:t>
             </a:r>
             <a:r>
-              <a:rPr lang="en-US" sz="3600" dirty="0" smtClean="0"/>
+              <a:rPr lang="en-US" sz="3600" dirty="0"/>
               <a:t>.</a:t>
             </a:r>
           </a:p>
           <a:p>
             <a:r>
-              <a:rPr lang="en-US" sz="3600" dirty="0" smtClean="0"/>
+              <a:rPr lang="en-US" sz="3600" dirty="0"/>
               <a:t>Create a table named </a:t>
             </a:r>
             <a:r>
-              <a:rPr lang="en-US" sz="3600" dirty="0" err="1" smtClean="0"/>
+              <a:rPr lang="en-US" sz="3600" dirty="0" err="1"/>
               <a:t>PersonStatus</a:t>
             </a:r>
             <a:r>
-              <a:rPr lang="en-US" sz="3600" dirty="0" smtClean="0"/>
+              <a:rPr lang="en-US" sz="3600" dirty="0"/>
               <a:t> with the following columns:  </a:t>
             </a:r>
             <a:r>
-              <a:rPr lang="en-US" sz="3600" dirty="0" err="1" smtClean="0"/>
+              <a:rPr lang="en-US" sz="3600" dirty="0" err="1"/>
               <a:t>PersonStatusId</a:t>
             </a:r>
             <a:r>
-              <a:rPr lang="en-US" sz="3600" dirty="0" smtClean="0"/>
+              <a:rPr lang="en-US" sz="3600" dirty="0"/>
               <a:t> and </a:t>
             </a:r>
             <a:r>
-              <a:rPr lang="en-US" sz="3600" dirty="0" err="1" smtClean="0"/>
+              <a:rPr lang="en-US" sz="3600" dirty="0" err="1"/>
               <a:t>StatusDescription</a:t>
             </a:r>
             <a:r>
-              <a:rPr lang="en-US" sz="3600" dirty="0" smtClean="0"/>
+              <a:rPr lang="en-US" sz="3600" dirty="0"/>
               <a:t>.</a:t>
             </a:r>
           </a:p>
@@ -14238,10 +14324,9 @@
           <a:lstStyle/>
           <a:p>
             <a:r>
-              <a:rPr lang="en-US" dirty="0" smtClean="0"/>
+              <a:rPr lang="en-US" dirty="0"/>
               <a:t>Assignment</a:t>
             </a:r>
-            <a:endParaRPr lang="en-US" dirty="0"/>
           </a:p>
         </p:txBody>
       </p:sp>
@@ -14268,15 +14353,15 @@
           <a:lstStyle/>
           <a:p>
             <a:r>
-              <a:rPr lang="en-US" sz="3600" dirty="0" smtClean="0"/>
+              <a:rPr lang="en-US" sz="3600" dirty="0"/>
               <a:t>Insert the following statuses into the </a:t>
             </a:r>
             <a:r>
-              <a:rPr lang="en-US" sz="3600" dirty="0" err="1" smtClean="0"/>
+              <a:rPr lang="en-US" sz="3600" dirty="0" err="1"/>
               <a:t>PersonStatus</a:t>
             </a:r>
             <a:r>
-              <a:rPr lang="en-US" sz="3600" dirty="0" smtClean="0"/>
+              <a:rPr lang="en-US" sz="3600" dirty="0"/>
               <a:t> table:</a:t>
             </a:r>
           </a:p>
@@ -14289,7 +14374,7 @@
           </a:p>
           <a:p>
             <a:r>
-              <a:rPr lang="en-US" sz="3600" dirty="0" smtClean="0"/>
+              <a:rPr lang="en-US" sz="3600" dirty="0"/>
               <a:t>Insert people into the Person table.</a:t>
             </a:r>
           </a:p>
@@ -14370,10 +14455,9 @@
           <a:lstStyle/>
           <a:p>
             <a:r>
-              <a:rPr lang="en-US" dirty="0" smtClean="0"/>
+              <a:rPr lang="en-US" dirty="0"/>
               <a:t>Assignment</a:t>
             </a:r>
-            <a:endParaRPr lang="en-US" dirty="0"/>
           </a:p>
         </p:txBody>
       </p:sp>
@@ -14400,25 +14484,25 @@
           <a:lstStyle/>
           <a:p>
             <a:r>
-              <a:rPr lang="en-US" sz="3600" dirty="0" smtClean="0"/>
+              <a:rPr lang="en-US" sz="3600" dirty="0"/>
               <a:t>Perform a select of all people.</a:t>
             </a:r>
           </a:p>
           <a:p>
             <a:r>
-              <a:rPr lang="en-US" sz="3600" dirty="0" smtClean="0"/>
+              <a:rPr lang="en-US" sz="3600" dirty="0"/>
               <a:t>Select all people that have an unknown status.</a:t>
             </a:r>
           </a:p>
           <a:p>
             <a:r>
-              <a:rPr lang="en-US" sz="3600" dirty="0" smtClean="0"/>
+              <a:rPr lang="en-US" sz="3600" dirty="0"/>
               <a:t>Select all people that are alive or have an unknown status.</a:t>
             </a:r>
           </a:p>
           <a:p>
             <a:r>
-              <a:rPr lang="en-US" sz="3600" dirty="0" smtClean="0"/>
+              <a:rPr lang="en-US" sz="3600" dirty="0"/>
               <a:t>Select all people that are alive and have first name Tom.</a:t>
             </a:r>
           </a:p>
@@ -14499,10 +14583,9 @@
           <a:lstStyle/>
           <a:p>
             <a:r>
-              <a:rPr lang="en-US" dirty="0" smtClean="0"/>
+              <a:rPr lang="en-US" dirty="0"/>
               <a:t>Assignment</a:t>
             </a:r>
-            <a:endParaRPr lang="en-US" dirty="0"/>
           </a:p>
         </p:txBody>
       </p:sp>
@@ -14529,13 +14612,13 @@
           <a:lstStyle/>
           <a:p>
             <a:r>
-              <a:rPr lang="en-US" sz="3600" dirty="0" smtClean="0"/>
+              <a:rPr lang="en-US" sz="3600" dirty="0"/>
               <a:t>Update the status to Zombie for a given person based upon their name that currently has a status of Alive.</a:t>
             </a:r>
           </a:p>
           <a:p>
             <a:r>
-              <a:rPr lang="en-US" sz="3600" dirty="0" smtClean="0"/>
+              <a:rPr lang="en-US" sz="3600" dirty="0"/>
               <a:t>Delete every person that is dead.</a:t>
             </a:r>
           </a:p>
@@ -14616,7 +14699,7 @@
           <a:lstStyle/>
           <a:p>
             <a:r>
-              <a:rPr lang="en-US" dirty="0" err="1" smtClean="0"/>
+              <a:rPr lang="en-US" dirty="0" err="1"/>
               <a:t>MySql</a:t>
             </a:r>
             <a:endParaRPr lang="en-US" dirty="0"/>
@@ -14641,22 +14724,21 @@
           <a:lstStyle/>
           <a:p>
             <a:r>
-              <a:rPr lang="en-US" sz="2800" dirty="0" smtClean="0"/>
+              <a:rPr lang="en-US" sz="2800" dirty="0"/>
               <a:t>Database</a:t>
             </a:r>
           </a:p>
           <a:p>
             <a:r>
-              <a:rPr lang="en-US" sz="2800" dirty="0" smtClean="0"/>
+              <a:rPr lang="en-US" sz="2800" dirty="0"/>
               <a:t>Tables</a:t>
             </a:r>
-            <a:endParaRPr lang="en-US" sz="2800" dirty="0"/>
           </a:p>
           <a:p>
             <a:pPr marL="0" indent="0">
               <a:buNone/>
             </a:pPr>
-            <a:endParaRPr lang="en-US" dirty="0" smtClean="0"/>
+            <a:endParaRPr lang="en-US" dirty="0"/>
           </a:p>
         </p:txBody>
       </p:sp>
@@ -14699,13 +14781,6 @@
   <p:clrMapOvr>
     <a:masterClrMapping/>
   </p:clrMapOvr>
-  <p:timing>
-    <p:tnLst>
-      <p:par>
-        <p:cTn id="1" dur="indefinite" restart="never" nodeType="tmRoot"/>
-      </p:par>
-    </p:tnLst>
-  </p:timing>
 </p:sld>
 </file>
 
@@ -14742,10 +14817,9 @@
           <a:lstStyle/>
           <a:p>
             <a:r>
-              <a:rPr lang="en-US" dirty="0" smtClean="0"/>
+              <a:rPr lang="en-US" dirty="0"/>
               <a:t>Join Types</a:t>
             </a:r>
-            <a:endParaRPr lang="en-US" dirty="0"/>
           </a:p>
         </p:txBody>
       </p:sp>
@@ -14767,19 +14841,19 @@
           <a:lstStyle/>
           <a:p>
             <a:r>
-              <a:rPr lang="en-US" sz="2800" dirty="0" smtClean="0"/>
+              <a:rPr lang="en-US" sz="2800" dirty="0"/>
               <a:t>Inner Join</a:t>
             </a:r>
           </a:p>
           <a:p>
             <a:r>
-              <a:rPr lang="en-US" sz="2800" dirty="0" smtClean="0"/>
+              <a:rPr lang="en-US" sz="2800" dirty="0"/>
               <a:t>Left Outer Join</a:t>
             </a:r>
           </a:p>
           <a:p>
             <a:r>
-              <a:rPr lang="en-US" sz="2800" dirty="0" smtClean="0"/>
+              <a:rPr lang="en-US" sz="2800" dirty="0"/>
               <a:t>Right Outer Join</a:t>
             </a:r>
           </a:p>
@@ -14860,10 +14934,9 @@
           <a:lstStyle/>
           <a:p>
             <a:r>
-              <a:rPr lang="en-US" dirty="0" smtClean="0"/>
+              <a:rPr lang="en-US" dirty="0"/>
               <a:t>Inner Join</a:t>
             </a:r>
-            <a:endParaRPr lang="en-US" dirty="0"/>
           </a:p>
         </p:txBody>
       </p:sp>
@@ -14885,7 +14958,7 @@
           <a:lstStyle/>
           <a:p>
             <a:r>
-              <a:rPr lang="en-US" sz="2800" dirty="0" smtClean="0"/>
+              <a:rPr lang="en-US" sz="2800" dirty="0"/>
               <a:t>Every row from the first table will be matched with every row from the second table based upon the on conditions specified.</a:t>
             </a:r>
           </a:p>
@@ -14957,7 +15030,7 @@
               <a:buNone/>
             </a:pPr>
             <a:r>
-              <a:rPr lang="en-US" sz="2800" dirty="0" smtClean="0"/>
+              <a:rPr lang="en-US" sz="2800" dirty="0"/>
               <a:t>INNER JOIN </a:t>
             </a:r>
             <a:r>
@@ -14966,11 +15039,7 @@
             </a:r>
             <a:r>
               <a:rPr lang="en-US" sz="2800" dirty="0"/>
-              <a:t> </a:t>
-            </a:r>
-            <a:r>
-              <a:rPr lang="en-US" sz="2800" dirty="0" smtClean="0"/>
-              <a:t>t</a:t>
+              <a:t> t</a:t>
             </a:r>
           </a:p>
           <a:p>
@@ -14978,19 +15047,19 @@
               <a:buNone/>
             </a:pPr>
             <a:r>
-              <a:rPr lang="en-US" sz="2800" dirty="0" smtClean="0"/>
+              <a:rPr lang="en-US" sz="2800" dirty="0"/>
               <a:t>ON </a:t>
             </a:r>
             <a:r>
-              <a:rPr lang="en-US" sz="2800" dirty="0" err="1" smtClean="0"/>
+              <a:rPr lang="en-US" sz="2800" dirty="0" err="1"/>
               <a:t>c.TeacherId</a:t>
             </a:r>
             <a:r>
-              <a:rPr lang="en-US" sz="2800" dirty="0" smtClean="0"/>
+              <a:rPr lang="en-US" sz="2800" dirty="0"/>
               <a:t> = </a:t>
             </a:r>
             <a:r>
-              <a:rPr lang="en-US" sz="2800" dirty="0" err="1" smtClean="0"/>
+              <a:rPr lang="en-US" sz="2800" dirty="0" err="1"/>
               <a:t>t.TeacherId</a:t>
             </a:r>
             <a:endParaRPr lang="en-US" sz="2800" dirty="0"/>
@@ -15043,10 +15112,9 @@
           <a:lstStyle/>
           <a:p>
             <a:r>
-              <a:rPr lang="en-US" dirty="0" smtClean="0"/>
+              <a:rPr lang="en-US" dirty="0"/>
               <a:t>Left Outer Join</a:t>
             </a:r>
-            <a:endParaRPr lang="en-US" dirty="0"/>
           </a:p>
         </p:txBody>
       </p:sp>
@@ -15068,7 +15136,7 @@
           <a:lstStyle/>
           <a:p>
             <a:r>
-              <a:rPr lang="en-US" sz="2800" dirty="0" smtClean="0"/>
+              <a:rPr lang="en-US" sz="2800" dirty="0"/>
               <a:t>Every row from the first table will be returned and results from the second table will be included only if the condition matches.</a:t>
             </a:r>
           </a:p>
@@ -15140,7 +15208,7 @@
               <a:buNone/>
             </a:pPr>
             <a:r>
-              <a:rPr lang="en-US" sz="2800" dirty="0" smtClean="0"/>
+              <a:rPr lang="en-US" sz="2800" dirty="0"/>
               <a:t>LEFT OUTER JOIN </a:t>
             </a:r>
             <a:r>
@@ -15149,11 +15217,7 @@
             </a:r>
             <a:r>
               <a:rPr lang="en-US" sz="2800" dirty="0"/>
-              <a:t> </a:t>
-            </a:r>
-            <a:r>
-              <a:rPr lang="en-US" sz="2800" dirty="0" smtClean="0"/>
-              <a:t>t</a:t>
+              <a:t> t</a:t>
             </a:r>
           </a:p>
           <a:p>
@@ -15161,19 +15225,19 @@
               <a:buNone/>
             </a:pPr>
             <a:r>
-              <a:rPr lang="en-US" sz="2800" dirty="0" smtClean="0"/>
+              <a:rPr lang="en-US" sz="2800" dirty="0"/>
               <a:t>ON </a:t>
             </a:r>
             <a:r>
-              <a:rPr lang="en-US" sz="2800" dirty="0" err="1" smtClean="0"/>
+              <a:rPr lang="en-US" sz="2800" dirty="0" err="1"/>
               <a:t>c.TeacherId</a:t>
             </a:r>
             <a:r>
-              <a:rPr lang="en-US" sz="2800" dirty="0" smtClean="0"/>
+              <a:rPr lang="en-US" sz="2800" dirty="0"/>
               <a:t> = </a:t>
             </a:r>
             <a:r>
-              <a:rPr lang="en-US" sz="2800" dirty="0" err="1" smtClean="0"/>
+              <a:rPr lang="en-US" sz="2800" dirty="0" err="1"/>
               <a:t>t.TeacherId</a:t>
             </a:r>
             <a:endParaRPr lang="en-US" sz="2800" dirty="0"/>
@@ -15226,10 +15290,9 @@
           <a:lstStyle/>
           <a:p>
             <a:r>
-              <a:rPr lang="en-US" dirty="0" smtClean="0"/>
+              <a:rPr lang="en-US" dirty="0"/>
               <a:t>Right Outer Join</a:t>
             </a:r>
-            <a:endParaRPr lang="en-US" dirty="0"/>
           </a:p>
         </p:txBody>
       </p:sp>
@@ -15251,7 +15314,7 @@
           <a:lstStyle/>
           <a:p>
             <a:r>
-              <a:rPr lang="en-US" sz="2800" dirty="0" smtClean="0"/>
+              <a:rPr lang="en-US" sz="2800" dirty="0"/>
               <a:t>Every row from the second table will be returned and results from the first table will be included only if the condition matches.</a:t>
             </a:r>
           </a:p>
@@ -15323,7 +15386,7 @@
               <a:buNone/>
             </a:pPr>
             <a:r>
-              <a:rPr lang="en-US" sz="2800" dirty="0" smtClean="0"/>
+              <a:rPr lang="en-US" sz="2800" dirty="0"/>
               <a:t>RIGHT OUTER JOIN </a:t>
             </a:r>
             <a:r>
@@ -15332,11 +15395,7 @@
             </a:r>
             <a:r>
               <a:rPr lang="en-US" sz="2800" dirty="0"/>
-              <a:t> </a:t>
-            </a:r>
-            <a:r>
-              <a:rPr lang="en-US" sz="2800" dirty="0" smtClean="0"/>
-              <a:t>t</a:t>
+              <a:t> t</a:t>
             </a:r>
           </a:p>
           <a:p>
@@ -15344,19 +15403,19 @@
               <a:buNone/>
             </a:pPr>
             <a:r>
-              <a:rPr lang="en-US" sz="2800" dirty="0" smtClean="0"/>
+              <a:rPr lang="en-US" sz="2800" dirty="0"/>
               <a:t>ON </a:t>
             </a:r>
             <a:r>
-              <a:rPr lang="en-US" sz="2800" dirty="0" err="1" smtClean="0"/>
+              <a:rPr lang="en-US" sz="2800" dirty="0" err="1"/>
               <a:t>c.TeacherId</a:t>
             </a:r>
             <a:r>
-              <a:rPr lang="en-US" sz="2800" dirty="0" smtClean="0"/>
+              <a:rPr lang="en-US" sz="2800" dirty="0"/>
               <a:t> = </a:t>
             </a:r>
             <a:r>
-              <a:rPr lang="en-US" sz="2800" dirty="0" err="1" smtClean="0"/>
+              <a:rPr lang="en-US" sz="2800" dirty="0" err="1"/>
               <a:t>t.TeacherId</a:t>
             </a:r>
             <a:endParaRPr lang="en-US" sz="2800" dirty="0"/>
@@ -15409,10 +15468,9 @@
           <a:lstStyle/>
           <a:p>
             <a:r>
-              <a:rPr lang="en-US" dirty="0" smtClean="0"/>
+              <a:rPr lang="en-US" dirty="0"/>
               <a:t>Table Alias</a:t>
             </a:r>
-            <a:endParaRPr lang="en-US" dirty="0"/>
           </a:p>
         </p:txBody>
       </p:sp>
@@ -15434,13 +15492,13 @@
           <a:lstStyle/>
           <a:p>
             <a:r>
-              <a:rPr lang="en-US" sz="2800" dirty="0" smtClean="0"/>
+              <a:rPr lang="en-US" sz="2800" dirty="0"/>
               <a:t>Short name that can be given to a table</a:t>
             </a:r>
           </a:p>
           <a:p>
             <a:r>
-              <a:rPr lang="en-US" sz="2800" dirty="0" smtClean="0"/>
+              <a:rPr lang="en-US" sz="2800" dirty="0"/>
               <a:t>Example:</a:t>
             </a:r>
           </a:p>
@@ -15449,61 +15507,61 @@
               <a:buNone/>
             </a:pPr>
             <a:r>
-              <a:rPr lang="en-US" sz="2800" dirty="0" smtClean="0"/>
+              <a:rPr lang="en-US" sz="2800" dirty="0"/>
               <a:t>SELECT </a:t>
             </a:r>
             <a:r>
-              <a:rPr lang="en-US" sz="2800" dirty="0" err="1" smtClean="0"/>
+              <a:rPr lang="en-US" sz="2800" dirty="0" err="1"/>
               <a:t>c.ClassId</a:t>
             </a:r>
             <a:r>
-              <a:rPr lang="en-US" sz="2800" dirty="0" smtClean="0"/>
+              <a:rPr lang="en-US" sz="2800" dirty="0"/>
               <a:t>, </a:t>
             </a:r>
             <a:r>
-              <a:rPr lang="en-US" sz="2800" dirty="0" err="1" smtClean="0"/>
+              <a:rPr lang="en-US" sz="2800" dirty="0" err="1"/>
               <a:t>c.ClassName</a:t>
             </a:r>
             <a:r>
-              <a:rPr lang="en-US" sz="2800" dirty="0" smtClean="0"/>
+              <a:rPr lang="en-US" sz="2800" dirty="0"/>
               <a:t>, </a:t>
             </a:r>
             <a:r>
-              <a:rPr lang="en-US" sz="2800" dirty="0" err="1" smtClean="0"/>
+              <a:rPr lang="en-US" sz="2800" dirty="0" err="1"/>
               <a:t>t.TeacherId</a:t>
             </a:r>
             <a:r>
-              <a:rPr lang="en-US" sz="2800" dirty="0" smtClean="0"/>
+              <a:rPr lang="en-US" sz="2800" dirty="0"/>
               <a:t>, </a:t>
             </a:r>
             <a:r>
-              <a:rPr lang="en-US" sz="2800" dirty="0" err="1" smtClean="0"/>
+              <a:rPr lang="en-US" sz="2800" dirty="0" err="1"/>
               <a:t>t.FirstName</a:t>
             </a:r>
             <a:r>
-              <a:rPr lang="en-US" sz="2800" dirty="0" smtClean="0"/>
+              <a:rPr lang="en-US" sz="2800" dirty="0"/>
               <a:t>, </a:t>
             </a:r>
             <a:r>
-              <a:rPr lang="en-US" sz="2800" dirty="0" err="1" smtClean="0"/>
+              <a:rPr lang="en-US" sz="2800" dirty="0" err="1"/>
               <a:t>t.LastName</a:t>
             </a:r>
-            <a:endParaRPr lang="en-US" sz="2800" dirty="0" smtClean="0"/>
+            <a:endParaRPr lang="en-US" sz="2800" dirty="0"/>
           </a:p>
           <a:p>
             <a:pPr marL="45720" indent="0">
               <a:buNone/>
             </a:pPr>
             <a:r>
-              <a:rPr lang="en-US" sz="2800" dirty="0" smtClean="0"/>
+              <a:rPr lang="en-US" sz="2800" dirty="0"/>
               <a:t>FROM </a:t>
             </a:r>
             <a:r>
-              <a:rPr lang="en-US" sz="2800" dirty="0" err="1" smtClean="0"/>
+              <a:rPr lang="en-US" sz="2800" dirty="0" err="1"/>
               <a:t>dbo.Class</a:t>
             </a:r>
             <a:r>
-              <a:rPr lang="en-US" sz="2800" dirty="0" smtClean="0"/>
+              <a:rPr lang="en-US" sz="2800" dirty="0"/>
               <a:t> c</a:t>
             </a:r>
           </a:p>
@@ -15512,15 +15570,15 @@
               <a:buNone/>
             </a:pPr>
             <a:r>
-              <a:rPr lang="en-US" sz="2800" dirty="0" smtClean="0"/>
+              <a:rPr lang="en-US" sz="2800" dirty="0"/>
               <a:t>INNER JOIN </a:t>
             </a:r>
             <a:r>
-              <a:rPr lang="en-US" sz="2800" dirty="0" err="1" smtClean="0"/>
+              <a:rPr lang="en-US" sz="2800" dirty="0" err="1"/>
               <a:t>dbo.Teacher</a:t>
             </a:r>
             <a:r>
-              <a:rPr lang="en-US" sz="2800" dirty="0" smtClean="0"/>
+              <a:rPr lang="en-US" sz="2800" dirty="0"/>
               <a:t> t</a:t>
             </a:r>
           </a:p>
@@ -15529,22 +15587,22 @@
               <a:buNone/>
             </a:pPr>
             <a:r>
-              <a:rPr lang="en-US" sz="2800" dirty="0" smtClean="0"/>
+              <a:rPr lang="en-US" sz="2800" dirty="0"/>
               <a:t>ON </a:t>
             </a:r>
             <a:r>
-              <a:rPr lang="en-US" sz="2800" dirty="0" err="1" smtClean="0"/>
+              <a:rPr lang="en-US" sz="2800" dirty="0" err="1"/>
               <a:t>c.TeacherId</a:t>
             </a:r>
             <a:r>
-              <a:rPr lang="en-US" sz="2800" dirty="0" smtClean="0"/>
+              <a:rPr lang="en-US" sz="2800" dirty="0"/>
               <a:t> = </a:t>
             </a:r>
             <a:r>
-              <a:rPr lang="en-US" sz="2800" dirty="0" err="1" smtClean="0"/>
+              <a:rPr lang="en-US" sz="2800" dirty="0" err="1"/>
               <a:t>t.TeacherId</a:t>
             </a:r>
-            <a:endParaRPr lang="en-US" sz="2800" dirty="0" smtClean="0"/>
+            <a:endParaRPr lang="en-US" sz="2800" dirty="0"/>
           </a:p>
         </p:txBody>
       </p:sp>
@@ -15594,10 +15652,9 @@
           <a:lstStyle/>
           <a:p>
             <a:r>
-              <a:rPr lang="en-US" dirty="0" smtClean="0"/>
+              <a:rPr lang="en-US" dirty="0"/>
               <a:t>Column Alias</a:t>
             </a:r>
-            <a:endParaRPr lang="en-US" dirty="0"/>
           </a:p>
         </p:txBody>
       </p:sp>
@@ -15619,13 +15676,13 @@
           <a:lstStyle/>
           <a:p>
             <a:r>
-              <a:rPr lang="en-US" sz="2800" dirty="0" smtClean="0"/>
+              <a:rPr lang="en-US" sz="2800" dirty="0"/>
               <a:t>Short name that can be given to a column</a:t>
             </a:r>
           </a:p>
           <a:p>
             <a:r>
-              <a:rPr lang="en-US" sz="2800" dirty="0" smtClean="0"/>
+              <a:rPr lang="en-US" sz="2800" dirty="0"/>
               <a:t>Example:</a:t>
             </a:r>
           </a:p>
@@ -15634,77 +15691,77 @@
               <a:buNone/>
             </a:pPr>
             <a:r>
-              <a:rPr lang="en-US" sz="2800" dirty="0" smtClean="0"/>
+              <a:rPr lang="en-US" sz="2800" dirty="0"/>
               <a:t>SELECT </a:t>
             </a:r>
             <a:r>
-              <a:rPr lang="en-US" sz="2800" dirty="0" err="1" smtClean="0"/>
+              <a:rPr lang="en-US" sz="2800" dirty="0" err="1"/>
               <a:t>c.ClassId</a:t>
             </a:r>
             <a:r>
-              <a:rPr lang="en-US" sz="2800" dirty="0" smtClean="0"/>
+              <a:rPr lang="en-US" sz="2800" dirty="0"/>
               <a:t>, </a:t>
             </a:r>
             <a:r>
-              <a:rPr lang="en-US" sz="2800" dirty="0" err="1" smtClean="0"/>
+              <a:rPr lang="en-US" sz="2800" dirty="0" err="1"/>
               <a:t>c.ClassName</a:t>
             </a:r>
             <a:r>
-              <a:rPr lang="en-US" sz="2800" dirty="0" smtClean="0"/>
+              <a:rPr lang="en-US" sz="2800" dirty="0"/>
               <a:t>, </a:t>
             </a:r>
             <a:r>
-              <a:rPr lang="en-US" sz="2800" dirty="0" err="1" smtClean="0"/>
+              <a:rPr lang="en-US" sz="2800" dirty="0" err="1"/>
               <a:t>t.TeacherId</a:t>
             </a:r>
             <a:r>
-              <a:rPr lang="en-US" sz="2800" dirty="0" smtClean="0"/>
+              <a:rPr lang="en-US" sz="2800" dirty="0"/>
               <a:t>, </a:t>
             </a:r>
             <a:r>
-              <a:rPr lang="en-US" sz="2800" dirty="0" err="1" smtClean="0"/>
+              <a:rPr lang="en-US" sz="2800" dirty="0" err="1"/>
               <a:t>t.FirstName</a:t>
             </a:r>
             <a:r>
-              <a:rPr lang="en-US" sz="2800" dirty="0" smtClean="0"/>
+              <a:rPr lang="en-US" sz="2800" dirty="0"/>
               <a:t> AS </a:t>
             </a:r>
             <a:r>
-              <a:rPr lang="en-US" sz="2800" dirty="0" err="1" smtClean="0"/>
+              <a:rPr lang="en-US" sz="2800" dirty="0" err="1"/>
               <a:t>TeacherFirstName</a:t>
             </a:r>
             <a:r>
-              <a:rPr lang="en-US" sz="2800" dirty="0" smtClean="0"/>
+              <a:rPr lang="en-US" sz="2800" dirty="0"/>
               <a:t>, </a:t>
             </a:r>
             <a:r>
-              <a:rPr lang="en-US" sz="2800" dirty="0" err="1" smtClean="0"/>
+              <a:rPr lang="en-US" sz="2800" dirty="0" err="1"/>
               <a:t>t.LastName</a:t>
             </a:r>
             <a:r>
-              <a:rPr lang="en-US" sz="2800" dirty="0" smtClean="0"/>
+              <a:rPr lang="en-US" sz="2800" dirty="0"/>
               <a:t> AS </a:t>
             </a:r>
             <a:r>
-              <a:rPr lang="en-US" sz="2800" dirty="0" err="1" smtClean="0"/>
+              <a:rPr lang="en-US" sz="2800" dirty="0" err="1"/>
               <a:t>TeacherLastName</a:t>
             </a:r>
-            <a:endParaRPr lang="en-US" sz="2800" dirty="0" smtClean="0"/>
+            <a:endParaRPr lang="en-US" sz="2800" dirty="0"/>
           </a:p>
           <a:p>
             <a:pPr marL="45720" indent="0">
               <a:buNone/>
             </a:pPr>
             <a:r>
-              <a:rPr lang="en-US" sz="2800" dirty="0" smtClean="0"/>
+              <a:rPr lang="en-US" sz="2800" dirty="0"/>
               <a:t>FROM </a:t>
             </a:r>
             <a:r>
-              <a:rPr lang="en-US" sz="2800" dirty="0" err="1" smtClean="0"/>
+              <a:rPr lang="en-US" sz="2800" dirty="0" err="1"/>
               <a:t>dbo.Class</a:t>
             </a:r>
             <a:r>
-              <a:rPr lang="en-US" sz="2800" dirty="0" smtClean="0"/>
+              <a:rPr lang="en-US" sz="2800" dirty="0"/>
               <a:t> c</a:t>
             </a:r>
           </a:p>
@@ -15713,15 +15770,15 @@
               <a:buNone/>
             </a:pPr>
             <a:r>
-              <a:rPr lang="en-US" sz="2800" dirty="0" smtClean="0"/>
+              <a:rPr lang="en-US" sz="2800" dirty="0"/>
               <a:t>INNER JOIN </a:t>
             </a:r>
             <a:r>
-              <a:rPr lang="en-US" sz="2800" dirty="0" err="1" smtClean="0"/>
+              <a:rPr lang="en-US" sz="2800" dirty="0" err="1"/>
               <a:t>dbo.Teacher</a:t>
             </a:r>
             <a:r>
-              <a:rPr lang="en-US" sz="2800" dirty="0" smtClean="0"/>
+              <a:rPr lang="en-US" sz="2800" dirty="0"/>
               <a:t> t</a:t>
             </a:r>
           </a:p>
@@ -15730,22 +15787,22 @@
               <a:buNone/>
             </a:pPr>
             <a:r>
-              <a:rPr lang="en-US" sz="2800" dirty="0" smtClean="0"/>
+              <a:rPr lang="en-US" sz="2800" dirty="0"/>
               <a:t>ON </a:t>
             </a:r>
             <a:r>
-              <a:rPr lang="en-US" sz="2800" dirty="0" err="1" smtClean="0"/>
+              <a:rPr lang="en-US" sz="2800" dirty="0" err="1"/>
               <a:t>c.TeacherId</a:t>
             </a:r>
             <a:r>
-              <a:rPr lang="en-US" sz="2800" dirty="0" smtClean="0"/>
+              <a:rPr lang="en-US" sz="2800" dirty="0"/>
               <a:t> = </a:t>
             </a:r>
             <a:r>
-              <a:rPr lang="en-US" sz="2800" dirty="0" err="1" smtClean="0"/>
+              <a:rPr lang="en-US" sz="2800" dirty="0" err="1"/>
               <a:t>t.TeacherId</a:t>
             </a:r>
-            <a:endParaRPr lang="en-US" sz="2800" dirty="0" smtClean="0"/>
+            <a:endParaRPr lang="en-US" sz="2800" dirty="0"/>
           </a:p>
         </p:txBody>
       </p:sp>
@@ -15817,10 +15874,9 @@
           <a:lstStyle/>
           <a:p>
             <a:r>
-              <a:rPr lang="en-US" dirty="0" smtClean="0"/>
+              <a:rPr lang="en-US" dirty="0"/>
               <a:t>Joins</a:t>
             </a:r>
-            <a:endParaRPr lang="en-US" dirty="0"/>
           </a:p>
         </p:txBody>
       </p:sp>
@@ -15864,13 +15920,6 @@
   <p:clrMapOvr>
     <a:masterClrMapping/>
   </p:clrMapOvr>
-  <p:timing>
-    <p:tnLst>
-      <p:par>
-        <p:cTn id="1" dur="indefinite" restart="never" nodeType="tmRoot"/>
-      </p:par>
-    </p:tnLst>
-  </p:timing>
 </p:sld>
 </file>
 
@@ -15907,10 +15956,9 @@
           <a:lstStyle/>
           <a:p>
             <a:r>
-              <a:rPr lang="en-US" dirty="0" smtClean="0"/>
+              <a:rPr lang="en-US" dirty="0"/>
               <a:t>ASSESSMENT</a:t>
             </a:r>
-            <a:endParaRPr lang="en-US" dirty="0"/>
           </a:p>
         </p:txBody>
       </p:sp>
@@ -15930,10 +15978,9 @@
           <a:lstStyle/>
           <a:p>
             <a:r>
-              <a:rPr lang="en-US" dirty="0" smtClean="0"/>
+              <a:rPr lang="en-US" dirty="0"/>
               <a:t>Joins</a:t>
             </a:r>
-            <a:endParaRPr lang="en-US" dirty="0"/>
           </a:p>
         </p:txBody>
       </p:sp>
@@ -15977,13 +16024,6 @@
   <p:clrMapOvr>
     <a:masterClrMapping/>
   </p:clrMapOvr>
-  <p:timing>
-    <p:tnLst>
-      <p:par>
-        <p:cTn id="1" dur="indefinite" restart="never" nodeType="tmRoot"/>
-      </p:par>
-    </p:tnLst>
-  </p:timing>
 </p:sld>
 </file>
 
@@ -16020,10 +16060,9 @@
           <a:lstStyle/>
           <a:p>
             <a:r>
-              <a:rPr lang="en-US" dirty="0" smtClean="0"/>
+              <a:rPr lang="en-US" dirty="0"/>
               <a:t>Assignment</a:t>
             </a:r>
-            <a:endParaRPr lang="en-US" dirty="0"/>
           </a:p>
         </p:txBody>
       </p:sp>
@@ -16050,13 +16089,13 @@
           <a:lstStyle/>
           <a:p>
             <a:r>
-              <a:rPr lang="en-US" sz="3600" dirty="0" smtClean="0"/>
+              <a:rPr lang="en-US" sz="3600" dirty="0"/>
               <a:t>Select all statuses joined with people to get a full list of everyone and their status.</a:t>
             </a:r>
           </a:p>
           <a:p>
             <a:r>
-              <a:rPr lang="en-US" sz="3600" dirty="0" smtClean="0"/>
+              <a:rPr lang="en-US" sz="3600" dirty="0"/>
               <a:t>Change the select so that it shows all statuses regardless of whether the status is currently associated with any person.</a:t>
             </a:r>
           </a:p>
@@ -16137,10 +16176,9 @@
           <a:lstStyle/>
           <a:p>
             <a:r>
-              <a:rPr lang="en-US" dirty="0" smtClean="0"/>
+              <a:rPr lang="en-US" dirty="0"/>
               <a:t>What is an ORM?</a:t>
             </a:r>
-            <a:endParaRPr lang="en-US" dirty="0"/>
           </a:p>
         </p:txBody>
       </p:sp>
@@ -16162,25 +16200,25 @@
           <a:lstStyle/>
           <a:p>
             <a:r>
-              <a:rPr lang="en-US" sz="2800" dirty="0" smtClean="0"/>
+              <a:rPr lang="en-US" sz="2800" dirty="0"/>
               <a:t>Object Relational Mapper</a:t>
             </a:r>
           </a:p>
           <a:p>
             <a:r>
-              <a:rPr lang="en-US" sz="2800" dirty="0" smtClean="0"/>
+              <a:rPr lang="en-US" sz="2800" dirty="0"/>
               <a:t>Mismatch between Object Model and Relational Model</a:t>
             </a:r>
           </a:p>
           <a:p>
             <a:r>
-              <a:rPr lang="en-US" sz="2800" dirty="0" smtClean="0"/>
+              <a:rPr lang="en-US" sz="2800" dirty="0"/>
               <a:t>ORM converts between the two</a:t>
             </a:r>
           </a:p>
           <a:p>
             <a:r>
-              <a:rPr lang="en-US" sz="2800" dirty="0" smtClean="0"/>
+              <a:rPr lang="en-US" sz="2800" dirty="0"/>
               <a:t>Provides Query and Persistence Capability</a:t>
             </a:r>
           </a:p>
@@ -16235,14 +16273,13 @@
           <a:lstStyle/>
           <a:p>
             <a:r>
-              <a:rPr lang="en-US" dirty="0" err="1" smtClean="0"/>
+              <a:rPr lang="en-US" dirty="0" err="1"/>
               <a:t>MySql</a:t>
             </a:r>
             <a:r>
-              <a:rPr lang="en-US" dirty="0" smtClean="0"/>
+              <a:rPr lang="en-US" dirty="0"/>
               <a:t> Workbench</a:t>
             </a:r>
-            <a:endParaRPr lang="en-US" dirty="0"/>
           </a:p>
         </p:txBody>
       </p:sp>
@@ -16275,13 +16312,6 @@
   <p:clrMapOvr>
     <a:masterClrMapping/>
   </p:clrMapOvr>
-  <p:timing>
-    <p:tnLst>
-      <p:par>
-        <p:cTn id="1" dur="indefinite" restart="never" nodeType="tmRoot"/>
-      </p:par>
-    </p:tnLst>
-  </p:timing>
 </p:sld>
 </file>
 
@@ -16318,10 +16348,9 @@
           <a:lstStyle/>
           <a:p>
             <a:r>
-              <a:rPr lang="en-US" dirty="0" smtClean="0"/>
+              <a:rPr lang="en-US" dirty="0"/>
               <a:t>Entity Framework</a:t>
             </a:r>
-            <a:endParaRPr lang="en-US" dirty="0"/>
           </a:p>
         </p:txBody>
       </p:sp>
@@ -16343,32 +16372,31 @@
           <a:lstStyle/>
           <a:p>
             <a:r>
-              <a:rPr lang="en-US" sz="2800" dirty="0" smtClean="0"/>
+              <a:rPr lang="en-US" sz="2800" dirty="0"/>
               <a:t>Implementation of an ORM</a:t>
             </a:r>
           </a:p>
           <a:p>
             <a:r>
-              <a:rPr lang="en-US" sz="2800" dirty="0" smtClean="0"/>
+              <a:rPr lang="en-US" sz="2800" dirty="0"/>
               <a:t>Created by Microsoft</a:t>
             </a:r>
           </a:p>
           <a:p>
             <a:r>
-              <a:rPr lang="en-US" sz="2800" dirty="0" err="1" smtClean="0"/>
+              <a:rPr lang="en-US" sz="2800" dirty="0" err="1"/>
               <a:t>Linq</a:t>
             </a:r>
             <a:r>
-              <a:rPr lang="en-US" sz="2800" dirty="0" smtClean="0"/>
+              <a:rPr lang="en-US" sz="2800" dirty="0"/>
               <a:t> Syntax used for Queries</a:t>
             </a:r>
           </a:p>
           <a:p>
             <a:r>
-              <a:rPr lang="en-US" sz="2800" dirty="0" smtClean="0"/>
+              <a:rPr lang="en-US" sz="2800" dirty="0"/>
               <a:t>Data Model First vs. Code First</a:t>
             </a:r>
-            <a:endParaRPr lang="en-US" sz="2800" dirty="0"/>
           </a:p>
         </p:txBody>
       </p:sp>
@@ -16418,10 +16446,9 @@
           <a:lstStyle/>
           <a:p>
             <a:r>
-              <a:rPr lang="en-US" dirty="0" smtClean="0"/>
+              <a:rPr lang="en-US" dirty="0"/>
               <a:t>Dapper</a:t>
             </a:r>
-            <a:endParaRPr lang="en-US" dirty="0"/>
           </a:p>
         </p:txBody>
       </p:sp>
@@ -16443,42 +16470,41 @@
           <a:lstStyle/>
           <a:p>
             <a:r>
-              <a:rPr lang="en-US" sz="2800" dirty="0" smtClean="0"/>
+              <a:rPr lang="en-US" sz="2800" dirty="0"/>
               <a:t>Micro ORM</a:t>
             </a:r>
           </a:p>
           <a:p>
             <a:r>
-              <a:rPr lang="en-US" sz="2800" dirty="0" smtClean="0"/>
+              <a:rPr lang="en-US" sz="2800" dirty="0"/>
               <a:t>Performs only mapping and nothing else</a:t>
             </a:r>
           </a:p>
           <a:p>
             <a:r>
-              <a:rPr lang="en-US" sz="2800" dirty="0" smtClean="0"/>
+              <a:rPr lang="en-US" sz="2800" dirty="0"/>
               <a:t>Fast</a:t>
             </a:r>
           </a:p>
           <a:p>
             <a:r>
-              <a:rPr lang="en-US" sz="2800" dirty="0" smtClean="0"/>
+              <a:rPr lang="en-US" sz="2800" dirty="0"/>
               <a:t>Why are we using it?</a:t>
             </a:r>
           </a:p>
           <a:p>
             <a:pPr lvl="1"/>
             <a:r>
-              <a:rPr lang="en-US" sz="2800" dirty="0" smtClean="0"/>
+              <a:rPr lang="en-US" sz="2800" dirty="0"/>
               <a:t>Allows practice with database queries</a:t>
             </a:r>
           </a:p>
           <a:p>
             <a:pPr lvl="1"/>
             <a:r>
-              <a:rPr lang="en-US" sz="2800" dirty="0" smtClean="0"/>
+              <a:rPr lang="en-US" sz="2800" dirty="0"/>
               <a:t>Visibility into database and application interaction</a:t>
             </a:r>
-            <a:endParaRPr lang="en-US" sz="2800" dirty="0"/>
           </a:p>
         </p:txBody>
       </p:sp>
@@ -16528,10 +16554,9 @@
           <a:lstStyle/>
           <a:p>
             <a:r>
-              <a:rPr lang="en-US" dirty="0" smtClean="0"/>
-              <a:t>Base Repository</a:t>
-            </a:r>
-            <a:endParaRPr lang="en-US" dirty="0"/>
+              <a:rPr lang="en-US" dirty="0"/>
+              <a:t>Connection String Configuration</a:t>
+            </a:r>
           </a:p>
         </p:txBody>
       </p:sp>
@@ -16548,158 +16573,55 @@
         <p:spPr/>
         <p:txBody>
           <a:bodyPr>
-            <a:normAutofit fontScale="77500" lnSpcReduction="20000"/>
+            <a:normAutofit/>
           </a:bodyPr>
           <a:lstStyle/>
           <a:p>
-            <a:pPr marL="0" indent="0">
-              <a:buNone/>
-            </a:pPr>
-            <a:r>
-              <a:rPr lang="en-US" sz="2800" dirty="0" smtClean="0"/>
-              <a:t>Private string </a:t>
-            </a:r>
-            <a:r>
-              <a:rPr lang="en-US" sz="2800" dirty="0" err="1" smtClean="0"/>
-              <a:t>connectionString</a:t>
-            </a:r>
-            <a:r>
-              <a:rPr lang="en-US" sz="2800" dirty="0" smtClean="0"/>
-              <a:t> </a:t>
-            </a:r>
             <a:r>
               <a:rPr lang="en-US" sz="2800" dirty="0"/>
-              <a:t>= @"</a:t>
-            </a:r>
-            <a:r>
-              <a:rPr lang="en-US" sz="2800" dirty="0" smtClean="0"/>
-              <a:t>server=</a:t>
-            </a:r>
-            <a:r>
-              <a:rPr lang="en-US" sz="2800" dirty="0" err="1" smtClean="0"/>
-              <a:t>localhost;port</a:t>
-            </a:r>
-            <a:r>
-              <a:rPr lang="en-US" sz="2800" dirty="0" smtClean="0"/>
-              <a:t>=3306;database=</a:t>
-            </a:r>
-            <a:r>
-              <a:rPr lang="en-US" sz="2800" dirty="0" err="1" smtClean="0"/>
-              <a:t>Assessment;user</a:t>
-            </a:r>
-            <a:r>
-              <a:rPr lang="en-US" sz="2800" dirty="0" smtClean="0"/>
-              <a:t>=[user];password=[password]“;</a:t>
-            </a:r>
-            <a:endParaRPr lang="en-US" sz="2800" dirty="0"/>
-          </a:p>
-          <a:p>
-            <a:pPr marL="0" indent="0">
-              <a:buNone/>
-            </a:pPr>
+              <a:t>Instead of hard coding</a:t>
+            </a:r>
+          </a:p>
+          <a:p>
+            <a:r>
+              <a:rPr lang="en-US" sz="2800" dirty="0" err="1"/>
+              <a:t>appSettings.json</a:t>
+            </a:r>
             <a:r>
               <a:rPr lang="en-US" sz="2800" dirty="0"/>
-              <a:t/>
-            </a:r>
-            <a:br>
+              <a:t> file</a:t>
+            </a:r>
+          </a:p>
+          <a:p>
+            <a:r>
               <a:rPr lang="en-US" sz="2800" dirty="0"/>
-            </a:br>
+              <a:t>Read configurations from file</a:t>
+            </a:r>
+          </a:p>
+          <a:p>
+            <a:r>
+              <a:rPr lang="en-US" sz="2800" dirty="0" err="1"/>
+              <a:t>Nuget</a:t>
+            </a:r>
             <a:r>
               <a:rPr lang="en-US" sz="2800" dirty="0"/>
-              <a:t>public </a:t>
-            </a:r>
-            <a:r>
-              <a:rPr lang="en-US" sz="2800" dirty="0" err="1"/>
-              <a:t>IDbConnection</a:t>
-            </a:r>
-            <a:r>
-              <a:rPr lang="en-US" sz="2800" dirty="0"/>
-              <a:t> Connection</a:t>
-            </a:r>
-          </a:p>
-          <a:p>
-            <a:pPr marL="0" indent="0">
-              <a:buNone/>
-            </a:pPr>
-            <a:r>
-              <a:rPr lang="en-US" sz="2800" dirty="0"/>
-              <a:t>{</a:t>
-            </a:r>
-          </a:p>
-          <a:p>
-            <a:pPr marL="0" indent="0">
-              <a:buNone/>
-            </a:pPr>
-            <a:r>
-              <a:rPr lang="en-US" sz="2800" dirty="0" smtClean="0"/>
-              <a:t>   get</a:t>
-            </a:r>
-            <a:endParaRPr lang="en-US" sz="2800" dirty="0"/>
-          </a:p>
-          <a:p>
-            <a:pPr marL="0" indent="0">
-              <a:buNone/>
-            </a:pPr>
-            <a:r>
-              <a:rPr lang="en-US" sz="2800" dirty="0" smtClean="0"/>
-              <a:t>   {</a:t>
-            </a:r>
-            <a:endParaRPr lang="en-US" sz="2800" dirty="0"/>
-          </a:p>
-          <a:p>
-            <a:pPr marL="0" indent="0">
-              <a:buNone/>
-            </a:pPr>
-            <a:r>
-              <a:rPr lang="en-US" sz="2800" dirty="0" smtClean="0"/>
-              <a:t>      return </a:t>
-            </a:r>
-            <a:r>
-              <a:rPr lang="en-US" sz="2800" dirty="0"/>
-              <a:t>new </a:t>
-            </a:r>
-            <a:r>
-              <a:rPr lang="en-US" sz="2800" dirty="0" err="1"/>
-              <a:t>MySqlConnection</a:t>
-            </a:r>
-            <a:r>
-              <a:rPr lang="en-US" sz="2800" dirty="0"/>
-              <a:t>(</a:t>
-            </a:r>
-            <a:r>
-              <a:rPr lang="en-US" sz="2800" dirty="0" err="1"/>
-              <a:t>connectionString</a:t>
-            </a:r>
-            <a:r>
-              <a:rPr lang="en-US" sz="2800" dirty="0"/>
-              <a:t>);</a:t>
-            </a:r>
-          </a:p>
-          <a:p>
-            <a:pPr marL="0" indent="0">
-              <a:buNone/>
-            </a:pPr>
-            <a:r>
-              <a:rPr lang="en-US" sz="2800" dirty="0" smtClean="0"/>
-              <a:t>   }</a:t>
-            </a:r>
-            <a:endParaRPr lang="en-US" sz="2800" dirty="0"/>
-          </a:p>
-          <a:p>
-            <a:pPr marL="0" indent="0">
-              <a:buNone/>
-            </a:pPr>
-            <a:r>
-              <a:rPr lang="en-US" sz="2800" dirty="0"/>
-              <a:t>}</a:t>
-            </a:r>
+              <a:t> Package:  </a:t>
+            </a:r>
+          </a:p>
+          <a:p>
+            <a:pPr lvl="1"/>
+            <a:r>
+              <a:rPr lang="en-US" sz="2600" dirty="0" err="1"/>
+              <a:t>Microsoft.Extensions.Configuration.Json</a:t>
+            </a:r>
+            <a:endParaRPr lang="en-US" sz="2600" dirty="0"/>
           </a:p>
         </p:txBody>
       </p:sp>
     </p:spTree>
     <p:extLst>
       <p:ext uri="{BB962C8B-B14F-4D97-AF65-F5344CB8AC3E}">
-        <p14:creationId xmlns:p14="http://schemas.microsoft.com/office/powerpoint/2010/main" val="1164535486"/>
+        <p14:creationId xmlns:p14="http://schemas.microsoft.com/office/powerpoint/2010/main" val="3981164533"/>
       </p:ext>
     </p:extLst>
   </p:cSld>
@@ -16742,10 +16664,9 @@
           <a:lstStyle/>
           <a:p>
             <a:r>
-              <a:rPr lang="en-US" dirty="0" smtClean="0"/>
-              <a:t>Repository</a:t>
-            </a:r>
-            <a:endParaRPr lang="en-US" dirty="0"/>
+              <a:rPr lang="en-US" dirty="0"/>
+              <a:t>Base Repository</a:t>
+            </a:r>
           </a:p>
         </p:txBody>
       </p:sp>
@@ -16759,10 +16680,15 @@
             <p:ph idx="1"/>
           </p:nvPr>
         </p:nvSpPr>
-        <p:spPr/>
+        <p:spPr>
+          <a:xfrm>
+            <a:off x="1103312" y="1308100"/>
+            <a:ext cx="10442577" cy="4940299"/>
+          </a:xfrm>
+        </p:spPr>
         <p:txBody>
           <a:bodyPr>
-            <a:normAutofit lnSpcReduction="10000"/>
+            <a:noAutofit/>
           </a:bodyPr>
           <a:lstStyle/>
           <a:p>
@@ -16770,24 +16696,23 @@
               <a:buNone/>
             </a:pPr>
             <a:r>
-              <a:rPr lang="en-US" dirty="0"/>
-              <a:t>public Subject Get(</a:t>
-            </a:r>
-            <a:r>
-              <a:rPr lang="en-US" dirty="0" err="1"/>
-              <a:t>int</a:t>
-            </a:r>
-            <a:r>
-              <a:rPr lang="en-US" dirty="0"/>
-              <a:t> </a:t>
-            </a:r>
-            <a:r>
-              <a:rPr lang="en-US" dirty="0" err="1"/>
-              <a:t>subjectID</a:t>
-            </a:r>
-            <a:r>
-              <a:rPr lang="en-US" dirty="0"/>
-              <a:t>)</a:t>
+              <a:rPr lang="en-US" sz="1600" dirty="0"/>
+              <a:t>private string </a:t>
+            </a:r>
+            <a:r>
+              <a:rPr lang="en-US" sz="1600" dirty="0" err="1"/>
+              <a:t>connectionString</a:t>
+            </a:r>
+            <a:r>
+              <a:rPr lang="en-US" sz="1600" dirty="0"/>
+              <a:t>;</a:t>
+            </a:r>
+            <a:br>
+              <a:rPr lang="en-US" sz="1600" dirty="0"/>
+            </a:br>
+            <a:r>
+              <a:rPr lang="en-US" sz="1600" dirty="0"/>
+              <a:t>public Repository()</a:t>
             </a:r>
           </a:p>
           <a:p>
@@ -16795,7 +16720,7 @@
               <a:buNone/>
             </a:pPr>
             <a:r>
-              <a:rPr lang="en-US" dirty="0"/>
+              <a:rPr lang="en-US" sz="1600" dirty="0"/>
               <a:t>{</a:t>
             </a:r>
           </a:p>
@@ -16804,28 +16729,150 @@
               <a:buNone/>
             </a:pPr>
             <a:r>
-              <a:rPr lang="en-US" dirty="0" smtClean="0"/>
-              <a:t>   using </a:t>
-            </a:r>
-            <a:r>
-              <a:rPr lang="en-US" dirty="0"/>
+              <a:rPr lang="en-US" sz="1600" dirty="0"/>
+              <a:t>	var builder = new </a:t>
+            </a:r>
+            <a:r>
+              <a:rPr lang="en-US" sz="1600" dirty="0" err="1"/>
+              <a:t>ConfigurationBuilder</a:t>
+            </a:r>
+            <a:r>
+              <a:rPr lang="en-US" sz="1600" dirty="0"/>
+              <a:t>()</a:t>
+            </a:r>
+          </a:p>
+          <a:p>
+            <a:pPr marL="0" indent="0">
+              <a:buNone/>
+            </a:pPr>
+            <a:r>
+              <a:rPr lang="en-US" sz="1600" dirty="0"/>
+              <a:t>		.</a:t>
+            </a:r>
+            <a:r>
+              <a:rPr lang="en-US" sz="1600" dirty="0" err="1"/>
+              <a:t>SetBasePath</a:t>
+            </a:r>
+            <a:r>
+              <a:rPr lang="en-US" sz="1600" dirty="0"/>
               <a:t>(</a:t>
             </a:r>
             <a:r>
-              <a:rPr lang="en-US" dirty="0" err="1"/>
+              <a:rPr lang="en-US" sz="1600" dirty="0" err="1"/>
+              <a:t>Directory.GetCurrentDirectory</a:t>
+            </a:r>
+            <a:r>
+              <a:rPr lang="en-US" sz="1600" dirty="0"/>
+              <a:t>())</a:t>
+            </a:r>
+          </a:p>
+          <a:p>
+            <a:pPr marL="0" indent="0">
+              <a:buNone/>
+            </a:pPr>
+            <a:r>
+              <a:rPr lang="en-US" sz="1600" dirty="0"/>
+              <a:t>		.</a:t>
+            </a:r>
+            <a:r>
+              <a:rPr lang="en-US" sz="1600" dirty="0" err="1"/>
+              <a:t>AddJsonFile</a:t>
+            </a:r>
+            <a:r>
+              <a:rPr lang="en-US" sz="1600" dirty="0"/>
+              <a:t>("</a:t>
+            </a:r>
+            <a:r>
+              <a:rPr lang="en-US" sz="1600" dirty="0" err="1"/>
+              <a:t>appsettings.json</a:t>
+            </a:r>
+            <a:r>
+              <a:rPr lang="en-US" sz="1600" dirty="0"/>
+              <a:t>");</a:t>
+            </a:r>
+          </a:p>
+          <a:p>
+            <a:pPr marL="0" indent="0">
+              <a:buNone/>
+            </a:pPr>
+            <a:r>
+              <a:rPr lang="en-US" sz="1600" dirty="0"/>
+              <a:t>	var </a:t>
+            </a:r>
+            <a:r>
+              <a:rPr lang="en-US" sz="1600" dirty="0" err="1"/>
+              <a:t>connectionStringConfig</a:t>
+            </a:r>
+            <a:r>
+              <a:rPr lang="en-US" sz="1600" dirty="0"/>
+              <a:t> = </a:t>
+            </a:r>
+            <a:r>
+              <a:rPr lang="en-US" sz="1600" dirty="0" err="1"/>
+              <a:t>builder.Build</a:t>
+            </a:r>
+            <a:r>
+              <a:rPr lang="en-US" sz="1600" dirty="0"/>
+              <a:t>();</a:t>
+            </a:r>
+          </a:p>
+          <a:p>
+            <a:pPr marL="0" indent="0">
+              <a:buNone/>
+            </a:pPr>
+            <a:r>
+              <a:rPr lang="en-US" sz="1600" dirty="0"/>
+              <a:t>	</a:t>
+            </a:r>
+            <a:r>
+              <a:rPr lang="en-US" sz="1600" dirty="0" err="1"/>
+              <a:t>connectionString</a:t>
+            </a:r>
+            <a:r>
+              <a:rPr lang="en-US" sz="1600" dirty="0"/>
+              <a:t> = </a:t>
+            </a:r>
+            <a:r>
+              <a:rPr lang="en-US" sz="1600" dirty="0" err="1"/>
+              <a:t>connectionStringConfig.GetConnectionString</a:t>
+            </a:r>
+            <a:r>
+              <a:rPr lang="en-US" sz="1600" dirty="0"/>
+              <a:t>("</a:t>
+            </a:r>
+            <a:r>
+              <a:rPr lang="en-US" sz="1600" dirty="0" err="1"/>
+              <a:t>DefaultConnection</a:t>
+            </a:r>
+            <a:r>
+              <a:rPr lang="en-US" sz="1600" dirty="0"/>
+              <a:t>");</a:t>
+            </a:r>
+          </a:p>
+          <a:p>
+            <a:pPr marL="0" indent="0">
+              <a:buNone/>
+            </a:pPr>
+            <a:r>
+              <a:rPr lang="en-US" sz="1600" dirty="0"/>
+              <a:t>}</a:t>
+            </a:r>
+          </a:p>
+          <a:p>
+            <a:pPr marL="0" indent="0">
+              <a:buNone/>
+            </a:pPr>
+            <a:r>
+              <a:rPr lang="en-US" sz="1600" dirty="0"/>
+              <a:t>public </a:t>
+            </a:r>
+            <a:r>
+              <a:rPr lang="en-US" sz="1600" dirty="0" err="1"/>
               <a:t>IDbConnection</a:t>
             </a:r>
             <a:r>
-              <a:rPr lang="en-US" dirty="0"/>
-              <a:t> </a:t>
-            </a:r>
-            <a:r>
-              <a:rPr lang="en-US" dirty="0" err="1"/>
-              <a:t>dbConnection</a:t>
-            </a:r>
-            <a:r>
-              <a:rPr lang="en-US" dirty="0"/>
-              <a:t> = Connection)</a:t>
+              <a:rPr lang="en-US" sz="1600" dirty="0"/>
+              <a:t> Connection</a:t>
             </a:r>
           </a:p>
           <a:p>
@@ -16833,26 +16880,33 @@
               <a:buNone/>
             </a:pPr>
             <a:r>
-              <a:rPr lang="en-US" dirty="0" smtClean="0"/>
-              <a:t>   {</a:t>
-            </a:r>
-            <a:endParaRPr lang="en-US" dirty="0"/>
+              <a:rPr lang="en-US" sz="1600" dirty="0"/>
+              <a:t>{</a:t>
+            </a:r>
           </a:p>
           <a:p>
             <a:pPr marL="0" indent="0">
               <a:buNone/>
             </a:pPr>
             <a:r>
-              <a:rPr lang="en-US" dirty="0" smtClean="0"/>
-              <a:t>      </a:t>
-            </a:r>
-            <a:r>
-              <a:rPr lang="en-US" dirty="0" err="1" smtClean="0"/>
-              <a:t>dbConnection.Open</a:t>
-            </a:r>
-            <a:r>
-              <a:rPr lang="en-US" dirty="0"/>
-              <a:t>();</a:t>
+              <a:rPr lang="en-US" sz="1600" dirty="0"/>
+              <a:t>	get { return new </a:t>
+            </a:r>
+            <a:r>
+              <a:rPr lang="en-US" sz="1600" dirty="0" err="1"/>
+              <a:t>MySqlConnection</a:t>
+            </a:r>
+            <a:r>
+              <a:rPr lang="en-US" sz="1600" dirty="0"/>
+              <a:t>(</a:t>
+            </a:r>
+            <a:r>
+              <a:rPr lang="en-US" sz="1600" dirty="0" err="1"/>
+              <a:t>connectionString</a:t>
+            </a:r>
+            <a:r>
+              <a:rPr lang="en-US" sz="1600" dirty="0"/>
+              <a:t>); }</a:t>
             </a:r>
           </a:p>
           <a:p>
@@ -16860,118 +16914,7 @@
               <a:buNone/>
             </a:pPr>
             <a:r>
-              <a:rPr lang="en-US" dirty="0" smtClean="0"/>
-              <a:t>      return </a:t>
-            </a:r>
-            <a:r>
-              <a:rPr lang="en-US" dirty="0" err="1"/>
-              <a:t>dbConnection.Query</a:t>
-            </a:r>
-            <a:r>
-              <a:rPr lang="en-US" dirty="0"/>
-              <a:t>&lt;Subject</a:t>
-            </a:r>
-            <a:r>
-              <a:rPr lang="en-US" dirty="0" smtClean="0"/>
-              <a:t>&gt;("</a:t>
-            </a:r>
-            <a:r>
-              <a:rPr lang="en-US" dirty="0"/>
-              <a:t>Select </a:t>
-            </a:r>
-            <a:r>
-              <a:rPr lang="en-US" dirty="0" err="1"/>
-              <a:t>SubjectId</a:t>
-            </a:r>
-            <a:r>
-              <a:rPr lang="en-US" dirty="0"/>
-              <a:t>, Name, Description From Subject Where </a:t>
-            </a:r>
-            <a:r>
-              <a:rPr lang="en-US" dirty="0" err="1" smtClean="0"/>
-              <a:t>SubjectId</a:t>
-            </a:r>
-            <a:r>
-              <a:rPr lang="en-US" dirty="0"/>
-              <a:t> </a:t>
-            </a:r>
-            <a:r>
-              <a:rPr lang="en-US" dirty="0" smtClean="0"/>
-              <a:t>= @</a:t>
-            </a:r>
-            <a:r>
-              <a:rPr lang="en-US" dirty="0" err="1" smtClean="0"/>
-              <a:t>SubjectId</a:t>
-            </a:r>
-            <a:r>
-              <a:rPr lang="en-US" dirty="0" smtClean="0"/>
-              <a:t>", </a:t>
-            </a:r>
-            <a:r>
-              <a:rPr lang="en-US" dirty="0"/>
-              <a:t>new { </a:t>
-            </a:r>
-            <a:r>
-              <a:rPr lang="en-US" dirty="0" err="1"/>
-              <a:t>SubjectId</a:t>
-            </a:r>
-            <a:r>
-              <a:rPr lang="en-US" dirty="0"/>
-              <a:t> = </a:t>
-            </a:r>
-            <a:r>
-              <a:rPr lang="en-US" dirty="0" err="1"/>
-              <a:t>subjectID</a:t>
-            </a:r>
-            <a:r>
-              <a:rPr lang="en-US" dirty="0"/>
-              <a:t> </a:t>
-            </a:r>
-            <a:r>
-              <a:rPr lang="en-US" dirty="0" smtClean="0"/>
-              <a:t>}, </a:t>
-            </a:r>
-            <a:r>
-              <a:rPr lang="en-US" dirty="0" err="1"/>
-              <a:t>commandType</a:t>
-            </a:r>
-            <a:r>
-              <a:rPr lang="en-US" dirty="0"/>
-              <a:t>: </a:t>
-            </a:r>
-            <a:r>
-              <a:rPr lang="en-US" dirty="0" err="1"/>
-              <a:t>CommandType.Text</a:t>
-            </a:r>
-            <a:r>
-              <a:rPr lang="en-US" dirty="0"/>
-              <a:t>).</a:t>
-            </a:r>
-            <a:r>
-              <a:rPr lang="en-US" dirty="0" err="1"/>
-              <a:t>FirstOrDefault</a:t>
-            </a:r>
-            <a:r>
-              <a:rPr lang="en-US" dirty="0"/>
-              <a:t>();</a:t>
-            </a:r>
-          </a:p>
-          <a:p>
-            <a:pPr marL="0" indent="0">
-              <a:buNone/>
-            </a:pPr>
-            <a:r>
-              <a:rPr lang="en-US" dirty="0" smtClean="0"/>
-              <a:t>   }</a:t>
-            </a:r>
-            <a:endParaRPr lang="en-US" dirty="0"/>
-          </a:p>
-          <a:p>
-            <a:pPr marL="0" indent="0">
-              <a:buNone/>
-            </a:pPr>
-            <a:r>
-              <a:rPr lang="en-US" dirty="0"/>
+              <a:rPr lang="en-US" sz="1600" dirty="0"/>
               <a:t>}</a:t>
             </a:r>
           </a:p>
@@ -16980,7 +16923,7 @@
     </p:spTree>
     <p:extLst>
       <p:ext uri="{BB962C8B-B14F-4D97-AF65-F5344CB8AC3E}">
-        <p14:creationId xmlns:p14="http://schemas.microsoft.com/office/powerpoint/2010/main" val="487611550"/>
+        <p14:creationId xmlns:p14="http://schemas.microsoft.com/office/powerpoint/2010/main" val="1164535486"/>
       </p:ext>
     </p:extLst>
   </p:cSld>
@@ -17023,10 +16966,9 @@
           <a:lstStyle/>
           <a:p>
             <a:r>
-              <a:rPr lang="en-US" dirty="0" smtClean="0"/>
-              <a:t>CLI Commands</a:t>
-            </a:r>
-            <a:endParaRPr lang="en-US" dirty="0"/>
+              <a:rPr lang="en-US" dirty="0"/>
+              <a:t>Repository</a:t>
+            </a:r>
           </a:p>
         </p:txBody>
       </p:sp>
@@ -17043,137 +16985,199 @@
         <p:spPr/>
         <p:txBody>
           <a:bodyPr>
-            <a:normAutofit fontScale="92500" lnSpcReduction="10000"/>
+            <a:normAutofit lnSpcReduction="10000"/>
           </a:bodyPr>
           <a:lstStyle/>
           <a:p>
-            <a:r>
-              <a:rPr lang="en-US" sz="2800" dirty="0" err="1" smtClean="0"/>
-              <a:t>mkdir</a:t>
-            </a:r>
-            <a:r>
-              <a:rPr lang="en-US" sz="2800" dirty="0" smtClean="0"/>
-              <a:t> – Create Directory</a:t>
-            </a:r>
-          </a:p>
-          <a:p>
-            <a:r>
-              <a:rPr lang="en-US" sz="2800" dirty="0"/>
-              <a:t>c</a:t>
-            </a:r>
-            <a:r>
-              <a:rPr lang="en-US" sz="2800" dirty="0" smtClean="0"/>
-              <a:t>d – Change Directory</a:t>
-            </a:r>
-          </a:p>
-          <a:p>
-            <a:r>
-              <a:rPr lang="en-US" sz="2800" dirty="0" smtClean="0"/>
-              <a:t>Add project</a:t>
-            </a:r>
-            <a:r>
-              <a:rPr lang="en-US" sz="2800" dirty="0"/>
-              <a:t>:</a:t>
-            </a:r>
-          </a:p>
-          <a:p>
-            <a:pPr lvl="1"/>
-            <a:r>
-              <a:rPr lang="en-US" sz="2600" dirty="0" err="1"/>
-              <a:t>dotnet</a:t>
-            </a:r>
-            <a:r>
-              <a:rPr lang="en-US" sz="2600" dirty="0"/>
-              <a:t> new </a:t>
-            </a:r>
-            <a:r>
-              <a:rPr lang="en-US" sz="2600" dirty="0" err="1"/>
-              <a:t>classlib</a:t>
-            </a:r>
-            <a:endParaRPr lang="en-US" sz="2600" dirty="0"/>
-          </a:p>
-          <a:p>
-            <a:pPr lvl="1"/>
-            <a:r>
-              <a:rPr lang="en-US" sz="2600" dirty="0" err="1" smtClean="0"/>
-              <a:t>dotnet</a:t>
-            </a:r>
-            <a:r>
-              <a:rPr lang="en-US" sz="2600" dirty="0" smtClean="0"/>
+            <a:pPr marL="0" indent="0">
+              <a:buNone/>
+            </a:pPr>
+            <a:r>
+              <a:rPr lang="en-US" dirty="0"/>
+              <a:t>public Subject Get(</a:t>
+            </a:r>
+            <a:r>
+              <a:rPr lang="en-US" dirty="0" err="1"/>
+              <a:t>int</a:t>
+            </a:r>
+            <a:r>
+              <a:rPr lang="en-US" dirty="0"/>
               <a:t> </a:t>
             </a:r>
             <a:r>
-              <a:rPr lang="en-US" sz="2600" dirty="0"/>
-              <a:t>new </a:t>
-            </a:r>
-            <a:r>
-              <a:rPr lang="en-US" sz="2600" dirty="0" err="1"/>
-              <a:t>webapi</a:t>
-            </a:r>
-            <a:endParaRPr lang="en-US" sz="2600" dirty="0"/>
-          </a:p>
-          <a:p>
-            <a:r>
-              <a:rPr lang="en-US" sz="2800" dirty="0" smtClean="0"/>
-              <a:t>Add reference:</a:t>
-            </a:r>
-          </a:p>
-          <a:p>
-            <a:pPr lvl="1"/>
-            <a:r>
-              <a:rPr lang="en-US" sz="2600" dirty="0" err="1" smtClean="0"/>
-              <a:t>dotnet</a:t>
-            </a:r>
-            <a:r>
-              <a:rPr lang="en-US" sz="2600" dirty="0" smtClean="0"/>
-              <a:t> add reference [path]/[</a:t>
-            </a:r>
-            <a:r>
-              <a:rPr lang="en-US" sz="2600" dirty="0" err="1" smtClean="0"/>
-              <a:t>name.csproj</a:t>
-            </a:r>
-            <a:r>
-              <a:rPr lang="en-US" sz="2600" dirty="0" smtClean="0"/>
-              <a:t>]</a:t>
-            </a:r>
-          </a:p>
-          <a:p>
-            <a:pPr lvl="1"/>
-            <a:r>
-              <a:rPr lang="en-US" sz="2600" dirty="0" err="1"/>
-              <a:t>dotnet</a:t>
-            </a:r>
-            <a:r>
-              <a:rPr lang="en-US" sz="2600" dirty="0"/>
-              <a:t> add package </a:t>
-            </a:r>
-            <a:r>
-              <a:rPr lang="en-US" sz="2600" dirty="0" smtClean="0"/>
-              <a:t>Dapper</a:t>
-            </a:r>
-          </a:p>
-          <a:p>
-            <a:pPr lvl="1"/>
-            <a:r>
-              <a:rPr lang="en-US" sz="2600" dirty="0" err="1"/>
-              <a:t>dotnet</a:t>
-            </a:r>
-            <a:r>
-              <a:rPr lang="en-US" sz="2600" dirty="0"/>
-              <a:t> add package </a:t>
-            </a:r>
-            <a:r>
-              <a:rPr lang="en-US" sz="2600" dirty="0" err="1"/>
-              <a:t>MySql.Data</a:t>
-            </a:r>
-            <a:endParaRPr lang="en-US" sz="2600" dirty="0"/>
+              <a:rPr lang="en-US" dirty="0" err="1"/>
+              <a:t>subjectID</a:t>
+            </a:r>
+            <a:r>
+              <a:rPr lang="en-US" dirty="0"/>
+              <a:t>)</a:t>
+            </a:r>
+          </a:p>
+          <a:p>
+            <a:pPr marL="0" indent="0">
+              <a:buNone/>
+            </a:pPr>
+            <a:r>
+              <a:rPr lang="en-US" dirty="0"/>
+              <a:t>{</a:t>
+            </a:r>
+          </a:p>
+          <a:p>
+            <a:pPr marL="0" indent="0">
+              <a:buNone/>
+            </a:pPr>
+            <a:r>
+              <a:rPr lang="en-US" dirty="0"/>
+              <a:t>   using (</a:t>
+            </a:r>
+            <a:r>
+              <a:rPr lang="en-US" dirty="0" err="1"/>
+              <a:t>IDbConnection</a:t>
+            </a:r>
+            <a:r>
+              <a:rPr lang="en-US" dirty="0"/>
+              <a:t> </a:t>
+            </a:r>
+            <a:r>
+              <a:rPr lang="en-US" dirty="0" err="1"/>
+              <a:t>dbConnection</a:t>
+            </a:r>
+            <a:r>
+              <a:rPr lang="en-US" dirty="0"/>
+              <a:t> = Connection)</a:t>
+            </a:r>
+          </a:p>
+          <a:p>
+            <a:pPr marL="0" indent="0">
+              <a:buNone/>
+            </a:pPr>
+            <a:r>
+              <a:rPr lang="en-US" dirty="0"/>
+              <a:t>   {</a:t>
+            </a:r>
+          </a:p>
+          <a:p>
+            <a:pPr marL="0" indent="0">
+              <a:buNone/>
+            </a:pPr>
+            <a:r>
+              <a:rPr lang="en-US" dirty="0"/>
+              <a:t>      </a:t>
+            </a:r>
+            <a:r>
+              <a:rPr lang="en-US" dirty="0" err="1"/>
+              <a:t>dbConnection.Open</a:t>
+            </a:r>
+            <a:r>
+              <a:rPr lang="en-US" dirty="0"/>
+              <a:t>();</a:t>
+            </a:r>
+          </a:p>
+          <a:p>
+            <a:pPr marL="0" indent="0">
+              <a:buNone/>
+            </a:pPr>
+            <a:r>
+              <a:rPr lang="en-US" dirty="0"/>
+              <a:t>      return </a:t>
+            </a:r>
+            <a:r>
+              <a:rPr lang="en-US" dirty="0" err="1"/>
+              <a:t>dbConnection.Query</a:t>
+            </a:r>
+            <a:r>
+              <a:rPr lang="en-US" dirty="0"/>
+              <a:t>&lt;Subject&gt;("Select </a:t>
+            </a:r>
+            <a:r>
+              <a:rPr lang="en-US" dirty="0" err="1"/>
+              <a:t>SubjectId</a:t>
+            </a:r>
+            <a:r>
+              <a:rPr lang="en-US" dirty="0"/>
+              <a:t>, Name, Description From Subject Where </a:t>
+            </a:r>
+            <a:r>
+              <a:rPr lang="en-US" dirty="0" err="1"/>
+              <a:t>SubjectId</a:t>
+            </a:r>
+            <a:r>
+              <a:rPr lang="en-US" dirty="0"/>
+              <a:t> = @</a:t>
+            </a:r>
+            <a:r>
+              <a:rPr lang="en-US" dirty="0" err="1"/>
+              <a:t>SubjectId</a:t>
+            </a:r>
+            <a:r>
+              <a:rPr lang="en-US" dirty="0"/>
+              <a:t>", new { </a:t>
+            </a:r>
+            <a:r>
+              <a:rPr lang="en-US" dirty="0" err="1"/>
+              <a:t>SubjectId</a:t>
+            </a:r>
+            <a:r>
+              <a:rPr lang="en-US" dirty="0"/>
+              <a:t> = </a:t>
+            </a:r>
+            <a:r>
+              <a:rPr lang="en-US" dirty="0" err="1"/>
+              <a:t>subjectID</a:t>
+            </a:r>
+            <a:r>
+              <a:rPr lang="en-US" dirty="0"/>
+              <a:t> }, </a:t>
+            </a:r>
+            <a:r>
+              <a:rPr lang="en-US" dirty="0" err="1"/>
+              <a:t>commandType</a:t>
+            </a:r>
+            <a:r>
+              <a:rPr lang="en-US" dirty="0"/>
+              <a:t>: </a:t>
+            </a:r>
+            <a:r>
+              <a:rPr lang="en-US" dirty="0" err="1"/>
+              <a:t>CommandType.Text</a:t>
+            </a:r>
+            <a:r>
+              <a:rPr lang="en-US" dirty="0"/>
+              <a:t>).</a:t>
+            </a:r>
+            <a:r>
+              <a:rPr lang="en-US" dirty="0" err="1"/>
+              <a:t>FirstOrDefault</a:t>
+            </a:r>
+            <a:r>
+              <a:rPr lang="en-US" dirty="0"/>
+              <a:t>();</a:t>
+            </a:r>
+          </a:p>
+          <a:p>
+            <a:pPr marL="0" indent="0">
+              <a:buNone/>
+            </a:pPr>
+            <a:r>
+              <a:rPr lang="en-US" dirty="0"/>
+              <a:t>   }</a:t>
+            </a:r>
+          </a:p>
+          <a:p>
+            <a:pPr marL="0" indent="0">
+              <a:buNone/>
+            </a:pPr>
+            <a:r>
+              <a:rPr lang="en-US" dirty="0"/>
+              <a:t>}</a:t>
+            </a:r>
           </a:p>
         </p:txBody>
       </p:sp>
     </p:spTree>
     <p:extLst>
       <p:ext uri="{BB962C8B-B14F-4D97-AF65-F5344CB8AC3E}">
-        <p14:creationId xmlns:p14="http://schemas.microsoft.com/office/powerpoint/2010/main" val="3067499274"/>
+        <p14:creationId xmlns:p14="http://schemas.microsoft.com/office/powerpoint/2010/main" val="487611550"/>
       </p:ext>
     </p:extLst>
   </p:cSld>
@@ -17217,6 +17221,190 @@
           <a:p>
             <a:r>
               <a:rPr lang="en-US" dirty="0"/>
+              <a:t>CLI Commands</a:t>
+            </a:r>
+          </a:p>
+        </p:txBody>
+      </p:sp>
+      <p:sp>
+        <p:nvSpPr>
+          <p:cNvPr id="3" name="Content Placeholder 2"/>
+          <p:cNvSpPr>
+            <a:spLocks noGrp="1"/>
+          </p:cNvSpPr>
+          <p:nvPr>
+            <p:ph idx="1"/>
+          </p:nvPr>
+        </p:nvSpPr>
+        <p:spPr/>
+        <p:txBody>
+          <a:bodyPr>
+            <a:normAutofit fontScale="77500" lnSpcReduction="20000"/>
+          </a:bodyPr>
+          <a:lstStyle/>
+          <a:p>
+            <a:r>
+              <a:rPr lang="en-US" sz="2800" dirty="0" err="1"/>
+              <a:t>mkdir</a:t>
+            </a:r>
+            <a:r>
+              <a:rPr lang="en-US" sz="2800" dirty="0"/>
+              <a:t> – Create Directory</a:t>
+            </a:r>
+          </a:p>
+          <a:p>
+            <a:r>
+              <a:rPr lang="en-US" sz="2800" dirty="0"/>
+              <a:t>cd – Change Directory</a:t>
+            </a:r>
+          </a:p>
+          <a:p>
+            <a:r>
+              <a:rPr lang="en-US" sz="2800" dirty="0"/>
+              <a:t>Add project:</a:t>
+            </a:r>
+          </a:p>
+          <a:p>
+            <a:pPr lvl="1"/>
+            <a:r>
+              <a:rPr lang="en-US" sz="2600" dirty="0" err="1"/>
+              <a:t>dotnet</a:t>
+            </a:r>
+            <a:r>
+              <a:rPr lang="en-US" sz="2600" dirty="0"/>
+              <a:t> new </a:t>
+            </a:r>
+            <a:r>
+              <a:rPr lang="en-US" sz="2600" dirty="0" err="1"/>
+              <a:t>classlib</a:t>
+            </a:r>
+            <a:endParaRPr lang="en-US" sz="2600" dirty="0"/>
+          </a:p>
+          <a:p>
+            <a:pPr lvl="1"/>
+            <a:r>
+              <a:rPr lang="en-US" sz="2600" dirty="0" err="1"/>
+              <a:t>dotnet</a:t>
+            </a:r>
+            <a:r>
+              <a:rPr lang="en-US" sz="2600" dirty="0"/>
+              <a:t> new </a:t>
+            </a:r>
+            <a:r>
+              <a:rPr lang="en-US" sz="2600" dirty="0" err="1"/>
+              <a:t>webapi</a:t>
+            </a:r>
+            <a:endParaRPr lang="en-US" sz="2600" dirty="0"/>
+          </a:p>
+          <a:p>
+            <a:r>
+              <a:rPr lang="en-US" sz="2800" dirty="0"/>
+              <a:t>Add reference:</a:t>
+            </a:r>
+          </a:p>
+          <a:p>
+            <a:pPr lvl="1"/>
+            <a:r>
+              <a:rPr lang="en-US" sz="2600" dirty="0" err="1"/>
+              <a:t>dotnet</a:t>
+            </a:r>
+            <a:r>
+              <a:rPr lang="en-US" sz="2600" dirty="0"/>
+              <a:t> add reference [path]/[</a:t>
+            </a:r>
+            <a:r>
+              <a:rPr lang="en-US" sz="2600" dirty="0" err="1"/>
+              <a:t>name.csproj</a:t>
+            </a:r>
+            <a:r>
+              <a:rPr lang="en-US" sz="2600" dirty="0"/>
+              <a:t>]</a:t>
+            </a:r>
+          </a:p>
+          <a:p>
+            <a:pPr lvl="1"/>
+            <a:r>
+              <a:rPr lang="en-US" sz="2600" dirty="0" err="1"/>
+              <a:t>dotnet</a:t>
+            </a:r>
+            <a:r>
+              <a:rPr lang="en-US" sz="2600" dirty="0"/>
+              <a:t> add package Dapper</a:t>
+            </a:r>
+          </a:p>
+          <a:p>
+            <a:pPr lvl="1"/>
+            <a:r>
+              <a:rPr lang="en-US" sz="2600" dirty="0"/>
+              <a:t>dotnet add package </a:t>
+            </a:r>
+            <a:r>
+              <a:rPr lang="en-US" sz="2600" dirty="0" err="1"/>
+              <a:t>MySql.Data</a:t>
+            </a:r>
+            <a:endParaRPr lang="en-US" sz="2600" dirty="0"/>
+          </a:p>
+          <a:p>
+            <a:pPr lvl="1"/>
+            <a:r>
+              <a:rPr lang="en-US" sz="2600" dirty="0"/>
+              <a:t>dotnet add package </a:t>
+            </a:r>
+            <a:r>
+              <a:rPr lang="en-US" sz="2600" dirty="0" err="1"/>
+              <a:t>Microsoft.Extensions.Configuration.Json</a:t>
+            </a:r>
+            <a:endParaRPr lang="en-US" sz="2600" dirty="0"/>
+          </a:p>
+        </p:txBody>
+      </p:sp>
+    </p:spTree>
+    <p:extLst>
+      <p:ext uri="{BB962C8B-B14F-4D97-AF65-F5344CB8AC3E}">
+        <p14:creationId xmlns:p14="http://schemas.microsoft.com/office/powerpoint/2010/main" val="3067499274"/>
+      </p:ext>
+    </p:extLst>
+  </p:cSld>
+  <p:clrMapOvr>
+    <a:masterClrMapping/>
+  </p:clrMapOvr>
+</p:sld>
+</file>
+
+<file path=ppt/slides/slide36.xml><?xml version="1.0" encoding="utf-8"?>
+<p:sld xmlns:a="http://schemas.openxmlformats.org/drawingml/2006/main" xmlns:r="http://schemas.openxmlformats.org/officeDocument/2006/relationships" xmlns:p="http://schemas.openxmlformats.org/presentationml/2006/main">
+  <p:cSld>
+    <p:spTree>
+      <p:nvGrpSpPr>
+        <p:cNvPr id="1" name=""/>
+        <p:cNvGrpSpPr/>
+        <p:nvPr/>
+      </p:nvGrpSpPr>
+      <p:grpSpPr>
+        <a:xfrm>
+          <a:off x="0" y="0"/>
+          <a:ext cx="0" cy="0"/>
+          <a:chOff x="0" y="0"/>
+          <a:chExt cx="0" cy="0"/>
+        </a:xfrm>
+      </p:grpSpPr>
+      <p:sp>
+        <p:nvSpPr>
+          <p:cNvPr id="2" name="Title 1"/>
+          <p:cNvSpPr>
+            <a:spLocks noGrp="1"/>
+          </p:cNvSpPr>
+          <p:nvPr>
+            <p:ph type="title"/>
+          </p:nvPr>
+        </p:nvSpPr>
+        <p:spPr/>
+        <p:txBody>
+          <a:bodyPr/>
+          <a:lstStyle/>
+          <a:p>
+            <a:r>
+              <a:rPr lang="en-US" dirty="0"/>
               <a:t>EXAMPLE</a:t>
             </a:r>
           </a:p>
@@ -17238,10 +17426,9 @@
           <a:lstStyle/>
           <a:p>
             <a:r>
-              <a:rPr lang="en-US" dirty="0" smtClean="0"/>
+              <a:rPr lang="en-US" dirty="0"/>
               <a:t>Dapper</a:t>
             </a:r>
-            <a:endParaRPr lang="en-US" dirty="0"/>
           </a:p>
         </p:txBody>
       </p:sp>
@@ -17285,17 +17472,10 @@
   <p:clrMapOvr>
     <a:masterClrMapping/>
   </p:clrMapOvr>
-  <p:timing>
-    <p:tnLst>
-      <p:par>
-        <p:cTn id="1" dur="indefinite" restart="never" nodeType="tmRoot"/>
-      </p:par>
-    </p:tnLst>
-  </p:timing>
 </p:sld>
 </file>
 
-<file path=ppt/slides/slide36.xml><?xml version="1.0" encoding="utf-8"?>
+<file path=ppt/slides/slide37.xml><?xml version="1.0" encoding="utf-8"?>
 <p:sld xmlns:a="http://schemas.openxmlformats.org/drawingml/2006/main" xmlns:r="http://schemas.openxmlformats.org/officeDocument/2006/relationships" xmlns:p="http://schemas.openxmlformats.org/presentationml/2006/main">
   <p:cSld>
     <p:spTree>
@@ -17328,10 +17508,9 @@
           <a:lstStyle/>
           <a:p>
             <a:r>
-              <a:rPr lang="en-US" dirty="0" smtClean="0"/>
+              <a:rPr lang="en-US" dirty="0"/>
               <a:t>ASSESSMENT</a:t>
             </a:r>
-            <a:endParaRPr lang="en-US" dirty="0"/>
           </a:p>
         </p:txBody>
       </p:sp>
@@ -17351,10 +17530,9 @@
           <a:lstStyle/>
           <a:p>
             <a:r>
-              <a:rPr lang="en-US" dirty="0" smtClean="0"/>
+              <a:rPr lang="en-US" dirty="0"/>
               <a:t>DAPPER</a:t>
             </a:r>
-            <a:endParaRPr lang="en-US" dirty="0"/>
           </a:p>
         </p:txBody>
       </p:sp>
@@ -17398,17 +17576,10 @@
   <p:clrMapOvr>
     <a:masterClrMapping/>
   </p:clrMapOvr>
-  <p:timing>
-    <p:tnLst>
-      <p:par>
-        <p:cTn id="1" dur="indefinite" restart="never" nodeType="tmRoot"/>
-      </p:par>
-    </p:tnLst>
-  </p:timing>
 </p:sld>
 </file>
 
-<file path=ppt/slides/slide37.xml><?xml version="1.0" encoding="utf-8"?>
+<file path=ppt/slides/slide38.xml><?xml version="1.0" encoding="utf-8"?>
 <p:sld xmlns:a="http://schemas.openxmlformats.org/drawingml/2006/main" xmlns:r="http://schemas.openxmlformats.org/officeDocument/2006/relationships" xmlns:p="http://schemas.openxmlformats.org/presentationml/2006/main">
   <p:cSld>
     <p:spTree>
@@ -17441,10 +17612,9 @@
           <a:lstStyle/>
           <a:p>
             <a:r>
-              <a:rPr lang="en-US" dirty="0" smtClean="0"/>
+              <a:rPr lang="en-US" dirty="0"/>
               <a:t>Assignment</a:t>
             </a:r>
-            <a:endParaRPr lang="en-US" dirty="0"/>
           </a:p>
         </p:txBody>
       </p:sp>
@@ -17485,17 +17655,16 @@
           <a:p>
             <a:pPr lvl="0"/>
             <a:r>
-              <a:rPr lang="en-US" sz="3200" dirty="0" smtClean="0"/>
+              <a:rPr lang="en-US" sz="3200" dirty="0"/>
               <a:t>Retrieve the data from the tables we created with a join.</a:t>
             </a:r>
           </a:p>
           <a:p>
             <a:pPr lvl="0"/>
             <a:r>
-              <a:rPr lang="en-US" sz="3200" dirty="0" smtClean="0"/>
+              <a:rPr lang="en-US" sz="3200" dirty="0"/>
               <a:t>Loop through each record to display the status of each person in the database.</a:t>
             </a:r>
-            <a:endParaRPr lang="en-US" sz="3200" dirty="0"/>
           </a:p>
         </p:txBody>
       </p:sp>
@@ -17541,7 +17710,7 @@
 </p:sld>
 </file>
 
-<file path=ppt/slides/slide38.xml><?xml version="1.0" encoding="utf-8"?>
+<file path=ppt/slides/slide39.xml><?xml version="1.0" encoding="utf-8"?>
 <p:sld xmlns:a="http://schemas.openxmlformats.org/drawingml/2006/main" xmlns:r="http://schemas.openxmlformats.org/officeDocument/2006/relationships" xmlns:p="http://schemas.openxmlformats.org/presentationml/2006/main">
   <p:cSld>
     <p:spTree>
@@ -17574,10 +17743,9 @@
           <a:lstStyle/>
           <a:p>
             <a:r>
-              <a:rPr lang="en-US" dirty="0" smtClean="0"/>
+              <a:rPr lang="en-US" dirty="0"/>
               <a:t>QUICK REVIEW</a:t>
             </a:r>
-            <a:endParaRPr lang="en-US" dirty="0"/>
           </a:p>
         </p:txBody>
       </p:sp>
@@ -17597,10 +17765,9 @@
           <a:lstStyle/>
           <a:p>
             <a:r>
-              <a:rPr lang="en-US" dirty="0" smtClean="0"/>
+              <a:rPr lang="en-US" dirty="0"/>
               <a:t>SQL</a:t>
             </a:r>
-            <a:endParaRPr lang="en-US" dirty="0"/>
           </a:p>
         </p:txBody>
       </p:sp>
@@ -17644,178 +17811,6 @@
   <p:clrMapOvr>
     <a:masterClrMapping/>
   </p:clrMapOvr>
-  <p:timing>
-    <p:tnLst>
-      <p:par>
-        <p:cTn id="1" dur="indefinite" restart="never" nodeType="tmRoot"/>
-      </p:par>
-    </p:tnLst>
-  </p:timing>
-</p:sld>
-</file>
-
-<file path=ppt/slides/slide39.xml><?xml version="1.0" encoding="utf-8"?>
-<p:sld xmlns:a="http://schemas.openxmlformats.org/drawingml/2006/main" xmlns:r="http://schemas.openxmlformats.org/officeDocument/2006/relationships" xmlns:p="http://schemas.openxmlformats.org/presentationml/2006/main">
-  <p:cSld>
-    <p:spTree>
-      <p:nvGrpSpPr>
-        <p:cNvPr id="1" name=""/>
-        <p:cNvGrpSpPr/>
-        <p:nvPr/>
-      </p:nvGrpSpPr>
-      <p:grpSpPr>
-        <a:xfrm>
-          <a:off x="0" y="0"/>
-          <a:ext cx="0" cy="0"/>
-          <a:chOff x="0" y="0"/>
-          <a:chExt cx="0" cy="0"/>
-        </a:xfrm>
-      </p:grpSpPr>
-      <p:sp>
-        <p:nvSpPr>
-          <p:cNvPr id="2" name="Title 1"/>
-          <p:cNvSpPr>
-            <a:spLocks noGrp="1"/>
-          </p:cNvSpPr>
-          <p:nvPr>
-            <p:ph type="title"/>
-          </p:nvPr>
-        </p:nvSpPr>
-        <p:spPr/>
-        <p:txBody>
-          <a:bodyPr/>
-          <a:lstStyle/>
-          <a:p>
-            <a:r>
-              <a:rPr lang="en-US" dirty="0" smtClean="0"/>
-              <a:t>Additional Resources</a:t>
-            </a:r>
-            <a:endParaRPr lang="en-US" dirty="0"/>
-          </a:p>
-        </p:txBody>
-      </p:sp>
-      <p:sp>
-        <p:nvSpPr>
-          <p:cNvPr id="3" name="Content Placeholder 2"/>
-          <p:cNvSpPr>
-            <a:spLocks noGrp="1"/>
-          </p:cNvSpPr>
-          <p:nvPr>
-            <p:ph sz="half" idx="1"/>
-          </p:nvPr>
-        </p:nvSpPr>
-        <p:spPr>
-          <a:xfrm>
-            <a:off x="1103312" y="2060575"/>
-            <a:ext cx="10008033" cy="4195763"/>
-          </a:xfrm>
-        </p:spPr>
-        <p:txBody>
-          <a:bodyPr>
-            <a:normAutofit fontScale="92500" lnSpcReduction="10000"/>
-          </a:bodyPr>
-          <a:lstStyle/>
-          <a:p>
-            <a:pPr lvl="0"/>
-            <a:r>
-              <a:rPr lang="en-US" sz="2800" dirty="0" smtClean="0"/>
-              <a:t>Code Katas</a:t>
-            </a:r>
-          </a:p>
-          <a:p>
-            <a:pPr lvl="1"/>
-            <a:r>
-              <a:rPr lang="en-US" sz="2600" dirty="0">
-                <a:hlinkClick r:id="rId3"/>
-              </a:rPr>
-              <a:t>https://www.codewars.com</a:t>
-            </a:r>
-            <a:r>
-              <a:rPr lang="en-US" sz="2600" dirty="0" smtClean="0">
-                <a:hlinkClick r:id="rId3"/>
-              </a:rPr>
-              <a:t>/</a:t>
-            </a:r>
-            <a:endParaRPr lang="en-US" sz="2600" dirty="0" smtClean="0"/>
-          </a:p>
-          <a:p>
-            <a:r>
-              <a:rPr lang="en-US" sz="2800" dirty="0" err="1" smtClean="0"/>
-              <a:t>UDacity</a:t>
-            </a:r>
-            <a:endParaRPr lang="en-US" sz="2800" dirty="0" smtClean="0"/>
-          </a:p>
-          <a:p>
-            <a:pPr lvl="1"/>
-            <a:r>
-              <a:rPr lang="en-US" sz="2600" dirty="0">
-                <a:hlinkClick r:id="rId4"/>
-              </a:rPr>
-              <a:t>https://www.udacity.com/course/intro-to-relational-databases--</a:t>
-            </a:r>
-            <a:r>
-              <a:rPr lang="en-US" sz="2600" dirty="0" smtClean="0">
-                <a:hlinkClick r:id="rId4"/>
-              </a:rPr>
-              <a:t>ud197</a:t>
-            </a:r>
-            <a:endParaRPr lang="en-US" sz="2600" dirty="0" smtClean="0"/>
-          </a:p>
-          <a:p>
-            <a:r>
-              <a:rPr lang="en-US" sz="3000" dirty="0" err="1" smtClean="0"/>
-              <a:t>MySql</a:t>
-            </a:r>
-            <a:endParaRPr lang="en-US" sz="3000" dirty="0" smtClean="0"/>
-          </a:p>
-          <a:p>
-            <a:pPr lvl="1"/>
-            <a:r>
-              <a:rPr lang="en-US" sz="2600" dirty="0">
-                <a:hlinkClick r:id="rId5"/>
-              </a:rPr>
-              <a:t>https://www.mysql.com</a:t>
-            </a:r>
-            <a:r>
-              <a:rPr lang="en-US" sz="2600" dirty="0" smtClean="0">
-                <a:hlinkClick r:id="rId5"/>
-              </a:rPr>
-              <a:t>/</a:t>
-            </a:r>
-            <a:endParaRPr lang="en-US" sz="2600" dirty="0" smtClean="0"/>
-          </a:p>
-          <a:p>
-            <a:r>
-              <a:rPr lang="en-US" sz="2800" dirty="0" err="1" smtClean="0"/>
-              <a:t>Sql</a:t>
-            </a:r>
-            <a:r>
-              <a:rPr lang="en-US" sz="2800" dirty="0" smtClean="0"/>
-              <a:t> Bolt</a:t>
-            </a:r>
-          </a:p>
-          <a:p>
-            <a:pPr lvl="1"/>
-            <a:r>
-              <a:rPr lang="en-US" sz="2800" dirty="0">
-                <a:hlinkClick r:id="rId6"/>
-              </a:rPr>
-              <a:t>https://sqlbolt.com</a:t>
-            </a:r>
-            <a:endParaRPr lang="en-US" sz="2600" dirty="0" smtClean="0"/>
-          </a:p>
-        </p:txBody>
-      </p:sp>
-    </p:spTree>
-    <p:extLst>
-      <p:ext uri="{BB962C8B-B14F-4D97-AF65-F5344CB8AC3E}">
-        <p14:creationId xmlns:p14="http://schemas.microsoft.com/office/powerpoint/2010/main" val="3693251575"/>
-      </p:ext>
-    </p:extLst>
-  </p:cSld>
-  <p:clrMapOvr>
-    <a:masterClrMapping/>
-  </p:clrMapOvr>
 </p:sld>
 </file>
 
@@ -17852,10 +17847,9 @@
           <a:lstStyle/>
           <a:p>
             <a:r>
-              <a:rPr lang="en-US" dirty="0" smtClean="0"/>
+              <a:rPr lang="en-US" dirty="0"/>
               <a:t>Select Statements</a:t>
             </a:r>
-            <a:endParaRPr lang="en-US" dirty="0"/>
           </a:p>
         </p:txBody>
       </p:sp>
@@ -17877,49 +17871,49 @@
           <a:lstStyle/>
           <a:p>
             <a:r>
-              <a:rPr lang="en-US" sz="2800" dirty="0" smtClean="0"/>
+              <a:rPr lang="en-US" sz="2800" dirty="0"/>
               <a:t>Components in Logical Order</a:t>
             </a:r>
           </a:p>
           <a:p>
             <a:pPr lvl="1"/>
             <a:r>
-              <a:rPr lang="en-US" sz="2800" dirty="0" smtClean="0"/>
+              <a:rPr lang="en-US" sz="2800" dirty="0"/>
               <a:t>SELECT</a:t>
             </a:r>
           </a:p>
           <a:p>
             <a:pPr lvl="1"/>
             <a:r>
-              <a:rPr lang="en-US" sz="2800" dirty="0" smtClean="0"/>
+              <a:rPr lang="en-US" sz="2800" dirty="0"/>
               <a:t>FROM</a:t>
             </a:r>
           </a:p>
           <a:p>
             <a:pPr lvl="1"/>
             <a:r>
-              <a:rPr lang="en-US" sz="2800" dirty="0" smtClean="0"/>
+              <a:rPr lang="en-US" sz="2800" dirty="0"/>
               <a:t>WHERE</a:t>
             </a:r>
           </a:p>
           <a:p>
             <a:pPr lvl="1"/>
             <a:r>
-              <a:rPr lang="en-US" sz="2800" dirty="0" smtClean="0"/>
+              <a:rPr lang="en-US" sz="2800" dirty="0"/>
               <a:t>GROUP BY</a:t>
             </a:r>
           </a:p>
           <a:p>
             <a:pPr lvl="1"/>
             <a:r>
-              <a:rPr lang="en-US" sz="2800" dirty="0" smtClean="0"/>
+              <a:rPr lang="en-US" sz="2800" dirty="0"/>
               <a:t>HAVING</a:t>
             </a:r>
           </a:p>
           <a:p>
             <a:pPr lvl="1"/>
             <a:r>
-              <a:rPr lang="en-US" sz="2800" dirty="0" smtClean="0"/>
+              <a:rPr lang="en-US" sz="2800" dirty="0"/>
               <a:t>ORDER BY</a:t>
             </a:r>
           </a:p>
@@ -18018,13 +18012,6 @@
   <p:clrMapOvr>
     <a:masterClrMapping/>
   </p:clrMapOvr>
-  <p:timing>
-    <p:tnLst>
-      <p:par>
-        <p:cTn id="1" dur="indefinite" restart="never" nodeType="tmRoot"/>
-      </p:par>
-    </p:tnLst>
-  </p:timing>
 </p:sld>
 </file>
 
@@ -18061,10 +18048,9 @@
           <a:lstStyle/>
           <a:p>
             <a:r>
-              <a:rPr lang="en-US" dirty="0" smtClean="0"/>
-              <a:t>Keep Practicing!</a:t>
-            </a:r>
-            <a:endParaRPr lang="en-US" dirty="0"/>
+              <a:rPr lang="en-US" dirty="0"/>
+              <a:t>Additional Resources</a:t>
+            </a:r>
           </a:p>
         </p:txBody>
       </p:sp>
@@ -18086,35 +18072,181 @@
         </p:spPr>
         <p:txBody>
           <a:bodyPr>
+            <a:normAutofit fontScale="92500" lnSpcReduction="10000"/>
+          </a:bodyPr>
+          <a:lstStyle/>
+          <a:p>
+            <a:pPr lvl="0"/>
+            <a:r>
+              <a:rPr lang="en-US" sz="2800" dirty="0"/>
+              <a:t>Code Katas</a:t>
+            </a:r>
+          </a:p>
+          <a:p>
+            <a:pPr lvl="1"/>
+            <a:r>
+              <a:rPr lang="en-US" sz="2600" dirty="0">
+                <a:hlinkClick r:id="rId3"/>
+              </a:rPr>
+              <a:t>https://www.codewars.com/</a:t>
+            </a:r>
+            <a:endParaRPr lang="en-US" sz="2600" dirty="0"/>
+          </a:p>
+          <a:p>
+            <a:r>
+              <a:rPr lang="en-US" sz="2800" dirty="0" err="1"/>
+              <a:t>UDacity</a:t>
+            </a:r>
+            <a:endParaRPr lang="en-US" sz="2800" dirty="0"/>
+          </a:p>
+          <a:p>
+            <a:pPr lvl="1"/>
+            <a:r>
+              <a:rPr lang="en-US" sz="2600" dirty="0">
+                <a:hlinkClick r:id="rId4"/>
+              </a:rPr>
+              <a:t>https://www.udacity.com/course/intro-to-relational-databases--ud197</a:t>
+            </a:r>
+            <a:endParaRPr lang="en-US" sz="2600" dirty="0"/>
+          </a:p>
+          <a:p>
+            <a:r>
+              <a:rPr lang="en-US" sz="3000" dirty="0" err="1"/>
+              <a:t>MySql</a:t>
+            </a:r>
+            <a:endParaRPr lang="en-US" sz="3000" dirty="0"/>
+          </a:p>
+          <a:p>
+            <a:pPr lvl="1"/>
+            <a:r>
+              <a:rPr lang="en-US" sz="2600" dirty="0">
+                <a:hlinkClick r:id="rId5"/>
+              </a:rPr>
+              <a:t>https://www.mysql.com/</a:t>
+            </a:r>
+            <a:endParaRPr lang="en-US" sz="2600" dirty="0"/>
+          </a:p>
+          <a:p>
+            <a:r>
+              <a:rPr lang="en-US" sz="2800" dirty="0" err="1"/>
+              <a:t>Sql</a:t>
+            </a:r>
+            <a:r>
+              <a:rPr lang="en-US" sz="2800" dirty="0"/>
+              <a:t> Bolt</a:t>
+            </a:r>
+          </a:p>
+          <a:p>
+            <a:pPr lvl="1"/>
+            <a:r>
+              <a:rPr lang="en-US" sz="2800" dirty="0">
+                <a:hlinkClick r:id="rId6"/>
+              </a:rPr>
+              <a:t>https://sqlbolt.com</a:t>
+            </a:r>
+            <a:endParaRPr lang="en-US" sz="2600" dirty="0"/>
+          </a:p>
+        </p:txBody>
+      </p:sp>
+    </p:spTree>
+    <p:extLst>
+      <p:ext uri="{BB962C8B-B14F-4D97-AF65-F5344CB8AC3E}">
+        <p14:creationId xmlns:p14="http://schemas.microsoft.com/office/powerpoint/2010/main" val="3693251575"/>
+      </p:ext>
+    </p:extLst>
+  </p:cSld>
+  <p:clrMapOvr>
+    <a:masterClrMapping/>
+  </p:clrMapOvr>
+</p:sld>
+</file>
+
+<file path=ppt/slides/slide41.xml><?xml version="1.0" encoding="utf-8"?>
+<p:sld xmlns:a="http://schemas.openxmlformats.org/drawingml/2006/main" xmlns:r="http://schemas.openxmlformats.org/officeDocument/2006/relationships" xmlns:p="http://schemas.openxmlformats.org/presentationml/2006/main">
+  <p:cSld>
+    <p:spTree>
+      <p:nvGrpSpPr>
+        <p:cNvPr id="1" name=""/>
+        <p:cNvGrpSpPr/>
+        <p:nvPr/>
+      </p:nvGrpSpPr>
+      <p:grpSpPr>
+        <a:xfrm>
+          <a:off x="0" y="0"/>
+          <a:ext cx="0" cy="0"/>
+          <a:chOff x="0" y="0"/>
+          <a:chExt cx="0" cy="0"/>
+        </a:xfrm>
+      </p:grpSpPr>
+      <p:sp>
+        <p:nvSpPr>
+          <p:cNvPr id="2" name="Title 1"/>
+          <p:cNvSpPr>
+            <a:spLocks noGrp="1"/>
+          </p:cNvSpPr>
+          <p:nvPr>
+            <p:ph type="title"/>
+          </p:nvPr>
+        </p:nvSpPr>
+        <p:spPr/>
+        <p:txBody>
+          <a:bodyPr/>
+          <a:lstStyle/>
+          <a:p>
+            <a:r>
+              <a:rPr lang="en-US" dirty="0"/>
+              <a:t>Keep Practicing!</a:t>
+            </a:r>
+          </a:p>
+        </p:txBody>
+      </p:sp>
+      <p:sp>
+        <p:nvSpPr>
+          <p:cNvPr id="3" name="Content Placeholder 2"/>
+          <p:cNvSpPr>
+            <a:spLocks noGrp="1"/>
+          </p:cNvSpPr>
+          <p:nvPr>
+            <p:ph sz="half" idx="1"/>
+          </p:nvPr>
+        </p:nvSpPr>
+        <p:spPr>
+          <a:xfrm>
+            <a:off x="1103312" y="2060575"/>
+            <a:ext cx="10008033" cy="4195763"/>
+          </a:xfrm>
+        </p:spPr>
+        <p:txBody>
+          <a:bodyPr>
             <a:normAutofit/>
           </a:bodyPr>
           <a:lstStyle/>
           <a:p>
             <a:r>
-              <a:rPr lang="en-US" sz="3200" dirty="0" smtClean="0"/>
+              <a:rPr lang="en-US" sz="3200" dirty="0"/>
               <a:t>Try creating more tables.</a:t>
             </a:r>
           </a:p>
           <a:p>
             <a:r>
-              <a:rPr lang="en-US" sz="3200" dirty="0" smtClean="0"/>
+              <a:rPr lang="en-US" sz="3200" dirty="0"/>
               <a:t>Try different selects, inserts, deletes, and updates.</a:t>
             </a:r>
           </a:p>
           <a:p>
             <a:r>
-              <a:rPr lang="en-US" sz="3200" dirty="0" smtClean="0"/>
+              <a:rPr lang="en-US" sz="3200" dirty="0"/>
               <a:t>Try different joins.</a:t>
             </a:r>
           </a:p>
           <a:p>
             <a:r>
-              <a:rPr lang="en-US" sz="3200" dirty="0" smtClean="0"/>
+              <a:rPr lang="en-US" sz="3200" dirty="0"/>
               <a:t>Try connecting your new tables to an application using Dapper.</a:t>
             </a:r>
           </a:p>
           <a:p>
-            <a:endParaRPr lang="en-US" sz="2800" dirty="0" smtClean="0"/>
+            <a:endParaRPr lang="en-US" sz="2800" dirty="0"/>
           </a:p>
         </p:txBody>
       </p:sp>
@@ -18164,10 +18296,9 @@
           <a:lstStyle/>
           <a:p>
             <a:r>
-              <a:rPr lang="en-US" dirty="0" smtClean="0"/>
+              <a:rPr lang="en-US" dirty="0"/>
               <a:t>EXAMPLE</a:t>
             </a:r>
-            <a:endParaRPr lang="en-US" dirty="0"/>
           </a:p>
         </p:txBody>
       </p:sp>
@@ -18187,10 +18318,9 @@
           <a:lstStyle/>
           <a:p>
             <a:r>
-              <a:rPr lang="en-US" dirty="0" smtClean="0"/>
+              <a:rPr lang="en-US" dirty="0"/>
               <a:t>Select Queries</a:t>
             </a:r>
-            <a:endParaRPr lang="en-US" dirty="0"/>
           </a:p>
         </p:txBody>
       </p:sp>
@@ -18234,13 +18364,6 @@
   <p:clrMapOvr>
     <a:masterClrMapping/>
   </p:clrMapOvr>
-  <p:timing>
-    <p:tnLst>
-      <p:par>
-        <p:cTn id="1" dur="indefinite" restart="never" nodeType="tmRoot"/>
-      </p:par>
-    </p:tnLst>
-  </p:timing>
 </p:sld>
 </file>
 
@@ -18277,10 +18400,9 @@
           <a:lstStyle/>
           <a:p>
             <a:r>
-              <a:rPr lang="en-US" dirty="0" smtClean="0"/>
+              <a:rPr lang="en-US" dirty="0"/>
               <a:t>ASSESSMENT</a:t>
             </a:r>
-            <a:endParaRPr lang="en-US" dirty="0"/>
           </a:p>
         </p:txBody>
       </p:sp>
@@ -18300,10 +18422,9 @@
           <a:lstStyle/>
           <a:p>
             <a:r>
-              <a:rPr lang="en-US" dirty="0" smtClean="0"/>
+              <a:rPr lang="en-US" dirty="0"/>
               <a:t>Select Queries</a:t>
             </a:r>
-            <a:endParaRPr lang="en-US" dirty="0"/>
           </a:p>
         </p:txBody>
       </p:sp>
@@ -18347,13 +18468,6 @@
   <p:clrMapOvr>
     <a:masterClrMapping/>
   </p:clrMapOvr>
-  <p:timing>
-    <p:tnLst>
-      <p:par>
-        <p:cTn id="1" dur="indefinite" restart="never" nodeType="tmRoot"/>
-      </p:par>
-    </p:tnLst>
-  </p:timing>
 </p:sld>
 </file>
 
@@ -18390,10 +18504,9 @@
           <a:lstStyle/>
           <a:p>
             <a:r>
-              <a:rPr lang="en-US" dirty="0" smtClean="0"/>
+              <a:rPr lang="en-US" dirty="0"/>
               <a:t>Insert Statements</a:t>
             </a:r>
-            <a:endParaRPr lang="en-US" dirty="0"/>
           </a:p>
         </p:txBody>
       </p:sp>
@@ -18415,28 +18528,28 @@
           <a:lstStyle/>
           <a:p>
             <a:r>
-              <a:rPr lang="en-US" sz="2800" dirty="0" smtClean="0"/>
+              <a:rPr lang="en-US" sz="2800" dirty="0"/>
               <a:t>Components</a:t>
             </a:r>
           </a:p>
           <a:p>
             <a:pPr lvl="1"/>
             <a:r>
-              <a:rPr lang="en-US" sz="2800" dirty="0" smtClean="0"/>
+              <a:rPr lang="en-US" sz="2800" dirty="0"/>
               <a:t>INSERT</a:t>
             </a:r>
           </a:p>
           <a:p>
             <a:pPr lvl="1"/>
             <a:r>
-              <a:rPr lang="en-US" sz="2800" dirty="0" smtClean="0"/>
+              <a:rPr lang="en-US" sz="2800" dirty="0"/>
               <a:t>INTO</a:t>
             </a:r>
           </a:p>
           <a:p>
             <a:pPr lvl="1"/>
             <a:r>
-              <a:rPr lang="en-US" sz="2800" dirty="0" smtClean="0"/>
+              <a:rPr lang="en-US" sz="2800" dirty="0"/>
               <a:t>VALUES</a:t>
             </a:r>
           </a:p>
@@ -18519,13 +18632,6 @@
   <p:clrMapOvr>
     <a:masterClrMapping/>
   </p:clrMapOvr>
-  <p:timing>
-    <p:tnLst>
-      <p:par>
-        <p:cTn id="1" dur="indefinite" restart="never" nodeType="tmRoot"/>
-      </p:par>
-    </p:tnLst>
-  </p:timing>
 </p:sld>
 </file>
 
@@ -18562,10 +18668,9 @@
           <a:lstStyle/>
           <a:p>
             <a:r>
-              <a:rPr lang="en-US" dirty="0" smtClean="0"/>
+              <a:rPr lang="en-US" dirty="0"/>
               <a:t>Update Statements</a:t>
             </a:r>
-            <a:endParaRPr lang="en-US" dirty="0"/>
           </a:p>
         </p:txBody>
       </p:sp>
@@ -18587,29 +18692,28 @@
           <a:lstStyle/>
           <a:p>
             <a:r>
-              <a:rPr lang="en-US" sz="2800" dirty="0" smtClean="0"/>
+              <a:rPr lang="en-US" sz="2800" dirty="0"/>
               <a:t>Components</a:t>
             </a:r>
           </a:p>
           <a:p>
             <a:pPr lvl="1"/>
             <a:r>
-              <a:rPr lang="en-US" sz="2800" dirty="0" smtClean="0"/>
+              <a:rPr lang="en-US" sz="2800" dirty="0"/>
               <a:t>UPDATE</a:t>
             </a:r>
-            <a:endParaRPr lang="en-US" sz="2800" dirty="0" smtClean="0"/>
           </a:p>
           <a:p>
             <a:pPr lvl="1"/>
             <a:r>
-              <a:rPr lang="en-US" sz="2800" dirty="0" smtClean="0"/>
+              <a:rPr lang="en-US" sz="2800" dirty="0"/>
               <a:t>SET</a:t>
             </a:r>
           </a:p>
           <a:p>
             <a:pPr lvl="1"/>
             <a:r>
-              <a:rPr lang="en-US" sz="2800" dirty="0" smtClean="0"/>
+              <a:rPr lang="en-US" sz="2800" dirty="0"/>
               <a:t>WHERE</a:t>
             </a:r>
           </a:p>
@@ -18698,13 +18802,6 @@
   <p:clrMapOvr>
     <a:masterClrMapping/>
   </p:clrMapOvr>
-  <p:timing>
-    <p:tnLst>
-      <p:par>
-        <p:cTn id="1" dur="indefinite" restart="never" nodeType="tmRoot"/>
-      </p:par>
-    </p:tnLst>
-  </p:timing>
 </p:sld>
 </file>
 
@@ -18741,10 +18838,9 @@
           <a:lstStyle/>
           <a:p>
             <a:r>
-              <a:rPr lang="en-US" dirty="0" smtClean="0"/>
+              <a:rPr lang="en-US" dirty="0"/>
               <a:t>Delete Statements</a:t>
             </a:r>
-            <a:endParaRPr lang="en-US" dirty="0"/>
           </a:p>
         </p:txBody>
       </p:sp>
@@ -18766,28 +18862,28 @@
           <a:lstStyle/>
           <a:p>
             <a:r>
-              <a:rPr lang="en-US" sz="2800" dirty="0" smtClean="0"/>
+              <a:rPr lang="en-US" sz="2800" dirty="0"/>
               <a:t>Components</a:t>
             </a:r>
           </a:p>
           <a:p>
             <a:pPr lvl="1"/>
             <a:r>
-              <a:rPr lang="en-US" sz="2800" dirty="0" smtClean="0"/>
+              <a:rPr lang="en-US" sz="2800" dirty="0"/>
               <a:t>DELETE</a:t>
             </a:r>
           </a:p>
           <a:p>
             <a:pPr lvl="1"/>
             <a:r>
-              <a:rPr lang="en-US" sz="2800" dirty="0" smtClean="0"/>
+              <a:rPr lang="en-US" sz="2800" dirty="0"/>
               <a:t>FROM</a:t>
             </a:r>
           </a:p>
           <a:p>
             <a:pPr lvl="1"/>
             <a:r>
-              <a:rPr lang="en-US" sz="2800" dirty="0" smtClean="0"/>
+              <a:rPr lang="en-US" sz="2800" dirty="0"/>
               <a:t>WHERE</a:t>
             </a:r>
           </a:p>
@@ -18868,13 +18964,6 @@
   <p:clrMapOvr>
     <a:masterClrMapping/>
   </p:clrMapOvr>
-  <p:timing>
-    <p:tnLst>
-      <p:par>
-        <p:cTn id="1" dur="indefinite" restart="never" nodeType="tmRoot"/>
-      </p:par>
-    </p:tnLst>
-  </p:timing>
 </p:sld>
 </file>
 

--- a/Slides/04_Sql_TrainingPlan.pptx
+++ b/Slides/04_Sql_TrainingPlan.pptx
@@ -5,7 +5,7 @@
     <p:sldMasterId id="2147483672" r:id="rId1"/>
   </p:sldMasterIdLst>
   <p:notesMasterIdLst>
-    <p:notesMasterId r:id="rId43"/>
+    <p:notesMasterId r:id="rId44"/>
   </p:notesMasterIdLst>
   <p:sldIdLst>
     <p:sldId id="256" r:id="rId2"/>
@@ -21,34 +21,35 @@
     <p:sldId id="326" r:id="rId12"/>
     <p:sldId id="292" r:id="rId13"/>
     <p:sldId id="320" r:id="rId14"/>
-    <p:sldId id="290" r:id="rId15"/>
-    <p:sldId id="327" r:id="rId16"/>
-    <p:sldId id="331" r:id="rId17"/>
-    <p:sldId id="332" r:id="rId18"/>
-    <p:sldId id="333" r:id="rId19"/>
-    <p:sldId id="334" r:id="rId20"/>
-    <p:sldId id="305" r:id="rId21"/>
-    <p:sldId id="306" r:id="rId22"/>
-    <p:sldId id="307" r:id="rId23"/>
-    <p:sldId id="308" r:id="rId24"/>
-    <p:sldId id="309" r:id="rId25"/>
-    <p:sldId id="310" r:id="rId26"/>
-    <p:sldId id="311" r:id="rId27"/>
-    <p:sldId id="328" r:id="rId28"/>
-    <p:sldId id="335" r:id="rId29"/>
-    <p:sldId id="313" r:id="rId30"/>
-    <p:sldId id="314" r:id="rId31"/>
-    <p:sldId id="315" r:id="rId32"/>
-    <p:sldId id="339" r:id="rId33"/>
-    <p:sldId id="322" r:id="rId34"/>
-    <p:sldId id="323" r:id="rId35"/>
-    <p:sldId id="338" r:id="rId36"/>
-    <p:sldId id="317" r:id="rId37"/>
-    <p:sldId id="329" r:id="rId38"/>
-    <p:sldId id="336" r:id="rId39"/>
-    <p:sldId id="324" r:id="rId40"/>
-    <p:sldId id="330" r:id="rId41"/>
-    <p:sldId id="337" r:id="rId42"/>
+    <p:sldId id="340" r:id="rId15"/>
+    <p:sldId id="290" r:id="rId16"/>
+    <p:sldId id="327" r:id="rId17"/>
+    <p:sldId id="331" r:id="rId18"/>
+    <p:sldId id="332" r:id="rId19"/>
+    <p:sldId id="333" r:id="rId20"/>
+    <p:sldId id="334" r:id="rId21"/>
+    <p:sldId id="309" r:id="rId22"/>
+    <p:sldId id="310" r:id="rId23"/>
+    <p:sldId id="305" r:id="rId24"/>
+    <p:sldId id="306" r:id="rId25"/>
+    <p:sldId id="307" r:id="rId26"/>
+    <p:sldId id="308" r:id="rId27"/>
+    <p:sldId id="311" r:id="rId28"/>
+    <p:sldId id="328" r:id="rId29"/>
+    <p:sldId id="335" r:id="rId30"/>
+    <p:sldId id="313" r:id="rId31"/>
+    <p:sldId id="314" r:id="rId32"/>
+    <p:sldId id="315" r:id="rId33"/>
+    <p:sldId id="339" r:id="rId34"/>
+    <p:sldId id="322" r:id="rId35"/>
+    <p:sldId id="323" r:id="rId36"/>
+    <p:sldId id="338" r:id="rId37"/>
+    <p:sldId id="317" r:id="rId38"/>
+    <p:sldId id="329" r:id="rId39"/>
+    <p:sldId id="336" r:id="rId40"/>
+    <p:sldId id="324" r:id="rId41"/>
+    <p:sldId id="330" r:id="rId42"/>
+    <p:sldId id="337" r:id="rId43"/>
   </p:sldIdLst>
   <p:sldSz cx="12192000" cy="6858000"/>
   <p:notesSz cx="6858000" cy="9144000"/>
@@ -237,7 +238,7 @@
           <a:p>
             <a:fld id="{A06BE876-B150-4492-9C7C-FA6D5FB22A29}" type="datetimeFigureOut">
               <a:rPr lang="en-US" smtClean="0"/>
-              <a:t>5/10/2018</a:t>
+              <a:t>6/2/2018</a:t>
             </a:fld>
             <a:endParaRPr lang="en-US"/>
           </a:p>
@@ -1482,139 +1483,8 @@
               <a:buFont typeface="Arial" panose="020B0604020202020204" pitchFamily="34" charset="0"/>
               <a:buChar char="•"/>
             </a:pPr>
-            <a:r>
-              <a:rPr lang="en-US" dirty="0"/>
-              <a:t>Let’s go through our</a:t>
-            </a:r>
-            <a:r>
-              <a:rPr lang="en-US" baseline="0" dirty="0"/>
-              <a:t> assessment application and create some tables</a:t>
-            </a:r>
-          </a:p>
-          <a:p>
-            <a:pPr marL="171450" indent="-171450">
-              <a:buFont typeface="Arial" panose="020B0604020202020204" pitchFamily="34" charset="0"/>
-              <a:buChar char="•"/>
-            </a:pPr>
             <a:endParaRPr lang="en-US" baseline="0" dirty="0"/>
           </a:p>
-          <a:p>
-            <a:pPr marL="0" indent="0">
-              <a:buFont typeface="Arial" panose="020B0604020202020204" pitchFamily="34" charset="0"/>
-              <a:buNone/>
-            </a:pPr>
-            <a:r>
-              <a:rPr lang="en-US" dirty="0"/>
-              <a:t>https://www.w3schools.com/sql/trysql.asp?filename=trysql_create_table</a:t>
-            </a:r>
-          </a:p>
-          <a:p>
-            <a:pPr marL="0" indent="0">
-              <a:buFont typeface="Arial" panose="020B0604020202020204" pitchFamily="34" charset="0"/>
-              <a:buNone/>
-            </a:pPr>
-            <a:endParaRPr lang="en-US" dirty="0"/>
-          </a:p>
-          <a:p>
-            <a:pPr marL="0" indent="0">
-              <a:buFont typeface="Arial" panose="020B0604020202020204" pitchFamily="34" charset="0"/>
-              <a:buNone/>
-            </a:pPr>
-            <a:r>
-              <a:rPr lang="en-US" dirty="0"/>
-              <a:t>CREATE TABLE People</a:t>
-            </a:r>
-          </a:p>
-          <a:p>
-            <a:pPr marL="0" indent="0">
-              <a:buFont typeface="Arial" panose="020B0604020202020204" pitchFamily="34" charset="0"/>
-              <a:buNone/>
-            </a:pPr>
-            <a:r>
-              <a:rPr lang="en-US" dirty="0"/>
-              <a:t>(</a:t>
-            </a:r>
-          </a:p>
-          <a:p>
-            <a:pPr marL="0" indent="0">
-              <a:buFont typeface="Arial" panose="020B0604020202020204" pitchFamily="34" charset="0"/>
-              <a:buNone/>
-            </a:pPr>
-            <a:r>
-              <a:rPr lang="en-US" dirty="0" err="1"/>
-              <a:t>PersonID</a:t>
-            </a:r>
-            <a:r>
-              <a:rPr lang="en-US" dirty="0"/>
-              <a:t> </a:t>
-            </a:r>
-            <a:r>
-              <a:rPr lang="en-US" dirty="0" err="1"/>
-              <a:t>int</a:t>
-            </a:r>
-            <a:r>
-              <a:rPr lang="en-US" dirty="0"/>
-              <a:t>,</a:t>
-            </a:r>
-          </a:p>
-          <a:p>
-            <a:pPr marL="0" indent="0">
-              <a:buFont typeface="Arial" panose="020B0604020202020204" pitchFamily="34" charset="0"/>
-              <a:buNone/>
-            </a:pPr>
-            <a:r>
-              <a:rPr lang="en-US" dirty="0" err="1"/>
-              <a:t>LastName</a:t>
-            </a:r>
-            <a:r>
-              <a:rPr lang="en-US" dirty="0"/>
-              <a:t> varchar(255),</a:t>
-            </a:r>
-          </a:p>
-          <a:p>
-            <a:pPr marL="0" indent="0">
-              <a:buFont typeface="Arial" panose="020B0604020202020204" pitchFamily="34" charset="0"/>
-              <a:buNone/>
-            </a:pPr>
-            <a:r>
-              <a:rPr lang="en-US" dirty="0" err="1"/>
-              <a:t>FirstName</a:t>
-            </a:r>
-            <a:r>
-              <a:rPr lang="en-US" dirty="0"/>
-              <a:t> varchar(255),</a:t>
-            </a:r>
-          </a:p>
-          <a:p>
-            <a:pPr marL="0" indent="0">
-              <a:buFont typeface="Arial" panose="020B0604020202020204" pitchFamily="34" charset="0"/>
-              <a:buNone/>
-            </a:pPr>
-            <a:r>
-              <a:rPr lang="en-US" dirty="0"/>
-              <a:t>Address varchar(255),</a:t>
-            </a:r>
-          </a:p>
-          <a:p>
-            <a:pPr marL="0" indent="0">
-              <a:buFont typeface="Arial" panose="020B0604020202020204" pitchFamily="34" charset="0"/>
-              <a:buNone/>
-            </a:pPr>
-            <a:r>
-              <a:rPr lang="en-US" dirty="0"/>
-              <a:t>City varchar(255)</a:t>
-            </a:r>
-          </a:p>
-          <a:p>
-            <a:pPr marL="0" indent="0">
-              <a:buFont typeface="Arial" panose="020B0604020202020204" pitchFamily="34" charset="0"/>
-              <a:buNone/>
-            </a:pPr>
-            <a:r>
-              <a:rPr lang="en-US" dirty="0"/>
-              <a:t>);</a:t>
-            </a:r>
-          </a:p>
         </p:txBody>
       </p:sp>
       <p:sp>
@@ -1632,7 +1502,7 @@
           <a:bodyPr/>
           <a:lstStyle/>
           <a:p>
-            <a:fld id="{47953CCA-A289-4AEA-ABEC-479E6002D229}" type="slidenum">
+            <a:fld id="{90562276-63C7-43F9-8E9E-CFA137F6F839}" type="slidenum">
               <a:rPr lang="en-US" smtClean="0"/>
               <a:t>14</a:t>
             </a:fld>
@@ -1643,7 +1513,7 @@
     </p:spTree>
     <p:extLst>
       <p:ext uri="{BB962C8B-B14F-4D97-AF65-F5344CB8AC3E}">
-        <p14:creationId xmlns:p14="http://schemas.microsoft.com/office/powerpoint/2010/main" val="1913902188"/>
+        <p14:creationId xmlns:p14="http://schemas.microsoft.com/office/powerpoint/2010/main" val="819042774"/>
       </p:ext>
     </p:extLst>
   </p:cSld>
@@ -1697,251 +1567,142 @@
           <a:bodyPr/>
           <a:lstStyle/>
           <a:p>
-            <a:pPr marL="171450" lvl="0" indent="-171450">
+            <a:pPr marL="171450" indent="-171450">
               <a:buFont typeface="Arial" panose="020B0604020202020204" pitchFamily="34" charset="0"/>
               <a:buChar char="•"/>
             </a:pPr>
             <a:r>
-              <a:rPr lang="en-US" sz="1200" kern="1200" dirty="0">
-                <a:solidFill>
-                  <a:schemeClr val="tx1"/>
-                </a:solidFill>
-                <a:effectLst/>
-                <a:latin typeface="+mn-lt"/>
-                <a:ea typeface="+mn-ea"/>
-                <a:cs typeface="+mn-cs"/>
-              </a:rPr>
-              <a:t>Name a </a:t>
-            </a:r>
-            <a:r>
-              <a:rPr lang="en-US" sz="1200" kern="1200" dirty="0" err="1">
-                <a:solidFill>
-                  <a:schemeClr val="tx1"/>
-                </a:solidFill>
-                <a:effectLst/>
-                <a:latin typeface="+mn-lt"/>
-                <a:ea typeface="+mn-ea"/>
-                <a:cs typeface="+mn-cs"/>
-              </a:rPr>
-              <a:t>MySql</a:t>
-            </a:r>
-            <a:r>
-              <a:rPr lang="en-US" sz="1200" kern="1200" dirty="0">
-                <a:solidFill>
-                  <a:schemeClr val="tx1"/>
-                </a:solidFill>
-                <a:effectLst/>
-                <a:latin typeface="+mn-lt"/>
-                <a:ea typeface="+mn-ea"/>
-                <a:cs typeface="+mn-cs"/>
-              </a:rPr>
-              <a:t> data type for a number with no decimals</a:t>
-            </a:r>
-          </a:p>
-          <a:p>
-            <a:pPr marL="171450" lvl="0" indent="-171450">
+              <a:rPr lang="en-US" dirty="0"/>
+              <a:t>Let’s go through our</a:t>
+            </a:r>
+            <a:r>
+              <a:rPr lang="en-US" baseline="0" dirty="0"/>
+              <a:t> assessment application and create some tables</a:t>
+            </a:r>
+          </a:p>
+          <a:p>
+            <a:pPr marL="171450" indent="-171450">
               <a:buFont typeface="Arial" panose="020B0604020202020204" pitchFamily="34" charset="0"/>
               <a:buChar char="•"/>
             </a:pPr>
-            <a:r>
-              <a:rPr lang="en-US" sz="1200" kern="1200" dirty="0">
-                <a:solidFill>
-                  <a:schemeClr val="tx1"/>
-                </a:solidFill>
-                <a:effectLst/>
-                <a:latin typeface="+mn-lt"/>
-                <a:ea typeface="+mn-ea"/>
-                <a:cs typeface="+mn-cs"/>
-              </a:rPr>
-              <a:t>Name a </a:t>
-            </a:r>
-            <a:r>
-              <a:rPr lang="en-US" sz="1200" kern="1200" dirty="0" err="1">
-                <a:solidFill>
-                  <a:schemeClr val="tx1"/>
-                </a:solidFill>
-                <a:effectLst/>
-                <a:latin typeface="+mn-lt"/>
-                <a:ea typeface="+mn-ea"/>
-                <a:cs typeface="+mn-cs"/>
-              </a:rPr>
-              <a:t>MySql</a:t>
-            </a:r>
-            <a:r>
-              <a:rPr lang="en-US" sz="1200" kern="1200" dirty="0">
-                <a:solidFill>
-                  <a:schemeClr val="tx1"/>
-                </a:solidFill>
-                <a:effectLst/>
-                <a:latin typeface="+mn-lt"/>
-                <a:ea typeface="+mn-ea"/>
-                <a:cs typeface="+mn-cs"/>
-              </a:rPr>
-              <a:t> data type for a number with decimals</a:t>
-            </a:r>
-          </a:p>
-          <a:p>
-            <a:pPr marL="171450" lvl="0" indent="-171450">
+            <a:endParaRPr lang="en-US" baseline="0" dirty="0"/>
+          </a:p>
+          <a:p>
+            <a:pPr marL="0" indent="0">
               <a:buFont typeface="Arial" panose="020B0604020202020204" pitchFamily="34" charset="0"/>
-              <a:buChar char="•"/>
-            </a:pPr>
-            <a:r>
-              <a:rPr lang="en-US" sz="1200" kern="1200" dirty="0">
-                <a:solidFill>
-                  <a:schemeClr val="tx1"/>
-                </a:solidFill>
-                <a:effectLst/>
-                <a:latin typeface="+mn-lt"/>
-                <a:ea typeface="+mn-ea"/>
-                <a:cs typeface="+mn-cs"/>
-              </a:rPr>
-              <a:t>Name a </a:t>
-            </a:r>
-            <a:r>
-              <a:rPr lang="en-US" sz="1200" kern="1200" dirty="0" err="1">
-                <a:solidFill>
-                  <a:schemeClr val="tx1"/>
-                </a:solidFill>
-                <a:effectLst/>
-                <a:latin typeface="+mn-lt"/>
-                <a:ea typeface="+mn-ea"/>
-                <a:cs typeface="+mn-cs"/>
-              </a:rPr>
-              <a:t>MySql</a:t>
-            </a:r>
-            <a:r>
-              <a:rPr lang="en-US" sz="1200" kern="1200" dirty="0">
-                <a:solidFill>
-                  <a:schemeClr val="tx1"/>
-                </a:solidFill>
-                <a:effectLst/>
-                <a:latin typeface="+mn-lt"/>
-                <a:ea typeface="+mn-ea"/>
-                <a:cs typeface="+mn-cs"/>
-              </a:rPr>
-              <a:t> data type for variable strings</a:t>
-            </a:r>
-          </a:p>
-          <a:p>
-            <a:pPr marL="171450" lvl="0" indent="-171450">
+              <a:buNone/>
+            </a:pPr>
+            <a:r>
+              <a:rPr lang="en-US" dirty="0"/>
+              <a:t>https://www.w3schools.com/sql/trysql.asp?filename=trysql_create_table</a:t>
+            </a:r>
+          </a:p>
+          <a:p>
+            <a:pPr marL="0" indent="0">
               <a:buFont typeface="Arial" panose="020B0604020202020204" pitchFamily="34" charset="0"/>
-              <a:buChar char="•"/>
-            </a:pPr>
-            <a:r>
-              <a:rPr lang="en-US" sz="1200" kern="1200" dirty="0">
-                <a:solidFill>
-                  <a:schemeClr val="tx1"/>
-                </a:solidFill>
-                <a:effectLst/>
-                <a:latin typeface="+mn-lt"/>
-                <a:ea typeface="+mn-ea"/>
-                <a:cs typeface="+mn-cs"/>
-              </a:rPr>
-              <a:t>Write on the board a create statement that creates a table named Employee with an </a:t>
-            </a:r>
-            <a:r>
-              <a:rPr lang="en-US" sz="1200" kern="1200" dirty="0" err="1">
-                <a:solidFill>
-                  <a:schemeClr val="tx1"/>
-                </a:solidFill>
-                <a:effectLst/>
-                <a:latin typeface="+mn-lt"/>
-                <a:ea typeface="+mn-ea"/>
-                <a:cs typeface="+mn-cs"/>
-              </a:rPr>
-              <a:t>EmployeeID</a:t>
-            </a:r>
-            <a:r>
-              <a:rPr lang="en-US" sz="1200" kern="1200" dirty="0">
-                <a:solidFill>
-                  <a:schemeClr val="tx1"/>
-                </a:solidFill>
-                <a:effectLst/>
-                <a:latin typeface="+mn-lt"/>
-                <a:ea typeface="+mn-ea"/>
-                <a:cs typeface="+mn-cs"/>
-              </a:rPr>
-              <a:t>, </a:t>
-            </a:r>
-            <a:r>
-              <a:rPr lang="en-US" sz="1200" kern="1200" dirty="0" err="1">
-                <a:solidFill>
-                  <a:schemeClr val="tx1"/>
-                </a:solidFill>
-                <a:effectLst/>
-                <a:latin typeface="+mn-lt"/>
-                <a:ea typeface="+mn-ea"/>
-                <a:cs typeface="+mn-cs"/>
-              </a:rPr>
+              <a:buNone/>
+            </a:pPr>
+            <a:endParaRPr lang="en-US" dirty="0"/>
+          </a:p>
+          <a:p>
+            <a:pPr marL="0" indent="0">
+              <a:buFont typeface="Arial" panose="020B0604020202020204" pitchFamily="34" charset="0"/>
+              <a:buNone/>
+            </a:pPr>
+            <a:r>
+              <a:rPr lang="en-US" dirty="0"/>
+              <a:t>CREATE TABLE People</a:t>
+            </a:r>
+          </a:p>
+          <a:p>
+            <a:pPr marL="0" indent="0">
+              <a:buFont typeface="Arial" panose="020B0604020202020204" pitchFamily="34" charset="0"/>
+              <a:buNone/>
+            </a:pPr>
+            <a:r>
+              <a:rPr lang="en-US" dirty="0"/>
+              <a:t>(</a:t>
+            </a:r>
+          </a:p>
+          <a:p>
+            <a:pPr marL="0" indent="0">
+              <a:buFont typeface="Arial" panose="020B0604020202020204" pitchFamily="34" charset="0"/>
+              <a:buNone/>
+            </a:pPr>
+            <a:r>
+              <a:rPr lang="en-US" dirty="0" err="1"/>
+              <a:t>PersonID</a:t>
+            </a:r>
+            <a:r>
+              <a:rPr lang="en-US" dirty="0"/>
+              <a:t> </a:t>
+            </a:r>
+            <a:r>
+              <a:rPr lang="en-US" dirty="0" err="1"/>
+              <a:t>int</a:t>
+            </a:r>
+            <a:r>
+              <a:rPr lang="en-US" dirty="0"/>
+              <a:t>,</a:t>
+            </a:r>
+          </a:p>
+          <a:p>
+            <a:pPr marL="0" indent="0">
+              <a:buFont typeface="Arial" panose="020B0604020202020204" pitchFamily="34" charset="0"/>
+              <a:buNone/>
+            </a:pPr>
+            <a:r>
+              <a:rPr lang="en-US" dirty="0" err="1"/>
+              <a:t>LastName</a:t>
+            </a:r>
+            <a:r>
+              <a:rPr lang="en-US" dirty="0"/>
+              <a:t> varchar(255),</a:t>
+            </a:r>
+          </a:p>
+          <a:p>
+            <a:pPr marL="0" indent="0">
+              <a:buFont typeface="Arial" panose="020B0604020202020204" pitchFamily="34" charset="0"/>
+              <a:buNone/>
+            </a:pPr>
+            <a:r>
+              <a:rPr lang="en-US" dirty="0" err="1"/>
               <a:t>FirstName</a:t>
             </a:r>
             <a:r>
-              <a:rPr lang="en-US" sz="1200" kern="1200" dirty="0">
-                <a:solidFill>
-                  <a:schemeClr val="tx1"/>
-                </a:solidFill>
-                <a:effectLst/>
-                <a:latin typeface="+mn-lt"/>
-                <a:ea typeface="+mn-ea"/>
-                <a:cs typeface="+mn-cs"/>
-              </a:rPr>
-              <a:t>, and </a:t>
-            </a:r>
-            <a:r>
-              <a:rPr lang="en-US" sz="1200" kern="1200" dirty="0" err="1">
-                <a:solidFill>
-                  <a:schemeClr val="tx1"/>
-                </a:solidFill>
-                <a:effectLst/>
-                <a:latin typeface="+mn-lt"/>
-                <a:ea typeface="+mn-ea"/>
-                <a:cs typeface="+mn-cs"/>
-              </a:rPr>
-              <a:t>LastName</a:t>
-            </a:r>
-            <a:r>
-              <a:rPr lang="en-US" sz="1200" kern="1200" dirty="0">
-                <a:solidFill>
-                  <a:schemeClr val="tx1"/>
-                </a:solidFill>
-                <a:effectLst/>
-                <a:latin typeface="+mn-lt"/>
-                <a:ea typeface="+mn-ea"/>
-                <a:cs typeface="+mn-cs"/>
-              </a:rPr>
-              <a:t> column with an auto incrementing primary key for the </a:t>
-            </a:r>
-            <a:r>
-              <a:rPr lang="en-US" sz="1200" kern="1200" dirty="0" err="1">
-                <a:solidFill>
-                  <a:schemeClr val="tx1"/>
-                </a:solidFill>
-                <a:effectLst/>
-                <a:latin typeface="+mn-lt"/>
-                <a:ea typeface="+mn-ea"/>
-                <a:cs typeface="+mn-cs"/>
-              </a:rPr>
-              <a:t>EmployeeID</a:t>
-            </a:r>
-            <a:r>
-              <a:rPr lang="en-US" sz="1200" kern="1200" dirty="0">
-                <a:solidFill>
-                  <a:schemeClr val="tx1"/>
-                </a:solidFill>
-                <a:effectLst/>
-                <a:latin typeface="+mn-lt"/>
-                <a:ea typeface="+mn-ea"/>
-                <a:cs typeface="+mn-cs"/>
-              </a:rPr>
-              <a:t>.</a:t>
-            </a:r>
-          </a:p>
-          <a:p>
-            <a:pPr marL="457200" lvl="1" indent="0">
+              <a:rPr lang="en-US" dirty="0"/>
+              <a:t> varchar(255),</a:t>
+            </a:r>
+          </a:p>
+          <a:p>
+            <a:pPr marL="0" indent="0">
               <a:buFont typeface="Arial" panose="020B0604020202020204" pitchFamily="34" charset="0"/>
               <a:buNone/>
             </a:pPr>
-            <a:endParaRPr lang="en-US" dirty="0"/>
+            <a:r>
+              <a:rPr lang="en-US" dirty="0"/>
+              <a:t>Address varchar(255),</a:t>
+            </a:r>
+          </a:p>
+          <a:p>
+            <a:pPr marL="0" indent="0">
+              <a:buFont typeface="Arial" panose="020B0604020202020204" pitchFamily="34" charset="0"/>
+              <a:buNone/>
+            </a:pPr>
+            <a:r>
+              <a:rPr lang="en-US" dirty="0"/>
+              <a:t>City varchar(255)</a:t>
+            </a:r>
+          </a:p>
+          <a:p>
+            <a:pPr marL="0" indent="0">
+              <a:buFont typeface="Arial" panose="020B0604020202020204" pitchFamily="34" charset="0"/>
+              <a:buNone/>
+            </a:pPr>
+            <a:r>
+              <a:rPr lang="en-US" dirty="0"/>
+              <a:t>);</a:t>
+            </a:r>
           </a:p>
         </p:txBody>
       </p:sp>
@@ -1960,7 +1721,7 @@
           <a:bodyPr/>
           <a:lstStyle/>
           <a:p>
-            <a:fld id="{226FA58D-4B12-4E7B-A2FA-693CE3EACDFD}" type="slidenum">
+            <a:fld id="{47953CCA-A289-4AEA-ABEC-479E6002D229}" type="slidenum">
               <a:rPr lang="en-US" smtClean="0"/>
               <a:t>15</a:t>
             </a:fld>
@@ -1971,7 +1732,7 @@
     </p:spTree>
     <p:extLst>
       <p:ext uri="{BB962C8B-B14F-4D97-AF65-F5344CB8AC3E}">
-        <p14:creationId xmlns:p14="http://schemas.microsoft.com/office/powerpoint/2010/main" val="2697602916"/>
+        <p14:creationId xmlns:p14="http://schemas.microsoft.com/office/powerpoint/2010/main" val="1913902188"/>
       </p:ext>
     </p:extLst>
   </p:cSld>
@@ -2025,9 +1786,249 @@
           <a:bodyPr/>
           <a:lstStyle/>
           <a:p>
-            <a:pPr marL="171450" indent="-171450">
+            <a:pPr marL="171450" lvl="0" indent="-171450">
               <a:buFont typeface="Arial" panose="020B0604020202020204" pitchFamily="34" charset="0"/>
               <a:buChar char="•"/>
+            </a:pPr>
+            <a:r>
+              <a:rPr lang="en-US" sz="1200" kern="1200" dirty="0">
+                <a:solidFill>
+                  <a:schemeClr val="tx1"/>
+                </a:solidFill>
+                <a:effectLst/>
+                <a:latin typeface="+mn-lt"/>
+                <a:ea typeface="+mn-ea"/>
+                <a:cs typeface="+mn-cs"/>
+              </a:rPr>
+              <a:t>Name a </a:t>
+            </a:r>
+            <a:r>
+              <a:rPr lang="en-US" sz="1200" kern="1200" dirty="0" err="1">
+                <a:solidFill>
+                  <a:schemeClr val="tx1"/>
+                </a:solidFill>
+                <a:effectLst/>
+                <a:latin typeface="+mn-lt"/>
+                <a:ea typeface="+mn-ea"/>
+                <a:cs typeface="+mn-cs"/>
+              </a:rPr>
+              <a:t>MySql</a:t>
+            </a:r>
+            <a:r>
+              <a:rPr lang="en-US" sz="1200" kern="1200" dirty="0">
+                <a:solidFill>
+                  <a:schemeClr val="tx1"/>
+                </a:solidFill>
+                <a:effectLst/>
+                <a:latin typeface="+mn-lt"/>
+                <a:ea typeface="+mn-ea"/>
+                <a:cs typeface="+mn-cs"/>
+              </a:rPr>
+              <a:t> data type for a number with no decimals</a:t>
+            </a:r>
+          </a:p>
+          <a:p>
+            <a:pPr marL="171450" lvl="0" indent="-171450">
+              <a:buFont typeface="Arial" panose="020B0604020202020204" pitchFamily="34" charset="0"/>
+              <a:buChar char="•"/>
+            </a:pPr>
+            <a:r>
+              <a:rPr lang="en-US" sz="1200" kern="1200" dirty="0">
+                <a:solidFill>
+                  <a:schemeClr val="tx1"/>
+                </a:solidFill>
+                <a:effectLst/>
+                <a:latin typeface="+mn-lt"/>
+                <a:ea typeface="+mn-ea"/>
+                <a:cs typeface="+mn-cs"/>
+              </a:rPr>
+              <a:t>Name a </a:t>
+            </a:r>
+            <a:r>
+              <a:rPr lang="en-US" sz="1200" kern="1200" dirty="0" err="1">
+                <a:solidFill>
+                  <a:schemeClr val="tx1"/>
+                </a:solidFill>
+                <a:effectLst/>
+                <a:latin typeface="+mn-lt"/>
+                <a:ea typeface="+mn-ea"/>
+                <a:cs typeface="+mn-cs"/>
+              </a:rPr>
+              <a:t>MySql</a:t>
+            </a:r>
+            <a:r>
+              <a:rPr lang="en-US" sz="1200" kern="1200" dirty="0">
+                <a:solidFill>
+                  <a:schemeClr val="tx1"/>
+                </a:solidFill>
+                <a:effectLst/>
+                <a:latin typeface="+mn-lt"/>
+                <a:ea typeface="+mn-ea"/>
+                <a:cs typeface="+mn-cs"/>
+              </a:rPr>
+              <a:t> data type for a number with decimals</a:t>
+            </a:r>
+          </a:p>
+          <a:p>
+            <a:pPr marL="171450" lvl="0" indent="-171450">
+              <a:buFont typeface="Arial" panose="020B0604020202020204" pitchFamily="34" charset="0"/>
+              <a:buChar char="•"/>
+            </a:pPr>
+            <a:r>
+              <a:rPr lang="en-US" sz="1200" kern="1200" dirty="0">
+                <a:solidFill>
+                  <a:schemeClr val="tx1"/>
+                </a:solidFill>
+                <a:effectLst/>
+                <a:latin typeface="+mn-lt"/>
+                <a:ea typeface="+mn-ea"/>
+                <a:cs typeface="+mn-cs"/>
+              </a:rPr>
+              <a:t>Name a </a:t>
+            </a:r>
+            <a:r>
+              <a:rPr lang="en-US" sz="1200" kern="1200" dirty="0" err="1">
+                <a:solidFill>
+                  <a:schemeClr val="tx1"/>
+                </a:solidFill>
+                <a:effectLst/>
+                <a:latin typeface="+mn-lt"/>
+                <a:ea typeface="+mn-ea"/>
+                <a:cs typeface="+mn-cs"/>
+              </a:rPr>
+              <a:t>MySql</a:t>
+            </a:r>
+            <a:r>
+              <a:rPr lang="en-US" sz="1200" kern="1200" dirty="0">
+                <a:solidFill>
+                  <a:schemeClr val="tx1"/>
+                </a:solidFill>
+                <a:effectLst/>
+                <a:latin typeface="+mn-lt"/>
+                <a:ea typeface="+mn-ea"/>
+                <a:cs typeface="+mn-cs"/>
+              </a:rPr>
+              <a:t> data type for variable strings</a:t>
+            </a:r>
+          </a:p>
+          <a:p>
+            <a:pPr marL="171450" lvl="0" indent="-171450">
+              <a:buFont typeface="Arial" panose="020B0604020202020204" pitchFamily="34" charset="0"/>
+              <a:buChar char="•"/>
+            </a:pPr>
+            <a:r>
+              <a:rPr lang="en-US" sz="1200" kern="1200" dirty="0">
+                <a:solidFill>
+                  <a:schemeClr val="tx1"/>
+                </a:solidFill>
+                <a:effectLst/>
+                <a:latin typeface="+mn-lt"/>
+                <a:ea typeface="+mn-ea"/>
+                <a:cs typeface="+mn-cs"/>
+              </a:rPr>
+              <a:t>Write on the board a create statement that creates a table named Employee with an </a:t>
+            </a:r>
+            <a:r>
+              <a:rPr lang="en-US" sz="1200" kern="1200" dirty="0" err="1">
+                <a:solidFill>
+                  <a:schemeClr val="tx1"/>
+                </a:solidFill>
+                <a:effectLst/>
+                <a:latin typeface="+mn-lt"/>
+                <a:ea typeface="+mn-ea"/>
+                <a:cs typeface="+mn-cs"/>
+              </a:rPr>
+              <a:t>EmployeeID</a:t>
+            </a:r>
+            <a:r>
+              <a:rPr lang="en-US" sz="1200" kern="1200" dirty="0">
+                <a:solidFill>
+                  <a:schemeClr val="tx1"/>
+                </a:solidFill>
+                <a:effectLst/>
+                <a:latin typeface="+mn-lt"/>
+                <a:ea typeface="+mn-ea"/>
+                <a:cs typeface="+mn-cs"/>
+              </a:rPr>
+              <a:t>, </a:t>
+            </a:r>
+            <a:r>
+              <a:rPr lang="en-US" sz="1200" kern="1200" dirty="0" err="1">
+                <a:solidFill>
+                  <a:schemeClr val="tx1"/>
+                </a:solidFill>
+                <a:effectLst/>
+                <a:latin typeface="+mn-lt"/>
+                <a:ea typeface="+mn-ea"/>
+                <a:cs typeface="+mn-cs"/>
+              </a:rPr>
+              <a:t>FirstName</a:t>
+            </a:r>
+            <a:r>
+              <a:rPr lang="en-US" sz="1200" kern="1200" dirty="0">
+                <a:solidFill>
+                  <a:schemeClr val="tx1"/>
+                </a:solidFill>
+                <a:effectLst/>
+                <a:latin typeface="+mn-lt"/>
+                <a:ea typeface="+mn-ea"/>
+                <a:cs typeface="+mn-cs"/>
+              </a:rPr>
+              <a:t>, and </a:t>
+            </a:r>
+            <a:r>
+              <a:rPr lang="en-US" sz="1200" kern="1200" dirty="0" err="1">
+                <a:solidFill>
+                  <a:schemeClr val="tx1"/>
+                </a:solidFill>
+                <a:effectLst/>
+                <a:latin typeface="+mn-lt"/>
+                <a:ea typeface="+mn-ea"/>
+                <a:cs typeface="+mn-cs"/>
+              </a:rPr>
+              <a:t>LastName</a:t>
+            </a:r>
+            <a:r>
+              <a:rPr lang="en-US" sz="1200" kern="1200" dirty="0">
+                <a:solidFill>
+                  <a:schemeClr val="tx1"/>
+                </a:solidFill>
+                <a:effectLst/>
+                <a:latin typeface="+mn-lt"/>
+                <a:ea typeface="+mn-ea"/>
+                <a:cs typeface="+mn-cs"/>
+              </a:rPr>
+              <a:t> column with an auto incrementing primary key for the </a:t>
+            </a:r>
+            <a:r>
+              <a:rPr lang="en-US" sz="1200" kern="1200" dirty="0" err="1">
+                <a:solidFill>
+                  <a:schemeClr val="tx1"/>
+                </a:solidFill>
+                <a:effectLst/>
+                <a:latin typeface="+mn-lt"/>
+                <a:ea typeface="+mn-ea"/>
+                <a:cs typeface="+mn-cs"/>
+              </a:rPr>
+              <a:t>EmployeeID</a:t>
+            </a:r>
+            <a:r>
+              <a:rPr lang="en-US" sz="1200" kern="1200" dirty="0">
+                <a:solidFill>
+                  <a:schemeClr val="tx1"/>
+                </a:solidFill>
+                <a:effectLst/>
+                <a:latin typeface="+mn-lt"/>
+                <a:ea typeface="+mn-ea"/>
+                <a:cs typeface="+mn-cs"/>
+              </a:rPr>
+              <a:t>.</a:t>
+            </a:r>
+          </a:p>
+          <a:p>
+            <a:pPr marL="457200" lvl="1" indent="0">
+              <a:buFont typeface="Arial" panose="020B0604020202020204" pitchFamily="34" charset="0"/>
+              <a:buNone/>
             </a:pPr>
             <a:endParaRPr lang="en-US" dirty="0"/>
           </a:p>
@@ -2059,7 +2060,7 @@
     </p:spTree>
     <p:extLst>
       <p:ext uri="{BB962C8B-B14F-4D97-AF65-F5344CB8AC3E}">
-        <p14:creationId xmlns:p14="http://schemas.microsoft.com/office/powerpoint/2010/main" val="2493069679"/>
+        <p14:creationId xmlns:p14="http://schemas.microsoft.com/office/powerpoint/2010/main" val="2697602916"/>
       </p:ext>
     </p:extLst>
   </p:cSld>
@@ -2147,7 +2148,7 @@
     </p:spTree>
     <p:extLst>
       <p:ext uri="{BB962C8B-B14F-4D97-AF65-F5344CB8AC3E}">
-        <p14:creationId xmlns:p14="http://schemas.microsoft.com/office/powerpoint/2010/main" val="2500507517"/>
+        <p14:creationId xmlns:p14="http://schemas.microsoft.com/office/powerpoint/2010/main" val="2493069679"/>
       </p:ext>
     </p:extLst>
   </p:cSld>
@@ -2235,7 +2236,7 @@
     </p:spTree>
     <p:extLst>
       <p:ext uri="{BB962C8B-B14F-4D97-AF65-F5344CB8AC3E}">
-        <p14:creationId xmlns:p14="http://schemas.microsoft.com/office/powerpoint/2010/main" val="1793474646"/>
+        <p14:creationId xmlns:p14="http://schemas.microsoft.com/office/powerpoint/2010/main" val="2500507517"/>
       </p:ext>
     </p:extLst>
   </p:cSld>
@@ -2323,7 +2324,7 @@
     </p:spTree>
     <p:extLst>
       <p:ext uri="{BB962C8B-B14F-4D97-AF65-F5344CB8AC3E}">
-        <p14:creationId xmlns:p14="http://schemas.microsoft.com/office/powerpoint/2010/main" val="376179991"/>
+        <p14:creationId xmlns:p14="http://schemas.microsoft.com/office/powerpoint/2010/main" val="1793474646"/>
       </p:ext>
     </p:extLst>
   </p:cSld>
@@ -2381,30 +2382,7 @@
               <a:buFont typeface="Arial" panose="020B0604020202020204" pitchFamily="34" charset="0"/>
               <a:buChar char="•"/>
             </a:pPr>
-            <a:r>
-              <a:rPr lang="en-US" baseline="0" dirty="0"/>
-              <a:t>There are several ANSI join types.  These include cross join, inner join, left outer join, right outer join, and full outer join.</a:t>
-            </a:r>
-          </a:p>
-          <a:p>
-            <a:pPr marL="171450" indent="-171450">
-              <a:buFont typeface="Arial" panose="020B0604020202020204" pitchFamily="34" charset="0"/>
-              <a:buChar char="•"/>
-            </a:pPr>
-            <a:r>
-              <a:rPr lang="en-US" baseline="0" dirty="0"/>
-              <a:t>Each of these join types produce different results when you join tables together.</a:t>
-            </a:r>
-          </a:p>
-          <a:p>
-            <a:pPr marL="171450" indent="-171450">
-              <a:buFont typeface="Arial" panose="020B0604020202020204" pitchFamily="34" charset="0"/>
-              <a:buChar char="•"/>
-            </a:pPr>
-            <a:r>
-              <a:rPr lang="en-US" baseline="0" dirty="0"/>
-              <a:t>We will go through only Inner, Left Outer, and Right Outer Joins</a:t>
-            </a:r>
+            <a:endParaRPr lang="en-US" dirty="0"/>
           </a:p>
         </p:txBody>
       </p:sp>
@@ -2423,7 +2401,7 @@
           <a:bodyPr/>
           <a:lstStyle/>
           <a:p>
-            <a:fld id="{90562276-63C7-43F9-8E9E-CFA137F6F839}" type="slidenum">
+            <a:fld id="{226FA58D-4B12-4E7B-A2FA-693CE3EACDFD}" type="slidenum">
               <a:rPr lang="en-US" smtClean="0"/>
               <a:t>20</a:t>
             </a:fld>
@@ -2434,7 +2412,7 @@
     </p:spTree>
     <p:extLst>
       <p:ext uri="{BB962C8B-B14F-4D97-AF65-F5344CB8AC3E}">
-        <p14:creationId xmlns:p14="http://schemas.microsoft.com/office/powerpoint/2010/main" val="1985061505"/>
+        <p14:creationId xmlns:p14="http://schemas.microsoft.com/office/powerpoint/2010/main" val="376179991"/>
       </p:ext>
     </p:extLst>
   </p:cSld>
@@ -2699,7 +2677,7 @@
             </a:pPr>
             <a:r>
               <a:rPr lang="en-US" baseline="0" dirty="0"/>
-              <a:t>The inner join is maybe the most common join you will use in a relational database.</a:t>
+              <a:t>You may have noticed that we were not using the full name of the table to identify where columns where coming from</a:t>
             </a:r>
           </a:p>
           <a:p>
@@ -2709,7 +2687,7 @@
             </a:pPr>
             <a:r>
               <a:rPr lang="en-US" baseline="0" dirty="0"/>
-              <a:t>Similar to the cross join, it matches each row from the first table to every table in the second, but only based upon the condition specified.</a:t>
+              <a:t>This is because we have placed an alias right after the table.</a:t>
             </a:r>
           </a:p>
           <a:p>
@@ -2719,7 +2697,7 @@
             </a:pPr>
             <a:r>
               <a:rPr lang="en-US" baseline="0" dirty="0"/>
-              <a:t>So, in the example you see we have added the on condition.</a:t>
+              <a:t>This alias can then be used to reference that table</a:t>
             </a:r>
           </a:p>
           <a:p>
@@ -2729,41 +2707,7 @@
             </a:pPr>
             <a:r>
               <a:rPr lang="en-US" baseline="0" dirty="0"/>
-              <a:t>In this instance we are joining on the </a:t>
-            </a:r>
-            <a:r>
-              <a:rPr lang="en-US" baseline="0" dirty="0" err="1"/>
-              <a:t>TeacherId</a:t>
-            </a:r>
-            <a:r>
-              <a:rPr lang="en-US" baseline="0" dirty="0"/>
-              <a:t> of the first table to the </a:t>
-            </a:r>
-            <a:r>
-              <a:rPr lang="en-US" baseline="0" dirty="0" err="1"/>
-              <a:t>TeacherId</a:t>
-            </a:r>
-            <a:r>
-              <a:rPr lang="en-US" baseline="0" dirty="0"/>
-              <a:t> of the second table.</a:t>
-            </a:r>
-          </a:p>
-          <a:p>
-            <a:pPr marL="171450" indent="-171450">
-              <a:buFont typeface="Arial" panose="020B0604020202020204" pitchFamily="34" charset="0"/>
-              <a:buChar char="•"/>
-            </a:pPr>
-            <a:r>
-              <a:rPr lang="en-US" baseline="0" dirty="0"/>
-              <a:t>So, the results will only return when the </a:t>
-            </a:r>
-            <a:r>
-              <a:rPr lang="en-US" baseline="0" dirty="0" err="1"/>
-              <a:t>TeacherId</a:t>
-            </a:r>
-            <a:r>
-              <a:rPr lang="en-US" baseline="0" dirty="0"/>
-              <a:t> in the first table is in the second table and they match.</a:t>
+              <a:t>If we were not using an alias you could write out the full name of the table, but this would take more time.</a:t>
             </a:r>
           </a:p>
         </p:txBody>
@@ -2794,7 +2738,7 @@
     </p:spTree>
     <p:extLst>
       <p:ext uri="{BB962C8B-B14F-4D97-AF65-F5344CB8AC3E}">
-        <p14:creationId xmlns:p14="http://schemas.microsoft.com/office/powerpoint/2010/main" val="760541286"/>
+        <p14:creationId xmlns:p14="http://schemas.microsoft.com/office/powerpoint/2010/main" val="2911305850"/>
       </p:ext>
     </p:extLst>
   </p:cSld>
@@ -2854,7 +2798,7 @@
             </a:pPr>
             <a:r>
               <a:rPr lang="en-US" baseline="0" dirty="0"/>
-              <a:t>The outer joins are all related to each other.  We are going to start with the Left Outer Join.</a:t>
+              <a:t>Column alias’ allow you to give a more descriptive name of a result</a:t>
             </a:r>
           </a:p>
           <a:p>
@@ -2864,7 +2808,7 @@
             </a:pPr>
             <a:r>
               <a:rPr lang="en-US" baseline="0" dirty="0"/>
-              <a:t>With left outer join, every record from the first table is returned no matter what.  </a:t>
+              <a:t>Use the AS syntax followed by the alias that you want to provide</a:t>
             </a:r>
           </a:p>
           <a:p>
@@ -2874,7 +2818,23 @@
             </a:pPr>
             <a:r>
               <a:rPr lang="en-US" baseline="0" dirty="0"/>
-              <a:t>Results will be returned from the second table if there is a match based upon the condition.</a:t>
+              <a:t>In this example we are specifying the </a:t>
+            </a:r>
+            <a:r>
+              <a:rPr lang="en-US" baseline="0" dirty="0" err="1"/>
+              <a:t>t.FirstName</a:t>
+            </a:r>
+            <a:r>
+              <a:rPr lang="en-US" baseline="0" dirty="0"/>
+              <a:t> as </a:t>
+            </a:r>
+            <a:r>
+              <a:rPr lang="en-US" baseline="0" dirty="0" err="1"/>
+              <a:t>TeacherFirstName</a:t>
+            </a:r>
+            <a:r>
+              <a:rPr lang="en-US" baseline="0" dirty="0"/>
+              <a:t> for clarification.</a:t>
             </a:r>
           </a:p>
           <a:p>
@@ -2884,27 +2844,7 @@
             </a:pPr>
             <a:r>
               <a:rPr lang="en-US" baseline="0" dirty="0"/>
-              <a:t>If there are multiple results in the second table that match, then a row will be returned for each.</a:t>
-            </a:r>
-          </a:p>
-          <a:p>
-            <a:pPr marL="171450" indent="-171450">
-              <a:buFont typeface="Arial" panose="020B0604020202020204" pitchFamily="34" charset="0"/>
-              <a:buChar char="•"/>
-            </a:pPr>
-            <a:r>
-              <a:rPr lang="en-US" baseline="0" dirty="0"/>
-              <a:t>If there is not a match in the second table then nulls will be returned for each column reference to the second table.</a:t>
-            </a:r>
-          </a:p>
-          <a:p>
-            <a:pPr marL="171450" indent="-171450">
-              <a:buFont typeface="Arial" panose="020B0604020202020204" pitchFamily="34" charset="0"/>
-              <a:buChar char="•"/>
-            </a:pPr>
-            <a:r>
-              <a:rPr lang="en-US" baseline="0" dirty="0"/>
-              <a:t>The syntax is very similar to the inner join, just replace inner with left outer.</a:t>
+              <a:t>There could be tables with the same column names and alias’ allow us to return both in the same result and name them something different.</a:t>
             </a:r>
           </a:p>
         </p:txBody>
@@ -2935,7 +2875,7 @@
     </p:spTree>
     <p:extLst>
       <p:ext uri="{BB962C8B-B14F-4D97-AF65-F5344CB8AC3E}">
-        <p14:creationId xmlns:p14="http://schemas.microsoft.com/office/powerpoint/2010/main" val="1792621293"/>
+        <p14:creationId xmlns:p14="http://schemas.microsoft.com/office/powerpoint/2010/main" val="2436567246"/>
       </p:ext>
     </p:extLst>
   </p:cSld>
@@ -2995,7 +2935,7 @@
             </a:pPr>
             <a:r>
               <a:rPr lang="en-US" baseline="0" dirty="0"/>
-              <a:t>The Right Outer Join is the opposite of the Left Outer Join.</a:t>
+              <a:t>There are several ANSI join types.  These include cross join, inner join, left outer join, right outer join, and full outer join.</a:t>
             </a:r>
           </a:p>
           <a:p>
@@ -3005,7 +2945,7 @@
             </a:pPr>
             <a:r>
               <a:rPr lang="en-US" baseline="0" dirty="0"/>
-              <a:t>With right outer join, every record from the second table is returned no matter what.  </a:t>
+              <a:t>Each of these join types produce different results when you join tables together.</a:t>
             </a:r>
           </a:p>
           <a:p>
@@ -3015,37 +2955,7 @@
             </a:pPr>
             <a:r>
               <a:rPr lang="en-US" baseline="0" dirty="0"/>
-              <a:t>Results will be returned from the first table if there is a match based upon the condition.</a:t>
-            </a:r>
-          </a:p>
-          <a:p>
-            <a:pPr marL="171450" indent="-171450">
-              <a:buFont typeface="Arial" panose="020B0604020202020204" pitchFamily="34" charset="0"/>
-              <a:buChar char="•"/>
-            </a:pPr>
-            <a:r>
-              <a:rPr lang="en-US" baseline="0" dirty="0"/>
-              <a:t>If there are multiple results in the first table that match, then a row will be returned for each.</a:t>
-            </a:r>
-          </a:p>
-          <a:p>
-            <a:pPr marL="171450" indent="-171450">
-              <a:buFont typeface="Arial" panose="020B0604020202020204" pitchFamily="34" charset="0"/>
-              <a:buChar char="•"/>
-            </a:pPr>
-            <a:r>
-              <a:rPr lang="en-US" baseline="0" dirty="0"/>
-              <a:t>If there is not a match in the first table then nulls will be returned for each column reference to the first table.</a:t>
-            </a:r>
-          </a:p>
-          <a:p>
-            <a:pPr marL="171450" indent="-171450">
-              <a:buFont typeface="Arial" panose="020B0604020202020204" pitchFamily="34" charset="0"/>
-              <a:buChar char="•"/>
-            </a:pPr>
-            <a:r>
-              <a:rPr lang="en-US" baseline="0" dirty="0"/>
-              <a:t>The syntax is very similar to the left outer join, just replace left with right.</a:t>
+              <a:t>We will go through only Inner, Left Outer, and Right Outer Joins</a:t>
             </a:r>
           </a:p>
         </p:txBody>
@@ -3076,7 +2986,7 @@
     </p:spTree>
     <p:extLst>
       <p:ext uri="{BB962C8B-B14F-4D97-AF65-F5344CB8AC3E}">
-        <p14:creationId xmlns:p14="http://schemas.microsoft.com/office/powerpoint/2010/main" val="2156910729"/>
+        <p14:creationId xmlns:p14="http://schemas.microsoft.com/office/powerpoint/2010/main" val="1985061505"/>
       </p:ext>
     </p:extLst>
   </p:cSld>
@@ -3136,7 +3046,7 @@
             </a:pPr>
             <a:r>
               <a:rPr lang="en-US" baseline="0" dirty="0"/>
-              <a:t>You may have noticed that we were not using the full name of the table to identify where columns where coming from</a:t>
+              <a:t>The inner join is maybe the most common join you will use in a relational database.</a:t>
             </a:r>
           </a:p>
           <a:p>
@@ -3146,7 +3056,7 @@
             </a:pPr>
             <a:r>
               <a:rPr lang="en-US" baseline="0" dirty="0"/>
-              <a:t>This is because we have placed an alias right after the table.</a:t>
+              <a:t>Similar to the cross join, it matches each row from the first table to every table in the second, but only based upon the condition specified.</a:t>
             </a:r>
           </a:p>
           <a:p>
@@ -3156,7 +3066,7 @@
             </a:pPr>
             <a:r>
               <a:rPr lang="en-US" baseline="0" dirty="0"/>
-              <a:t>This alias can then be used to reference that table</a:t>
+              <a:t>So, in the example you see we have added the on condition.</a:t>
             </a:r>
           </a:p>
           <a:p>
@@ -3166,7 +3076,41 @@
             </a:pPr>
             <a:r>
               <a:rPr lang="en-US" baseline="0" dirty="0"/>
-              <a:t>If we were not using an alias you could write out the full name of the table, but this would take more time.</a:t>
+              <a:t>In this instance we are joining on the </a:t>
+            </a:r>
+            <a:r>
+              <a:rPr lang="en-US" baseline="0" dirty="0" err="1"/>
+              <a:t>TeacherId</a:t>
+            </a:r>
+            <a:r>
+              <a:rPr lang="en-US" baseline="0" dirty="0"/>
+              <a:t> of the first table to the </a:t>
+            </a:r>
+            <a:r>
+              <a:rPr lang="en-US" baseline="0" dirty="0" err="1"/>
+              <a:t>TeacherId</a:t>
+            </a:r>
+            <a:r>
+              <a:rPr lang="en-US" baseline="0" dirty="0"/>
+              <a:t> of the second table.</a:t>
+            </a:r>
+          </a:p>
+          <a:p>
+            <a:pPr marL="171450" indent="-171450">
+              <a:buFont typeface="Arial" panose="020B0604020202020204" pitchFamily="34" charset="0"/>
+              <a:buChar char="•"/>
+            </a:pPr>
+            <a:r>
+              <a:rPr lang="en-US" baseline="0" dirty="0"/>
+              <a:t>So, the results will only return when the </a:t>
+            </a:r>
+            <a:r>
+              <a:rPr lang="en-US" baseline="0" dirty="0" err="1"/>
+              <a:t>TeacherId</a:t>
+            </a:r>
+            <a:r>
+              <a:rPr lang="en-US" baseline="0" dirty="0"/>
+              <a:t> in the first table is in the second table and they match.</a:t>
             </a:r>
           </a:p>
         </p:txBody>
@@ -3197,7 +3141,7 @@
     </p:spTree>
     <p:extLst>
       <p:ext uri="{BB962C8B-B14F-4D97-AF65-F5344CB8AC3E}">
-        <p14:creationId xmlns:p14="http://schemas.microsoft.com/office/powerpoint/2010/main" val="2911305850"/>
+        <p14:creationId xmlns:p14="http://schemas.microsoft.com/office/powerpoint/2010/main" val="760541286"/>
       </p:ext>
     </p:extLst>
   </p:cSld>
@@ -3257,7 +3201,7 @@
             </a:pPr>
             <a:r>
               <a:rPr lang="en-US" baseline="0" dirty="0"/>
-              <a:t>Column alias’ allow you to give a more descriptive name of a result</a:t>
+              <a:t>The outer joins are all related to each other.  We are going to start with the Left Outer Join.</a:t>
             </a:r>
           </a:p>
           <a:p>
@@ -3267,7 +3211,7 @@
             </a:pPr>
             <a:r>
               <a:rPr lang="en-US" baseline="0" dirty="0"/>
-              <a:t>Use the AS syntax followed by the alias that you want to provide</a:t>
+              <a:t>With left outer join, every record from the first table is returned no matter what.  </a:t>
             </a:r>
           </a:p>
           <a:p>
@@ -3277,23 +3221,7 @@
             </a:pPr>
             <a:r>
               <a:rPr lang="en-US" baseline="0" dirty="0"/>
-              <a:t>In this example we are specifying the </a:t>
-            </a:r>
-            <a:r>
-              <a:rPr lang="en-US" baseline="0" dirty="0" err="1"/>
-              <a:t>t.FirstName</a:t>
-            </a:r>
-            <a:r>
-              <a:rPr lang="en-US" baseline="0" dirty="0"/>
-              <a:t> as </a:t>
-            </a:r>
-            <a:r>
-              <a:rPr lang="en-US" baseline="0" dirty="0" err="1"/>
-              <a:t>TeacherFirstName</a:t>
-            </a:r>
-            <a:r>
-              <a:rPr lang="en-US" baseline="0" dirty="0"/>
-              <a:t> for clarification.</a:t>
+              <a:t>Results will be returned from the second table if there is a match based upon the condition.</a:t>
             </a:r>
           </a:p>
           <a:p>
@@ -3303,7 +3231,27 @@
             </a:pPr>
             <a:r>
               <a:rPr lang="en-US" baseline="0" dirty="0"/>
-              <a:t>There could be tables with the same column names and alias’ allow us to return both in the same result and name them something different.</a:t>
+              <a:t>If there are multiple results in the second table that match, then a row will be returned for each.</a:t>
+            </a:r>
+          </a:p>
+          <a:p>
+            <a:pPr marL="171450" indent="-171450">
+              <a:buFont typeface="Arial" panose="020B0604020202020204" pitchFamily="34" charset="0"/>
+              <a:buChar char="•"/>
+            </a:pPr>
+            <a:r>
+              <a:rPr lang="en-US" baseline="0" dirty="0"/>
+              <a:t>If there is not a match in the second table then nulls will be returned for each column reference to the second table.</a:t>
+            </a:r>
+          </a:p>
+          <a:p>
+            <a:pPr marL="171450" indent="-171450">
+              <a:buFont typeface="Arial" panose="020B0604020202020204" pitchFamily="34" charset="0"/>
+              <a:buChar char="•"/>
+            </a:pPr>
+            <a:r>
+              <a:rPr lang="en-US" baseline="0" dirty="0"/>
+              <a:t>The syntax is very similar to the inner join, just replace inner with left outer.</a:t>
             </a:r>
           </a:p>
         </p:txBody>
@@ -3334,7 +3282,7 @@
     </p:spTree>
     <p:extLst>
       <p:ext uri="{BB962C8B-B14F-4D97-AF65-F5344CB8AC3E}">
-        <p14:creationId xmlns:p14="http://schemas.microsoft.com/office/powerpoint/2010/main" val="2436567246"/>
+        <p14:creationId xmlns:p14="http://schemas.microsoft.com/office/powerpoint/2010/main" val="1792621293"/>
       </p:ext>
     </p:extLst>
   </p:cSld>
@@ -3393,12 +3341,8 @@
               <a:buChar char="•"/>
             </a:pPr>
             <a:r>
-              <a:rPr lang="en-US"/>
-              <a:t>So far we have worked with sql that manipulated only a single table</a:t>
-            </a:r>
-            <a:r>
-              <a:rPr lang="en-US" baseline="0"/>
-              <a:t> at a time.</a:t>
+              <a:rPr lang="en-US" baseline="0" dirty="0"/>
+              <a:t>The Right Outer Join is the opposite of the Left Outer Join.</a:t>
             </a:r>
           </a:p>
           <a:p>
@@ -3407,10 +3351,49 @@
               <a:buChar char="•"/>
             </a:pPr>
             <a:r>
-              <a:rPr lang="en-US" baseline="0"/>
-              <a:t>There are many cases with relational databases where we need to use or join multiple tables together at once.</a:t>
-            </a:r>
-            <a:endParaRPr lang="en-US"/>
+              <a:rPr lang="en-US" baseline="0" dirty="0"/>
+              <a:t>With right outer join, every record from the second table is returned no matter what.  </a:t>
+            </a:r>
+          </a:p>
+          <a:p>
+            <a:pPr marL="171450" indent="-171450">
+              <a:buFont typeface="Arial" panose="020B0604020202020204" pitchFamily="34" charset="0"/>
+              <a:buChar char="•"/>
+            </a:pPr>
+            <a:r>
+              <a:rPr lang="en-US" baseline="0" dirty="0"/>
+              <a:t>Results will be returned from the first table if there is a match based upon the condition.</a:t>
+            </a:r>
+          </a:p>
+          <a:p>
+            <a:pPr marL="171450" indent="-171450">
+              <a:buFont typeface="Arial" panose="020B0604020202020204" pitchFamily="34" charset="0"/>
+              <a:buChar char="•"/>
+            </a:pPr>
+            <a:r>
+              <a:rPr lang="en-US" baseline="0" dirty="0"/>
+              <a:t>If there are multiple results in the first table that match, then a row will be returned for each.</a:t>
+            </a:r>
+          </a:p>
+          <a:p>
+            <a:pPr marL="171450" indent="-171450">
+              <a:buFont typeface="Arial" panose="020B0604020202020204" pitchFamily="34" charset="0"/>
+              <a:buChar char="•"/>
+            </a:pPr>
+            <a:r>
+              <a:rPr lang="en-US" baseline="0" dirty="0"/>
+              <a:t>If there is not a match in the first table then nulls will be returned for each column reference to the first table.</a:t>
+            </a:r>
+          </a:p>
+          <a:p>
+            <a:pPr marL="171450" indent="-171450">
+              <a:buFont typeface="Arial" panose="020B0604020202020204" pitchFamily="34" charset="0"/>
+              <a:buChar char="•"/>
+            </a:pPr>
+            <a:r>
+              <a:rPr lang="en-US" baseline="0" dirty="0"/>
+              <a:t>The syntax is very similar to the left outer join, just replace left with right.</a:t>
+            </a:r>
           </a:p>
         </p:txBody>
       </p:sp>
@@ -3429,7 +3412,7 @@
           <a:bodyPr/>
           <a:lstStyle/>
           <a:p>
-            <a:fld id="{42C348E7-451D-4033-8044-BF270FAA6C1F}" type="slidenum">
+            <a:fld id="{90562276-63C7-43F9-8E9E-CFA137F6F839}" type="slidenum">
               <a:rPr lang="en-US" smtClean="0"/>
               <a:t>26</a:t>
             </a:fld>
@@ -3440,7 +3423,7 @@
     </p:spTree>
     <p:extLst>
       <p:ext uri="{BB962C8B-B14F-4D97-AF65-F5344CB8AC3E}">
-        <p14:creationId xmlns:p14="http://schemas.microsoft.com/office/powerpoint/2010/main" val="641899273"/>
+        <p14:creationId xmlns:p14="http://schemas.microsoft.com/office/powerpoint/2010/main" val="2156910729"/>
       </p:ext>
     </p:extLst>
   </p:cSld>
@@ -3494,155 +3477,29 @@
           <a:bodyPr/>
           <a:lstStyle/>
           <a:p>
-            <a:pPr marL="171450" lvl="0" indent="-171450">
+            <a:pPr marL="171450" indent="-171450">
               <a:buFont typeface="Arial" panose="020B0604020202020204" pitchFamily="34" charset="0"/>
               <a:buChar char="•"/>
             </a:pPr>
             <a:r>
-              <a:rPr lang="en-US" sz="1200" kern="1200" dirty="0">
-                <a:solidFill>
-                  <a:schemeClr val="tx1"/>
-                </a:solidFill>
-                <a:effectLst/>
-                <a:latin typeface="+mn-lt"/>
-                <a:ea typeface="+mn-ea"/>
-                <a:cs typeface="+mn-cs"/>
-              </a:rPr>
-              <a:t>Name three joins types</a:t>
-            </a:r>
-          </a:p>
-          <a:p>
-            <a:pPr marL="171450" lvl="0" indent="-171450">
+              <a:rPr lang="en-US"/>
+              <a:t>So far we have worked with sql that manipulated only a single table</a:t>
+            </a:r>
+            <a:r>
+              <a:rPr lang="en-US" baseline="0"/>
+              <a:t> at a time.</a:t>
+            </a:r>
+          </a:p>
+          <a:p>
+            <a:pPr marL="171450" indent="-171450">
               <a:buFont typeface="Arial" panose="020B0604020202020204" pitchFamily="34" charset="0"/>
               <a:buChar char="•"/>
             </a:pPr>
             <a:r>
-              <a:rPr lang="en-US" sz="1200" kern="1200" dirty="0">
-                <a:solidFill>
-                  <a:schemeClr val="tx1"/>
-                </a:solidFill>
-                <a:effectLst/>
-                <a:latin typeface="+mn-lt"/>
-                <a:ea typeface="+mn-ea"/>
-                <a:cs typeface="+mn-cs"/>
-              </a:rPr>
-              <a:t>Write on the board a select statement with an inner join between an Employee table and a Team table.  Both tables include a </a:t>
-            </a:r>
-            <a:r>
-              <a:rPr lang="en-US" sz="1200" kern="1200" dirty="0" err="1">
-                <a:solidFill>
-                  <a:schemeClr val="tx1"/>
-                </a:solidFill>
-                <a:effectLst/>
-                <a:latin typeface="+mn-lt"/>
-                <a:ea typeface="+mn-ea"/>
-                <a:cs typeface="+mn-cs"/>
-              </a:rPr>
-              <a:t>TeamID</a:t>
-            </a:r>
-            <a:r>
-              <a:rPr lang="en-US" sz="1200" kern="1200" dirty="0">
-                <a:solidFill>
-                  <a:schemeClr val="tx1"/>
-                </a:solidFill>
-                <a:effectLst/>
-                <a:latin typeface="+mn-lt"/>
-                <a:ea typeface="+mn-ea"/>
-                <a:cs typeface="+mn-cs"/>
-              </a:rPr>
-              <a:t> column.</a:t>
-            </a:r>
-          </a:p>
-          <a:p>
-            <a:pPr marL="171450" lvl="0" indent="-171450">
-              <a:buFont typeface="Arial" panose="020B0604020202020204" pitchFamily="34" charset="0"/>
-              <a:buChar char="•"/>
-            </a:pPr>
-            <a:r>
-              <a:rPr lang="en-US" sz="1200" kern="1200" dirty="0">
-                <a:solidFill>
-                  <a:schemeClr val="tx1"/>
-                </a:solidFill>
-                <a:effectLst/>
-                <a:latin typeface="+mn-lt"/>
-                <a:ea typeface="+mn-ea"/>
-                <a:cs typeface="+mn-cs"/>
-              </a:rPr>
-              <a:t>Write on the board a select statement with a left outer join between an Employee table and a Team table.  Both tables include a </a:t>
-            </a:r>
-            <a:r>
-              <a:rPr lang="en-US" sz="1200" kern="1200" dirty="0" err="1">
-                <a:solidFill>
-                  <a:schemeClr val="tx1"/>
-                </a:solidFill>
-                <a:effectLst/>
-                <a:latin typeface="+mn-lt"/>
-                <a:ea typeface="+mn-ea"/>
-                <a:cs typeface="+mn-cs"/>
-              </a:rPr>
-              <a:t>TeamID</a:t>
-            </a:r>
-            <a:r>
-              <a:rPr lang="en-US" sz="1200" kern="1200" dirty="0">
-                <a:solidFill>
-                  <a:schemeClr val="tx1"/>
-                </a:solidFill>
-                <a:effectLst/>
-                <a:latin typeface="+mn-lt"/>
-                <a:ea typeface="+mn-ea"/>
-                <a:cs typeface="+mn-cs"/>
-              </a:rPr>
-              <a:t> column.</a:t>
-            </a:r>
-          </a:p>
-          <a:p>
-            <a:pPr marL="171450" lvl="0" indent="-171450">
-              <a:buFont typeface="Arial" panose="020B0604020202020204" pitchFamily="34" charset="0"/>
-              <a:buChar char="•"/>
-            </a:pPr>
-            <a:r>
-              <a:rPr lang="en-US" sz="1200" kern="1200" dirty="0">
-                <a:solidFill>
-                  <a:schemeClr val="tx1"/>
-                </a:solidFill>
-                <a:effectLst/>
-                <a:latin typeface="+mn-lt"/>
-                <a:ea typeface="+mn-ea"/>
-                <a:cs typeface="+mn-cs"/>
-              </a:rPr>
-              <a:t>Write on the board a select statement with a right outer join between an Employee table and a Team table.  Both tables include a </a:t>
-            </a:r>
-            <a:r>
-              <a:rPr lang="en-US" sz="1200" kern="1200" dirty="0" err="1">
-                <a:solidFill>
-                  <a:schemeClr val="tx1"/>
-                </a:solidFill>
-                <a:effectLst/>
-                <a:latin typeface="+mn-lt"/>
-                <a:ea typeface="+mn-ea"/>
-                <a:cs typeface="+mn-cs"/>
-              </a:rPr>
-              <a:t>TeamID</a:t>
-            </a:r>
-            <a:r>
-              <a:rPr lang="en-US" sz="1200" kern="1200" dirty="0">
-                <a:solidFill>
-                  <a:schemeClr val="tx1"/>
-                </a:solidFill>
-                <a:effectLst/>
-                <a:latin typeface="+mn-lt"/>
-                <a:ea typeface="+mn-ea"/>
-                <a:cs typeface="+mn-cs"/>
-              </a:rPr>
-              <a:t> column.</a:t>
-            </a:r>
-          </a:p>
-          <a:p>
-            <a:pPr marL="457200" lvl="1" indent="0">
-              <a:buFont typeface="Arial" panose="020B0604020202020204" pitchFamily="34" charset="0"/>
-              <a:buNone/>
-            </a:pPr>
-            <a:endParaRPr lang="en-US" dirty="0"/>
+              <a:rPr lang="en-US" baseline="0"/>
+              <a:t>There are many cases with relational databases where we need to use or join multiple tables together at once.</a:t>
+            </a:r>
+            <a:endParaRPr lang="en-US"/>
           </a:p>
         </p:txBody>
       </p:sp>
@@ -3661,7 +3518,7 @@
           <a:bodyPr/>
           <a:lstStyle/>
           <a:p>
-            <a:fld id="{226FA58D-4B12-4E7B-A2FA-693CE3EACDFD}" type="slidenum">
+            <a:fld id="{42C348E7-451D-4033-8044-BF270FAA6C1F}" type="slidenum">
               <a:rPr lang="en-US" smtClean="0"/>
               <a:t>27</a:t>
             </a:fld>
@@ -3672,7 +3529,7 @@
     </p:spTree>
     <p:extLst>
       <p:ext uri="{BB962C8B-B14F-4D97-AF65-F5344CB8AC3E}">
-        <p14:creationId xmlns:p14="http://schemas.microsoft.com/office/powerpoint/2010/main" val="1308996016"/>
+        <p14:creationId xmlns:p14="http://schemas.microsoft.com/office/powerpoint/2010/main" val="641899273"/>
       </p:ext>
     </p:extLst>
   </p:cSld>
@@ -3726,9 +3583,153 @@
           <a:bodyPr/>
           <a:lstStyle/>
           <a:p>
-            <a:pPr marL="171450" indent="-171450">
+            <a:pPr marL="171450" lvl="0" indent="-171450">
               <a:buFont typeface="Arial" panose="020B0604020202020204" pitchFamily="34" charset="0"/>
               <a:buChar char="•"/>
+            </a:pPr>
+            <a:r>
+              <a:rPr lang="en-US" sz="1200" kern="1200" dirty="0">
+                <a:solidFill>
+                  <a:schemeClr val="tx1"/>
+                </a:solidFill>
+                <a:effectLst/>
+                <a:latin typeface="+mn-lt"/>
+                <a:ea typeface="+mn-ea"/>
+                <a:cs typeface="+mn-cs"/>
+              </a:rPr>
+              <a:t>Name three joins types</a:t>
+            </a:r>
+          </a:p>
+          <a:p>
+            <a:pPr marL="171450" lvl="0" indent="-171450">
+              <a:buFont typeface="Arial" panose="020B0604020202020204" pitchFamily="34" charset="0"/>
+              <a:buChar char="•"/>
+            </a:pPr>
+            <a:r>
+              <a:rPr lang="en-US" sz="1200" kern="1200" dirty="0">
+                <a:solidFill>
+                  <a:schemeClr val="tx1"/>
+                </a:solidFill>
+                <a:effectLst/>
+                <a:latin typeface="+mn-lt"/>
+                <a:ea typeface="+mn-ea"/>
+                <a:cs typeface="+mn-cs"/>
+              </a:rPr>
+              <a:t>Write on the board a select statement with an inner join between an Employee table and a Team table.  Both tables include a </a:t>
+            </a:r>
+            <a:r>
+              <a:rPr lang="en-US" sz="1200" kern="1200" dirty="0" err="1">
+                <a:solidFill>
+                  <a:schemeClr val="tx1"/>
+                </a:solidFill>
+                <a:effectLst/>
+                <a:latin typeface="+mn-lt"/>
+                <a:ea typeface="+mn-ea"/>
+                <a:cs typeface="+mn-cs"/>
+              </a:rPr>
+              <a:t>TeamID</a:t>
+            </a:r>
+            <a:r>
+              <a:rPr lang="en-US" sz="1200" kern="1200" dirty="0">
+                <a:solidFill>
+                  <a:schemeClr val="tx1"/>
+                </a:solidFill>
+                <a:effectLst/>
+                <a:latin typeface="+mn-lt"/>
+                <a:ea typeface="+mn-ea"/>
+                <a:cs typeface="+mn-cs"/>
+              </a:rPr>
+              <a:t> column.</a:t>
+            </a:r>
+          </a:p>
+          <a:p>
+            <a:pPr marL="171450" lvl="0" indent="-171450">
+              <a:buFont typeface="Arial" panose="020B0604020202020204" pitchFamily="34" charset="0"/>
+              <a:buChar char="•"/>
+            </a:pPr>
+            <a:r>
+              <a:rPr lang="en-US" sz="1200" kern="1200" dirty="0">
+                <a:solidFill>
+                  <a:schemeClr val="tx1"/>
+                </a:solidFill>
+                <a:effectLst/>
+                <a:latin typeface="+mn-lt"/>
+                <a:ea typeface="+mn-ea"/>
+                <a:cs typeface="+mn-cs"/>
+              </a:rPr>
+              <a:t>Write on the board a select statement with a left outer join between an Employee table and a Team table.  Both tables include a </a:t>
+            </a:r>
+            <a:r>
+              <a:rPr lang="en-US" sz="1200" kern="1200" dirty="0" err="1">
+                <a:solidFill>
+                  <a:schemeClr val="tx1"/>
+                </a:solidFill>
+                <a:effectLst/>
+                <a:latin typeface="+mn-lt"/>
+                <a:ea typeface="+mn-ea"/>
+                <a:cs typeface="+mn-cs"/>
+              </a:rPr>
+              <a:t>TeamID</a:t>
+            </a:r>
+            <a:r>
+              <a:rPr lang="en-US" sz="1200" kern="1200" dirty="0">
+                <a:solidFill>
+                  <a:schemeClr val="tx1"/>
+                </a:solidFill>
+                <a:effectLst/>
+                <a:latin typeface="+mn-lt"/>
+                <a:ea typeface="+mn-ea"/>
+                <a:cs typeface="+mn-cs"/>
+              </a:rPr>
+              <a:t> column.</a:t>
+            </a:r>
+          </a:p>
+          <a:p>
+            <a:pPr marL="171450" lvl="0" indent="-171450">
+              <a:buFont typeface="Arial" panose="020B0604020202020204" pitchFamily="34" charset="0"/>
+              <a:buChar char="•"/>
+            </a:pPr>
+            <a:r>
+              <a:rPr lang="en-US" sz="1200" kern="1200" dirty="0">
+                <a:solidFill>
+                  <a:schemeClr val="tx1"/>
+                </a:solidFill>
+                <a:effectLst/>
+                <a:latin typeface="+mn-lt"/>
+                <a:ea typeface="+mn-ea"/>
+                <a:cs typeface="+mn-cs"/>
+              </a:rPr>
+              <a:t>Write on the board a select statement with a right outer join between an Employee table and a Team table.  Both tables include a </a:t>
+            </a:r>
+            <a:r>
+              <a:rPr lang="en-US" sz="1200" kern="1200" dirty="0" err="1">
+                <a:solidFill>
+                  <a:schemeClr val="tx1"/>
+                </a:solidFill>
+                <a:effectLst/>
+                <a:latin typeface="+mn-lt"/>
+                <a:ea typeface="+mn-ea"/>
+                <a:cs typeface="+mn-cs"/>
+              </a:rPr>
+              <a:t>TeamID</a:t>
+            </a:r>
+            <a:r>
+              <a:rPr lang="en-US" sz="1200" kern="1200" dirty="0">
+                <a:solidFill>
+                  <a:schemeClr val="tx1"/>
+                </a:solidFill>
+                <a:effectLst/>
+                <a:latin typeface="+mn-lt"/>
+                <a:ea typeface="+mn-ea"/>
+                <a:cs typeface="+mn-cs"/>
+              </a:rPr>
+              <a:t> column.</a:t>
+            </a:r>
+          </a:p>
+          <a:p>
+            <a:pPr marL="457200" lvl="1" indent="0">
+              <a:buFont typeface="Arial" panose="020B0604020202020204" pitchFamily="34" charset="0"/>
+              <a:buNone/>
             </a:pPr>
             <a:endParaRPr lang="en-US" dirty="0"/>
           </a:p>
@@ -3760,7 +3761,7 @@
     </p:spTree>
     <p:extLst>
       <p:ext uri="{BB962C8B-B14F-4D97-AF65-F5344CB8AC3E}">
-        <p14:creationId xmlns:p14="http://schemas.microsoft.com/office/powerpoint/2010/main" val="577591483"/>
+        <p14:creationId xmlns:p14="http://schemas.microsoft.com/office/powerpoint/2010/main" val="1308996016"/>
       </p:ext>
     </p:extLst>
   </p:cSld>
@@ -3818,60 +3819,7 @@
               <a:buFont typeface="Arial" panose="020B0604020202020204" pitchFamily="34" charset="0"/>
               <a:buChar char="•"/>
             </a:pPr>
-            <a:r>
-              <a:rPr lang="en-US" baseline="0" dirty="0"/>
-              <a:t>ORM stands for object relational mapper.</a:t>
-            </a:r>
-          </a:p>
-          <a:p>
-            <a:pPr marL="171450" indent="-171450">
-              <a:buFont typeface="Arial" panose="020B0604020202020204" pitchFamily="34" charset="0"/>
-              <a:buChar char="•"/>
-            </a:pPr>
-            <a:r>
-              <a:rPr lang="en-US" baseline="0" dirty="0"/>
-              <a:t>There is often a mismatch between the relational database model that we create and the object model that we want to work with in code.</a:t>
-            </a:r>
-          </a:p>
-          <a:p>
-            <a:pPr marL="171450" indent="-171450">
-              <a:buFont typeface="Arial" panose="020B0604020202020204" pitchFamily="34" charset="0"/>
-              <a:buChar char="•"/>
-            </a:pPr>
-            <a:r>
-              <a:rPr lang="en-US" baseline="0" dirty="0"/>
-              <a:t>Because of this there is some work for us to translate the data coming back from tables into objects.</a:t>
-            </a:r>
-          </a:p>
-          <a:p>
-            <a:pPr marL="171450" indent="-171450">
-              <a:buFont typeface="Arial" panose="020B0604020202020204" pitchFamily="34" charset="0"/>
-              <a:buChar char="•"/>
-            </a:pPr>
-            <a:r>
-              <a:rPr lang="en-US" baseline="0" dirty="0"/>
-              <a:t>There are a number of design patterns thought up to deal with this scenario.</a:t>
-            </a:r>
-          </a:p>
-          <a:p>
-            <a:pPr marL="171450" indent="-171450">
-              <a:buFont typeface="Arial" panose="020B0604020202020204" pitchFamily="34" charset="0"/>
-              <a:buChar char="•"/>
-            </a:pPr>
-            <a:r>
-              <a:rPr lang="en-US" baseline="0" dirty="0"/>
-              <a:t>An ORM usually implements some of those design patterns to take care of most of the heavy lifting of the mapping.</a:t>
-            </a:r>
-          </a:p>
-          <a:p>
-            <a:pPr marL="171450" indent="-171450">
-              <a:buFont typeface="Arial" panose="020B0604020202020204" pitchFamily="34" charset="0"/>
-              <a:buChar char="•"/>
-            </a:pPr>
-            <a:r>
-              <a:rPr lang="en-US" baseline="0" dirty="0"/>
-              <a:t>They also often provide a way to query and persist the data.</a:t>
-            </a:r>
+            <a:endParaRPr lang="en-US" dirty="0"/>
           </a:p>
         </p:txBody>
       </p:sp>
@@ -3890,7 +3838,7 @@
           <a:bodyPr/>
           <a:lstStyle/>
           <a:p>
-            <a:fld id="{90562276-63C7-43F9-8E9E-CFA137F6F839}" type="slidenum">
+            <a:fld id="{226FA58D-4B12-4E7B-A2FA-693CE3EACDFD}" type="slidenum">
               <a:rPr lang="en-US" smtClean="0"/>
               <a:t>29</a:t>
             </a:fld>
@@ -3901,7 +3849,7 @@
     </p:spTree>
     <p:extLst>
       <p:ext uri="{BB962C8B-B14F-4D97-AF65-F5344CB8AC3E}">
-        <p14:creationId xmlns:p14="http://schemas.microsoft.com/office/powerpoint/2010/main" val="1356446477"/>
+        <p14:creationId xmlns:p14="http://schemas.microsoft.com/office/powerpoint/2010/main" val="577591483"/>
       </p:ext>
     </p:extLst>
   </p:cSld>
@@ -3960,12 +3908,8 @@
               <a:buChar char="•"/>
             </a:pPr>
             <a:r>
-              <a:rPr lang="en-US" baseline="0" dirty="0" err="1"/>
-              <a:t>Microsofts</a:t>
-            </a:r>
-            <a:r>
               <a:rPr lang="en-US" baseline="0" dirty="0"/>
-              <a:t> recommended ORM implementation is Entity Framework.</a:t>
+              <a:t>ORM stands for object relational mapper.</a:t>
             </a:r>
           </a:p>
           <a:p>
@@ -3975,15 +3919,7 @@
             </a:pPr>
             <a:r>
               <a:rPr lang="en-US" baseline="0" dirty="0"/>
-              <a:t>It uses </a:t>
-            </a:r>
-            <a:r>
-              <a:rPr lang="en-US" baseline="0" dirty="0" err="1"/>
-              <a:t>Linq</a:t>
-            </a:r>
-            <a:r>
-              <a:rPr lang="en-US" baseline="0" dirty="0"/>
-              <a:t> syntax for querying the data.</a:t>
+              <a:t>There is often a mismatch between the relational database model that we create and the object model that we want to work with in code.</a:t>
             </a:r>
           </a:p>
           <a:p>
@@ -3993,7 +3929,7 @@
             </a:pPr>
             <a:r>
               <a:rPr lang="en-US" baseline="0" dirty="0"/>
-              <a:t>There is a way to use Entity Framework by writing code first and another way for setting up the data model first.</a:t>
+              <a:t>Because of this there is some work for us to translate the data coming back from tables into objects.</a:t>
             </a:r>
           </a:p>
           <a:p>
@@ -4003,7 +3939,27 @@
             </a:pPr>
             <a:r>
               <a:rPr lang="en-US" baseline="0" dirty="0"/>
-              <a:t>We are going to focus on creating the data model first.</a:t>
+              <a:t>There are a number of design patterns thought up to deal with this scenario.</a:t>
+            </a:r>
+          </a:p>
+          <a:p>
+            <a:pPr marL="171450" indent="-171450">
+              <a:buFont typeface="Arial" panose="020B0604020202020204" pitchFamily="34" charset="0"/>
+              <a:buChar char="•"/>
+            </a:pPr>
+            <a:r>
+              <a:rPr lang="en-US" baseline="0" dirty="0"/>
+              <a:t>An ORM usually implements some of those design patterns to take care of most of the heavy lifting of the mapping.</a:t>
+            </a:r>
+          </a:p>
+          <a:p>
+            <a:pPr marL="171450" indent="-171450">
+              <a:buFont typeface="Arial" panose="020B0604020202020204" pitchFamily="34" charset="0"/>
+              <a:buChar char="•"/>
+            </a:pPr>
+            <a:r>
+              <a:rPr lang="en-US" baseline="0" dirty="0"/>
+              <a:t>They also often provide a way to query and persist the data.</a:t>
             </a:r>
           </a:p>
         </p:txBody>
@@ -4034,7 +3990,7 @@
     </p:spTree>
     <p:extLst>
       <p:ext uri="{BB962C8B-B14F-4D97-AF65-F5344CB8AC3E}">
-        <p14:creationId xmlns:p14="http://schemas.microsoft.com/office/powerpoint/2010/main" val="3780462855"/>
+        <p14:creationId xmlns:p14="http://schemas.microsoft.com/office/powerpoint/2010/main" val="1356446477"/>
       </p:ext>
     </p:extLst>
   </p:cSld>
@@ -4244,8 +4200,12 @@
               <a:buChar char="•"/>
             </a:pPr>
             <a:r>
+              <a:rPr lang="en-US" baseline="0" dirty="0" err="1"/>
+              <a:t>Microsofts</a:t>
+            </a:r>
+            <a:r>
               <a:rPr lang="en-US" baseline="0" dirty="0"/>
-              <a:t>Dapper is considered a Micro ORM</a:t>
+              <a:t> recommended ORM implementation is Entity Framework.</a:t>
             </a:r>
           </a:p>
           <a:p>
@@ -4255,7 +4215,15 @@
             </a:pPr>
             <a:r>
               <a:rPr lang="en-US" baseline="0" dirty="0"/>
-              <a:t>All it does is map data to an object of a class.</a:t>
+              <a:t>It uses </a:t>
+            </a:r>
+            <a:r>
+              <a:rPr lang="en-US" baseline="0" dirty="0" err="1"/>
+              <a:t>Linq</a:t>
+            </a:r>
+            <a:r>
+              <a:rPr lang="en-US" baseline="0" dirty="0"/>
+              <a:t> syntax for querying the data.</a:t>
             </a:r>
           </a:p>
           <a:p>
@@ -4265,7 +4233,7 @@
             </a:pPr>
             <a:r>
               <a:rPr lang="en-US" baseline="0" dirty="0"/>
-              <a:t>It’s much faster than entity framework because it’s such a thin layer</a:t>
+              <a:t>There is a way to use Entity Framework by writing code first and another way for setting up the data model first.</a:t>
             </a:r>
           </a:p>
           <a:p>
@@ -4275,45 +4243,7 @@
             </a:pPr>
             <a:r>
               <a:rPr lang="en-US" baseline="0" dirty="0"/>
-              <a:t>We are using it for a few reasons:</a:t>
-            </a:r>
-          </a:p>
-          <a:p>
-            <a:pPr marL="628650" lvl="1" indent="-171450">
-              <a:buFont typeface="Arial" panose="020B0604020202020204" pitchFamily="34" charset="0"/>
-              <a:buChar char="•"/>
-            </a:pPr>
-            <a:r>
-              <a:rPr lang="en-US" baseline="0" dirty="0"/>
-              <a:t>I don’t want to completely abstract away the database.</a:t>
-            </a:r>
-          </a:p>
-          <a:p>
-            <a:pPr marL="628650" lvl="1" indent="-171450">
-              <a:buFont typeface="Arial" panose="020B0604020202020204" pitchFamily="34" charset="0"/>
-              <a:buChar char="•"/>
-            </a:pPr>
-            <a:r>
-              <a:rPr lang="en-US" baseline="0" dirty="0"/>
-              <a:t>I want you to be able to practice queries to the database with </a:t>
-            </a:r>
-            <a:r>
-              <a:rPr lang="en-US" baseline="0" dirty="0" err="1"/>
-              <a:t>sql</a:t>
-            </a:r>
-            <a:r>
-              <a:rPr lang="en-US" baseline="0" dirty="0"/>
-              <a:t>.</a:t>
-            </a:r>
-          </a:p>
-          <a:p>
-            <a:pPr marL="628650" lvl="1" indent="-171450">
-              <a:buFont typeface="Arial" panose="020B0604020202020204" pitchFamily="34" charset="0"/>
-              <a:buChar char="•"/>
-            </a:pPr>
-            <a:r>
-              <a:rPr lang="en-US" baseline="0" dirty="0"/>
-              <a:t>I want you to be able to see the actual interaction between the database and the application.</a:t>
+              <a:t>We are going to focus on creating the data model first.</a:t>
             </a:r>
           </a:p>
         </p:txBody>
@@ -4344,7 +4274,7 @@
     </p:spTree>
     <p:extLst>
       <p:ext uri="{BB962C8B-B14F-4D97-AF65-F5344CB8AC3E}">
-        <p14:creationId xmlns:p14="http://schemas.microsoft.com/office/powerpoint/2010/main" val="2981917476"/>
+        <p14:creationId xmlns:p14="http://schemas.microsoft.com/office/powerpoint/2010/main" val="3780462855"/>
       </p:ext>
     </p:extLst>
   </p:cSld>
@@ -4404,7 +4334,7 @@
             </a:pPr>
             <a:r>
               <a:rPr lang="en-US" baseline="0" dirty="0"/>
-              <a:t>Instead of hard coding the connection string into a code file you can use a settings file.</a:t>
+              <a:t>Dapper is considered a Micro ORM</a:t>
             </a:r>
           </a:p>
           <a:p>
@@ -4414,7 +4344,7 @@
             </a:pPr>
             <a:r>
               <a:rPr lang="en-US" baseline="0" dirty="0"/>
-              <a:t>The settings file allows for a key value pair of configuration settings to be used in the application.</a:t>
+              <a:t>All it does is map data to an object of a class.</a:t>
             </a:r>
           </a:p>
           <a:p>
@@ -4424,15 +4354,7 @@
             </a:pPr>
             <a:r>
               <a:rPr lang="en-US" baseline="0" dirty="0"/>
-              <a:t>You can create an </a:t>
-            </a:r>
-            <a:r>
-              <a:rPr lang="en-US" baseline="0" dirty="0" err="1"/>
-              <a:t>appSettings.json</a:t>
-            </a:r>
-            <a:r>
-              <a:rPr lang="en-US" baseline="0" dirty="0"/>
-              <a:t> file to be used to hold the key value pairs.</a:t>
+              <a:t>It’s much faster than entity framework because it’s such a thin layer</a:t>
             </a:r>
           </a:p>
           <a:p>
@@ -4442,23 +4364,45 @@
             </a:pPr>
             <a:r>
               <a:rPr lang="en-US" baseline="0" dirty="0"/>
-              <a:t>The configuration can be read in using the </a:t>
+              <a:t>We are using it for a few reasons:</a:t>
+            </a:r>
+          </a:p>
+          <a:p>
+            <a:pPr marL="628650" lvl="1" indent="-171450">
+              <a:buFont typeface="Arial" panose="020B0604020202020204" pitchFamily="34" charset="0"/>
+              <a:buChar char="•"/>
+            </a:pPr>
+            <a:r>
+              <a:rPr lang="en-US" baseline="0" dirty="0"/>
+              <a:t>I don’t want to completely abstract away the database.</a:t>
+            </a:r>
+          </a:p>
+          <a:p>
+            <a:pPr marL="628650" lvl="1" indent="-171450">
+              <a:buFont typeface="Arial" panose="020B0604020202020204" pitchFamily="34" charset="0"/>
+              <a:buChar char="•"/>
+            </a:pPr>
+            <a:r>
+              <a:rPr lang="en-US" baseline="0" dirty="0"/>
+              <a:t>I want you to be able to practice queries to the database with </a:t>
             </a:r>
             <a:r>
               <a:rPr lang="en-US" baseline="0" dirty="0" err="1"/>
-              <a:t>Nuget</a:t>
-            </a:r>
-            <a:r>
-              <a:rPr lang="en-US" baseline="0" dirty="0"/>
-              <a:t> package: </a:t>
-            </a:r>
-            <a:r>
-              <a:rPr lang="en-US" baseline="0" dirty="0" err="1"/>
-              <a:t>Microsoft.Extensions.Configuration.Json</a:t>
+              <a:t>sql</a:t>
             </a:r>
             <a:r>
               <a:rPr lang="en-US" baseline="0" dirty="0"/>
               <a:t>.</a:t>
+            </a:r>
+          </a:p>
+          <a:p>
+            <a:pPr marL="628650" lvl="1" indent="-171450">
+              <a:buFont typeface="Arial" panose="020B0604020202020204" pitchFamily="34" charset="0"/>
+              <a:buChar char="•"/>
+            </a:pPr>
+            <a:r>
+              <a:rPr lang="en-US" baseline="0" dirty="0"/>
+              <a:t>I want you to be able to see the actual interaction between the database and the application.</a:t>
             </a:r>
           </a:p>
         </p:txBody>
@@ -4489,7 +4433,7 @@
     </p:spTree>
     <p:extLst>
       <p:ext uri="{BB962C8B-B14F-4D97-AF65-F5344CB8AC3E}">
-        <p14:creationId xmlns:p14="http://schemas.microsoft.com/office/powerpoint/2010/main" val="3979744076"/>
+        <p14:creationId xmlns:p14="http://schemas.microsoft.com/office/powerpoint/2010/main" val="2981917476"/>
       </p:ext>
     </p:extLst>
   </p:cSld>
@@ -4549,7 +4493,61 @@
             </a:pPr>
             <a:r>
               <a:rPr lang="en-US" baseline="0" dirty="0"/>
-              <a:t>We can setup a base repository for other repositories to use the same connection code.</a:t>
+              <a:t>Instead of hard coding the connection string into a code file you can use a settings file.</a:t>
+            </a:r>
+          </a:p>
+          <a:p>
+            <a:pPr marL="171450" indent="-171450">
+              <a:buFont typeface="Arial" panose="020B0604020202020204" pitchFamily="34" charset="0"/>
+              <a:buChar char="•"/>
+            </a:pPr>
+            <a:r>
+              <a:rPr lang="en-US" baseline="0" dirty="0"/>
+              <a:t>The settings file allows for a key value pair of configuration settings to be used in the application.</a:t>
+            </a:r>
+          </a:p>
+          <a:p>
+            <a:pPr marL="171450" indent="-171450">
+              <a:buFont typeface="Arial" panose="020B0604020202020204" pitchFamily="34" charset="0"/>
+              <a:buChar char="•"/>
+            </a:pPr>
+            <a:r>
+              <a:rPr lang="en-US" baseline="0" dirty="0"/>
+              <a:t>You can create an </a:t>
+            </a:r>
+            <a:r>
+              <a:rPr lang="en-US" baseline="0" dirty="0" err="1"/>
+              <a:t>appSettings.json</a:t>
+            </a:r>
+            <a:r>
+              <a:rPr lang="en-US" baseline="0" dirty="0"/>
+              <a:t> file to be used to hold the key value pairs.</a:t>
+            </a:r>
+          </a:p>
+          <a:p>
+            <a:pPr marL="171450" indent="-171450">
+              <a:buFont typeface="Arial" panose="020B0604020202020204" pitchFamily="34" charset="0"/>
+              <a:buChar char="•"/>
+            </a:pPr>
+            <a:r>
+              <a:rPr lang="en-US" baseline="0" dirty="0"/>
+              <a:t>The configuration can be read in using the </a:t>
+            </a:r>
+            <a:r>
+              <a:rPr lang="en-US" baseline="0" dirty="0" err="1"/>
+              <a:t>Nuget</a:t>
+            </a:r>
+            <a:r>
+              <a:rPr lang="en-US" baseline="0" dirty="0"/>
+              <a:t> package: </a:t>
+            </a:r>
+            <a:r>
+              <a:rPr lang="en-US" baseline="0" dirty="0" err="1"/>
+              <a:t>Microsoft.Extensions.Configuration.Json</a:t>
+            </a:r>
+            <a:r>
+              <a:rPr lang="en-US" baseline="0" dirty="0"/>
+              <a:t>.</a:t>
             </a:r>
           </a:p>
         </p:txBody>
@@ -4580,7 +4578,7 @@
     </p:spTree>
     <p:extLst>
       <p:ext uri="{BB962C8B-B14F-4D97-AF65-F5344CB8AC3E}">
-        <p14:creationId xmlns:p14="http://schemas.microsoft.com/office/powerpoint/2010/main" val="432937500"/>
+        <p14:creationId xmlns:p14="http://schemas.microsoft.com/office/powerpoint/2010/main" val="3979744076"/>
       </p:ext>
     </p:extLst>
   </p:cSld>
@@ -4640,7 +4638,7 @@
             </a:pPr>
             <a:r>
               <a:rPr lang="en-US" baseline="0" dirty="0"/>
-              <a:t>We can setup methods in the repository to retrieve data using Dapper.</a:t>
+              <a:t>We can setup a base repository for other repositories to use the same connection code.</a:t>
             </a:r>
           </a:p>
         </p:txBody>
@@ -4671,7 +4669,7 @@
     </p:spTree>
     <p:extLst>
       <p:ext uri="{BB962C8B-B14F-4D97-AF65-F5344CB8AC3E}">
-        <p14:creationId xmlns:p14="http://schemas.microsoft.com/office/powerpoint/2010/main" val="791132975"/>
+        <p14:creationId xmlns:p14="http://schemas.microsoft.com/office/powerpoint/2010/main" val="432937500"/>
       </p:ext>
     </p:extLst>
   </p:cSld>
@@ -4730,164 +4728,9 @@
               <a:buChar char="•"/>
             </a:pPr>
             <a:r>
-              <a:rPr lang="en-US" dirty="0"/>
-              <a:t>In order to make projects for our main components we will need to use CLI commands.</a:t>
-            </a:r>
-          </a:p>
-          <a:p>
-            <a:pPr marL="171450" indent="-171450">
-              <a:buFont typeface="Arial" panose="020B0604020202020204" pitchFamily="34" charset="0"/>
-              <a:buChar char="•"/>
-            </a:pPr>
-            <a:r>
-              <a:rPr lang="en-US" dirty="0" err="1"/>
-              <a:t>mkdir</a:t>
-            </a:r>
-            <a:r>
               <a:rPr lang="en-US" baseline="0" dirty="0"/>
-              <a:t> creates a new directory on your computer.</a:t>
-            </a:r>
-          </a:p>
-          <a:p>
-            <a:pPr marL="171450" indent="-171450">
-              <a:buFont typeface="Arial" panose="020B0604020202020204" pitchFamily="34" charset="0"/>
-              <a:buChar char="•"/>
-            </a:pPr>
-            <a:r>
-              <a:rPr lang="en-US" baseline="0" dirty="0"/>
-              <a:t>cd changes the directory that you are currently in.</a:t>
-            </a:r>
-          </a:p>
-          <a:p>
-            <a:pPr marL="171450" indent="-171450">
-              <a:buFont typeface="Arial" panose="020B0604020202020204" pitchFamily="34" charset="0"/>
-              <a:buChar char="•"/>
-            </a:pPr>
-            <a:r>
-              <a:rPr lang="en-US" baseline="0" dirty="0" err="1"/>
-              <a:t>dotnet</a:t>
-            </a:r>
-            <a:r>
-              <a:rPr lang="en-US" baseline="0" dirty="0"/>
-              <a:t> new </a:t>
-            </a:r>
-            <a:r>
-              <a:rPr lang="en-US" baseline="0" dirty="0" err="1"/>
-              <a:t>classlib</a:t>
-            </a:r>
-            <a:r>
-              <a:rPr lang="en-US" baseline="0" dirty="0"/>
-              <a:t> – creates a new class library project.  This is what we use to create a new </a:t>
-            </a:r>
-            <a:r>
-              <a:rPr lang="en-US" baseline="0" dirty="0" err="1"/>
-              <a:t>.Net</a:t>
-            </a:r>
-            <a:r>
-              <a:rPr lang="en-US" baseline="0" dirty="0"/>
-              <a:t> project that is code only.</a:t>
-            </a:r>
-          </a:p>
-          <a:p>
-            <a:pPr marL="171450" indent="-171450">
-              <a:buFont typeface="Arial" panose="020B0604020202020204" pitchFamily="34" charset="0"/>
-              <a:buChar char="•"/>
-            </a:pPr>
-            <a:r>
-              <a:rPr lang="en-US" baseline="0" dirty="0" err="1"/>
-              <a:t>dotnet</a:t>
-            </a:r>
-            <a:r>
-              <a:rPr lang="en-US" baseline="0" dirty="0"/>
-              <a:t> new </a:t>
-            </a:r>
-            <a:r>
-              <a:rPr lang="en-US" baseline="0" dirty="0" err="1"/>
-              <a:t>webapi</a:t>
-            </a:r>
-            <a:r>
-              <a:rPr lang="en-US" baseline="0" dirty="0"/>
-              <a:t> – creates a new web </a:t>
-            </a:r>
-            <a:r>
-              <a:rPr lang="en-US" baseline="0" dirty="0" err="1"/>
-              <a:t>api</a:t>
-            </a:r>
-            <a:r>
-              <a:rPr lang="en-US" baseline="0" dirty="0"/>
-              <a:t> project.  This is what we use to create a new </a:t>
-            </a:r>
-            <a:r>
-              <a:rPr lang="en-US" baseline="0" dirty="0" err="1"/>
-              <a:t>.Net</a:t>
-            </a:r>
-            <a:r>
-              <a:rPr lang="en-US" baseline="0" dirty="0"/>
-              <a:t> project that will contain our web </a:t>
-            </a:r>
-            <a:r>
-              <a:rPr lang="en-US" baseline="0" dirty="0" err="1"/>
-              <a:t>api</a:t>
-            </a:r>
-            <a:r>
-              <a:rPr lang="en-US" baseline="0" dirty="0"/>
-              <a:t>.</a:t>
-            </a:r>
-          </a:p>
-          <a:p>
-            <a:pPr marL="171450" indent="-171450">
-              <a:buFont typeface="Arial" panose="020B0604020202020204" pitchFamily="34" charset="0"/>
-              <a:buChar char="•"/>
-            </a:pPr>
-            <a:r>
-              <a:rPr lang="en-US" baseline="0" dirty="0" err="1"/>
-              <a:t>dotnet</a:t>
-            </a:r>
-            <a:r>
-              <a:rPr lang="en-US" baseline="0" dirty="0"/>
-              <a:t> add reference – allows us to reference code from another project.  One project does not know about the other until a reference is added.</a:t>
-            </a:r>
-          </a:p>
-          <a:p>
-            <a:pPr marL="171450" indent="-171450">
-              <a:buFont typeface="Arial" panose="020B0604020202020204" pitchFamily="34" charset="0"/>
-              <a:buChar char="•"/>
-            </a:pPr>
-            <a:r>
-              <a:rPr lang="en-US" baseline="0" dirty="0" err="1"/>
-              <a:t>dotnet</a:t>
-            </a:r>
-            <a:r>
-              <a:rPr lang="en-US" baseline="0" dirty="0"/>
-              <a:t> add package – allows us to add a package to our code.  A package is created by someone and can be downloaded over the internet for use in your project.</a:t>
-            </a:r>
-          </a:p>
-          <a:p>
-            <a:pPr marL="171450" indent="-171450">
-              <a:buFont typeface="Arial" panose="020B0604020202020204" pitchFamily="34" charset="0"/>
-              <a:buChar char="•"/>
-            </a:pPr>
-            <a:r>
-              <a:rPr lang="en-US" baseline="0" dirty="0"/>
-              <a:t>We will be using two packages from the </a:t>
-            </a:r>
-            <a:r>
-              <a:rPr lang="en-US" baseline="0" dirty="0" err="1"/>
-              <a:t>Nuget</a:t>
-            </a:r>
-            <a:r>
-              <a:rPr lang="en-US" baseline="0" dirty="0"/>
-              <a:t> package manager which are Dapper and </a:t>
-            </a:r>
-            <a:r>
-              <a:rPr lang="en-US" baseline="0" dirty="0" err="1"/>
-              <a:t>MySql.Data</a:t>
-            </a:r>
-            <a:r>
-              <a:rPr lang="en-US" baseline="0" dirty="0"/>
-              <a:t>.</a:t>
-            </a:r>
-            <a:endParaRPr lang="en-US" dirty="0"/>
+              <a:t>We can setup methods in the repository to retrieve data using Dapper.</a:t>
+            </a:r>
           </a:p>
         </p:txBody>
       </p:sp>
@@ -4906,7 +4749,7 @@
           <a:bodyPr/>
           <a:lstStyle/>
           <a:p>
-            <a:fld id="{8BFE51C4-C5AF-4BE3-9C14-3D5DA10766E2}" type="slidenum">
+            <a:fld id="{90562276-63C7-43F9-8E9E-CFA137F6F839}" type="slidenum">
               <a:rPr lang="en-US" smtClean="0"/>
               <a:t>35</a:t>
             </a:fld>
@@ -4917,7 +4760,7 @@
     </p:spTree>
     <p:extLst>
       <p:ext uri="{BB962C8B-B14F-4D97-AF65-F5344CB8AC3E}">
-        <p14:creationId xmlns:p14="http://schemas.microsoft.com/office/powerpoint/2010/main" val="2106147533"/>
+        <p14:creationId xmlns:p14="http://schemas.microsoft.com/office/powerpoint/2010/main" val="791132975"/>
       </p:ext>
     </p:extLst>
   </p:cSld>
@@ -4975,6 +4818,164 @@
               <a:buFont typeface="Arial" panose="020B0604020202020204" pitchFamily="34" charset="0"/>
               <a:buChar char="•"/>
             </a:pPr>
+            <a:r>
+              <a:rPr lang="en-US" dirty="0"/>
+              <a:t>In order to make projects for our main components we will need to use CLI commands.</a:t>
+            </a:r>
+          </a:p>
+          <a:p>
+            <a:pPr marL="171450" indent="-171450">
+              <a:buFont typeface="Arial" panose="020B0604020202020204" pitchFamily="34" charset="0"/>
+              <a:buChar char="•"/>
+            </a:pPr>
+            <a:r>
+              <a:rPr lang="en-US" dirty="0" err="1"/>
+              <a:t>mkdir</a:t>
+            </a:r>
+            <a:r>
+              <a:rPr lang="en-US" baseline="0" dirty="0"/>
+              <a:t> creates a new directory on your computer.</a:t>
+            </a:r>
+          </a:p>
+          <a:p>
+            <a:pPr marL="171450" indent="-171450">
+              <a:buFont typeface="Arial" panose="020B0604020202020204" pitchFamily="34" charset="0"/>
+              <a:buChar char="•"/>
+            </a:pPr>
+            <a:r>
+              <a:rPr lang="en-US" baseline="0" dirty="0"/>
+              <a:t>cd changes the directory that you are currently in.</a:t>
+            </a:r>
+          </a:p>
+          <a:p>
+            <a:pPr marL="171450" indent="-171450">
+              <a:buFont typeface="Arial" panose="020B0604020202020204" pitchFamily="34" charset="0"/>
+              <a:buChar char="•"/>
+            </a:pPr>
+            <a:r>
+              <a:rPr lang="en-US" baseline="0" dirty="0" err="1"/>
+              <a:t>dotnet</a:t>
+            </a:r>
+            <a:r>
+              <a:rPr lang="en-US" baseline="0" dirty="0"/>
+              <a:t> new </a:t>
+            </a:r>
+            <a:r>
+              <a:rPr lang="en-US" baseline="0" dirty="0" err="1"/>
+              <a:t>classlib</a:t>
+            </a:r>
+            <a:r>
+              <a:rPr lang="en-US" baseline="0" dirty="0"/>
+              <a:t> – creates a new class library project.  This is what we use to create a new </a:t>
+            </a:r>
+            <a:r>
+              <a:rPr lang="en-US" baseline="0" dirty="0" err="1"/>
+              <a:t>.Net</a:t>
+            </a:r>
+            <a:r>
+              <a:rPr lang="en-US" baseline="0" dirty="0"/>
+              <a:t> project that is code only.</a:t>
+            </a:r>
+          </a:p>
+          <a:p>
+            <a:pPr marL="171450" indent="-171450">
+              <a:buFont typeface="Arial" panose="020B0604020202020204" pitchFamily="34" charset="0"/>
+              <a:buChar char="•"/>
+            </a:pPr>
+            <a:r>
+              <a:rPr lang="en-US" baseline="0" dirty="0" err="1"/>
+              <a:t>dotnet</a:t>
+            </a:r>
+            <a:r>
+              <a:rPr lang="en-US" baseline="0" dirty="0"/>
+              <a:t> new </a:t>
+            </a:r>
+            <a:r>
+              <a:rPr lang="en-US" baseline="0" dirty="0" err="1"/>
+              <a:t>webapi</a:t>
+            </a:r>
+            <a:r>
+              <a:rPr lang="en-US" baseline="0" dirty="0"/>
+              <a:t> – creates a new web </a:t>
+            </a:r>
+            <a:r>
+              <a:rPr lang="en-US" baseline="0" dirty="0" err="1"/>
+              <a:t>api</a:t>
+            </a:r>
+            <a:r>
+              <a:rPr lang="en-US" baseline="0" dirty="0"/>
+              <a:t> project.  This is what we use to create a new </a:t>
+            </a:r>
+            <a:r>
+              <a:rPr lang="en-US" baseline="0" dirty="0" err="1"/>
+              <a:t>.Net</a:t>
+            </a:r>
+            <a:r>
+              <a:rPr lang="en-US" baseline="0" dirty="0"/>
+              <a:t> project that will contain our web </a:t>
+            </a:r>
+            <a:r>
+              <a:rPr lang="en-US" baseline="0" dirty="0" err="1"/>
+              <a:t>api</a:t>
+            </a:r>
+            <a:r>
+              <a:rPr lang="en-US" baseline="0" dirty="0"/>
+              <a:t>.</a:t>
+            </a:r>
+          </a:p>
+          <a:p>
+            <a:pPr marL="171450" indent="-171450">
+              <a:buFont typeface="Arial" panose="020B0604020202020204" pitchFamily="34" charset="0"/>
+              <a:buChar char="•"/>
+            </a:pPr>
+            <a:r>
+              <a:rPr lang="en-US" baseline="0" dirty="0" err="1"/>
+              <a:t>dotnet</a:t>
+            </a:r>
+            <a:r>
+              <a:rPr lang="en-US" baseline="0" dirty="0"/>
+              <a:t> add reference – allows us to reference code from another project.  One project does not know about the other until a reference is added.</a:t>
+            </a:r>
+          </a:p>
+          <a:p>
+            <a:pPr marL="171450" indent="-171450">
+              <a:buFont typeface="Arial" panose="020B0604020202020204" pitchFamily="34" charset="0"/>
+              <a:buChar char="•"/>
+            </a:pPr>
+            <a:r>
+              <a:rPr lang="en-US" baseline="0" dirty="0" err="1"/>
+              <a:t>dotnet</a:t>
+            </a:r>
+            <a:r>
+              <a:rPr lang="en-US" baseline="0" dirty="0"/>
+              <a:t> add package – allows us to add a package to our code.  A package is created by someone and can be downloaded over the internet for use in your project.</a:t>
+            </a:r>
+          </a:p>
+          <a:p>
+            <a:pPr marL="171450" indent="-171450">
+              <a:buFont typeface="Arial" panose="020B0604020202020204" pitchFamily="34" charset="0"/>
+              <a:buChar char="•"/>
+            </a:pPr>
+            <a:r>
+              <a:rPr lang="en-US" baseline="0" dirty="0"/>
+              <a:t>We will be using two packages from the </a:t>
+            </a:r>
+            <a:r>
+              <a:rPr lang="en-US" baseline="0" dirty="0" err="1"/>
+              <a:t>Nuget</a:t>
+            </a:r>
+            <a:r>
+              <a:rPr lang="en-US" baseline="0" dirty="0"/>
+              <a:t> package manager which are Dapper and </a:t>
+            </a:r>
+            <a:r>
+              <a:rPr lang="en-US" baseline="0" dirty="0" err="1"/>
+              <a:t>MySql.Data</a:t>
+            </a:r>
+            <a:r>
+              <a:rPr lang="en-US" baseline="0" dirty="0"/>
+              <a:t>.</a:t>
+            </a:r>
             <a:endParaRPr lang="en-US" dirty="0"/>
           </a:p>
         </p:txBody>
@@ -4994,7 +4995,7 @@
           <a:bodyPr/>
           <a:lstStyle/>
           <a:p>
-            <a:fld id="{347B1FF5-FCE8-499D-B296-D7493115F512}" type="slidenum">
+            <a:fld id="{8BFE51C4-C5AF-4BE3-9C14-3D5DA10766E2}" type="slidenum">
               <a:rPr lang="en-US" smtClean="0"/>
               <a:t>36</a:t>
             </a:fld>
@@ -5005,7 +5006,7 @@
     </p:spTree>
     <p:extLst>
       <p:ext uri="{BB962C8B-B14F-4D97-AF65-F5344CB8AC3E}">
-        <p14:creationId xmlns:p14="http://schemas.microsoft.com/office/powerpoint/2010/main" val="135074158"/>
+        <p14:creationId xmlns:p14="http://schemas.microsoft.com/office/powerpoint/2010/main" val="2106147533"/>
       </p:ext>
     </p:extLst>
   </p:cSld>
@@ -5059,64 +5060,10 @@
           <a:bodyPr/>
           <a:lstStyle/>
           <a:p>
-            <a:pPr marL="171450" lvl="0" indent="-171450">
+            <a:pPr marL="171450" indent="-171450">
               <a:buFont typeface="Arial" panose="020B0604020202020204" pitchFamily="34" charset="0"/>
               <a:buChar char="•"/>
             </a:pPr>
-            <a:r>
-              <a:rPr lang="en-US" sz="1200" kern="1200" dirty="0">
-                <a:solidFill>
-                  <a:schemeClr val="tx1"/>
-                </a:solidFill>
-                <a:effectLst/>
-                <a:latin typeface="+mn-lt"/>
-                <a:ea typeface="+mn-ea"/>
-                <a:cs typeface="+mn-cs"/>
-              </a:rPr>
-              <a:t>What is the pattern used to map relational database tables to classes?</a:t>
-            </a:r>
-          </a:p>
-          <a:p>
-            <a:pPr marL="171450" lvl="0" indent="-171450">
-              <a:buFont typeface="Arial" panose="020B0604020202020204" pitchFamily="34" charset="0"/>
-              <a:buChar char="•"/>
-            </a:pPr>
-            <a:r>
-              <a:rPr lang="en-US" sz="1200" kern="1200" dirty="0">
-                <a:solidFill>
-                  <a:schemeClr val="tx1"/>
-                </a:solidFill>
-                <a:effectLst/>
-                <a:latin typeface="+mn-lt"/>
-                <a:ea typeface="+mn-ea"/>
-                <a:cs typeface="+mn-cs"/>
-              </a:rPr>
-              <a:t>What does ORM stand for?</a:t>
-            </a:r>
-          </a:p>
-          <a:p>
-            <a:pPr marL="171450" lvl="0" indent="-171450">
-              <a:buFont typeface="Arial" panose="020B0604020202020204" pitchFamily="34" charset="0"/>
-              <a:buChar char="•"/>
-            </a:pPr>
-            <a:r>
-              <a:rPr lang="en-US" sz="1200" kern="1200" dirty="0">
-                <a:solidFill>
-                  <a:schemeClr val="tx1"/>
-                </a:solidFill>
-                <a:effectLst/>
-                <a:latin typeface="+mn-lt"/>
-                <a:ea typeface="+mn-ea"/>
-                <a:cs typeface="+mn-cs"/>
-              </a:rPr>
-              <a:t>Name two ORM options.</a:t>
-            </a:r>
-          </a:p>
-          <a:p>
-            <a:pPr marL="457200" lvl="1" indent="0">
-              <a:buFont typeface="Arial" panose="020B0604020202020204" pitchFamily="34" charset="0"/>
-              <a:buNone/>
-            </a:pPr>
             <a:endParaRPr lang="en-US" dirty="0"/>
           </a:p>
         </p:txBody>
@@ -5136,7 +5083,7 @@
           <a:bodyPr/>
           <a:lstStyle/>
           <a:p>
-            <a:fld id="{226FA58D-4B12-4E7B-A2FA-693CE3EACDFD}" type="slidenum">
+            <a:fld id="{347B1FF5-FCE8-499D-B296-D7493115F512}" type="slidenum">
               <a:rPr lang="en-US" smtClean="0"/>
               <a:t>37</a:t>
             </a:fld>
@@ -5147,7 +5094,7 @@
     </p:spTree>
     <p:extLst>
       <p:ext uri="{BB962C8B-B14F-4D97-AF65-F5344CB8AC3E}">
-        <p14:creationId xmlns:p14="http://schemas.microsoft.com/office/powerpoint/2010/main" val="537020023"/>
+        <p14:creationId xmlns:p14="http://schemas.microsoft.com/office/powerpoint/2010/main" val="135074158"/>
       </p:ext>
     </p:extLst>
   </p:cSld>
@@ -5201,9 +5148,63 @@
           <a:bodyPr/>
           <a:lstStyle/>
           <a:p>
-            <a:pPr marL="171450" indent="-171450">
+            <a:pPr marL="171450" lvl="0" indent="-171450">
               <a:buFont typeface="Arial" panose="020B0604020202020204" pitchFamily="34" charset="0"/>
               <a:buChar char="•"/>
+            </a:pPr>
+            <a:r>
+              <a:rPr lang="en-US" sz="1200" kern="1200" dirty="0">
+                <a:solidFill>
+                  <a:schemeClr val="tx1"/>
+                </a:solidFill>
+                <a:effectLst/>
+                <a:latin typeface="+mn-lt"/>
+                <a:ea typeface="+mn-ea"/>
+                <a:cs typeface="+mn-cs"/>
+              </a:rPr>
+              <a:t>What is the pattern used to map relational database tables to classes?</a:t>
+            </a:r>
+          </a:p>
+          <a:p>
+            <a:pPr marL="171450" lvl="0" indent="-171450">
+              <a:buFont typeface="Arial" panose="020B0604020202020204" pitchFamily="34" charset="0"/>
+              <a:buChar char="•"/>
+            </a:pPr>
+            <a:r>
+              <a:rPr lang="en-US" sz="1200" kern="1200" dirty="0">
+                <a:solidFill>
+                  <a:schemeClr val="tx1"/>
+                </a:solidFill>
+                <a:effectLst/>
+                <a:latin typeface="+mn-lt"/>
+                <a:ea typeface="+mn-ea"/>
+                <a:cs typeface="+mn-cs"/>
+              </a:rPr>
+              <a:t>What does ORM stand for?</a:t>
+            </a:r>
+          </a:p>
+          <a:p>
+            <a:pPr marL="171450" lvl="0" indent="-171450">
+              <a:buFont typeface="Arial" panose="020B0604020202020204" pitchFamily="34" charset="0"/>
+              <a:buChar char="•"/>
+            </a:pPr>
+            <a:r>
+              <a:rPr lang="en-US" sz="1200" kern="1200" dirty="0">
+                <a:solidFill>
+                  <a:schemeClr val="tx1"/>
+                </a:solidFill>
+                <a:effectLst/>
+                <a:latin typeface="+mn-lt"/>
+                <a:ea typeface="+mn-ea"/>
+                <a:cs typeface="+mn-cs"/>
+              </a:rPr>
+              <a:t>Name two ORM options.</a:t>
+            </a:r>
+          </a:p>
+          <a:p>
+            <a:pPr marL="457200" lvl="1" indent="0">
+              <a:buFont typeface="Arial" panose="020B0604020202020204" pitchFamily="34" charset="0"/>
+              <a:buNone/>
             </a:pPr>
             <a:endParaRPr lang="en-US" dirty="0"/>
           </a:p>
@@ -5235,7 +5236,7 @@
     </p:spTree>
     <p:extLst>
       <p:ext uri="{BB962C8B-B14F-4D97-AF65-F5344CB8AC3E}">
-        <p14:creationId xmlns:p14="http://schemas.microsoft.com/office/powerpoint/2010/main" val="1145430475"/>
+        <p14:creationId xmlns:p14="http://schemas.microsoft.com/office/powerpoint/2010/main" val="537020023"/>
       </p:ext>
     </p:extLst>
   </p:cSld>
@@ -5289,903 +5290,9 @@
           <a:bodyPr/>
           <a:lstStyle/>
           <a:p>
-            <a:pPr marL="171450" lvl="0" indent="-171450">
+            <a:pPr marL="171450" indent="-171450">
               <a:buFont typeface="Arial" panose="020B0604020202020204" pitchFamily="34" charset="0"/>
               <a:buChar char="•"/>
-            </a:pPr>
-            <a:r>
-              <a:rPr lang="en-US" sz="1200" kern="1200" dirty="0">
-                <a:solidFill>
-                  <a:schemeClr val="tx1"/>
-                </a:solidFill>
-                <a:effectLst/>
-                <a:latin typeface="+mn-lt"/>
-                <a:ea typeface="+mn-ea"/>
-                <a:cs typeface="+mn-cs"/>
-              </a:rPr>
-              <a:t>Write on the board a select statement that selects </a:t>
-            </a:r>
-            <a:r>
-              <a:rPr lang="en-US" sz="1200" kern="1200" dirty="0" err="1">
-                <a:solidFill>
-                  <a:schemeClr val="tx1"/>
-                </a:solidFill>
-                <a:effectLst/>
-                <a:latin typeface="+mn-lt"/>
-                <a:ea typeface="+mn-ea"/>
-                <a:cs typeface="+mn-cs"/>
-              </a:rPr>
-              <a:t>FirstName</a:t>
-            </a:r>
-            <a:r>
-              <a:rPr lang="en-US" sz="1200" kern="1200" dirty="0">
-                <a:solidFill>
-                  <a:schemeClr val="tx1"/>
-                </a:solidFill>
-                <a:effectLst/>
-                <a:latin typeface="+mn-lt"/>
-                <a:ea typeface="+mn-ea"/>
-                <a:cs typeface="+mn-cs"/>
-              </a:rPr>
-              <a:t> and </a:t>
-            </a:r>
-            <a:r>
-              <a:rPr lang="en-US" sz="1200" kern="1200" dirty="0" err="1">
-                <a:solidFill>
-                  <a:schemeClr val="tx1"/>
-                </a:solidFill>
-                <a:effectLst/>
-                <a:latin typeface="+mn-lt"/>
-                <a:ea typeface="+mn-ea"/>
-                <a:cs typeface="+mn-cs"/>
-              </a:rPr>
-              <a:t>LastName</a:t>
-            </a:r>
-            <a:r>
-              <a:rPr lang="en-US" sz="1200" kern="1200" dirty="0">
-                <a:solidFill>
-                  <a:schemeClr val="tx1"/>
-                </a:solidFill>
-                <a:effectLst/>
-                <a:latin typeface="+mn-lt"/>
-                <a:ea typeface="+mn-ea"/>
-                <a:cs typeface="+mn-cs"/>
-              </a:rPr>
-              <a:t> columns of a table named employee.</a:t>
-            </a:r>
-          </a:p>
-          <a:p>
-            <a:pPr marL="171450" lvl="0" indent="-171450">
-              <a:buFont typeface="Arial" panose="020B0604020202020204" pitchFamily="34" charset="0"/>
-              <a:buChar char="•"/>
-            </a:pPr>
-            <a:r>
-              <a:rPr lang="en-US" sz="1200" kern="1200" dirty="0">
-                <a:solidFill>
-                  <a:schemeClr val="tx1"/>
-                </a:solidFill>
-                <a:effectLst/>
-                <a:latin typeface="+mn-lt"/>
-                <a:ea typeface="+mn-ea"/>
-                <a:cs typeface="+mn-cs"/>
-              </a:rPr>
-              <a:t>Write on the board a select statement that select </a:t>
-            </a:r>
-            <a:r>
-              <a:rPr lang="en-US" sz="1200" kern="1200" dirty="0" err="1">
-                <a:solidFill>
-                  <a:schemeClr val="tx1"/>
-                </a:solidFill>
-                <a:effectLst/>
-                <a:latin typeface="+mn-lt"/>
-                <a:ea typeface="+mn-ea"/>
-                <a:cs typeface="+mn-cs"/>
-              </a:rPr>
-              <a:t>FirstName</a:t>
-            </a:r>
-            <a:r>
-              <a:rPr lang="en-US" sz="1200" kern="1200" dirty="0">
-                <a:solidFill>
-                  <a:schemeClr val="tx1"/>
-                </a:solidFill>
-                <a:effectLst/>
-                <a:latin typeface="+mn-lt"/>
-                <a:ea typeface="+mn-ea"/>
-                <a:cs typeface="+mn-cs"/>
-              </a:rPr>
-              <a:t> and </a:t>
-            </a:r>
-            <a:r>
-              <a:rPr lang="en-US" sz="1200" kern="1200" dirty="0" err="1">
-                <a:solidFill>
-                  <a:schemeClr val="tx1"/>
-                </a:solidFill>
-                <a:effectLst/>
-                <a:latin typeface="+mn-lt"/>
-                <a:ea typeface="+mn-ea"/>
-                <a:cs typeface="+mn-cs"/>
-              </a:rPr>
-              <a:t>LastName</a:t>
-            </a:r>
-            <a:r>
-              <a:rPr lang="en-US" sz="1200" kern="1200" dirty="0">
-                <a:solidFill>
-                  <a:schemeClr val="tx1"/>
-                </a:solidFill>
-                <a:effectLst/>
-                <a:latin typeface="+mn-lt"/>
-                <a:ea typeface="+mn-ea"/>
-                <a:cs typeface="+mn-cs"/>
-              </a:rPr>
-              <a:t> columns of a table named employee where the </a:t>
-            </a:r>
-            <a:r>
-              <a:rPr lang="en-US" sz="1200" kern="1200" dirty="0" err="1">
-                <a:solidFill>
-                  <a:schemeClr val="tx1"/>
-                </a:solidFill>
-                <a:effectLst/>
-                <a:latin typeface="+mn-lt"/>
-                <a:ea typeface="+mn-ea"/>
-                <a:cs typeface="+mn-cs"/>
-              </a:rPr>
-              <a:t>EmployeeID</a:t>
-            </a:r>
-            <a:r>
-              <a:rPr lang="en-US" sz="1200" kern="1200" dirty="0">
-                <a:solidFill>
-                  <a:schemeClr val="tx1"/>
-                </a:solidFill>
-                <a:effectLst/>
-                <a:latin typeface="+mn-lt"/>
-                <a:ea typeface="+mn-ea"/>
-                <a:cs typeface="+mn-cs"/>
-              </a:rPr>
-              <a:t> equals 5.</a:t>
-            </a:r>
-          </a:p>
-          <a:p>
-            <a:pPr marL="171450" lvl="0" indent="-171450">
-              <a:buFont typeface="Arial" panose="020B0604020202020204" pitchFamily="34" charset="0"/>
-              <a:buChar char="•"/>
-            </a:pPr>
-            <a:r>
-              <a:rPr lang="en-US" sz="1200" kern="1200" dirty="0">
-                <a:solidFill>
-                  <a:schemeClr val="tx1"/>
-                </a:solidFill>
-                <a:effectLst/>
-                <a:latin typeface="+mn-lt"/>
-                <a:ea typeface="+mn-ea"/>
-                <a:cs typeface="+mn-cs"/>
-              </a:rPr>
-              <a:t>Write on the board a select statement that select </a:t>
-            </a:r>
-            <a:r>
-              <a:rPr lang="en-US" sz="1200" kern="1200" dirty="0" err="1">
-                <a:solidFill>
-                  <a:schemeClr val="tx1"/>
-                </a:solidFill>
-                <a:effectLst/>
-                <a:latin typeface="+mn-lt"/>
-                <a:ea typeface="+mn-ea"/>
-                <a:cs typeface="+mn-cs"/>
-              </a:rPr>
-              <a:t>FirstName</a:t>
-            </a:r>
-            <a:r>
-              <a:rPr lang="en-US" sz="1200" kern="1200" dirty="0">
-                <a:solidFill>
-                  <a:schemeClr val="tx1"/>
-                </a:solidFill>
-                <a:effectLst/>
-                <a:latin typeface="+mn-lt"/>
-                <a:ea typeface="+mn-ea"/>
-                <a:cs typeface="+mn-cs"/>
-              </a:rPr>
-              <a:t> and </a:t>
-            </a:r>
-            <a:r>
-              <a:rPr lang="en-US" sz="1200" kern="1200" dirty="0" err="1">
-                <a:solidFill>
-                  <a:schemeClr val="tx1"/>
-                </a:solidFill>
-                <a:effectLst/>
-                <a:latin typeface="+mn-lt"/>
-                <a:ea typeface="+mn-ea"/>
-                <a:cs typeface="+mn-cs"/>
-              </a:rPr>
-              <a:t>LastName</a:t>
-            </a:r>
-            <a:r>
-              <a:rPr lang="en-US" sz="1200" kern="1200" dirty="0">
-                <a:solidFill>
-                  <a:schemeClr val="tx1"/>
-                </a:solidFill>
-                <a:effectLst/>
-                <a:latin typeface="+mn-lt"/>
-                <a:ea typeface="+mn-ea"/>
-                <a:cs typeface="+mn-cs"/>
-              </a:rPr>
-              <a:t> columns of a table named employee where the </a:t>
-            </a:r>
-            <a:r>
-              <a:rPr lang="en-US" sz="1200" kern="1200" dirty="0" err="1">
-                <a:solidFill>
-                  <a:schemeClr val="tx1"/>
-                </a:solidFill>
-                <a:effectLst/>
-                <a:latin typeface="+mn-lt"/>
-                <a:ea typeface="+mn-ea"/>
-                <a:cs typeface="+mn-cs"/>
-              </a:rPr>
-              <a:t>FirstName</a:t>
-            </a:r>
-            <a:r>
-              <a:rPr lang="en-US" sz="1200" kern="1200" dirty="0">
-                <a:solidFill>
-                  <a:schemeClr val="tx1"/>
-                </a:solidFill>
-                <a:effectLst/>
-                <a:latin typeface="+mn-lt"/>
-                <a:ea typeface="+mn-ea"/>
-                <a:cs typeface="+mn-cs"/>
-              </a:rPr>
-              <a:t> equals Joe and </a:t>
-            </a:r>
-            <a:r>
-              <a:rPr lang="en-US" sz="1200" kern="1200" dirty="0" err="1">
-                <a:solidFill>
-                  <a:schemeClr val="tx1"/>
-                </a:solidFill>
-                <a:effectLst/>
-                <a:latin typeface="+mn-lt"/>
-                <a:ea typeface="+mn-ea"/>
-                <a:cs typeface="+mn-cs"/>
-              </a:rPr>
-              <a:t>LastName</a:t>
-            </a:r>
-            <a:r>
-              <a:rPr lang="en-US" sz="1200" kern="1200" dirty="0">
-                <a:solidFill>
-                  <a:schemeClr val="tx1"/>
-                </a:solidFill>
-                <a:effectLst/>
-                <a:latin typeface="+mn-lt"/>
-                <a:ea typeface="+mn-ea"/>
-                <a:cs typeface="+mn-cs"/>
-              </a:rPr>
-              <a:t> equals Smith.</a:t>
-            </a:r>
-          </a:p>
-          <a:p>
-            <a:pPr marL="171450" lvl="0" indent="-171450">
-              <a:buFont typeface="Arial" panose="020B0604020202020204" pitchFamily="34" charset="0"/>
-              <a:buChar char="•"/>
-            </a:pPr>
-            <a:r>
-              <a:rPr lang="en-US" sz="1200" kern="1200" dirty="0">
-                <a:solidFill>
-                  <a:schemeClr val="tx1"/>
-                </a:solidFill>
-                <a:effectLst/>
-                <a:latin typeface="+mn-lt"/>
-                <a:ea typeface="+mn-ea"/>
-                <a:cs typeface="+mn-cs"/>
-              </a:rPr>
-              <a:t>Write on the board an insert statement for a table named employee with columns </a:t>
-            </a:r>
-            <a:r>
-              <a:rPr lang="en-US" sz="1200" kern="1200" dirty="0" err="1">
-                <a:solidFill>
-                  <a:schemeClr val="tx1"/>
-                </a:solidFill>
-                <a:effectLst/>
-                <a:latin typeface="+mn-lt"/>
-                <a:ea typeface="+mn-ea"/>
-                <a:cs typeface="+mn-cs"/>
-              </a:rPr>
-              <a:t>EmployeeID</a:t>
-            </a:r>
-            <a:r>
-              <a:rPr lang="en-US" sz="1200" kern="1200" dirty="0">
-                <a:solidFill>
-                  <a:schemeClr val="tx1"/>
-                </a:solidFill>
-                <a:effectLst/>
-                <a:latin typeface="+mn-lt"/>
-                <a:ea typeface="+mn-ea"/>
-                <a:cs typeface="+mn-cs"/>
-              </a:rPr>
-              <a:t>, </a:t>
-            </a:r>
-            <a:r>
-              <a:rPr lang="en-US" sz="1200" kern="1200" dirty="0" err="1">
-                <a:solidFill>
-                  <a:schemeClr val="tx1"/>
-                </a:solidFill>
-                <a:effectLst/>
-                <a:latin typeface="+mn-lt"/>
-                <a:ea typeface="+mn-ea"/>
-                <a:cs typeface="+mn-cs"/>
-              </a:rPr>
-              <a:t>FirstName</a:t>
-            </a:r>
-            <a:r>
-              <a:rPr lang="en-US" sz="1200" kern="1200" dirty="0">
-                <a:solidFill>
-                  <a:schemeClr val="tx1"/>
-                </a:solidFill>
-                <a:effectLst/>
-                <a:latin typeface="+mn-lt"/>
-                <a:ea typeface="+mn-ea"/>
-                <a:cs typeface="+mn-cs"/>
-              </a:rPr>
-              <a:t>, and </a:t>
-            </a:r>
-            <a:r>
-              <a:rPr lang="en-US" sz="1200" kern="1200" dirty="0" err="1">
-                <a:solidFill>
-                  <a:schemeClr val="tx1"/>
-                </a:solidFill>
-                <a:effectLst/>
-                <a:latin typeface="+mn-lt"/>
-                <a:ea typeface="+mn-ea"/>
-                <a:cs typeface="+mn-cs"/>
-              </a:rPr>
-              <a:t>LastName</a:t>
-            </a:r>
-            <a:r>
-              <a:rPr lang="en-US" sz="1200" kern="1200" dirty="0">
-                <a:solidFill>
-                  <a:schemeClr val="tx1"/>
-                </a:solidFill>
-                <a:effectLst/>
-                <a:latin typeface="+mn-lt"/>
-                <a:ea typeface="+mn-ea"/>
-                <a:cs typeface="+mn-cs"/>
-              </a:rPr>
-              <a:t>.  </a:t>
-            </a:r>
-            <a:r>
-              <a:rPr lang="en-US" sz="1200" kern="1200" dirty="0" err="1">
-                <a:solidFill>
-                  <a:schemeClr val="tx1"/>
-                </a:solidFill>
-                <a:effectLst/>
-                <a:latin typeface="+mn-lt"/>
-                <a:ea typeface="+mn-ea"/>
-                <a:cs typeface="+mn-cs"/>
-              </a:rPr>
-              <a:t>EmployeeID</a:t>
-            </a:r>
-            <a:r>
-              <a:rPr lang="en-US" sz="1200" kern="1200" dirty="0">
-                <a:solidFill>
-                  <a:schemeClr val="tx1"/>
-                </a:solidFill>
-                <a:effectLst/>
-                <a:latin typeface="+mn-lt"/>
-                <a:ea typeface="+mn-ea"/>
-                <a:cs typeface="+mn-cs"/>
-              </a:rPr>
-              <a:t> is auto incrementing.</a:t>
-            </a:r>
-          </a:p>
-          <a:p>
-            <a:pPr marL="171450" lvl="0" indent="-171450">
-              <a:buFont typeface="Arial" panose="020B0604020202020204" pitchFamily="34" charset="0"/>
-              <a:buChar char="•"/>
-            </a:pPr>
-            <a:r>
-              <a:rPr lang="en-US" sz="1200" kern="1200" dirty="0">
-                <a:solidFill>
-                  <a:schemeClr val="tx1"/>
-                </a:solidFill>
-                <a:effectLst/>
-                <a:latin typeface="+mn-lt"/>
-                <a:ea typeface="+mn-ea"/>
-                <a:cs typeface="+mn-cs"/>
-              </a:rPr>
-              <a:t>Write on the board an insert statement for a table named employee with columns </a:t>
-            </a:r>
-            <a:r>
-              <a:rPr lang="en-US" sz="1200" kern="1200" dirty="0" err="1">
-                <a:solidFill>
-                  <a:schemeClr val="tx1"/>
-                </a:solidFill>
-                <a:effectLst/>
-                <a:latin typeface="+mn-lt"/>
-                <a:ea typeface="+mn-ea"/>
-                <a:cs typeface="+mn-cs"/>
-              </a:rPr>
-              <a:t>EmployeeID</a:t>
-            </a:r>
-            <a:r>
-              <a:rPr lang="en-US" sz="1200" kern="1200" dirty="0">
-                <a:solidFill>
-                  <a:schemeClr val="tx1"/>
-                </a:solidFill>
-                <a:effectLst/>
-                <a:latin typeface="+mn-lt"/>
-                <a:ea typeface="+mn-ea"/>
-                <a:cs typeface="+mn-cs"/>
-              </a:rPr>
-              <a:t>, </a:t>
-            </a:r>
-            <a:r>
-              <a:rPr lang="en-US" sz="1200" kern="1200" dirty="0" err="1">
-                <a:solidFill>
-                  <a:schemeClr val="tx1"/>
-                </a:solidFill>
-                <a:effectLst/>
-                <a:latin typeface="+mn-lt"/>
-                <a:ea typeface="+mn-ea"/>
-                <a:cs typeface="+mn-cs"/>
-              </a:rPr>
-              <a:t>FirstName</a:t>
-            </a:r>
-            <a:r>
-              <a:rPr lang="en-US" sz="1200" kern="1200" dirty="0">
-                <a:solidFill>
-                  <a:schemeClr val="tx1"/>
-                </a:solidFill>
-                <a:effectLst/>
-                <a:latin typeface="+mn-lt"/>
-                <a:ea typeface="+mn-ea"/>
-                <a:cs typeface="+mn-cs"/>
-              </a:rPr>
-              <a:t>, and </a:t>
-            </a:r>
-            <a:r>
-              <a:rPr lang="en-US" sz="1200" kern="1200" dirty="0" err="1">
-                <a:solidFill>
-                  <a:schemeClr val="tx1"/>
-                </a:solidFill>
-                <a:effectLst/>
-                <a:latin typeface="+mn-lt"/>
-                <a:ea typeface="+mn-ea"/>
-                <a:cs typeface="+mn-cs"/>
-              </a:rPr>
-              <a:t>LastName</a:t>
-            </a:r>
-            <a:r>
-              <a:rPr lang="en-US" sz="1200" kern="1200" dirty="0">
-                <a:solidFill>
-                  <a:schemeClr val="tx1"/>
-                </a:solidFill>
-                <a:effectLst/>
-                <a:latin typeface="+mn-lt"/>
-                <a:ea typeface="+mn-ea"/>
-                <a:cs typeface="+mn-cs"/>
-              </a:rPr>
-              <a:t>.  </a:t>
-            </a:r>
-            <a:r>
-              <a:rPr lang="en-US" sz="1200" kern="1200" dirty="0" err="1">
-                <a:solidFill>
-                  <a:schemeClr val="tx1"/>
-                </a:solidFill>
-                <a:effectLst/>
-                <a:latin typeface="+mn-lt"/>
-                <a:ea typeface="+mn-ea"/>
-                <a:cs typeface="+mn-cs"/>
-              </a:rPr>
-              <a:t>EmployeeID</a:t>
-            </a:r>
-            <a:r>
-              <a:rPr lang="en-US" sz="1200" kern="1200" dirty="0">
-                <a:solidFill>
-                  <a:schemeClr val="tx1"/>
-                </a:solidFill>
-                <a:effectLst/>
-                <a:latin typeface="+mn-lt"/>
-                <a:ea typeface="+mn-ea"/>
-                <a:cs typeface="+mn-cs"/>
-              </a:rPr>
-              <a:t> is auto incrementing.  Insert multiple records.</a:t>
-            </a:r>
-          </a:p>
-          <a:p>
-            <a:pPr marL="171450" lvl="0" indent="-171450">
-              <a:buFont typeface="Arial" panose="020B0604020202020204" pitchFamily="34" charset="0"/>
-              <a:buChar char="•"/>
-            </a:pPr>
-            <a:r>
-              <a:rPr lang="en-US" sz="1200" kern="1200" dirty="0">
-                <a:solidFill>
-                  <a:schemeClr val="tx1"/>
-                </a:solidFill>
-                <a:effectLst/>
-                <a:latin typeface="+mn-lt"/>
-                <a:ea typeface="+mn-ea"/>
-                <a:cs typeface="+mn-cs"/>
-              </a:rPr>
-              <a:t>Write on the board an update statement that updates </a:t>
-            </a:r>
-            <a:r>
-              <a:rPr lang="en-US" sz="1200" kern="1200" dirty="0" err="1">
-                <a:solidFill>
-                  <a:schemeClr val="tx1"/>
-                </a:solidFill>
-                <a:effectLst/>
-                <a:latin typeface="+mn-lt"/>
-                <a:ea typeface="+mn-ea"/>
-                <a:cs typeface="+mn-cs"/>
-              </a:rPr>
-              <a:t>FirstName</a:t>
-            </a:r>
-            <a:r>
-              <a:rPr lang="en-US" sz="1200" kern="1200" dirty="0">
-                <a:solidFill>
-                  <a:schemeClr val="tx1"/>
-                </a:solidFill>
-                <a:effectLst/>
-                <a:latin typeface="+mn-lt"/>
-                <a:ea typeface="+mn-ea"/>
-                <a:cs typeface="+mn-cs"/>
-              </a:rPr>
-              <a:t> equal to Tim and </a:t>
-            </a:r>
-            <a:r>
-              <a:rPr lang="en-US" sz="1200" kern="1200" dirty="0" err="1">
-                <a:solidFill>
-                  <a:schemeClr val="tx1"/>
-                </a:solidFill>
-                <a:effectLst/>
-                <a:latin typeface="+mn-lt"/>
-                <a:ea typeface="+mn-ea"/>
-                <a:cs typeface="+mn-cs"/>
-              </a:rPr>
-              <a:t>LastName</a:t>
-            </a:r>
-            <a:r>
-              <a:rPr lang="en-US" sz="1200" kern="1200" dirty="0">
-                <a:solidFill>
-                  <a:schemeClr val="tx1"/>
-                </a:solidFill>
-                <a:effectLst/>
-                <a:latin typeface="+mn-lt"/>
-                <a:ea typeface="+mn-ea"/>
-                <a:cs typeface="+mn-cs"/>
-              </a:rPr>
-              <a:t> equal to Grant columns of a table named employee where the </a:t>
-            </a:r>
-            <a:r>
-              <a:rPr lang="en-US" sz="1200" kern="1200" dirty="0" err="1">
-                <a:solidFill>
-                  <a:schemeClr val="tx1"/>
-                </a:solidFill>
-                <a:effectLst/>
-                <a:latin typeface="+mn-lt"/>
-                <a:ea typeface="+mn-ea"/>
-                <a:cs typeface="+mn-cs"/>
-              </a:rPr>
-              <a:t>FirstName</a:t>
-            </a:r>
-            <a:r>
-              <a:rPr lang="en-US" sz="1200" kern="1200" dirty="0">
-                <a:solidFill>
-                  <a:schemeClr val="tx1"/>
-                </a:solidFill>
-                <a:effectLst/>
-                <a:latin typeface="+mn-lt"/>
-                <a:ea typeface="+mn-ea"/>
-                <a:cs typeface="+mn-cs"/>
-              </a:rPr>
-              <a:t> equals Joe and </a:t>
-            </a:r>
-            <a:r>
-              <a:rPr lang="en-US" sz="1200" kern="1200" dirty="0" err="1">
-                <a:solidFill>
-                  <a:schemeClr val="tx1"/>
-                </a:solidFill>
-                <a:effectLst/>
-                <a:latin typeface="+mn-lt"/>
-                <a:ea typeface="+mn-ea"/>
-                <a:cs typeface="+mn-cs"/>
-              </a:rPr>
-              <a:t>LastName</a:t>
-            </a:r>
-            <a:r>
-              <a:rPr lang="en-US" sz="1200" kern="1200" dirty="0">
-                <a:solidFill>
-                  <a:schemeClr val="tx1"/>
-                </a:solidFill>
-                <a:effectLst/>
-                <a:latin typeface="+mn-lt"/>
-                <a:ea typeface="+mn-ea"/>
-                <a:cs typeface="+mn-cs"/>
-              </a:rPr>
-              <a:t> equals Smith.</a:t>
-            </a:r>
-          </a:p>
-          <a:p>
-            <a:pPr marL="171450" lvl="0" indent="-171450">
-              <a:buFont typeface="Arial" panose="020B0604020202020204" pitchFamily="34" charset="0"/>
-              <a:buChar char="•"/>
-            </a:pPr>
-            <a:r>
-              <a:rPr lang="en-US" sz="1200" kern="1200" dirty="0">
-                <a:solidFill>
-                  <a:schemeClr val="tx1"/>
-                </a:solidFill>
-                <a:effectLst/>
-                <a:latin typeface="+mn-lt"/>
-                <a:ea typeface="+mn-ea"/>
-                <a:cs typeface="+mn-cs"/>
-              </a:rPr>
-              <a:t>Write on the board a delete statement that deletes records of a table named employee where the </a:t>
-            </a:r>
-            <a:r>
-              <a:rPr lang="en-US" sz="1200" kern="1200" dirty="0" err="1">
-                <a:solidFill>
-                  <a:schemeClr val="tx1"/>
-                </a:solidFill>
-                <a:effectLst/>
-                <a:latin typeface="+mn-lt"/>
-                <a:ea typeface="+mn-ea"/>
-                <a:cs typeface="+mn-cs"/>
-              </a:rPr>
-              <a:t>EmployeeID</a:t>
-            </a:r>
-            <a:r>
-              <a:rPr lang="en-US" sz="1200" kern="1200" dirty="0">
-                <a:solidFill>
-                  <a:schemeClr val="tx1"/>
-                </a:solidFill>
-                <a:effectLst/>
-                <a:latin typeface="+mn-lt"/>
-                <a:ea typeface="+mn-ea"/>
-                <a:cs typeface="+mn-cs"/>
-              </a:rPr>
-              <a:t> equals 5.</a:t>
-            </a:r>
-          </a:p>
-          <a:p>
-            <a:pPr marL="171450" lvl="0" indent="-171450">
-              <a:buFont typeface="Arial" panose="020B0604020202020204" pitchFamily="34" charset="0"/>
-              <a:buChar char="•"/>
-            </a:pPr>
-            <a:r>
-              <a:rPr lang="en-US" sz="1200" kern="1200" dirty="0">
-                <a:solidFill>
-                  <a:schemeClr val="tx1"/>
-                </a:solidFill>
-                <a:effectLst/>
-                <a:latin typeface="+mn-lt"/>
-                <a:ea typeface="+mn-ea"/>
-                <a:cs typeface="+mn-cs"/>
-              </a:rPr>
-              <a:t>Write on the board a create statement that creates a table named Employee with an </a:t>
-            </a:r>
-            <a:r>
-              <a:rPr lang="en-US" sz="1200" kern="1200" dirty="0" err="1">
-                <a:solidFill>
-                  <a:schemeClr val="tx1"/>
-                </a:solidFill>
-                <a:effectLst/>
-                <a:latin typeface="+mn-lt"/>
-                <a:ea typeface="+mn-ea"/>
-                <a:cs typeface="+mn-cs"/>
-              </a:rPr>
-              <a:t>EmployeeID</a:t>
-            </a:r>
-            <a:r>
-              <a:rPr lang="en-US" sz="1200" kern="1200" dirty="0">
-                <a:solidFill>
-                  <a:schemeClr val="tx1"/>
-                </a:solidFill>
-                <a:effectLst/>
-                <a:latin typeface="+mn-lt"/>
-                <a:ea typeface="+mn-ea"/>
-                <a:cs typeface="+mn-cs"/>
-              </a:rPr>
-              <a:t>, </a:t>
-            </a:r>
-            <a:r>
-              <a:rPr lang="en-US" sz="1200" kern="1200" dirty="0" err="1">
-                <a:solidFill>
-                  <a:schemeClr val="tx1"/>
-                </a:solidFill>
-                <a:effectLst/>
-                <a:latin typeface="+mn-lt"/>
-                <a:ea typeface="+mn-ea"/>
-                <a:cs typeface="+mn-cs"/>
-              </a:rPr>
-              <a:t>FirstName</a:t>
-            </a:r>
-            <a:r>
-              <a:rPr lang="en-US" sz="1200" kern="1200" dirty="0">
-                <a:solidFill>
-                  <a:schemeClr val="tx1"/>
-                </a:solidFill>
-                <a:effectLst/>
-                <a:latin typeface="+mn-lt"/>
-                <a:ea typeface="+mn-ea"/>
-                <a:cs typeface="+mn-cs"/>
-              </a:rPr>
-              <a:t>, and </a:t>
-            </a:r>
-            <a:r>
-              <a:rPr lang="en-US" sz="1200" kern="1200" dirty="0" err="1">
-                <a:solidFill>
-                  <a:schemeClr val="tx1"/>
-                </a:solidFill>
-                <a:effectLst/>
-                <a:latin typeface="+mn-lt"/>
-                <a:ea typeface="+mn-ea"/>
-                <a:cs typeface="+mn-cs"/>
-              </a:rPr>
-              <a:t>LastName</a:t>
-            </a:r>
-            <a:r>
-              <a:rPr lang="en-US" sz="1200" kern="1200" dirty="0">
-                <a:solidFill>
-                  <a:schemeClr val="tx1"/>
-                </a:solidFill>
-                <a:effectLst/>
-                <a:latin typeface="+mn-lt"/>
-                <a:ea typeface="+mn-ea"/>
-                <a:cs typeface="+mn-cs"/>
-              </a:rPr>
-              <a:t> column with an auto incrementing primary key for the </a:t>
-            </a:r>
-            <a:r>
-              <a:rPr lang="en-US" sz="1200" kern="1200" dirty="0" err="1">
-                <a:solidFill>
-                  <a:schemeClr val="tx1"/>
-                </a:solidFill>
-                <a:effectLst/>
-                <a:latin typeface="+mn-lt"/>
-                <a:ea typeface="+mn-ea"/>
-                <a:cs typeface="+mn-cs"/>
-              </a:rPr>
-              <a:t>EmployeeID</a:t>
-            </a:r>
-            <a:r>
-              <a:rPr lang="en-US" sz="1200" kern="1200" dirty="0">
-                <a:solidFill>
-                  <a:schemeClr val="tx1"/>
-                </a:solidFill>
-                <a:effectLst/>
-                <a:latin typeface="+mn-lt"/>
-                <a:ea typeface="+mn-ea"/>
-                <a:cs typeface="+mn-cs"/>
-              </a:rPr>
-              <a:t>.</a:t>
-            </a:r>
-          </a:p>
-          <a:p>
-            <a:pPr marL="171450" lvl="0" indent="-171450">
-              <a:buFont typeface="Arial" panose="020B0604020202020204" pitchFamily="34" charset="0"/>
-              <a:buChar char="•"/>
-            </a:pPr>
-            <a:r>
-              <a:rPr lang="en-US" sz="1200" kern="1200" dirty="0">
-                <a:solidFill>
-                  <a:schemeClr val="tx1"/>
-                </a:solidFill>
-                <a:effectLst/>
-                <a:latin typeface="+mn-lt"/>
-                <a:ea typeface="+mn-ea"/>
-                <a:cs typeface="+mn-cs"/>
-              </a:rPr>
-              <a:t>Write on the board a select statement with an inner join between an Employee table and a Team table.  Both tables include a </a:t>
-            </a:r>
-            <a:r>
-              <a:rPr lang="en-US" sz="1200" kern="1200" dirty="0" err="1">
-                <a:solidFill>
-                  <a:schemeClr val="tx1"/>
-                </a:solidFill>
-                <a:effectLst/>
-                <a:latin typeface="+mn-lt"/>
-                <a:ea typeface="+mn-ea"/>
-                <a:cs typeface="+mn-cs"/>
-              </a:rPr>
-              <a:t>TeamID</a:t>
-            </a:r>
-            <a:r>
-              <a:rPr lang="en-US" sz="1200" kern="1200" dirty="0">
-                <a:solidFill>
-                  <a:schemeClr val="tx1"/>
-                </a:solidFill>
-                <a:effectLst/>
-                <a:latin typeface="+mn-lt"/>
-                <a:ea typeface="+mn-ea"/>
-                <a:cs typeface="+mn-cs"/>
-              </a:rPr>
-              <a:t> column.</a:t>
-            </a:r>
-          </a:p>
-          <a:p>
-            <a:pPr marL="171450" lvl="0" indent="-171450">
-              <a:buFont typeface="Arial" panose="020B0604020202020204" pitchFamily="34" charset="0"/>
-              <a:buChar char="•"/>
-            </a:pPr>
-            <a:r>
-              <a:rPr lang="en-US" sz="1200" kern="1200" dirty="0">
-                <a:solidFill>
-                  <a:schemeClr val="tx1"/>
-                </a:solidFill>
-                <a:effectLst/>
-                <a:latin typeface="+mn-lt"/>
-                <a:ea typeface="+mn-ea"/>
-                <a:cs typeface="+mn-cs"/>
-              </a:rPr>
-              <a:t>Write on the board a select statement with a left outer join between an Employee table and a Team table.  Both tables include a </a:t>
-            </a:r>
-            <a:r>
-              <a:rPr lang="en-US" sz="1200" kern="1200" dirty="0" err="1">
-                <a:solidFill>
-                  <a:schemeClr val="tx1"/>
-                </a:solidFill>
-                <a:effectLst/>
-                <a:latin typeface="+mn-lt"/>
-                <a:ea typeface="+mn-ea"/>
-                <a:cs typeface="+mn-cs"/>
-              </a:rPr>
-              <a:t>TeamID</a:t>
-            </a:r>
-            <a:r>
-              <a:rPr lang="en-US" sz="1200" kern="1200" dirty="0">
-                <a:solidFill>
-                  <a:schemeClr val="tx1"/>
-                </a:solidFill>
-                <a:effectLst/>
-                <a:latin typeface="+mn-lt"/>
-                <a:ea typeface="+mn-ea"/>
-                <a:cs typeface="+mn-cs"/>
-              </a:rPr>
-              <a:t> column.</a:t>
-            </a:r>
-          </a:p>
-          <a:p>
-            <a:pPr marL="171450" lvl="0" indent="-171450">
-              <a:buFont typeface="Arial" panose="020B0604020202020204" pitchFamily="34" charset="0"/>
-              <a:buChar char="•"/>
-            </a:pPr>
-            <a:r>
-              <a:rPr lang="en-US" sz="1200" kern="1200" dirty="0">
-                <a:solidFill>
-                  <a:schemeClr val="tx1"/>
-                </a:solidFill>
-                <a:effectLst/>
-                <a:latin typeface="+mn-lt"/>
-                <a:ea typeface="+mn-ea"/>
-                <a:cs typeface="+mn-cs"/>
-              </a:rPr>
-              <a:t>Write on the board a select statement with a right outer join between an Employee table and a Team table.  Both tables include a </a:t>
-            </a:r>
-            <a:r>
-              <a:rPr lang="en-US" sz="1200" kern="1200" dirty="0" err="1">
-                <a:solidFill>
-                  <a:schemeClr val="tx1"/>
-                </a:solidFill>
-                <a:effectLst/>
-                <a:latin typeface="+mn-lt"/>
-                <a:ea typeface="+mn-ea"/>
-                <a:cs typeface="+mn-cs"/>
-              </a:rPr>
-              <a:t>TeamID</a:t>
-            </a:r>
-            <a:r>
-              <a:rPr lang="en-US" sz="1200" kern="1200" dirty="0">
-                <a:solidFill>
-                  <a:schemeClr val="tx1"/>
-                </a:solidFill>
-                <a:effectLst/>
-                <a:latin typeface="+mn-lt"/>
-                <a:ea typeface="+mn-ea"/>
-                <a:cs typeface="+mn-cs"/>
-              </a:rPr>
-              <a:t> column.</a:t>
-            </a:r>
-          </a:p>
-          <a:p>
-            <a:pPr marL="457200" lvl="1" indent="0">
-              <a:buFont typeface="Arial" panose="020B0604020202020204" pitchFamily="34" charset="0"/>
-              <a:buNone/>
             </a:pPr>
             <a:endParaRPr lang="en-US" dirty="0"/>
           </a:p>
@@ -6217,7 +5324,7 @@
     </p:spTree>
     <p:extLst>
       <p:ext uri="{BB962C8B-B14F-4D97-AF65-F5344CB8AC3E}">
-        <p14:creationId xmlns:p14="http://schemas.microsoft.com/office/powerpoint/2010/main" val="4215681617"/>
+        <p14:creationId xmlns:p14="http://schemas.microsoft.com/office/powerpoint/2010/main" val="1145430475"/>
       </p:ext>
     </p:extLst>
   </p:cSld>
@@ -6271,9 +5378,903 @@
           <a:bodyPr/>
           <a:lstStyle/>
           <a:p>
-            <a:pPr marL="171450" indent="-171450">
+            <a:pPr marL="171450" lvl="0" indent="-171450">
               <a:buFont typeface="Arial" panose="020B0604020202020204" pitchFamily="34" charset="0"/>
               <a:buChar char="•"/>
+            </a:pPr>
+            <a:r>
+              <a:rPr lang="en-US" sz="1200" kern="1200" dirty="0">
+                <a:solidFill>
+                  <a:schemeClr val="tx1"/>
+                </a:solidFill>
+                <a:effectLst/>
+                <a:latin typeface="+mn-lt"/>
+                <a:ea typeface="+mn-ea"/>
+                <a:cs typeface="+mn-cs"/>
+              </a:rPr>
+              <a:t>Write on the board a select statement that selects </a:t>
+            </a:r>
+            <a:r>
+              <a:rPr lang="en-US" sz="1200" kern="1200" dirty="0" err="1">
+                <a:solidFill>
+                  <a:schemeClr val="tx1"/>
+                </a:solidFill>
+                <a:effectLst/>
+                <a:latin typeface="+mn-lt"/>
+                <a:ea typeface="+mn-ea"/>
+                <a:cs typeface="+mn-cs"/>
+              </a:rPr>
+              <a:t>FirstName</a:t>
+            </a:r>
+            <a:r>
+              <a:rPr lang="en-US" sz="1200" kern="1200" dirty="0">
+                <a:solidFill>
+                  <a:schemeClr val="tx1"/>
+                </a:solidFill>
+                <a:effectLst/>
+                <a:latin typeface="+mn-lt"/>
+                <a:ea typeface="+mn-ea"/>
+                <a:cs typeface="+mn-cs"/>
+              </a:rPr>
+              <a:t> and </a:t>
+            </a:r>
+            <a:r>
+              <a:rPr lang="en-US" sz="1200" kern="1200" dirty="0" err="1">
+                <a:solidFill>
+                  <a:schemeClr val="tx1"/>
+                </a:solidFill>
+                <a:effectLst/>
+                <a:latin typeface="+mn-lt"/>
+                <a:ea typeface="+mn-ea"/>
+                <a:cs typeface="+mn-cs"/>
+              </a:rPr>
+              <a:t>LastName</a:t>
+            </a:r>
+            <a:r>
+              <a:rPr lang="en-US" sz="1200" kern="1200" dirty="0">
+                <a:solidFill>
+                  <a:schemeClr val="tx1"/>
+                </a:solidFill>
+                <a:effectLst/>
+                <a:latin typeface="+mn-lt"/>
+                <a:ea typeface="+mn-ea"/>
+                <a:cs typeface="+mn-cs"/>
+              </a:rPr>
+              <a:t> columns of a table named employee.</a:t>
+            </a:r>
+          </a:p>
+          <a:p>
+            <a:pPr marL="171450" lvl="0" indent="-171450">
+              <a:buFont typeface="Arial" panose="020B0604020202020204" pitchFamily="34" charset="0"/>
+              <a:buChar char="•"/>
+            </a:pPr>
+            <a:r>
+              <a:rPr lang="en-US" sz="1200" kern="1200" dirty="0">
+                <a:solidFill>
+                  <a:schemeClr val="tx1"/>
+                </a:solidFill>
+                <a:effectLst/>
+                <a:latin typeface="+mn-lt"/>
+                <a:ea typeface="+mn-ea"/>
+                <a:cs typeface="+mn-cs"/>
+              </a:rPr>
+              <a:t>Write on the board a select statement that select </a:t>
+            </a:r>
+            <a:r>
+              <a:rPr lang="en-US" sz="1200" kern="1200" dirty="0" err="1">
+                <a:solidFill>
+                  <a:schemeClr val="tx1"/>
+                </a:solidFill>
+                <a:effectLst/>
+                <a:latin typeface="+mn-lt"/>
+                <a:ea typeface="+mn-ea"/>
+                <a:cs typeface="+mn-cs"/>
+              </a:rPr>
+              <a:t>FirstName</a:t>
+            </a:r>
+            <a:r>
+              <a:rPr lang="en-US" sz="1200" kern="1200" dirty="0">
+                <a:solidFill>
+                  <a:schemeClr val="tx1"/>
+                </a:solidFill>
+                <a:effectLst/>
+                <a:latin typeface="+mn-lt"/>
+                <a:ea typeface="+mn-ea"/>
+                <a:cs typeface="+mn-cs"/>
+              </a:rPr>
+              <a:t> and </a:t>
+            </a:r>
+            <a:r>
+              <a:rPr lang="en-US" sz="1200" kern="1200" dirty="0" err="1">
+                <a:solidFill>
+                  <a:schemeClr val="tx1"/>
+                </a:solidFill>
+                <a:effectLst/>
+                <a:latin typeface="+mn-lt"/>
+                <a:ea typeface="+mn-ea"/>
+                <a:cs typeface="+mn-cs"/>
+              </a:rPr>
+              <a:t>LastName</a:t>
+            </a:r>
+            <a:r>
+              <a:rPr lang="en-US" sz="1200" kern="1200" dirty="0">
+                <a:solidFill>
+                  <a:schemeClr val="tx1"/>
+                </a:solidFill>
+                <a:effectLst/>
+                <a:latin typeface="+mn-lt"/>
+                <a:ea typeface="+mn-ea"/>
+                <a:cs typeface="+mn-cs"/>
+              </a:rPr>
+              <a:t> columns of a table named employee where the </a:t>
+            </a:r>
+            <a:r>
+              <a:rPr lang="en-US" sz="1200" kern="1200" dirty="0" err="1">
+                <a:solidFill>
+                  <a:schemeClr val="tx1"/>
+                </a:solidFill>
+                <a:effectLst/>
+                <a:latin typeface="+mn-lt"/>
+                <a:ea typeface="+mn-ea"/>
+                <a:cs typeface="+mn-cs"/>
+              </a:rPr>
+              <a:t>EmployeeID</a:t>
+            </a:r>
+            <a:r>
+              <a:rPr lang="en-US" sz="1200" kern="1200" dirty="0">
+                <a:solidFill>
+                  <a:schemeClr val="tx1"/>
+                </a:solidFill>
+                <a:effectLst/>
+                <a:latin typeface="+mn-lt"/>
+                <a:ea typeface="+mn-ea"/>
+                <a:cs typeface="+mn-cs"/>
+              </a:rPr>
+              <a:t> equals 5.</a:t>
+            </a:r>
+          </a:p>
+          <a:p>
+            <a:pPr marL="171450" lvl="0" indent="-171450">
+              <a:buFont typeface="Arial" panose="020B0604020202020204" pitchFamily="34" charset="0"/>
+              <a:buChar char="•"/>
+            </a:pPr>
+            <a:r>
+              <a:rPr lang="en-US" sz="1200" kern="1200" dirty="0">
+                <a:solidFill>
+                  <a:schemeClr val="tx1"/>
+                </a:solidFill>
+                <a:effectLst/>
+                <a:latin typeface="+mn-lt"/>
+                <a:ea typeface="+mn-ea"/>
+                <a:cs typeface="+mn-cs"/>
+              </a:rPr>
+              <a:t>Write on the board a select statement that select </a:t>
+            </a:r>
+            <a:r>
+              <a:rPr lang="en-US" sz="1200" kern="1200" dirty="0" err="1">
+                <a:solidFill>
+                  <a:schemeClr val="tx1"/>
+                </a:solidFill>
+                <a:effectLst/>
+                <a:latin typeface="+mn-lt"/>
+                <a:ea typeface="+mn-ea"/>
+                <a:cs typeface="+mn-cs"/>
+              </a:rPr>
+              <a:t>FirstName</a:t>
+            </a:r>
+            <a:r>
+              <a:rPr lang="en-US" sz="1200" kern="1200" dirty="0">
+                <a:solidFill>
+                  <a:schemeClr val="tx1"/>
+                </a:solidFill>
+                <a:effectLst/>
+                <a:latin typeface="+mn-lt"/>
+                <a:ea typeface="+mn-ea"/>
+                <a:cs typeface="+mn-cs"/>
+              </a:rPr>
+              <a:t> and </a:t>
+            </a:r>
+            <a:r>
+              <a:rPr lang="en-US" sz="1200" kern="1200" dirty="0" err="1">
+                <a:solidFill>
+                  <a:schemeClr val="tx1"/>
+                </a:solidFill>
+                <a:effectLst/>
+                <a:latin typeface="+mn-lt"/>
+                <a:ea typeface="+mn-ea"/>
+                <a:cs typeface="+mn-cs"/>
+              </a:rPr>
+              <a:t>LastName</a:t>
+            </a:r>
+            <a:r>
+              <a:rPr lang="en-US" sz="1200" kern="1200" dirty="0">
+                <a:solidFill>
+                  <a:schemeClr val="tx1"/>
+                </a:solidFill>
+                <a:effectLst/>
+                <a:latin typeface="+mn-lt"/>
+                <a:ea typeface="+mn-ea"/>
+                <a:cs typeface="+mn-cs"/>
+              </a:rPr>
+              <a:t> columns of a table named employee where the </a:t>
+            </a:r>
+            <a:r>
+              <a:rPr lang="en-US" sz="1200" kern="1200" dirty="0" err="1">
+                <a:solidFill>
+                  <a:schemeClr val="tx1"/>
+                </a:solidFill>
+                <a:effectLst/>
+                <a:latin typeface="+mn-lt"/>
+                <a:ea typeface="+mn-ea"/>
+                <a:cs typeface="+mn-cs"/>
+              </a:rPr>
+              <a:t>FirstName</a:t>
+            </a:r>
+            <a:r>
+              <a:rPr lang="en-US" sz="1200" kern="1200" dirty="0">
+                <a:solidFill>
+                  <a:schemeClr val="tx1"/>
+                </a:solidFill>
+                <a:effectLst/>
+                <a:latin typeface="+mn-lt"/>
+                <a:ea typeface="+mn-ea"/>
+                <a:cs typeface="+mn-cs"/>
+              </a:rPr>
+              <a:t> equals Joe and </a:t>
+            </a:r>
+            <a:r>
+              <a:rPr lang="en-US" sz="1200" kern="1200" dirty="0" err="1">
+                <a:solidFill>
+                  <a:schemeClr val="tx1"/>
+                </a:solidFill>
+                <a:effectLst/>
+                <a:latin typeface="+mn-lt"/>
+                <a:ea typeface="+mn-ea"/>
+                <a:cs typeface="+mn-cs"/>
+              </a:rPr>
+              <a:t>LastName</a:t>
+            </a:r>
+            <a:r>
+              <a:rPr lang="en-US" sz="1200" kern="1200" dirty="0">
+                <a:solidFill>
+                  <a:schemeClr val="tx1"/>
+                </a:solidFill>
+                <a:effectLst/>
+                <a:latin typeface="+mn-lt"/>
+                <a:ea typeface="+mn-ea"/>
+                <a:cs typeface="+mn-cs"/>
+              </a:rPr>
+              <a:t> equals Smith.</a:t>
+            </a:r>
+          </a:p>
+          <a:p>
+            <a:pPr marL="171450" lvl="0" indent="-171450">
+              <a:buFont typeface="Arial" panose="020B0604020202020204" pitchFamily="34" charset="0"/>
+              <a:buChar char="•"/>
+            </a:pPr>
+            <a:r>
+              <a:rPr lang="en-US" sz="1200" kern="1200" dirty="0">
+                <a:solidFill>
+                  <a:schemeClr val="tx1"/>
+                </a:solidFill>
+                <a:effectLst/>
+                <a:latin typeface="+mn-lt"/>
+                <a:ea typeface="+mn-ea"/>
+                <a:cs typeface="+mn-cs"/>
+              </a:rPr>
+              <a:t>Write on the board an insert statement for a table named employee with columns </a:t>
+            </a:r>
+            <a:r>
+              <a:rPr lang="en-US" sz="1200" kern="1200" dirty="0" err="1">
+                <a:solidFill>
+                  <a:schemeClr val="tx1"/>
+                </a:solidFill>
+                <a:effectLst/>
+                <a:latin typeface="+mn-lt"/>
+                <a:ea typeface="+mn-ea"/>
+                <a:cs typeface="+mn-cs"/>
+              </a:rPr>
+              <a:t>EmployeeID</a:t>
+            </a:r>
+            <a:r>
+              <a:rPr lang="en-US" sz="1200" kern="1200" dirty="0">
+                <a:solidFill>
+                  <a:schemeClr val="tx1"/>
+                </a:solidFill>
+                <a:effectLst/>
+                <a:latin typeface="+mn-lt"/>
+                <a:ea typeface="+mn-ea"/>
+                <a:cs typeface="+mn-cs"/>
+              </a:rPr>
+              <a:t>, </a:t>
+            </a:r>
+            <a:r>
+              <a:rPr lang="en-US" sz="1200" kern="1200" dirty="0" err="1">
+                <a:solidFill>
+                  <a:schemeClr val="tx1"/>
+                </a:solidFill>
+                <a:effectLst/>
+                <a:latin typeface="+mn-lt"/>
+                <a:ea typeface="+mn-ea"/>
+                <a:cs typeface="+mn-cs"/>
+              </a:rPr>
+              <a:t>FirstName</a:t>
+            </a:r>
+            <a:r>
+              <a:rPr lang="en-US" sz="1200" kern="1200" dirty="0">
+                <a:solidFill>
+                  <a:schemeClr val="tx1"/>
+                </a:solidFill>
+                <a:effectLst/>
+                <a:latin typeface="+mn-lt"/>
+                <a:ea typeface="+mn-ea"/>
+                <a:cs typeface="+mn-cs"/>
+              </a:rPr>
+              <a:t>, and </a:t>
+            </a:r>
+            <a:r>
+              <a:rPr lang="en-US" sz="1200" kern="1200" dirty="0" err="1">
+                <a:solidFill>
+                  <a:schemeClr val="tx1"/>
+                </a:solidFill>
+                <a:effectLst/>
+                <a:latin typeface="+mn-lt"/>
+                <a:ea typeface="+mn-ea"/>
+                <a:cs typeface="+mn-cs"/>
+              </a:rPr>
+              <a:t>LastName</a:t>
+            </a:r>
+            <a:r>
+              <a:rPr lang="en-US" sz="1200" kern="1200" dirty="0">
+                <a:solidFill>
+                  <a:schemeClr val="tx1"/>
+                </a:solidFill>
+                <a:effectLst/>
+                <a:latin typeface="+mn-lt"/>
+                <a:ea typeface="+mn-ea"/>
+                <a:cs typeface="+mn-cs"/>
+              </a:rPr>
+              <a:t>.  </a:t>
+            </a:r>
+            <a:r>
+              <a:rPr lang="en-US" sz="1200" kern="1200" dirty="0" err="1">
+                <a:solidFill>
+                  <a:schemeClr val="tx1"/>
+                </a:solidFill>
+                <a:effectLst/>
+                <a:latin typeface="+mn-lt"/>
+                <a:ea typeface="+mn-ea"/>
+                <a:cs typeface="+mn-cs"/>
+              </a:rPr>
+              <a:t>EmployeeID</a:t>
+            </a:r>
+            <a:r>
+              <a:rPr lang="en-US" sz="1200" kern="1200" dirty="0">
+                <a:solidFill>
+                  <a:schemeClr val="tx1"/>
+                </a:solidFill>
+                <a:effectLst/>
+                <a:latin typeface="+mn-lt"/>
+                <a:ea typeface="+mn-ea"/>
+                <a:cs typeface="+mn-cs"/>
+              </a:rPr>
+              <a:t> is auto incrementing.</a:t>
+            </a:r>
+          </a:p>
+          <a:p>
+            <a:pPr marL="171450" lvl="0" indent="-171450">
+              <a:buFont typeface="Arial" panose="020B0604020202020204" pitchFamily="34" charset="0"/>
+              <a:buChar char="•"/>
+            </a:pPr>
+            <a:r>
+              <a:rPr lang="en-US" sz="1200" kern="1200" dirty="0">
+                <a:solidFill>
+                  <a:schemeClr val="tx1"/>
+                </a:solidFill>
+                <a:effectLst/>
+                <a:latin typeface="+mn-lt"/>
+                <a:ea typeface="+mn-ea"/>
+                <a:cs typeface="+mn-cs"/>
+              </a:rPr>
+              <a:t>Write on the board an insert statement for a table named employee with columns </a:t>
+            </a:r>
+            <a:r>
+              <a:rPr lang="en-US" sz="1200" kern="1200" dirty="0" err="1">
+                <a:solidFill>
+                  <a:schemeClr val="tx1"/>
+                </a:solidFill>
+                <a:effectLst/>
+                <a:latin typeface="+mn-lt"/>
+                <a:ea typeface="+mn-ea"/>
+                <a:cs typeface="+mn-cs"/>
+              </a:rPr>
+              <a:t>EmployeeID</a:t>
+            </a:r>
+            <a:r>
+              <a:rPr lang="en-US" sz="1200" kern="1200" dirty="0">
+                <a:solidFill>
+                  <a:schemeClr val="tx1"/>
+                </a:solidFill>
+                <a:effectLst/>
+                <a:latin typeface="+mn-lt"/>
+                <a:ea typeface="+mn-ea"/>
+                <a:cs typeface="+mn-cs"/>
+              </a:rPr>
+              <a:t>, </a:t>
+            </a:r>
+            <a:r>
+              <a:rPr lang="en-US" sz="1200" kern="1200" dirty="0" err="1">
+                <a:solidFill>
+                  <a:schemeClr val="tx1"/>
+                </a:solidFill>
+                <a:effectLst/>
+                <a:latin typeface="+mn-lt"/>
+                <a:ea typeface="+mn-ea"/>
+                <a:cs typeface="+mn-cs"/>
+              </a:rPr>
+              <a:t>FirstName</a:t>
+            </a:r>
+            <a:r>
+              <a:rPr lang="en-US" sz="1200" kern="1200" dirty="0">
+                <a:solidFill>
+                  <a:schemeClr val="tx1"/>
+                </a:solidFill>
+                <a:effectLst/>
+                <a:latin typeface="+mn-lt"/>
+                <a:ea typeface="+mn-ea"/>
+                <a:cs typeface="+mn-cs"/>
+              </a:rPr>
+              <a:t>, and </a:t>
+            </a:r>
+            <a:r>
+              <a:rPr lang="en-US" sz="1200" kern="1200" dirty="0" err="1">
+                <a:solidFill>
+                  <a:schemeClr val="tx1"/>
+                </a:solidFill>
+                <a:effectLst/>
+                <a:latin typeface="+mn-lt"/>
+                <a:ea typeface="+mn-ea"/>
+                <a:cs typeface="+mn-cs"/>
+              </a:rPr>
+              <a:t>LastName</a:t>
+            </a:r>
+            <a:r>
+              <a:rPr lang="en-US" sz="1200" kern="1200" dirty="0">
+                <a:solidFill>
+                  <a:schemeClr val="tx1"/>
+                </a:solidFill>
+                <a:effectLst/>
+                <a:latin typeface="+mn-lt"/>
+                <a:ea typeface="+mn-ea"/>
+                <a:cs typeface="+mn-cs"/>
+              </a:rPr>
+              <a:t>.  </a:t>
+            </a:r>
+            <a:r>
+              <a:rPr lang="en-US" sz="1200" kern="1200" dirty="0" err="1">
+                <a:solidFill>
+                  <a:schemeClr val="tx1"/>
+                </a:solidFill>
+                <a:effectLst/>
+                <a:latin typeface="+mn-lt"/>
+                <a:ea typeface="+mn-ea"/>
+                <a:cs typeface="+mn-cs"/>
+              </a:rPr>
+              <a:t>EmployeeID</a:t>
+            </a:r>
+            <a:r>
+              <a:rPr lang="en-US" sz="1200" kern="1200" dirty="0">
+                <a:solidFill>
+                  <a:schemeClr val="tx1"/>
+                </a:solidFill>
+                <a:effectLst/>
+                <a:latin typeface="+mn-lt"/>
+                <a:ea typeface="+mn-ea"/>
+                <a:cs typeface="+mn-cs"/>
+              </a:rPr>
+              <a:t> is auto incrementing.  Insert multiple records.</a:t>
+            </a:r>
+          </a:p>
+          <a:p>
+            <a:pPr marL="171450" lvl="0" indent="-171450">
+              <a:buFont typeface="Arial" panose="020B0604020202020204" pitchFamily="34" charset="0"/>
+              <a:buChar char="•"/>
+            </a:pPr>
+            <a:r>
+              <a:rPr lang="en-US" sz="1200" kern="1200" dirty="0">
+                <a:solidFill>
+                  <a:schemeClr val="tx1"/>
+                </a:solidFill>
+                <a:effectLst/>
+                <a:latin typeface="+mn-lt"/>
+                <a:ea typeface="+mn-ea"/>
+                <a:cs typeface="+mn-cs"/>
+              </a:rPr>
+              <a:t>Write on the board an update statement that updates </a:t>
+            </a:r>
+            <a:r>
+              <a:rPr lang="en-US" sz="1200" kern="1200" dirty="0" err="1">
+                <a:solidFill>
+                  <a:schemeClr val="tx1"/>
+                </a:solidFill>
+                <a:effectLst/>
+                <a:latin typeface="+mn-lt"/>
+                <a:ea typeface="+mn-ea"/>
+                <a:cs typeface="+mn-cs"/>
+              </a:rPr>
+              <a:t>FirstName</a:t>
+            </a:r>
+            <a:r>
+              <a:rPr lang="en-US" sz="1200" kern="1200" dirty="0">
+                <a:solidFill>
+                  <a:schemeClr val="tx1"/>
+                </a:solidFill>
+                <a:effectLst/>
+                <a:latin typeface="+mn-lt"/>
+                <a:ea typeface="+mn-ea"/>
+                <a:cs typeface="+mn-cs"/>
+              </a:rPr>
+              <a:t> equal to Tim and </a:t>
+            </a:r>
+            <a:r>
+              <a:rPr lang="en-US" sz="1200" kern="1200" dirty="0" err="1">
+                <a:solidFill>
+                  <a:schemeClr val="tx1"/>
+                </a:solidFill>
+                <a:effectLst/>
+                <a:latin typeface="+mn-lt"/>
+                <a:ea typeface="+mn-ea"/>
+                <a:cs typeface="+mn-cs"/>
+              </a:rPr>
+              <a:t>LastName</a:t>
+            </a:r>
+            <a:r>
+              <a:rPr lang="en-US" sz="1200" kern="1200" dirty="0">
+                <a:solidFill>
+                  <a:schemeClr val="tx1"/>
+                </a:solidFill>
+                <a:effectLst/>
+                <a:latin typeface="+mn-lt"/>
+                <a:ea typeface="+mn-ea"/>
+                <a:cs typeface="+mn-cs"/>
+              </a:rPr>
+              <a:t> equal to Grant columns of a table named employee where the </a:t>
+            </a:r>
+            <a:r>
+              <a:rPr lang="en-US" sz="1200" kern="1200" dirty="0" err="1">
+                <a:solidFill>
+                  <a:schemeClr val="tx1"/>
+                </a:solidFill>
+                <a:effectLst/>
+                <a:latin typeface="+mn-lt"/>
+                <a:ea typeface="+mn-ea"/>
+                <a:cs typeface="+mn-cs"/>
+              </a:rPr>
+              <a:t>FirstName</a:t>
+            </a:r>
+            <a:r>
+              <a:rPr lang="en-US" sz="1200" kern="1200" dirty="0">
+                <a:solidFill>
+                  <a:schemeClr val="tx1"/>
+                </a:solidFill>
+                <a:effectLst/>
+                <a:latin typeface="+mn-lt"/>
+                <a:ea typeface="+mn-ea"/>
+                <a:cs typeface="+mn-cs"/>
+              </a:rPr>
+              <a:t> equals Joe and </a:t>
+            </a:r>
+            <a:r>
+              <a:rPr lang="en-US" sz="1200" kern="1200" dirty="0" err="1">
+                <a:solidFill>
+                  <a:schemeClr val="tx1"/>
+                </a:solidFill>
+                <a:effectLst/>
+                <a:latin typeface="+mn-lt"/>
+                <a:ea typeface="+mn-ea"/>
+                <a:cs typeface="+mn-cs"/>
+              </a:rPr>
+              <a:t>LastName</a:t>
+            </a:r>
+            <a:r>
+              <a:rPr lang="en-US" sz="1200" kern="1200" dirty="0">
+                <a:solidFill>
+                  <a:schemeClr val="tx1"/>
+                </a:solidFill>
+                <a:effectLst/>
+                <a:latin typeface="+mn-lt"/>
+                <a:ea typeface="+mn-ea"/>
+                <a:cs typeface="+mn-cs"/>
+              </a:rPr>
+              <a:t> equals Smith.</a:t>
+            </a:r>
+          </a:p>
+          <a:p>
+            <a:pPr marL="171450" lvl="0" indent="-171450">
+              <a:buFont typeface="Arial" panose="020B0604020202020204" pitchFamily="34" charset="0"/>
+              <a:buChar char="•"/>
+            </a:pPr>
+            <a:r>
+              <a:rPr lang="en-US" sz="1200" kern="1200" dirty="0">
+                <a:solidFill>
+                  <a:schemeClr val="tx1"/>
+                </a:solidFill>
+                <a:effectLst/>
+                <a:latin typeface="+mn-lt"/>
+                <a:ea typeface="+mn-ea"/>
+                <a:cs typeface="+mn-cs"/>
+              </a:rPr>
+              <a:t>Write on the board a delete statement that deletes records of a table named employee where the </a:t>
+            </a:r>
+            <a:r>
+              <a:rPr lang="en-US" sz="1200" kern="1200" dirty="0" err="1">
+                <a:solidFill>
+                  <a:schemeClr val="tx1"/>
+                </a:solidFill>
+                <a:effectLst/>
+                <a:latin typeface="+mn-lt"/>
+                <a:ea typeface="+mn-ea"/>
+                <a:cs typeface="+mn-cs"/>
+              </a:rPr>
+              <a:t>EmployeeID</a:t>
+            </a:r>
+            <a:r>
+              <a:rPr lang="en-US" sz="1200" kern="1200" dirty="0">
+                <a:solidFill>
+                  <a:schemeClr val="tx1"/>
+                </a:solidFill>
+                <a:effectLst/>
+                <a:latin typeface="+mn-lt"/>
+                <a:ea typeface="+mn-ea"/>
+                <a:cs typeface="+mn-cs"/>
+              </a:rPr>
+              <a:t> equals 5.</a:t>
+            </a:r>
+          </a:p>
+          <a:p>
+            <a:pPr marL="171450" lvl="0" indent="-171450">
+              <a:buFont typeface="Arial" panose="020B0604020202020204" pitchFamily="34" charset="0"/>
+              <a:buChar char="•"/>
+            </a:pPr>
+            <a:r>
+              <a:rPr lang="en-US" sz="1200" kern="1200" dirty="0">
+                <a:solidFill>
+                  <a:schemeClr val="tx1"/>
+                </a:solidFill>
+                <a:effectLst/>
+                <a:latin typeface="+mn-lt"/>
+                <a:ea typeface="+mn-ea"/>
+                <a:cs typeface="+mn-cs"/>
+              </a:rPr>
+              <a:t>Write on the board a create statement that creates a table named Employee with an </a:t>
+            </a:r>
+            <a:r>
+              <a:rPr lang="en-US" sz="1200" kern="1200" dirty="0" err="1">
+                <a:solidFill>
+                  <a:schemeClr val="tx1"/>
+                </a:solidFill>
+                <a:effectLst/>
+                <a:latin typeface="+mn-lt"/>
+                <a:ea typeface="+mn-ea"/>
+                <a:cs typeface="+mn-cs"/>
+              </a:rPr>
+              <a:t>EmployeeID</a:t>
+            </a:r>
+            <a:r>
+              <a:rPr lang="en-US" sz="1200" kern="1200" dirty="0">
+                <a:solidFill>
+                  <a:schemeClr val="tx1"/>
+                </a:solidFill>
+                <a:effectLst/>
+                <a:latin typeface="+mn-lt"/>
+                <a:ea typeface="+mn-ea"/>
+                <a:cs typeface="+mn-cs"/>
+              </a:rPr>
+              <a:t>, </a:t>
+            </a:r>
+            <a:r>
+              <a:rPr lang="en-US" sz="1200" kern="1200" dirty="0" err="1">
+                <a:solidFill>
+                  <a:schemeClr val="tx1"/>
+                </a:solidFill>
+                <a:effectLst/>
+                <a:latin typeface="+mn-lt"/>
+                <a:ea typeface="+mn-ea"/>
+                <a:cs typeface="+mn-cs"/>
+              </a:rPr>
+              <a:t>FirstName</a:t>
+            </a:r>
+            <a:r>
+              <a:rPr lang="en-US" sz="1200" kern="1200" dirty="0">
+                <a:solidFill>
+                  <a:schemeClr val="tx1"/>
+                </a:solidFill>
+                <a:effectLst/>
+                <a:latin typeface="+mn-lt"/>
+                <a:ea typeface="+mn-ea"/>
+                <a:cs typeface="+mn-cs"/>
+              </a:rPr>
+              <a:t>, and </a:t>
+            </a:r>
+            <a:r>
+              <a:rPr lang="en-US" sz="1200" kern="1200" dirty="0" err="1">
+                <a:solidFill>
+                  <a:schemeClr val="tx1"/>
+                </a:solidFill>
+                <a:effectLst/>
+                <a:latin typeface="+mn-lt"/>
+                <a:ea typeface="+mn-ea"/>
+                <a:cs typeface="+mn-cs"/>
+              </a:rPr>
+              <a:t>LastName</a:t>
+            </a:r>
+            <a:r>
+              <a:rPr lang="en-US" sz="1200" kern="1200" dirty="0">
+                <a:solidFill>
+                  <a:schemeClr val="tx1"/>
+                </a:solidFill>
+                <a:effectLst/>
+                <a:latin typeface="+mn-lt"/>
+                <a:ea typeface="+mn-ea"/>
+                <a:cs typeface="+mn-cs"/>
+              </a:rPr>
+              <a:t> column with an auto incrementing primary key for the </a:t>
+            </a:r>
+            <a:r>
+              <a:rPr lang="en-US" sz="1200" kern="1200" dirty="0" err="1">
+                <a:solidFill>
+                  <a:schemeClr val="tx1"/>
+                </a:solidFill>
+                <a:effectLst/>
+                <a:latin typeface="+mn-lt"/>
+                <a:ea typeface="+mn-ea"/>
+                <a:cs typeface="+mn-cs"/>
+              </a:rPr>
+              <a:t>EmployeeID</a:t>
+            </a:r>
+            <a:r>
+              <a:rPr lang="en-US" sz="1200" kern="1200" dirty="0">
+                <a:solidFill>
+                  <a:schemeClr val="tx1"/>
+                </a:solidFill>
+                <a:effectLst/>
+                <a:latin typeface="+mn-lt"/>
+                <a:ea typeface="+mn-ea"/>
+                <a:cs typeface="+mn-cs"/>
+              </a:rPr>
+              <a:t>.</a:t>
+            </a:r>
+          </a:p>
+          <a:p>
+            <a:pPr marL="171450" lvl="0" indent="-171450">
+              <a:buFont typeface="Arial" panose="020B0604020202020204" pitchFamily="34" charset="0"/>
+              <a:buChar char="•"/>
+            </a:pPr>
+            <a:r>
+              <a:rPr lang="en-US" sz="1200" kern="1200" dirty="0">
+                <a:solidFill>
+                  <a:schemeClr val="tx1"/>
+                </a:solidFill>
+                <a:effectLst/>
+                <a:latin typeface="+mn-lt"/>
+                <a:ea typeface="+mn-ea"/>
+                <a:cs typeface="+mn-cs"/>
+              </a:rPr>
+              <a:t>Write on the board a select statement with an inner join between an Employee table and a Team table.  Both tables include a </a:t>
+            </a:r>
+            <a:r>
+              <a:rPr lang="en-US" sz="1200" kern="1200" dirty="0" err="1">
+                <a:solidFill>
+                  <a:schemeClr val="tx1"/>
+                </a:solidFill>
+                <a:effectLst/>
+                <a:latin typeface="+mn-lt"/>
+                <a:ea typeface="+mn-ea"/>
+                <a:cs typeface="+mn-cs"/>
+              </a:rPr>
+              <a:t>TeamID</a:t>
+            </a:r>
+            <a:r>
+              <a:rPr lang="en-US" sz="1200" kern="1200" dirty="0">
+                <a:solidFill>
+                  <a:schemeClr val="tx1"/>
+                </a:solidFill>
+                <a:effectLst/>
+                <a:latin typeface="+mn-lt"/>
+                <a:ea typeface="+mn-ea"/>
+                <a:cs typeface="+mn-cs"/>
+              </a:rPr>
+              <a:t> column.</a:t>
+            </a:r>
+          </a:p>
+          <a:p>
+            <a:pPr marL="171450" lvl="0" indent="-171450">
+              <a:buFont typeface="Arial" panose="020B0604020202020204" pitchFamily="34" charset="0"/>
+              <a:buChar char="•"/>
+            </a:pPr>
+            <a:r>
+              <a:rPr lang="en-US" sz="1200" kern="1200" dirty="0">
+                <a:solidFill>
+                  <a:schemeClr val="tx1"/>
+                </a:solidFill>
+                <a:effectLst/>
+                <a:latin typeface="+mn-lt"/>
+                <a:ea typeface="+mn-ea"/>
+                <a:cs typeface="+mn-cs"/>
+              </a:rPr>
+              <a:t>Write on the board a select statement with a left outer join between an Employee table and a Team table.  Both tables include a </a:t>
+            </a:r>
+            <a:r>
+              <a:rPr lang="en-US" sz="1200" kern="1200" dirty="0" err="1">
+                <a:solidFill>
+                  <a:schemeClr val="tx1"/>
+                </a:solidFill>
+                <a:effectLst/>
+                <a:latin typeface="+mn-lt"/>
+                <a:ea typeface="+mn-ea"/>
+                <a:cs typeface="+mn-cs"/>
+              </a:rPr>
+              <a:t>TeamID</a:t>
+            </a:r>
+            <a:r>
+              <a:rPr lang="en-US" sz="1200" kern="1200" dirty="0">
+                <a:solidFill>
+                  <a:schemeClr val="tx1"/>
+                </a:solidFill>
+                <a:effectLst/>
+                <a:latin typeface="+mn-lt"/>
+                <a:ea typeface="+mn-ea"/>
+                <a:cs typeface="+mn-cs"/>
+              </a:rPr>
+              <a:t> column.</a:t>
+            </a:r>
+          </a:p>
+          <a:p>
+            <a:pPr marL="171450" lvl="0" indent="-171450">
+              <a:buFont typeface="Arial" panose="020B0604020202020204" pitchFamily="34" charset="0"/>
+              <a:buChar char="•"/>
+            </a:pPr>
+            <a:r>
+              <a:rPr lang="en-US" sz="1200" kern="1200" dirty="0">
+                <a:solidFill>
+                  <a:schemeClr val="tx1"/>
+                </a:solidFill>
+                <a:effectLst/>
+                <a:latin typeface="+mn-lt"/>
+                <a:ea typeface="+mn-ea"/>
+                <a:cs typeface="+mn-cs"/>
+              </a:rPr>
+              <a:t>Write on the board a select statement with a right outer join between an Employee table and a Team table.  Both tables include a </a:t>
+            </a:r>
+            <a:r>
+              <a:rPr lang="en-US" sz="1200" kern="1200" dirty="0" err="1">
+                <a:solidFill>
+                  <a:schemeClr val="tx1"/>
+                </a:solidFill>
+                <a:effectLst/>
+                <a:latin typeface="+mn-lt"/>
+                <a:ea typeface="+mn-ea"/>
+                <a:cs typeface="+mn-cs"/>
+              </a:rPr>
+              <a:t>TeamID</a:t>
+            </a:r>
+            <a:r>
+              <a:rPr lang="en-US" sz="1200" kern="1200" dirty="0">
+                <a:solidFill>
+                  <a:schemeClr val="tx1"/>
+                </a:solidFill>
+                <a:effectLst/>
+                <a:latin typeface="+mn-lt"/>
+                <a:ea typeface="+mn-ea"/>
+                <a:cs typeface="+mn-cs"/>
+              </a:rPr>
+              <a:t> column.</a:t>
+            </a:r>
+          </a:p>
+          <a:p>
+            <a:pPr marL="457200" lvl="1" indent="0">
+              <a:buFont typeface="Arial" panose="020B0604020202020204" pitchFamily="34" charset="0"/>
+              <a:buNone/>
             </a:pPr>
             <a:endParaRPr lang="en-US" dirty="0"/>
           </a:p>
@@ -6305,7 +6306,7 @@
     </p:spTree>
     <p:extLst>
       <p:ext uri="{BB962C8B-B14F-4D97-AF65-F5344CB8AC3E}">
-        <p14:creationId xmlns:p14="http://schemas.microsoft.com/office/powerpoint/2010/main" val="1594265075"/>
+        <p14:creationId xmlns:p14="http://schemas.microsoft.com/office/powerpoint/2010/main" val="4215681617"/>
       </p:ext>
     </p:extLst>
   </p:cSld>
@@ -6481,6 +6482,94 @@
     </p:spTree>
     <p:extLst>
       <p:ext uri="{BB962C8B-B14F-4D97-AF65-F5344CB8AC3E}">
+        <p14:creationId xmlns:p14="http://schemas.microsoft.com/office/powerpoint/2010/main" val="1594265075"/>
+      </p:ext>
+    </p:extLst>
+  </p:cSld>
+  <p:clrMapOvr>
+    <a:masterClrMapping/>
+  </p:clrMapOvr>
+</p:notes>
+</file>
+
+<file path=ppt/notesSlides/notesSlide41.xml><?xml version="1.0" encoding="utf-8"?>
+<p:notes xmlns:a="http://schemas.openxmlformats.org/drawingml/2006/main" xmlns:r="http://schemas.openxmlformats.org/officeDocument/2006/relationships" xmlns:p="http://schemas.openxmlformats.org/presentationml/2006/main">
+  <p:cSld>
+    <p:spTree>
+      <p:nvGrpSpPr>
+        <p:cNvPr id="1" name=""/>
+        <p:cNvGrpSpPr/>
+        <p:nvPr/>
+      </p:nvGrpSpPr>
+      <p:grpSpPr>
+        <a:xfrm>
+          <a:off x="0" y="0"/>
+          <a:ext cx="0" cy="0"/>
+          <a:chOff x="0" y="0"/>
+          <a:chExt cx="0" cy="0"/>
+        </a:xfrm>
+      </p:grpSpPr>
+      <p:sp>
+        <p:nvSpPr>
+          <p:cNvPr id="2" name="Slide Image Placeholder 1"/>
+          <p:cNvSpPr>
+            <a:spLocks noGrp="1" noRot="1" noChangeAspect="1"/>
+          </p:cNvSpPr>
+          <p:nvPr>
+            <p:ph type="sldImg"/>
+          </p:nvPr>
+        </p:nvSpPr>
+        <p:spPr/>
+      </p:sp>
+      <p:sp>
+        <p:nvSpPr>
+          <p:cNvPr id="3" name="Notes Placeholder 2"/>
+          <p:cNvSpPr>
+            <a:spLocks noGrp="1"/>
+          </p:cNvSpPr>
+          <p:nvPr>
+            <p:ph type="body" idx="1"/>
+          </p:nvPr>
+        </p:nvSpPr>
+        <p:spPr/>
+        <p:txBody>
+          <a:bodyPr/>
+          <a:lstStyle/>
+          <a:p>
+            <a:pPr marL="171450" indent="-171450">
+              <a:buFont typeface="Arial" panose="020B0604020202020204" pitchFamily="34" charset="0"/>
+              <a:buChar char="•"/>
+            </a:pPr>
+            <a:endParaRPr lang="en-US" dirty="0"/>
+          </a:p>
+        </p:txBody>
+      </p:sp>
+      <p:sp>
+        <p:nvSpPr>
+          <p:cNvPr id="4" name="Slide Number Placeholder 3"/>
+          <p:cNvSpPr>
+            <a:spLocks noGrp="1"/>
+          </p:cNvSpPr>
+          <p:nvPr>
+            <p:ph type="sldNum" sz="quarter" idx="10"/>
+          </p:nvPr>
+        </p:nvSpPr>
+        <p:spPr/>
+        <p:txBody>
+          <a:bodyPr/>
+          <a:lstStyle/>
+          <a:p>
+            <a:fld id="{226FA58D-4B12-4E7B-A2FA-693CE3EACDFD}" type="slidenum">
+              <a:rPr lang="en-US" smtClean="0"/>
+              <a:t>42</a:t>
+            </a:fld>
+            <a:endParaRPr lang="en-US"/>
+          </a:p>
+        </p:txBody>
+      </p:sp>
+    </p:spTree>
+    <p:extLst>
+      <p:ext uri="{BB962C8B-B14F-4D97-AF65-F5344CB8AC3E}">
         <p14:creationId xmlns:p14="http://schemas.microsoft.com/office/powerpoint/2010/main" val="860951052"/>
       </p:ext>
     </p:extLst>
@@ -7466,7 +7555,7 @@
           <a:p>
             <a:fld id="{96FB5D56-0812-4ED5-8B52-3D0DCBF578CB}" type="datetimeFigureOut">
               <a:rPr lang="en-US" smtClean="0"/>
-              <a:t>5/10/2018</a:t>
+              <a:t>6/2/2018</a:t>
             </a:fld>
             <a:endParaRPr lang="en-US"/>
           </a:p>
@@ -7741,7 +7830,7 @@
           <a:p>
             <a:fld id="{96FB5D56-0812-4ED5-8B52-3D0DCBF578CB}" type="datetimeFigureOut">
               <a:rPr lang="en-US" smtClean="0"/>
-              <a:t>5/10/2018</a:t>
+              <a:t>6/2/2018</a:t>
             </a:fld>
             <a:endParaRPr lang="en-US"/>
           </a:p>
@@ -7935,7 +8024,7 @@
           <a:p>
             <a:fld id="{96FB5D56-0812-4ED5-8B52-3D0DCBF578CB}" type="datetimeFigureOut">
               <a:rPr lang="en-US" smtClean="0"/>
-              <a:t>5/10/2018</a:t>
+              <a:t>6/2/2018</a:t>
             </a:fld>
             <a:endParaRPr lang="en-US"/>
           </a:p>
@@ -8208,7 +8297,7 @@
           <a:p>
             <a:fld id="{96FB5D56-0812-4ED5-8B52-3D0DCBF578CB}" type="datetimeFigureOut">
               <a:rPr lang="en-US" smtClean="0"/>
-              <a:t>5/10/2018</a:t>
+              <a:t>6/2/2018</a:t>
             </a:fld>
             <a:endParaRPr lang="en-US"/>
           </a:p>
@@ -8549,7 +8638,7 @@
           <a:p>
             <a:fld id="{96FB5D56-0812-4ED5-8B52-3D0DCBF578CB}" type="datetimeFigureOut">
               <a:rPr lang="en-US" smtClean="0"/>
-              <a:t>5/10/2018</a:t>
+              <a:t>6/2/2018</a:t>
             </a:fld>
             <a:endParaRPr lang="en-US"/>
           </a:p>
@@ -9172,7 +9261,7 @@
           <a:p>
             <a:fld id="{96FB5D56-0812-4ED5-8B52-3D0DCBF578CB}" type="datetimeFigureOut">
               <a:rPr lang="en-US" smtClean="0"/>
-              <a:t>5/10/2018</a:t>
+              <a:t>6/2/2018</a:t>
             </a:fld>
             <a:endParaRPr lang="en-US"/>
           </a:p>
@@ -10032,7 +10121,7 @@
           <a:p>
             <a:fld id="{96FB5D56-0812-4ED5-8B52-3D0DCBF578CB}" type="datetimeFigureOut">
               <a:rPr lang="en-US" smtClean="0"/>
-              <a:t>5/10/2018</a:t>
+              <a:t>6/2/2018</a:t>
             </a:fld>
             <a:endParaRPr lang="en-US"/>
           </a:p>
@@ -10202,7 +10291,7 @@
           <a:p>
             <a:fld id="{96FB5D56-0812-4ED5-8B52-3D0DCBF578CB}" type="datetimeFigureOut">
               <a:rPr lang="en-US" smtClean="0"/>
-              <a:t>5/10/2018</a:t>
+              <a:t>6/2/2018</a:t>
             </a:fld>
             <a:endParaRPr lang="en-US"/>
           </a:p>
@@ -10382,7 +10471,7 @@
           <a:p>
             <a:fld id="{96FB5D56-0812-4ED5-8B52-3D0DCBF578CB}" type="datetimeFigureOut">
               <a:rPr lang="en-US" smtClean="0"/>
-              <a:t>5/10/2018</a:t>
+              <a:t>6/2/2018</a:t>
             </a:fld>
             <a:endParaRPr lang="en-US"/>
           </a:p>
@@ -10552,7 +10641,7 @@
           <a:p>
             <a:fld id="{96FB5D56-0812-4ED5-8B52-3D0DCBF578CB}" type="datetimeFigureOut">
               <a:rPr lang="en-US" smtClean="0"/>
-              <a:t>5/10/2018</a:t>
+              <a:t>6/2/2018</a:t>
             </a:fld>
             <a:endParaRPr lang="en-US"/>
           </a:p>
@@ -10799,7 +10888,7 @@
           <a:p>
             <a:fld id="{96FB5D56-0812-4ED5-8B52-3D0DCBF578CB}" type="datetimeFigureOut">
               <a:rPr lang="en-US" smtClean="0"/>
-              <a:t>5/10/2018</a:t>
+              <a:t>6/2/2018</a:t>
             </a:fld>
             <a:endParaRPr lang="en-US"/>
           </a:p>
@@ -11091,7 +11180,7 @@
           <a:p>
             <a:fld id="{96FB5D56-0812-4ED5-8B52-3D0DCBF578CB}" type="datetimeFigureOut">
               <a:rPr lang="en-US" smtClean="0"/>
-              <a:t>5/10/2018</a:t>
+              <a:t>6/2/2018</a:t>
             </a:fld>
             <a:endParaRPr lang="en-US"/>
           </a:p>
@@ -11535,7 +11624,7 @@
           <a:p>
             <a:fld id="{96FB5D56-0812-4ED5-8B52-3D0DCBF578CB}" type="datetimeFigureOut">
               <a:rPr lang="en-US" smtClean="0"/>
-              <a:t>5/10/2018</a:t>
+              <a:t>6/2/2018</a:t>
             </a:fld>
             <a:endParaRPr lang="en-US"/>
           </a:p>
@@ -11653,7 +11742,7 @@
           <a:p>
             <a:fld id="{96FB5D56-0812-4ED5-8B52-3D0DCBF578CB}" type="datetimeFigureOut">
               <a:rPr lang="en-US" smtClean="0"/>
-              <a:t>5/10/2018</a:t>
+              <a:t>6/2/2018</a:t>
             </a:fld>
             <a:endParaRPr lang="en-US"/>
           </a:p>
@@ -11748,7 +11837,7 @@
           <a:p>
             <a:fld id="{96FB5D56-0812-4ED5-8B52-3D0DCBF578CB}" type="datetimeFigureOut">
               <a:rPr lang="en-US" smtClean="0"/>
-              <a:t>5/10/2018</a:t>
+              <a:t>6/2/2018</a:t>
             </a:fld>
             <a:endParaRPr lang="en-US"/>
           </a:p>
@@ -12027,7 +12116,7 @@
           <a:p>
             <a:fld id="{96FB5D56-0812-4ED5-8B52-3D0DCBF578CB}" type="datetimeFigureOut">
               <a:rPr lang="en-US" smtClean="0"/>
-              <a:t>5/10/2018</a:t>
+              <a:t>6/2/2018</a:t>
             </a:fld>
             <a:endParaRPr lang="en-US"/>
           </a:p>
@@ -12302,7 +12391,7 @@
           <a:p>
             <a:fld id="{96FB5D56-0812-4ED5-8B52-3D0DCBF578CB}" type="datetimeFigureOut">
               <a:rPr lang="en-US" smtClean="0"/>
-              <a:t>5/10/2018</a:t>
+              <a:t>6/2/2018</a:t>
             </a:fld>
             <a:endParaRPr lang="en-US"/>
           </a:p>
@@ -12731,7 +12820,7 @@
           <a:p>
             <a:fld id="{96FB5D56-0812-4ED5-8B52-3D0DCBF578CB}" type="datetimeFigureOut">
               <a:rPr lang="en-US" smtClean="0"/>
-              <a:t>5/10/2018</a:t>
+              <a:t>6/2/2018</a:t>
             </a:fld>
             <a:endParaRPr lang="en-US"/>
           </a:p>
@@ -13945,6 +14034,197 @@
           <a:p>
             <a:r>
               <a:rPr lang="en-US" dirty="0"/>
+              <a:t>Primary Key &amp; Auto Increment</a:t>
+            </a:r>
+          </a:p>
+        </p:txBody>
+      </p:sp>
+      <p:sp>
+        <p:nvSpPr>
+          <p:cNvPr id="4" name="Content Placeholder 3"/>
+          <p:cNvSpPr>
+            <a:spLocks noGrp="1"/>
+          </p:cNvSpPr>
+          <p:nvPr>
+            <p:ph sz="half" idx="2"/>
+          </p:nvPr>
+        </p:nvSpPr>
+        <p:spPr>
+          <a:xfrm>
+            <a:off x="823186" y="1853248"/>
+            <a:ext cx="8866724" cy="4200245"/>
+          </a:xfrm>
+        </p:spPr>
+        <p:txBody>
+          <a:bodyPr>
+            <a:normAutofit lnSpcReduction="10000"/>
+          </a:bodyPr>
+          <a:lstStyle/>
+          <a:p>
+            <a:pPr marL="0" indent="0">
+              <a:buFont typeface="Arial" panose="020B0604020202020204" pitchFamily="34" charset="0"/>
+              <a:buNone/>
+            </a:pPr>
+            <a:r>
+              <a:rPr lang="en-US" sz="2400" dirty="0"/>
+              <a:t>CREATE TABLE People</a:t>
+            </a:r>
+          </a:p>
+          <a:p>
+            <a:pPr marL="0" indent="0">
+              <a:buFont typeface="Arial" panose="020B0604020202020204" pitchFamily="34" charset="0"/>
+              <a:buNone/>
+            </a:pPr>
+            <a:r>
+              <a:rPr lang="en-US" sz="2400" dirty="0"/>
+              <a:t>(</a:t>
+            </a:r>
+          </a:p>
+          <a:p>
+            <a:pPr marL="400050" lvl="1" indent="0">
+              <a:buFont typeface="Arial" panose="020B0604020202020204" pitchFamily="34" charset="0"/>
+              <a:buNone/>
+            </a:pPr>
+            <a:r>
+              <a:rPr lang="en-US" sz="2400" dirty="0" err="1"/>
+              <a:t>PersonID</a:t>
+            </a:r>
+            <a:r>
+              <a:rPr lang="en-US" sz="2400" dirty="0"/>
+              <a:t> int not null AUTO_INCREMENT,</a:t>
+            </a:r>
+          </a:p>
+          <a:p>
+            <a:pPr marL="400050" lvl="1" indent="0">
+              <a:buFont typeface="Arial" panose="020B0604020202020204" pitchFamily="34" charset="0"/>
+              <a:buNone/>
+            </a:pPr>
+            <a:r>
+              <a:rPr lang="en-US" sz="2400" dirty="0" err="1"/>
+              <a:t>LastName</a:t>
+            </a:r>
+            <a:r>
+              <a:rPr lang="en-US" sz="2400" dirty="0"/>
+              <a:t> varchar(255),</a:t>
+            </a:r>
+          </a:p>
+          <a:p>
+            <a:pPr marL="400050" lvl="1" indent="0">
+              <a:buFont typeface="Arial" panose="020B0604020202020204" pitchFamily="34" charset="0"/>
+              <a:buNone/>
+            </a:pPr>
+            <a:r>
+              <a:rPr lang="en-US" sz="2400" dirty="0" err="1"/>
+              <a:t>FirstName</a:t>
+            </a:r>
+            <a:r>
+              <a:rPr lang="en-US" sz="2400" dirty="0"/>
+              <a:t> varchar(255),</a:t>
+            </a:r>
+          </a:p>
+          <a:p>
+            <a:pPr marL="400050" lvl="1" indent="0">
+              <a:buFont typeface="Arial" panose="020B0604020202020204" pitchFamily="34" charset="0"/>
+              <a:buNone/>
+            </a:pPr>
+            <a:r>
+              <a:rPr lang="en-US" sz="2400" dirty="0"/>
+              <a:t>Address varchar(255),</a:t>
+            </a:r>
+          </a:p>
+          <a:p>
+            <a:pPr marL="400050" lvl="1" indent="0">
+              <a:buFont typeface="Arial" panose="020B0604020202020204" pitchFamily="34" charset="0"/>
+              <a:buNone/>
+            </a:pPr>
+            <a:r>
+              <a:rPr lang="en-US" sz="2400" dirty="0"/>
+              <a:t>City varchar(255),</a:t>
+            </a:r>
+          </a:p>
+          <a:p>
+            <a:pPr marL="400050" lvl="1" indent="0">
+              <a:buFont typeface="Arial" panose="020B0604020202020204" pitchFamily="34" charset="0"/>
+              <a:buNone/>
+            </a:pPr>
+            <a:r>
+              <a:rPr lang="en-US" sz="2400" dirty="0"/>
+              <a:t>PRIMARY KEY (</a:t>
+            </a:r>
+            <a:r>
+              <a:rPr lang="en-US" sz="2400" dirty="0" err="1"/>
+              <a:t>PersonID</a:t>
+            </a:r>
+            <a:r>
+              <a:rPr lang="en-US" sz="2400" dirty="0"/>
+              <a:t>)</a:t>
+            </a:r>
+          </a:p>
+          <a:p>
+            <a:pPr marL="0" indent="0">
+              <a:buFont typeface="Arial" panose="020B0604020202020204" pitchFamily="34" charset="0"/>
+              <a:buNone/>
+            </a:pPr>
+            <a:r>
+              <a:rPr lang="en-US" sz="2400" dirty="0"/>
+              <a:t>);</a:t>
+            </a:r>
+          </a:p>
+          <a:p>
+            <a:pPr marL="0" indent="0">
+              <a:buNone/>
+            </a:pPr>
+            <a:endParaRPr lang="en-US" dirty="0"/>
+          </a:p>
+        </p:txBody>
+      </p:sp>
+    </p:spTree>
+    <p:extLst>
+      <p:ext uri="{BB962C8B-B14F-4D97-AF65-F5344CB8AC3E}">
+        <p14:creationId xmlns:p14="http://schemas.microsoft.com/office/powerpoint/2010/main" val="3463305536"/>
+      </p:ext>
+    </p:extLst>
+  </p:cSld>
+  <p:clrMapOvr>
+    <a:masterClrMapping/>
+  </p:clrMapOvr>
+</p:sld>
+</file>
+
+<file path=ppt/slides/slide15.xml><?xml version="1.0" encoding="utf-8"?>
+<p:sld xmlns:a="http://schemas.openxmlformats.org/drawingml/2006/main" xmlns:r="http://schemas.openxmlformats.org/officeDocument/2006/relationships" xmlns:p="http://schemas.openxmlformats.org/presentationml/2006/main">
+  <p:cSld>
+    <p:spTree>
+      <p:nvGrpSpPr>
+        <p:cNvPr id="1" name=""/>
+        <p:cNvGrpSpPr/>
+        <p:nvPr/>
+      </p:nvGrpSpPr>
+      <p:grpSpPr>
+        <a:xfrm>
+          <a:off x="0" y="0"/>
+          <a:ext cx="0" cy="0"/>
+          <a:chOff x="0" y="0"/>
+          <a:chExt cx="0" cy="0"/>
+        </a:xfrm>
+      </p:grpSpPr>
+      <p:sp>
+        <p:nvSpPr>
+          <p:cNvPr id="2" name="Title 1"/>
+          <p:cNvSpPr>
+            <a:spLocks noGrp="1"/>
+          </p:cNvSpPr>
+          <p:nvPr>
+            <p:ph type="title"/>
+          </p:nvPr>
+        </p:nvSpPr>
+        <p:spPr/>
+        <p:txBody>
+          <a:bodyPr/>
+          <a:lstStyle/>
+          <a:p>
+            <a:r>
+              <a:rPr lang="en-US" dirty="0"/>
               <a:t>EXAMPLE</a:t>
             </a:r>
           </a:p>
@@ -14015,7 +14295,7 @@
 </p:sld>
 </file>
 
-<file path=ppt/slides/slide15.xml><?xml version="1.0" encoding="utf-8"?>
+<file path=ppt/slides/slide16.xml><?xml version="1.0" encoding="utf-8"?>
 <p:sld xmlns:a="http://schemas.openxmlformats.org/drawingml/2006/main" xmlns:r="http://schemas.openxmlformats.org/officeDocument/2006/relationships" xmlns:p="http://schemas.openxmlformats.org/presentationml/2006/main">
   <p:cSld>
     <p:spTree>
@@ -14119,7 +14399,7 @@
 </p:sld>
 </file>
 
-<file path=ppt/slides/slide16.xml><?xml version="1.0" encoding="utf-8"?>
+<file path=ppt/slides/slide17.xml><?xml version="1.0" encoding="utf-8"?>
 <p:sld xmlns:a="http://schemas.openxmlformats.org/drawingml/2006/main" xmlns:r="http://schemas.openxmlformats.org/officeDocument/2006/relationships" xmlns:p="http://schemas.openxmlformats.org/presentationml/2006/main">
   <p:cSld>
     <p:spTree>
@@ -14291,7 +14571,7 @@
 </p:sld>
 </file>
 
-<file path=ppt/slides/slide17.xml><?xml version="1.0" encoding="utf-8"?>
+<file path=ppt/slides/slide18.xml><?xml version="1.0" encoding="utf-8"?>
 <p:sld xmlns:a="http://schemas.openxmlformats.org/drawingml/2006/main" xmlns:r="http://schemas.openxmlformats.org/officeDocument/2006/relationships" xmlns:p="http://schemas.openxmlformats.org/presentationml/2006/main">
   <p:cSld>
     <p:spTree>
@@ -14422,7 +14702,7 @@
 </p:sld>
 </file>
 
-<file path=ppt/slides/slide18.xml><?xml version="1.0" encoding="utf-8"?>
+<file path=ppt/slides/slide19.xml><?xml version="1.0" encoding="utf-8"?>
 <p:sld xmlns:a="http://schemas.openxmlformats.org/drawingml/2006/main" xmlns:r="http://schemas.openxmlformats.org/officeDocument/2006/relationships" xmlns:p="http://schemas.openxmlformats.org/presentationml/2006/main">
   <p:cSld>
     <p:spTree>
@@ -14550,122 +14830,6 @@
 </p:sld>
 </file>
 
-<file path=ppt/slides/slide19.xml><?xml version="1.0" encoding="utf-8"?>
-<p:sld xmlns:a="http://schemas.openxmlformats.org/drawingml/2006/main" xmlns:r="http://schemas.openxmlformats.org/officeDocument/2006/relationships" xmlns:p="http://schemas.openxmlformats.org/presentationml/2006/main">
-  <p:cSld>
-    <p:spTree>
-      <p:nvGrpSpPr>
-        <p:cNvPr id="1" name=""/>
-        <p:cNvGrpSpPr/>
-        <p:nvPr/>
-      </p:nvGrpSpPr>
-      <p:grpSpPr>
-        <a:xfrm>
-          <a:off x="0" y="0"/>
-          <a:ext cx="0" cy="0"/>
-          <a:chOff x="0" y="0"/>
-          <a:chExt cx="0" cy="0"/>
-        </a:xfrm>
-      </p:grpSpPr>
-      <p:sp>
-        <p:nvSpPr>
-          <p:cNvPr id="2" name="Title 1"/>
-          <p:cNvSpPr>
-            <a:spLocks noGrp="1"/>
-          </p:cNvSpPr>
-          <p:nvPr>
-            <p:ph type="title"/>
-          </p:nvPr>
-        </p:nvSpPr>
-        <p:spPr/>
-        <p:txBody>
-          <a:bodyPr/>
-          <a:lstStyle/>
-          <a:p>
-            <a:r>
-              <a:rPr lang="en-US" dirty="0"/>
-              <a:t>Assignment</a:t>
-            </a:r>
-          </a:p>
-        </p:txBody>
-      </p:sp>
-      <p:sp>
-        <p:nvSpPr>
-          <p:cNvPr id="3" name="Content Placeholder 2"/>
-          <p:cNvSpPr>
-            <a:spLocks noGrp="1"/>
-          </p:cNvSpPr>
-          <p:nvPr>
-            <p:ph sz="half" idx="1"/>
-          </p:nvPr>
-        </p:nvSpPr>
-        <p:spPr>
-          <a:xfrm>
-            <a:off x="496388" y="1387975"/>
-            <a:ext cx="7772401" cy="5119408"/>
-          </a:xfrm>
-        </p:spPr>
-        <p:txBody>
-          <a:bodyPr>
-            <a:noAutofit/>
-          </a:bodyPr>
-          <a:lstStyle/>
-          <a:p>
-            <a:r>
-              <a:rPr lang="en-US" sz="3600" dirty="0"/>
-              <a:t>Update the status to Zombie for a given person based upon their name that currently has a status of Alive.</a:t>
-            </a:r>
-          </a:p>
-          <a:p>
-            <a:r>
-              <a:rPr lang="en-US" sz="3600" dirty="0"/>
-              <a:t>Delete every person that is dead.</a:t>
-            </a:r>
-          </a:p>
-        </p:txBody>
-      </p:sp>
-      <p:pic>
-        <p:nvPicPr>
-          <p:cNvPr id="5" name="Content Placeholder 4"/>
-          <p:cNvPicPr>
-            <a:picLocks noGrp="1" noChangeAspect="1"/>
-          </p:cNvPicPr>
-          <p:nvPr>
-            <p:ph sz="half" idx="2"/>
-          </p:nvPr>
-        </p:nvPicPr>
-        <p:blipFill>
-          <a:blip r:embed="rId3">
-            <a:extLst>
-              <a:ext uri="{28A0092B-C50C-407E-A947-70E740481C1C}">
-                <a14:useLocalDpi xmlns:a14="http://schemas.microsoft.com/office/drawing/2010/main" val="0"/>
-              </a:ext>
-            </a:extLst>
-          </a:blip>
-          <a:stretch>
-            <a:fillRect/>
-          </a:stretch>
-        </p:blipFill>
-        <p:spPr>
-          <a:xfrm>
-            <a:off x="8630940" y="1387975"/>
-            <a:ext cx="3179422" cy="5119408"/>
-          </a:xfrm>
-        </p:spPr>
-      </p:pic>
-    </p:spTree>
-    <p:extLst>
-      <p:ext uri="{BB962C8B-B14F-4D97-AF65-F5344CB8AC3E}">
-        <p14:creationId xmlns:p14="http://schemas.microsoft.com/office/powerpoint/2010/main" val="127213732"/>
-      </p:ext>
-    </p:extLst>
-  </p:cSld>
-  <p:clrMapOvr>
-    <a:masterClrMapping/>
-  </p:clrMapOvr>
-</p:sld>
-</file>
-
 <file path=ppt/slides/slide2.xml><?xml version="1.0" encoding="utf-8"?>
 <p:sld xmlns:a="http://schemas.openxmlformats.org/drawingml/2006/main" xmlns:r="http://schemas.openxmlformats.org/officeDocument/2006/relationships" xmlns:p="http://schemas.openxmlformats.org/presentationml/2006/main">
   <p:cSld>
@@ -14729,9 +14893,24 @@
             </a:r>
           </a:p>
           <a:p>
-            <a:r>
-              <a:rPr lang="en-US" sz="2800" dirty="0"/>
+            <a:pPr lvl="1"/>
+            <a:r>
+              <a:rPr lang="en-US" sz="2600" dirty="0"/>
               <a:t>Tables</a:t>
+            </a:r>
+          </a:p>
+          <a:p>
+            <a:pPr lvl="2"/>
+            <a:r>
+              <a:rPr lang="en-US" sz="2400" dirty="0"/>
+              <a:t>Columns</a:t>
+            </a:r>
+          </a:p>
+          <a:p>
+            <a:pPr lvl="2"/>
+            <a:r>
+              <a:rPr lang="en-US" sz="2400" dirty="0"/>
+              <a:t>Rows</a:t>
             </a:r>
           </a:p>
           <a:p>
@@ -14818,6 +14997,490 @@
           <a:p>
             <a:r>
               <a:rPr lang="en-US" dirty="0"/>
+              <a:t>Assignment</a:t>
+            </a:r>
+          </a:p>
+        </p:txBody>
+      </p:sp>
+      <p:sp>
+        <p:nvSpPr>
+          <p:cNvPr id="3" name="Content Placeholder 2"/>
+          <p:cNvSpPr>
+            <a:spLocks noGrp="1"/>
+          </p:cNvSpPr>
+          <p:nvPr>
+            <p:ph sz="half" idx="1"/>
+          </p:nvPr>
+        </p:nvSpPr>
+        <p:spPr>
+          <a:xfrm>
+            <a:off x="496388" y="1387975"/>
+            <a:ext cx="7772401" cy="5119408"/>
+          </a:xfrm>
+        </p:spPr>
+        <p:txBody>
+          <a:bodyPr>
+            <a:noAutofit/>
+          </a:bodyPr>
+          <a:lstStyle/>
+          <a:p>
+            <a:r>
+              <a:rPr lang="en-US" sz="3600" dirty="0"/>
+              <a:t>Update the status to Zombie for a given person based upon their name that currently has a status of Alive.</a:t>
+            </a:r>
+          </a:p>
+          <a:p>
+            <a:r>
+              <a:rPr lang="en-US" sz="3600" dirty="0"/>
+              <a:t>Delete every person that is dead.</a:t>
+            </a:r>
+          </a:p>
+        </p:txBody>
+      </p:sp>
+      <p:pic>
+        <p:nvPicPr>
+          <p:cNvPr id="5" name="Content Placeholder 4"/>
+          <p:cNvPicPr>
+            <a:picLocks noGrp="1" noChangeAspect="1"/>
+          </p:cNvPicPr>
+          <p:nvPr>
+            <p:ph sz="half" idx="2"/>
+          </p:nvPr>
+        </p:nvPicPr>
+        <p:blipFill>
+          <a:blip r:embed="rId3">
+            <a:extLst>
+              <a:ext uri="{28A0092B-C50C-407E-A947-70E740481C1C}">
+                <a14:useLocalDpi xmlns:a14="http://schemas.microsoft.com/office/drawing/2010/main" val="0"/>
+              </a:ext>
+            </a:extLst>
+          </a:blip>
+          <a:stretch>
+            <a:fillRect/>
+          </a:stretch>
+        </p:blipFill>
+        <p:spPr>
+          <a:xfrm>
+            <a:off x="8630940" y="1387975"/>
+            <a:ext cx="3179422" cy="5119408"/>
+          </a:xfrm>
+        </p:spPr>
+      </p:pic>
+    </p:spTree>
+    <p:extLst>
+      <p:ext uri="{BB962C8B-B14F-4D97-AF65-F5344CB8AC3E}">
+        <p14:creationId xmlns:p14="http://schemas.microsoft.com/office/powerpoint/2010/main" val="127213732"/>
+      </p:ext>
+    </p:extLst>
+  </p:cSld>
+  <p:clrMapOvr>
+    <a:masterClrMapping/>
+  </p:clrMapOvr>
+</p:sld>
+</file>
+
+<file path=ppt/slides/slide21.xml><?xml version="1.0" encoding="utf-8"?>
+<p:sld xmlns:a="http://schemas.openxmlformats.org/drawingml/2006/main" xmlns:r="http://schemas.openxmlformats.org/officeDocument/2006/relationships" xmlns:p="http://schemas.openxmlformats.org/presentationml/2006/main">
+  <p:cSld>
+    <p:spTree>
+      <p:nvGrpSpPr>
+        <p:cNvPr id="1" name=""/>
+        <p:cNvGrpSpPr/>
+        <p:nvPr/>
+      </p:nvGrpSpPr>
+      <p:grpSpPr>
+        <a:xfrm>
+          <a:off x="0" y="0"/>
+          <a:ext cx="0" cy="0"/>
+          <a:chOff x="0" y="0"/>
+          <a:chExt cx="0" cy="0"/>
+        </a:xfrm>
+      </p:grpSpPr>
+      <p:sp>
+        <p:nvSpPr>
+          <p:cNvPr id="2" name="Title 1"/>
+          <p:cNvSpPr>
+            <a:spLocks noGrp="1"/>
+          </p:cNvSpPr>
+          <p:nvPr>
+            <p:ph type="title"/>
+          </p:nvPr>
+        </p:nvSpPr>
+        <p:spPr/>
+        <p:txBody>
+          <a:bodyPr/>
+          <a:lstStyle/>
+          <a:p>
+            <a:r>
+              <a:rPr lang="en-US" dirty="0"/>
+              <a:t>Table Alias</a:t>
+            </a:r>
+          </a:p>
+        </p:txBody>
+      </p:sp>
+      <p:sp>
+        <p:nvSpPr>
+          <p:cNvPr id="3" name="Content Placeholder 2"/>
+          <p:cNvSpPr>
+            <a:spLocks noGrp="1"/>
+          </p:cNvSpPr>
+          <p:nvPr>
+            <p:ph idx="1"/>
+          </p:nvPr>
+        </p:nvSpPr>
+        <p:spPr/>
+        <p:txBody>
+          <a:bodyPr>
+            <a:normAutofit/>
+          </a:bodyPr>
+          <a:lstStyle/>
+          <a:p>
+            <a:r>
+              <a:rPr lang="en-US" sz="2800" dirty="0"/>
+              <a:t>Short name that can be given to a table</a:t>
+            </a:r>
+          </a:p>
+          <a:p>
+            <a:r>
+              <a:rPr lang="en-US" sz="2800" dirty="0"/>
+              <a:t>Example:</a:t>
+            </a:r>
+          </a:p>
+          <a:p>
+            <a:pPr marL="45720" indent="0">
+              <a:buNone/>
+            </a:pPr>
+            <a:r>
+              <a:rPr lang="en-US" sz="2800" dirty="0"/>
+              <a:t>SELECT </a:t>
+            </a:r>
+            <a:r>
+              <a:rPr lang="en-US" sz="2800" dirty="0" err="1"/>
+              <a:t>c.ClassId</a:t>
+            </a:r>
+            <a:r>
+              <a:rPr lang="en-US" sz="2800" dirty="0"/>
+              <a:t>, </a:t>
+            </a:r>
+            <a:r>
+              <a:rPr lang="en-US" sz="2800" dirty="0" err="1"/>
+              <a:t>c.ClassName</a:t>
+            </a:r>
+            <a:r>
+              <a:rPr lang="en-US" sz="2800" dirty="0"/>
+              <a:t>, </a:t>
+            </a:r>
+            <a:r>
+              <a:rPr lang="en-US" sz="2800" dirty="0" err="1"/>
+              <a:t>t.TeacherId</a:t>
+            </a:r>
+            <a:r>
+              <a:rPr lang="en-US" sz="2800" dirty="0"/>
+              <a:t>, </a:t>
+            </a:r>
+            <a:r>
+              <a:rPr lang="en-US" sz="2800" dirty="0" err="1"/>
+              <a:t>t.FirstName</a:t>
+            </a:r>
+            <a:r>
+              <a:rPr lang="en-US" sz="2800" dirty="0"/>
+              <a:t>, </a:t>
+            </a:r>
+            <a:r>
+              <a:rPr lang="en-US" sz="2800" dirty="0" err="1"/>
+              <a:t>t.LastName</a:t>
+            </a:r>
+            <a:endParaRPr lang="en-US" sz="2800" dirty="0"/>
+          </a:p>
+          <a:p>
+            <a:pPr marL="45720" indent="0">
+              <a:buNone/>
+            </a:pPr>
+            <a:r>
+              <a:rPr lang="en-US" sz="2800" dirty="0"/>
+              <a:t>FROM Class c</a:t>
+            </a:r>
+          </a:p>
+          <a:p>
+            <a:pPr marL="45720" indent="0">
+              <a:buNone/>
+            </a:pPr>
+            <a:r>
+              <a:rPr lang="en-US" sz="2800" dirty="0"/>
+              <a:t>INNER JOIN </a:t>
+            </a:r>
+            <a:r>
+              <a:rPr lang="en-US" sz="2800" dirty="0" err="1"/>
+              <a:t>dbo.Teacher</a:t>
+            </a:r>
+            <a:r>
+              <a:rPr lang="en-US" sz="2800" dirty="0"/>
+              <a:t> t</a:t>
+            </a:r>
+          </a:p>
+          <a:p>
+            <a:pPr marL="45720" indent="0">
+              <a:buNone/>
+            </a:pPr>
+            <a:r>
+              <a:rPr lang="en-US" sz="2800" dirty="0"/>
+              <a:t>ON </a:t>
+            </a:r>
+            <a:r>
+              <a:rPr lang="en-US" sz="2800" dirty="0" err="1"/>
+              <a:t>c.TeacherId</a:t>
+            </a:r>
+            <a:r>
+              <a:rPr lang="en-US" sz="2800" dirty="0"/>
+              <a:t> = </a:t>
+            </a:r>
+            <a:r>
+              <a:rPr lang="en-US" sz="2800" dirty="0" err="1"/>
+              <a:t>t.TeacherId</a:t>
+            </a:r>
+            <a:endParaRPr lang="en-US" sz="2800" dirty="0"/>
+          </a:p>
+        </p:txBody>
+      </p:sp>
+    </p:spTree>
+    <p:extLst>
+      <p:ext uri="{BB962C8B-B14F-4D97-AF65-F5344CB8AC3E}">
+        <p14:creationId xmlns:p14="http://schemas.microsoft.com/office/powerpoint/2010/main" val="1288448874"/>
+      </p:ext>
+    </p:extLst>
+  </p:cSld>
+  <p:clrMapOvr>
+    <a:masterClrMapping/>
+  </p:clrMapOvr>
+</p:sld>
+</file>
+
+<file path=ppt/slides/slide22.xml><?xml version="1.0" encoding="utf-8"?>
+<p:sld xmlns:a="http://schemas.openxmlformats.org/drawingml/2006/main" xmlns:r="http://schemas.openxmlformats.org/officeDocument/2006/relationships" xmlns:p="http://schemas.openxmlformats.org/presentationml/2006/main">
+  <p:cSld>
+    <p:spTree>
+      <p:nvGrpSpPr>
+        <p:cNvPr id="1" name=""/>
+        <p:cNvGrpSpPr/>
+        <p:nvPr/>
+      </p:nvGrpSpPr>
+      <p:grpSpPr>
+        <a:xfrm>
+          <a:off x="0" y="0"/>
+          <a:ext cx="0" cy="0"/>
+          <a:chOff x="0" y="0"/>
+          <a:chExt cx="0" cy="0"/>
+        </a:xfrm>
+      </p:grpSpPr>
+      <p:sp>
+        <p:nvSpPr>
+          <p:cNvPr id="2" name="Title 1"/>
+          <p:cNvSpPr>
+            <a:spLocks noGrp="1"/>
+          </p:cNvSpPr>
+          <p:nvPr>
+            <p:ph type="title"/>
+          </p:nvPr>
+        </p:nvSpPr>
+        <p:spPr/>
+        <p:txBody>
+          <a:bodyPr/>
+          <a:lstStyle/>
+          <a:p>
+            <a:r>
+              <a:rPr lang="en-US" dirty="0"/>
+              <a:t>Column Alias</a:t>
+            </a:r>
+          </a:p>
+        </p:txBody>
+      </p:sp>
+      <p:sp>
+        <p:nvSpPr>
+          <p:cNvPr id="3" name="Content Placeholder 2"/>
+          <p:cNvSpPr>
+            <a:spLocks noGrp="1"/>
+          </p:cNvSpPr>
+          <p:nvPr>
+            <p:ph idx="1"/>
+          </p:nvPr>
+        </p:nvSpPr>
+        <p:spPr/>
+        <p:txBody>
+          <a:bodyPr>
+            <a:normAutofit/>
+          </a:bodyPr>
+          <a:lstStyle/>
+          <a:p>
+            <a:r>
+              <a:rPr lang="en-US" sz="2800" dirty="0"/>
+              <a:t>Short name that can be given to a column</a:t>
+            </a:r>
+          </a:p>
+          <a:p>
+            <a:r>
+              <a:rPr lang="en-US" sz="2800" dirty="0"/>
+              <a:t>Example:</a:t>
+            </a:r>
+          </a:p>
+          <a:p>
+            <a:pPr marL="45720" indent="0">
+              <a:buNone/>
+            </a:pPr>
+            <a:r>
+              <a:rPr lang="en-US" sz="2800" dirty="0"/>
+              <a:t>SELECT </a:t>
+            </a:r>
+            <a:r>
+              <a:rPr lang="en-US" sz="2800" dirty="0" err="1"/>
+              <a:t>c.ClassId</a:t>
+            </a:r>
+            <a:r>
+              <a:rPr lang="en-US" sz="2800" dirty="0"/>
+              <a:t>, </a:t>
+            </a:r>
+            <a:r>
+              <a:rPr lang="en-US" sz="2800" dirty="0" err="1"/>
+              <a:t>c.ClassName</a:t>
+            </a:r>
+            <a:r>
+              <a:rPr lang="en-US" sz="2800" dirty="0"/>
+              <a:t>, </a:t>
+            </a:r>
+            <a:r>
+              <a:rPr lang="en-US" sz="2800" dirty="0" err="1"/>
+              <a:t>t.TeacherId</a:t>
+            </a:r>
+            <a:r>
+              <a:rPr lang="en-US" sz="2800" dirty="0"/>
+              <a:t>, </a:t>
+            </a:r>
+            <a:r>
+              <a:rPr lang="en-US" sz="2800" dirty="0" err="1"/>
+              <a:t>t.FirstName</a:t>
+            </a:r>
+            <a:r>
+              <a:rPr lang="en-US" sz="2800" dirty="0"/>
+              <a:t> AS </a:t>
+            </a:r>
+            <a:r>
+              <a:rPr lang="en-US" sz="2800" dirty="0" err="1"/>
+              <a:t>TeacherFirstName</a:t>
+            </a:r>
+            <a:r>
+              <a:rPr lang="en-US" sz="2800" dirty="0"/>
+              <a:t>, </a:t>
+            </a:r>
+            <a:r>
+              <a:rPr lang="en-US" sz="2800" dirty="0" err="1"/>
+              <a:t>t.LastName</a:t>
+            </a:r>
+            <a:r>
+              <a:rPr lang="en-US" sz="2800" dirty="0"/>
+              <a:t> AS </a:t>
+            </a:r>
+            <a:r>
+              <a:rPr lang="en-US" sz="2800" dirty="0" err="1"/>
+              <a:t>TeacherLastName</a:t>
+            </a:r>
+            <a:endParaRPr lang="en-US" sz="2800" dirty="0"/>
+          </a:p>
+          <a:p>
+            <a:pPr marL="45720" indent="0">
+              <a:buNone/>
+            </a:pPr>
+            <a:r>
+              <a:rPr lang="en-US" sz="2800" dirty="0"/>
+              <a:t>FROM Class c</a:t>
+            </a:r>
+          </a:p>
+          <a:p>
+            <a:pPr marL="45720" indent="0">
+              <a:buNone/>
+            </a:pPr>
+            <a:r>
+              <a:rPr lang="en-US" sz="2800" dirty="0"/>
+              <a:t>INNER JOIN </a:t>
+            </a:r>
+            <a:r>
+              <a:rPr lang="en-US" sz="2800" dirty="0" err="1"/>
+              <a:t>dbo.Teacher</a:t>
+            </a:r>
+            <a:r>
+              <a:rPr lang="en-US" sz="2800" dirty="0"/>
+              <a:t> t</a:t>
+            </a:r>
+          </a:p>
+          <a:p>
+            <a:pPr marL="45720" indent="0">
+              <a:buNone/>
+            </a:pPr>
+            <a:r>
+              <a:rPr lang="en-US" sz="2800" dirty="0"/>
+              <a:t>ON </a:t>
+            </a:r>
+            <a:r>
+              <a:rPr lang="en-US" sz="2800" dirty="0" err="1"/>
+              <a:t>c.TeacherId</a:t>
+            </a:r>
+            <a:r>
+              <a:rPr lang="en-US" sz="2800" dirty="0"/>
+              <a:t> = </a:t>
+            </a:r>
+            <a:r>
+              <a:rPr lang="en-US" sz="2800" dirty="0" err="1"/>
+              <a:t>t.TeacherId</a:t>
+            </a:r>
+            <a:endParaRPr lang="en-US" sz="2800" dirty="0"/>
+          </a:p>
+        </p:txBody>
+      </p:sp>
+    </p:spTree>
+    <p:extLst>
+      <p:ext uri="{BB962C8B-B14F-4D97-AF65-F5344CB8AC3E}">
+        <p14:creationId xmlns:p14="http://schemas.microsoft.com/office/powerpoint/2010/main" val="2280634126"/>
+      </p:ext>
+    </p:extLst>
+  </p:cSld>
+  <p:clrMapOvr>
+    <a:masterClrMapping/>
+  </p:clrMapOvr>
+</p:sld>
+</file>
+
+<file path=ppt/slides/slide23.xml><?xml version="1.0" encoding="utf-8"?>
+<p:sld xmlns:a="http://schemas.openxmlformats.org/drawingml/2006/main" xmlns:r="http://schemas.openxmlformats.org/officeDocument/2006/relationships" xmlns:p="http://schemas.openxmlformats.org/presentationml/2006/main">
+  <p:cSld>
+    <p:spTree>
+      <p:nvGrpSpPr>
+        <p:cNvPr id="1" name=""/>
+        <p:cNvGrpSpPr/>
+        <p:nvPr/>
+      </p:nvGrpSpPr>
+      <p:grpSpPr>
+        <a:xfrm>
+          <a:off x="0" y="0"/>
+          <a:ext cx="0" cy="0"/>
+          <a:chOff x="0" y="0"/>
+          <a:chExt cx="0" cy="0"/>
+        </a:xfrm>
+      </p:grpSpPr>
+      <p:sp>
+        <p:nvSpPr>
+          <p:cNvPr id="2" name="Title 1"/>
+          <p:cNvSpPr>
+            <a:spLocks noGrp="1"/>
+          </p:cNvSpPr>
+          <p:nvPr>
+            <p:ph type="title"/>
+          </p:nvPr>
+        </p:nvSpPr>
+        <p:spPr/>
+        <p:txBody>
+          <a:bodyPr/>
+          <a:lstStyle/>
+          <a:p>
+            <a:r>
+              <a:rPr lang="en-US" dirty="0"/>
               <a:t>Join Types</a:t>
             </a:r>
           </a:p>
@@ -14901,540 +15564,6 @@
 </p:sld>
 </file>
 
-<file path=ppt/slides/slide21.xml><?xml version="1.0" encoding="utf-8"?>
-<p:sld xmlns:a="http://schemas.openxmlformats.org/drawingml/2006/main" xmlns:r="http://schemas.openxmlformats.org/officeDocument/2006/relationships" xmlns:p="http://schemas.openxmlformats.org/presentationml/2006/main">
-  <p:cSld>
-    <p:spTree>
-      <p:nvGrpSpPr>
-        <p:cNvPr id="1" name=""/>
-        <p:cNvGrpSpPr/>
-        <p:nvPr/>
-      </p:nvGrpSpPr>
-      <p:grpSpPr>
-        <a:xfrm>
-          <a:off x="0" y="0"/>
-          <a:ext cx="0" cy="0"/>
-          <a:chOff x="0" y="0"/>
-          <a:chExt cx="0" cy="0"/>
-        </a:xfrm>
-      </p:grpSpPr>
-      <p:sp>
-        <p:nvSpPr>
-          <p:cNvPr id="2" name="Title 1"/>
-          <p:cNvSpPr>
-            <a:spLocks noGrp="1"/>
-          </p:cNvSpPr>
-          <p:nvPr>
-            <p:ph type="title"/>
-          </p:nvPr>
-        </p:nvSpPr>
-        <p:spPr/>
-        <p:txBody>
-          <a:bodyPr/>
-          <a:lstStyle/>
-          <a:p>
-            <a:r>
-              <a:rPr lang="en-US" dirty="0"/>
-              <a:t>Inner Join</a:t>
-            </a:r>
-          </a:p>
-        </p:txBody>
-      </p:sp>
-      <p:sp>
-        <p:nvSpPr>
-          <p:cNvPr id="3" name="Content Placeholder 2"/>
-          <p:cNvSpPr>
-            <a:spLocks noGrp="1"/>
-          </p:cNvSpPr>
-          <p:nvPr>
-            <p:ph idx="1"/>
-          </p:nvPr>
-        </p:nvSpPr>
-        <p:spPr/>
-        <p:txBody>
-          <a:bodyPr>
-            <a:normAutofit/>
-          </a:bodyPr>
-          <a:lstStyle/>
-          <a:p>
-            <a:r>
-              <a:rPr lang="en-US" sz="2800" dirty="0"/>
-              <a:t>Every row from the first table will be matched with every row from the second table based upon the on conditions specified.</a:t>
-            </a:r>
-          </a:p>
-          <a:p>
-            <a:pPr marL="45720" indent="0">
-              <a:buNone/>
-            </a:pPr>
-            <a:r>
-              <a:rPr lang="en-US" sz="2800" dirty="0"/>
-              <a:t>SELECT </a:t>
-            </a:r>
-            <a:r>
-              <a:rPr lang="en-US" sz="2800" dirty="0" err="1"/>
-              <a:t>c.ClassId</a:t>
-            </a:r>
-            <a:r>
-              <a:rPr lang="en-US" sz="2800" dirty="0"/>
-              <a:t>, </a:t>
-            </a:r>
-            <a:r>
-              <a:rPr lang="en-US" sz="2800" dirty="0" err="1"/>
-              <a:t>c.ClassName</a:t>
-            </a:r>
-            <a:r>
-              <a:rPr lang="en-US" sz="2800" dirty="0"/>
-              <a:t>, </a:t>
-            </a:r>
-            <a:r>
-              <a:rPr lang="en-US" sz="2800" dirty="0" err="1"/>
-              <a:t>t.TeacherId</a:t>
-            </a:r>
-            <a:r>
-              <a:rPr lang="en-US" sz="2800" dirty="0"/>
-              <a:t>, </a:t>
-            </a:r>
-            <a:r>
-              <a:rPr lang="en-US" sz="2800" dirty="0" err="1"/>
-              <a:t>t.FirstName</a:t>
-            </a:r>
-            <a:r>
-              <a:rPr lang="en-US" sz="2800" dirty="0"/>
-              <a:t>, </a:t>
-            </a:r>
-            <a:r>
-              <a:rPr lang="en-US" sz="2800" dirty="0" err="1"/>
-              <a:t>t.LastName</a:t>
-            </a:r>
-            <a:endParaRPr lang="en-US" sz="2800" dirty="0"/>
-          </a:p>
-          <a:p>
-            <a:pPr marL="45720" indent="0">
-              <a:buNone/>
-            </a:pPr>
-            <a:r>
-              <a:rPr lang="en-US" sz="2800" dirty="0"/>
-              <a:t>FROM </a:t>
-            </a:r>
-            <a:r>
-              <a:rPr lang="en-US" sz="2800" dirty="0" err="1"/>
-              <a:t>dbo.Class</a:t>
-            </a:r>
-            <a:r>
-              <a:rPr lang="en-US" sz="2800" dirty="0"/>
-              <a:t> c</a:t>
-            </a:r>
-          </a:p>
-          <a:p>
-            <a:pPr marL="45720" indent="0">
-              <a:buNone/>
-            </a:pPr>
-            <a:r>
-              <a:rPr lang="en-US" sz="2800" dirty="0"/>
-              <a:t>INNER JOIN </a:t>
-            </a:r>
-            <a:r>
-              <a:rPr lang="en-US" sz="2800" dirty="0" err="1"/>
-              <a:t>dbo.Teacher</a:t>
-            </a:r>
-            <a:r>
-              <a:rPr lang="en-US" sz="2800" dirty="0"/>
-              <a:t> t</a:t>
-            </a:r>
-          </a:p>
-          <a:p>
-            <a:pPr marL="45720" indent="0">
-              <a:buNone/>
-            </a:pPr>
-            <a:r>
-              <a:rPr lang="en-US" sz="2800" dirty="0"/>
-              <a:t>ON </a:t>
-            </a:r>
-            <a:r>
-              <a:rPr lang="en-US" sz="2800" dirty="0" err="1"/>
-              <a:t>c.TeacherId</a:t>
-            </a:r>
-            <a:r>
-              <a:rPr lang="en-US" sz="2800" dirty="0"/>
-              <a:t> = </a:t>
-            </a:r>
-            <a:r>
-              <a:rPr lang="en-US" sz="2800" dirty="0" err="1"/>
-              <a:t>t.TeacherId</a:t>
-            </a:r>
-            <a:endParaRPr lang="en-US" sz="2800" dirty="0"/>
-          </a:p>
-        </p:txBody>
-      </p:sp>
-    </p:spTree>
-    <p:extLst>
-      <p:ext uri="{BB962C8B-B14F-4D97-AF65-F5344CB8AC3E}">
-        <p14:creationId xmlns:p14="http://schemas.microsoft.com/office/powerpoint/2010/main" val="391984676"/>
-      </p:ext>
-    </p:extLst>
-  </p:cSld>
-  <p:clrMapOvr>
-    <a:masterClrMapping/>
-  </p:clrMapOvr>
-</p:sld>
-</file>
-
-<file path=ppt/slides/slide22.xml><?xml version="1.0" encoding="utf-8"?>
-<p:sld xmlns:a="http://schemas.openxmlformats.org/drawingml/2006/main" xmlns:r="http://schemas.openxmlformats.org/officeDocument/2006/relationships" xmlns:p="http://schemas.openxmlformats.org/presentationml/2006/main">
-  <p:cSld>
-    <p:spTree>
-      <p:nvGrpSpPr>
-        <p:cNvPr id="1" name=""/>
-        <p:cNvGrpSpPr/>
-        <p:nvPr/>
-      </p:nvGrpSpPr>
-      <p:grpSpPr>
-        <a:xfrm>
-          <a:off x="0" y="0"/>
-          <a:ext cx="0" cy="0"/>
-          <a:chOff x="0" y="0"/>
-          <a:chExt cx="0" cy="0"/>
-        </a:xfrm>
-      </p:grpSpPr>
-      <p:sp>
-        <p:nvSpPr>
-          <p:cNvPr id="2" name="Title 1"/>
-          <p:cNvSpPr>
-            <a:spLocks noGrp="1"/>
-          </p:cNvSpPr>
-          <p:nvPr>
-            <p:ph type="title"/>
-          </p:nvPr>
-        </p:nvSpPr>
-        <p:spPr/>
-        <p:txBody>
-          <a:bodyPr/>
-          <a:lstStyle/>
-          <a:p>
-            <a:r>
-              <a:rPr lang="en-US" dirty="0"/>
-              <a:t>Left Outer Join</a:t>
-            </a:r>
-          </a:p>
-        </p:txBody>
-      </p:sp>
-      <p:sp>
-        <p:nvSpPr>
-          <p:cNvPr id="3" name="Content Placeholder 2"/>
-          <p:cNvSpPr>
-            <a:spLocks noGrp="1"/>
-          </p:cNvSpPr>
-          <p:nvPr>
-            <p:ph idx="1"/>
-          </p:nvPr>
-        </p:nvSpPr>
-        <p:spPr/>
-        <p:txBody>
-          <a:bodyPr>
-            <a:normAutofit/>
-          </a:bodyPr>
-          <a:lstStyle/>
-          <a:p>
-            <a:r>
-              <a:rPr lang="en-US" sz="2800" dirty="0"/>
-              <a:t>Every row from the first table will be returned and results from the second table will be included only if the condition matches.</a:t>
-            </a:r>
-          </a:p>
-          <a:p>
-            <a:pPr marL="45720" indent="0">
-              <a:buNone/>
-            </a:pPr>
-            <a:r>
-              <a:rPr lang="en-US" sz="2800" dirty="0"/>
-              <a:t>SELECT </a:t>
-            </a:r>
-            <a:r>
-              <a:rPr lang="en-US" sz="2800" dirty="0" err="1"/>
-              <a:t>c.ClassId</a:t>
-            </a:r>
-            <a:r>
-              <a:rPr lang="en-US" sz="2800" dirty="0"/>
-              <a:t>, </a:t>
-            </a:r>
-            <a:r>
-              <a:rPr lang="en-US" sz="2800" dirty="0" err="1"/>
-              <a:t>c.ClassName</a:t>
-            </a:r>
-            <a:r>
-              <a:rPr lang="en-US" sz="2800" dirty="0"/>
-              <a:t>, </a:t>
-            </a:r>
-            <a:r>
-              <a:rPr lang="en-US" sz="2800" dirty="0" err="1"/>
-              <a:t>t.TeacherId</a:t>
-            </a:r>
-            <a:r>
-              <a:rPr lang="en-US" sz="2800" dirty="0"/>
-              <a:t>, </a:t>
-            </a:r>
-            <a:r>
-              <a:rPr lang="en-US" sz="2800" dirty="0" err="1"/>
-              <a:t>t.FirstName</a:t>
-            </a:r>
-            <a:r>
-              <a:rPr lang="en-US" sz="2800" dirty="0"/>
-              <a:t>, </a:t>
-            </a:r>
-            <a:r>
-              <a:rPr lang="en-US" sz="2800" dirty="0" err="1"/>
-              <a:t>t.LastName</a:t>
-            </a:r>
-            <a:endParaRPr lang="en-US" sz="2800" dirty="0"/>
-          </a:p>
-          <a:p>
-            <a:pPr marL="45720" indent="0">
-              <a:buNone/>
-            </a:pPr>
-            <a:r>
-              <a:rPr lang="en-US" sz="2800" dirty="0"/>
-              <a:t>FROM </a:t>
-            </a:r>
-            <a:r>
-              <a:rPr lang="en-US" sz="2800" dirty="0" err="1"/>
-              <a:t>dbo.Class</a:t>
-            </a:r>
-            <a:r>
-              <a:rPr lang="en-US" sz="2800" dirty="0"/>
-              <a:t> c</a:t>
-            </a:r>
-          </a:p>
-          <a:p>
-            <a:pPr marL="45720" indent="0">
-              <a:buNone/>
-            </a:pPr>
-            <a:r>
-              <a:rPr lang="en-US" sz="2800" dirty="0"/>
-              <a:t>LEFT OUTER JOIN </a:t>
-            </a:r>
-            <a:r>
-              <a:rPr lang="en-US" sz="2800" dirty="0" err="1"/>
-              <a:t>dbo.Teacher</a:t>
-            </a:r>
-            <a:r>
-              <a:rPr lang="en-US" sz="2800" dirty="0"/>
-              <a:t> t</a:t>
-            </a:r>
-          </a:p>
-          <a:p>
-            <a:pPr marL="45720" indent="0">
-              <a:buNone/>
-            </a:pPr>
-            <a:r>
-              <a:rPr lang="en-US" sz="2800" dirty="0"/>
-              <a:t>ON </a:t>
-            </a:r>
-            <a:r>
-              <a:rPr lang="en-US" sz="2800" dirty="0" err="1"/>
-              <a:t>c.TeacherId</a:t>
-            </a:r>
-            <a:r>
-              <a:rPr lang="en-US" sz="2800" dirty="0"/>
-              <a:t> = </a:t>
-            </a:r>
-            <a:r>
-              <a:rPr lang="en-US" sz="2800" dirty="0" err="1"/>
-              <a:t>t.TeacherId</a:t>
-            </a:r>
-            <a:endParaRPr lang="en-US" sz="2800" dirty="0"/>
-          </a:p>
-        </p:txBody>
-      </p:sp>
-    </p:spTree>
-    <p:extLst>
-      <p:ext uri="{BB962C8B-B14F-4D97-AF65-F5344CB8AC3E}">
-        <p14:creationId xmlns:p14="http://schemas.microsoft.com/office/powerpoint/2010/main" val="3836900738"/>
-      </p:ext>
-    </p:extLst>
-  </p:cSld>
-  <p:clrMapOvr>
-    <a:masterClrMapping/>
-  </p:clrMapOvr>
-</p:sld>
-</file>
-
-<file path=ppt/slides/slide23.xml><?xml version="1.0" encoding="utf-8"?>
-<p:sld xmlns:a="http://schemas.openxmlformats.org/drawingml/2006/main" xmlns:r="http://schemas.openxmlformats.org/officeDocument/2006/relationships" xmlns:p="http://schemas.openxmlformats.org/presentationml/2006/main">
-  <p:cSld>
-    <p:spTree>
-      <p:nvGrpSpPr>
-        <p:cNvPr id="1" name=""/>
-        <p:cNvGrpSpPr/>
-        <p:nvPr/>
-      </p:nvGrpSpPr>
-      <p:grpSpPr>
-        <a:xfrm>
-          <a:off x="0" y="0"/>
-          <a:ext cx="0" cy="0"/>
-          <a:chOff x="0" y="0"/>
-          <a:chExt cx="0" cy="0"/>
-        </a:xfrm>
-      </p:grpSpPr>
-      <p:sp>
-        <p:nvSpPr>
-          <p:cNvPr id="2" name="Title 1"/>
-          <p:cNvSpPr>
-            <a:spLocks noGrp="1"/>
-          </p:cNvSpPr>
-          <p:nvPr>
-            <p:ph type="title"/>
-          </p:nvPr>
-        </p:nvSpPr>
-        <p:spPr/>
-        <p:txBody>
-          <a:bodyPr/>
-          <a:lstStyle/>
-          <a:p>
-            <a:r>
-              <a:rPr lang="en-US" dirty="0"/>
-              <a:t>Right Outer Join</a:t>
-            </a:r>
-          </a:p>
-        </p:txBody>
-      </p:sp>
-      <p:sp>
-        <p:nvSpPr>
-          <p:cNvPr id="3" name="Content Placeholder 2"/>
-          <p:cNvSpPr>
-            <a:spLocks noGrp="1"/>
-          </p:cNvSpPr>
-          <p:nvPr>
-            <p:ph idx="1"/>
-          </p:nvPr>
-        </p:nvSpPr>
-        <p:spPr/>
-        <p:txBody>
-          <a:bodyPr>
-            <a:normAutofit/>
-          </a:bodyPr>
-          <a:lstStyle/>
-          <a:p>
-            <a:r>
-              <a:rPr lang="en-US" sz="2800" dirty="0"/>
-              <a:t>Every row from the second table will be returned and results from the first table will be included only if the condition matches.</a:t>
-            </a:r>
-          </a:p>
-          <a:p>
-            <a:pPr marL="45720" indent="0">
-              <a:buNone/>
-            </a:pPr>
-            <a:r>
-              <a:rPr lang="en-US" sz="2800" dirty="0"/>
-              <a:t>SELECT </a:t>
-            </a:r>
-            <a:r>
-              <a:rPr lang="en-US" sz="2800" dirty="0" err="1"/>
-              <a:t>c.ClassId</a:t>
-            </a:r>
-            <a:r>
-              <a:rPr lang="en-US" sz="2800" dirty="0"/>
-              <a:t>, </a:t>
-            </a:r>
-            <a:r>
-              <a:rPr lang="en-US" sz="2800" dirty="0" err="1"/>
-              <a:t>c.ClassName</a:t>
-            </a:r>
-            <a:r>
-              <a:rPr lang="en-US" sz="2800" dirty="0"/>
-              <a:t>, </a:t>
-            </a:r>
-            <a:r>
-              <a:rPr lang="en-US" sz="2800" dirty="0" err="1"/>
-              <a:t>t.TeacherId</a:t>
-            </a:r>
-            <a:r>
-              <a:rPr lang="en-US" sz="2800" dirty="0"/>
-              <a:t>, </a:t>
-            </a:r>
-            <a:r>
-              <a:rPr lang="en-US" sz="2800" dirty="0" err="1"/>
-              <a:t>t.FirstName</a:t>
-            </a:r>
-            <a:r>
-              <a:rPr lang="en-US" sz="2800" dirty="0"/>
-              <a:t>, </a:t>
-            </a:r>
-            <a:r>
-              <a:rPr lang="en-US" sz="2800" dirty="0" err="1"/>
-              <a:t>t.LastName</a:t>
-            </a:r>
-            <a:endParaRPr lang="en-US" sz="2800" dirty="0"/>
-          </a:p>
-          <a:p>
-            <a:pPr marL="45720" indent="0">
-              <a:buNone/>
-            </a:pPr>
-            <a:r>
-              <a:rPr lang="en-US" sz="2800" dirty="0"/>
-              <a:t>FROM </a:t>
-            </a:r>
-            <a:r>
-              <a:rPr lang="en-US" sz="2800" dirty="0" err="1"/>
-              <a:t>dbo.Class</a:t>
-            </a:r>
-            <a:r>
-              <a:rPr lang="en-US" sz="2800" dirty="0"/>
-              <a:t> c</a:t>
-            </a:r>
-          </a:p>
-          <a:p>
-            <a:pPr marL="45720" indent="0">
-              <a:buNone/>
-            </a:pPr>
-            <a:r>
-              <a:rPr lang="en-US" sz="2800" dirty="0"/>
-              <a:t>RIGHT OUTER JOIN </a:t>
-            </a:r>
-            <a:r>
-              <a:rPr lang="en-US" sz="2800" dirty="0" err="1"/>
-              <a:t>dbo.Teacher</a:t>
-            </a:r>
-            <a:r>
-              <a:rPr lang="en-US" sz="2800" dirty="0"/>
-              <a:t> t</a:t>
-            </a:r>
-          </a:p>
-          <a:p>
-            <a:pPr marL="45720" indent="0">
-              <a:buNone/>
-            </a:pPr>
-            <a:r>
-              <a:rPr lang="en-US" sz="2800" dirty="0"/>
-              <a:t>ON </a:t>
-            </a:r>
-            <a:r>
-              <a:rPr lang="en-US" sz="2800" dirty="0" err="1"/>
-              <a:t>c.TeacherId</a:t>
-            </a:r>
-            <a:r>
-              <a:rPr lang="en-US" sz="2800" dirty="0"/>
-              <a:t> = </a:t>
-            </a:r>
-            <a:r>
-              <a:rPr lang="en-US" sz="2800" dirty="0" err="1"/>
-              <a:t>t.TeacherId</a:t>
-            </a:r>
-            <a:endParaRPr lang="en-US" sz="2800" dirty="0"/>
-          </a:p>
-        </p:txBody>
-      </p:sp>
-    </p:spTree>
-    <p:extLst>
-      <p:ext uri="{BB962C8B-B14F-4D97-AF65-F5344CB8AC3E}">
-        <p14:creationId xmlns:p14="http://schemas.microsoft.com/office/powerpoint/2010/main" val="3755359942"/>
-      </p:ext>
-    </p:extLst>
-  </p:cSld>
-  <p:clrMapOvr>
-    <a:masterClrMapping/>
-  </p:clrMapOvr>
-</p:sld>
-</file>
-
 <file path=ppt/slides/slide24.xml><?xml version="1.0" encoding="utf-8"?>
 <p:sld xmlns:a="http://schemas.openxmlformats.org/drawingml/2006/main" xmlns:r="http://schemas.openxmlformats.org/officeDocument/2006/relationships" xmlns:p="http://schemas.openxmlformats.org/presentationml/2006/main">
   <p:cSld>
@@ -15469,7 +15598,7 @@
           <a:p>
             <a:r>
               <a:rPr lang="en-US" dirty="0"/>
-              <a:t>Table Alias</a:t>
+              <a:t>Inner Join</a:t>
             </a:r>
           </a:p>
         </p:txBody>
@@ -15493,13 +15622,7 @@
           <a:p>
             <a:r>
               <a:rPr lang="en-US" sz="2800" dirty="0"/>
-              <a:t>Short name that can be given to a table</a:t>
-            </a:r>
-          </a:p>
-          <a:p>
-            <a:r>
-              <a:rPr lang="en-US" sz="2800" dirty="0"/>
-              <a:t>Example:</a:t>
+              <a:t>Every row from the first table will be matched with every row from the second table based upon the on conditions specified.</a:t>
             </a:r>
           </a:p>
           <a:p>
@@ -15554,32 +15677,16 @@
             </a:pPr>
             <a:r>
               <a:rPr lang="en-US" sz="2800" dirty="0"/>
-              <a:t>FROM </a:t>
-            </a:r>
-            <a:r>
-              <a:rPr lang="en-US" sz="2800" dirty="0" err="1"/>
-              <a:t>dbo.Class</a:t>
-            </a:r>
+              <a:t>FROM Class c</a:t>
+            </a:r>
+          </a:p>
+          <a:p>
+            <a:pPr marL="45720" indent="0">
+              <a:buNone/>
+            </a:pPr>
             <a:r>
               <a:rPr lang="en-US" sz="2800" dirty="0"/>
-              <a:t> c</a:t>
-            </a:r>
-          </a:p>
-          <a:p>
-            <a:pPr marL="45720" indent="0">
-              <a:buNone/>
-            </a:pPr>
-            <a:r>
-              <a:rPr lang="en-US" sz="2800" dirty="0"/>
-              <a:t>INNER JOIN </a:t>
-            </a:r>
-            <a:r>
-              <a:rPr lang="en-US" sz="2800" dirty="0" err="1"/>
-              <a:t>dbo.Teacher</a:t>
-            </a:r>
-            <a:r>
-              <a:rPr lang="en-US" sz="2800" dirty="0"/>
-              <a:t> t</a:t>
+              <a:t>INNER JOIN Teacher t</a:t>
             </a:r>
           </a:p>
           <a:p>
@@ -15609,7 +15716,7 @@
     </p:spTree>
     <p:extLst>
       <p:ext uri="{BB962C8B-B14F-4D97-AF65-F5344CB8AC3E}">
-        <p14:creationId xmlns:p14="http://schemas.microsoft.com/office/powerpoint/2010/main" val="1288448874"/>
+        <p14:creationId xmlns:p14="http://schemas.microsoft.com/office/powerpoint/2010/main" val="391984676"/>
       </p:ext>
     </p:extLst>
   </p:cSld>
@@ -15653,7 +15760,7 @@
           <a:p>
             <a:r>
               <a:rPr lang="en-US" dirty="0"/>
-              <a:t>Column Alias</a:t>
+              <a:t>Left Outer Join</a:t>
             </a:r>
           </a:p>
         </p:txBody>
@@ -15677,13 +15784,7 @@
           <a:p>
             <a:r>
               <a:rPr lang="en-US" sz="2800" dirty="0"/>
-              <a:t>Short name that can be given to a column</a:t>
-            </a:r>
-          </a:p>
-          <a:p>
-            <a:r>
-              <a:rPr lang="en-US" sz="2800" dirty="0"/>
-              <a:t>Example:</a:t>
+              <a:t>Every row from the first table will be returned and results from the second table will be included only if the condition matches.</a:t>
             </a:r>
           </a:p>
           <a:p>
@@ -15724,29 +15825,22 @@
             </a:r>
             <a:r>
               <a:rPr lang="en-US" sz="2800" dirty="0"/>
-              <a:t> AS </a:t>
-            </a:r>
-            <a:r>
-              <a:rPr lang="en-US" sz="2800" dirty="0" err="1"/>
-              <a:t>TeacherFirstName</a:t>
-            </a:r>
-            <a:r>
-              <a:rPr lang="en-US" sz="2800" dirty="0"/>
               <a:t>, </a:t>
             </a:r>
             <a:r>
               <a:rPr lang="en-US" sz="2800" dirty="0" err="1"/>
               <a:t>t.LastName</a:t>
             </a:r>
+            <a:endParaRPr lang="en-US" sz="2800" dirty="0"/>
+          </a:p>
+          <a:p>
+            <a:pPr marL="45720" indent="0">
+              <a:buNone/>
+            </a:pPr>
             <a:r>
               <a:rPr lang="en-US" sz="2800" dirty="0"/>
-              <a:t> AS </a:t>
-            </a:r>
-            <a:r>
-              <a:rPr lang="en-US" sz="2800" dirty="0" err="1"/>
-              <a:t>TeacherLastName</a:t>
-            </a:r>
-            <a:endParaRPr lang="en-US" sz="2800" dirty="0"/>
+              <a:t>FROM Class c</a:t>
+            </a:r>
           </a:p>
           <a:p>
             <a:pPr marL="45720" indent="0">
@@ -15754,32 +15848,7 @@
             </a:pPr>
             <a:r>
               <a:rPr lang="en-US" sz="2800" dirty="0"/>
-              <a:t>FROM </a:t>
-            </a:r>
-            <a:r>
-              <a:rPr lang="en-US" sz="2800" dirty="0" err="1"/>
-              <a:t>dbo.Class</a:t>
-            </a:r>
-            <a:r>
-              <a:rPr lang="en-US" sz="2800" dirty="0"/>
-              <a:t> c</a:t>
-            </a:r>
-          </a:p>
-          <a:p>
-            <a:pPr marL="45720" indent="0">
-              <a:buNone/>
-            </a:pPr>
-            <a:r>
-              <a:rPr lang="en-US" sz="2800" dirty="0"/>
-              <a:t>INNER JOIN </a:t>
-            </a:r>
-            <a:r>
-              <a:rPr lang="en-US" sz="2800" dirty="0" err="1"/>
-              <a:t>dbo.Teacher</a:t>
-            </a:r>
-            <a:r>
-              <a:rPr lang="en-US" sz="2800" dirty="0"/>
-              <a:t> t</a:t>
+              <a:t>LEFT OUTER JOIN Teacher t</a:t>
             </a:r>
           </a:p>
           <a:p>
@@ -15809,7 +15878,7 @@
     </p:spTree>
     <p:extLst>
       <p:ext uri="{BB962C8B-B14F-4D97-AF65-F5344CB8AC3E}">
-        <p14:creationId xmlns:p14="http://schemas.microsoft.com/office/powerpoint/2010/main" val="2280634126"/>
+        <p14:creationId xmlns:p14="http://schemas.microsoft.com/office/powerpoint/2010/main" val="3836900738"/>
       </p:ext>
     </p:extLst>
   </p:cSld>
@@ -15820,6 +15889,168 @@
 </file>
 
 <file path=ppt/slides/slide26.xml><?xml version="1.0" encoding="utf-8"?>
+<p:sld xmlns:a="http://schemas.openxmlformats.org/drawingml/2006/main" xmlns:r="http://schemas.openxmlformats.org/officeDocument/2006/relationships" xmlns:p="http://schemas.openxmlformats.org/presentationml/2006/main">
+  <p:cSld>
+    <p:spTree>
+      <p:nvGrpSpPr>
+        <p:cNvPr id="1" name=""/>
+        <p:cNvGrpSpPr/>
+        <p:nvPr/>
+      </p:nvGrpSpPr>
+      <p:grpSpPr>
+        <a:xfrm>
+          <a:off x="0" y="0"/>
+          <a:ext cx="0" cy="0"/>
+          <a:chOff x="0" y="0"/>
+          <a:chExt cx="0" cy="0"/>
+        </a:xfrm>
+      </p:grpSpPr>
+      <p:sp>
+        <p:nvSpPr>
+          <p:cNvPr id="2" name="Title 1"/>
+          <p:cNvSpPr>
+            <a:spLocks noGrp="1"/>
+          </p:cNvSpPr>
+          <p:nvPr>
+            <p:ph type="title"/>
+          </p:nvPr>
+        </p:nvSpPr>
+        <p:spPr/>
+        <p:txBody>
+          <a:bodyPr/>
+          <a:lstStyle/>
+          <a:p>
+            <a:r>
+              <a:rPr lang="en-US" dirty="0"/>
+              <a:t>Right Outer Join</a:t>
+            </a:r>
+          </a:p>
+        </p:txBody>
+      </p:sp>
+      <p:sp>
+        <p:nvSpPr>
+          <p:cNvPr id="3" name="Content Placeholder 2"/>
+          <p:cNvSpPr>
+            <a:spLocks noGrp="1"/>
+          </p:cNvSpPr>
+          <p:nvPr>
+            <p:ph idx="1"/>
+          </p:nvPr>
+        </p:nvSpPr>
+        <p:spPr/>
+        <p:txBody>
+          <a:bodyPr>
+            <a:normAutofit/>
+          </a:bodyPr>
+          <a:lstStyle/>
+          <a:p>
+            <a:r>
+              <a:rPr lang="en-US" sz="2800" dirty="0"/>
+              <a:t>Every row from the second table will be returned and results from the first table will be included only if the condition matches.</a:t>
+            </a:r>
+          </a:p>
+          <a:p>
+            <a:pPr marL="45720" indent="0">
+              <a:buNone/>
+            </a:pPr>
+            <a:r>
+              <a:rPr lang="en-US" sz="2800" dirty="0"/>
+              <a:t>SELECT </a:t>
+            </a:r>
+            <a:r>
+              <a:rPr lang="en-US" sz="2800" dirty="0" err="1"/>
+              <a:t>c.ClassId</a:t>
+            </a:r>
+            <a:r>
+              <a:rPr lang="en-US" sz="2800" dirty="0"/>
+              <a:t>, </a:t>
+            </a:r>
+            <a:r>
+              <a:rPr lang="en-US" sz="2800" dirty="0" err="1"/>
+              <a:t>c.ClassName</a:t>
+            </a:r>
+            <a:r>
+              <a:rPr lang="en-US" sz="2800" dirty="0"/>
+              <a:t>, </a:t>
+            </a:r>
+            <a:r>
+              <a:rPr lang="en-US" sz="2800" dirty="0" err="1"/>
+              <a:t>t.TeacherId</a:t>
+            </a:r>
+            <a:r>
+              <a:rPr lang="en-US" sz="2800" dirty="0"/>
+              <a:t>, </a:t>
+            </a:r>
+            <a:r>
+              <a:rPr lang="en-US" sz="2800" dirty="0" err="1"/>
+              <a:t>t.FirstName</a:t>
+            </a:r>
+            <a:r>
+              <a:rPr lang="en-US" sz="2800" dirty="0"/>
+              <a:t>, </a:t>
+            </a:r>
+            <a:r>
+              <a:rPr lang="en-US" sz="2800" dirty="0" err="1"/>
+              <a:t>t.LastName</a:t>
+            </a:r>
+            <a:endParaRPr lang="en-US" sz="2800" dirty="0"/>
+          </a:p>
+          <a:p>
+            <a:pPr marL="45720" indent="0">
+              <a:buNone/>
+            </a:pPr>
+            <a:r>
+              <a:rPr lang="en-US" sz="2800" dirty="0"/>
+              <a:t>FROM Class c</a:t>
+            </a:r>
+          </a:p>
+          <a:p>
+            <a:pPr marL="45720" indent="0">
+              <a:buNone/>
+            </a:pPr>
+            <a:r>
+              <a:rPr lang="en-US" sz="2800" dirty="0"/>
+              <a:t>RIGHT OUTER JOIN Teacher t</a:t>
+            </a:r>
+          </a:p>
+          <a:p>
+            <a:pPr marL="45720" indent="0">
+              <a:buNone/>
+            </a:pPr>
+            <a:r>
+              <a:rPr lang="en-US" sz="2800" dirty="0"/>
+              <a:t>ON </a:t>
+            </a:r>
+            <a:r>
+              <a:rPr lang="en-US" sz="2800" dirty="0" err="1"/>
+              <a:t>c.TeacherId</a:t>
+            </a:r>
+            <a:r>
+              <a:rPr lang="en-US" sz="2800" dirty="0"/>
+              <a:t> = </a:t>
+            </a:r>
+            <a:r>
+              <a:rPr lang="en-US" sz="2800" dirty="0" err="1"/>
+              <a:t>t.TeacherId</a:t>
+            </a:r>
+            <a:endParaRPr lang="en-US" sz="2800" dirty="0"/>
+          </a:p>
+        </p:txBody>
+      </p:sp>
+    </p:spTree>
+    <p:extLst>
+      <p:ext uri="{BB962C8B-B14F-4D97-AF65-F5344CB8AC3E}">
+        <p14:creationId xmlns:p14="http://schemas.microsoft.com/office/powerpoint/2010/main" val="3755359942"/>
+      </p:ext>
+    </p:extLst>
+  </p:cSld>
+  <p:clrMapOvr>
+    <a:masterClrMapping/>
+  </p:clrMapOvr>
+</p:sld>
+</file>
+
+<file path=ppt/slides/slide27.xml><?xml version="1.0" encoding="utf-8"?>
 <p:sld xmlns:a="http://schemas.openxmlformats.org/drawingml/2006/main" xmlns:r="http://schemas.openxmlformats.org/officeDocument/2006/relationships" xmlns:p="http://schemas.openxmlformats.org/presentationml/2006/main">
   <p:cSld>
     <p:spTree>
@@ -15923,7 +16154,7 @@
 </p:sld>
 </file>
 
-<file path=ppt/slides/slide27.xml><?xml version="1.0" encoding="utf-8"?>
+<file path=ppt/slides/slide28.xml><?xml version="1.0" encoding="utf-8"?>
 <p:sld xmlns:a="http://schemas.openxmlformats.org/drawingml/2006/main" xmlns:r="http://schemas.openxmlformats.org/officeDocument/2006/relationships" xmlns:p="http://schemas.openxmlformats.org/presentationml/2006/main">
   <p:cSld>
     <p:spTree>
@@ -16027,7 +16258,7 @@
 </p:sld>
 </file>
 
-<file path=ppt/slides/slide28.xml><?xml version="1.0" encoding="utf-8"?>
+<file path=ppt/slides/slide29.xml><?xml version="1.0" encoding="utf-8"?>
 <p:sld xmlns:a="http://schemas.openxmlformats.org/drawingml/2006/main" xmlns:r="http://schemas.openxmlformats.org/officeDocument/2006/relationships" xmlns:p="http://schemas.openxmlformats.org/presentationml/2006/main">
   <p:cSld>
     <p:spTree>
@@ -16143,103 +16374,6 @@
 </p:sld>
 </file>
 
-<file path=ppt/slides/slide29.xml><?xml version="1.0" encoding="utf-8"?>
-<p:sld xmlns:a="http://schemas.openxmlformats.org/drawingml/2006/main" xmlns:r="http://schemas.openxmlformats.org/officeDocument/2006/relationships" xmlns:p="http://schemas.openxmlformats.org/presentationml/2006/main">
-  <p:cSld>
-    <p:spTree>
-      <p:nvGrpSpPr>
-        <p:cNvPr id="1" name=""/>
-        <p:cNvGrpSpPr/>
-        <p:nvPr/>
-      </p:nvGrpSpPr>
-      <p:grpSpPr>
-        <a:xfrm>
-          <a:off x="0" y="0"/>
-          <a:ext cx="0" cy="0"/>
-          <a:chOff x="0" y="0"/>
-          <a:chExt cx="0" cy="0"/>
-        </a:xfrm>
-      </p:grpSpPr>
-      <p:sp>
-        <p:nvSpPr>
-          <p:cNvPr id="2" name="Title 1"/>
-          <p:cNvSpPr>
-            <a:spLocks noGrp="1"/>
-          </p:cNvSpPr>
-          <p:nvPr>
-            <p:ph type="title"/>
-          </p:nvPr>
-        </p:nvSpPr>
-        <p:spPr/>
-        <p:txBody>
-          <a:bodyPr/>
-          <a:lstStyle/>
-          <a:p>
-            <a:r>
-              <a:rPr lang="en-US" dirty="0"/>
-              <a:t>What is an ORM?</a:t>
-            </a:r>
-          </a:p>
-        </p:txBody>
-      </p:sp>
-      <p:sp>
-        <p:nvSpPr>
-          <p:cNvPr id="3" name="Content Placeholder 2"/>
-          <p:cNvSpPr>
-            <a:spLocks noGrp="1"/>
-          </p:cNvSpPr>
-          <p:nvPr>
-            <p:ph idx="1"/>
-          </p:nvPr>
-        </p:nvSpPr>
-        <p:spPr/>
-        <p:txBody>
-          <a:bodyPr>
-            <a:normAutofit/>
-          </a:bodyPr>
-          <a:lstStyle/>
-          <a:p>
-            <a:r>
-              <a:rPr lang="en-US" sz="2800" dirty="0"/>
-              <a:t>Object Relational Mapper</a:t>
-            </a:r>
-          </a:p>
-          <a:p>
-            <a:r>
-              <a:rPr lang="en-US" sz="2800" dirty="0"/>
-              <a:t>Mismatch between Object Model and Relational Model</a:t>
-            </a:r>
-          </a:p>
-          <a:p>
-            <a:r>
-              <a:rPr lang="en-US" sz="2800" dirty="0"/>
-              <a:t>ORM converts between the two</a:t>
-            </a:r>
-          </a:p>
-          <a:p>
-            <a:r>
-              <a:rPr lang="en-US" sz="2800" dirty="0"/>
-              <a:t>Provides Query and Persistence Capability</a:t>
-            </a:r>
-          </a:p>
-          <a:p>
-            <a:endParaRPr lang="en-US" dirty="0"/>
-          </a:p>
-        </p:txBody>
-      </p:sp>
-    </p:spTree>
-    <p:extLst>
-      <p:ext uri="{BB962C8B-B14F-4D97-AF65-F5344CB8AC3E}">
-        <p14:creationId xmlns:p14="http://schemas.microsoft.com/office/powerpoint/2010/main" val="3375496920"/>
-      </p:ext>
-    </p:extLst>
-  </p:cSld>
-  <p:clrMapOvr>
-    <a:masterClrMapping/>
-  </p:clrMapOvr>
-</p:sld>
-</file>
-
 <file path=ppt/slides/slide3.xml><?xml version="1.0" encoding="utf-8"?>
 <p:sld xmlns:a="http://schemas.openxmlformats.org/drawingml/2006/main" xmlns:r="http://schemas.openxmlformats.org/officeDocument/2006/relationships" xmlns:p="http://schemas.openxmlformats.org/presentationml/2006/main">
   <p:cSld>
@@ -16349,7 +16483,7 @@
           <a:p>
             <a:r>
               <a:rPr lang="en-US" dirty="0"/>
-              <a:t>Entity Framework</a:t>
+              <a:t>What is an ORM?</a:t>
             </a:r>
           </a:p>
         </p:txBody>
@@ -16373,37 +16507,36 @@
           <a:p>
             <a:r>
               <a:rPr lang="en-US" sz="2800" dirty="0"/>
-              <a:t>Implementation of an ORM</a:t>
+              <a:t>Object Relational Mapper</a:t>
             </a:r>
           </a:p>
           <a:p>
             <a:r>
               <a:rPr lang="en-US" sz="2800" dirty="0"/>
-              <a:t>Created by Microsoft</a:t>
-            </a:r>
-          </a:p>
-          <a:p>
-            <a:r>
-              <a:rPr lang="en-US" sz="2800" dirty="0" err="1"/>
-              <a:t>Linq</a:t>
-            </a:r>
+              <a:t>Mismatch between Object Model and Relational Model</a:t>
+            </a:r>
+          </a:p>
+          <a:p>
             <a:r>
               <a:rPr lang="en-US" sz="2800" dirty="0"/>
-              <a:t> Syntax used for Queries</a:t>
+              <a:t>ORM converts between the two</a:t>
             </a:r>
           </a:p>
           <a:p>
             <a:r>
               <a:rPr lang="en-US" sz="2800" dirty="0"/>
-              <a:t>Data Model First vs. Code First</a:t>
-            </a:r>
+              <a:t>Provides Query and Persistence Capability</a:t>
+            </a:r>
+          </a:p>
+          <a:p>
+            <a:endParaRPr lang="en-US" dirty="0"/>
           </a:p>
         </p:txBody>
       </p:sp>
     </p:spTree>
     <p:extLst>
       <p:ext uri="{BB962C8B-B14F-4D97-AF65-F5344CB8AC3E}">
-        <p14:creationId xmlns:p14="http://schemas.microsoft.com/office/powerpoint/2010/main" val="4035448671"/>
+        <p14:creationId xmlns:p14="http://schemas.microsoft.com/office/powerpoint/2010/main" val="3375496920"/>
       </p:ext>
     </p:extLst>
   </p:cSld>
@@ -16447,7 +16580,7 @@
           <a:p>
             <a:r>
               <a:rPr lang="en-US" dirty="0"/>
-              <a:t>Dapper</a:t>
+              <a:t>Entity Framework</a:t>
             </a:r>
           </a:p>
         </p:txBody>
@@ -16471,39 +16604,29 @@
           <a:p>
             <a:r>
               <a:rPr lang="en-US" sz="2800" dirty="0"/>
-              <a:t>Micro ORM</a:t>
+              <a:t>Implementation of an ORM</a:t>
             </a:r>
           </a:p>
           <a:p>
             <a:r>
               <a:rPr lang="en-US" sz="2800" dirty="0"/>
-              <a:t>Performs only mapping and nothing else</a:t>
-            </a:r>
-          </a:p>
-          <a:p>
+              <a:t>Created by Microsoft</a:t>
+            </a:r>
+          </a:p>
+          <a:p>
+            <a:r>
+              <a:rPr lang="en-US" sz="2800" dirty="0" err="1"/>
+              <a:t>Linq</a:t>
+            </a:r>
             <a:r>
               <a:rPr lang="en-US" sz="2800" dirty="0"/>
-              <a:t>Fast</a:t>
+              <a:t> Syntax used for Queries</a:t>
             </a:r>
           </a:p>
           <a:p>
             <a:r>
               <a:rPr lang="en-US" sz="2800" dirty="0"/>
-              <a:t>Why are we using it?</a:t>
-            </a:r>
-          </a:p>
-          <a:p>
-            <a:pPr lvl="1"/>
-            <a:r>
-              <a:rPr lang="en-US" sz="2800" dirty="0"/>
-              <a:t>Allows practice with database queries</a:t>
-            </a:r>
-          </a:p>
-          <a:p>
-            <a:pPr lvl="1"/>
-            <a:r>
-              <a:rPr lang="en-US" sz="2800" dirty="0"/>
-              <a:t>Visibility into database and application interaction</a:t>
+              <a:t>Data Model First vs. Code First</a:t>
             </a:r>
           </a:p>
         </p:txBody>
@@ -16511,7 +16634,7 @@
     </p:spTree>
     <p:extLst>
       <p:ext uri="{BB962C8B-B14F-4D97-AF65-F5344CB8AC3E}">
-        <p14:creationId xmlns:p14="http://schemas.microsoft.com/office/powerpoint/2010/main" val="1291512369"/>
+        <p14:creationId xmlns:p14="http://schemas.microsoft.com/office/powerpoint/2010/main" val="4035448671"/>
       </p:ext>
     </p:extLst>
   </p:cSld>
@@ -16555,7 +16678,7 @@
           <a:p>
             <a:r>
               <a:rPr lang="en-US" dirty="0"/>
-              <a:t>Connection String Configuration</a:t>
+              <a:t>Dapper</a:t>
             </a:r>
           </a:p>
         </p:txBody>
@@ -16579,49 +16702,47 @@
           <a:p>
             <a:r>
               <a:rPr lang="en-US" sz="2800" dirty="0"/>
-              <a:t>Instead of hard coding</a:t>
-            </a:r>
-          </a:p>
-          <a:p>
-            <a:r>
-              <a:rPr lang="en-US" sz="2800" dirty="0" err="1"/>
-              <a:t>appSettings.json</a:t>
-            </a:r>
+              <a:t>Micro ORM</a:t>
+            </a:r>
+          </a:p>
+          <a:p>
             <a:r>
               <a:rPr lang="en-US" sz="2800" dirty="0"/>
-              <a:t> file</a:t>
+              <a:t>Performs only mapping and nothing else</a:t>
             </a:r>
           </a:p>
           <a:p>
             <a:r>
               <a:rPr lang="en-US" sz="2800" dirty="0"/>
-              <a:t>Read configurations from file</a:t>
-            </a:r>
-          </a:p>
-          <a:p>
-            <a:r>
-              <a:rPr lang="en-US" sz="2800" dirty="0" err="1"/>
-              <a:t>Nuget</a:t>
-            </a:r>
+              <a:t>Fast</a:t>
+            </a:r>
+          </a:p>
+          <a:p>
             <a:r>
               <a:rPr lang="en-US" sz="2800" dirty="0"/>
-              <a:t> Package:  </a:t>
+              <a:t>Why are we using it?</a:t>
             </a:r>
           </a:p>
           <a:p>
             <a:pPr lvl="1"/>
             <a:r>
-              <a:rPr lang="en-US" sz="2600" dirty="0" err="1"/>
-              <a:t>Microsoft.Extensions.Configuration.Json</a:t>
-            </a:r>
-            <a:endParaRPr lang="en-US" sz="2600" dirty="0"/>
+              <a:rPr lang="en-US" sz="2800" dirty="0"/>
+              <a:t>Allows practice with database queries</a:t>
+            </a:r>
+          </a:p>
+          <a:p>
+            <a:pPr lvl="1"/>
+            <a:r>
+              <a:rPr lang="en-US" sz="2800" dirty="0"/>
+              <a:t>Visibility into database and application interaction</a:t>
+            </a:r>
           </a:p>
         </p:txBody>
       </p:sp>
     </p:spTree>
     <p:extLst>
       <p:ext uri="{BB962C8B-B14F-4D97-AF65-F5344CB8AC3E}">
-        <p14:creationId xmlns:p14="http://schemas.microsoft.com/office/powerpoint/2010/main" val="3981164533"/>
+        <p14:creationId xmlns:p14="http://schemas.microsoft.com/office/powerpoint/2010/main" val="1291512369"/>
       </p:ext>
     </p:extLst>
   </p:cSld>
@@ -16665,7 +16786,7 @@
           <a:p>
             <a:r>
               <a:rPr lang="en-US" dirty="0"/>
-              <a:t>Base Repository</a:t>
+              <a:t>Connection String Configuration</a:t>
             </a:r>
           </a:p>
         </p:txBody>
@@ -16680,250 +16801,58 @@
             <p:ph idx="1"/>
           </p:nvPr>
         </p:nvSpPr>
-        <p:spPr>
-          <a:xfrm>
-            <a:off x="1103312" y="1308100"/>
-            <a:ext cx="10442577" cy="4940299"/>
-          </a:xfrm>
-        </p:spPr>
+        <p:spPr/>
         <p:txBody>
           <a:bodyPr>
-            <a:noAutofit/>
+            <a:normAutofit/>
           </a:bodyPr>
           <a:lstStyle/>
           <a:p>
-            <a:pPr marL="0" indent="0">
-              <a:buNone/>
-            </a:pPr>
-            <a:r>
-              <a:rPr lang="en-US" sz="1600" dirty="0"/>
-              <a:t>private string </a:t>
-            </a:r>
-            <a:r>
-              <a:rPr lang="en-US" sz="1600" dirty="0" err="1"/>
-              <a:t>connectionString</a:t>
-            </a:r>
-            <a:r>
-              <a:rPr lang="en-US" sz="1600" dirty="0"/>
-              <a:t>;</a:t>
-            </a:r>
-            <a:br>
-              <a:rPr lang="en-US" sz="1600" dirty="0"/>
-            </a:br>
-            <a:r>
-              <a:rPr lang="en-US" sz="1600" dirty="0"/>
-              <a:t>public Repository()</a:t>
-            </a:r>
-          </a:p>
-          <a:p>
-            <a:pPr marL="0" indent="0">
-              <a:buNone/>
-            </a:pPr>
-            <a:r>
-              <a:rPr lang="en-US" sz="1600" dirty="0"/>
-              <a:t>{</a:t>
-            </a:r>
-          </a:p>
-          <a:p>
-            <a:pPr marL="0" indent="0">
-              <a:buNone/>
-            </a:pPr>
-            <a:r>
-              <a:rPr lang="en-US" sz="1600" dirty="0"/>
-              <a:t>	var builder = new </a:t>
-            </a:r>
-            <a:r>
-              <a:rPr lang="en-US" sz="1600" dirty="0" err="1"/>
-              <a:t>ConfigurationBuilder</a:t>
-            </a:r>
-            <a:r>
-              <a:rPr lang="en-US" sz="1600" dirty="0"/>
-              <a:t>()</a:t>
-            </a:r>
-          </a:p>
-          <a:p>
-            <a:pPr marL="0" indent="0">
-              <a:buNone/>
-            </a:pPr>
-            <a:r>
-              <a:rPr lang="en-US" sz="1600" dirty="0"/>
-              <a:t>		.</a:t>
-            </a:r>
-            <a:r>
-              <a:rPr lang="en-US" sz="1600" dirty="0" err="1"/>
-              <a:t>SetBasePath</a:t>
-            </a:r>
-            <a:r>
-              <a:rPr lang="en-US" sz="1600" dirty="0"/>
-              <a:t>(</a:t>
-            </a:r>
-            <a:r>
-              <a:rPr lang="en-US" sz="1600" dirty="0" err="1"/>
-              <a:t>Directory.GetCurrentDirectory</a:t>
-            </a:r>
-            <a:r>
-              <a:rPr lang="en-US" sz="1600" dirty="0"/>
-              <a:t>())</a:t>
-            </a:r>
-          </a:p>
-          <a:p>
-            <a:pPr marL="0" indent="0">
-              <a:buNone/>
-            </a:pPr>
-            <a:r>
-              <a:rPr lang="en-US" sz="1600" dirty="0"/>
-              <a:t>		.</a:t>
-            </a:r>
-            <a:r>
-              <a:rPr lang="en-US" sz="1600" dirty="0" err="1"/>
-              <a:t>AddJsonFile</a:t>
-            </a:r>
-            <a:r>
-              <a:rPr lang="en-US" sz="1600" dirty="0"/>
-              <a:t>("</a:t>
-            </a:r>
-            <a:r>
-              <a:rPr lang="en-US" sz="1600" dirty="0" err="1"/>
-              <a:t>appsettings.json</a:t>
-            </a:r>
-            <a:r>
-              <a:rPr lang="en-US" sz="1600" dirty="0"/>
-              <a:t>");</a:t>
-            </a:r>
-          </a:p>
-          <a:p>
-            <a:pPr marL="0" indent="0">
-              <a:buNone/>
-            </a:pPr>
-            <a:r>
-              <a:rPr lang="en-US" sz="1600" dirty="0"/>
-              <a:t>	var </a:t>
-            </a:r>
-            <a:r>
-              <a:rPr lang="en-US" sz="1600" dirty="0" err="1"/>
-              <a:t>connectionStringConfig</a:t>
-            </a:r>
-            <a:r>
-              <a:rPr lang="en-US" sz="1600" dirty="0"/>
-              <a:t> = </a:t>
-            </a:r>
-            <a:r>
-              <a:rPr lang="en-US" sz="1600" dirty="0" err="1"/>
-              <a:t>builder.Build</a:t>
-            </a:r>
-            <a:r>
-              <a:rPr lang="en-US" sz="1600" dirty="0"/>
-              <a:t>();</a:t>
-            </a:r>
-          </a:p>
-          <a:p>
-            <a:pPr marL="0" indent="0">
-              <a:buNone/>
-            </a:pPr>
-            <a:r>
-              <a:rPr lang="en-US" sz="1600" dirty="0"/>
-              <a:t>	</a:t>
-            </a:r>
-            <a:r>
-              <a:rPr lang="en-US" sz="1600" dirty="0" err="1"/>
-              <a:t>connectionString</a:t>
-            </a:r>
-            <a:r>
-              <a:rPr lang="en-US" sz="1600" dirty="0"/>
-              <a:t> = </a:t>
-            </a:r>
-            <a:r>
-              <a:rPr lang="en-US" sz="1600" dirty="0" err="1"/>
-              <a:t>connectionStringConfig.GetConnectionString</a:t>
-            </a:r>
-            <a:r>
-              <a:rPr lang="en-US" sz="1600" dirty="0"/>
-              <a:t>("</a:t>
-            </a:r>
-            <a:r>
-              <a:rPr lang="en-US" sz="1600" dirty="0" err="1"/>
-              <a:t>DefaultConnection</a:t>
-            </a:r>
-            <a:r>
-              <a:rPr lang="en-US" sz="1600" dirty="0"/>
-              <a:t>");</a:t>
-            </a:r>
-          </a:p>
-          <a:p>
-            <a:pPr marL="0" indent="0">
-              <a:buNone/>
-            </a:pPr>
-            <a:r>
-              <a:rPr lang="en-US" sz="1600" dirty="0"/>
-              <a:t>}</a:t>
-            </a:r>
-          </a:p>
-          <a:p>
-            <a:pPr marL="0" indent="0">
-              <a:buNone/>
-            </a:pPr>
-            <a:r>
-              <a:rPr lang="en-US" sz="1600" dirty="0"/>
-              <a:t>public </a:t>
-            </a:r>
-            <a:r>
-              <a:rPr lang="en-US" sz="1600" dirty="0" err="1"/>
-              <a:t>IDbConnection</a:t>
-            </a:r>
-            <a:r>
-              <a:rPr lang="en-US" sz="1600" dirty="0"/>
-              <a:t> Connection</a:t>
-            </a:r>
-          </a:p>
-          <a:p>
-            <a:pPr marL="0" indent="0">
-              <a:buNone/>
-            </a:pPr>
-            <a:r>
-              <a:rPr lang="en-US" sz="1600" dirty="0"/>
-              <a:t>{</a:t>
-            </a:r>
-          </a:p>
-          <a:p>
-            <a:pPr marL="0" indent="0">
-              <a:buNone/>
-            </a:pPr>
-            <a:r>
-              <a:rPr lang="en-US" sz="1600" dirty="0"/>
-              <a:t>	get { return new </a:t>
-            </a:r>
-            <a:r>
-              <a:rPr lang="en-US" sz="1600" dirty="0" err="1"/>
-              <a:t>MySqlConnection</a:t>
-            </a:r>
-            <a:r>
-              <a:rPr lang="en-US" sz="1600" dirty="0"/>
-              <a:t>(</a:t>
-            </a:r>
-            <a:r>
-              <a:rPr lang="en-US" sz="1600" dirty="0" err="1"/>
-              <a:t>connectionString</a:t>
-            </a:r>
-            <a:r>
-              <a:rPr lang="en-US" sz="1600" dirty="0"/>
-              <a:t>); }</a:t>
-            </a:r>
-          </a:p>
-          <a:p>
-            <a:pPr marL="0" indent="0">
-              <a:buNone/>
-            </a:pPr>
-            <a:r>
-              <a:rPr lang="en-US" sz="1600" dirty="0"/>
-              <a:t>}</a:t>
-            </a:r>
+            <a:r>
+              <a:rPr lang="en-US" sz="2800" dirty="0"/>
+              <a:t>Instead of hard coding</a:t>
+            </a:r>
+          </a:p>
+          <a:p>
+            <a:r>
+              <a:rPr lang="en-US" sz="2800" dirty="0" err="1"/>
+              <a:t>appSettings.json</a:t>
+            </a:r>
+            <a:r>
+              <a:rPr lang="en-US" sz="2800" dirty="0"/>
+              <a:t> file</a:t>
+            </a:r>
+          </a:p>
+          <a:p>
+            <a:r>
+              <a:rPr lang="en-US" sz="2800" dirty="0"/>
+              <a:t>Read configurations from file</a:t>
+            </a:r>
+          </a:p>
+          <a:p>
+            <a:r>
+              <a:rPr lang="en-US" sz="2800" dirty="0" err="1"/>
+              <a:t>Nuget</a:t>
+            </a:r>
+            <a:r>
+              <a:rPr lang="en-US" sz="2800" dirty="0"/>
+              <a:t> Package:  </a:t>
+            </a:r>
+          </a:p>
+          <a:p>
+            <a:pPr lvl="1"/>
+            <a:r>
+              <a:rPr lang="en-US" sz="2600" dirty="0" err="1"/>
+              <a:t>Microsoft.Extensions.Configuration.Json</a:t>
+            </a:r>
+            <a:endParaRPr lang="en-US" sz="2600" dirty="0"/>
           </a:p>
         </p:txBody>
       </p:sp>
     </p:spTree>
     <p:extLst>
       <p:ext uri="{BB962C8B-B14F-4D97-AF65-F5344CB8AC3E}">
-        <p14:creationId xmlns:p14="http://schemas.microsoft.com/office/powerpoint/2010/main" val="1164535486"/>
+        <p14:creationId xmlns:p14="http://schemas.microsoft.com/office/powerpoint/2010/main" val="3981164533"/>
       </p:ext>
     </p:extLst>
   </p:cSld>
@@ -16967,7 +16896,7 @@
           <a:p>
             <a:r>
               <a:rPr lang="en-US" dirty="0"/>
-              <a:t>Repository</a:t>
+              <a:t>Base Repository</a:t>
             </a:r>
           </a:p>
         </p:txBody>
@@ -16982,10 +16911,15 @@
             <p:ph idx="1"/>
           </p:nvPr>
         </p:nvSpPr>
-        <p:spPr/>
+        <p:spPr>
+          <a:xfrm>
+            <a:off x="1103312" y="1308100"/>
+            <a:ext cx="10442577" cy="4940299"/>
+          </a:xfrm>
+        </p:spPr>
         <p:txBody>
           <a:bodyPr>
-            <a:normAutofit lnSpcReduction="10000"/>
+            <a:noAutofit/>
           </a:bodyPr>
           <a:lstStyle/>
           <a:p>
@@ -16993,24 +16927,23 @@
               <a:buNone/>
             </a:pPr>
             <a:r>
-              <a:rPr lang="en-US" dirty="0"/>
-              <a:t>public Subject Get(</a:t>
-            </a:r>
-            <a:r>
-              <a:rPr lang="en-US" dirty="0" err="1"/>
-              <a:t>int</a:t>
-            </a:r>
-            <a:r>
-              <a:rPr lang="en-US" dirty="0"/>
-              <a:t> </a:t>
-            </a:r>
-            <a:r>
-              <a:rPr lang="en-US" dirty="0" err="1"/>
-              <a:t>subjectID</a:t>
-            </a:r>
-            <a:r>
-              <a:rPr lang="en-US" dirty="0"/>
-              <a:t>)</a:t>
+              <a:rPr lang="en-US" sz="1600" dirty="0"/>
+              <a:t>private string </a:t>
+            </a:r>
+            <a:r>
+              <a:rPr lang="en-US" sz="1600" dirty="0" err="1"/>
+              <a:t>connectionString</a:t>
+            </a:r>
+            <a:r>
+              <a:rPr lang="en-US" sz="1600" dirty="0"/>
+              <a:t>;</a:t>
+            </a:r>
+            <a:br>
+              <a:rPr lang="en-US" sz="1600" dirty="0"/>
+            </a:br>
+            <a:r>
+              <a:rPr lang="en-US" sz="1600" dirty="0"/>
+              <a:t>public Repository()</a:t>
             </a:r>
           </a:p>
           <a:p>
@@ -17018,7 +16951,7 @@
               <a:buNone/>
             </a:pPr>
             <a:r>
-              <a:rPr lang="en-US" dirty="0"/>
+              <a:rPr lang="en-US" sz="1600" dirty="0"/>
               <a:t>{</a:t>
             </a:r>
           </a:p>
@@ -17027,24 +16960,150 @@
               <a:buNone/>
             </a:pPr>
             <a:r>
-              <a:rPr lang="en-US" dirty="0"/>
-              <a:t>   using (</a:t>
-            </a:r>
-            <a:r>
-              <a:rPr lang="en-US" dirty="0" err="1"/>
+              <a:rPr lang="en-US" sz="1600" dirty="0"/>
+              <a:t>	var builder = new </a:t>
+            </a:r>
+            <a:r>
+              <a:rPr lang="en-US" sz="1600" dirty="0" err="1"/>
+              <a:t>ConfigurationBuilder</a:t>
+            </a:r>
+            <a:r>
+              <a:rPr lang="en-US" sz="1600" dirty="0"/>
+              <a:t>()</a:t>
+            </a:r>
+          </a:p>
+          <a:p>
+            <a:pPr marL="0" indent="0">
+              <a:buNone/>
+            </a:pPr>
+            <a:r>
+              <a:rPr lang="en-US" sz="1600" dirty="0"/>
+              <a:t>		.</a:t>
+            </a:r>
+            <a:r>
+              <a:rPr lang="en-US" sz="1600" dirty="0" err="1"/>
+              <a:t>SetBasePath</a:t>
+            </a:r>
+            <a:r>
+              <a:rPr lang="en-US" sz="1600" dirty="0"/>
+              <a:t>(</a:t>
+            </a:r>
+            <a:r>
+              <a:rPr lang="en-US" sz="1600" dirty="0" err="1"/>
+              <a:t>Directory.GetCurrentDirectory</a:t>
+            </a:r>
+            <a:r>
+              <a:rPr lang="en-US" sz="1600" dirty="0"/>
+              <a:t>())</a:t>
+            </a:r>
+          </a:p>
+          <a:p>
+            <a:pPr marL="0" indent="0">
+              <a:buNone/>
+            </a:pPr>
+            <a:r>
+              <a:rPr lang="en-US" sz="1600" dirty="0"/>
+              <a:t>		.</a:t>
+            </a:r>
+            <a:r>
+              <a:rPr lang="en-US" sz="1600" dirty="0" err="1"/>
+              <a:t>AddJsonFile</a:t>
+            </a:r>
+            <a:r>
+              <a:rPr lang="en-US" sz="1600" dirty="0"/>
+              <a:t>("</a:t>
+            </a:r>
+            <a:r>
+              <a:rPr lang="en-US" sz="1600" dirty="0" err="1"/>
+              <a:t>appsettings.json</a:t>
+            </a:r>
+            <a:r>
+              <a:rPr lang="en-US" sz="1600" dirty="0"/>
+              <a:t>");</a:t>
+            </a:r>
+          </a:p>
+          <a:p>
+            <a:pPr marL="0" indent="0">
+              <a:buNone/>
+            </a:pPr>
+            <a:r>
+              <a:rPr lang="en-US" sz="1600" dirty="0"/>
+              <a:t>	var </a:t>
+            </a:r>
+            <a:r>
+              <a:rPr lang="en-US" sz="1600" dirty="0" err="1"/>
+              <a:t>connectionStringConfig</a:t>
+            </a:r>
+            <a:r>
+              <a:rPr lang="en-US" sz="1600" dirty="0"/>
+              <a:t> = </a:t>
+            </a:r>
+            <a:r>
+              <a:rPr lang="en-US" sz="1600" dirty="0" err="1"/>
+              <a:t>builder.Build</a:t>
+            </a:r>
+            <a:r>
+              <a:rPr lang="en-US" sz="1600" dirty="0"/>
+              <a:t>();</a:t>
+            </a:r>
+          </a:p>
+          <a:p>
+            <a:pPr marL="0" indent="0">
+              <a:buNone/>
+            </a:pPr>
+            <a:r>
+              <a:rPr lang="en-US" sz="1600" dirty="0"/>
+              <a:t>	</a:t>
+            </a:r>
+            <a:r>
+              <a:rPr lang="en-US" sz="1600" dirty="0" err="1"/>
+              <a:t>connectionString</a:t>
+            </a:r>
+            <a:r>
+              <a:rPr lang="en-US" sz="1600" dirty="0"/>
+              <a:t> = </a:t>
+            </a:r>
+            <a:r>
+              <a:rPr lang="en-US" sz="1600" dirty="0" err="1"/>
+              <a:t>connectionStringConfig.GetConnectionString</a:t>
+            </a:r>
+            <a:r>
+              <a:rPr lang="en-US" sz="1600" dirty="0"/>
+              <a:t>("</a:t>
+            </a:r>
+            <a:r>
+              <a:rPr lang="en-US" sz="1600" dirty="0" err="1"/>
+              <a:t>DefaultConnection</a:t>
+            </a:r>
+            <a:r>
+              <a:rPr lang="en-US" sz="1600" dirty="0"/>
+              <a:t>");</a:t>
+            </a:r>
+          </a:p>
+          <a:p>
+            <a:pPr marL="0" indent="0">
+              <a:buNone/>
+            </a:pPr>
+            <a:r>
+              <a:rPr lang="en-US" sz="1600" dirty="0"/>
+              <a:t>}</a:t>
+            </a:r>
+          </a:p>
+          <a:p>
+            <a:pPr marL="0" indent="0">
+              <a:buNone/>
+            </a:pPr>
+            <a:r>
+              <a:rPr lang="en-US" sz="1600" dirty="0"/>
+              <a:t>public </a:t>
+            </a:r>
+            <a:r>
+              <a:rPr lang="en-US" sz="1600" dirty="0" err="1"/>
               <a:t>IDbConnection</a:t>
             </a:r>
             <a:r>
-              <a:rPr lang="en-US" dirty="0"/>
-              <a:t> </a:t>
-            </a:r>
-            <a:r>
-              <a:rPr lang="en-US" dirty="0" err="1"/>
-              <a:t>dbConnection</a:t>
-            </a:r>
-            <a:r>
-              <a:rPr lang="en-US" dirty="0"/>
-              <a:t> = Connection)</a:t>
+              <a:rPr lang="en-US" sz="1600" dirty="0"/>
+              <a:t> Connection</a:t>
             </a:r>
           </a:p>
           <a:p>
@@ -17052,8 +17111,8 @@
               <a:buNone/>
             </a:pPr>
             <a:r>
-              <a:rPr lang="en-US" dirty="0"/>
-              <a:t>   {</a:t>
+              <a:rPr lang="en-US" sz="1600" dirty="0"/>
+              <a:t>{</a:t>
             </a:r>
           </a:p>
           <a:p>
@@ -17061,16 +17120,24 @@
               <a:buNone/>
             </a:pPr>
             <a:r>
-              <a:rPr lang="en-US" dirty="0"/>
-              <a:t>      </a:t>
-            </a:r>
-            <a:r>
-              <a:rPr lang="en-US" dirty="0" err="1"/>
-              <a:t>dbConnection.Open</a:t>
-            </a:r>
-            <a:r>
-              <a:rPr lang="en-US" dirty="0"/>
-              <a:t>();</a:t>
+              <a:rPr lang="en-US" sz="1600" dirty="0"/>
+              <a:t>	get { return new </a:t>
+            </a:r>
+            <a:r>
+              <a:rPr lang="en-US" sz="1600" dirty="0" err="1"/>
+              <a:t>MySqlConnection</a:t>
+            </a:r>
+            <a:r>
+              <a:rPr lang="en-US" sz="1600" dirty="0"/>
+              <a:t>(</a:t>
+            </a:r>
+            <a:r>
+              <a:rPr lang="en-US" sz="1600" dirty="0" err="1"/>
+              <a:t>connectionString</a:t>
+            </a:r>
+            <a:r>
+              <a:rPr lang="en-US" sz="1600" dirty="0"/>
+              <a:t>); }</a:t>
             </a:r>
           </a:p>
           <a:p>
@@ -17078,97 +17145,7 @@
               <a:buNone/>
             </a:pPr>
             <a:r>
-              <a:rPr lang="en-US" dirty="0"/>
-              <a:t>      return </a:t>
-            </a:r>
-            <a:r>
-              <a:rPr lang="en-US" dirty="0" err="1"/>
-              <a:t>dbConnection.Query</a:t>
-            </a:r>
-            <a:r>
-              <a:rPr lang="en-US" dirty="0"/>
-              <a:t>&lt;Subject&gt;("Select </a:t>
-            </a:r>
-            <a:r>
-              <a:rPr lang="en-US" dirty="0" err="1"/>
-              <a:t>SubjectId</a:t>
-            </a:r>
-            <a:r>
-              <a:rPr lang="en-US" dirty="0"/>
-              <a:t>, Name, Description From Subject Where </a:t>
-            </a:r>
-            <a:r>
-              <a:rPr lang="en-US" dirty="0" err="1"/>
-              <a:t>SubjectId</a:t>
-            </a:r>
-            <a:r>
-              <a:rPr lang="en-US" dirty="0"/>
-              <a:t> = @</a:t>
-            </a:r>
-            <a:r>
-              <a:rPr lang="en-US" dirty="0" err="1"/>
-              <a:t>SubjectId</a:t>
-            </a:r>
-            <a:r>
-              <a:rPr lang="en-US" dirty="0"/>
-              <a:t>", new { </a:t>
-            </a:r>
-            <a:r>
-              <a:rPr lang="en-US" dirty="0" err="1"/>
-              <a:t>SubjectId</a:t>
-            </a:r>
-            <a:r>
-              <a:rPr lang="en-US" dirty="0"/>
-              <a:t> = </a:t>
-            </a:r>
-            <a:r>
-              <a:rPr lang="en-US" dirty="0" err="1"/>
-              <a:t>subjectID</a:t>
-            </a:r>
-            <a:r>
-              <a:rPr lang="en-US" dirty="0"/>
-              <a:t> }, </a:t>
-            </a:r>
-            <a:r>
-              <a:rPr lang="en-US" dirty="0" err="1"/>
-              <a:t>commandType</a:t>
-            </a:r>
-            <a:r>
-              <a:rPr lang="en-US" dirty="0"/>
-              <a:t>: </a:t>
-            </a:r>
-            <a:r>
-              <a:rPr lang="en-US" dirty="0" err="1"/>
-              <a:t>CommandType.Text</a:t>
-            </a:r>
-            <a:r>
-              <a:rPr lang="en-US" dirty="0"/>
-              <a:t>).</a:t>
-            </a:r>
-            <a:r>
-              <a:rPr lang="en-US" dirty="0" err="1"/>
-              <a:t>FirstOrDefault</a:t>
-            </a:r>
-            <a:r>
-              <a:rPr lang="en-US" dirty="0"/>
-              <a:t>();</a:t>
-            </a:r>
-          </a:p>
-          <a:p>
-            <a:pPr marL="0" indent="0">
-              <a:buNone/>
-            </a:pPr>
-            <a:r>
-              <a:rPr lang="en-US" dirty="0"/>
-              <a:t>   }</a:t>
-            </a:r>
-          </a:p>
-          <a:p>
-            <a:pPr marL="0" indent="0">
-              <a:buNone/>
-            </a:pPr>
-            <a:r>
-              <a:rPr lang="en-US" dirty="0"/>
+              <a:rPr lang="en-US" sz="1600" dirty="0"/>
               <a:t>}</a:t>
             </a:r>
           </a:p>
@@ -17177,7 +17154,7 @@
     </p:spTree>
     <p:extLst>
       <p:ext uri="{BB962C8B-B14F-4D97-AF65-F5344CB8AC3E}">
-        <p14:creationId xmlns:p14="http://schemas.microsoft.com/office/powerpoint/2010/main" val="487611550"/>
+        <p14:creationId xmlns:p14="http://schemas.microsoft.com/office/powerpoint/2010/main" val="1164535486"/>
       </p:ext>
     </p:extLst>
   </p:cSld>
@@ -17221,6 +17198,260 @@
           <a:p>
             <a:r>
               <a:rPr lang="en-US" dirty="0"/>
+              <a:t>Repository</a:t>
+            </a:r>
+          </a:p>
+        </p:txBody>
+      </p:sp>
+      <p:sp>
+        <p:nvSpPr>
+          <p:cNvPr id="3" name="Content Placeholder 2"/>
+          <p:cNvSpPr>
+            <a:spLocks noGrp="1"/>
+          </p:cNvSpPr>
+          <p:nvPr>
+            <p:ph idx="1"/>
+          </p:nvPr>
+        </p:nvSpPr>
+        <p:spPr/>
+        <p:txBody>
+          <a:bodyPr>
+            <a:normAutofit lnSpcReduction="10000"/>
+          </a:bodyPr>
+          <a:lstStyle/>
+          <a:p>
+            <a:pPr marL="0" indent="0">
+              <a:buNone/>
+            </a:pPr>
+            <a:r>
+              <a:rPr lang="en-US" dirty="0"/>
+              <a:t>public Subject Get(</a:t>
+            </a:r>
+            <a:r>
+              <a:rPr lang="en-US" dirty="0" err="1"/>
+              <a:t>int</a:t>
+            </a:r>
+            <a:r>
+              <a:rPr lang="en-US" dirty="0"/>
+              <a:t> </a:t>
+            </a:r>
+            <a:r>
+              <a:rPr lang="en-US" dirty="0" err="1"/>
+              <a:t>subjectID</a:t>
+            </a:r>
+            <a:r>
+              <a:rPr lang="en-US" dirty="0"/>
+              <a:t>)</a:t>
+            </a:r>
+          </a:p>
+          <a:p>
+            <a:pPr marL="0" indent="0">
+              <a:buNone/>
+            </a:pPr>
+            <a:r>
+              <a:rPr lang="en-US" dirty="0"/>
+              <a:t>{</a:t>
+            </a:r>
+          </a:p>
+          <a:p>
+            <a:pPr marL="0" indent="0">
+              <a:buNone/>
+            </a:pPr>
+            <a:r>
+              <a:rPr lang="en-US" dirty="0"/>
+              <a:t>   using (</a:t>
+            </a:r>
+            <a:r>
+              <a:rPr lang="en-US" dirty="0" err="1"/>
+              <a:t>IDbConnection</a:t>
+            </a:r>
+            <a:r>
+              <a:rPr lang="en-US" dirty="0"/>
+              <a:t> </a:t>
+            </a:r>
+            <a:r>
+              <a:rPr lang="en-US" dirty="0" err="1"/>
+              <a:t>dbConnection</a:t>
+            </a:r>
+            <a:r>
+              <a:rPr lang="en-US" dirty="0"/>
+              <a:t> = Connection)</a:t>
+            </a:r>
+          </a:p>
+          <a:p>
+            <a:pPr marL="0" indent="0">
+              <a:buNone/>
+            </a:pPr>
+            <a:r>
+              <a:rPr lang="en-US" dirty="0"/>
+              <a:t>   {</a:t>
+            </a:r>
+          </a:p>
+          <a:p>
+            <a:pPr marL="0" indent="0">
+              <a:buNone/>
+            </a:pPr>
+            <a:r>
+              <a:rPr lang="en-US" dirty="0"/>
+              <a:t>      </a:t>
+            </a:r>
+            <a:r>
+              <a:rPr lang="en-US" dirty="0" err="1"/>
+              <a:t>dbConnection.Open</a:t>
+            </a:r>
+            <a:r>
+              <a:rPr lang="en-US" dirty="0"/>
+              <a:t>();</a:t>
+            </a:r>
+          </a:p>
+          <a:p>
+            <a:pPr marL="0" indent="0">
+              <a:buNone/>
+            </a:pPr>
+            <a:r>
+              <a:rPr lang="en-US" dirty="0"/>
+              <a:t>      return </a:t>
+            </a:r>
+            <a:r>
+              <a:rPr lang="en-US" dirty="0" err="1"/>
+              <a:t>dbConnection.Query</a:t>
+            </a:r>
+            <a:r>
+              <a:rPr lang="en-US" dirty="0"/>
+              <a:t>&lt;Subject&gt;("Select </a:t>
+            </a:r>
+            <a:r>
+              <a:rPr lang="en-US" dirty="0" err="1"/>
+              <a:t>SubjectId</a:t>
+            </a:r>
+            <a:r>
+              <a:rPr lang="en-US" dirty="0"/>
+              <a:t>, Name, Description From Subject Where </a:t>
+            </a:r>
+            <a:r>
+              <a:rPr lang="en-US" dirty="0" err="1"/>
+              <a:t>SubjectId</a:t>
+            </a:r>
+            <a:r>
+              <a:rPr lang="en-US" dirty="0"/>
+              <a:t> = @</a:t>
+            </a:r>
+            <a:r>
+              <a:rPr lang="en-US" dirty="0" err="1"/>
+              <a:t>SubjectId</a:t>
+            </a:r>
+            <a:r>
+              <a:rPr lang="en-US" dirty="0"/>
+              <a:t>", new { </a:t>
+            </a:r>
+            <a:r>
+              <a:rPr lang="en-US" dirty="0" err="1"/>
+              <a:t>SubjectId</a:t>
+            </a:r>
+            <a:r>
+              <a:rPr lang="en-US" dirty="0"/>
+              <a:t> = </a:t>
+            </a:r>
+            <a:r>
+              <a:rPr lang="en-US" dirty="0" err="1"/>
+              <a:t>subjectID</a:t>
+            </a:r>
+            <a:r>
+              <a:rPr lang="en-US" dirty="0"/>
+              <a:t> }, </a:t>
+            </a:r>
+            <a:r>
+              <a:rPr lang="en-US" dirty="0" err="1"/>
+              <a:t>commandType</a:t>
+            </a:r>
+            <a:r>
+              <a:rPr lang="en-US" dirty="0"/>
+              <a:t>: </a:t>
+            </a:r>
+            <a:r>
+              <a:rPr lang="en-US" dirty="0" err="1"/>
+              <a:t>CommandType.Text</a:t>
+            </a:r>
+            <a:r>
+              <a:rPr lang="en-US" dirty="0"/>
+              <a:t>).</a:t>
+            </a:r>
+            <a:r>
+              <a:rPr lang="en-US" dirty="0" err="1"/>
+              <a:t>FirstOrDefault</a:t>
+            </a:r>
+            <a:r>
+              <a:rPr lang="en-US" dirty="0"/>
+              <a:t>();</a:t>
+            </a:r>
+          </a:p>
+          <a:p>
+            <a:pPr marL="0" indent="0">
+              <a:buNone/>
+            </a:pPr>
+            <a:r>
+              <a:rPr lang="en-US" dirty="0"/>
+              <a:t>   }</a:t>
+            </a:r>
+          </a:p>
+          <a:p>
+            <a:pPr marL="0" indent="0">
+              <a:buNone/>
+            </a:pPr>
+            <a:r>
+              <a:rPr lang="en-US" dirty="0"/>
+              <a:t>}</a:t>
+            </a:r>
+          </a:p>
+        </p:txBody>
+      </p:sp>
+    </p:spTree>
+    <p:extLst>
+      <p:ext uri="{BB962C8B-B14F-4D97-AF65-F5344CB8AC3E}">
+        <p14:creationId xmlns:p14="http://schemas.microsoft.com/office/powerpoint/2010/main" val="487611550"/>
+      </p:ext>
+    </p:extLst>
+  </p:cSld>
+  <p:clrMapOvr>
+    <a:masterClrMapping/>
+  </p:clrMapOvr>
+</p:sld>
+</file>
+
+<file path=ppt/slides/slide36.xml><?xml version="1.0" encoding="utf-8"?>
+<p:sld xmlns:a="http://schemas.openxmlformats.org/drawingml/2006/main" xmlns:r="http://schemas.openxmlformats.org/officeDocument/2006/relationships" xmlns:p="http://schemas.openxmlformats.org/presentationml/2006/main">
+  <p:cSld>
+    <p:spTree>
+      <p:nvGrpSpPr>
+        <p:cNvPr id="1" name=""/>
+        <p:cNvGrpSpPr/>
+        <p:nvPr/>
+      </p:nvGrpSpPr>
+      <p:grpSpPr>
+        <a:xfrm>
+          <a:off x="0" y="0"/>
+          <a:ext cx="0" cy="0"/>
+          <a:chOff x="0" y="0"/>
+          <a:chExt cx="0" cy="0"/>
+        </a:xfrm>
+      </p:grpSpPr>
+      <p:sp>
+        <p:nvSpPr>
+          <p:cNvPr id="2" name="Title 1"/>
+          <p:cNvSpPr>
+            <a:spLocks noGrp="1"/>
+          </p:cNvSpPr>
+          <p:nvPr>
+            <p:ph type="title"/>
+          </p:nvPr>
+        </p:nvSpPr>
+        <p:spPr/>
+        <p:txBody>
+          <a:bodyPr/>
+          <a:lstStyle/>
+          <a:p>
+            <a:r>
+              <a:rPr lang="en-US" dirty="0"/>
               <a:t>CLI Commands</a:t>
             </a:r>
           </a:p>
@@ -17371,7 +17602,7 @@
 </p:sld>
 </file>
 
-<file path=ppt/slides/slide36.xml><?xml version="1.0" encoding="utf-8"?>
+<file path=ppt/slides/slide37.xml><?xml version="1.0" encoding="utf-8"?>
 <p:sld xmlns:a="http://schemas.openxmlformats.org/drawingml/2006/main" xmlns:r="http://schemas.openxmlformats.org/officeDocument/2006/relationships" xmlns:p="http://schemas.openxmlformats.org/presentationml/2006/main">
   <p:cSld>
     <p:spTree>
@@ -17475,7 +17706,7 @@
 </p:sld>
 </file>
 
-<file path=ppt/slides/slide37.xml><?xml version="1.0" encoding="utf-8"?>
+<file path=ppt/slides/slide38.xml><?xml version="1.0" encoding="utf-8"?>
 <p:sld xmlns:a="http://schemas.openxmlformats.org/drawingml/2006/main" xmlns:r="http://schemas.openxmlformats.org/officeDocument/2006/relationships" xmlns:p="http://schemas.openxmlformats.org/presentationml/2006/main">
   <p:cSld>
     <p:spTree>
@@ -17579,7 +17810,7 @@
 </p:sld>
 </file>
 
-<file path=ppt/slides/slide38.xml><?xml version="1.0" encoding="utf-8"?>
+<file path=ppt/slides/slide39.xml><?xml version="1.0" encoding="utf-8"?>
 <p:sld xmlns:a="http://schemas.openxmlformats.org/drawingml/2006/main" xmlns:r="http://schemas.openxmlformats.org/officeDocument/2006/relationships" xmlns:p="http://schemas.openxmlformats.org/presentationml/2006/main">
   <p:cSld>
     <p:spTree>
@@ -17710,7 +17941,203 @@
 </p:sld>
 </file>
 
-<file path=ppt/slides/slide39.xml><?xml version="1.0" encoding="utf-8"?>
+<file path=ppt/slides/slide4.xml><?xml version="1.0" encoding="utf-8"?>
+<p:sld xmlns:a="http://schemas.openxmlformats.org/drawingml/2006/main" xmlns:r="http://schemas.openxmlformats.org/officeDocument/2006/relationships" xmlns:p="http://schemas.openxmlformats.org/presentationml/2006/main">
+  <p:cSld>
+    <p:spTree>
+      <p:nvGrpSpPr>
+        <p:cNvPr id="1" name=""/>
+        <p:cNvGrpSpPr/>
+        <p:nvPr/>
+      </p:nvGrpSpPr>
+      <p:grpSpPr>
+        <a:xfrm>
+          <a:off x="0" y="0"/>
+          <a:ext cx="0" cy="0"/>
+          <a:chOff x="0" y="0"/>
+          <a:chExt cx="0" cy="0"/>
+        </a:xfrm>
+      </p:grpSpPr>
+      <p:sp>
+        <p:nvSpPr>
+          <p:cNvPr id="2" name="Title 1"/>
+          <p:cNvSpPr>
+            <a:spLocks noGrp="1"/>
+          </p:cNvSpPr>
+          <p:nvPr>
+            <p:ph type="title"/>
+          </p:nvPr>
+        </p:nvSpPr>
+        <p:spPr/>
+        <p:txBody>
+          <a:bodyPr/>
+          <a:lstStyle/>
+          <a:p>
+            <a:r>
+              <a:rPr lang="en-US" dirty="0"/>
+              <a:t>Select Statements</a:t>
+            </a:r>
+          </a:p>
+        </p:txBody>
+      </p:sp>
+      <p:sp>
+        <p:nvSpPr>
+          <p:cNvPr id="3" name="Content Placeholder 2"/>
+          <p:cNvSpPr>
+            <a:spLocks noGrp="1"/>
+          </p:cNvSpPr>
+          <p:nvPr>
+            <p:ph sz="half" idx="1"/>
+          </p:nvPr>
+        </p:nvSpPr>
+        <p:spPr/>
+        <p:txBody>
+          <a:bodyPr>
+            <a:noAutofit/>
+          </a:bodyPr>
+          <a:lstStyle/>
+          <a:p>
+            <a:r>
+              <a:rPr lang="en-US" sz="2800" dirty="0"/>
+              <a:t>Components in Logical Order</a:t>
+            </a:r>
+          </a:p>
+          <a:p>
+            <a:pPr lvl="1"/>
+            <a:r>
+              <a:rPr lang="en-US" sz="2800" dirty="0"/>
+              <a:t>SELECT</a:t>
+            </a:r>
+          </a:p>
+          <a:p>
+            <a:pPr lvl="1"/>
+            <a:r>
+              <a:rPr lang="en-US" sz="2800" dirty="0"/>
+              <a:t>FROM</a:t>
+            </a:r>
+          </a:p>
+          <a:p>
+            <a:pPr lvl="1"/>
+            <a:r>
+              <a:rPr lang="en-US" sz="2800" dirty="0"/>
+              <a:t>WHERE</a:t>
+            </a:r>
+          </a:p>
+          <a:p>
+            <a:pPr lvl="1"/>
+            <a:r>
+              <a:rPr lang="en-US" sz="2800" dirty="0"/>
+              <a:t>GROUP BY</a:t>
+            </a:r>
+          </a:p>
+          <a:p>
+            <a:pPr lvl="1"/>
+            <a:r>
+              <a:rPr lang="en-US" sz="2800" dirty="0"/>
+              <a:t>HAVING</a:t>
+            </a:r>
+          </a:p>
+          <a:p>
+            <a:pPr lvl="1"/>
+            <a:r>
+              <a:rPr lang="en-US" sz="2800" dirty="0"/>
+              <a:t>ORDER BY</a:t>
+            </a:r>
+          </a:p>
+        </p:txBody>
+      </p:sp>
+      <p:sp>
+        <p:nvSpPr>
+          <p:cNvPr id="4" name="Content Placeholder 3"/>
+          <p:cNvSpPr>
+            <a:spLocks noGrp="1"/>
+          </p:cNvSpPr>
+          <p:nvPr>
+            <p:ph sz="half" idx="2"/>
+          </p:nvPr>
+        </p:nvSpPr>
+        <p:spPr/>
+        <p:txBody>
+          <a:bodyPr>
+            <a:normAutofit/>
+          </a:bodyPr>
+          <a:lstStyle/>
+          <a:p>
+            <a:r>
+              <a:rPr lang="en-US" sz="2800" dirty="0"/>
+              <a:t>Example:</a:t>
+            </a:r>
+          </a:p>
+          <a:p>
+            <a:pPr marL="274320" lvl="1" indent="0">
+              <a:buNone/>
+            </a:pPr>
+            <a:r>
+              <a:rPr lang="en-US" sz="2800" dirty="0"/>
+              <a:t>SELECT </a:t>
+            </a:r>
+            <a:r>
+              <a:rPr lang="en-US" sz="2800" dirty="0" err="1"/>
+              <a:t>FirstName</a:t>
+            </a:r>
+            <a:r>
+              <a:rPr lang="en-US" sz="2800" dirty="0"/>
+              <a:t>, </a:t>
+            </a:r>
+            <a:r>
+              <a:rPr lang="en-US" sz="2800" dirty="0" err="1"/>
+              <a:t>LastName</a:t>
+            </a:r>
+            <a:r>
+              <a:rPr lang="en-US" sz="2800" dirty="0"/>
+              <a:t> </a:t>
+            </a:r>
+          </a:p>
+          <a:p>
+            <a:pPr marL="274320" lvl="1" indent="0">
+              <a:buNone/>
+            </a:pPr>
+            <a:r>
+              <a:rPr lang="en-US" sz="2800" dirty="0"/>
+              <a:t>FROM Person</a:t>
+            </a:r>
+          </a:p>
+          <a:p>
+            <a:pPr marL="274320" lvl="1" indent="0">
+              <a:buNone/>
+            </a:pPr>
+            <a:r>
+              <a:rPr lang="en-US" sz="2800" dirty="0"/>
+              <a:t>WHERE </a:t>
+            </a:r>
+            <a:r>
+              <a:rPr lang="en-US" sz="2800" dirty="0" err="1"/>
+              <a:t>personId</a:t>
+            </a:r>
+            <a:r>
+              <a:rPr lang="en-US" sz="2800" dirty="0"/>
+              <a:t> = 2</a:t>
+            </a:r>
+          </a:p>
+          <a:p>
+            <a:endParaRPr lang="en-US" dirty="0"/>
+          </a:p>
+        </p:txBody>
+      </p:sp>
+    </p:spTree>
+    <p:extLst>
+      <p:ext uri="{BB962C8B-B14F-4D97-AF65-F5344CB8AC3E}">
+        <p14:creationId xmlns:p14="http://schemas.microsoft.com/office/powerpoint/2010/main" val="3603759194"/>
+      </p:ext>
+    </p:extLst>
+  </p:cSld>
+  <p:clrMapOvr>
+    <a:masterClrMapping/>
+  </p:clrMapOvr>
+</p:sld>
+</file>
+
+<file path=ppt/slides/slide40.xml><?xml version="1.0" encoding="utf-8"?>
 <p:sld xmlns:a="http://schemas.openxmlformats.org/drawingml/2006/main" xmlns:r="http://schemas.openxmlformats.org/officeDocument/2006/relationships" xmlns:p="http://schemas.openxmlformats.org/presentationml/2006/main">
   <p:cSld>
     <p:spTree>
@@ -17814,7 +18241,7 @@
 </p:sld>
 </file>
 
-<file path=ppt/slides/slide4.xml><?xml version="1.0" encoding="utf-8"?>
+<file path=ppt/slides/slide41.xml><?xml version="1.0" encoding="utf-8"?>
 <p:sld xmlns:a="http://schemas.openxmlformats.org/drawingml/2006/main" xmlns:r="http://schemas.openxmlformats.org/officeDocument/2006/relationships" xmlns:p="http://schemas.openxmlformats.org/presentationml/2006/main">
   <p:cSld>
     <p:spTree>
@@ -17848,207 +18275,6 @@
           <a:p>
             <a:r>
               <a:rPr lang="en-US" dirty="0"/>
-              <a:t>Select Statements</a:t>
-            </a:r>
-          </a:p>
-        </p:txBody>
-      </p:sp>
-      <p:sp>
-        <p:nvSpPr>
-          <p:cNvPr id="3" name="Content Placeholder 2"/>
-          <p:cNvSpPr>
-            <a:spLocks noGrp="1"/>
-          </p:cNvSpPr>
-          <p:nvPr>
-            <p:ph sz="half" idx="1"/>
-          </p:nvPr>
-        </p:nvSpPr>
-        <p:spPr/>
-        <p:txBody>
-          <a:bodyPr>
-            <a:noAutofit/>
-          </a:bodyPr>
-          <a:lstStyle/>
-          <a:p>
-            <a:r>
-              <a:rPr lang="en-US" sz="2800" dirty="0"/>
-              <a:t>Components in Logical Order</a:t>
-            </a:r>
-          </a:p>
-          <a:p>
-            <a:pPr lvl="1"/>
-            <a:r>
-              <a:rPr lang="en-US" sz="2800" dirty="0"/>
-              <a:t>SELECT</a:t>
-            </a:r>
-          </a:p>
-          <a:p>
-            <a:pPr lvl="1"/>
-            <a:r>
-              <a:rPr lang="en-US" sz="2800" dirty="0"/>
-              <a:t>FROM</a:t>
-            </a:r>
-          </a:p>
-          <a:p>
-            <a:pPr lvl="1"/>
-            <a:r>
-              <a:rPr lang="en-US" sz="2800" dirty="0"/>
-              <a:t>WHERE</a:t>
-            </a:r>
-          </a:p>
-          <a:p>
-            <a:pPr lvl="1"/>
-            <a:r>
-              <a:rPr lang="en-US" sz="2800" dirty="0"/>
-              <a:t>GROUP BY</a:t>
-            </a:r>
-          </a:p>
-          <a:p>
-            <a:pPr lvl="1"/>
-            <a:r>
-              <a:rPr lang="en-US" sz="2800" dirty="0"/>
-              <a:t>HAVING</a:t>
-            </a:r>
-          </a:p>
-          <a:p>
-            <a:pPr lvl="1"/>
-            <a:r>
-              <a:rPr lang="en-US" sz="2800" dirty="0"/>
-              <a:t>ORDER BY</a:t>
-            </a:r>
-          </a:p>
-        </p:txBody>
-      </p:sp>
-      <p:sp>
-        <p:nvSpPr>
-          <p:cNvPr id="4" name="Content Placeholder 3"/>
-          <p:cNvSpPr>
-            <a:spLocks noGrp="1"/>
-          </p:cNvSpPr>
-          <p:nvPr>
-            <p:ph sz="half" idx="2"/>
-          </p:nvPr>
-        </p:nvSpPr>
-        <p:spPr/>
-        <p:txBody>
-          <a:bodyPr>
-            <a:normAutofit/>
-          </a:bodyPr>
-          <a:lstStyle/>
-          <a:p>
-            <a:r>
-              <a:rPr lang="en-US" sz="2800" dirty="0"/>
-              <a:t>Example:</a:t>
-            </a:r>
-          </a:p>
-          <a:p>
-            <a:pPr marL="274320" lvl="1" indent="0">
-              <a:buNone/>
-            </a:pPr>
-            <a:r>
-              <a:rPr lang="en-US" sz="2800" dirty="0"/>
-              <a:t>SELECT </a:t>
-            </a:r>
-            <a:r>
-              <a:rPr lang="en-US" sz="2800" dirty="0" err="1"/>
-              <a:t>FirstName</a:t>
-            </a:r>
-            <a:r>
-              <a:rPr lang="en-US" sz="2800" dirty="0"/>
-              <a:t>, </a:t>
-            </a:r>
-            <a:r>
-              <a:rPr lang="en-US" sz="2800" dirty="0" err="1"/>
-              <a:t>LastName</a:t>
-            </a:r>
-            <a:r>
-              <a:rPr lang="en-US" sz="2800" dirty="0"/>
-              <a:t> </a:t>
-            </a:r>
-          </a:p>
-          <a:p>
-            <a:pPr marL="274320" lvl="1" indent="0">
-              <a:buNone/>
-            </a:pPr>
-            <a:r>
-              <a:rPr lang="en-US" sz="2800" dirty="0"/>
-              <a:t>FROM </a:t>
-            </a:r>
-            <a:r>
-              <a:rPr lang="en-US" sz="2800" dirty="0" err="1"/>
-              <a:t>dbo.Person</a:t>
-            </a:r>
-            <a:endParaRPr lang="en-US" sz="2800" dirty="0"/>
-          </a:p>
-          <a:p>
-            <a:pPr marL="274320" lvl="1" indent="0">
-              <a:buNone/>
-            </a:pPr>
-            <a:r>
-              <a:rPr lang="en-US" sz="2800" dirty="0"/>
-              <a:t>WHERE </a:t>
-            </a:r>
-            <a:r>
-              <a:rPr lang="en-US" sz="2800" dirty="0" err="1"/>
-              <a:t>personId</a:t>
-            </a:r>
-            <a:r>
-              <a:rPr lang="en-US" sz="2800" dirty="0"/>
-              <a:t> = 2</a:t>
-            </a:r>
-          </a:p>
-          <a:p>
-            <a:endParaRPr lang="en-US" dirty="0"/>
-          </a:p>
-        </p:txBody>
-      </p:sp>
-    </p:spTree>
-    <p:extLst>
-      <p:ext uri="{BB962C8B-B14F-4D97-AF65-F5344CB8AC3E}">
-        <p14:creationId xmlns:p14="http://schemas.microsoft.com/office/powerpoint/2010/main" val="3603759194"/>
-      </p:ext>
-    </p:extLst>
-  </p:cSld>
-  <p:clrMapOvr>
-    <a:masterClrMapping/>
-  </p:clrMapOvr>
-</p:sld>
-</file>
-
-<file path=ppt/slides/slide40.xml><?xml version="1.0" encoding="utf-8"?>
-<p:sld xmlns:a="http://schemas.openxmlformats.org/drawingml/2006/main" xmlns:r="http://schemas.openxmlformats.org/officeDocument/2006/relationships" xmlns:p="http://schemas.openxmlformats.org/presentationml/2006/main">
-  <p:cSld>
-    <p:spTree>
-      <p:nvGrpSpPr>
-        <p:cNvPr id="1" name=""/>
-        <p:cNvGrpSpPr/>
-        <p:nvPr/>
-      </p:nvGrpSpPr>
-      <p:grpSpPr>
-        <a:xfrm>
-          <a:off x="0" y="0"/>
-          <a:ext cx="0" cy="0"/>
-          <a:chOff x="0" y="0"/>
-          <a:chExt cx="0" cy="0"/>
-        </a:xfrm>
-      </p:grpSpPr>
-      <p:sp>
-        <p:nvSpPr>
-          <p:cNvPr id="2" name="Title 1"/>
-          <p:cNvSpPr>
-            <a:spLocks noGrp="1"/>
-          </p:cNvSpPr>
-          <p:nvPr>
-            <p:ph type="title"/>
-          </p:nvPr>
-        </p:nvSpPr>
-        <p:spPr/>
-        <p:txBody>
-          <a:bodyPr/>
-          <a:lstStyle/>
-          <a:p>
-            <a:r>
-              <a:rPr lang="en-US" dirty="0"/>
               <a:t>Additional Resources</a:t>
             </a:r>
           </a:p>
@@ -18161,7 +18387,7 @@
 </p:sld>
 </file>
 
-<file path=ppt/slides/slide41.xml><?xml version="1.0" encoding="utf-8"?>
+<file path=ppt/slides/slide42.xml><?xml version="1.0" encoding="utf-8"?>
 <p:sld xmlns:a="http://schemas.openxmlformats.org/drawingml/2006/main" xmlns:r="http://schemas.openxmlformats.org/officeDocument/2006/relationships" xmlns:p="http://schemas.openxmlformats.org/presentationml/2006/main">
   <p:cSld>
     <p:spTree>
@@ -18581,23 +18807,7 @@
             </a:pPr>
             <a:r>
               <a:rPr lang="en-US" sz="2800" dirty="0"/>
-              <a:t>INSERT INTO </a:t>
-            </a:r>
-            <a:r>
-              <a:rPr lang="en-US" sz="2800" dirty="0" err="1"/>
-              <a:t>dbo.Person</a:t>
-            </a:r>
-            <a:r>
-              <a:rPr lang="en-US" sz="2800" dirty="0"/>
-              <a:t> (</a:t>
-            </a:r>
-            <a:r>
-              <a:rPr lang="en-US" sz="2800" dirty="0" err="1"/>
-              <a:t>FirstName</a:t>
-            </a:r>
-            <a:r>
-              <a:rPr lang="en-US" sz="2800" dirty="0"/>
-              <a:t>, </a:t>
+              <a:t>INSERT INTO Person (FirstName, </a:t>
             </a:r>
             <a:r>
               <a:rPr lang="en-US" sz="2800" dirty="0" err="1"/>
@@ -18745,13 +18955,8 @@
             </a:pPr>
             <a:r>
               <a:rPr lang="en-US" sz="2800" dirty="0"/>
-              <a:t>UPDATE </a:t>
-            </a:r>
-            <a:r>
-              <a:rPr lang="en-US" sz="2800" dirty="0" err="1"/>
-              <a:t>dbo.Person</a:t>
-            </a:r>
-            <a:endParaRPr lang="en-US" sz="2800" dirty="0"/>
+              <a:t>UPDATE Person</a:t>
+            </a:r>
           </a:p>
           <a:p>
             <a:pPr marL="274320" lvl="1" indent="0">
@@ -18924,13 +19129,8 @@
             </a:pPr>
             <a:r>
               <a:rPr lang="en-US" sz="2800" dirty="0"/>
-              <a:t>FROM </a:t>
-            </a:r>
-            <a:r>
-              <a:rPr lang="en-US" sz="2800" dirty="0" err="1"/>
-              <a:t>dbo.Person</a:t>
-            </a:r>
-            <a:endParaRPr lang="en-US" sz="2800" dirty="0"/>
+              <a:t>FROM Person</a:t>
+            </a:r>
           </a:p>
           <a:p>
             <a:pPr marL="274320" lvl="1" indent="0">

--- a/Slides/04_Sql_TrainingPlan.pptx
+++ b/Slides/04_Sql_TrainingPlan.pptx
@@ -5,7 +5,7 @@
     <p:sldMasterId id="2147483672" r:id="rId1"/>
   </p:sldMasterIdLst>
   <p:notesMasterIdLst>
-    <p:notesMasterId r:id="rId44"/>
+    <p:notesMasterId r:id="rId50"/>
   </p:notesMasterIdLst>
   <p:sldIdLst>
     <p:sldId id="256" r:id="rId2"/>
@@ -43,13 +43,19 @@
     <p:sldId id="339" r:id="rId34"/>
     <p:sldId id="322" r:id="rId35"/>
     <p:sldId id="323" r:id="rId36"/>
-    <p:sldId id="338" r:id="rId37"/>
-    <p:sldId id="317" r:id="rId38"/>
-    <p:sldId id="329" r:id="rId39"/>
-    <p:sldId id="336" r:id="rId40"/>
-    <p:sldId id="324" r:id="rId41"/>
-    <p:sldId id="330" r:id="rId42"/>
-    <p:sldId id="337" r:id="rId43"/>
+    <p:sldId id="341" r:id="rId37"/>
+    <p:sldId id="342" r:id="rId38"/>
+    <p:sldId id="344" r:id="rId39"/>
+    <p:sldId id="345" r:id="rId40"/>
+    <p:sldId id="346" r:id="rId41"/>
+    <p:sldId id="347" r:id="rId42"/>
+    <p:sldId id="338" r:id="rId43"/>
+    <p:sldId id="317" r:id="rId44"/>
+    <p:sldId id="329" r:id="rId45"/>
+    <p:sldId id="336" r:id="rId46"/>
+    <p:sldId id="324" r:id="rId47"/>
+    <p:sldId id="330" r:id="rId48"/>
+    <p:sldId id="337" r:id="rId49"/>
   </p:sldIdLst>
   <p:sldSz cx="12192000" cy="6858000"/>
   <p:notesSz cx="6858000" cy="9144000"/>
@@ -4819,8 +4825,8 @@
               <a:buChar char="•"/>
             </a:pPr>
             <a:r>
-              <a:rPr lang="en-US" dirty="0"/>
-              <a:t>In order to make projects for our main components we will need to use CLI commands.</a:t>
+              <a:rPr lang="en-US" sz="1200" baseline="0" dirty="0"/>
+              <a:t>A statement block.</a:t>
             </a:r>
           </a:p>
           <a:p>
@@ -4829,12 +4835,8 @@
               <a:buChar char="•"/>
             </a:pPr>
             <a:r>
-              <a:rPr lang="en-US" dirty="0" err="1"/>
-              <a:t>mkdir</a:t>
-            </a:r>
-            <a:r>
-              <a:rPr lang="en-US" baseline="0" dirty="0"/>
-              <a:t> creates a new directory on your computer.</a:t>
+              <a:rPr lang="en-US" sz="1200" baseline="0" dirty="0"/>
+              <a:t>Using allows for an instance of an object to be created within parenthesis.</a:t>
             </a:r>
           </a:p>
           <a:p>
@@ -4843,8 +4845,8 @@
               <a:buChar char="•"/>
             </a:pPr>
             <a:r>
-              <a:rPr lang="en-US" baseline="0" dirty="0"/>
-              <a:t>cd changes the directory that you are currently in.</a:t>
+              <a:rPr lang="en-US" sz="1200" baseline="0" dirty="0"/>
+              <a:t>The object is available for use for statements inside the statement block.</a:t>
             </a:r>
           </a:p>
           <a:p>
@@ -4853,28 +4855,8 @@
               <a:buChar char="•"/>
             </a:pPr>
             <a:r>
-              <a:rPr lang="en-US" baseline="0" dirty="0" err="1"/>
-              <a:t>dotnet</a:t>
-            </a:r>
-            <a:r>
-              <a:rPr lang="en-US" baseline="0" dirty="0"/>
-              <a:t> new </a:t>
-            </a:r>
-            <a:r>
-              <a:rPr lang="en-US" baseline="0" dirty="0" err="1"/>
-              <a:t>classlib</a:t>
-            </a:r>
-            <a:r>
-              <a:rPr lang="en-US" baseline="0" dirty="0"/>
-              <a:t> – creates a new class library project.  This is what we use to create a new </a:t>
-            </a:r>
-            <a:r>
-              <a:rPr lang="en-US" baseline="0" dirty="0" err="1"/>
-              <a:t>.Net</a:t>
-            </a:r>
-            <a:r>
-              <a:rPr lang="en-US" baseline="0" dirty="0"/>
-              <a:t> project that is code only.</a:t>
+              <a:rPr lang="en-US" sz="1200" baseline="0" dirty="0"/>
+              <a:t>At the end of the statement block the instance is disposed.</a:t>
             </a:r>
           </a:p>
           <a:p>
@@ -4883,44 +4865,8 @@
               <a:buChar char="•"/>
             </a:pPr>
             <a:r>
-              <a:rPr lang="en-US" baseline="0" dirty="0" err="1"/>
-              <a:t>dotnet</a:t>
-            </a:r>
-            <a:r>
-              <a:rPr lang="en-US" baseline="0" dirty="0"/>
-              <a:t> new </a:t>
-            </a:r>
-            <a:r>
-              <a:rPr lang="en-US" baseline="0" dirty="0" err="1"/>
-              <a:t>webapi</a:t>
-            </a:r>
-            <a:r>
-              <a:rPr lang="en-US" baseline="0" dirty="0"/>
-              <a:t> – creates a new web </a:t>
-            </a:r>
-            <a:r>
-              <a:rPr lang="en-US" baseline="0" dirty="0" err="1"/>
-              <a:t>api</a:t>
-            </a:r>
-            <a:r>
-              <a:rPr lang="en-US" baseline="0" dirty="0"/>
-              <a:t> project.  This is what we use to create a new </a:t>
-            </a:r>
-            <a:r>
-              <a:rPr lang="en-US" baseline="0" dirty="0" err="1"/>
-              <a:t>.Net</a:t>
-            </a:r>
-            <a:r>
-              <a:rPr lang="en-US" baseline="0" dirty="0"/>
-              <a:t> project that will contain our web </a:t>
-            </a:r>
-            <a:r>
-              <a:rPr lang="en-US" baseline="0" dirty="0" err="1"/>
-              <a:t>api</a:t>
-            </a:r>
-            <a:r>
-              <a:rPr lang="en-US" baseline="0" dirty="0"/>
-              <a:t>.</a:t>
+              <a:rPr lang="en-US" sz="1200" baseline="0" dirty="0"/>
+              <a:t>Disposing is important when working with external resources like a database connection.</a:t>
             </a:r>
           </a:p>
           <a:p>
@@ -4929,54 +4875,9 @@
               <a:buChar char="•"/>
             </a:pPr>
             <a:r>
-              <a:rPr lang="en-US" baseline="0" dirty="0" err="1"/>
-              <a:t>dotnet</a:t>
-            </a:r>
-            <a:r>
-              <a:rPr lang="en-US" baseline="0" dirty="0"/>
-              <a:t> add reference – allows us to reference code from another project.  One project does not know about the other until a reference is added.</a:t>
-            </a:r>
-          </a:p>
-          <a:p>
-            <a:pPr marL="171450" indent="-171450">
-              <a:buFont typeface="Arial" panose="020B0604020202020204" pitchFamily="34" charset="0"/>
-              <a:buChar char="•"/>
-            </a:pPr>
-            <a:r>
-              <a:rPr lang="en-US" baseline="0" dirty="0" err="1"/>
-              <a:t>dotnet</a:t>
-            </a:r>
-            <a:r>
-              <a:rPr lang="en-US" baseline="0" dirty="0"/>
-              <a:t> add package – allows us to add a package to our code.  A package is created by someone and can be downloaded over the internet for use in your project.</a:t>
-            </a:r>
-          </a:p>
-          <a:p>
-            <a:pPr marL="171450" indent="-171450">
-              <a:buFont typeface="Arial" panose="020B0604020202020204" pitchFamily="34" charset="0"/>
-              <a:buChar char="•"/>
-            </a:pPr>
-            <a:r>
-              <a:rPr lang="en-US" baseline="0" dirty="0"/>
-              <a:t>We will be using two packages from the </a:t>
-            </a:r>
-            <a:r>
-              <a:rPr lang="en-US" baseline="0" dirty="0" err="1"/>
-              <a:t>Nuget</a:t>
-            </a:r>
-            <a:r>
-              <a:rPr lang="en-US" baseline="0" dirty="0"/>
-              <a:t> package manager which are Dapper and </a:t>
-            </a:r>
-            <a:r>
-              <a:rPr lang="en-US" baseline="0" dirty="0" err="1"/>
-              <a:t>MySql.Data</a:t>
-            </a:r>
-            <a:r>
-              <a:rPr lang="en-US" baseline="0" dirty="0"/>
-              <a:t>.</a:t>
-            </a:r>
-            <a:endParaRPr lang="en-US" dirty="0"/>
+              <a:rPr lang="en-US" sz="1200" baseline="0" dirty="0"/>
+              <a:t>We don’t want to keep external resources open.</a:t>
+            </a:r>
           </a:p>
         </p:txBody>
       </p:sp>
@@ -4995,7 +4896,7 @@
           <a:bodyPr/>
           <a:lstStyle/>
           <a:p>
-            <a:fld id="{8BFE51C4-C5AF-4BE3-9C14-3D5DA10766E2}" type="slidenum">
+            <a:fld id="{90562276-63C7-43F9-8E9E-CFA137F6F839}" type="slidenum">
               <a:rPr lang="en-US" smtClean="0"/>
               <a:t>36</a:t>
             </a:fld>
@@ -5006,7 +4907,7 @@
     </p:spTree>
     <p:extLst>
       <p:ext uri="{BB962C8B-B14F-4D97-AF65-F5344CB8AC3E}">
-        <p14:creationId xmlns:p14="http://schemas.microsoft.com/office/powerpoint/2010/main" val="2106147533"/>
+        <p14:creationId xmlns:p14="http://schemas.microsoft.com/office/powerpoint/2010/main" val="3951191533"/>
       </p:ext>
     </p:extLst>
   </p:cSld>
@@ -5064,7 +4965,28 @@
               <a:buFont typeface="Arial" panose="020B0604020202020204" pitchFamily="34" charset="0"/>
               <a:buChar char="•"/>
             </a:pPr>
-            <a:endParaRPr lang="en-US" dirty="0"/>
+            <a:r>
+              <a:rPr lang="en-US" baseline="0" dirty="0"/>
+              <a:t>This statement opens the connection to our database.</a:t>
+            </a:r>
+          </a:p>
+          <a:p>
+            <a:pPr marL="171450" indent="-171450">
+              <a:buFont typeface="Arial" panose="020B0604020202020204" pitchFamily="34" charset="0"/>
+              <a:buChar char="•"/>
+            </a:pPr>
+            <a:r>
+              <a:rPr lang="en-US" baseline="0" dirty="0"/>
+              <a:t>With the connection open we can now send </a:t>
+            </a:r>
+            <a:r>
+              <a:rPr lang="en-US" baseline="0" dirty="0" err="1"/>
+              <a:t>sql</a:t>
+            </a:r>
+            <a:r>
+              <a:rPr lang="en-US" baseline="0" dirty="0"/>
+              <a:t> statements to the database to be executed.</a:t>
+            </a:r>
           </a:p>
         </p:txBody>
       </p:sp>
@@ -5083,7 +5005,7 @@
           <a:bodyPr/>
           <a:lstStyle/>
           <a:p>
-            <a:fld id="{347B1FF5-FCE8-499D-B296-D7493115F512}" type="slidenum">
+            <a:fld id="{90562276-63C7-43F9-8E9E-CFA137F6F839}" type="slidenum">
               <a:rPr lang="en-US" smtClean="0"/>
               <a:t>37</a:t>
             </a:fld>
@@ -5094,7 +5016,7 @@
     </p:spTree>
     <p:extLst>
       <p:ext uri="{BB962C8B-B14F-4D97-AF65-F5344CB8AC3E}">
-        <p14:creationId xmlns:p14="http://schemas.microsoft.com/office/powerpoint/2010/main" val="135074158"/>
+        <p14:creationId xmlns:p14="http://schemas.microsoft.com/office/powerpoint/2010/main" val="1282107855"/>
       </p:ext>
     </p:extLst>
   </p:cSld>
@@ -5148,65 +5070,60 @@
           <a:bodyPr/>
           <a:lstStyle/>
           <a:p>
-            <a:pPr marL="171450" lvl="0" indent="-171450">
+            <a:pPr marL="171450" indent="-171450">
               <a:buFont typeface="Arial" panose="020B0604020202020204" pitchFamily="34" charset="0"/>
               <a:buChar char="•"/>
             </a:pPr>
             <a:r>
-              <a:rPr lang="en-US" sz="1200" kern="1200" dirty="0">
-                <a:solidFill>
-                  <a:schemeClr val="tx1"/>
-                </a:solidFill>
-                <a:effectLst/>
-                <a:latin typeface="+mn-lt"/>
-                <a:ea typeface="+mn-ea"/>
-                <a:cs typeface="+mn-cs"/>
-              </a:rPr>
-              <a:t>What is the pattern used to map relational database tables to classes?</a:t>
-            </a:r>
-          </a:p>
-          <a:p>
-            <a:pPr marL="171450" lvl="0" indent="-171450">
+              <a:rPr lang="en-US" baseline="0" dirty="0"/>
+              <a:t>This is our </a:t>
+            </a:r>
+            <a:r>
+              <a:rPr lang="en-US" baseline="0" dirty="0" err="1"/>
+              <a:t>sql</a:t>
+            </a:r>
+            <a:r>
+              <a:rPr lang="en-US" baseline="0" dirty="0"/>
+              <a:t> statement.</a:t>
+            </a:r>
+          </a:p>
+          <a:p>
+            <a:pPr marL="171450" indent="-171450">
               <a:buFont typeface="Arial" panose="020B0604020202020204" pitchFamily="34" charset="0"/>
               <a:buChar char="•"/>
             </a:pPr>
             <a:r>
-              <a:rPr lang="en-US" sz="1200" kern="1200" dirty="0">
-                <a:solidFill>
-                  <a:schemeClr val="tx1"/>
-                </a:solidFill>
-                <a:effectLst/>
-                <a:latin typeface="+mn-lt"/>
-                <a:ea typeface="+mn-ea"/>
-                <a:cs typeface="+mn-cs"/>
-              </a:rPr>
-              <a:t>What does ORM stand for?</a:t>
-            </a:r>
-          </a:p>
-          <a:p>
-            <a:pPr marL="171450" lvl="0" indent="-171450">
+              <a:rPr lang="en-US" baseline="0" dirty="0"/>
+              <a:t>It is set to a string variable.</a:t>
+            </a:r>
+          </a:p>
+          <a:p>
+            <a:pPr marL="171450" indent="-171450">
               <a:buFont typeface="Arial" panose="020B0604020202020204" pitchFamily="34" charset="0"/>
               <a:buChar char="•"/>
             </a:pPr>
             <a:r>
-              <a:rPr lang="en-US" sz="1200" kern="1200" dirty="0">
-                <a:solidFill>
-                  <a:schemeClr val="tx1"/>
-                </a:solidFill>
-                <a:effectLst/>
-                <a:latin typeface="+mn-lt"/>
-                <a:ea typeface="+mn-ea"/>
-                <a:cs typeface="+mn-cs"/>
-              </a:rPr>
-              <a:t>Name two ORM options.</a:t>
-            </a:r>
-          </a:p>
-          <a:p>
-            <a:pPr marL="457200" lvl="1" indent="0">
+              <a:rPr lang="en-US" baseline="0" dirty="0"/>
+              <a:t>This is the same syntax we were using earlier to write </a:t>
+            </a:r>
+            <a:r>
+              <a:rPr lang="en-US" baseline="0" dirty="0" err="1"/>
+              <a:t>sql</a:t>
+            </a:r>
+            <a:r>
+              <a:rPr lang="en-US" baseline="0" dirty="0"/>
+              <a:t> in the query tool with one exception.</a:t>
+            </a:r>
+          </a:p>
+          <a:p>
+            <a:pPr marL="171450" indent="-171450">
               <a:buFont typeface="Arial" panose="020B0604020202020204" pitchFamily="34" charset="0"/>
-              <a:buNone/>
-            </a:pPr>
-            <a:endParaRPr lang="en-US" dirty="0"/>
+              <a:buChar char="•"/>
+            </a:pPr>
+            <a:r>
+              <a:rPr lang="en-US" baseline="0" dirty="0"/>
+              <a:t>The @ symbol followed by a word is used to represent a parameter that will be replaced by a value.</a:t>
+            </a:r>
           </a:p>
         </p:txBody>
       </p:sp>
@@ -5225,7 +5142,7 @@
           <a:bodyPr/>
           <a:lstStyle/>
           <a:p>
-            <a:fld id="{226FA58D-4B12-4E7B-A2FA-693CE3EACDFD}" type="slidenum">
+            <a:fld id="{90562276-63C7-43F9-8E9E-CFA137F6F839}" type="slidenum">
               <a:rPr lang="en-US" smtClean="0"/>
               <a:t>38</a:t>
             </a:fld>
@@ -5236,7 +5153,7 @@
     </p:spTree>
     <p:extLst>
       <p:ext uri="{BB962C8B-B14F-4D97-AF65-F5344CB8AC3E}">
-        <p14:creationId xmlns:p14="http://schemas.microsoft.com/office/powerpoint/2010/main" val="537020023"/>
+        <p14:creationId xmlns:p14="http://schemas.microsoft.com/office/powerpoint/2010/main" val="1747448992"/>
       </p:ext>
     </p:extLst>
   </p:cSld>
@@ -5294,7 +5211,86 @@
               <a:buFont typeface="Arial" panose="020B0604020202020204" pitchFamily="34" charset="0"/>
               <a:buChar char="•"/>
             </a:pPr>
-            <a:endParaRPr lang="en-US" dirty="0"/>
+            <a:r>
+              <a:rPr lang="en-US" baseline="0" dirty="0"/>
+              <a:t>This is dapper.</a:t>
+            </a:r>
+          </a:p>
+          <a:p>
+            <a:pPr marL="171450" indent="-171450">
+              <a:buFont typeface="Arial" panose="020B0604020202020204" pitchFamily="34" charset="0"/>
+              <a:buChar char="•"/>
+            </a:pPr>
+            <a:r>
+              <a:rPr lang="en-US" baseline="0" dirty="0"/>
+              <a:t>Through the </a:t>
+            </a:r>
+            <a:r>
+              <a:rPr lang="en-US" baseline="0" dirty="0" err="1"/>
+              <a:t>dbConnection</a:t>
+            </a:r>
+            <a:r>
+              <a:rPr lang="en-US" baseline="0" dirty="0"/>
+              <a:t> object we are telling dapper to: </a:t>
+            </a:r>
+          </a:p>
+          <a:p>
+            <a:pPr marL="628650" lvl="1" indent="-171450">
+              <a:buFont typeface="Arial" panose="020B0604020202020204" pitchFamily="34" charset="0"/>
+              <a:buChar char="•"/>
+            </a:pPr>
+            <a:r>
+              <a:rPr lang="en-US" baseline="0" dirty="0"/>
+              <a:t>Use our </a:t>
+            </a:r>
+            <a:r>
+              <a:rPr lang="en-US" baseline="0" dirty="0" err="1"/>
+              <a:t>sql</a:t>
+            </a:r>
+            <a:r>
+              <a:rPr lang="en-US" baseline="0" dirty="0"/>
+              <a:t> statement.</a:t>
+            </a:r>
+          </a:p>
+          <a:p>
+            <a:pPr marL="628650" lvl="1" indent="-171450">
+              <a:buFont typeface="Arial" panose="020B0604020202020204" pitchFamily="34" charset="0"/>
+              <a:buChar char="•"/>
+            </a:pPr>
+            <a:r>
+              <a:rPr lang="en-US" baseline="0" dirty="0"/>
+              <a:t>Replace any parameters with property values from our class (an anonymous type here).</a:t>
+            </a:r>
+          </a:p>
+          <a:p>
+            <a:pPr marL="628650" lvl="1" indent="-171450">
+              <a:buFont typeface="Arial" panose="020B0604020202020204" pitchFamily="34" charset="0"/>
+              <a:buChar char="•"/>
+            </a:pPr>
+            <a:r>
+              <a:rPr lang="en-US" baseline="0" dirty="0"/>
+              <a:t>Run it just as text.</a:t>
+            </a:r>
+          </a:p>
+          <a:p>
+            <a:pPr marL="628650" lvl="1" indent="-171450">
+              <a:buFont typeface="Arial" panose="020B0604020202020204" pitchFamily="34" charset="0"/>
+              <a:buChar char="•"/>
+            </a:pPr>
+            <a:r>
+              <a:rPr lang="en-US" baseline="0" dirty="0"/>
+              <a:t>Return all records.</a:t>
+            </a:r>
+          </a:p>
+          <a:p>
+            <a:pPr marL="628650" lvl="1" indent="-171450">
+              <a:buFont typeface="Arial" panose="020B0604020202020204" pitchFamily="34" charset="0"/>
+              <a:buChar char="•"/>
+            </a:pPr>
+            <a:r>
+              <a:rPr lang="en-US" baseline="0" dirty="0"/>
+              <a:t>Convert it into a list of Subject classes(the generic type that we are passing).</a:t>
+            </a:r>
           </a:p>
         </p:txBody>
       </p:sp>
@@ -5313,7 +5309,7 @@
           <a:bodyPr/>
           <a:lstStyle/>
           <a:p>
-            <a:fld id="{226FA58D-4B12-4E7B-A2FA-693CE3EACDFD}" type="slidenum">
+            <a:fld id="{90562276-63C7-43F9-8E9E-CFA137F6F839}" type="slidenum">
               <a:rPr lang="en-US" smtClean="0"/>
               <a:t>39</a:t>
             </a:fld>
@@ -5324,7 +5320,7 @@
     </p:spTree>
     <p:extLst>
       <p:ext uri="{BB962C8B-B14F-4D97-AF65-F5344CB8AC3E}">
-        <p14:creationId xmlns:p14="http://schemas.microsoft.com/office/powerpoint/2010/main" val="1145430475"/>
+        <p14:creationId xmlns:p14="http://schemas.microsoft.com/office/powerpoint/2010/main" val="4155669089"/>
       </p:ext>
     </p:extLst>
   </p:cSld>
@@ -5378,905 +5374,38 @@
           <a:bodyPr/>
           <a:lstStyle/>
           <a:p>
-            <a:pPr marL="171450" lvl="0" indent="-171450">
+            <a:pPr marL="171450" indent="-171450">
               <a:buFont typeface="Arial" panose="020B0604020202020204" pitchFamily="34" charset="0"/>
               <a:buChar char="•"/>
             </a:pPr>
             <a:r>
-              <a:rPr lang="en-US" sz="1200" kern="1200" dirty="0">
-                <a:solidFill>
-                  <a:schemeClr val="tx1"/>
-                </a:solidFill>
-                <a:effectLst/>
-                <a:latin typeface="+mn-lt"/>
-                <a:ea typeface="+mn-ea"/>
-                <a:cs typeface="+mn-cs"/>
-              </a:rPr>
-              <a:t>Write on the board a select statement that selects </a:t>
-            </a:r>
-            <a:r>
-              <a:rPr lang="en-US" sz="1200" kern="1200" dirty="0" err="1">
-                <a:solidFill>
-                  <a:schemeClr val="tx1"/>
-                </a:solidFill>
-                <a:effectLst/>
-                <a:latin typeface="+mn-lt"/>
-                <a:ea typeface="+mn-ea"/>
-                <a:cs typeface="+mn-cs"/>
-              </a:rPr>
-              <a:t>FirstName</a:t>
-            </a:r>
-            <a:r>
-              <a:rPr lang="en-US" sz="1200" kern="1200" dirty="0">
-                <a:solidFill>
-                  <a:schemeClr val="tx1"/>
-                </a:solidFill>
-                <a:effectLst/>
-                <a:latin typeface="+mn-lt"/>
-                <a:ea typeface="+mn-ea"/>
-                <a:cs typeface="+mn-cs"/>
-              </a:rPr>
-              <a:t> and </a:t>
-            </a:r>
-            <a:r>
-              <a:rPr lang="en-US" sz="1200" kern="1200" dirty="0" err="1">
-                <a:solidFill>
-                  <a:schemeClr val="tx1"/>
-                </a:solidFill>
-                <a:effectLst/>
-                <a:latin typeface="+mn-lt"/>
-                <a:ea typeface="+mn-ea"/>
-                <a:cs typeface="+mn-cs"/>
-              </a:rPr>
-              <a:t>LastName</a:t>
-            </a:r>
-            <a:r>
-              <a:rPr lang="en-US" sz="1200" kern="1200" dirty="0">
-                <a:solidFill>
-                  <a:schemeClr val="tx1"/>
-                </a:solidFill>
-                <a:effectLst/>
-                <a:latin typeface="+mn-lt"/>
-                <a:ea typeface="+mn-ea"/>
-                <a:cs typeface="+mn-cs"/>
-              </a:rPr>
-              <a:t> columns of a table named employee.</a:t>
-            </a:r>
-          </a:p>
-          <a:p>
-            <a:pPr marL="171450" lvl="0" indent="-171450">
+              <a:rPr lang="en-US" baseline="0" dirty="0"/>
+              <a:t>This is what it looks like if we just want one record returned.</a:t>
+            </a:r>
+          </a:p>
+          <a:p>
+            <a:pPr marL="171450" indent="-171450">
               <a:buFont typeface="Arial" panose="020B0604020202020204" pitchFamily="34" charset="0"/>
               <a:buChar char="•"/>
             </a:pPr>
             <a:r>
-              <a:rPr lang="en-US" sz="1200" kern="1200" dirty="0">
-                <a:solidFill>
-                  <a:schemeClr val="tx1"/>
-                </a:solidFill>
-                <a:effectLst/>
-                <a:latin typeface="+mn-lt"/>
-                <a:ea typeface="+mn-ea"/>
-                <a:cs typeface="+mn-cs"/>
-              </a:rPr>
-              <a:t>Write on the board a select statement that select </a:t>
-            </a:r>
-            <a:r>
-              <a:rPr lang="en-US" sz="1200" kern="1200" dirty="0" err="1">
-                <a:solidFill>
-                  <a:schemeClr val="tx1"/>
-                </a:solidFill>
-                <a:effectLst/>
-                <a:latin typeface="+mn-lt"/>
-                <a:ea typeface="+mn-ea"/>
-                <a:cs typeface="+mn-cs"/>
-              </a:rPr>
-              <a:t>FirstName</a:t>
-            </a:r>
-            <a:r>
-              <a:rPr lang="en-US" sz="1200" kern="1200" dirty="0">
-                <a:solidFill>
-                  <a:schemeClr val="tx1"/>
-                </a:solidFill>
-                <a:effectLst/>
-                <a:latin typeface="+mn-lt"/>
-                <a:ea typeface="+mn-ea"/>
-                <a:cs typeface="+mn-cs"/>
-              </a:rPr>
-              <a:t> and </a:t>
-            </a:r>
-            <a:r>
-              <a:rPr lang="en-US" sz="1200" kern="1200" dirty="0" err="1">
-                <a:solidFill>
-                  <a:schemeClr val="tx1"/>
-                </a:solidFill>
-                <a:effectLst/>
-                <a:latin typeface="+mn-lt"/>
-                <a:ea typeface="+mn-ea"/>
-                <a:cs typeface="+mn-cs"/>
-              </a:rPr>
-              <a:t>LastName</a:t>
-            </a:r>
-            <a:r>
-              <a:rPr lang="en-US" sz="1200" kern="1200" dirty="0">
-                <a:solidFill>
-                  <a:schemeClr val="tx1"/>
-                </a:solidFill>
-                <a:effectLst/>
-                <a:latin typeface="+mn-lt"/>
-                <a:ea typeface="+mn-ea"/>
-                <a:cs typeface="+mn-cs"/>
-              </a:rPr>
-              <a:t> columns of a table named employee where the </a:t>
-            </a:r>
-            <a:r>
-              <a:rPr lang="en-US" sz="1200" kern="1200" dirty="0" err="1">
-                <a:solidFill>
-                  <a:schemeClr val="tx1"/>
-                </a:solidFill>
-                <a:effectLst/>
-                <a:latin typeface="+mn-lt"/>
-                <a:ea typeface="+mn-ea"/>
-                <a:cs typeface="+mn-cs"/>
-              </a:rPr>
-              <a:t>EmployeeID</a:t>
-            </a:r>
-            <a:r>
-              <a:rPr lang="en-US" sz="1200" kern="1200" dirty="0">
-                <a:solidFill>
-                  <a:schemeClr val="tx1"/>
-                </a:solidFill>
-                <a:effectLst/>
-                <a:latin typeface="+mn-lt"/>
-                <a:ea typeface="+mn-ea"/>
-                <a:cs typeface="+mn-cs"/>
-              </a:rPr>
-              <a:t> equals 5.</a:t>
-            </a:r>
-          </a:p>
-          <a:p>
-            <a:pPr marL="171450" lvl="0" indent="-171450">
+              <a:rPr lang="en-US" baseline="0" dirty="0" err="1"/>
+              <a:t>FirstOrDefault</a:t>
+            </a:r>
+            <a:r>
+              <a:rPr lang="en-US" baseline="0" dirty="0"/>
+              <a:t> will return the first record or null if none exists.</a:t>
+            </a:r>
+          </a:p>
+          <a:p>
+            <a:pPr marL="171450" indent="-171450">
               <a:buFont typeface="Arial" panose="020B0604020202020204" pitchFamily="34" charset="0"/>
               <a:buChar char="•"/>
             </a:pPr>
             <a:r>
-              <a:rPr lang="en-US" sz="1200" kern="1200" dirty="0">
-                <a:solidFill>
-                  <a:schemeClr val="tx1"/>
-                </a:solidFill>
-                <a:effectLst/>
-                <a:latin typeface="+mn-lt"/>
-                <a:ea typeface="+mn-ea"/>
-                <a:cs typeface="+mn-cs"/>
-              </a:rPr>
-              <a:t>Write on the board a select statement that select </a:t>
-            </a:r>
-            <a:r>
-              <a:rPr lang="en-US" sz="1200" kern="1200" dirty="0" err="1">
-                <a:solidFill>
-                  <a:schemeClr val="tx1"/>
-                </a:solidFill>
-                <a:effectLst/>
-                <a:latin typeface="+mn-lt"/>
-                <a:ea typeface="+mn-ea"/>
-                <a:cs typeface="+mn-cs"/>
-              </a:rPr>
-              <a:t>FirstName</a:t>
-            </a:r>
-            <a:r>
-              <a:rPr lang="en-US" sz="1200" kern="1200" dirty="0">
-                <a:solidFill>
-                  <a:schemeClr val="tx1"/>
-                </a:solidFill>
-                <a:effectLst/>
-                <a:latin typeface="+mn-lt"/>
-                <a:ea typeface="+mn-ea"/>
-                <a:cs typeface="+mn-cs"/>
-              </a:rPr>
-              <a:t> and </a:t>
-            </a:r>
-            <a:r>
-              <a:rPr lang="en-US" sz="1200" kern="1200" dirty="0" err="1">
-                <a:solidFill>
-                  <a:schemeClr val="tx1"/>
-                </a:solidFill>
-                <a:effectLst/>
-                <a:latin typeface="+mn-lt"/>
-                <a:ea typeface="+mn-ea"/>
-                <a:cs typeface="+mn-cs"/>
-              </a:rPr>
-              <a:t>LastName</a:t>
-            </a:r>
-            <a:r>
-              <a:rPr lang="en-US" sz="1200" kern="1200" dirty="0">
-                <a:solidFill>
-                  <a:schemeClr val="tx1"/>
-                </a:solidFill>
-                <a:effectLst/>
-                <a:latin typeface="+mn-lt"/>
-                <a:ea typeface="+mn-ea"/>
-                <a:cs typeface="+mn-cs"/>
-              </a:rPr>
-              <a:t> columns of a table named employee where the </a:t>
-            </a:r>
-            <a:r>
-              <a:rPr lang="en-US" sz="1200" kern="1200" dirty="0" err="1">
-                <a:solidFill>
-                  <a:schemeClr val="tx1"/>
-                </a:solidFill>
-                <a:effectLst/>
-                <a:latin typeface="+mn-lt"/>
-                <a:ea typeface="+mn-ea"/>
-                <a:cs typeface="+mn-cs"/>
-              </a:rPr>
-              <a:t>FirstName</a:t>
-            </a:r>
-            <a:r>
-              <a:rPr lang="en-US" sz="1200" kern="1200" dirty="0">
-                <a:solidFill>
-                  <a:schemeClr val="tx1"/>
-                </a:solidFill>
-                <a:effectLst/>
-                <a:latin typeface="+mn-lt"/>
-                <a:ea typeface="+mn-ea"/>
-                <a:cs typeface="+mn-cs"/>
-              </a:rPr>
-              <a:t> equals Joe and </a:t>
-            </a:r>
-            <a:r>
-              <a:rPr lang="en-US" sz="1200" kern="1200" dirty="0" err="1">
-                <a:solidFill>
-                  <a:schemeClr val="tx1"/>
-                </a:solidFill>
-                <a:effectLst/>
-                <a:latin typeface="+mn-lt"/>
-                <a:ea typeface="+mn-ea"/>
-                <a:cs typeface="+mn-cs"/>
-              </a:rPr>
-              <a:t>LastName</a:t>
-            </a:r>
-            <a:r>
-              <a:rPr lang="en-US" sz="1200" kern="1200" dirty="0">
-                <a:solidFill>
-                  <a:schemeClr val="tx1"/>
-                </a:solidFill>
-                <a:effectLst/>
-                <a:latin typeface="+mn-lt"/>
-                <a:ea typeface="+mn-ea"/>
-                <a:cs typeface="+mn-cs"/>
-              </a:rPr>
-              <a:t> equals Smith.</a:t>
-            </a:r>
-          </a:p>
-          <a:p>
-            <a:pPr marL="171450" lvl="0" indent="-171450">
-              <a:buFont typeface="Arial" panose="020B0604020202020204" pitchFamily="34" charset="0"/>
-              <a:buChar char="•"/>
-            </a:pPr>
-            <a:r>
-              <a:rPr lang="en-US" sz="1200" kern="1200" dirty="0">
-                <a:solidFill>
-                  <a:schemeClr val="tx1"/>
-                </a:solidFill>
-                <a:effectLst/>
-                <a:latin typeface="+mn-lt"/>
-                <a:ea typeface="+mn-ea"/>
-                <a:cs typeface="+mn-cs"/>
-              </a:rPr>
-              <a:t>Write on the board an insert statement for a table named employee with columns </a:t>
-            </a:r>
-            <a:r>
-              <a:rPr lang="en-US" sz="1200" kern="1200" dirty="0" err="1">
-                <a:solidFill>
-                  <a:schemeClr val="tx1"/>
-                </a:solidFill>
-                <a:effectLst/>
-                <a:latin typeface="+mn-lt"/>
-                <a:ea typeface="+mn-ea"/>
-                <a:cs typeface="+mn-cs"/>
-              </a:rPr>
-              <a:t>EmployeeID</a:t>
-            </a:r>
-            <a:r>
-              <a:rPr lang="en-US" sz="1200" kern="1200" dirty="0">
-                <a:solidFill>
-                  <a:schemeClr val="tx1"/>
-                </a:solidFill>
-                <a:effectLst/>
-                <a:latin typeface="+mn-lt"/>
-                <a:ea typeface="+mn-ea"/>
-                <a:cs typeface="+mn-cs"/>
-              </a:rPr>
-              <a:t>, </a:t>
-            </a:r>
-            <a:r>
-              <a:rPr lang="en-US" sz="1200" kern="1200" dirty="0" err="1">
-                <a:solidFill>
-                  <a:schemeClr val="tx1"/>
-                </a:solidFill>
-                <a:effectLst/>
-                <a:latin typeface="+mn-lt"/>
-                <a:ea typeface="+mn-ea"/>
-                <a:cs typeface="+mn-cs"/>
-              </a:rPr>
-              <a:t>FirstName</a:t>
-            </a:r>
-            <a:r>
-              <a:rPr lang="en-US" sz="1200" kern="1200" dirty="0">
-                <a:solidFill>
-                  <a:schemeClr val="tx1"/>
-                </a:solidFill>
-                <a:effectLst/>
-                <a:latin typeface="+mn-lt"/>
-                <a:ea typeface="+mn-ea"/>
-                <a:cs typeface="+mn-cs"/>
-              </a:rPr>
-              <a:t>, and </a:t>
-            </a:r>
-            <a:r>
-              <a:rPr lang="en-US" sz="1200" kern="1200" dirty="0" err="1">
-                <a:solidFill>
-                  <a:schemeClr val="tx1"/>
-                </a:solidFill>
-                <a:effectLst/>
-                <a:latin typeface="+mn-lt"/>
-                <a:ea typeface="+mn-ea"/>
-                <a:cs typeface="+mn-cs"/>
-              </a:rPr>
-              <a:t>LastName</a:t>
-            </a:r>
-            <a:r>
-              <a:rPr lang="en-US" sz="1200" kern="1200" dirty="0">
-                <a:solidFill>
-                  <a:schemeClr val="tx1"/>
-                </a:solidFill>
-                <a:effectLst/>
-                <a:latin typeface="+mn-lt"/>
-                <a:ea typeface="+mn-ea"/>
-                <a:cs typeface="+mn-cs"/>
-              </a:rPr>
-              <a:t>.  </a:t>
-            </a:r>
-            <a:r>
-              <a:rPr lang="en-US" sz="1200" kern="1200" dirty="0" err="1">
-                <a:solidFill>
-                  <a:schemeClr val="tx1"/>
-                </a:solidFill>
-                <a:effectLst/>
-                <a:latin typeface="+mn-lt"/>
-                <a:ea typeface="+mn-ea"/>
-                <a:cs typeface="+mn-cs"/>
-              </a:rPr>
-              <a:t>EmployeeID</a:t>
-            </a:r>
-            <a:r>
-              <a:rPr lang="en-US" sz="1200" kern="1200" dirty="0">
-                <a:solidFill>
-                  <a:schemeClr val="tx1"/>
-                </a:solidFill>
-                <a:effectLst/>
-                <a:latin typeface="+mn-lt"/>
-                <a:ea typeface="+mn-ea"/>
-                <a:cs typeface="+mn-cs"/>
-              </a:rPr>
-              <a:t> is auto incrementing.</a:t>
-            </a:r>
-          </a:p>
-          <a:p>
-            <a:pPr marL="171450" lvl="0" indent="-171450">
-              <a:buFont typeface="Arial" panose="020B0604020202020204" pitchFamily="34" charset="0"/>
-              <a:buChar char="•"/>
-            </a:pPr>
-            <a:r>
-              <a:rPr lang="en-US" sz="1200" kern="1200" dirty="0">
-                <a:solidFill>
-                  <a:schemeClr val="tx1"/>
-                </a:solidFill>
-                <a:effectLst/>
-                <a:latin typeface="+mn-lt"/>
-                <a:ea typeface="+mn-ea"/>
-                <a:cs typeface="+mn-cs"/>
-              </a:rPr>
-              <a:t>Write on the board an insert statement for a table named employee with columns </a:t>
-            </a:r>
-            <a:r>
-              <a:rPr lang="en-US" sz="1200" kern="1200" dirty="0" err="1">
-                <a:solidFill>
-                  <a:schemeClr val="tx1"/>
-                </a:solidFill>
-                <a:effectLst/>
-                <a:latin typeface="+mn-lt"/>
-                <a:ea typeface="+mn-ea"/>
-                <a:cs typeface="+mn-cs"/>
-              </a:rPr>
-              <a:t>EmployeeID</a:t>
-            </a:r>
-            <a:r>
-              <a:rPr lang="en-US" sz="1200" kern="1200" dirty="0">
-                <a:solidFill>
-                  <a:schemeClr val="tx1"/>
-                </a:solidFill>
-                <a:effectLst/>
-                <a:latin typeface="+mn-lt"/>
-                <a:ea typeface="+mn-ea"/>
-                <a:cs typeface="+mn-cs"/>
-              </a:rPr>
-              <a:t>, </a:t>
-            </a:r>
-            <a:r>
-              <a:rPr lang="en-US" sz="1200" kern="1200" dirty="0" err="1">
-                <a:solidFill>
-                  <a:schemeClr val="tx1"/>
-                </a:solidFill>
-                <a:effectLst/>
-                <a:latin typeface="+mn-lt"/>
-                <a:ea typeface="+mn-ea"/>
-                <a:cs typeface="+mn-cs"/>
-              </a:rPr>
-              <a:t>FirstName</a:t>
-            </a:r>
-            <a:r>
-              <a:rPr lang="en-US" sz="1200" kern="1200" dirty="0">
-                <a:solidFill>
-                  <a:schemeClr val="tx1"/>
-                </a:solidFill>
-                <a:effectLst/>
-                <a:latin typeface="+mn-lt"/>
-                <a:ea typeface="+mn-ea"/>
-                <a:cs typeface="+mn-cs"/>
-              </a:rPr>
-              <a:t>, and </a:t>
-            </a:r>
-            <a:r>
-              <a:rPr lang="en-US" sz="1200" kern="1200" dirty="0" err="1">
-                <a:solidFill>
-                  <a:schemeClr val="tx1"/>
-                </a:solidFill>
-                <a:effectLst/>
-                <a:latin typeface="+mn-lt"/>
-                <a:ea typeface="+mn-ea"/>
-                <a:cs typeface="+mn-cs"/>
-              </a:rPr>
-              <a:t>LastName</a:t>
-            </a:r>
-            <a:r>
-              <a:rPr lang="en-US" sz="1200" kern="1200" dirty="0">
-                <a:solidFill>
-                  <a:schemeClr val="tx1"/>
-                </a:solidFill>
-                <a:effectLst/>
-                <a:latin typeface="+mn-lt"/>
-                <a:ea typeface="+mn-ea"/>
-                <a:cs typeface="+mn-cs"/>
-              </a:rPr>
-              <a:t>.  </a:t>
-            </a:r>
-            <a:r>
-              <a:rPr lang="en-US" sz="1200" kern="1200" dirty="0" err="1">
-                <a:solidFill>
-                  <a:schemeClr val="tx1"/>
-                </a:solidFill>
-                <a:effectLst/>
-                <a:latin typeface="+mn-lt"/>
-                <a:ea typeface="+mn-ea"/>
-                <a:cs typeface="+mn-cs"/>
-              </a:rPr>
-              <a:t>EmployeeID</a:t>
-            </a:r>
-            <a:r>
-              <a:rPr lang="en-US" sz="1200" kern="1200" dirty="0">
-                <a:solidFill>
-                  <a:schemeClr val="tx1"/>
-                </a:solidFill>
-                <a:effectLst/>
-                <a:latin typeface="+mn-lt"/>
-                <a:ea typeface="+mn-ea"/>
-                <a:cs typeface="+mn-cs"/>
-              </a:rPr>
-              <a:t> is auto incrementing.  Insert multiple records.</a:t>
-            </a:r>
-          </a:p>
-          <a:p>
-            <a:pPr marL="171450" lvl="0" indent="-171450">
-              <a:buFont typeface="Arial" panose="020B0604020202020204" pitchFamily="34" charset="0"/>
-              <a:buChar char="•"/>
-            </a:pPr>
-            <a:r>
-              <a:rPr lang="en-US" sz="1200" kern="1200" dirty="0">
-                <a:solidFill>
-                  <a:schemeClr val="tx1"/>
-                </a:solidFill>
-                <a:effectLst/>
-                <a:latin typeface="+mn-lt"/>
-                <a:ea typeface="+mn-ea"/>
-                <a:cs typeface="+mn-cs"/>
-              </a:rPr>
-              <a:t>Write on the board an update statement that updates </a:t>
-            </a:r>
-            <a:r>
-              <a:rPr lang="en-US" sz="1200" kern="1200" dirty="0" err="1">
-                <a:solidFill>
-                  <a:schemeClr val="tx1"/>
-                </a:solidFill>
-                <a:effectLst/>
-                <a:latin typeface="+mn-lt"/>
-                <a:ea typeface="+mn-ea"/>
-                <a:cs typeface="+mn-cs"/>
-              </a:rPr>
-              <a:t>FirstName</a:t>
-            </a:r>
-            <a:r>
-              <a:rPr lang="en-US" sz="1200" kern="1200" dirty="0">
-                <a:solidFill>
-                  <a:schemeClr val="tx1"/>
-                </a:solidFill>
-                <a:effectLst/>
-                <a:latin typeface="+mn-lt"/>
-                <a:ea typeface="+mn-ea"/>
-                <a:cs typeface="+mn-cs"/>
-              </a:rPr>
-              <a:t> equal to Tim and </a:t>
-            </a:r>
-            <a:r>
-              <a:rPr lang="en-US" sz="1200" kern="1200" dirty="0" err="1">
-                <a:solidFill>
-                  <a:schemeClr val="tx1"/>
-                </a:solidFill>
-                <a:effectLst/>
-                <a:latin typeface="+mn-lt"/>
-                <a:ea typeface="+mn-ea"/>
-                <a:cs typeface="+mn-cs"/>
-              </a:rPr>
-              <a:t>LastName</a:t>
-            </a:r>
-            <a:r>
-              <a:rPr lang="en-US" sz="1200" kern="1200" dirty="0">
-                <a:solidFill>
-                  <a:schemeClr val="tx1"/>
-                </a:solidFill>
-                <a:effectLst/>
-                <a:latin typeface="+mn-lt"/>
-                <a:ea typeface="+mn-ea"/>
-                <a:cs typeface="+mn-cs"/>
-              </a:rPr>
-              <a:t> equal to Grant columns of a table named employee where the </a:t>
-            </a:r>
-            <a:r>
-              <a:rPr lang="en-US" sz="1200" kern="1200" dirty="0" err="1">
-                <a:solidFill>
-                  <a:schemeClr val="tx1"/>
-                </a:solidFill>
-                <a:effectLst/>
-                <a:latin typeface="+mn-lt"/>
-                <a:ea typeface="+mn-ea"/>
-                <a:cs typeface="+mn-cs"/>
-              </a:rPr>
-              <a:t>FirstName</a:t>
-            </a:r>
-            <a:r>
-              <a:rPr lang="en-US" sz="1200" kern="1200" dirty="0">
-                <a:solidFill>
-                  <a:schemeClr val="tx1"/>
-                </a:solidFill>
-                <a:effectLst/>
-                <a:latin typeface="+mn-lt"/>
-                <a:ea typeface="+mn-ea"/>
-                <a:cs typeface="+mn-cs"/>
-              </a:rPr>
-              <a:t> equals Joe and </a:t>
-            </a:r>
-            <a:r>
-              <a:rPr lang="en-US" sz="1200" kern="1200" dirty="0" err="1">
-                <a:solidFill>
-                  <a:schemeClr val="tx1"/>
-                </a:solidFill>
-                <a:effectLst/>
-                <a:latin typeface="+mn-lt"/>
-                <a:ea typeface="+mn-ea"/>
-                <a:cs typeface="+mn-cs"/>
-              </a:rPr>
-              <a:t>LastName</a:t>
-            </a:r>
-            <a:r>
-              <a:rPr lang="en-US" sz="1200" kern="1200" dirty="0">
-                <a:solidFill>
-                  <a:schemeClr val="tx1"/>
-                </a:solidFill>
-                <a:effectLst/>
-                <a:latin typeface="+mn-lt"/>
-                <a:ea typeface="+mn-ea"/>
-                <a:cs typeface="+mn-cs"/>
-              </a:rPr>
-              <a:t> equals Smith.</a:t>
-            </a:r>
-          </a:p>
-          <a:p>
-            <a:pPr marL="171450" lvl="0" indent="-171450">
-              <a:buFont typeface="Arial" panose="020B0604020202020204" pitchFamily="34" charset="0"/>
-              <a:buChar char="•"/>
-            </a:pPr>
-            <a:r>
-              <a:rPr lang="en-US" sz="1200" kern="1200" dirty="0">
-                <a:solidFill>
-                  <a:schemeClr val="tx1"/>
-                </a:solidFill>
-                <a:effectLst/>
-                <a:latin typeface="+mn-lt"/>
-                <a:ea typeface="+mn-ea"/>
-                <a:cs typeface="+mn-cs"/>
-              </a:rPr>
-              <a:t>Write on the board a delete statement that deletes records of a table named employee where the </a:t>
-            </a:r>
-            <a:r>
-              <a:rPr lang="en-US" sz="1200" kern="1200" dirty="0" err="1">
-                <a:solidFill>
-                  <a:schemeClr val="tx1"/>
-                </a:solidFill>
-                <a:effectLst/>
-                <a:latin typeface="+mn-lt"/>
-                <a:ea typeface="+mn-ea"/>
-                <a:cs typeface="+mn-cs"/>
-              </a:rPr>
-              <a:t>EmployeeID</a:t>
-            </a:r>
-            <a:r>
-              <a:rPr lang="en-US" sz="1200" kern="1200" dirty="0">
-                <a:solidFill>
-                  <a:schemeClr val="tx1"/>
-                </a:solidFill>
-                <a:effectLst/>
-                <a:latin typeface="+mn-lt"/>
-                <a:ea typeface="+mn-ea"/>
-                <a:cs typeface="+mn-cs"/>
-              </a:rPr>
-              <a:t> equals 5.</a:t>
-            </a:r>
-          </a:p>
-          <a:p>
-            <a:pPr marL="171450" lvl="0" indent="-171450">
-              <a:buFont typeface="Arial" panose="020B0604020202020204" pitchFamily="34" charset="0"/>
-              <a:buChar char="•"/>
-            </a:pPr>
-            <a:r>
-              <a:rPr lang="en-US" sz="1200" kern="1200" dirty="0">
-                <a:solidFill>
-                  <a:schemeClr val="tx1"/>
-                </a:solidFill>
-                <a:effectLst/>
-                <a:latin typeface="+mn-lt"/>
-                <a:ea typeface="+mn-ea"/>
-                <a:cs typeface="+mn-cs"/>
-              </a:rPr>
-              <a:t>Write on the board a create statement that creates a table named Employee with an </a:t>
-            </a:r>
-            <a:r>
-              <a:rPr lang="en-US" sz="1200" kern="1200" dirty="0" err="1">
-                <a:solidFill>
-                  <a:schemeClr val="tx1"/>
-                </a:solidFill>
-                <a:effectLst/>
-                <a:latin typeface="+mn-lt"/>
-                <a:ea typeface="+mn-ea"/>
-                <a:cs typeface="+mn-cs"/>
-              </a:rPr>
-              <a:t>EmployeeID</a:t>
-            </a:r>
-            <a:r>
-              <a:rPr lang="en-US" sz="1200" kern="1200" dirty="0">
-                <a:solidFill>
-                  <a:schemeClr val="tx1"/>
-                </a:solidFill>
-                <a:effectLst/>
-                <a:latin typeface="+mn-lt"/>
-                <a:ea typeface="+mn-ea"/>
-                <a:cs typeface="+mn-cs"/>
-              </a:rPr>
-              <a:t>, </a:t>
-            </a:r>
-            <a:r>
-              <a:rPr lang="en-US" sz="1200" kern="1200" dirty="0" err="1">
-                <a:solidFill>
-                  <a:schemeClr val="tx1"/>
-                </a:solidFill>
-                <a:effectLst/>
-                <a:latin typeface="+mn-lt"/>
-                <a:ea typeface="+mn-ea"/>
-                <a:cs typeface="+mn-cs"/>
-              </a:rPr>
-              <a:t>FirstName</a:t>
-            </a:r>
-            <a:r>
-              <a:rPr lang="en-US" sz="1200" kern="1200" dirty="0">
-                <a:solidFill>
-                  <a:schemeClr val="tx1"/>
-                </a:solidFill>
-                <a:effectLst/>
-                <a:latin typeface="+mn-lt"/>
-                <a:ea typeface="+mn-ea"/>
-                <a:cs typeface="+mn-cs"/>
-              </a:rPr>
-              <a:t>, and </a:t>
-            </a:r>
-            <a:r>
-              <a:rPr lang="en-US" sz="1200" kern="1200" dirty="0" err="1">
-                <a:solidFill>
-                  <a:schemeClr val="tx1"/>
-                </a:solidFill>
-                <a:effectLst/>
-                <a:latin typeface="+mn-lt"/>
-                <a:ea typeface="+mn-ea"/>
-                <a:cs typeface="+mn-cs"/>
-              </a:rPr>
-              <a:t>LastName</a:t>
-            </a:r>
-            <a:r>
-              <a:rPr lang="en-US" sz="1200" kern="1200" dirty="0">
-                <a:solidFill>
-                  <a:schemeClr val="tx1"/>
-                </a:solidFill>
-                <a:effectLst/>
-                <a:latin typeface="+mn-lt"/>
-                <a:ea typeface="+mn-ea"/>
-                <a:cs typeface="+mn-cs"/>
-              </a:rPr>
-              <a:t> column with an auto incrementing primary key for the </a:t>
-            </a:r>
-            <a:r>
-              <a:rPr lang="en-US" sz="1200" kern="1200" dirty="0" err="1">
-                <a:solidFill>
-                  <a:schemeClr val="tx1"/>
-                </a:solidFill>
-                <a:effectLst/>
-                <a:latin typeface="+mn-lt"/>
-                <a:ea typeface="+mn-ea"/>
-                <a:cs typeface="+mn-cs"/>
-              </a:rPr>
-              <a:t>EmployeeID</a:t>
-            </a:r>
-            <a:r>
-              <a:rPr lang="en-US" sz="1200" kern="1200" dirty="0">
-                <a:solidFill>
-                  <a:schemeClr val="tx1"/>
-                </a:solidFill>
-                <a:effectLst/>
-                <a:latin typeface="+mn-lt"/>
-                <a:ea typeface="+mn-ea"/>
-                <a:cs typeface="+mn-cs"/>
-              </a:rPr>
-              <a:t>.</a:t>
-            </a:r>
-          </a:p>
-          <a:p>
-            <a:pPr marL="171450" lvl="0" indent="-171450">
-              <a:buFont typeface="Arial" panose="020B0604020202020204" pitchFamily="34" charset="0"/>
-              <a:buChar char="•"/>
-            </a:pPr>
-            <a:r>
-              <a:rPr lang="en-US" sz="1200" kern="1200" dirty="0">
-                <a:solidFill>
-                  <a:schemeClr val="tx1"/>
-                </a:solidFill>
-                <a:effectLst/>
-                <a:latin typeface="+mn-lt"/>
-                <a:ea typeface="+mn-ea"/>
-                <a:cs typeface="+mn-cs"/>
-              </a:rPr>
-              <a:t>Write on the board a select statement with an inner join between an Employee table and a Team table.  Both tables include a </a:t>
-            </a:r>
-            <a:r>
-              <a:rPr lang="en-US" sz="1200" kern="1200" dirty="0" err="1">
-                <a:solidFill>
-                  <a:schemeClr val="tx1"/>
-                </a:solidFill>
-                <a:effectLst/>
-                <a:latin typeface="+mn-lt"/>
-                <a:ea typeface="+mn-ea"/>
-                <a:cs typeface="+mn-cs"/>
-              </a:rPr>
-              <a:t>TeamID</a:t>
-            </a:r>
-            <a:r>
-              <a:rPr lang="en-US" sz="1200" kern="1200" dirty="0">
-                <a:solidFill>
-                  <a:schemeClr val="tx1"/>
-                </a:solidFill>
-                <a:effectLst/>
-                <a:latin typeface="+mn-lt"/>
-                <a:ea typeface="+mn-ea"/>
-                <a:cs typeface="+mn-cs"/>
-              </a:rPr>
-              <a:t> column.</a:t>
-            </a:r>
-          </a:p>
-          <a:p>
-            <a:pPr marL="171450" lvl="0" indent="-171450">
-              <a:buFont typeface="Arial" panose="020B0604020202020204" pitchFamily="34" charset="0"/>
-              <a:buChar char="•"/>
-            </a:pPr>
-            <a:r>
-              <a:rPr lang="en-US" sz="1200" kern="1200" dirty="0">
-                <a:solidFill>
-                  <a:schemeClr val="tx1"/>
-                </a:solidFill>
-                <a:effectLst/>
-                <a:latin typeface="+mn-lt"/>
-                <a:ea typeface="+mn-ea"/>
-                <a:cs typeface="+mn-cs"/>
-              </a:rPr>
-              <a:t>Write on the board a select statement with a left outer join between an Employee table and a Team table.  Both tables include a </a:t>
-            </a:r>
-            <a:r>
-              <a:rPr lang="en-US" sz="1200" kern="1200" dirty="0" err="1">
-                <a:solidFill>
-                  <a:schemeClr val="tx1"/>
-                </a:solidFill>
-                <a:effectLst/>
-                <a:latin typeface="+mn-lt"/>
-                <a:ea typeface="+mn-ea"/>
-                <a:cs typeface="+mn-cs"/>
-              </a:rPr>
-              <a:t>TeamID</a:t>
-            </a:r>
-            <a:r>
-              <a:rPr lang="en-US" sz="1200" kern="1200" dirty="0">
-                <a:solidFill>
-                  <a:schemeClr val="tx1"/>
-                </a:solidFill>
-                <a:effectLst/>
-                <a:latin typeface="+mn-lt"/>
-                <a:ea typeface="+mn-ea"/>
-                <a:cs typeface="+mn-cs"/>
-              </a:rPr>
-              <a:t> column.</a:t>
-            </a:r>
-          </a:p>
-          <a:p>
-            <a:pPr marL="171450" lvl="0" indent="-171450">
-              <a:buFont typeface="Arial" panose="020B0604020202020204" pitchFamily="34" charset="0"/>
-              <a:buChar char="•"/>
-            </a:pPr>
-            <a:r>
-              <a:rPr lang="en-US" sz="1200" kern="1200" dirty="0">
-                <a:solidFill>
-                  <a:schemeClr val="tx1"/>
-                </a:solidFill>
-                <a:effectLst/>
-                <a:latin typeface="+mn-lt"/>
-                <a:ea typeface="+mn-ea"/>
-                <a:cs typeface="+mn-cs"/>
-              </a:rPr>
-              <a:t>Write on the board a select statement with a right outer join between an Employee table and a Team table.  Both tables include a </a:t>
-            </a:r>
-            <a:r>
-              <a:rPr lang="en-US" sz="1200" kern="1200" dirty="0" err="1">
-                <a:solidFill>
-                  <a:schemeClr val="tx1"/>
-                </a:solidFill>
-                <a:effectLst/>
-                <a:latin typeface="+mn-lt"/>
-                <a:ea typeface="+mn-ea"/>
-                <a:cs typeface="+mn-cs"/>
-              </a:rPr>
-              <a:t>TeamID</a:t>
-            </a:r>
-            <a:r>
-              <a:rPr lang="en-US" sz="1200" kern="1200" dirty="0">
-                <a:solidFill>
-                  <a:schemeClr val="tx1"/>
-                </a:solidFill>
-                <a:effectLst/>
-                <a:latin typeface="+mn-lt"/>
-                <a:ea typeface="+mn-ea"/>
-                <a:cs typeface="+mn-cs"/>
-              </a:rPr>
-              <a:t> column.</a:t>
-            </a:r>
-          </a:p>
-          <a:p>
-            <a:pPr marL="457200" lvl="1" indent="0">
-              <a:buFont typeface="Arial" panose="020B0604020202020204" pitchFamily="34" charset="0"/>
-              <a:buNone/>
-            </a:pPr>
-            <a:endParaRPr lang="en-US" dirty="0"/>
+              <a:rPr lang="en-US" baseline="0" dirty="0"/>
+              <a:t>We are no longer returning a list, but a single class.</a:t>
+            </a:r>
           </a:p>
         </p:txBody>
       </p:sp>
@@ -6295,7 +5424,7 @@
           <a:bodyPr/>
           <a:lstStyle/>
           <a:p>
-            <a:fld id="{226FA58D-4B12-4E7B-A2FA-693CE3EACDFD}" type="slidenum">
+            <a:fld id="{90562276-63C7-43F9-8E9E-CFA137F6F839}" type="slidenum">
               <a:rPr lang="en-US" smtClean="0"/>
               <a:t>40</a:t>
             </a:fld>
@@ -6306,7 +5435,7 @@
     </p:spTree>
     <p:extLst>
       <p:ext uri="{BB962C8B-B14F-4D97-AF65-F5344CB8AC3E}">
-        <p14:creationId xmlns:p14="http://schemas.microsoft.com/office/powerpoint/2010/main" val="4215681617"/>
+        <p14:creationId xmlns:p14="http://schemas.microsoft.com/office/powerpoint/2010/main" val="2848673866"/>
       </p:ext>
     </p:extLst>
   </p:cSld>
@@ -6452,7 +5581,62 @@
               <a:buFont typeface="Arial" panose="020B0604020202020204" pitchFamily="34" charset="0"/>
               <a:buChar char="•"/>
             </a:pPr>
-            <a:endParaRPr lang="en-US" dirty="0"/>
+            <a:r>
+              <a:rPr lang="en-US" baseline="0" dirty="0"/>
+              <a:t>If we are running a query that does not return anything like an insert or update it looks like this.</a:t>
+            </a:r>
+          </a:p>
+          <a:p>
+            <a:pPr marL="171450" indent="-171450">
+              <a:buFont typeface="Arial" panose="020B0604020202020204" pitchFamily="34" charset="0"/>
+              <a:buChar char="•"/>
+            </a:pPr>
+            <a:r>
+              <a:rPr lang="en-US" baseline="0" dirty="0" err="1"/>
+              <a:t>dbConnection</a:t>
+            </a:r>
+            <a:r>
+              <a:rPr lang="en-US" baseline="0" dirty="0"/>
+              <a:t> is used with Execute.</a:t>
+            </a:r>
+          </a:p>
+          <a:p>
+            <a:pPr marL="171450" indent="-171450">
+              <a:buFont typeface="Arial" panose="020B0604020202020204" pitchFamily="34" charset="0"/>
+              <a:buChar char="•"/>
+            </a:pPr>
+            <a:r>
+              <a:rPr lang="en-US" baseline="0" dirty="0"/>
+              <a:t>It is not generic because there is nothing returned to convert to a class.</a:t>
+            </a:r>
+          </a:p>
+          <a:p>
+            <a:pPr marL="171450" indent="-171450">
+              <a:buFont typeface="Arial" panose="020B0604020202020204" pitchFamily="34" charset="0"/>
+              <a:buChar char="•"/>
+            </a:pPr>
+            <a:r>
+              <a:rPr lang="en-US" baseline="0" dirty="0"/>
+              <a:t>A </a:t>
+            </a:r>
+            <a:r>
+              <a:rPr lang="en-US" baseline="0" dirty="0" err="1"/>
+              <a:t>sql</a:t>
+            </a:r>
+            <a:r>
+              <a:rPr lang="en-US" baseline="0" dirty="0"/>
+              <a:t> statement is still passed in.</a:t>
+            </a:r>
+          </a:p>
+          <a:p>
+            <a:pPr marL="171450" indent="-171450">
+              <a:buFont typeface="Arial" panose="020B0604020202020204" pitchFamily="34" charset="0"/>
+              <a:buChar char="•"/>
+            </a:pPr>
+            <a:r>
+              <a:rPr lang="en-US" baseline="0" dirty="0"/>
+              <a:t>An anonymous type is still used to replace parameters with the necessary values.</a:t>
+            </a:r>
           </a:p>
         </p:txBody>
       </p:sp>
@@ -6471,7 +5655,7 @@
           <a:bodyPr/>
           <a:lstStyle/>
           <a:p>
-            <a:fld id="{226FA58D-4B12-4E7B-A2FA-693CE3EACDFD}" type="slidenum">
+            <a:fld id="{90562276-63C7-43F9-8E9E-CFA137F6F839}" type="slidenum">
               <a:rPr lang="en-US" smtClean="0"/>
               <a:t>41</a:t>
             </a:fld>
@@ -6482,7 +5666,7 @@
     </p:spTree>
     <p:extLst>
       <p:ext uri="{BB962C8B-B14F-4D97-AF65-F5344CB8AC3E}">
-        <p14:creationId xmlns:p14="http://schemas.microsoft.com/office/powerpoint/2010/main" val="1594265075"/>
+        <p14:creationId xmlns:p14="http://schemas.microsoft.com/office/powerpoint/2010/main" val="1134628711"/>
       </p:ext>
     </p:extLst>
   </p:cSld>
@@ -6540,6 +5724,394 @@
               <a:buFont typeface="Arial" panose="020B0604020202020204" pitchFamily="34" charset="0"/>
               <a:buChar char="•"/>
             </a:pPr>
+            <a:r>
+              <a:rPr lang="en-US" dirty="0"/>
+              <a:t>In order to make projects for our main components we will need to use CLI commands.</a:t>
+            </a:r>
+          </a:p>
+          <a:p>
+            <a:pPr marL="171450" indent="-171450">
+              <a:buFont typeface="Arial" panose="020B0604020202020204" pitchFamily="34" charset="0"/>
+              <a:buChar char="•"/>
+            </a:pPr>
+            <a:r>
+              <a:rPr lang="en-US" dirty="0" err="1"/>
+              <a:t>mkdir</a:t>
+            </a:r>
+            <a:r>
+              <a:rPr lang="en-US" baseline="0" dirty="0"/>
+              <a:t> creates a new directory on your computer.</a:t>
+            </a:r>
+          </a:p>
+          <a:p>
+            <a:pPr marL="171450" indent="-171450">
+              <a:buFont typeface="Arial" panose="020B0604020202020204" pitchFamily="34" charset="0"/>
+              <a:buChar char="•"/>
+            </a:pPr>
+            <a:r>
+              <a:rPr lang="en-US" baseline="0" dirty="0"/>
+              <a:t>cd changes the directory that you are currently in.</a:t>
+            </a:r>
+          </a:p>
+          <a:p>
+            <a:pPr marL="171450" indent="-171450">
+              <a:buFont typeface="Arial" panose="020B0604020202020204" pitchFamily="34" charset="0"/>
+              <a:buChar char="•"/>
+            </a:pPr>
+            <a:r>
+              <a:rPr lang="en-US" baseline="0" dirty="0" err="1"/>
+              <a:t>dotnet</a:t>
+            </a:r>
+            <a:r>
+              <a:rPr lang="en-US" baseline="0" dirty="0"/>
+              <a:t> new </a:t>
+            </a:r>
+            <a:r>
+              <a:rPr lang="en-US" baseline="0" dirty="0" err="1"/>
+              <a:t>classlib</a:t>
+            </a:r>
+            <a:r>
+              <a:rPr lang="en-US" baseline="0" dirty="0"/>
+              <a:t> – creates a new class library project.  This is what we use to create a new </a:t>
+            </a:r>
+            <a:r>
+              <a:rPr lang="en-US" baseline="0" dirty="0" err="1"/>
+              <a:t>.Net</a:t>
+            </a:r>
+            <a:r>
+              <a:rPr lang="en-US" baseline="0" dirty="0"/>
+              <a:t> project that is code only.</a:t>
+            </a:r>
+          </a:p>
+          <a:p>
+            <a:pPr marL="171450" indent="-171450">
+              <a:buFont typeface="Arial" panose="020B0604020202020204" pitchFamily="34" charset="0"/>
+              <a:buChar char="•"/>
+            </a:pPr>
+            <a:r>
+              <a:rPr lang="en-US" baseline="0" dirty="0" err="1"/>
+              <a:t>dotnet</a:t>
+            </a:r>
+            <a:r>
+              <a:rPr lang="en-US" baseline="0" dirty="0"/>
+              <a:t> new </a:t>
+            </a:r>
+            <a:r>
+              <a:rPr lang="en-US" baseline="0" dirty="0" err="1"/>
+              <a:t>webapi</a:t>
+            </a:r>
+            <a:r>
+              <a:rPr lang="en-US" baseline="0" dirty="0"/>
+              <a:t> – creates a new web </a:t>
+            </a:r>
+            <a:r>
+              <a:rPr lang="en-US" baseline="0" dirty="0" err="1"/>
+              <a:t>api</a:t>
+            </a:r>
+            <a:r>
+              <a:rPr lang="en-US" baseline="0" dirty="0"/>
+              <a:t> project.  This is what we use to create a new </a:t>
+            </a:r>
+            <a:r>
+              <a:rPr lang="en-US" baseline="0" dirty="0" err="1"/>
+              <a:t>.Net</a:t>
+            </a:r>
+            <a:r>
+              <a:rPr lang="en-US" baseline="0" dirty="0"/>
+              <a:t> project that will contain our web </a:t>
+            </a:r>
+            <a:r>
+              <a:rPr lang="en-US" baseline="0" dirty="0" err="1"/>
+              <a:t>api</a:t>
+            </a:r>
+            <a:r>
+              <a:rPr lang="en-US" baseline="0" dirty="0"/>
+              <a:t>.</a:t>
+            </a:r>
+          </a:p>
+          <a:p>
+            <a:pPr marL="171450" indent="-171450">
+              <a:buFont typeface="Arial" panose="020B0604020202020204" pitchFamily="34" charset="0"/>
+              <a:buChar char="•"/>
+            </a:pPr>
+            <a:r>
+              <a:rPr lang="en-US" baseline="0" dirty="0" err="1"/>
+              <a:t>dotnet</a:t>
+            </a:r>
+            <a:r>
+              <a:rPr lang="en-US" baseline="0" dirty="0"/>
+              <a:t> add reference – allows us to reference code from another project.  One project does not know about the other until a reference is added.</a:t>
+            </a:r>
+          </a:p>
+          <a:p>
+            <a:pPr marL="171450" indent="-171450">
+              <a:buFont typeface="Arial" panose="020B0604020202020204" pitchFamily="34" charset="0"/>
+              <a:buChar char="•"/>
+            </a:pPr>
+            <a:r>
+              <a:rPr lang="en-US" baseline="0" dirty="0" err="1"/>
+              <a:t>dotnet</a:t>
+            </a:r>
+            <a:r>
+              <a:rPr lang="en-US" baseline="0" dirty="0"/>
+              <a:t> add package – allows us to add a package to our code.  A package is created by someone and can be downloaded over the internet for use in your project.</a:t>
+            </a:r>
+          </a:p>
+          <a:p>
+            <a:pPr marL="171450" indent="-171450">
+              <a:buFont typeface="Arial" panose="020B0604020202020204" pitchFamily="34" charset="0"/>
+              <a:buChar char="•"/>
+            </a:pPr>
+            <a:r>
+              <a:rPr lang="en-US" baseline="0" dirty="0"/>
+              <a:t>We will be using two packages from the </a:t>
+            </a:r>
+            <a:r>
+              <a:rPr lang="en-US" baseline="0" dirty="0" err="1"/>
+              <a:t>Nuget</a:t>
+            </a:r>
+            <a:r>
+              <a:rPr lang="en-US" baseline="0" dirty="0"/>
+              <a:t> package manager which are Dapper and </a:t>
+            </a:r>
+            <a:r>
+              <a:rPr lang="en-US" baseline="0" dirty="0" err="1"/>
+              <a:t>MySql.Data</a:t>
+            </a:r>
+            <a:r>
+              <a:rPr lang="en-US" baseline="0" dirty="0"/>
+              <a:t>.</a:t>
+            </a:r>
+            <a:endParaRPr lang="en-US" dirty="0"/>
+          </a:p>
+        </p:txBody>
+      </p:sp>
+      <p:sp>
+        <p:nvSpPr>
+          <p:cNvPr id="4" name="Slide Number Placeholder 3"/>
+          <p:cNvSpPr>
+            <a:spLocks noGrp="1"/>
+          </p:cNvSpPr>
+          <p:nvPr>
+            <p:ph type="sldNum" sz="quarter" idx="10"/>
+          </p:nvPr>
+        </p:nvSpPr>
+        <p:spPr/>
+        <p:txBody>
+          <a:bodyPr/>
+          <a:lstStyle/>
+          <a:p>
+            <a:fld id="{8BFE51C4-C5AF-4BE3-9C14-3D5DA10766E2}" type="slidenum">
+              <a:rPr lang="en-US" smtClean="0"/>
+              <a:t>42</a:t>
+            </a:fld>
+            <a:endParaRPr lang="en-US"/>
+          </a:p>
+        </p:txBody>
+      </p:sp>
+    </p:spTree>
+    <p:extLst>
+      <p:ext uri="{BB962C8B-B14F-4D97-AF65-F5344CB8AC3E}">
+        <p14:creationId xmlns:p14="http://schemas.microsoft.com/office/powerpoint/2010/main" val="2106147533"/>
+      </p:ext>
+    </p:extLst>
+  </p:cSld>
+  <p:clrMapOvr>
+    <a:masterClrMapping/>
+  </p:clrMapOvr>
+</p:notes>
+</file>
+
+<file path=ppt/notesSlides/notesSlide42.xml><?xml version="1.0" encoding="utf-8"?>
+<p:notes xmlns:a="http://schemas.openxmlformats.org/drawingml/2006/main" xmlns:r="http://schemas.openxmlformats.org/officeDocument/2006/relationships" xmlns:p="http://schemas.openxmlformats.org/presentationml/2006/main">
+  <p:cSld>
+    <p:spTree>
+      <p:nvGrpSpPr>
+        <p:cNvPr id="1" name=""/>
+        <p:cNvGrpSpPr/>
+        <p:nvPr/>
+      </p:nvGrpSpPr>
+      <p:grpSpPr>
+        <a:xfrm>
+          <a:off x="0" y="0"/>
+          <a:ext cx="0" cy="0"/>
+          <a:chOff x="0" y="0"/>
+          <a:chExt cx="0" cy="0"/>
+        </a:xfrm>
+      </p:grpSpPr>
+      <p:sp>
+        <p:nvSpPr>
+          <p:cNvPr id="2" name="Slide Image Placeholder 1"/>
+          <p:cNvSpPr>
+            <a:spLocks noGrp="1" noRot="1" noChangeAspect="1"/>
+          </p:cNvSpPr>
+          <p:nvPr>
+            <p:ph type="sldImg"/>
+          </p:nvPr>
+        </p:nvSpPr>
+        <p:spPr/>
+      </p:sp>
+      <p:sp>
+        <p:nvSpPr>
+          <p:cNvPr id="3" name="Notes Placeholder 2"/>
+          <p:cNvSpPr>
+            <a:spLocks noGrp="1"/>
+          </p:cNvSpPr>
+          <p:nvPr>
+            <p:ph type="body" idx="1"/>
+          </p:nvPr>
+        </p:nvSpPr>
+        <p:spPr/>
+        <p:txBody>
+          <a:bodyPr/>
+          <a:lstStyle/>
+          <a:p>
+            <a:pPr marL="171450" indent="-171450">
+              <a:buFont typeface="Arial" panose="020B0604020202020204" pitchFamily="34" charset="0"/>
+              <a:buChar char="•"/>
+            </a:pPr>
+            <a:endParaRPr lang="en-US" dirty="0"/>
+          </a:p>
+        </p:txBody>
+      </p:sp>
+      <p:sp>
+        <p:nvSpPr>
+          <p:cNvPr id="4" name="Slide Number Placeholder 3"/>
+          <p:cNvSpPr>
+            <a:spLocks noGrp="1"/>
+          </p:cNvSpPr>
+          <p:nvPr>
+            <p:ph type="sldNum" sz="quarter" idx="10"/>
+          </p:nvPr>
+        </p:nvSpPr>
+        <p:spPr/>
+        <p:txBody>
+          <a:bodyPr/>
+          <a:lstStyle/>
+          <a:p>
+            <a:fld id="{347B1FF5-FCE8-499D-B296-D7493115F512}" type="slidenum">
+              <a:rPr lang="en-US" smtClean="0"/>
+              <a:t>43</a:t>
+            </a:fld>
+            <a:endParaRPr lang="en-US"/>
+          </a:p>
+        </p:txBody>
+      </p:sp>
+    </p:spTree>
+    <p:extLst>
+      <p:ext uri="{BB962C8B-B14F-4D97-AF65-F5344CB8AC3E}">
+        <p14:creationId xmlns:p14="http://schemas.microsoft.com/office/powerpoint/2010/main" val="135074158"/>
+      </p:ext>
+    </p:extLst>
+  </p:cSld>
+  <p:clrMapOvr>
+    <a:masterClrMapping/>
+  </p:clrMapOvr>
+</p:notes>
+</file>
+
+<file path=ppt/notesSlides/notesSlide43.xml><?xml version="1.0" encoding="utf-8"?>
+<p:notes xmlns:a="http://schemas.openxmlformats.org/drawingml/2006/main" xmlns:r="http://schemas.openxmlformats.org/officeDocument/2006/relationships" xmlns:p="http://schemas.openxmlformats.org/presentationml/2006/main">
+  <p:cSld>
+    <p:spTree>
+      <p:nvGrpSpPr>
+        <p:cNvPr id="1" name=""/>
+        <p:cNvGrpSpPr/>
+        <p:nvPr/>
+      </p:nvGrpSpPr>
+      <p:grpSpPr>
+        <a:xfrm>
+          <a:off x="0" y="0"/>
+          <a:ext cx="0" cy="0"/>
+          <a:chOff x="0" y="0"/>
+          <a:chExt cx="0" cy="0"/>
+        </a:xfrm>
+      </p:grpSpPr>
+      <p:sp>
+        <p:nvSpPr>
+          <p:cNvPr id="2" name="Slide Image Placeholder 1"/>
+          <p:cNvSpPr>
+            <a:spLocks noGrp="1" noRot="1" noChangeAspect="1"/>
+          </p:cNvSpPr>
+          <p:nvPr>
+            <p:ph type="sldImg"/>
+          </p:nvPr>
+        </p:nvSpPr>
+        <p:spPr/>
+      </p:sp>
+      <p:sp>
+        <p:nvSpPr>
+          <p:cNvPr id="3" name="Notes Placeholder 2"/>
+          <p:cNvSpPr>
+            <a:spLocks noGrp="1"/>
+          </p:cNvSpPr>
+          <p:nvPr>
+            <p:ph type="body" idx="1"/>
+          </p:nvPr>
+        </p:nvSpPr>
+        <p:spPr/>
+        <p:txBody>
+          <a:bodyPr/>
+          <a:lstStyle/>
+          <a:p>
+            <a:pPr marL="171450" lvl="0" indent="-171450">
+              <a:buFont typeface="Arial" panose="020B0604020202020204" pitchFamily="34" charset="0"/>
+              <a:buChar char="•"/>
+            </a:pPr>
+            <a:r>
+              <a:rPr lang="en-US" sz="1200" kern="1200" dirty="0">
+                <a:solidFill>
+                  <a:schemeClr val="tx1"/>
+                </a:solidFill>
+                <a:effectLst/>
+                <a:latin typeface="+mn-lt"/>
+                <a:ea typeface="+mn-ea"/>
+                <a:cs typeface="+mn-cs"/>
+              </a:rPr>
+              <a:t>What is the pattern used to map relational database tables to classes?</a:t>
+            </a:r>
+          </a:p>
+          <a:p>
+            <a:pPr marL="171450" lvl="0" indent="-171450">
+              <a:buFont typeface="Arial" panose="020B0604020202020204" pitchFamily="34" charset="0"/>
+              <a:buChar char="•"/>
+            </a:pPr>
+            <a:r>
+              <a:rPr lang="en-US" sz="1200" kern="1200" dirty="0">
+                <a:solidFill>
+                  <a:schemeClr val="tx1"/>
+                </a:solidFill>
+                <a:effectLst/>
+                <a:latin typeface="+mn-lt"/>
+                <a:ea typeface="+mn-ea"/>
+                <a:cs typeface="+mn-cs"/>
+              </a:rPr>
+              <a:t>What does ORM stand for?</a:t>
+            </a:r>
+          </a:p>
+          <a:p>
+            <a:pPr marL="171450" lvl="0" indent="-171450">
+              <a:buFont typeface="Arial" panose="020B0604020202020204" pitchFamily="34" charset="0"/>
+              <a:buChar char="•"/>
+            </a:pPr>
+            <a:r>
+              <a:rPr lang="en-US" sz="1200" kern="1200" dirty="0">
+                <a:solidFill>
+                  <a:schemeClr val="tx1"/>
+                </a:solidFill>
+                <a:effectLst/>
+                <a:latin typeface="+mn-lt"/>
+                <a:ea typeface="+mn-ea"/>
+                <a:cs typeface="+mn-cs"/>
+              </a:rPr>
+              <a:t>Name two ORM options.</a:t>
+            </a:r>
+          </a:p>
+          <a:p>
+            <a:pPr marL="457200" lvl="1" indent="0">
+              <a:buFont typeface="Arial" panose="020B0604020202020204" pitchFamily="34" charset="0"/>
+              <a:buNone/>
+            </a:pPr>
             <a:endParaRPr lang="en-US" dirty="0"/>
           </a:p>
         </p:txBody>
@@ -6561,7 +6133,1253 @@
           <a:p>
             <a:fld id="{226FA58D-4B12-4E7B-A2FA-693CE3EACDFD}" type="slidenum">
               <a:rPr lang="en-US" smtClean="0"/>
-              <a:t>42</a:t>
+              <a:t>44</a:t>
+            </a:fld>
+            <a:endParaRPr lang="en-US"/>
+          </a:p>
+        </p:txBody>
+      </p:sp>
+    </p:spTree>
+    <p:extLst>
+      <p:ext uri="{BB962C8B-B14F-4D97-AF65-F5344CB8AC3E}">
+        <p14:creationId xmlns:p14="http://schemas.microsoft.com/office/powerpoint/2010/main" val="537020023"/>
+      </p:ext>
+    </p:extLst>
+  </p:cSld>
+  <p:clrMapOvr>
+    <a:masterClrMapping/>
+  </p:clrMapOvr>
+</p:notes>
+</file>
+
+<file path=ppt/notesSlides/notesSlide44.xml><?xml version="1.0" encoding="utf-8"?>
+<p:notes xmlns:a="http://schemas.openxmlformats.org/drawingml/2006/main" xmlns:r="http://schemas.openxmlformats.org/officeDocument/2006/relationships" xmlns:p="http://schemas.openxmlformats.org/presentationml/2006/main">
+  <p:cSld>
+    <p:spTree>
+      <p:nvGrpSpPr>
+        <p:cNvPr id="1" name=""/>
+        <p:cNvGrpSpPr/>
+        <p:nvPr/>
+      </p:nvGrpSpPr>
+      <p:grpSpPr>
+        <a:xfrm>
+          <a:off x="0" y="0"/>
+          <a:ext cx="0" cy="0"/>
+          <a:chOff x="0" y="0"/>
+          <a:chExt cx="0" cy="0"/>
+        </a:xfrm>
+      </p:grpSpPr>
+      <p:sp>
+        <p:nvSpPr>
+          <p:cNvPr id="2" name="Slide Image Placeholder 1"/>
+          <p:cNvSpPr>
+            <a:spLocks noGrp="1" noRot="1" noChangeAspect="1"/>
+          </p:cNvSpPr>
+          <p:nvPr>
+            <p:ph type="sldImg"/>
+          </p:nvPr>
+        </p:nvSpPr>
+        <p:spPr/>
+      </p:sp>
+      <p:sp>
+        <p:nvSpPr>
+          <p:cNvPr id="3" name="Notes Placeholder 2"/>
+          <p:cNvSpPr>
+            <a:spLocks noGrp="1"/>
+          </p:cNvSpPr>
+          <p:nvPr>
+            <p:ph type="body" idx="1"/>
+          </p:nvPr>
+        </p:nvSpPr>
+        <p:spPr/>
+        <p:txBody>
+          <a:bodyPr/>
+          <a:lstStyle/>
+          <a:p>
+            <a:pPr marL="171450" indent="-171450">
+              <a:buFont typeface="Arial" panose="020B0604020202020204" pitchFamily="34" charset="0"/>
+              <a:buChar char="•"/>
+            </a:pPr>
+            <a:endParaRPr lang="en-US" dirty="0"/>
+          </a:p>
+        </p:txBody>
+      </p:sp>
+      <p:sp>
+        <p:nvSpPr>
+          <p:cNvPr id="4" name="Slide Number Placeholder 3"/>
+          <p:cNvSpPr>
+            <a:spLocks noGrp="1"/>
+          </p:cNvSpPr>
+          <p:nvPr>
+            <p:ph type="sldNum" sz="quarter" idx="10"/>
+          </p:nvPr>
+        </p:nvSpPr>
+        <p:spPr/>
+        <p:txBody>
+          <a:bodyPr/>
+          <a:lstStyle/>
+          <a:p>
+            <a:fld id="{226FA58D-4B12-4E7B-A2FA-693CE3EACDFD}" type="slidenum">
+              <a:rPr lang="en-US" smtClean="0"/>
+              <a:t>45</a:t>
+            </a:fld>
+            <a:endParaRPr lang="en-US"/>
+          </a:p>
+        </p:txBody>
+      </p:sp>
+    </p:spTree>
+    <p:extLst>
+      <p:ext uri="{BB962C8B-B14F-4D97-AF65-F5344CB8AC3E}">
+        <p14:creationId xmlns:p14="http://schemas.microsoft.com/office/powerpoint/2010/main" val="1145430475"/>
+      </p:ext>
+    </p:extLst>
+  </p:cSld>
+  <p:clrMapOvr>
+    <a:masterClrMapping/>
+  </p:clrMapOvr>
+</p:notes>
+</file>
+
+<file path=ppt/notesSlides/notesSlide45.xml><?xml version="1.0" encoding="utf-8"?>
+<p:notes xmlns:a="http://schemas.openxmlformats.org/drawingml/2006/main" xmlns:r="http://schemas.openxmlformats.org/officeDocument/2006/relationships" xmlns:p="http://schemas.openxmlformats.org/presentationml/2006/main">
+  <p:cSld>
+    <p:spTree>
+      <p:nvGrpSpPr>
+        <p:cNvPr id="1" name=""/>
+        <p:cNvGrpSpPr/>
+        <p:nvPr/>
+      </p:nvGrpSpPr>
+      <p:grpSpPr>
+        <a:xfrm>
+          <a:off x="0" y="0"/>
+          <a:ext cx="0" cy="0"/>
+          <a:chOff x="0" y="0"/>
+          <a:chExt cx="0" cy="0"/>
+        </a:xfrm>
+      </p:grpSpPr>
+      <p:sp>
+        <p:nvSpPr>
+          <p:cNvPr id="2" name="Slide Image Placeholder 1"/>
+          <p:cNvSpPr>
+            <a:spLocks noGrp="1" noRot="1" noChangeAspect="1"/>
+          </p:cNvSpPr>
+          <p:nvPr>
+            <p:ph type="sldImg"/>
+          </p:nvPr>
+        </p:nvSpPr>
+        <p:spPr/>
+      </p:sp>
+      <p:sp>
+        <p:nvSpPr>
+          <p:cNvPr id="3" name="Notes Placeholder 2"/>
+          <p:cNvSpPr>
+            <a:spLocks noGrp="1"/>
+          </p:cNvSpPr>
+          <p:nvPr>
+            <p:ph type="body" idx="1"/>
+          </p:nvPr>
+        </p:nvSpPr>
+        <p:spPr/>
+        <p:txBody>
+          <a:bodyPr/>
+          <a:lstStyle/>
+          <a:p>
+            <a:pPr marL="171450" lvl="0" indent="-171450">
+              <a:buFont typeface="Arial" panose="020B0604020202020204" pitchFamily="34" charset="0"/>
+              <a:buChar char="•"/>
+            </a:pPr>
+            <a:r>
+              <a:rPr lang="en-US" sz="1200" kern="1200" dirty="0">
+                <a:solidFill>
+                  <a:schemeClr val="tx1"/>
+                </a:solidFill>
+                <a:effectLst/>
+                <a:latin typeface="+mn-lt"/>
+                <a:ea typeface="+mn-ea"/>
+                <a:cs typeface="+mn-cs"/>
+              </a:rPr>
+              <a:t>Write on the board a select statement that selects </a:t>
+            </a:r>
+            <a:r>
+              <a:rPr lang="en-US" sz="1200" kern="1200" dirty="0" err="1">
+                <a:solidFill>
+                  <a:schemeClr val="tx1"/>
+                </a:solidFill>
+                <a:effectLst/>
+                <a:latin typeface="+mn-lt"/>
+                <a:ea typeface="+mn-ea"/>
+                <a:cs typeface="+mn-cs"/>
+              </a:rPr>
+              <a:t>FirstName</a:t>
+            </a:r>
+            <a:r>
+              <a:rPr lang="en-US" sz="1200" kern="1200" dirty="0">
+                <a:solidFill>
+                  <a:schemeClr val="tx1"/>
+                </a:solidFill>
+                <a:effectLst/>
+                <a:latin typeface="+mn-lt"/>
+                <a:ea typeface="+mn-ea"/>
+                <a:cs typeface="+mn-cs"/>
+              </a:rPr>
+              <a:t> and </a:t>
+            </a:r>
+            <a:r>
+              <a:rPr lang="en-US" sz="1200" kern="1200" dirty="0" err="1">
+                <a:solidFill>
+                  <a:schemeClr val="tx1"/>
+                </a:solidFill>
+                <a:effectLst/>
+                <a:latin typeface="+mn-lt"/>
+                <a:ea typeface="+mn-ea"/>
+                <a:cs typeface="+mn-cs"/>
+              </a:rPr>
+              <a:t>LastName</a:t>
+            </a:r>
+            <a:r>
+              <a:rPr lang="en-US" sz="1200" kern="1200" dirty="0">
+                <a:solidFill>
+                  <a:schemeClr val="tx1"/>
+                </a:solidFill>
+                <a:effectLst/>
+                <a:latin typeface="+mn-lt"/>
+                <a:ea typeface="+mn-ea"/>
+                <a:cs typeface="+mn-cs"/>
+              </a:rPr>
+              <a:t> columns of a table named employee.</a:t>
+            </a:r>
+          </a:p>
+          <a:p>
+            <a:pPr marL="171450" lvl="0" indent="-171450">
+              <a:buFont typeface="Arial" panose="020B0604020202020204" pitchFamily="34" charset="0"/>
+              <a:buChar char="•"/>
+            </a:pPr>
+            <a:r>
+              <a:rPr lang="en-US" sz="1200" kern="1200" dirty="0">
+                <a:solidFill>
+                  <a:schemeClr val="tx1"/>
+                </a:solidFill>
+                <a:effectLst/>
+                <a:latin typeface="+mn-lt"/>
+                <a:ea typeface="+mn-ea"/>
+                <a:cs typeface="+mn-cs"/>
+              </a:rPr>
+              <a:t>Write on the board a select statement that select </a:t>
+            </a:r>
+            <a:r>
+              <a:rPr lang="en-US" sz="1200" kern="1200" dirty="0" err="1">
+                <a:solidFill>
+                  <a:schemeClr val="tx1"/>
+                </a:solidFill>
+                <a:effectLst/>
+                <a:latin typeface="+mn-lt"/>
+                <a:ea typeface="+mn-ea"/>
+                <a:cs typeface="+mn-cs"/>
+              </a:rPr>
+              <a:t>FirstName</a:t>
+            </a:r>
+            <a:r>
+              <a:rPr lang="en-US" sz="1200" kern="1200" dirty="0">
+                <a:solidFill>
+                  <a:schemeClr val="tx1"/>
+                </a:solidFill>
+                <a:effectLst/>
+                <a:latin typeface="+mn-lt"/>
+                <a:ea typeface="+mn-ea"/>
+                <a:cs typeface="+mn-cs"/>
+              </a:rPr>
+              <a:t> and </a:t>
+            </a:r>
+            <a:r>
+              <a:rPr lang="en-US" sz="1200" kern="1200" dirty="0" err="1">
+                <a:solidFill>
+                  <a:schemeClr val="tx1"/>
+                </a:solidFill>
+                <a:effectLst/>
+                <a:latin typeface="+mn-lt"/>
+                <a:ea typeface="+mn-ea"/>
+                <a:cs typeface="+mn-cs"/>
+              </a:rPr>
+              <a:t>LastName</a:t>
+            </a:r>
+            <a:r>
+              <a:rPr lang="en-US" sz="1200" kern="1200" dirty="0">
+                <a:solidFill>
+                  <a:schemeClr val="tx1"/>
+                </a:solidFill>
+                <a:effectLst/>
+                <a:latin typeface="+mn-lt"/>
+                <a:ea typeface="+mn-ea"/>
+                <a:cs typeface="+mn-cs"/>
+              </a:rPr>
+              <a:t> columns of a table named employee where the </a:t>
+            </a:r>
+            <a:r>
+              <a:rPr lang="en-US" sz="1200" kern="1200" dirty="0" err="1">
+                <a:solidFill>
+                  <a:schemeClr val="tx1"/>
+                </a:solidFill>
+                <a:effectLst/>
+                <a:latin typeface="+mn-lt"/>
+                <a:ea typeface="+mn-ea"/>
+                <a:cs typeface="+mn-cs"/>
+              </a:rPr>
+              <a:t>EmployeeID</a:t>
+            </a:r>
+            <a:r>
+              <a:rPr lang="en-US" sz="1200" kern="1200" dirty="0">
+                <a:solidFill>
+                  <a:schemeClr val="tx1"/>
+                </a:solidFill>
+                <a:effectLst/>
+                <a:latin typeface="+mn-lt"/>
+                <a:ea typeface="+mn-ea"/>
+                <a:cs typeface="+mn-cs"/>
+              </a:rPr>
+              <a:t> equals 5.</a:t>
+            </a:r>
+          </a:p>
+          <a:p>
+            <a:pPr marL="171450" lvl="0" indent="-171450">
+              <a:buFont typeface="Arial" panose="020B0604020202020204" pitchFamily="34" charset="0"/>
+              <a:buChar char="•"/>
+            </a:pPr>
+            <a:r>
+              <a:rPr lang="en-US" sz="1200" kern="1200" dirty="0">
+                <a:solidFill>
+                  <a:schemeClr val="tx1"/>
+                </a:solidFill>
+                <a:effectLst/>
+                <a:latin typeface="+mn-lt"/>
+                <a:ea typeface="+mn-ea"/>
+                <a:cs typeface="+mn-cs"/>
+              </a:rPr>
+              <a:t>Write on the board a select statement that select </a:t>
+            </a:r>
+            <a:r>
+              <a:rPr lang="en-US" sz="1200" kern="1200" dirty="0" err="1">
+                <a:solidFill>
+                  <a:schemeClr val="tx1"/>
+                </a:solidFill>
+                <a:effectLst/>
+                <a:latin typeface="+mn-lt"/>
+                <a:ea typeface="+mn-ea"/>
+                <a:cs typeface="+mn-cs"/>
+              </a:rPr>
+              <a:t>FirstName</a:t>
+            </a:r>
+            <a:r>
+              <a:rPr lang="en-US" sz="1200" kern="1200" dirty="0">
+                <a:solidFill>
+                  <a:schemeClr val="tx1"/>
+                </a:solidFill>
+                <a:effectLst/>
+                <a:latin typeface="+mn-lt"/>
+                <a:ea typeface="+mn-ea"/>
+                <a:cs typeface="+mn-cs"/>
+              </a:rPr>
+              <a:t> and </a:t>
+            </a:r>
+            <a:r>
+              <a:rPr lang="en-US" sz="1200" kern="1200" dirty="0" err="1">
+                <a:solidFill>
+                  <a:schemeClr val="tx1"/>
+                </a:solidFill>
+                <a:effectLst/>
+                <a:latin typeface="+mn-lt"/>
+                <a:ea typeface="+mn-ea"/>
+                <a:cs typeface="+mn-cs"/>
+              </a:rPr>
+              <a:t>LastName</a:t>
+            </a:r>
+            <a:r>
+              <a:rPr lang="en-US" sz="1200" kern="1200" dirty="0">
+                <a:solidFill>
+                  <a:schemeClr val="tx1"/>
+                </a:solidFill>
+                <a:effectLst/>
+                <a:latin typeface="+mn-lt"/>
+                <a:ea typeface="+mn-ea"/>
+                <a:cs typeface="+mn-cs"/>
+              </a:rPr>
+              <a:t> columns of a table named employee where the </a:t>
+            </a:r>
+            <a:r>
+              <a:rPr lang="en-US" sz="1200" kern="1200" dirty="0" err="1">
+                <a:solidFill>
+                  <a:schemeClr val="tx1"/>
+                </a:solidFill>
+                <a:effectLst/>
+                <a:latin typeface="+mn-lt"/>
+                <a:ea typeface="+mn-ea"/>
+                <a:cs typeface="+mn-cs"/>
+              </a:rPr>
+              <a:t>FirstName</a:t>
+            </a:r>
+            <a:r>
+              <a:rPr lang="en-US" sz="1200" kern="1200" dirty="0">
+                <a:solidFill>
+                  <a:schemeClr val="tx1"/>
+                </a:solidFill>
+                <a:effectLst/>
+                <a:latin typeface="+mn-lt"/>
+                <a:ea typeface="+mn-ea"/>
+                <a:cs typeface="+mn-cs"/>
+              </a:rPr>
+              <a:t> equals Joe and </a:t>
+            </a:r>
+            <a:r>
+              <a:rPr lang="en-US" sz="1200" kern="1200" dirty="0" err="1">
+                <a:solidFill>
+                  <a:schemeClr val="tx1"/>
+                </a:solidFill>
+                <a:effectLst/>
+                <a:latin typeface="+mn-lt"/>
+                <a:ea typeface="+mn-ea"/>
+                <a:cs typeface="+mn-cs"/>
+              </a:rPr>
+              <a:t>LastName</a:t>
+            </a:r>
+            <a:r>
+              <a:rPr lang="en-US" sz="1200" kern="1200" dirty="0">
+                <a:solidFill>
+                  <a:schemeClr val="tx1"/>
+                </a:solidFill>
+                <a:effectLst/>
+                <a:latin typeface="+mn-lt"/>
+                <a:ea typeface="+mn-ea"/>
+                <a:cs typeface="+mn-cs"/>
+              </a:rPr>
+              <a:t> equals Smith.</a:t>
+            </a:r>
+          </a:p>
+          <a:p>
+            <a:pPr marL="171450" lvl="0" indent="-171450">
+              <a:buFont typeface="Arial" panose="020B0604020202020204" pitchFamily="34" charset="0"/>
+              <a:buChar char="•"/>
+            </a:pPr>
+            <a:r>
+              <a:rPr lang="en-US" sz="1200" kern="1200" dirty="0">
+                <a:solidFill>
+                  <a:schemeClr val="tx1"/>
+                </a:solidFill>
+                <a:effectLst/>
+                <a:latin typeface="+mn-lt"/>
+                <a:ea typeface="+mn-ea"/>
+                <a:cs typeface="+mn-cs"/>
+              </a:rPr>
+              <a:t>Write on the board an insert statement for a table named employee with columns </a:t>
+            </a:r>
+            <a:r>
+              <a:rPr lang="en-US" sz="1200" kern="1200" dirty="0" err="1">
+                <a:solidFill>
+                  <a:schemeClr val="tx1"/>
+                </a:solidFill>
+                <a:effectLst/>
+                <a:latin typeface="+mn-lt"/>
+                <a:ea typeface="+mn-ea"/>
+                <a:cs typeface="+mn-cs"/>
+              </a:rPr>
+              <a:t>EmployeeID</a:t>
+            </a:r>
+            <a:r>
+              <a:rPr lang="en-US" sz="1200" kern="1200" dirty="0">
+                <a:solidFill>
+                  <a:schemeClr val="tx1"/>
+                </a:solidFill>
+                <a:effectLst/>
+                <a:latin typeface="+mn-lt"/>
+                <a:ea typeface="+mn-ea"/>
+                <a:cs typeface="+mn-cs"/>
+              </a:rPr>
+              <a:t>, </a:t>
+            </a:r>
+            <a:r>
+              <a:rPr lang="en-US" sz="1200" kern="1200" dirty="0" err="1">
+                <a:solidFill>
+                  <a:schemeClr val="tx1"/>
+                </a:solidFill>
+                <a:effectLst/>
+                <a:latin typeface="+mn-lt"/>
+                <a:ea typeface="+mn-ea"/>
+                <a:cs typeface="+mn-cs"/>
+              </a:rPr>
+              <a:t>FirstName</a:t>
+            </a:r>
+            <a:r>
+              <a:rPr lang="en-US" sz="1200" kern="1200" dirty="0">
+                <a:solidFill>
+                  <a:schemeClr val="tx1"/>
+                </a:solidFill>
+                <a:effectLst/>
+                <a:latin typeface="+mn-lt"/>
+                <a:ea typeface="+mn-ea"/>
+                <a:cs typeface="+mn-cs"/>
+              </a:rPr>
+              <a:t>, and </a:t>
+            </a:r>
+            <a:r>
+              <a:rPr lang="en-US" sz="1200" kern="1200" dirty="0" err="1">
+                <a:solidFill>
+                  <a:schemeClr val="tx1"/>
+                </a:solidFill>
+                <a:effectLst/>
+                <a:latin typeface="+mn-lt"/>
+                <a:ea typeface="+mn-ea"/>
+                <a:cs typeface="+mn-cs"/>
+              </a:rPr>
+              <a:t>LastName</a:t>
+            </a:r>
+            <a:r>
+              <a:rPr lang="en-US" sz="1200" kern="1200" dirty="0">
+                <a:solidFill>
+                  <a:schemeClr val="tx1"/>
+                </a:solidFill>
+                <a:effectLst/>
+                <a:latin typeface="+mn-lt"/>
+                <a:ea typeface="+mn-ea"/>
+                <a:cs typeface="+mn-cs"/>
+              </a:rPr>
+              <a:t>.  </a:t>
+            </a:r>
+            <a:r>
+              <a:rPr lang="en-US" sz="1200" kern="1200" dirty="0" err="1">
+                <a:solidFill>
+                  <a:schemeClr val="tx1"/>
+                </a:solidFill>
+                <a:effectLst/>
+                <a:latin typeface="+mn-lt"/>
+                <a:ea typeface="+mn-ea"/>
+                <a:cs typeface="+mn-cs"/>
+              </a:rPr>
+              <a:t>EmployeeID</a:t>
+            </a:r>
+            <a:r>
+              <a:rPr lang="en-US" sz="1200" kern="1200" dirty="0">
+                <a:solidFill>
+                  <a:schemeClr val="tx1"/>
+                </a:solidFill>
+                <a:effectLst/>
+                <a:latin typeface="+mn-lt"/>
+                <a:ea typeface="+mn-ea"/>
+                <a:cs typeface="+mn-cs"/>
+              </a:rPr>
+              <a:t> is auto incrementing.</a:t>
+            </a:r>
+          </a:p>
+          <a:p>
+            <a:pPr marL="171450" lvl="0" indent="-171450">
+              <a:buFont typeface="Arial" panose="020B0604020202020204" pitchFamily="34" charset="0"/>
+              <a:buChar char="•"/>
+            </a:pPr>
+            <a:r>
+              <a:rPr lang="en-US" sz="1200" kern="1200" dirty="0">
+                <a:solidFill>
+                  <a:schemeClr val="tx1"/>
+                </a:solidFill>
+                <a:effectLst/>
+                <a:latin typeface="+mn-lt"/>
+                <a:ea typeface="+mn-ea"/>
+                <a:cs typeface="+mn-cs"/>
+              </a:rPr>
+              <a:t>Write on the board an insert statement for a table named employee with columns </a:t>
+            </a:r>
+            <a:r>
+              <a:rPr lang="en-US" sz="1200" kern="1200" dirty="0" err="1">
+                <a:solidFill>
+                  <a:schemeClr val="tx1"/>
+                </a:solidFill>
+                <a:effectLst/>
+                <a:latin typeface="+mn-lt"/>
+                <a:ea typeface="+mn-ea"/>
+                <a:cs typeface="+mn-cs"/>
+              </a:rPr>
+              <a:t>EmployeeID</a:t>
+            </a:r>
+            <a:r>
+              <a:rPr lang="en-US" sz="1200" kern="1200" dirty="0">
+                <a:solidFill>
+                  <a:schemeClr val="tx1"/>
+                </a:solidFill>
+                <a:effectLst/>
+                <a:latin typeface="+mn-lt"/>
+                <a:ea typeface="+mn-ea"/>
+                <a:cs typeface="+mn-cs"/>
+              </a:rPr>
+              <a:t>, </a:t>
+            </a:r>
+            <a:r>
+              <a:rPr lang="en-US" sz="1200" kern="1200" dirty="0" err="1">
+                <a:solidFill>
+                  <a:schemeClr val="tx1"/>
+                </a:solidFill>
+                <a:effectLst/>
+                <a:latin typeface="+mn-lt"/>
+                <a:ea typeface="+mn-ea"/>
+                <a:cs typeface="+mn-cs"/>
+              </a:rPr>
+              <a:t>FirstName</a:t>
+            </a:r>
+            <a:r>
+              <a:rPr lang="en-US" sz="1200" kern="1200" dirty="0">
+                <a:solidFill>
+                  <a:schemeClr val="tx1"/>
+                </a:solidFill>
+                <a:effectLst/>
+                <a:latin typeface="+mn-lt"/>
+                <a:ea typeface="+mn-ea"/>
+                <a:cs typeface="+mn-cs"/>
+              </a:rPr>
+              <a:t>, and </a:t>
+            </a:r>
+            <a:r>
+              <a:rPr lang="en-US" sz="1200" kern="1200" dirty="0" err="1">
+                <a:solidFill>
+                  <a:schemeClr val="tx1"/>
+                </a:solidFill>
+                <a:effectLst/>
+                <a:latin typeface="+mn-lt"/>
+                <a:ea typeface="+mn-ea"/>
+                <a:cs typeface="+mn-cs"/>
+              </a:rPr>
+              <a:t>LastName</a:t>
+            </a:r>
+            <a:r>
+              <a:rPr lang="en-US" sz="1200" kern="1200" dirty="0">
+                <a:solidFill>
+                  <a:schemeClr val="tx1"/>
+                </a:solidFill>
+                <a:effectLst/>
+                <a:latin typeface="+mn-lt"/>
+                <a:ea typeface="+mn-ea"/>
+                <a:cs typeface="+mn-cs"/>
+              </a:rPr>
+              <a:t>.  </a:t>
+            </a:r>
+            <a:r>
+              <a:rPr lang="en-US" sz="1200" kern="1200" dirty="0" err="1">
+                <a:solidFill>
+                  <a:schemeClr val="tx1"/>
+                </a:solidFill>
+                <a:effectLst/>
+                <a:latin typeface="+mn-lt"/>
+                <a:ea typeface="+mn-ea"/>
+                <a:cs typeface="+mn-cs"/>
+              </a:rPr>
+              <a:t>EmployeeID</a:t>
+            </a:r>
+            <a:r>
+              <a:rPr lang="en-US" sz="1200" kern="1200" dirty="0">
+                <a:solidFill>
+                  <a:schemeClr val="tx1"/>
+                </a:solidFill>
+                <a:effectLst/>
+                <a:latin typeface="+mn-lt"/>
+                <a:ea typeface="+mn-ea"/>
+                <a:cs typeface="+mn-cs"/>
+              </a:rPr>
+              <a:t> is auto incrementing.  Insert multiple records.</a:t>
+            </a:r>
+          </a:p>
+          <a:p>
+            <a:pPr marL="171450" lvl="0" indent="-171450">
+              <a:buFont typeface="Arial" panose="020B0604020202020204" pitchFamily="34" charset="0"/>
+              <a:buChar char="•"/>
+            </a:pPr>
+            <a:r>
+              <a:rPr lang="en-US" sz="1200" kern="1200" dirty="0">
+                <a:solidFill>
+                  <a:schemeClr val="tx1"/>
+                </a:solidFill>
+                <a:effectLst/>
+                <a:latin typeface="+mn-lt"/>
+                <a:ea typeface="+mn-ea"/>
+                <a:cs typeface="+mn-cs"/>
+              </a:rPr>
+              <a:t>Write on the board an update statement that updates </a:t>
+            </a:r>
+            <a:r>
+              <a:rPr lang="en-US" sz="1200" kern="1200" dirty="0" err="1">
+                <a:solidFill>
+                  <a:schemeClr val="tx1"/>
+                </a:solidFill>
+                <a:effectLst/>
+                <a:latin typeface="+mn-lt"/>
+                <a:ea typeface="+mn-ea"/>
+                <a:cs typeface="+mn-cs"/>
+              </a:rPr>
+              <a:t>FirstName</a:t>
+            </a:r>
+            <a:r>
+              <a:rPr lang="en-US" sz="1200" kern="1200" dirty="0">
+                <a:solidFill>
+                  <a:schemeClr val="tx1"/>
+                </a:solidFill>
+                <a:effectLst/>
+                <a:latin typeface="+mn-lt"/>
+                <a:ea typeface="+mn-ea"/>
+                <a:cs typeface="+mn-cs"/>
+              </a:rPr>
+              <a:t> equal to Tim and </a:t>
+            </a:r>
+            <a:r>
+              <a:rPr lang="en-US" sz="1200" kern="1200" dirty="0" err="1">
+                <a:solidFill>
+                  <a:schemeClr val="tx1"/>
+                </a:solidFill>
+                <a:effectLst/>
+                <a:latin typeface="+mn-lt"/>
+                <a:ea typeface="+mn-ea"/>
+                <a:cs typeface="+mn-cs"/>
+              </a:rPr>
+              <a:t>LastName</a:t>
+            </a:r>
+            <a:r>
+              <a:rPr lang="en-US" sz="1200" kern="1200" dirty="0">
+                <a:solidFill>
+                  <a:schemeClr val="tx1"/>
+                </a:solidFill>
+                <a:effectLst/>
+                <a:latin typeface="+mn-lt"/>
+                <a:ea typeface="+mn-ea"/>
+                <a:cs typeface="+mn-cs"/>
+              </a:rPr>
+              <a:t> equal to Grant columns of a table named employee where the </a:t>
+            </a:r>
+            <a:r>
+              <a:rPr lang="en-US" sz="1200" kern="1200" dirty="0" err="1">
+                <a:solidFill>
+                  <a:schemeClr val="tx1"/>
+                </a:solidFill>
+                <a:effectLst/>
+                <a:latin typeface="+mn-lt"/>
+                <a:ea typeface="+mn-ea"/>
+                <a:cs typeface="+mn-cs"/>
+              </a:rPr>
+              <a:t>FirstName</a:t>
+            </a:r>
+            <a:r>
+              <a:rPr lang="en-US" sz="1200" kern="1200" dirty="0">
+                <a:solidFill>
+                  <a:schemeClr val="tx1"/>
+                </a:solidFill>
+                <a:effectLst/>
+                <a:latin typeface="+mn-lt"/>
+                <a:ea typeface="+mn-ea"/>
+                <a:cs typeface="+mn-cs"/>
+              </a:rPr>
+              <a:t> equals Joe and </a:t>
+            </a:r>
+            <a:r>
+              <a:rPr lang="en-US" sz="1200" kern="1200" dirty="0" err="1">
+                <a:solidFill>
+                  <a:schemeClr val="tx1"/>
+                </a:solidFill>
+                <a:effectLst/>
+                <a:latin typeface="+mn-lt"/>
+                <a:ea typeface="+mn-ea"/>
+                <a:cs typeface="+mn-cs"/>
+              </a:rPr>
+              <a:t>LastName</a:t>
+            </a:r>
+            <a:r>
+              <a:rPr lang="en-US" sz="1200" kern="1200" dirty="0">
+                <a:solidFill>
+                  <a:schemeClr val="tx1"/>
+                </a:solidFill>
+                <a:effectLst/>
+                <a:latin typeface="+mn-lt"/>
+                <a:ea typeface="+mn-ea"/>
+                <a:cs typeface="+mn-cs"/>
+              </a:rPr>
+              <a:t> equals Smith.</a:t>
+            </a:r>
+          </a:p>
+          <a:p>
+            <a:pPr marL="171450" lvl="0" indent="-171450">
+              <a:buFont typeface="Arial" panose="020B0604020202020204" pitchFamily="34" charset="0"/>
+              <a:buChar char="•"/>
+            </a:pPr>
+            <a:r>
+              <a:rPr lang="en-US" sz="1200" kern="1200" dirty="0">
+                <a:solidFill>
+                  <a:schemeClr val="tx1"/>
+                </a:solidFill>
+                <a:effectLst/>
+                <a:latin typeface="+mn-lt"/>
+                <a:ea typeface="+mn-ea"/>
+                <a:cs typeface="+mn-cs"/>
+              </a:rPr>
+              <a:t>Write on the board a delete statement that deletes records of a table named employee where the </a:t>
+            </a:r>
+            <a:r>
+              <a:rPr lang="en-US" sz="1200" kern="1200" dirty="0" err="1">
+                <a:solidFill>
+                  <a:schemeClr val="tx1"/>
+                </a:solidFill>
+                <a:effectLst/>
+                <a:latin typeface="+mn-lt"/>
+                <a:ea typeface="+mn-ea"/>
+                <a:cs typeface="+mn-cs"/>
+              </a:rPr>
+              <a:t>EmployeeID</a:t>
+            </a:r>
+            <a:r>
+              <a:rPr lang="en-US" sz="1200" kern="1200" dirty="0">
+                <a:solidFill>
+                  <a:schemeClr val="tx1"/>
+                </a:solidFill>
+                <a:effectLst/>
+                <a:latin typeface="+mn-lt"/>
+                <a:ea typeface="+mn-ea"/>
+                <a:cs typeface="+mn-cs"/>
+              </a:rPr>
+              <a:t> equals 5.</a:t>
+            </a:r>
+          </a:p>
+          <a:p>
+            <a:pPr marL="171450" lvl="0" indent="-171450">
+              <a:buFont typeface="Arial" panose="020B0604020202020204" pitchFamily="34" charset="0"/>
+              <a:buChar char="•"/>
+            </a:pPr>
+            <a:r>
+              <a:rPr lang="en-US" sz="1200" kern="1200" dirty="0">
+                <a:solidFill>
+                  <a:schemeClr val="tx1"/>
+                </a:solidFill>
+                <a:effectLst/>
+                <a:latin typeface="+mn-lt"/>
+                <a:ea typeface="+mn-ea"/>
+                <a:cs typeface="+mn-cs"/>
+              </a:rPr>
+              <a:t>Write on the board a create statement that creates a table named Employee with an </a:t>
+            </a:r>
+            <a:r>
+              <a:rPr lang="en-US" sz="1200" kern="1200" dirty="0" err="1">
+                <a:solidFill>
+                  <a:schemeClr val="tx1"/>
+                </a:solidFill>
+                <a:effectLst/>
+                <a:latin typeface="+mn-lt"/>
+                <a:ea typeface="+mn-ea"/>
+                <a:cs typeface="+mn-cs"/>
+              </a:rPr>
+              <a:t>EmployeeID</a:t>
+            </a:r>
+            <a:r>
+              <a:rPr lang="en-US" sz="1200" kern="1200" dirty="0">
+                <a:solidFill>
+                  <a:schemeClr val="tx1"/>
+                </a:solidFill>
+                <a:effectLst/>
+                <a:latin typeface="+mn-lt"/>
+                <a:ea typeface="+mn-ea"/>
+                <a:cs typeface="+mn-cs"/>
+              </a:rPr>
+              <a:t>, </a:t>
+            </a:r>
+            <a:r>
+              <a:rPr lang="en-US" sz="1200" kern="1200" dirty="0" err="1">
+                <a:solidFill>
+                  <a:schemeClr val="tx1"/>
+                </a:solidFill>
+                <a:effectLst/>
+                <a:latin typeface="+mn-lt"/>
+                <a:ea typeface="+mn-ea"/>
+                <a:cs typeface="+mn-cs"/>
+              </a:rPr>
+              <a:t>FirstName</a:t>
+            </a:r>
+            <a:r>
+              <a:rPr lang="en-US" sz="1200" kern="1200" dirty="0">
+                <a:solidFill>
+                  <a:schemeClr val="tx1"/>
+                </a:solidFill>
+                <a:effectLst/>
+                <a:latin typeface="+mn-lt"/>
+                <a:ea typeface="+mn-ea"/>
+                <a:cs typeface="+mn-cs"/>
+              </a:rPr>
+              <a:t>, and </a:t>
+            </a:r>
+            <a:r>
+              <a:rPr lang="en-US" sz="1200" kern="1200" dirty="0" err="1">
+                <a:solidFill>
+                  <a:schemeClr val="tx1"/>
+                </a:solidFill>
+                <a:effectLst/>
+                <a:latin typeface="+mn-lt"/>
+                <a:ea typeface="+mn-ea"/>
+                <a:cs typeface="+mn-cs"/>
+              </a:rPr>
+              <a:t>LastName</a:t>
+            </a:r>
+            <a:r>
+              <a:rPr lang="en-US" sz="1200" kern="1200" dirty="0">
+                <a:solidFill>
+                  <a:schemeClr val="tx1"/>
+                </a:solidFill>
+                <a:effectLst/>
+                <a:latin typeface="+mn-lt"/>
+                <a:ea typeface="+mn-ea"/>
+                <a:cs typeface="+mn-cs"/>
+              </a:rPr>
+              <a:t> column with an auto incrementing primary key for the </a:t>
+            </a:r>
+            <a:r>
+              <a:rPr lang="en-US" sz="1200" kern="1200" dirty="0" err="1">
+                <a:solidFill>
+                  <a:schemeClr val="tx1"/>
+                </a:solidFill>
+                <a:effectLst/>
+                <a:latin typeface="+mn-lt"/>
+                <a:ea typeface="+mn-ea"/>
+                <a:cs typeface="+mn-cs"/>
+              </a:rPr>
+              <a:t>EmployeeID</a:t>
+            </a:r>
+            <a:r>
+              <a:rPr lang="en-US" sz="1200" kern="1200" dirty="0">
+                <a:solidFill>
+                  <a:schemeClr val="tx1"/>
+                </a:solidFill>
+                <a:effectLst/>
+                <a:latin typeface="+mn-lt"/>
+                <a:ea typeface="+mn-ea"/>
+                <a:cs typeface="+mn-cs"/>
+              </a:rPr>
+              <a:t>.</a:t>
+            </a:r>
+          </a:p>
+          <a:p>
+            <a:pPr marL="171450" lvl="0" indent="-171450">
+              <a:buFont typeface="Arial" panose="020B0604020202020204" pitchFamily="34" charset="0"/>
+              <a:buChar char="•"/>
+            </a:pPr>
+            <a:r>
+              <a:rPr lang="en-US" sz="1200" kern="1200" dirty="0">
+                <a:solidFill>
+                  <a:schemeClr val="tx1"/>
+                </a:solidFill>
+                <a:effectLst/>
+                <a:latin typeface="+mn-lt"/>
+                <a:ea typeface="+mn-ea"/>
+                <a:cs typeface="+mn-cs"/>
+              </a:rPr>
+              <a:t>Write on the board a select statement with an inner join between an Employee table and a Team table.  Both tables include a </a:t>
+            </a:r>
+            <a:r>
+              <a:rPr lang="en-US" sz="1200" kern="1200" dirty="0" err="1">
+                <a:solidFill>
+                  <a:schemeClr val="tx1"/>
+                </a:solidFill>
+                <a:effectLst/>
+                <a:latin typeface="+mn-lt"/>
+                <a:ea typeface="+mn-ea"/>
+                <a:cs typeface="+mn-cs"/>
+              </a:rPr>
+              <a:t>TeamID</a:t>
+            </a:r>
+            <a:r>
+              <a:rPr lang="en-US" sz="1200" kern="1200" dirty="0">
+                <a:solidFill>
+                  <a:schemeClr val="tx1"/>
+                </a:solidFill>
+                <a:effectLst/>
+                <a:latin typeface="+mn-lt"/>
+                <a:ea typeface="+mn-ea"/>
+                <a:cs typeface="+mn-cs"/>
+              </a:rPr>
+              <a:t> column.</a:t>
+            </a:r>
+          </a:p>
+          <a:p>
+            <a:pPr marL="171450" lvl="0" indent="-171450">
+              <a:buFont typeface="Arial" panose="020B0604020202020204" pitchFamily="34" charset="0"/>
+              <a:buChar char="•"/>
+            </a:pPr>
+            <a:r>
+              <a:rPr lang="en-US" sz="1200" kern="1200" dirty="0">
+                <a:solidFill>
+                  <a:schemeClr val="tx1"/>
+                </a:solidFill>
+                <a:effectLst/>
+                <a:latin typeface="+mn-lt"/>
+                <a:ea typeface="+mn-ea"/>
+                <a:cs typeface="+mn-cs"/>
+              </a:rPr>
+              <a:t>Write on the board a select statement with a left outer join between an Employee table and a Team table.  Both tables include a </a:t>
+            </a:r>
+            <a:r>
+              <a:rPr lang="en-US" sz="1200" kern="1200" dirty="0" err="1">
+                <a:solidFill>
+                  <a:schemeClr val="tx1"/>
+                </a:solidFill>
+                <a:effectLst/>
+                <a:latin typeface="+mn-lt"/>
+                <a:ea typeface="+mn-ea"/>
+                <a:cs typeface="+mn-cs"/>
+              </a:rPr>
+              <a:t>TeamID</a:t>
+            </a:r>
+            <a:r>
+              <a:rPr lang="en-US" sz="1200" kern="1200" dirty="0">
+                <a:solidFill>
+                  <a:schemeClr val="tx1"/>
+                </a:solidFill>
+                <a:effectLst/>
+                <a:latin typeface="+mn-lt"/>
+                <a:ea typeface="+mn-ea"/>
+                <a:cs typeface="+mn-cs"/>
+              </a:rPr>
+              <a:t> column.</a:t>
+            </a:r>
+          </a:p>
+          <a:p>
+            <a:pPr marL="171450" lvl="0" indent="-171450">
+              <a:buFont typeface="Arial" panose="020B0604020202020204" pitchFamily="34" charset="0"/>
+              <a:buChar char="•"/>
+            </a:pPr>
+            <a:r>
+              <a:rPr lang="en-US" sz="1200" kern="1200" dirty="0">
+                <a:solidFill>
+                  <a:schemeClr val="tx1"/>
+                </a:solidFill>
+                <a:effectLst/>
+                <a:latin typeface="+mn-lt"/>
+                <a:ea typeface="+mn-ea"/>
+                <a:cs typeface="+mn-cs"/>
+              </a:rPr>
+              <a:t>Write on the board a select statement with a right outer join between an Employee table and a Team table.  Both tables include a </a:t>
+            </a:r>
+            <a:r>
+              <a:rPr lang="en-US" sz="1200" kern="1200" dirty="0" err="1">
+                <a:solidFill>
+                  <a:schemeClr val="tx1"/>
+                </a:solidFill>
+                <a:effectLst/>
+                <a:latin typeface="+mn-lt"/>
+                <a:ea typeface="+mn-ea"/>
+                <a:cs typeface="+mn-cs"/>
+              </a:rPr>
+              <a:t>TeamID</a:t>
+            </a:r>
+            <a:r>
+              <a:rPr lang="en-US" sz="1200" kern="1200" dirty="0">
+                <a:solidFill>
+                  <a:schemeClr val="tx1"/>
+                </a:solidFill>
+                <a:effectLst/>
+                <a:latin typeface="+mn-lt"/>
+                <a:ea typeface="+mn-ea"/>
+                <a:cs typeface="+mn-cs"/>
+              </a:rPr>
+              <a:t> column.</a:t>
+            </a:r>
+          </a:p>
+          <a:p>
+            <a:pPr marL="457200" lvl="1" indent="0">
+              <a:buFont typeface="Arial" panose="020B0604020202020204" pitchFamily="34" charset="0"/>
+              <a:buNone/>
+            </a:pPr>
+            <a:endParaRPr lang="en-US" dirty="0"/>
+          </a:p>
+        </p:txBody>
+      </p:sp>
+      <p:sp>
+        <p:nvSpPr>
+          <p:cNvPr id="4" name="Slide Number Placeholder 3"/>
+          <p:cNvSpPr>
+            <a:spLocks noGrp="1"/>
+          </p:cNvSpPr>
+          <p:nvPr>
+            <p:ph type="sldNum" sz="quarter" idx="10"/>
+          </p:nvPr>
+        </p:nvSpPr>
+        <p:spPr/>
+        <p:txBody>
+          <a:bodyPr/>
+          <a:lstStyle/>
+          <a:p>
+            <a:fld id="{226FA58D-4B12-4E7B-A2FA-693CE3EACDFD}" type="slidenum">
+              <a:rPr lang="en-US" smtClean="0"/>
+              <a:t>46</a:t>
+            </a:fld>
+            <a:endParaRPr lang="en-US"/>
+          </a:p>
+        </p:txBody>
+      </p:sp>
+    </p:spTree>
+    <p:extLst>
+      <p:ext uri="{BB962C8B-B14F-4D97-AF65-F5344CB8AC3E}">
+        <p14:creationId xmlns:p14="http://schemas.microsoft.com/office/powerpoint/2010/main" val="4215681617"/>
+      </p:ext>
+    </p:extLst>
+  </p:cSld>
+  <p:clrMapOvr>
+    <a:masterClrMapping/>
+  </p:clrMapOvr>
+</p:notes>
+</file>
+
+<file path=ppt/notesSlides/notesSlide46.xml><?xml version="1.0" encoding="utf-8"?>
+<p:notes xmlns:a="http://schemas.openxmlformats.org/drawingml/2006/main" xmlns:r="http://schemas.openxmlformats.org/officeDocument/2006/relationships" xmlns:p="http://schemas.openxmlformats.org/presentationml/2006/main">
+  <p:cSld>
+    <p:spTree>
+      <p:nvGrpSpPr>
+        <p:cNvPr id="1" name=""/>
+        <p:cNvGrpSpPr/>
+        <p:nvPr/>
+      </p:nvGrpSpPr>
+      <p:grpSpPr>
+        <a:xfrm>
+          <a:off x="0" y="0"/>
+          <a:ext cx="0" cy="0"/>
+          <a:chOff x="0" y="0"/>
+          <a:chExt cx="0" cy="0"/>
+        </a:xfrm>
+      </p:grpSpPr>
+      <p:sp>
+        <p:nvSpPr>
+          <p:cNvPr id="2" name="Slide Image Placeholder 1"/>
+          <p:cNvSpPr>
+            <a:spLocks noGrp="1" noRot="1" noChangeAspect="1"/>
+          </p:cNvSpPr>
+          <p:nvPr>
+            <p:ph type="sldImg"/>
+          </p:nvPr>
+        </p:nvSpPr>
+        <p:spPr/>
+      </p:sp>
+      <p:sp>
+        <p:nvSpPr>
+          <p:cNvPr id="3" name="Notes Placeholder 2"/>
+          <p:cNvSpPr>
+            <a:spLocks noGrp="1"/>
+          </p:cNvSpPr>
+          <p:nvPr>
+            <p:ph type="body" idx="1"/>
+          </p:nvPr>
+        </p:nvSpPr>
+        <p:spPr/>
+        <p:txBody>
+          <a:bodyPr/>
+          <a:lstStyle/>
+          <a:p>
+            <a:pPr marL="171450" indent="-171450">
+              <a:buFont typeface="Arial" panose="020B0604020202020204" pitchFamily="34" charset="0"/>
+              <a:buChar char="•"/>
+            </a:pPr>
+            <a:endParaRPr lang="en-US" dirty="0"/>
+          </a:p>
+        </p:txBody>
+      </p:sp>
+      <p:sp>
+        <p:nvSpPr>
+          <p:cNvPr id="4" name="Slide Number Placeholder 3"/>
+          <p:cNvSpPr>
+            <a:spLocks noGrp="1"/>
+          </p:cNvSpPr>
+          <p:nvPr>
+            <p:ph type="sldNum" sz="quarter" idx="10"/>
+          </p:nvPr>
+        </p:nvSpPr>
+        <p:spPr/>
+        <p:txBody>
+          <a:bodyPr/>
+          <a:lstStyle/>
+          <a:p>
+            <a:fld id="{226FA58D-4B12-4E7B-A2FA-693CE3EACDFD}" type="slidenum">
+              <a:rPr lang="en-US" smtClean="0"/>
+              <a:t>47</a:t>
+            </a:fld>
+            <a:endParaRPr lang="en-US"/>
+          </a:p>
+        </p:txBody>
+      </p:sp>
+    </p:spTree>
+    <p:extLst>
+      <p:ext uri="{BB962C8B-B14F-4D97-AF65-F5344CB8AC3E}">
+        <p14:creationId xmlns:p14="http://schemas.microsoft.com/office/powerpoint/2010/main" val="1594265075"/>
+      </p:ext>
+    </p:extLst>
+  </p:cSld>
+  <p:clrMapOvr>
+    <a:masterClrMapping/>
+  </p:clrMapOvr>
+</p:notes>
+</file>
+
+<file path=ppt/notesSlides/notesSlide47.xml><?xml version="1.0" encoding="utf-8"?>
+<p:notes xmlns:a="http://schemas.openxmlformats.org/drawingml/2006/main" xmlns:r="http://schemas.openxmlformats.org/officeDocument/2006/relationships" xmlns:p="http://schemas.openxmlformats.org/presentationml/2006/main">
+  <p:cSld>
+    <p:spTree>
+      <p:nvGrpSpPr>
+        <p:cNvPr id="1" name=""/>
+        <p:cNvGrpSpPr/>
+        <p:nvPr/>
+      </p:nvGrpSpPr>
+      <p:grpSpPr>
+        <a:xfrm>
+          <a:off x="0" y="0"/>
+          <a:ext cx="0" cy="0"/>
+          <a:chOff x="0" y="0"/>
+          <a:chExt cx="0" cy="0"/>
+        </a:xfrm>
+      </p:grpSpPr>
+      <p:sp>
+        <p:nvSpPr>
+          <p:cNvPr id="2" name="Slide Image Placeholder 1"/>
+          <p:cNvSpPr>
+            <a:spLocks noGrp="1" noRot="1" noChangeAspect="1"/>
+          </p:cNvSpPr>
+          <p:nvPr>
+            <p:ph type="sldImg"/>
+          </p:nvPr>
+        </p:nvSpPr>
+        <p:spPr/>
+      </p:sp>
+      <p:sp>
+        <p:nvSpPr>
+          <p:cNvPr id="3" name="Notes Placeholder 2"/>
+          <p:cNvSpPr>
+            <a:spLocks noGrp="1"/>
+          </p:cNvSpPr>
+          <p:nvPr>
+            <p:ph type="body" idx="1"/>
+          </p:nvPr>
+        </p:nvSpPr>
+        <p:spPr/>
+        <p:txBody>
+          <a:bodyPr/>
+          <a:lstStyle/>
+          <a:p>
+            <a:pPr marL="171450" indent="-171450">
+              <a:buFont typeface="Arial" panose="020B0604020202020204" pitchFamily="34" charset="0"/>
+              <a:buChar char="•"/>
+            </a:pPr>
+            <a:endParaRPr lang="en-US" dirty="0"/>
+          </a:p>
+        </p:txBody>
+      </p:sp>
+      <p:sp>
+        <p:nvSpPr>
+          <p:cNvPr id="4" name="Slide Number Placeholder 3"/>
+          <p:cNvSpPr>
+            <a:spLocks noGrp="1"/>
+          </p:cNvSpPr>
+          <p:nvPr>
+            <p:ph type="sldNum" sz="quarter" idx="10"/>
+          </p:nvPr>
+        </p:nvSpPr>
+        <p:spPr/>
+        <p:txBody>
+          <a:bodyPr/>
+          <a:lstStyle/>
+          <a:p>
+            <a:fld id="{226FA58D-4B12-4E7B-A2FA-693CE3EACDFD}" type="slidenum">
+              <a:rPr lang="en-US" smtClean="0"/>
+              <a:t>48</a:t>
             </a:fld>
             <a:endParaRPr lang="en-US"/>
           </a:p>
@@ -15207,15 +16025,7 @@
             </a:pPr>
             <a:r>
               <a:rPr lang="en-US" sz="2800" dirty="0"/>
-              <a:t>INNER JOIN </a:t>
-            </a:r>
-            <a:r>
-              <a:rPr lang="en-US" sz="2800" dirty="0" err="1"/>
-              <a:t>dbo.Teacher</a:t>
-            </a:r>
-            <a:r>
-              <a:rPr lang="en-US" sz="2800" dirty="0"/>
-              <a:t> t</a:t>
+              <a:t>INNER JOIN Teacher t</a:t>
             </a:r>
           </a:p>
           <a:p>
@@ -15399,15 +16209,7 @@
             </a:pPr>
             <a:r>
               <a:rPr lang="en-US" sz="2800" dirty="0"/>
-              <a:t>INNER JOIN </a:t>
-            </a:r>
-            <a:r>
-              <a:rPr lang="en-US" sz="2800" dirty="0" err="1"/>
-              <a:t>dbo.Teacher</a:t>
-            </a:r>
-            <a:r>
-              <a:rPr lang="en-US" sz="2800" dirty="0"/>
-              <a:t> t</a:t>
+              <a:t>INNER JOIN Teacher t</a:t>
             </a:r>
           </a:p>
           <a:p>
@@ -17216,7 +18018,7 @@
         <p:spPr/>
         <p:txBody>
           <a:bodyPr>
-            <a:normAutofit lnSpcReduction="10000"/>
+            <a:normAutofit fontScale="92500" lnSpcReduction="10000"/>
           </a:bodyPr>
           <a:lstStyle/>
           <a:p>
@@ -17310,6 +18112,47 @@
             </a:pPr>
             <a:r>
               <a:rPr lang="en-US" dirty="0"/>
+              <a:t>	string </a:t>
+            </a:r>
+            <a:r>
+              <a:rPr lang="en-US" dirty="0" err="1"/>
+              <a:t>sql</a:t>
+            </a:r>
+            <a:r>
+              <a:rPr lang="en-US" dirty="0"/>
+              <a:t> = "Select </a:t>
+            </a:r>
+            <a:r>
+              <a:rPr lang="en-US" dirty="0" err="1"/>
+              <a:t>SubjectId</a:t>
+            </a:r>
+            <a:r>
+              <a:rPr lang="en-US" dirty="0"/>
+              <a:t>, Name, Description From Subject Where </a:t>
+            </a:r>
+            <a:r>
+              <a:rPr lang="en-US" dirty="0" err="1"/>
+              <a:t>SubjectId</a:t>
+            </a:r>
+            <a:r>
+              <a:rPr lang="en-US" dirty="0"/>
+              <a:t> = @</a:t>
+            </a:r>
+            <a:r>
+              <a:rPr lang="en-US" dirty="0" err="1"/>
+              <a:t>SubjectId</a:t>
+            </a:r>
+            <a:r>
+              <a:rPr lang="en-US" dirty="0"/>
+              <a:t>“;</a:t>
+            </a:r>
+          </a:p>
+          <a:p>
+            <a:pPr marL="0" indent="0">
+              <a:buNone/>
+            </a:pPr>
+            <a:r>
+              <a:rPr lang="en-US" dirty="0"/>
               <a:t>      return </a:t>
             </a:r>
             <a:r>
@@ -17318,31 +18161,15 @@
             </a:r>
             <a:r>
               <a:rPr lang="en-US" dirty="0"/>
-              <a:t>&lt;Subject&gt;("Select </a:t>
+              <a:t>&lt;Subject&gt;(</a:t>
             </a:r>
             <a:r>
               <a:rPr lang="en-US" dirty="0" err="1"/>
-              <a:t>SubjectId</a:t>
+              <a:t>sql</a:t>
             </a:r>
             <a:r>
               <a:rPr lang="en-US" dirty="0"/>
-              <a:t>, Name, Description From Subject Where </a:t>
-            </a:r>
-            <a:r>
-              <a:rPr lang="en-US" dirty="0" err="1"/>
-              <a:t>SubjectId</a:t>
-            </a:r>
-            <a:r>
-              <a:rPr lang="en-US" dirty="0"/>
-              <a:t> = @</a:t>
-            </a:r>
-            <a:r>
-              <a:rPr lang="en-US" dirty="0" err="1"/>
-              <a:t>SubjectId</a:t>
-            </a:r>
-            <a:r>
-              <a:rPr lang="en-US" dirty="0"/>
-              <a:t>", new { </a:t>
+              <a:t>, new { </a:t>
             </a:r>
             <a:r>
               <a:rPr lang="en-US" dirty="0" err="1"/>
@@ -17452,6 +18279,1995 @@
           <a:p>
             <a:r>
               <a:rPr lang="en-US" dirty="0"/>
+              <a:t>Using</a:t>
+            </a:r>
+          </a:p>
+        </p:txBody>
+      </p:sp>
+      <p:sp>
+        <p:nvSpPr>
+          <p:cNvPr id="3" name="Content Placeholder 2"/>
+          <p:cNvSpPr>
+            <a:spLocks noGrp="1"/>
+          </p:cNvSpPr>
+          <p:nvPr>
+            <p:ph idx="1"/>
+          </p:nvPr>
+        </p:nvSpPr>
+        <p:spPr/>
+        <p:txBody>
+          <a:bodyPr>
+            <a:normAutofit/>
+          </a:bodyPr>
+          <a:lstStyle/>
+          <a:p>
+            <a:r>
+              <a:rPr lang="en-US" sz="2400" dirty="0"/>
+              <a:t>Creates instance, allows use inside block, and Disposes it</a:t>
+            </a:r>
+          </a:p>
+          <a:p>
+            <a:r>
+              <a:rPr lang="en-US" sz="2400" dirty="0"/>
+              <a:t>Dispose of external resources like database connections.</a:t>
+            </a:r>
+          </a:p>
+          <a:p>
+            <a:pPr marL="0" indent="0">
+              <a:buNone/>
+            </a:pPr>
+            <a:r>
+              <a:rPr lang="en-US" dirty="0"/>
+              <a:t>public Subject Get(int </a:t>
+            </a:r>
+            <a:r>
+              <a:rPr lang="en-US" dirty="0" err="1"/>
+              <a:t>subjectID</a:t>
+            </a:r>
+            <a:r>
+              <a:rPr lang="en-US" dirty="0"/>
+              <a:t>)</a:t>
+            </a:r>
+          </a:p>
+          <a:p>
+            <a:pPr marL="0" indent="0">
+              <a:buNone/>
+            </a:pPr>
+            <a:r>
+              <a:rPr lang="en-US" dirty="0"/>
+              <a:t>{</a:t>
+            </a:r>
+          </a:p>
+          <a:p>
+            <a:pPr marL="0" indent="0">
+              <a:buNone/>
+            </a:pPr>
+            <a:r>
+              <a:rPr lang="en-US" dirty="0"/>
+              <a:t>   </a:t>
+            </a:r>
+            <a:r>
+              <a:rPr lang="en-US" dirty="0">
+                <a:solidFill>
+                  <a:schemeClr val="bg1"/>
+                </a:solidFill>
+                <a:highlight>
+                  <a:srgbClr val="FFFF00"/>
+                </a:highlight>
+              </a:rPr>
+              <a:t>using (</a:t>
+            </a:r>
+            <a:r>
+              <a:rPr lang="en-US" dirty="0" err="1">
+                <a:solidFill>
+                  <a:schemeClr val="bg1"/>
+                </a:solidFill>
+                <a:highlight>
+                  <a:srgbClr val="FFFF00"/>
+                </a:highlight>
+              </a:rPr>
+              <a:t>IDbConnection</a:t>
+            </a:r>
+            <a:r>
+              <a:rPr lang="en-US" dirty="0">
+                <a:solidFill>
+                  <a:schemeClr val="bg1"/>
+                </a:solidFill>
+                <a:highlight>
+                  <a:srgbClr val="FFFF00"/>
+                </a:highlight>
+              </a:rPr>
+              <a:t> </a:t>
+            </a:r>
+            <a:r>
+              <a:rPr lang="en-US" dirty="0" err="1">
+                <a:solidFill>
+                  <a:schemeClr val="bg1"/>
+                </a:solidFill>
+                <a:highlight>
+                  <a:srgbClr val="FFFF00"/>
+                </a:highlight>
+              </a:rPr>
+              <a:t>dbConnection</a:t>
+            </a:r>
+            <a:r>
+              <a:rPr lang="en-US" dirty="0">
+                <a:solidFill>
+                  <a:schemeClr val="bg1"/>
+                </a:solidFill>
+                <a:highlight>
+                  <a:srgbClr val="FFFF00"/>
+                </a:highlight>
+              </a:rPr>
+              <a:t> = Connection)</a:t>
+            </a:r>
+          </a:p>
+          <a:p>
+            <a:pPr marL="0" indent="0">
+              <a:buNone/>
+            </a:pPr>
+            <a:r>
+              <a:rPr lang="en-US" dirty="0">
+                <a:solidFill>
+                  <a:schemeClr val="bg1"/>
+                </a:solidFill>
+                <a:highlight>
+                  <a:srgbClr val="FFFF00"/>
+                </a:highlight>
+              </a:rPr>
+              <a:t>   {</a:t>
+            </a:r>
+          </a:p>
+          <a:p>
+            <a:pPr marL="0" indent="0">
+              <a:buNone/>
+            </a:pPr>
+            <a:r>
+              <a:rPr lang="en-US" dirty="0"/>
+              <a:t>      statements…</a:t>
+            </a:r>
+          </a:p>
+          <a:p>
+            <a:pPr marL="0" indent="0">
+              <a:buNone/>
+            </a:pPr>
+            <a:r>
+              <a:rPr lang="en-US" dirty="0">
+                <a:solidFill>
+                  <a:schemeClr val="bg1"/>
+                </a:solidFill>
+                <a:highlight>
+                  <a:srgbClr val="FFFF00"/>
+                </a:highlight>
+              </a:rPr>
+              <a:t>   }</a:t>
+            </a:r>
+          </a:p>
+          <a:p>
+            <a:pPr marL="0" indent="0">
+              <a:buNone/>
+            </a:pPr>
+            <a:r>
+              <a:rPr lang="en-US" dirty="0"/>
+              <a:t>}</a:t>
+            </a:r>
+          </a:p>
+        </p:txBody>
+      </p:sp>
+    </p:spTree>
+    <p:extLst>
+      <p:ext uri="{BB962C8B-B14F-4D97-AF65-F5344CB8AC3E}">
+        <p14:creationId xmlns:p14="http://schemas.microsoft.com/office/powerpoint/2010/main" val="189848756"/>
+      </p:ext>
+    </p:extLst>
+  </p:cSld>
+  <p:clrMapOvr>
+    <a:masterClrMapping/>
+  </p:clrMapOvr>
+</p:sld>
+</file>
+
+<file path=ppt/slides/slide37.xml><?xml version="1.0" encoding="utf-8"?>
+<p:sld xmlns:a="http://schemas.openxmlformats.org/drawingml/2006/main" xmlns:r="http://schemas.openxmlformats.org/officeDocument/2006/relationships" xmlns:p="http://schemas.openxmlformats.org/presentationml/2006/main">
+  <p:cSld>
+    <p:spTree>
+      <p:nvGrpSpPr>
+        <p:cNvPr id="1" name=""/>
+        <p:cNvGrpSpPr/>
+        <p:nvPr/>
+      </p:nvGrpSpPr>
+      <p:grpSpPr>
+        <a:xfrm>
+          <a:off x="0" y="0"/>
+          <a:ext cx="0" cy="0"/>
+          <a:chOff x="0" y="0"/>
+          <a:chExt cx="0" cy="0"/>
+        </a:xfrm>
+      </p:grpSpPr>
+      <p:sp>
+        <p:nvSpPr>
+          <p:cNvPr id="2" name="Title 1"/>
+          <p:cNvSpPr>
+            <a:spLocks noGrp="1"/>
+          </p:cNvSpPr>
+          <p:nvPr>
+            <p:ph type="title"/>
+          </p:nvPr>
+        </p:nvSpPr>
+        <p:spPr/>
+        <p:txBody>
+          <a:bodyPr/>
+          <a:lstStyle/>
+          <a:p>
+            <a:r>
+              <a:rPr lang="en-US" dirty="0"/>
+              <a:t>Opening the Connection</a:t>
+            </a:r>
+          </a:p>
+        </p:txBody>
+      </p:sp>
+      <p:sp>
+        <p:nvSpPr>
+          <p:cNvPr id="3" name="Content Placeholder 2"/>
+          <p:cNvSpPr>
+            <a:spLocks noGrp="1"/>
+          </p:cNvSpPr>
+          <p:nvPr>
+            <p:ph idx="1"/>
+          </p:nvPr>
+        </p:nvSpPr>
+        <p:spPr/>
+        <p:txBody>
+          <a:bodyPr>
+            <a:normAutofit/>
+          </a:bodyPr>
+          <a:lstStyle/>
+          <a:p>
+            <a:pPr marL="0" indent="0">
+              <a:buNone/>
+            </a:pPr>
+            <a:r>
+              <a:rPr lang="en-US" dirty="0"/>
+              <a:t>public Subject Get(</a:t>
+            </a:r>
+            <a:r>
+              <a:rPr lang="en-US" dirty="0" err="1"/>
+              <a:t>int</a:t>
+            </a:r>
+            <a:r>
+              <a:rPr lang="en-US" dirty="0"/>
+              <a:t> </a:t>
+            </a:r>
+            <a:r>
+              <a:rPr lang="en-US" dirty="0" err="1"/>
+              <a:t>subjectID</a:t>
+            </a:r>
+            <a:r>
+              <a:rPr lang="en-US" dirty="0"/>
+              <a:t>)</a:t>
+            </a:r>
+          </a:p>
+          <a:p>
+            <a:pPr marL="0" indent="0">
+              <a:buNone/>
+            </a:pPr>
+            <a:r>
+              <a:rPr lang="en-US" dirty="0"/>
+              <a:t>{</a:t>
+            </a:r>
+          </a:p>
+          <a:p>
+            <a:pPr marL="0" indent="0">
+              <a:buNone/>
+            </a:pPr>
+            <a:r>
+              <a:rPr lang="en-US" dirty="0"/>
+              <a:t>   using (</a:t>
+            </a:r>
+            <a:r>
+              <a:rPr lang="en-US" dirty="0" err="1"/>
+              <a:t>IDbConnection</a:t>
+            </a:r>
+            <a:r>
+              <a:rPr lang="en-US" dirty="0"/>
+              <a:t> </a:t>
+            </a:r>
+            <a:r>
+              <a:rPr lang="en-US" dirty="0" err="1"/>
+              <a:t>dbConnection</a:t>
+            </a:r>
+            <a:r>
+              <a:rPr lang="en-US" dirty="0"/>
+              <a:t> = Connection)</a:t>
+            </a:r>
+          </a:p>
+          <a:p>
+            <a:pPr marL="0" indent="0">
+              <a:buNone/>
+            </a:pPr>
+            <a:r>
+              <a:rPr lang="en-US" dirty="0"/>
+              <a:t>   {</a:t>
+            </a:r>
+          </a:p>
+          <a:p>
+            <a:pPr marL="0" indent="0">
+              <a:buNone/>
+            </a:pPr>
+            <a:r>
+              <a:rPr lang="en-US" dirty="0"/>
+              <a:t>      </a:t>
+            </a:r>
+            <a:r>
+              <a:rPr lang="en-US" dirty="0" err="1">
+                <a:solidFill>
+                  <a:schemeClr val="bg1"/>
+                </a:solidFill>
+                <a:highlight>
+                  <a:srgbClr val="FFFF00"/>
+                </a:highlight>
+              </a:rPr>
+              <a:t>dbConnection.Open</a:t>
+            </a:r>
+            <a:r>
+              <a:rPr lang="en-US" dirty="0">
+                <a:solidFill>
+                  <a:schemeClr val="bg1"/>
+                </a:solidFill>
+                <a:highlight>
+                  <a:srgbClr val="FFFF00"/>
+                </a:highlight>
+              </a:rPr>
+              <a:t>();</a:t>
+            </a:r>
+          </a:p>
+          <a:p>
+            <a:pPr marL="0" indent="0">
+              <a:buNone/>
+            </a:pPr>
+            <a:r>
+              <a:rPr lang="en-US" dirty="0"/>
+              <a:t>      …</a:t>
+            </a:r>
+          </a:p>
+          <a:p>
+            <a:pPr marL="0" indent="0">
+              <a:buNone/>
+            </a:pPr>
+            <a:r>
+              <a:rPr lang="en-US" dirty="0"/>
+              <a:t>   }</a:t>
+            </a:r>
+          </a:p>
+          <a:p>
+            <a:pPr marL="0" indent="0">
+              <a:buNone/>
+            </a:pPr>
+            <a:r>
+              <a:rPr lang="en-US" dirty="0"/>
+              <a:t>}</a:t>
+            </a:r>
+          </a:p>
+        </p:txBody>
+      </p:sp>
+    </p:spTree>
+    <p:extLst>
+      <p:ext uri="{BB962C8B-B14F-4D97-AF65-F5344CB8AC3E}">
+        <p14:creationId xmlns:p14="http://schemas.microsoft.com/office/powerpoint/2010/main" val="2834383913"/>
+      </p:ext>
+    </p:extLst>
+  </p:cSld>
+  <p:clrMapOvr>
+    <a:masterClrMapping/>
+  </p:clrMapOvr>
+</p:sld>
+</file>
+
+<file path=ppt/slides/slide38.xml><?xml version="1.0" encoding="utf-8"?>
+<p:sld xmlns:a="http://schemas.openxmlformats.org/drawingml/2006/main" xmlns:r="http://schemas.openxmlformats.org/officeDocument/2006/relationships" xmlns:p="http://schemas.openxmlformats.org/presentationml/2006/main">
+  <p:cSld>
+    <p:spTree>
+      <p:nvGrpSpPr>
+        <p:cNvPr id="1" name=""/>
+        <p:cNvGrpSpPr/>
+        <p:nvPr/>
+      </p:nvGrpSpPr>
+      <p:grpSpPr>
+        <a:xfrm>
+          <a:off x="0" y="0"/>
+          <a:ext cx="0" cy="0"/>
+          <a:chOff x="0" y="0"/>
+          <a:chExt cx="0" cy="0"/>
+        </a:xfrm>
+      </p:grpSpPr>
+      <p:sp>
+        <p:nvSpPr>
+          <p:cNvPr id="2" name="Title 1"/>
+          <p:cNvSpPr>
+            <a:spLocks noGrp="1"/>
+          </p:cNvSpPr>
+          <p:nvPr>
+            <p:ph type="title"/>
+          </p:nvPr>
+        </p:nvSpPr>
+        <p:spPr/>
+        <p:txBody>
+          <a:bodyPr/>
+          <a:lstStyle/>
+          <a:p>
+            <a:r>
+              <a:rPr lang="en-US" dirty="0" err="1"/>
+              <a:t>Sql</a:t>
+            </a:r>
+            <a:r>
+              <a:rPr lang="en-US" dirty="0"/>
+              <a:t> Statement</a:t>
+            </a:r>
+          </a:p>
+        </p:txBody>
+      </p:sp>
+      <p:sp>
+        <p:nvSpPr>
+          <p:cNvPr id="3" name="Content Placeholder 2"/>
+          <p:cNvSpPr>
+            <a:spLocks noGrp="1"/>
+          </p:cNvSpPr>
+          <p:nvPr>
+            <p:ph idx="1"/>
+          </p:nvPr>
+        </p:nvSpPr>
+        <p:spPr/>
+        <p:txBody>
+          <a:bodyPr>
+            <a:normAutofit/>
+          </a:bodyPr>
+          <a:lstStyle/>
+          <a:p>
+            <a:pPr marL="0" indent="0">
+              <a:buNone/>
+            </a:pPr>
+            <a:r>
+              <a:rPr lang="en-US" dirty="0"/>
+              <a:t>public Subject Get(</a:t>
+            </a:r>
+            <a:r>
+              <a:rPr lang="en-US" dirty="0" err="1"/>
+              <a:t>int</a:t>
+            </a:r>
+            <a:r>
+              <a:rPr lang="en-US" dirty="0"/>
+              <a:t> </a:t>
+            </a:r>
+            <a:r>
+              <a:rPr lang="en-US" dirty="0" err="1"/>
+              <a:t>subjectID</a:t>
+            </a:r>
+            <a:r>
+              <a:rPr lang="en-US" dirty="0"/>
+              <a:t>)</a:t>
+            </a:r>
+          </a:p>
+          <a:p>
+            <a:pPr marL="0" indent="0">
+              <a:buNone/>
+            </a:pPr>
+            <a:r>
+              <a:rPr lang="en-US" dirty="0"/>
+              <a:t>{</a:t>
+            </a:r>
+          </a:p>
+          <a:p>
+            <a:pPr marL="0" indent="0">
+              <a:buNone/>
+            </a:pPr>
+            <a:r>
+              <a:rPr lang="en-US" dirty="0"/>
+              <a:t>   using (</a:t>
+            </a:r>
+            <a:r>
+              <a:rPr lang="en-US" dirty="0" err="1"/>
+              <a:t>IDbConnection</a:t>
+            </a:r>
+            <a:r>
+              <a:rPr lang="en-US" dirty="0"/>
+              <a:t> </a:t>
+            </a:r>
+            <a:r>
+              <a:rPr lang="en-US" dirty="0" err="1"/>
+              <a:t>dbConnection</a:t>
+            </a:r>
+            <a:r>
+              <a:rPr lang="en-US" dirty="0"/>
+              <a:t> = Connection)</a:t>
+            </a:r>
+          </a:p>
+          <a:p>
+            <a:pPr marL="0" indent="0">
+              <a:buNone/>
+            </a:pPr>
+            <a:r>
+              <a:rPr lang="en-US" dirty="0"/>
+              <a:t>   {</a:t>
+            </a:r>
+          </a:p>
+          <a:p>
+            <a:pPr marL="0" indent="0">
+              <a:buNone/>
+            </a:pPr>
+            <a:r>
+              <a:rPr lang="en-US" dirty="0"/>
+              <a:t>      …</a:t>
+            </a:r>
+          </a:p>
+          <a:p>
+            <a:pPr marL="0" indent="0">
+              <a:buNone/>
+            </a:pPr>
+            <a:r>
+              <a:rPr lang="en-US" dirty="0"/>
+              <a:t>	</a:t>
+            </a:r>
+            <a:r>
+              <a:rPr lang="en-US" dirty="0">
+                <a:solidFill>
+                  <a:schemeClr val="bg1"/>
+                </a:solidFill>
+                <a:highlight>
+                  <a:srgbClr val="FFFF00"/>
+                </a:highlight>
+              </a:rPr>
+              <a:t>string </a:t>
+            </a:r>
+            <a:r>
+              <a:rPr lang="en-US" dirty="0" err="1">
+                <a:solidFill>
+                  <a:schemeClr val="bg1"/>
+                </a:solidFill>
+                <a:highlight>
+                  <a:srgbClr val="FFFF00"/>
+                </a:highlight>
+              </a:rPr>
+              <a:t>sql</a:t>
+            </a:r>
+            <a:r>
+              <a:rPr lang="en-US" dirty="0">
+                <a:solidFill>
+                  <a:schemeClr val="bg1"/>
+                </a:solidFill>
+                <a:highlight>
+                  <a:srgbClr val="FFFF00"/>
+                </a:highlight>
+              </a:rPr>
+              <a:t> = "Select </a:t>
+            </a:r>
+            <a:r>
+              <a:rPr lang="en-US" dirty="0" err="1">
+                <a:solidFill>
+                  <a:schemeClr val="bg1"/>
+                </a:solidFill>
+                <a:highlight>
+                  <a:srgbClr val="FFFF00"/>
+                </a:highlight>
+              </a:rPr>
+              <a:t>SubjectId</a:t>
+            </a:r>
+            <a:r>
+              <a:rPr lang="en-US" dirty="0">
+                <a:solidFill>
+                  <a:schemeClr val="bg1"/>
+                </a:solidFill>
+                <a:highlight>
+                  <a:srgbClr val="FFFF00"/>
+                </a:highlight>
+              </a:rPr>
+              <a:t>, Name, Description From Subject Where </a:t>
+            </a:r>
+            <a:r>
+              <a:rPr lang="en-US" dirty="0" err="1">
+                <a:solidFill>
+                  <a:schemeClr val="bg1"/>
+                </a:solidFill>
+                <a:highlight>
+                  <a:srgbClr val="FFFF00"/>
+                </a:highlight>
+              </a:rPr>
+              <a:t>SubjectId</a:t>
+            </a:r>
+            <a:r>
+              <a:rPr lang="en-US" dirty="0">
+                <a:solidFill>
+                  <a:schemeClr val="bg1"/>
+                </a:solidFill>
+                <a:highlight>
+                  <a:srgbClr val="FFFF00"/>
+                </a:highlight>
+              </a:rPr>
+              <a:t> = @</a:t>
+            </a:r>
+            <a:r>
+              <a:rPr lang="en-US" dirty="0" err="1">
+                <a:solidFill>
+                  <a:schemeClr val="bg1"/>
+                </a:solidFill>
+                <a:highlight>
+                  <a:srgbClr val="FFFF00"/>
+                </a:highlight>
+              </a:rPr>
+              <a:t>SubjectId</a:t>
+            </a:r>
+            <a:r>
+              <a:rPr lang="en-US" dirty="0">
+                <a:solidFill>
+                  <a:schemeClr val="bg1"/>
+                </a:solidFill>
+                <a:highlight>
+                  <a:srgbClr val="FFFF00"/>
+                </a:highlight>
+              </a:rPr>
+              <a:t>“;</a:t>
+            </a:r>
+          </a:p>
+          <a:p>
+            <a:pPr marL="0" indent="0">
+              <a:buNone/>
+            </a:pPr>
+            <a:r>
+              <a:rPr lang="en-US" dirty="0"/>
+              <a:t>      …</a:t>
+            </a:r>
+          </a:p>
+          <a:p>
+            <a:pPr marL="0" indent="0">
+              <a:buNone/>
+            </a:pPr>
+            <a:r>
+              <a:rPr lang="en-US" dirty="0"/>
+              <a:t>   }</a:t>
+            </a:r>
+          </a:p>
+          <a:p>
+            <a:pPr marL="0" indent="0">
+              <a:buNone/>
+            </a:pPr>
+            <a:r>
+              <a:rPr lang="en-US" dirty="0"/>
+              <a:t>}</a:t>
+            </a:r>
+          </a:p>
+        </p:txBody>
+      </p:sp>
+    </p:spTree>
+    <p:extLst>
+      <p:ext uri="{BB962C8B-B14F-4D97-AF65-F5344CB8AC3E}">
+        <p14:creationId xmlns:p14="http://schemas.microsoft.com/office/powerpoint/2010/main" val="822939873"/>
+      </p:ext>
+    </p:extLst>
+  </p:cSld>
+  <p:clrMapOvr>
+    <a:masterClrMapping/>
+  </p:clrMapOvr>
+</p:sld>
+</file>
+
+<file path=ppt/slides/slide39.xml><?xml version="1.0" encoding="utf-8"?>
+<p:sld xmlns:a="http://schemas.openxmlformats.org/drawingml/2006/main" xmlns:r="http://schemas.openxmlformats.org/officeDocument/2006/relationships" xmlns:p="http://schemas.openxmlformats.org/presentationml/2006/main">
+  <p:cSld>
+    <p:spTree>
+      <p:nvGrpSpPr>
+        <p:cNvPr id="1" name=""/>
+        <p:cNvGrpSpPr/>
+        <p:nvPr/>
+      </p:nvGrpSpPr>
+      <p:grpSpPr>
+        <a:xfrm>
+          <a:off x="0" y="0"/>
+          <a:ext cx="0" cy="0"/>
+          <a:chOff x="0" y="0"/>
+          <a:chExt cx="0" cy="0"/>
+        </a:xfrm>
+      </p:grpSpPr>
+      <p:sp>
+        <p:nvSpPr>
+          <p:cNvPr id="2" name="Title 1"/>
+          <p:cNvSpPr>
+            <a:spLocks noGrp="1"/>
+          </p:cNvSpPr>
+          <p:nvPr>
+            <p:ph type="title"/>
+          </p:nvPr>
+        </p:nvSpPr>
+        <p:spPr/>
+        <p:txBody>
+          <a:bodyPr/>
+          <a:lstStyle/>
+          <a:p>
+            <a:r>
+              <a:rPr lang="en-US" dirty="0"/>
+              <a:t>Repository</a:t>
+            </a:r>
+          </a:p>
+        </p:txBody>
+      </p:sp>
+      <p:sp>
+        <p:nvSpPr>
+          <p:cNvPr id="3" name="Content Placeholder 2"/>
+          <p:cNvSpPr>
+            <a:spLocks noGrp="1"/>
+          </p:cNvSpPr>
+          <p:nvPr>
+            <p:ph idx="1"/>
+          </p:nvPr>
+        </p:nvSpPr>
+        <p:spPr/>
+        <p:txBody>
+          <a:bodyPr>
+            <a:normAutofit/>
+          </a:bodyPr>
+          <a:lstStyle/>
+          <a:p>
+            <a:pPr marL="0" indent="0">
+              <a:buNone/>
+            </a:pPr>
+            <a:r>
+              <a:rPr lang="en-US" dirty="0"/>
+              <a:t>public </a:t>
+            </a:r>
+            <a:r>
+              <a:rPr lang="en-US" dirty="0">
+                <a:solidFill>
+                  <a:schemeClr val="bg1"/>
+                </a:solidFill>
+                <a:highlight>
+                  <a:srgbClr val="FFFF00"/>
+                </a:highlight>
+              </a:rPr>
+              <a:t>List&lt;Subject&gt; </a:t>
+            </a:r>
+            <a:r>
+              <a:rPr lang="en-US" dirty="0"/>
+              <a:t>Get(int </a:t>
+            </a:r>
+            <a:r>
+              <a:rPr lang="en-US" dirty="0" err="1"/>
+              <a:t>subjectID</a:t>
+            </a:r>
+            <a:r>
+              <a:rPr lang="en-US" dirty="0"/>
+              <a:t>)</a:t>
+            </a:r>
+          </a:p>
+          <a:p>
+            <a:pPr marL="0" indent="0">
+              <a:buNone/>
+            </a:pPr>
+            <a:r>
+              <a:rPr lang="en-US" dirty="0"/>
+              <a:t>{</a:t>
+            </a:r>
+          </a:p>
+          <a:p>
+            <a:pPr marL="0" indent="0">
+              <a:buNone/>
+            </a:pPr>
+            <a:r>
+              <a:rPr lang="en-US" dirty="0"/>
+              <a:t>   using (</a:t>
+            </a:r>
+            <a:r>
+              <a:rPr lang="en-US" dirty="0" err="1"/>
+              <a:t>IDbConnection</a:t>
+            </a:r>
+            <a:r>
+              <a:rPr lang="en-US" dirty="0"/>
+              <a:t> </a:t>
+            </a:r>
+            <a:r>
+              <a:rPr lang="en-US" dirty="0" err="1"/>
+              <a:t>dbConnection</a:t>
+            </a:r>
+            <a:r>
+              <a:rPr lang="en-US" dirty="0"/>
+              <a:t> = Connection)</a:t>
+            </a:r>
+          </a:p>
+          <a:p>
+            <a:pPr marL="0" indent="0">
+              <a:buNone/>
+            </a:pPr>
+            <a:r>
+              <a:rPr lang="en-US" dirty="0"/>
+              <a:t>   {</a:t>
+            </a:r>
+          </a:p>
+          <a:p>
+            <a:pPr marL="0" indent="0">
+              <a:buNone/>
+            </a:pPr>
+            <a:r>
+              <a:rPr lang="en-US" dirty="0"/>
+              <a:t>      …</a:t>
+            </a:r>
+          </a:p>
+          <a:p>
+            <a:pPr marL="0" indent="0">
+              <a:buNone/>
+            </a:pPr>
+            <a:r>
+              <a:rPr lang="en-US" dirty="0">
+                <a:solidFill>
+                  <a:schemeClr val="bg1"/>
+                </a:solidFill>
+                <a:highlight>
+                  <a:srgbClr val="FFFF00"/>
+                </a:highlight>
+              </a:rPr>
+              <a:t>      return </a:t>
+            </a:r>
+            <a:r>
+              <a:rPr lang="en-US" dirty="0" err="1">
+                <a:solidFill>
+                  <a:schemeClr val="bg1"/>
+                </a:solidFill>
+                <a:highlight>
+                  <a:srgbClr val="FFFF00"/>
+                </a:highlight>
+              </a:rPr>
+              <a:t>dbConnection.Query</a:t>
+            </a:r>
+            <a:r>
+              <a:rPr lang="en-US" dirty="0">
+                <a:solidFill>
+                  <a:schemeClr val="bg1"/>
+                </a:solidFill>
+                <a:highlight>
+                  <a:srgbClr val="FFFF00"/>
+                </a:highlight>
+              </a:rPr>
+              <a:t>&lt;Subject&gt;(</a:t>
+            </a:r>
+            <a:r>
+              <a:rPr lang="en-US" dirty="0" err="1">
+                <a:solidFill>
+                  <a:schemeClr val="bg1"/>
+                </a:solidFill>
+                <a:highlight>
+                  <a:srgbClr val="FFFF00"/>
+                </a:highlight>
+              </a:rPr>
+              <a:t>sql</a:t>
+            </a:r>
+            <a:r>
+              <a:rPr lang="en-US" dirty="0">
+                <a:solidFill>
+                  <a:schemeClr val="bg1"/>
+                </a:solidFill>
+                <a:highlight>
+                  <a:srgbClr val="FFFF00"/>
+                </a:highlight>
+              </a:rPr>
+              <a:t>, new { </a:t>
+            </a:r>
+            <a:r>
+              <a:rPr lang="en-US" dirty="0" err="1">
+                <a:solidFill>
+                  <a:schemeClr val="bg1"/>
+                </a:solidFill>
+                <a:highlight>
+                  <a:srgbClr val="FFFF00"/>
+                </a:highlight>
+              </a:rPr>
+              <a:t>SubjectId</a:t>
+            </a:r>
+            <a:r>
+              <a:rPr lang="en-US" dirty="0">
+                <a:solidFill>
+                  <a:schemeClr val="bg1"/>
+                </a:solidFill>
+                <a:highlight>
+                  <a:srgbClr val="FFFF00"/>
+                </a:highlight>
+              </a:rPr>
+              <a:t> = </a:t>
+            </a:r>
+            <a:r>
+              <a:rPr lang="en-US" dirty="0" err="1">
+                <a:solidFill>
+                  <a:schemeClr val="bg1"/>
+                </a:solidFill>
+                <a:highlight>
+                  <a:srgbClr val="FFFF00"/>
+                </a:highlight>
+              </a:rPr>
+              <a:t>subjectID</a:t>
+            </a:r>
+            <a:r>
+              <a:rPr lang="en-US" dirty="0">
+                <a:solidFill>
+                  <a:schemeClr val="bg1"/>
+                </a:solidFill>
+                <a:highlight>
+                  <a:srgbClr val="FFFF00"/>
+                </a:highlight>
+              </a:rPr>
+              <a:t> }, </a:t>
+            </a:r>
+            <a:r>
+              <a:rPr lang="en-US" dirty="0" err="1">
+                <a:solidFill>
+                  <a:schemeClr val="bg1"/>
+                </a:solidFill>
+                <a:highlight>
+                  <a:srgbClr val="FFFF00"/>
+                </a:highlight>
+              </a:rPr>
+              <a:t>commandType</a:t>
+            </a:r>
+            <a:r>
+              <a:rPr lang="en-US" dirty="0">
+                <a:solidFill>
+                  <a:schemeClr val="bg1"/>
+                </a:solidFill>
+                <a:highlight>
+                  <a:srgbClr val="FFFF00"/>
+                </a:highlight>
+              </a:rPr>
+              <a:t>: </a:t>
+            </a:r>
+            <a:r>
+              <a:rPr lang="en-US" dirty="0" err="1">
+                <a:solidFill>
+                  <a:schemeClr val="bg1"/>
+                </a:solidFill>
+                <a:highlight>
+                  <a:srgbClr val="FFFF00"/>
+                </a:highlight>
+              </a:rPr>
+              <a:t>CommandType.Text</a:t>
+            </a:r>
+            <a:r>
+              <a:rPr lang="en-US" dirty="0">
+                <a:solidFill>
+                  <a:schemeClr val="bg1"/>
+                </a:solidFill>
+                <a:highlight>
+                  <a:srgbClr val="FFFF00"/>
+                </a:highlight>
+              </a:rPr>
+              <a:t>);</a:t>
+            </a:r>
+          </a:p>
+          <a:p>
+            <a:pPr marL="0" indent="0">
+              <a:buNone/>
+            </a:pPr>
+            <a:r>
+              <a:rPr lang="en-US" dirty="0"/>
+              <a:t>   }</a:t>
+            </a:r>
+          </a:p>
+          <a:p>
+            <a:pPr marL="0" indent="0">
+              <a:buNone/>
+            </a:pPr>
+            <a:r>
+              <a:rPr lang="en-US" dirty="0"/>
+              <a:t>}</a:t>
+            </a:r>
+          </a:p>
+        </p:txBody>
+      </p:sp>
+    </p:spTree>
+    <p:extLst>
+      <p:ext uri="{BB962C8B-B14F-4D97-AF65-F5344CB8AC3E}">
+        <p14:creationId xmlns:p14="http://schemas.microsoft.com/office/powerpoint/2010/main" val="315955978"/>
+      </p:ext>
+    </p:extLst>
+  </p:cSld>
+  <p:clrMapOvr>
+    <a:masterClrMapping/>
+  </p:clrMapOvr>
+</p:sld>
+</file>
+
+<file path=ppt/slides/slide4.xml><?xml version="1.0" encoding="utf-8"?>
+<p:sld xmlns:a="http://schemas.openxmlformats.org/drawingml/2006/main" xmlns:r="http://schemas.openxmlformats.org/officeDocument/2006/relationships" xmlns:p="http://schemas.openxmlformats.org/presentationml/2006/main">
+  <p:cSld>
+    <p:spTree>
+      <p:nvGrpSpPr>
+        <p:cNvPr id="1" name=""/>
+        <p:cNvGrpSpPr/>
+        <p:nvPr/>
+      </p:nvGrpSpPr>
+      <p:grpSpPr>
+        <a:xfrm>
+          <a:off x="0" y="0"/>
+          <a:ext cx="0" cy="0"/>
+          <a:chOff x="0" y="0"/>
+          <a:chExt cx="0" cy="0"/>
+        </a:xfrm>
+      </p:grpSpPr>
+      <p:sp>
+        <p:nvSpPr>
+          <p:cNvPr id="2" name="Title 1"/>
+          <p:cNvSpPr>
+            <a:spLocks noGrp="1"/>
+          </p:cNvSpPr>
+          <p:nvPr>
+            <p:ph type="title"/>
+          </p:nvPr>
+        </p:nvSpPr>
+        <p:spPr/>
+        <p:txBody>
+          <a:bodyPr/>
+          <a:lstStyle/>
+          <a:p>
+            <a:r>
+              <a:rPr lang="en-US" dirty="0"/>
+              <a:t>Select Statements</a:t>
+            </a:r>
+          </a:p>
+        </p:txBody>
+      </p:sp>
+      <p:sp>
+        <p:nvSpPr>
+          <p:cNvPr id="3" name="Content Placeholder 2"/>
+          <p:cNvSpPr>
+            <a:spLocks noGrp="1"/>
+          </p:cNvSpPr>
+          <p:nvPr>
+            <p:ph sz="half" idx="1"/>
+          </p:nvPr>
+        </p:nvSpPr>
+        <p:spPr/>
+        <p:txBody>
+          <a:bodyPr>
+            <a:noAutofit/>
+          </a:bodyPr>
+          <a:lstStyle/>
+          <a:p>
+            <a:r>
+              <a:rPr lang="en-US" sz="2800" dirty="0"/>
+              <a:t>Components in Logical Order</a:t>
+            </a:r>
+          </a:p>
+          <a:p>
+            <a:pPr lvl="1"/>
+            <a:r>
+              <a:rPr lang="en-US" sz="2800" dirty="0"/>
+              <a:t>SELECT</a:t>
+            </a:r>
+          </a:p>
+          <a:p>
+            <a:pPr lvl="1"/>
+            <a:r>
+              <a:rPr lang="en-US" sz="2800" dirty="0"/>
+              <a:t>FROM</a:t>
+            </a:r>
+          </a:p>
+          <a:p>
+            <a:pPr lvl="1"/>
+            <a:r>
+              <a:rPr lang="en-US" sz="2800" dirty="0"/>
+              <a:t>WHERE</a:t>
+            </a:r>
+          </a:p>
+          <a:p>
+            <a:pPr lvl="1"/>
+            <a:r>
+              <a:rPr lang="en-US" sz="2800" dirty="0"/>
+              <a:t>GROUP BY</a:t>
+            </a:r>
+          </a:p>
+          <a:p>
+            <a:pPr lvl="1"/>
+            <a:r>
+              <a:rPr lang="en-US" sz="2800" dirty="0"/>
+              <a:t>HAVING</a:t>
+            </a:r>
+          </a:p>
+          <a:p>
+            <a:pPr lvl="1"/>
+            <a:r>
+              <a:rPr lang="en-US" sz="2800" dirty="0"/>
+              <a:t>ORDER BY</a:t>
+            </a:r>
+          </a:p>
+        </p:txBody>
+      </p:sp>
+      <p:sp>
+        <p:nvSpPr>
+          <p:cNvPr id="4" name="Content Placeholder 3"/>
+          <p:cNvSpPr>
+            <a:spLocks noGrp="1"/>
+          </p:cNvSpPr>
+          <p:nvPr>
+            <p:ph sz="half" idx="2"/>
+          </p:nvPr>
+        </p:nvSpPr>
+        <p:spPr/>
+        <p:txBody>
+          <a:bodyPr>
+            <a:normAutofit/>
+          </a:bodyPr>
+          <a:lstStyle/>
+          <a:p>
+            <a:r>
+              <a:rPr lang="en-US" sz="2800" dirty="0"/>
+              <a:t>Example:</a:t>
+            </a:r>
+          </a:p>
+          <a:p>
+            <a:pPr marL="274320" lvl="1" indent="0">
+              <a:buNone/>
+            </a:pPr>
+            <a:r>
+              <a:rPr lang="en-US" sz="2800" dirty="0"/>
+              <a:t>SELECT </a:t>
+            </a:r>
+            <a:r>
+              <a:rPr lang="en-US" sz="2800" dirty="0" err="1"/>
+              <a:t>FirstName</a:t>
+            </a:r>
+            <a:r>
+              <a:rPr lang="en-US" sz="2800" dirty="0"/>
+              <a:t>, </a:t>
+            </a:r>
+            <a:r>
+              <a:rPr lang="en-US" sz="2800" dirty="0" err="1"/>
+              <a:t>LastName</a:t>
+            </a:r>
+            <a:r>
+              <a:rPr lang="en-US" sz="2800" dirty="0"/>
+              <a:t> </a:t>
+            </a:r>
+          </a:p>
+          <a:p>
+            <a:pPr marL="274320" lvl="1" indent="0">
+              <a:buNone/>
+            </a:pPr>
+            <a:r>
+              <a:rPr lang="en-US" sz="2800" dirty="0"/>
+              <a:t>FROM Person</a:t>
+            </a:r>
+          </a:p>
+          <a:p>
+            <a:pPr marL="274320" lvl="1" indent="0">
+              <a:buNone/>
+            </a:pPr>
+            <a:r>
+              <a:rPr lang="en-US" sz="2800" dirty="0"/>
+              <a:t>WHERE </a:t>
+            </a:r>
+            <a:r>
+              <a:rPr lang="en-US" sz="2800" dirty="0" err="1"/>
+              <a:t>personId</a:t>
+            </a:r>
+            <a:r>
+              <a:rPr lang="en-US" sz="2800" dirty="0"/>
+              <a:t> = 2</a:t>
+            </a:r>
+          </a:p>
+          <a:p>
+            <a:endParaRPr lang="en-US" dirty="0"/>
+          </a:p>
+        </p:txBody>
+      </p:sp>
+    </p:spTree>
+    <p:extLst>
+      <p:ext uri="{BB962C8B-B14F-4D97-AF65-F5344CB8AC3E}">
+        <p14:creationId xmlns:p14="http://schemas.microsoft.com/office/powerpoint/2010/main" val="3603759194"/>
+      </p:ext>
+    </p:extLst>
+  </p:cSld>
+  <p:clrMapOvr>
+    <a:masterClrMapping/>
+  </p:clrMapOvr>
+</p:sld>
+</file>
+
+<file path=ppt/slides/slide40.xml><?xml version="1.0" encoding="utf-8"?>
+<p:sld xmlns:a="http://schemas.openxmlformats.org/drawingml/2006/main" xmlns:r="http://schemas.openxmlformats.org/officeDocument/2006/relationships" xmlns:p="http://schemas.openxmlformats.org/presentationml/2006/main">
+  <p:cSld>
+    <p:spTree>
+      <p:nvGrpSpPr>
+        <p:cNvPr id="1" name=""/>
+        <p:cNvGrpSpPr/>
+        <p:nvPr/>
+      </p:nvGrpSpPr>
+      <p:grpSpPr>
+        <a:xfrm>
+          <a:off x="0" y="0"/>
+          <a:ext cx="0" cy="0"/>
+          <a:chOff x="0" y="0"/>
+          <a:chExt cx="0" cy="0"/>
+        </a:xfrm>
+      </p:grpSpPr>
+      <p:sp>
+        <p:nvSpPr>
+          <p:cNvPr id="2" name="Title 1"/>
+          <p:cNvSpPr>
+            <a:spLocks noGrp="1"/>
+          </p:cNvSpPr>
+          <p:nvPr>
+            <p:ph type="title"/>
+          </p:nvPr>
+        </p:nvSpPr>
+        <p:spPr/>
+        <p:txBody>
+          <a:bodyPr/>
+          <a:lstStyle/>
+          <a:p>
+            <a:r>
+              <a:rPr lang="en-US" dirty="0"/>
+              <a:t>Repository</a:t>
+            </a:r>
+          </a:p>
+        </p:txBody>
+      </p:sp>
+      <p:sp>
+        <p:nvSpPr>
+          <p:cNvPr id="3" name="Content Placeholder 2"/>
+          <p:cNvSpPr>
+            <a:spLocks noGrp="1"/>
+          </p:cNvSpPr>
+          <p:nvPr>
+            <p:ph idx="1"/>
+          </p:nvPr>
+        </p:nvSpPr>
+        <p:spPr/>
+        <p:txBody>
+          <a:bodyPr>
+            <a:normAutofit/>
+          </a:bodyPr>
+          <a:lstStyle/>
+          <a:p>
+            <a:pPr marL="0" indent="0">
+              <a:buNone/>
+            </a:pPr>
+            <a:r>
+              <a:rPr lang="en-US" dirty="0"/>
+              <a:t>public </a:t>
+            </a:r>
+            <a:r>
+              <a:rPr lang="en-US" dirty="0">
+                <a:solidFill>
+                  <a:schemeClr val="bg1"/>
+                </a:solidFill>
+                <a:highlight>
+                  <a:srgbClr val="FFFF00"/>
+                </a:highlight>
+              </a:rPr>
+              <a:t>Subject</a:t>
+            </a:r>
+            <a:r>
+              <a:rPr lang="en-US" dirty="0"/>
+              <a:t> Get(</a:t>
+            </a:r>
+            <a:r>
+              <a:rPr lang="en-US" dirty="0" err="1"/>
+              <a:t>int</a:t>
+            </a:r>
+            <a:r>
+              <a:rPr lang="en-US" dirty="0"/>
+              <a:t> </a:t>
+            </a:r>
+            <a:r>
+              <a:rPr lang="en-US" dirty="0" err="1"/>
+              <a:t>subjectID</a:t>
+            </a:r>
+            <a:r>
+              <a:rPr lang="en-US" dirty="0"/>
+              <a:t>)</a:t>
+            </a:r>
+          </a:p>
+          <a:p>
+            <a:pPr marL="0" indent="0">
+              <a:buNone/>
+            </a:pPr>
+            <a:r>
+              <a:rPr lang="en-US" dirty="0"/>
+              <a:t>{</a:t>
+            </a:r>
+          </a:p>
+          <a:p>
+            <a:pPr marL="0" indent="0">
+              <a:buNone/>
+            </a:pPr>
+            <a:r>
+              <a:rPr lang="en-US" dirty="0"/>
+              <a:t>   using (</a:t>
+            </a:r>
+            <a:r>
+              <a:rPr lang="en-US" dirty="0" err="1"/>
+              <a:t>IDbConnection</a:t>
+            </a:r>
+            <a:r>
+              <a:rPr lang="en-US" dirty="0"/>
+              <a:t> </a:t>
+            </a:r>
+            <a:r>
+              <a:rPr lang="en-US" dirty="0" err="1"/>
+              <a:t>dbConnection</a:t>
+            </a:r>
+            <a:r>
+              <a:rPr lang="en-US" dirty="0"/>
+              <a:t> = Connection)</a:t>
+            </a:r>
+          </a:p>
+          <a:p>
+            <a:pPr marL="0" indent="0">
+              <a:buNone/>
+            </a:pPr>
+            <a:r>
+              <a:rPr lang="en-US" dirty="0"/>
+              <a:t>   {</a:t>
+            </a:r>
+          </a:p>
+          <a:p>
+            <a:pPr marL="0" indent="0">
+              <a:buNone/>
+            </a:pPr>
+            <a:r>
+              <a:rPr lang="en-US" dirty="0"/>
+              <a:t>      …</a:t>
+            </a:r>
+          </a:p>
+          <a:p>
+            <a:pPr marL="0" indent="0">
+              <a:buNone/>
+            </a:pPr>
+            <a:r>
+              <a:rPr lang="en-US" dirty="0">
+                <a:solidFill>
+                  <a:schemeClr val="bg1"/>
+                </a:solidFill>
+                <a:highlight>
+                  <a:srgbClr val="FFFF00"/>
+                </a:highlight>
+              </a:rPr>
+              <a:t>      return </a:t>
+            </a:r>
+            <a:r>
+              <a:rPr lang="en-US" dirty="0" err="1">
+                <a:solidFill>
+                  <a:schemeClr val="bg1"/>
+                </a:solidFill>
+                <a:highlight>
+                  <a:srgbClr val="FFFF00"/>
+                </a:highlight>
+              </a:rPr>
+              <a:t>dbConnection.Query</a:t>
+            </a:r>
+            <a:r>
+              <a:rPr lang="en-US" dirty="0">
+                <a:solidFill>
+                  <a:schemeClr val="bg1"/>
+                </a:solidFill>
+                <a:highlight>
+                  <a:srgbClr val="FFFF00"/>
+                </a:highlight>
+              </a:rPr>
+              <a:t>&lt;Subject&gt;(</a:t>
+            </a:r>
+            <a:r>
+              <a:rPr lang="en-US" dirty="0" err="1">
+                <a:solidFill>
+                  <a:schemeClr val="bg1"/>
+                </a:solidFill>
+                <a:highlight>
+                  <a:srgbClr val="FFFF00"/>
+                </a:highlight>
+              </a:rPr>
+              <a:t>sql</a:t>
+            </a:r>
+            <a:r>
+              <a:rPr lang="en-US" dirty="0">
+                <a:solidFill>
+                  <a:schemeClr val="bg1"/>
+                </a:solidFill>
+                <a:highlight>
+                  <a:srgbClr val="FFFF00"/>
+                </a:highlight>
+              </a:rPr>
+              <a:t>, new { </a:t>
+            </a:r>
+            <a:r>
+              <a:rPr lang="en-US" dirty="0" err="1">
+                <a:solidFill>
+                  <a:schemeClr val="bg1"/>
+                </a:solidFill>
+                <a:highlight>
+                  <a:srgbClr val="FFFF00"/>
+                </a:highlight>
+              </a:rPr>
+              <a:t>SubjectId</a:t>
+            </a:r>
+            <a:r>
+              <a:rPr lang="en-US" dirty="0">
+                <a:solidFill>
+                  <a:schemeClr val="bg1"/>
+                </a:solidFill>
+                <a:highlight>
+                  <a:srgbClr val="FFFF00"/>
+                </a:highlight>
+              </a:rPr>
+              <a:t> = </a:t>
+            </a:r>
+            <a:r>
+              <a:rPr lang="en-US" dirty="0" err="1">
+                <a:solidFill>
+                  <a:schemeClr val="bg1"/>
+                </a:solidFill>
+                <a:highlight>
+                  <a:srgbClr val="FFFF00"/>
+                </a:highlight>
+              </a:rPr>
+              <a:t>subjectID</a:t>
+            </a:r>
+            <a:r>
+              <a:rPr lang="en-US" dirty="0">
+                <a:solidFill>
+                  <a:schemeClr val="bg1"/>
+                </a:solidFill>
+                <a:highlight>
+                  <a:srgbClr val="FFFF00"/>
+                </a:highlight>
+              </a:rPr>
+              <a:t> }, </a:t>
+            </a:r>
+            <a:r>
+              <a:rPr lang="en-US" dirty="0" err="1">
+                <a:solidFill>
+                  <a:schemeClr val="bg1"/>
+                </a:solidFill>
+                <a:highlight>
+                  <a:srgbClr val="FFFF00"/>
+                </a:highlight>
+              </a:rPr>
+              <a:t>commandType</a:t>
+            </a:r>
+            <a:r>
+              <a:rPr lang="en-US" dirty="0">
+                <a:solidFill>
+                  <a:schemeClr val="bg1"/>
+                </a:solidFill>
+                <a:highlight>
+                  <a:srgbClr val="FFFF00"/>
+                </a:highlight>
+              </a:rPr>
+              <a:t>: </a:t>
+            </a:r>
+            <a:r>
+              <a:rPr lang="en-US" dirty="0" err="1">
+                <a:solidFill>
+                  <a:schemeClr val="bg1"/>
+                </a:solidFill>
+                <a:highlight>
+                  <a:srgbClr val="FFFF00"/>
+                </a:highlight>
+              </a:rPr>
+              <a:t>CommandType.Text</a:t>
+            </a:r>
+            <a:r>
+              <a:rPr lang="en-US" dirty="0">
+                <a:solidFill>
+                  <a:schemeClr val="bg1"/>
+                </a:solidFill>
+                <a:highlight>
+                  <a:srgbClr val="FFFF00"/>
+                </a:highlight>
+              </a:rPr>
+              <a:t>).</a:t>
+            </a:r>
+            <a:r>
+              <a:rPr lang="en-US" dirty="0" err="1">
+                <a:solidFill>
+                  <a:schemeClr val="bg1"/>
+                </a:solidFill>
+                <a:highlight>
+                  <a:srgbClr val="FFFF00"/>
+                </a:highlight>
+              </a:rPr>
+              <a:t>FirstOrDefault</a:t>
+            </a:r>
+            <a:r>
+              <a:rPr lang="en-US" dirty="0">
+                <a:solidFill>
+                  <a:schemeClr val="bg1"/>
+                </a:solidFill>
+                <a:highlight>
+                  <a:srgbClr val="FFFF00"/>
+                </a:highlight>
+              </a:rPr>
+              <a:t>();</a:t>
+            </a:r>
+          </a:p>
+          <a:p>
+            <a:pPr marL="0" indent="0">
+              <a:buNone/>
+            </a:pPr>
+            <a:r>
+              <a:rPr lang="en-US" dirty="0"/>
+              <a:t>   }</a:t>
+            </a:r>
+          </a:p>
+          <a:p>
+            <a:pPr marL="0" indent="0">
+              <a:buNone/>
+            </a:pPr>
+            <a:r>
+              <a:rPr lang="en-US" dirty="0"/>
+              <a:t>}</a:t>
+            </a:r>
+          </a:p>
+        </p:txBody>
+      </p:sp>
+    </p:spTree>
+    <p:extLst>
+      <p:ext uri="{BB962C8B-B14F-4D97-AF65-F5344CB8AC3E}">
+        <p14:creationId xmlns:p14="http://schemas.microsoft.com/office/powerpoint/2010/main" val="900952885"/>
+      </p:ext>
+    </p:extLst>
+  </p:cSld>
+  <p:clrMapOvr>
+    <a:masterClrMapping/>
+  </p:clrMapOvr>
+</p:sld>
+</file>
+
+<file path=ppt/slides/slide41.xml><?xml version="1.0" encoding="utf-8"?>
+<p:sld xmlns:a="http://schemas.openxmlformats.org/drawingml/2006/main" xmlns:r="http://schemas.openxmlformats.org/officeDocument/2006/relationships" xmlns:p="http://schemas.openxmlformats.org/presentationml/2006/main">
+  <p:cSld>
+    <p:spTree>
+      <p:nvGrpSpPr>
+        <p:cNvPr id="1" name=""/>
+        <p:cNvGrpSpPr/>
+        <p:nvPr/>
+      </p:nvGrpSpPr>
+      <p:grpSpPr>
+        <a:xfrm>
+          <a:off x="0" y="0"/>
+          <a:ext cx="0" cy="0"/>
+          <a:chOff x="0" y="0"/>
+          <a:chExt cx="0" cy="0"/>
+        </a:xfrm>
+      </p:grpSpPr>
+      <p:sp>
+        <p:nvSpPr>
+          <p:cNvPr id="2" name="Title 1"/>
+          <p:cNvSpPr>
+            <a:spLocks noGrp="1"/>
+          </p:cNvSpPr>
+          <p:nvPr>
+            <p:ph type="title"/>
+          </p:nvPr>
+        </p:nvSpPr>
+        <p:spPr/>
+        <p:txBody>
+          <a:bodyPr/>
+          <a:lstStyle/>
+          <a:p>
+            <a:r>
+              <a:rPr lang="en-US" dirty="0"/>
+              <a:t>Repository</a:t>
+            </a:r>
+          </a:p>
+        </p:txBody>
+      </p:sp>
+      <p:sp>
+        <p:nvSpPr>
+          <p:cNvPr id="3" name="Content Placeholder 2"/>
+          <p:cNvSpPr>
+            <a:spLocks noGrp="1"/>
+          </p:cNvSpPr>
+          <p:nvPr>
+            <p:ph idx="1"/>
+          </p:nvPr>
+        </p:nvSpPr>
+        <p:spPr/>
+        <p:txBody>
+          <a:bodyPr>
+            <a:normAutofit fontScale="92500" lnSpcReduction="20000"/>
+          </a:bodyPr>
+          <a:lstStyle/>
+          <a:p>
+            <a:pPr marL="0" indent="0">
+              <a:buNone/>
+            </a:pPr>
+            <a:r>
+              <a:rPr lang="en-US" dirty="0"/>
+              <a:t>public </a:t>
+            </a:r>
+            <a:r>
+              <a:rPr lang="en-US" dirty="0">
+                <a:solidFill>
+                  <a:schemeClr val="bg1"/>
+                </a:solidFill>
+                <a:highlight>
+                  <a:srgbClr val="FFFF00"/>
+                </a:highlight>
+              </a:rPr>
+              <a:t>void Insert(</a:t>
+            </a:r>
+            <a:r>
+              <a:rPr lang="en-US" dirty="0" err="1">
+                <a:solidFill>
+                  <a:schemeClr val="bg1"/>
+                </a:solidFill>
+                <a:highlight>
+                  <a:srgbClr val="FFFF00"/>
+                </a:highlight>
+              </a:rPr>
+              <a:t>TimeTraveler</a:t>
+            </a:r>
+            <a:r>
+              <a:rPr lang="en-US" dirty="0">
+                <a:solidFill>
+                  <a:schemeClr val="bg1"/>
+                </a:solidFill>
+                <a:highlight>
+                  <a:srgbClr val="FFFF00"/>
+                </a:highlight>
+              </a:rPr>
+              <a:t> </a:t>
+            </a:r>
+            <a:r>
+              <a:rPr lang="en-US" dirty="0" err="1">
+                <a:solidFill>
+                  <a:schemeClr val="bg1"/>
+                </a:solidFill>
+                <a:highlight>
+                  <a:srgbClr val="FFFF00"/>
+                </a:highlight>
+              </a:rPr>
+              <a:t>timeTraveler</a:t>
+            </a:r>
+            <a:r>
+              <a:rPr lang="en-US" dirty="0">
+                <a:solidFill>
+                  <a:schemeClr val="bg1"/>
+                </a:solidFill>
+                <a:highlight>
+                  <a:srgbClr val="FFFF00"/>
+                </a:highlight>
+              </a:rPr>
+              <a:t>)</a:t>
+            </a:r>
+          </a:p>
+          <a:p>
+            <a:pPr marL="0" indent="0">
+              <a:buNone/>
+            </a:pPr>
+            <a:r>
+              <a:rPr lang="en-US" dirty="0"/>
+              <a:t>{</a:t>
+            </a:r>
+          </a:p>
+          <a:p>
+            <a:pPr marL="0" indent="0">
+              <a:buNone/>
+            </a:pPr>
+            <a:r>
+              <a:rPr lang="en-US" dirty="0"/>
+              <a:t>	using (</a:t>
+            </a:r>
+            <a:r>
+              <a:rPr lang="en-US" dirty="0" err="1"/>
+              <a:t>IDbConnection</a:t>
+            </a:r>
+            <a:r>
+              <a:rPr lang="en-US" dirty="0"/>
+              <a:t> </a:t>
+            </a:r>
+            <a:r>
+              <a:rPr lang="en-US" dirty="0" err="1"/>
+              <a:t>dbConnection</a:t>
+            </a:r>
+            <a:r>
+              <a:rPr lang="en-US" dirty="0"/>
+              <a:t> = Connection)</a:t>
+            </a:r>
+          </a:p>
+          <a:p>
+            <a:pPr marL="0" indent="0">
+              <a:buNone/>
+            </a:pPr>
+            <a:r>
+              <a:rPr lang="en-US" dirty="0"/>
+              <a:t>	{</a:t>
+            </a:r>
+          </a:p>
+          <a:p>
+            <a:pPr marL="0" indent="0">
+              <a:buNone/>
+            </a:pPr>
+            <a:r>
+              <a:rPr lang="en-US" dirty="0"/>
+              <a:t>		…</a:t>
+            </a:r>
+          </a:p>
+          <a:p>
+            <a:pPr marL="0" indent="0">
+              <a:buNone/>
+            </a:pPr>
+            <a:r>
+              <a:rPr lang="en-US" dirty="0">
+                <a:solidFill>
+                  <a:schemeClr val="bg1"/>
+                </a:solidFill>
+                <a:highlight>
+                  <a:srgbClr val="FFFF00"/>
+                </a:highlight>
+              </a:rPr>
+              <a:t>		</a:t>
+            </a:r>
+            <a:r>
+              <a:rPr lang="en-US" dirty="0" err="1">
+                <a:solidFill>
+                  <a:schemeClr val="bg1"/>
+                </a:solidFill>
+                <a:highlight>
+                  <a:srgbClr val="FFFF00"/>
+                </a:highlight>
+              </a:rPr>
+              <a:t>dbConnection.Execute</a:t>
+            </a:r>
+            <a:r>
+              <a:rPr lang="en-US" dirty="0">
+                <a:solidFill>
+                  <a:schemeClr val="bg1"/>
+                </a:solidFill>
+                <a:highlight>
+                  <a:srgbClr val="FFFF00"/>
+                </a:highlight>
+              </a:rPr>
+              <a:t>(</a:t>
+            </a:r>
+            <a:r>
+              <a:rPr lang="en-US" dirty="0" err="1">
+                <a:solidFill>
+                  <a:schemeClr val="bg1"/>
+                </a:solidFill>
+                <a:highlight>
+                  <a:srgbClr val="FFFF00"/>
+                </a:highlight>
+              </a:rPr>
+              <a:t>sql</a:t>
+            </a:r>
+            <a:endParaRPr lang="en-US" dirty="0">
+              <a:solidFill>
+                <a:schemeClr val="bg1"/>
+              </a:solidFill>
+              <a:highlight>
+                <a:srgbClr val="FFFF00"/>
+              </a:highlight>
+            </a:endParaRPr>
+          </a:p>
+          <a:p>
+            <a:pPr marL="0" indent="0">
+              <a:buNone/>
+            </a:pPr>
+            <a:r>
+              <a:rPr lang="en-US" dirty="0">
+                <a:solidFill>
+                  <a:schemeClr val="bg1"/>
+                </a:solidFill>
+                <a:highlight>
+                  <a:srgbClr val="FFFF00"/>
+                </a:highlight>
+              </a:rPr>
+              <a:t>			, new { FirstName = </a:t>
+            </a:r>
+            <a:r>
+              <a:rPr lang="en-US" dirty="0" err="1">
+                <a:solidFill>
+                  <a:schemeClr val="bg1"/>
+                </a:solidFill>
+                <a:highlight>
+                  <a:srgbClr val="FFFF00"/>
+                </a:highlight>
+              </a:rPr>
+              <a:t>timeTraveler.FirstName</a:t>
+            </a:r>
+            <a:r>
+              <a:rPr lang="en-US" dirty="0">
+                <a:solidFill>
+                  <a:schemeClr val="bg1"/>
+                </a:solidFill>
+                <a:highlight>
+                  <a:srgbClr val="FFFF00"/>
+                </a:highlight>
+              </a:rPr>
+              <a:t>, </a:t>
+            </a:r>
+          </a:p>
+          <a:p>
+            <a:pPr marL="0" indent="0">
+              <a:buNone/>
+            </a:pPr>
+            <a:r>
+              <a:rPr lang="en-US" dirty="0">
+                <a:solidFill>
+                  <a:schemeClr val="bg1"/>
+                </a:solidFill>
+                <a:highlight>
+                  <a:srgbClr val="FFFF00"/>
+                </a:highlight>
+              </a:rPr>
+              <a:t>				</a:t>
+            </a:r>
+            <a:r>
+              <a:rPr lang="en-US" dirty="0" err="1">
+                <a:solidFill>
+                  <a:schemeClr val="bg1"/>
+                </a:solidFill>
+                <a:highlight>
+                  <a:srgbClr val="FFFF00"/>
+                </a:highlight>
+              </a:rPr>
+              <a:t>LastName</a:t>
+            </a:r>
+            <a:r>
+              <a:rPr lang="en-US" dirty="0">
+                <a:solidFill>
+                  <a:schemeClr val="bg1"/>
+                </a:solidFill>
+                <a:highlight>
+                  <a:srgbClr val="FFFF00"/>
+                </a:highlight>
+              </a:rPr>
+              <a:t> = </a:t>
+            </a:r>
+            <a:r>
+              <a:rPr lang="en-US" dirty="0" err="1">
+                <a:solidFill>
+                  <a:schemeClr val="bg1"/>
+                </a:solidFill>
+                <a:highlight>
+                  <a:srgbClr val="FFFF00"/>
+                </a:highlight>
+              </a:rPr>
+              <a:t>timeTraveler.LastName</a:t>
+            </a:r>
+            <a:r>
+              <a:rPr lang="en-US" dirty="0">
+                <a:solidFill>
+                  <a:schemeClr val="bg1"/>
+                </a:solidFill>
+                <a:highlight>
+                  <a:srgbClr val="FFFF00"/>
+                </a:highlight>
+              </a:rPr>
+              <a:t> } </a:t>
+            </a:r>
+          </a:p>
+          <a:p>
+            <a:pPr marL="0" indent="0">
+              <a:buNone/>
+            </a:pPr>
+            <a:r>
+              <a:rPr lang="en-US" dirty="0">
+                <a:solidFill>
+                  <a:schemeClr val="bg1"/>
+                </a:solidFill>
+                <a:highlight>
+                  <a:srgbClr val="FFFF00"/>
+                </a:highlight>
+              </a:rPr>
+              <a:t>			,</a:t>
+            </a:r>
+            <a:r>
+              <a:rPr lang="en-US" dirty="0" err="1">
+                <a:solidFill>
+                  <a:schemeClr val="bg1"/>
+                </a:solidFill>
+                <a:highlight>
+                  <a:srgbClr val="FFFF00"/>
+                </a:highlight>
+              </a:rPr>
+              <a:t>commandType</a:t>
+            </a:r>
+            <a:r>
+              <a:rPr lang="en-US" dirty="0">
+                <a:solidFill>
+                  <a:schemeClr val="bg1"/>
+                </a:solidFill>
+                <a:highlight>
+                  <a:srgbClr val="FFFF00"/>
+                </a:highlight>
+              </a:rPr>
+              <a:t>: </a:t>
+            </a:r>
+            <a:r>
+              <a:rPr lang="en-US" dirty="0" err="1">
+                <a:solidFill>
+                  <a:schemeClr val="bg1"/>
+                </a:solidFill>
+                <a:highlight>
+                  <a:srgbClr val="FFFF00"/>
+                </a:highlight>
+              </a:rPr>
+              <a:t>CommandType.Text</a:t>
+            </a:r>
+            <a:r>
+              <a:rPr lang="en-US" dirty="0">
+                <a:solidFill>
+                  <a:schemeClr val="bg1"/>
+                </a:solidFill>
+                <a:highlight>
+                  <a:srgbClr val="FFFF00"/>
+                </a:highlight>
+              </a:rPr>
+              <a:t>);</a:t>
+            </a:r>
+          </a:p>
+          <a:p>
+            <a:pPr marL="0" indent="0">
+              <a:buNone/>
+            </a:pPr>
+            <a:r>
+              <a:rPr lang="en-US" dirty="0"/>
+              <a:t>	}</a:t>
+            </a:r>
+          </a:p>
+          <a:p>
+            <a:pPr marL="0" indent="0">
+              <a:buNone/>
+            </a:pPr>
+            <a:r>
+              <a:rPr lang="en-US" dirty="0"/>
+              <a:t>}</a:t>
+            </a:r>
+          </a:p>
+        </p:txBody>
+      </p:sp>
+    </p:spTree>
+    <p:extLst>
+      <p:ext uri="{BB962C8B-B14F-4D97-AF65-F5344CB8AC3E}">
+        <p14:creationId xmlns:p14="http://schemas.microsoft.com/office/powerpoint/2010/main" val="3746771815"/>
+      </p:ext>
+    </p:extLst>
+  </p:cSld>
+  <p:clrMapOvr>
+    <a:masterClrMapping/>
+  </p:clrMapOvr>
+</p:sld>
+</file>
+
+<file path=ppt/slides/slide42.xml><?xml version="1.0" encoding="utf-8"?>
+<p:sld xmlns:a="http://schemas.openxmlformats.org/drawingml/2006/main" xmlns:r="http://schemas.openxmlformats.org/officeDocument/2006/relationships" xmlns:p="http://schemas.openxmlformats.org/presentationml/2006/main">
+  <p:cSld>
+    <p:spTree>
+      <p:nvGrpSpPr>
+        <p:cNvPr id="1" name=""/>
+        <p:cNvGrpSpPr/>
+        <p:nvPr/>
+      </p:nvGrpSpPr>
+      <p:grpSpPr>
+        <a:xfrm>
+          <a:off x="0" y="0"/>
+          <a:ext cx="0" cy="0"/>
+          <a:chOff x="0" y="0"/>
+          <a:chExt cx="0" cy="0"/>
+        </a:xfrm>
+      </p:grpSpPr>
+      <p:sp>
+        <p:nvSpPr>
+          <p:cNvPr id="2" name="Title 1"/>
+          <p:cNvSpPr>
+            <a:spLocks noGrp="1"/>
+          </p:cNvSpPr>
+          <p:nvPr>
+            <p:ph type="title"/>
+          </p:nvPr>
+        </p:nvSpPr>
+        <p:spPr/>
+        <p:txBody>
+          <a:bodyPr/>
+          <a:lstStyle/>
+          <a:p>
+            <a:r>
+              <a:rPr lang="en-US" dirty="0"/>
               <a:t>CLI Commands</a:t>
             </a:r>
           </a:p>
@@ -17602,7 +20418,7 @@
 </p:sld>
 </file>
 
-<file path=ppt/slides/slide37.xml><?xml version="1.0" encoding="utf-8"?>
+<file path=ppt/slides/slide43.xml><?xml version="1.0" encoding="utf-8"?>
 <p:sld xmlns:a="http://schemas.openxmlformats.org/drawingml/2006/main" xmlns:r="http://schemas.openxmlformats.org/officeDocument/2006/relationships" xmlns:p="http://schemas.openxmlformats.org/presentationml/2006/main">
   <p:cSld>
     <p:spTree>
@@ -17706,7 +20522,7 @@
 </p:sld>
 </file>
 
-<file path=ppt/slides/slide38.xml><?xml version="1.0" encoding="utf-8"?>
+<file path=ppt/slides/slide44.xml><?xml version="1.0" encoding="utf-8"?>
 <p:sld xmlns:a="http://schemas.openxmlformats.org/drawingml/2006/main" xmlns:r="http://schemas.openxmlformats.org/officeDocument/2006/relationships" xmlns:p="http://schemas.openxmlformats.org/presentationml/2006/main">
   <p:cSld>
     <p:spTree>
@@ -17810,7 +20626,7 @@
 </p:sld>
 </file>
 
-<file path=ppt/slides/slide39.xml><?xml version="1.0" encoding="utf-8"?>
+<file path=ppt/slides/slide45.xml><?xml version="1.0" encoding="utf-8"?>
 <p:sld xmlns:a="http://schemas.openxmlformats.org/drawingml/2006/main" xmlns:r="http://schemas.openxmlformats.org/officeDocument/2006/relationships" xmlns:p="http://schemas.openxmlformats.org/presentationml/2006/main">
   <p:cSld>
     <p:spTree>
@@ -17941,203 +20757,7 @@
 </p:sld>
 </file>
 
-<file path=ppt/slides/slide4.xml><?xml version="1.0" encoding="utf-8"?>
-<p:sld xmlns:a="http://schemas.openxmlformats.org/drawingml/2006/main" xmlns:r="http://schemas.openxmlformats.org/officeDocument/2006/relationships" xmlns:p="http://schemas.openxmlformats.org/presentationml/2006/main">
-  <p:cSld>
-    <p:spTree>
-      <p:nvGrpSpPr>
-        <p:cNvPr id="1" name=""/>
-        <p:cNvGrpSpPr/>
-        <p:nvPr/>
-      </p:nvGrpSpPr>
-      <p:grpSpPr>
-        <a:xfrm>
-          <a:off x="0" y="0"/>
-          <a:ext cx="0" cy="0"/>
-          <a:chOff x="0" y="0"/>
-          <a:chExt cx="0" cy="0"/>
-        </a:xfrm>
-      </p:grpSpPr>
-      <p:sp>
-        <p:nvSpPr>
-          <p:cNvPr id="2" name="Title 1"/>
-          <p:cNvSpPr>
-            <a:spLocks noGrp="1"/>
-          </p:cNvSpPr>
-          <p:nvPr>
-            <p:ph type="title"/>
-          </p:nvPr>
-        </p:nvSpPr>
-        <p:spPr/>
-        <p:txBody>
-          <a:bodyPr/>
-          <a:lstStyle/>
-          <a:p>
-            <a:r>
-              <a:rPr lang="en-US" dirty="0"/>
-              <a:t>Select Statements</a:t>
-            </a:r>
-          </a:p>
-        </p:txBody>
-      </p:sp>
-      <p:sp>
-        <p:nvSpPr>
-          <p:cNvPr id="3" name="Content Placeholder 2"/>
-          <p:cNvSpPr>
-            <a:spLocks noGrp="1"/>
-          </p:cNvSpPr>
-          <p:nvPr>
-            <p:ph sz="half" idx="1"/>
-          </p:nvPr>
-        </p:nvSpPr>
-        <p:spPr/>
-        <p:txBody>
-          <a:bodyPr>
-            <a:noAutofit/>
-          </a:bodyPr>
-          <a:lstStyle/>
-          <a:p>
-            <a:r>
-              <a:rPr lang="en-US" sz="2800" dirty="0"/>
-              <a:t>Components in Logical Order</a:t>
-            </a:r>
-          </a:p>
-          <a:p>
-            <a:pPr lvl="1"/>
-            <a:r>
-              <a:rPr lang="en-US" sz="2800" dirty="0"/>
-              <a:t>SELECT</a:t>
-            </a:r>
-          </a:p>
-          <a:p>
-            <a:pPr lvl="1"/>
-            <a:r>
-              <a:rPr lang="en-US" sz="2800" dirty="0"/>
-              <a:t>FROM</a:t>
-            </a:r>
-          </a:p>
-          <a:p>
-            <a:pPr lvl="1"/>
-            <a:r>
-              <a:rPr lang="en-US" sz="2800" dirty="0"/>
-              <a:t>WHERE</a:t>
-            </a:r>
-          </a:p>
-          <a:p>
-            <a:pPr lvl="1"/>
-            <a:r>
-              <a:rPr lang="en-US" sz="2800" dirty="0"/>
-              <a:t>GROUP BY</a:t>
-            </a:r>
-          </a:p>
-          <a:p>
-            <a:pPr lvl="1"/>
-            <a:r>
-              <a:rPr lang="en-US" sz="2800" dirty="0"/>
-              <a:t>HAVING</a:t>
-            </a:r>
-          </a:p>
-          <a:p>
-            <a:pPr lvl="1"/>
-            <a:r>
-              <a:rPr lang="en-US" sz="2800" dirty="0"/>
-              <a:t>ORDER BY</a:t>
-            </a:r>
-          </a:p>
-        </p:txBody>
-      </p:sp>
-      <p:sp>
-        <p:nvSpPr>
-          <p:cNvPr id="4" name="Content Placeholder 3"/>
-          <p:cNvSpPr>
-            <a:spLocks noGrp="1"/>
-          </p:cNvSpPr>
-          <p:nvPr>
-            <p:ph sz="half" idx="2"/>
-          </p:nvPr>
-        </p:nvSpPr>
-        <p:spPr/>
-        <p:txBody>
-          <a:bodyPr>
-            <a:normAutofit/>
-          </a:bodyPr>
-          <a:lstStyle/>
-          <a:p>
-            <a:r>
-              <a:rPr lang="en-US" sz="2800" dirty="0"/>
-              <a:t>Example:</a:t>
-            </a:r>
-          </a:p>
-          <a:p>
-            <a:pPr marL="274320" lvl="1" indent="0">
-              <a:buNone/>
-            </a:pPr>
-            <a:r>
-              <a:rPr lang="en-US" sz="2800" dirty="0"/>
-              <a:t>SELECT </a:t>
-            </a:r>
-            <a:r>
-              <a:rPr lang="en-US" sz="2800" dirty="0" err="1"/>
-              <a:t>FirstName</a:t>
-            </a:r>
-            <a:r>
-              <a:rPr lang="en-US" sz="2800" dirty="0"/>
-              <a:t>, </a:t>
-            </a:r>
-            <a:r>
-              <a:rPr lang="en-US" sz="2800" dirty="0" err="1"/>
-              <a:t>LastName</a:t>
-            </a:r>
-            <a:r>
-              <a:rPr lang="en-US" sz="2800" dirty="0"/>
-              <a:t> </a:t>
-            </a:r>
-          </a:p>
-          <a:p>
-            <a:pPr marL="274320" lvl="1" indent="0">
-              <a:buNone/>
-            </a:pPr>
-            <a:r>
-              <a:rPr lang="en-US" sz="2800" dirty="0"/>
-              <a:t>FROM Person</a:t>
-            </a:r>
-          </a:p>
-          <a:p>
-            <a:pPr marL="274320" lvl="1" indent="0">
-              <a:buNone/>
-            </a:pPr>
-            <a:r>
-              <a:rPr lang="en-US" sz="2800" dirty="0"/>
-              <a:t>WHERE </a:t>
-            </a:r>
-            <a:r>
-              <a:rPr lang="en-US" sz="2800" dirty="0" err="1"/>
-              <a:t>personId</a:t>
-            </a:r>
-            <a:r>
-              <a:rPr lang="en-US" sz="2800" dirty="0"/>
-              <a:t> = 2</a:t>
-            </a:r>
-          </a:p>
-          <a:p>
-            <a:endParaRPr lang="en-US" dirty="0"/>
-          </a:p>
-        </p:txBody>
-      </p:sp>
-    </p:spTree>
-    <p:extLst>
-      <p:ext uri="{BB962C8B-B14F-4D97-AF65-F5344CB8AC3E}">
-        <p14:creationId xmlns:p14="http://schemas.microsoft.com/office/powerpoint/2010/main" val="3603759194"/>
-      </p:ext>
-    </p:extLst>
-  </p:cSld>
-  <p:clrMapOvr>
-    <a:masterClrMapping/>
-  </p:clrMapOvr>
-</p:sld>
-</file>
-
-<file path=ppt/slides/slide40.xml><?xml version="1.0" encoding="utf-8"?>
+<file path=ppt/slides/slide46.xml><?xml version="1.0" encoding="utf-8"?>
 <p:sld xmlns:a="http://schemas.openxmlformats.org/drawingml/2006/main" xmlns:r="http://schemas.openxmlformats.org/officeDocument/2006/relationships" xmlns:p="http://schemas.openxmlformats.org/presentationml/2006/main">
   <p:cSld>
     <p:spTree>
@@ -18241,7 +20861,7 @@
 </p:sld>
 </file>
 
-<file path=ppt/slides/slide41.xml><?xml version="1.0" encoding="utf-8"?>
+<file path=ppt/slides/slide47.xml><?xml version="1.0" encoding="utf-8"?>
 <p:sld xmlns:a="http://schemas.openxmlformats.org/drawingml/2006/main" xmlns:r="http://schemas.openxmlformats.org/officeDocument/2006/relationships" xmlns:p="http://schemas.openxmlformats.org/presentationml/2006/main">
   <p:cSld>
     <p:spTree>
@@ -18387,7 +21007,7 @@
 </p:sld>
 </file>
 
-<file path=ppt/slides/slide42.xml><?xml version="1.0" encoding="utf-8"?>
+<file path=ppt/slides/slide48.xml><?xml version="1.0" encoding="utf-8"?>
 <p:sld xmlns:a="http://schemas.openxmlformats.org/drawingml/2006/main" xmlns:r="http://schemas.openxmlformats.org/officeDocument/2006/relationships" xmlns:p="http://schemas.openxmlformats.org/presentationml/2006/main">
   <p:cSld>
     <p:spTree>
